--- a/20170524_RCScan/2018-1207 RC SCAN 說明文件.pptx
+++ b/20170524_RCScan/2018-1207 RC SCAN 說明文件.pptx
@@ -7,22 +7,26 @@
     <p:sldMasterId id="2147483702" r:id="rId3"/>
   </p:sldMasterIdLst>
   <p:notesMasterIdLst>
-    <p:notesMasterId r:id="rId17"/>
+    <p:notesMasterId r:id="rId21"/>
   </p:notesMasterIdLst>
   <p:sldIdLst>
     <p:sldId id="274" r:id="rId4"/>
     <p:sldId id="276" r:id="rId5"/>
-    <p:sldId id="275" r:id="rId6"/>
-    <p:sldId id="259" r:id="rId7"/>
-    <p:sldId id="258" r:id="rId8"/>
-    <p:sldId id="257" r:id="rId9"/>
-    <p:sldId id="261" r:id="rId10"/>
-    <p:sldId id="263" r:id="rId11"/>
-    <p:sldId id="262" r:id="rId12"/>
-    <p:sldId id="264" r:id="rId13"/>
-    <p:sldId id="265" r:id="rId14"/>
-    <p:sldId id="266" r:id="rId15"/>
-    <p:sldId id="267" r:id="rId16"/>
+    <p:sldId id="278" r:id="rId6"/>
+    <p:sldId id="279" r:id="rId7"/>
+    <p:sldId id="280" r:id="rId8"/>
+    <p:sldId id="281" r:id="rId9"/>
+    <p:sldId id="275" r:id="rId10"/>
+    <p:sldId id="259" r:id="rId11"/>
+    <p:sldId id="258" r:id="rId12"/>
+    <p:sldId id="257" r:id="rId13"/>
+    <p:sldId id="261" r:id="rId14"/>
+    <p:sldId id="263" r:id="rId15"/>
+    <p:sldId id="262" r:id="rId16"/>
+    <p:sldId id="264" r:id="rId17"/>
+    <p:sldId id="265" r:id="rId18"/>
+    <p:sldId id="266" r:id="rId19"/>
+    <p:sldId id="267" r:id="rId20"/>
   </p:sldIdLst>
   <p:sldSz cx="9144000" cy="6858000" type="screen4x3"/>
   <p:notesSz cx="6858000" cy="9144000"/>
@@ -131,6 +135,10 @@
           <p14:sldIdLst>
             <p14:sldId id="274"/>
             <p14:sldId id="276"/>
+            <p14:sldId id="278"/>
+            <p14:sldId id="279"/>
+            <p14:sldId id="280"/>
+            <p14:sldId id="281"/>
             <p14:sldId id="275"/>
             <p14:sldId id="259"/>
             <p14:sldId id="258"/>
@@ -254,7 +262,7 @@
           <a:p>
             <a:fld id="{CABFB9B6-EE47-47E7-8685-2B1284A08E14}" type="datetimeFigureOut">
               <a:rPr lang="zh-TW" altLang="en-US" smtClean="0"/>
-              <a:t>2018/12/7</a:t>
+              <a:t>2018/12/8</a:t>
             </a:fld>
             <a:endParaRPr lang="zh-TW" altLang="en-US"/>
           </a:p>
@@ -619,6 +627,326 @@
 </p:notes>
 </file>
 
+<file path=ppt/notesSlides/notesSlide2.xml><?xml version="1.0" encoding="utf-8"?>
+<p:notes xmlns:a="http://schemas.openxmlformats.org/drawingml/2006/main" xmlns:r="http://schemas.openxmlformats.org/officeDocument/2006/relationships" xmlns:p="http://schemas.openxmlformats.org/presentationml/2006/main">
+  <p:cSld>
+    <p:spTree>
+      <p:nvGrpSpPr>
+        <p:cNvPr id="1" name=""/>
+        <p:cNvGrpSpPr/>
+        <p:nvPr/>
+      </p:nvGrpSpPr>
+      <p:grpSpPr>
+        <a:xfrm>
+          <a:off x="0" y="0"/>
+          <a:ext cx="0" cy="0"/>
+          <a:chOff x="0" y="0"/>
+          <a:chExt cx="0" cy="0"/>
+        </a:xfrm>
+      </p:grpSpPr>
+      <p:sp>
+        <p:nvSpPr>
+          <p:cNvPr id="2" name="投影片圖像版面配置區 1"/>
+          <p:cNvSpPr>
+            <a:spLocks noGrp="1" noRot="1" noChangeAspect="1"/>
+          </p:cNvSpPr>
+          <p:nvPr>
+            <p:ph type="sldImg"/>
+          </p:nvPr>
+        </p:nvSpPr>
+        <p:spPr/>
+      </p:sp>
+      <p:sp>
+        <p:nvSpPr>
+          <p:cNvPr id="3" name="備忘稿版面配置區 2"/>
+          <p:cNvSpPr>
+            <a:spLocks noGrp="1"/>
+          </p:cNvSpPr>
+          <p:nvPr>
+            <p:ph type="body" idx="1"/>
+          </p:nvPr>
+        </p:nvSpPr>
+        <p:spPr/>
+        <p:txBody>
+          <a:bodyPr/>
+          <a:lstStyle/>
+          <a:p>
+            <a:r>
+              <a:rPr lang="zh-TW" altLang="en-US" dirty="0" smtClean="0"/>
+              <a:t>有效梁深 </a:t>
+            </a:r>
+            <a:r>
+              <a:rPr lang="en-US" altLang="zh-TW" dirty="0" smtClean="0"/>
+              <a:t>=</a:t>
+            </a:r>
+            <a:r>
+              <a:rPr lang="zh-TW" altLang="en-US" dirty="0" smtClean="0"/>
+              <a:t> 梁深 </a:t>
+            </a:r>
+            <a:r>
+              <a:rPr lang="en-US" altLang="zh-TW" dirty="0" smtClean="0"/>
+              <a:t>–</a:t>
+            </a:r>
+            <a:r>
+              <a:rPr lang="zh-TW" altLang="en-US" dirty="0" smtClean="0"/>
+              <a:t> 保護層 </a:t>
+            </a:r>
+            <a:r>
+              <a:rPr lang="en-US" altLang="zh-TW" dirty="0" smtClean="0"/>
+              <a:t>–</a:t>
+            </a:r>
+            <a:r>
+              <a:rPr lang="zh-TW" altLang="en-US" dirty="0" smtClean="0"/>
+              <a:t> 箍筋直徑 </a:t>
+            </a:r>
+            <a:r>
+              <a:rPr lang="en-US" altLang="zh-TW" dirty="0" smtClean="0"/>
+              <a:t>–</a:t>
+            </a:r>
+            <a:r>
+              <a:rPr lang="zh-TW" altLang="en-US" dirty="0" smtClean="0"/>
+              <a:t> 主筋直徑 * </a:t>
+            </a:r>
+            <a:r>
+              <a:rPr lang="en-US" altLang="zh-TW" dirty="0" smtClean="0"/>
+              <a:t>1.5</a:t>
+            </a:r>
+            <a:endParaRPr lang="zh-TW" altLang="en-US" dirty="0"/>
+          </a:p>
+        </p:txBody>
+      </p:sp>
+      <p:sp>
+        <p:nvSpPr>
+          <p:cNvPr id="4" name="投影片編號版面配置區 3"/>
+          <p:cNvSpPr>
+            <a:spLocks noGrp="1"/>
+          </p:cNvSpPr>
+          <p:nvPr>
+            <p:ph type="sldNum" sz="quarter" idx="10"/>
+          </p:nvPr>
+        </p:nvSpPr>
+        <p:spPr/>
+        <p:txBody>
+          <a:bodyPr/>
+          <a:lstStyle/>
+          <a:p>
+            <a:fld id="{1DC37380-3A7D-4D27-ADF2-E3226C5308C0}" type="slidenum">
+              <a:rPr lang="zh-TW" altLang="en-US" smtClean="0"/>
+              <a:t>4</a:t>
+            </a:fld>
+            <a:endParaRPr lang="zh-TW" altLang="en-US"/>
+          </a:p>
+        </p:txBody>
+      </p:sp>
+    </p:spTree>
+    <p:extLst>
+      <p:ext uri="{BB962C8B-B14F-4D97-AF65-F5344CB8AC3E}">
+        <p14:creationId xmlns:p14="http://schemas.microsoft.com/office/powerpoint/2010/main" val="1569128890"/>
+      </p:ext>
+    </p:extLst>
+  </p:cSld>
+  <p:clrMapOvr>
+    <a:masterClrMapping/>
+  </p:clrMapOvr>
+</p:notes>
+</file>
+
+<file path=ppt/notesSlides/notesSlide3.xml><?xml version="1.0" encoding="utf-8"?>
+<p:notes xmlns:a="http://schemas.openxmlformats.org/drawingml/2006/main" xmlns:r="http://schemas.openxmlformats.org/officeDocument/2006/relationships" xmlns:p="http://schemas.openxmlformats.org/presentationml/2006/main">
+  <p:cSld>
+    <p:spTree>
+      <p:nvGrpSpPr>
+        <p:cNvPr id="1" name=""/>
+        <p:cNvGrpSpPr/>
+        <p:nvPr/>
+      </p:nvGrpSpPr>
+      <p:grpSpPr>
+        <a:xfrm>
+          <a:off x="0" y="0"/>
+          <a:ext cx="0" cy="0"/>
+          <a:chOff x="0" y="0"/>
+          <a:chExt cx="0" cy="0"/>
+        </a:xfrm>
+      </p:grpSpPr>
+      <p:sp>
+        <p:nvSpPr>
+          <p:cNvPr id="2" name="投影片圖像版面配置區 1"/>
+          <p:cNvSpPr>
+            <a:spLocks noGrp="1" noRot="1" noChangeAspect="1"/>
+          </p:cNvSpPr>
+          <p:nvPr>
+            <p:ph type="sldImg"/>
+          </p:nvPr>
+        </p:nvSpPr>
+        <p:spPr/>
+      </p:sp>
+      <p:sp>
+        <p:nvSpPr>
+          <p:cNvPr id="3" name="備忘稿版面配置區 2"/>
+          <p:cNvSpPr>
+            <a:spLocks noGrp="1"/>
+          </p:cNvSpPr>
+          <p:nvPr>
+            <p:ph type="body" idx="1"/>
+          </p:nvPr>
+        </p:nvSpPr>
+        <p:spPr/>
+        <p:txBody>
+          <a:bodyPr/>
+          <a:lstStyle/>
+          <a:p>
+            <a:r>
+              <a:rPr lang="zh-TW" altLang="en-US" sz="1200" dirty="0" smtClean="0">
+                <a:latin typeface="Segoe UI Light" panose="020B0502040204020203" pitchFamily="34" charset="0"/>
+                <a:cs typeface="Segoe UI Light" panose="020B0502040204020203" pitchFamily="34" charset="0"/>
+              </a:rPr>
+              <a:t>箍筋面積*</a:t>
+            </a:r>
+            <a:r>
+              <a:rPr lang="en-US" altLang="zh-TW" sz="1200" dirty="0" smtClean="0">
+                <a:latin typeface="Segoe UI Light" panose="020B0502040204020203" pitchFamily="34" charset="0"/>
+                <a:cs typeface="Segoe UI Light" panose="020B0502040204020203" pitchFamily="34" charset="0"/>
+              </a:rPr>
+              <a:t>2</a:t>
+            </a:r>
+            <a:endParaRPr lang="zh-TW" altLang="en-US" dirty="0"/>
+          </a:p>
+        </p:txBody>
+      </p:sp>
+      <p:sp>
+        <p:nvSpPr>
+          <p:cNvPr id="4" name="投影片編號版面配置區 3"/>
+          <p:cNvSpPr>
+            <a:spLocks noGrp="1"/>
+          </p:cNvSpPr>
+          <p:nvPr>
+            <p:ph type="sldNum" sz="quarter" idx="10"/>
+          </p:nvPr>
+        </p:nvSpPr>
+        <p:spPr/>
+        <p:txBody>
+          <a:bodyPr/>
+          <a:lstStyle/>
+          <a:p>
+            <a:fld id="{1DC37380-3A7D-4D27-ADF2-E3226C5308C0}" type="slidenum">
+              <a:rPr lang="zh-TW" altLang="en-US" smtClean="0"/>
+              <a:t>5</a:t>
+            </a:fld>
+            <a:endParaRPr lang="zh-TW" altLang="en-US"/>
+          </a:p>
+        </p:txBody>
+      </p:sp>
+    </p:spTree>
+    <p:extLst>
+      <p:ext uri="{BB962C8B-B14F-4D97-AF65-F5344CB8AC3E}">
+        <p14:creationId xmlns:p14="http://schemas.microsoft.com/office/powerpoint/2010/main" val="4236111237"/>
+      </p:ext>
+    </p:extLst>
+  </p:cSld>
+  <p:clrMapOvr>
+    <a:masterClrMapping/>
+  </p:clrMapOvr>
+</p:notes>
+</file>
+
+<file path=ppt/notesSlides/notesSlide4.xml><?xml version="1.0" encoding="utf-8"?>
+<p:notes xmlns:a="http://schemas.openxmlformats.org/drawingml/2006/main" xmlns:r="http://schemas.openxmlformats.org/officeDocument/2006/relationships" xmlns:p="http://schemas.openxmlformats.org/presentationml/2006/main">
+  <p:cSld>
+    <p:spTree>
+      <p:nvGrpSpPr>
+        <p:cNvPr id="1" name=""/>
+        <p:cNvGrpSpPr/>
+        <p:nvPr/>
+      </p:nvGrpSpPr>
+      <p:grpSpPr>
+        <a:xfrm>
+          <a:off x="0" y="0"/>
+          <a:ext cx="0" cy="0"/>
+          <a:chOff x="0" y="0"/>
+          <a:chExt cx="0" cy="0"/>
+        </a:xfrm>
+      </p:grpSpPr>
+      <p:sp>
+        <p:nvSpPr>
+          <p:cNvPr id="2" name="投影片圖像版面配置區 1"/>
+          <p:cNvSpPr>
+            <a:spLocks noGrp="1" noRot="1" noChangeAspect="1"/>
+          </p:cNvSpPr>
+          <p:nvPr>
+            <p:ph type="sldImg"/>
+          </p:nvPr>
+        </p:nvSpPr>
+        <p:spPr/>
+      </p:sp>
+      <p:sp>
+        <p:nvSpPr>
+          <p:cNvPr id="3" name="備忘稿版面配置區 2"/>
+          <p:cNvSpPr>
+            <a:spLocks noGrp="1"/>
+          </p:cNvSpPr>
+          <p:nvPr>
+            <p:ph type="body" idx="1"/>
+          </p:nvPr>
+        </p:nvSpPr>
+        <p:spPr/>
+        <p:txBody>
+          <a:bodyPr/>
+          <a:lstStyle/>
+          <a:p>
+            <a:r>
+              <a:rPr lang="zh-TW" altLang="en-US" sz="1200" dirty="0" smtClean="0">
+                <a:latin typeface="Segoe UI Light" panose="020B0502040204020203" pitchFamily="34" charset="0"/>
+                <a:cs typeface="Segoe UI Light" panose="020B0502040204020203" pitchFamily="34" charset="0"/>
+              </a:rPr>
+              <a:t>箍筋面積*</a:t>
+            </a:r>
+            <a:r>
+              <a:rPr lang="en-US" altLang="zh-TW" sz="1200" dirty="0" smtClean="0">
+                <a:latin typeface="Segoe UI Light" panose="020B0502040204020203" pitchFamily="34" charset="0"/>
+                <a:cs typeface="Segoe UI Light" panose="020B0502040204020203" pitchFamily="34" charset="0"/>
+              </a:rPr>
+              <a:t>2</a:t>
+            </a:r>
+            <a:endParaRPr lang="zh-TW" altLang="en-US" dirty="0"/>
+          </a:p>
+        </p:txBody>
+      </p:sp>
+      <p:sp>
+        <p:nvSpPr>
+          <p:cNvPr id="4" name="投影片編號版面配置區 3"/>
+          <p:cNvSpPr>
+            <a:spLocks noGrp="1"/>
+          </p:cNvSpPr>
+          <p:nvPr>
+            <p:ph type="sldNum" sz="quarter" idx="10"/>
+          </p:nvPr>
+        </p:nvSpPr>
+        <p:spPr/>
+        <p:txBody>
+          <a:bodyPr/>
+          <a:lstStyle/>
+          <a:p>
+            <a:fld id="{1DC37380-3A7D-4D27-ADF2-E3226C5308C0}" type="slidenum">
+              <a:rPr lang="zh-TW" altLang="en-US" smtClean="0"/>
+              <a:t>6</a:t>
+            </a:fld>
+            <a:endParaRPr lang="zh-TW" altLang="en-US"/>
+          </a:p>
+        </p:txBody>
+      </p:sp>
+    </p:spTree>
+    <p:extLst>
+      <p:ext uri="{BB962C8B-B14F-4D97-AF65-F5344CB8AC3E}">
+        <p14:creationId xmlns:p14="http://schemas.microsoft.com/office/powerpoint/2010/main" val="3570534968"/>
+      </p:ext>
+    </p:extLst>
+  </p:cSld>
+  <p:clrMapOvr>
+    <a:masterClrMapping/>
+  </p:clrMapOvr>
+</p:notes>
+</file>
+
 <file path=ppt/slideLayouts/slideLayout1.xml><?xml version="1.0" encoding="utf-8"?>
 <p:sldLayout xmlns:a="http://schemas.openxmlformats.org/drawingml/2006/main" xmlns:r="http://schemas.openxmlformats.org/officeDocument/2006/relationships" xmlns:p="http://schemas.openxmlformats.org/presentationml/2006/main" preserve="1" userDrawn="1">
   <p:cSld name="標題投影片">
@@ -2079,7 +2407,7 @@
           <a:blip r:embed="rId2">
             <a:extLst>
               <a:ext uri="{96DAC541-7B7A-43D3-8B79-37D633B846F1}">
-                <asvg:svgBlip xmlns:asvg="http://schemas.microsoft.com/office/drawing/2016/SVG/main" xmlns="" r:embed="rId3"/>
+                <asvg:svgBlip xmlns="" xmlns:asvg="http://schemas.microsoft.com/office/drawing/2016/SVG/main" r:embed="rId3"/>
               </a:ext>
             </a:extLst>
           </a:blip>
@@ -2943,7 +3271,7 @@
           <a:blip r:embed="rId2">
             <a:extLst>
               <a:ext uri="{96DAC541-7B7A-43D3-8B79-37D633B846F1}">
-                <asvg:svgBlip xmlns:asvg="http://schemas.microsoft.com/office/drawing/2016/SVG/main" xmlns="" r:embed="rId3"/>
+                <asvg:svgBlip xmlns="" xmlns:asvg="http://schemas.microsoft.com/office/drawing/2016/SVG/main" r:embed="rId3"/>
               </a:ext>
             </a:extLst>
           </a:blip>
@@ -4497,7 +4825,7 @@
           <a:blip r:embed="rId2">
             <a:extLst>
               <a:ext uri="{96DAC541-7B7A-43D3-8B79-37D633B846F1}">
-                <asvg:svgBlip xmlns:asvg="http://schemas.microsoft.com/office/drawing/2016/SVG/main" xmlns="" r:embed="rId3"/>
+                <asvg:svgBlip xmlns="" xmlns:asvg="http://schemas.microsoft.com/office/drawing/2016/SVG/main" r:embed="rId3"/>
               </a:ext>
             </a:extLst>
           </a:blip>
@@ -5356,7 +5684,7 @@
           <a:blip r:embed="rId2">
             <a:extLst>
               <a:ext uri="{96DAC541-7B7A-43D3-8B79-37D633B846F1}">
-                <asvg:svgBlip xmlns:asvg="http://schemas.microsoft.com/office/drawing/2016/SVG/main" xmlns="" r:embed="rId3"/>
+                <asvg:svgBlip xmlns="" xmlns:asvg="http://schemas.microsoft.com/office/drawing/2016/SVG/main" r:embed="rId3"/>
               </a:ext>
             </a:extLst>
           </a:blip>
@@ -6100,7 +6428,7 @@
           <a:blip r:embed="rId2">
             <a:extLst>
               <a:ext uri="{96DAC541-7B7A-43D3-8B79-37D633B846F1}">
-                <asvg:svgBlip xmlns:asvg="http://schemas.microsoft.com/office/drawing/2016/SVG/main" xmlns="" r:embed="rId3"/>
+                <asvg:svgBlip xmlns="" xmlns:asvg="http://schemas.microsoft.com/office/drawing/2016/SVG/main" r:embed="rId3"/>
               </a:ext>
             </a:extLst>
           </a:blip>
@@ -6891,7 +7219,7 @@
           <a:blip r:embed="rId2">
             <a:extLst>
               <a:ext uri="{96DAC541-7B7A-43D3-8B79-37D633B846F1}">
-                <asvg:svgBlip xmlns:asvg="http://schemas.microsoft.com/office/drawing/2016/SVG/main" xmlns="" r:embed="rId3"/>
+                <asvg:svgBlip xmlns="" xmlns:asvg="http://schemas.microsoft.com/office/drawing/2016/SVG/main" r:embed="rId3"/>
               </a:ext>
             </a:extLst>
           </a:blip>
@@ -7292,7 +7620,7 @@
             <a:blip r:embed="rId11">
               <a:extLst>
                 <a:ext uri="{96DAC541-7B7A-43D3-8B79-37D633B846F1}">
-                  <asvg:svgBlip xmlns:asvg="http://schemas.microsoft.com/office/drawing/2016/SVG/main" xmlns="" r:embed="rId12"/>
+                  <asvg:svgBlip xmlns="" xmlns:asvg="http://schemas.microsoft.com/office/drawing/2016/SVG/main" r:embed="rId12"/>
                 </a:ext>
               </a:extLst>
             </a:blip>
@@ -7933,7 +8261,7 @@
           <a:blip r:embed="rId11">
             <a:extLst>
               <a:ext uri="{96DAC541-7B7A-43D3-8B79-37D633B846F1}">
-                <asvg:svgBlip xmlns:asvg="http://schemas.microsoft.com/office/drawing/2016/SVG/main" xmlns="" r:embed="rId12"/>
+                <asvg:svgBlip xmlns="" xmlns:asvg="http://schemas.microsoft.com/office/drawing/2016/SVG/main" r:embed="rId12"/>
               </a:ext>
             </a:extLst>
           </a:blip>
@@ -8653,7 +8981,7 @@
           <a:blip r:embed="rId11">
             <a:extLst>
               <a:ext uri="{96DAC541-7B7A-43D3-8B79-37D633B846F1}">
-                <asvg:svgBlip xmlns:asvg="http://schemas.microsoft.com/office/drawing/2016/SVG/main" xmlns="" r:embed="rId12"/>
+                <asvg:svgBlip xmlns="" xmlns:asvg="http://schemas.microsoft.com/office/drawing/2016/SVG/main" r:embed="rId12"/>
               </a:ext>
             </a:extLst>
           </a:blip>
@@ -9874,7 +10202,7 @@
         <p:spPr>
           <a:xfrm>
             <a:off x="2525567" y="1383110"/>
-            <a:ext cx="2083050" cy="323165"/>
+            <a:ext cx="2407712" cy="323165"/>
           </a:xfrm>
           <a:prstGeom prst="rect">
             <a:avLst/>
@@ -9906,7 +10234,49 @@
                 <a:latin typeface="Segoe UI Light" panose="020B0502040204020203" pitchFamily="34" charset="0"/>
                 <a:cs typeface="Segoe UI Light" panose="020B0502040204020203" pitchFamily="34" charset="0"/>
               </a:rPr>
-              <a:t> 箍筋面積與間距</a:t>
+              <a:t> 箍筋面</a:t>
+            </a:r>
+            <a:r>
+              <a:rPr lang="zh-TW" altLang="en-US" sz="1500" dirty="0" smtClean="0">
+                <a:latin typeface="Segoe UI Light" panose="020B0502040204020203" pitchFamily="34" charset="0"/>
+                <a:cs typeface="Segoe UI Light" panose="020B0502040204020203" pitchFamily="34" charset="0"/>
+              </a:rPr>
+              <a:t>積</a:t>
+            </a:r>
+            <a:r>
+              <a:rPr lang="en-US" altLang="zh-TW" sz="1500" dirty="0" smtClean="0">
+                <a:latin typeface="Segoe UI Light" panose="020B0502040204020203" pitchFamily="34" charset="0"/>
+                <a:cs typeface="Segoe UI Light" panose="020B0502040204020203" pitchFamily="34" charset="0"/>
+              </a:rPr>
+              <a:t>(</a:t>
+            </a:r>
+            <a:r>
+              <a:rPr lang="zh-TW" altLang="en-US" sz="1500" dirty="0" smtClean="0">
+                <a:latin typeface="Segoe UI Light" panose="020B0502040204020203" pitchFamily="34" charset="0"/>
+                <a:cs typeface="Segoe UI Light" panose="020B0502040204020203" pitchFamily="34" charset="0"/>
+              </a:rPr>
+              <a:t>*</a:t>
+            </a:r>
+            <a:r>
+              <a:rPr lang="en-US" altLang="zh-TW" sz="1500" dirty="0" smtClean="0">
+                <a:latin typeface="Segoe UI Light" panose="020B0502040204020203" pitchFamily="34" charset="0"/>
+                <a:cs typeface="Segoe UI Light" panose="020B0502040204020203" pitchFamily="34" charset="0"/>
+              </a:rPr>
+              <a:t>2)</a:t>
+            </a:r>
+            <a:r>
+              <a:rPr lang="zh-TW" altLang="en-US" sz="1500" dirty="0" smtClean="0">
+                <a:latin typeface="Segoe UI Light" panose="020B0502040204020203" pitchFamily="34" charset="0"/>
+                <a:cs typeface="Segoe UI Light" panose="020B0502040204020203" pitchFamily="34" charset="0"/>
+              </a:rPr>
+              <a:t>與</a:t>
+            </a:r>
+            <a:r>
+              <a:rPr lang="zh-TW" altLang="en-US" sz="1500" dirty="0" smtClean="0">
+                <a:latin typeface="Segoe UI Light" panose="020B0502040204020203" pitchFamily="34" charset="0"/>
+                <a:cs typeface="Segoe UI Light" panose="020B0502040204020203" pitchFamily="34" charset="0"/>
+              </a:rPr>
+              <a:t>間距</a:t>
             </a:r>
             <a:endParaRPr lang="fr-FR" sz="1500" dirty="0">
               <a:latin typeface="Segoe UI Light" panose="020B0502040204020203" pitchFamily="34" charset="0"/>
@@ -10231,11 +10601,11 @@
   <p:clrMapOvr>
     <a:masterClrMapping/>
   </p:clrMapOvr>
-  <mc:AlternateContent xmlns:mc="http://schemas.openxmlformats.org/markup-compatibility/2006">
-    <mc:Choice xmlns:p14="http://schemas.microsoft.com/office/powerpoint/2010/main" Requires="p14">
+  <mc:AlternateContent xmlns:mc="http://schemas.openxmlformats.org/markup-compatibility/2006" xmlns:p14="http://schemas.microsoft.com/office/powerpoint/2010/main">
+    <mc:Choice Requires="p14">
       <p:transition spd="slow" p14:dur="2000"/>
     </mc:Choice>
-    <mc:Fallback>
+    <mc:Fallback xmlns="">
       <p:transition spd="slow"/>
     </mc:Fallback>
   </mc:AlternateContent>
@@ -10261,10 +10631,10 @@
       </p:grpSpPr>
       <p:sp>
         <p:nvSpPr>
-          <p:cNvPr id="4" name="標題 3">
+          <p:cNvPr id="5" name="標題 4">
             <a:extLst>
               <a:ext uri="{FF2B5EF4-FFF2-40B4-BE49-F238E27FC236}">
-                <a16:creationId xmlns:a16="http://schemas.microsoft.com/office/drawing/2014/main" id="{20DBAD86-7FAC-4A86-97A7-0336E0F5C970}"/>
+                <a16:creationId xmlns:a16="http://schemas.microsoft.com/office/drawing/2014/main" id="{71B8E26B-2EE1-42AF-BB1A-D60222131AC5}"/>
               </a:ext>
             </a:extLst>
           </p:cNvPr>
@@ -10286,10 +10656,10 @@
       </p:sp>
       <p:sp>
         <p:nvSpPr>
-          <p:cNvPr id="5" name="內容版面配置區 4">
+          <p:cNvPr id="6" name="內容版面配置區 5">
             <a:extLst>
               <a:ext uri="{FF2B5EF4-FFF2-40B4-BE49-F238E27FC236}">
-                <a16:creationId xmlns:a16="http://schemas.microsoft.com/office/drawing/2014/main" id="{B1646517-55BD-4455-8541-6310F2B6C918}"/>
+                <a16:creationId xmlns:a16="http://schemas.microsoft.com/office/drawing/2014/main" id="{8E600A84-AD3F-4CCF-9AA5-DF841C8EA9FE}"/>
               </a:ext>
             </a:extLst>
           </p:cNvPr>
@@ -10311,10 +10681,10 @@
       </p:sp>
       <p:sp>
         <p:nvSpPr>
-          <p:cNvPr id="3" name="投影片編號版面配置區 2">
+          <p:cNvPr id="4" name="投影片編號版面配置區 3">
             <a:extLst>
               <a:ext uri="{FF2B5EF4-FFF2-40B4-BE49-F238E27FC236}">
-                <a16:creationId xmlns:a16="http://schemas.microsoft.com/office/drawing/2014/main" id="{CE627667-3177-4D48-AC5D-C85B03155D73}"/>
+                <a16:creationId xmlns:a16="http://schemas.microsoft.com/office/drawing/2014/main" id="{675E534C-CA07-4DA8-920E-41DA60524E35}"/>
               </a:ext>
             </a:extLst>
           </p:cNvPr>
@@ -10322,15 +10692,10 @@
             <a:spLocks noGrp="1"/>
           </p:cNvSpPr>
           <p:nvPr>
-            <p:ph type="sldNum" sz="quarter" idx="4294967295"/>
+            <p:ph type="sldNum" sz="quarter" idx="4"/>
           </p:nvPr>
         </p:nvSpPr>
-        <p:spPr>
-          <a:xfrm>
-            <a:off x="7086600" y="6592888"/>
-            <a:ext cx="2057400" cy="365125"/>
-          </a:xfrm>
-        </p:spPr>
+        <p:spPr/>
         <p:txBody>
           <a:bodyPr/>
           <a:lstStyle/>
@@ -10339,14 +10704,14 @@
               <a:rPr lang="zh-TW" altLang="en-US" smtClean="0"/>
               <a:t>10</a:t>
             </a:fld>
-            <a:endParaRPr lang="zh-TW" altLang="en-US" dirty="0"/>
+            <a:endParaRPr lang="zh-TW" altLang="en-US"/>
           </a:p>
         </p:txBody>
       </p:sp>
     </p:spTree>
     <p:extLst>
       <p:ext uri="{BB962C8B-B14F-4D97-AF65-F5344CB8AC3E}">
-        <p14:creationId xmlns:p14="http://schemas.microsoft.com/office/powerpoint/2010/main" val="299769870"/>
+        <p14:creationId xmlns:p14="http://schemas.microsoft.com/office/powerpoint/2010/main" val="2273041250"/>
       </p:ext>
     </p:extLst>
   </p:cSld>
@@ -10375,10 +10740,66 @@
       </p:grpSpPr>
       <p:sp>
         <p:nvSpPr>
-          <p:cNvPr id="2" name="內容版面配置區 1">
+          <p:cNvPr id="2" name="投影片編號版面配置區 1">
             <a:extLst>
               <a:ext uri="{FF2B5EF4-FFF2-40B4-BE49-F238E27FC236}">
-                <a16:creationId xmlns:a16="http://schemas.microsoft.com/office/drawing/2014/main" id="{02501F50-22DA-4D63-B62F-ABE24C9A04A3}"/>
+                <a16:creationId xmlns:a16="http://schemas.microsoft.com/office/drawing/2014/main" id="{911C48D5-25F9-47E5-8ABF-C4D07E4F3A3B}"/>
+              </a:ext>
+            </a:extLst>
+          </p:cNvPr>
+          <p:cNvSpPr>
+            <a:spLocks noGrp="1"/>
+          </p:cNvSpPr>
+          <p:nvPr>
+            <p:ph type="sldNum" sz="quarter" idx="4"/>
+          </p:nvPr>
+        </p:nvSpPr>
+        <p:spPr/>
+        <p:txBody>
+          <a:bodyPr/>
+          <a:lstStyle/>
+          <a:p>
+            <a:fld id="{83F5B54E-D686-4015-93F2-94C458F353E2}" type="slidenum">
+              <a:rPr lang="zh-TW" altLang="en-US" smtClean="0"/>
+              <a:t>11</a:t>
+            </a:fld>
+            <a:endParaRPr lang="zh-TW" altLang="en-US" dirty="0"/>
+          </a:p>
+        </p:txBody>
+      </p:sp>
+      <p:sp>
+        <p:nvSpPr>
+          <p:cNvPr id="3" name="標題 2">
+            <a:extLst>
+              <a:ext uri="{FF2B5EF4-FFF2-40B4-BE49-F238E27FC236}">
+                <a16:creationId xmlns:a16="http://schemas.microsoft.com/office/drawing/2014/main" id="{11EC6981-1441-4647-AFE5-CD2E2B6D047F}"/>
+              </a:ext>
+            </a:extLst>
+          </p:cNvPr>
+          <p:cNvSpPr>
+            <a:spLocks noGrp="1"/>
+          </p:cNvSpPr>
+          <p:nvPr>
+            <p:ph type="title"/>
+          </p:nvPr>
+        </p:nvSpPr>
+        <p:spPr/>
+        <p:txBody>
+          <a:bodyPr>
+            <a:normAutofit fontScale="90000"/>
+          </a:bodyPr>
+          <a:lstStyle/>
+          <a:p>
+            <a:endParaRPr lang="zh-TW" altLang="en-US"/>
+          </a:p>
+        </p:txBody>
+      </p:sp>
+      <p:sp>
+        <p:nvSpPr>
+          <p:cNvPr id="4" name="內容版面配置區 3">
+            <a:extLst>
+              <a:ext uri="{FF2B5EF4-FFF2-40B4-BE49-F238E27FC236}">
+                <a16:creationId xmlns:a16="http://schemas.microsoft.com/office/drawing/2014/main" id="{AAC21616-AB14-4EEC-8259-AE8004642222}"/>
               </a:ext>
             </a:extLst>
           </p:cNvPr>
@@ -10398,66 +10819,10 @@
           </a:p>
         </p:txBody>
       </p:sp>
-      <p:sp>
-        <p:nvSpPr>
-          <p:cNvPr id="3" name="投影片編號版面配置區 2">
-            <a:extLst>
-              <a:ext uri="{FF2B5EF4-FFF2-40B4-BE49-F238E27FC236}">
-                <a16:creationId xmlns:a16="http://schemas.microsoft.com/office/drawing/2014/main" id="{E1A7D28F-622A-4700-A19D-7E2808A3D001}"/>
-              </a:ext>
-            </a:extLst>
-          </p:cNvPr>
-          <p:cNvSpPr>
-            <a:spLocks noGrp="1"/>
-          </p:cNvSpPr>
-          <p:nvPr>
-            <p:ph type="sldNum" sz="quarter" idx="12"/>
-          </p:nvPr>
-        </p:nvSpPr>
-        <p:spPr/>
-        <p:txBody>
-          <a:bodyPr/>
-          <a:lstStyle/>
-          <a:p>
-            <a:fld id="{83F5B54E-D686-4015-93F2-94C458F353E2}" type="slidenum">
-              <a:rPr lang="zh-TW" altLang="en-US" smtClean="0"/>
-              <a:t>11</a:t>
-            </a:fld>
-            <a:endParaRPr lang="zh-TW" altLang="en-US"/>
-          </a:p>
-        </p:txBody>
-      </p:sp>
-      <p:sp>
-        <p:nvSpPr>
-          <p:cNvPr id="4" name="標題 3">
-            <a:extLst>
-              <a:ext uri="{FF2B5EF4-FFF2-40B4-BE49-F238E27FC236}">
-                <a16:creationId xmlns:a16="http://schemas.microsoft.com/office/drawing/2014/main" id="{065FC989-492F-4C1C-848A-AB539E0BE7F8}"/>
-              </a:ext>
-            </a:extLst>
-          </p:cNvPr>
-          <p:cNvSpPr>
-            <a:spLocks noGrp="1"/>
-          </p:cNvSpPr>
-          <p:nvPr>
-            <p:ph type="title"/>
-          </p:nvPr>
-        </p:nvSpPr>
-        <p:spPr/>
-        <p:txBody>
-          <a:bodyPr>
-            <a:normAutofit fontScale="90000"/>
-          </a:bodyPr>
-          <a:lstStyle/>
-          <a:p>
-            <a:endParaRPr lang="zh-TW" altLang="en-US"/>
-          </a:p>
-        </p:txBody>
-      </p:sp>
     </p:spTree>
     <p:extLst>
       <p:ext uri="{BB962C8B-B14F-4D97-AF65-F5344CB8AC3E}">
-        <p14:creationId xmlns:p14="http://schemas.microsoft.com/office/powerpoint/2010/main" val="2132747922"/>
+        <p14:creationId xmlns:p14="http://schemas.microsoft.com/office/powerpoint/2010/main" val="2889303526"/>
       </p:ext>
     </p:extLst>
   </p:cSld>
@@ -10489,7 +10854,7 @@
           <p:cNvPr id="5" name="標題 4">
             <a:extLst>
               <a:ext uri="{FF2B5EF4-FFF2-40B4-BE49-F238E27FC236}">
-                <a16:creationId xmlns:a16="http://schemas.microsoft.com/office/drawing/2014/main" id="{625AFDD7-B674-4A3A-82BC-993B1E8C1F11}"/>
+                <a16:creationId xmlns:a16="http://schemas.microsoft.com/office/drawing/2014/main" id="{BA5C8806-B2D2-4E17-8325-AD452885D24B}"/>
               </a:ext>
             </a:extLst>
           </p:cNvPr>
@@ -10514,7 +10879,7 @@
           <p:cNvPr id="6" name="內容版面配置區 5">
             <a:extLst>
               <a:ext uri="{FF2B5EF4-FFF2-40B4-BE49-F238E27FC236}">
-                <a16:creationId xmlns:a16="http://schemas.microsoft.com/office/drawing/2014/main" id="{12CC62F4-3997-46E5-8E45-8515423B82B3}"/>
+                <a16:creationId xmlns:a16="http://schemas.microsoft.com/office/drawing/2014/main" id="{A7ABED3A-4CC1-4725-92FC-7680F70C3FCA}"/>
               </a:ext>
             </a:extLst>
           </p:cNvPr>
@@ -10536,10 +10901,10 @@
       </p:sp>
       <p:sp>
         <p:nvSpPr>
-          <p:cNvPr id="3" name="投影片編號版面配置區 2">
+          <p:cNvPr id="2" name="投影片編號版面配置區 1">
             <a:extLst>
               <a:ext uri="{FF2B5EF4-FFF2-40B4-BE49-F238E27FC236}">
-                <a16:creationId xmlns:a16="http://schemas.microsoft.com/office/drawing/2014/main" id="{3F67C479-1EAC-4F5E-A0BE-4592424F80EA}"/>
+                <a16:creationId xmlns:a16="http://schemas.microsoft.com/office/drawing/2014/main" id="{0607CEAF-741E-4FC0-9224-C8FB98A568DD}"/>
               </a:ext>
             </a:extLst>
           </p:cNvPr>
@@ -10559,14 +10924,14 @@
               <a:rPr lang="zh-TW" altLang="en-US" smtClean="0"/>
               <a:t>12</a:t>
             </a:fld>
-            <a:endParaRPr lang="zh-TW" altLang="en-US"/>
+            <a:endParaRPr lang="zh-TW" altLang="en-US" dirty="0"/>
           </a:p>
         </p:txBody>
       </p:sp>
     </p:spTree>
     <p:extLst>
       <p:ext uri="{BB962C8B-B14F-4D97-AF65-F5344CB8AC3E}">
-        <p14:creationId xmlns:p14="http://schemas.microsoft.com/office/powerpoint/2010/main" val="2802232397"/>
+        <p14:creationId xmlns:p14="http://schemas.microsoft.com/office/powerpoint/2010/main" val="473816332"/>
       </p:ext>
     </p:extLst>
   </p:cSld>
@@ -10598,6 +10963,424 @@
           <p:cNvPr id="5" name="標題 4">
             <a:extLst>
               <a:ext uri="{FF2B5EF4-FFF2-40B4-BE49-F238E27FC236}">
+                <a16:creationId xmlns:a16="http://schemas.microsoft.com/office/drawing/2014/main" id="{E536CEEF-4E59-4178-BA31-7E4D14609E4C}"/>
+              </a:ext>
+            </a:extLst>
+          </p:cNvPr>
+          <p:cNvSpPr>
+            <a:spLocks noGrp="1"/>
+          </p:cNvSpPr>
+          <p:nvPr>
+            <p:ph type="title"/>
+          </p:nvPr>
+        </p:nvSpPr>
+        <p:spPr/>
+        <p:txBody>
+          <a:bodyPr/>
+          <a:lstStyle/>
+          <a:p>
+            <a:endParaRPr lang="zh-TW" altLang="en-US"/>
+          </a:p>
+        </p:txBody>
+      </p:sp>
+      <p:sp>
+        <p:nvSpPr>
+          <p:cNvPr id="2" name="投影片編號版面配置區 1">
+            <a:extLst>
+              <a:ext uri="{FF2B5EF4-FFF2-40B4-BE49-F238E27FC236}">
+                <a16:creationId xmlns:a16="http://schemas.microsoft.com/office/drawing/2014/main" id="{285B4A9C-8EB0-4C99-A201-6BB01CCF1B56}"/>
+              </a:ext>
+            </a:extLst>
+          </p:cNvPr>
+          <p:cNvSpPr>
+            <a:spLocks noGrp="1"/>
+          </p:cNvSpPr>
+          <p:nvPr>
+            <p:ph type="sldNum" sz="quarter" idx="4"/>
+          </p:nvPr>
+        </p:nvSpPr>
+        <p:spPr/>
+        <p:txBody>
+          <a:bodyPr/>
+          <a:lstStyle/>
+          <a:p>
+            <a:fld id="{83F5B54E-D686-4015-93F2-94C458F353E2}" type="slidenum">
+              <a:rPr lang="zh-TW" altLang="en-US" smtClean="0"/>
+              <a:t>13</a:t>
+            </a:fld>
+            <a:endParaRPr lang="zh-TW" altLang="en-US" dirty="0"/>
+          </a:p>
+        </p:txBody>
+      </p:sp>
+    </p:spTree>
+    <p:extLst>
+      <p:ext uri="{BB962C8B-B14F-4D97-AF65-F5344CB8AC3E}">
+        <p14:creationId xmlns:p14="http://schemas.microsoft.com/office/powerpoint/2010/main" val="449391310"/>
+      </p:ext>
+    </p:extLst>
+  </p:cSld>
+  <p:clrMapOvr>
+    <a:masterClrMapping/>
+  </p:clrMapOvr>
+</p:sld>
+</file>
+
+<file path=ppt/slides/slide14.xml><?xml version="1.0" encoding="utf-8"?>
+<p:sld xmlns:a="http://schemas.openxmlformats.org/drawingml/2006/main" xmlns:r="http://schemas.openxmlformats.org/officeDocument/2006/relationships" xmlns:p="http://schemas.openxmlformats.org/presentationml/2006/main">
+  <p:cSld>
+    <p:spTree>
+      <p:nvGrpSpPr>
+        <p:cNvPr id="1" name=""/>
+        <p:cNvGrpSpPr/>
+        <p:nvPr/>
+      </p:nvGrpSpPr>
+      <p:grpSpPr>
+        <a:xfrm>
+          <a:off x="0" y="0"/>
+          <a:ext cx="0" cy="0"/>
+          <a:chOff x="0" y="0"/>
+          <a:chExt cx="0" cy="0"/>
+        </a:xfrm>
+      </p:grpSpPr>
+      <p:sp>
+        <p:nvSpPr>
+          <p:cNvPr id="4" name="標題 3">
+            <a:extLst>
+              <a:ext uri="{FF2B5EF4-FFF2-40B4-BE49-F238E27FC236}">
+                <a16:creationId xmlns:a16="http://schemas.microsoft.com/office/drawing/2014/main" id="{20DBAD86-7FAC-4A86-97A7-0336E0F5C970}"/>
+              </a:ext>
+            </a:extLst>
+          </p:cNvPr>
+          <p:cNvSpPr>
+            <a:spLocks noGrp="1"/>
+          </p:cNvSpPr>
+          <p:nvPr>
+            <p:ph type="ctrTitle"/>
+          </p:nvPr>
+        </p:nvSpPr>
+        <p:spPr/>
+        <p:txBody>
+          <a:bodyPr/>
+          <a:lstStyle/>
+          <a:p>
+            <a:endParaRPr lang="zh-TW" altLang="en-US"/>
+          </a:p>
+        </p:txBody>
+      </p:sp>
+      <p:sp>
+        <p:nvSpPr>
+          <p:cNvPr id="5" name="內容版面配置區 4">
+            <a:extLst>
+              <a:ext uri="{FF2B5EF4-FFF2-40B4-BE49-F238E27FC236}">
+                <a16:creationId xmlns:a16="http://schemas.microsoft.com/office/drawing/2014/main" id="{B1646517-55BD-4455-8541-6310F2B6C918}"/>
+              </a:ext>
+            </a:extLst>
+          </p:cNvPr>
+          <p:cNvSpPr>
+            <a:spLocks noGrp="1"/>
+          </p:cNvSpPr>
+          <p:nvPr>
+            <p:ph sz="quarter" idx="13"/>
+          </p:nvPr>
+        </p:nvSpPr>
+        <p:spPr/>
+        <p:txBody>
+          <a:bodyPr/>
+          <a:lstStyle/>
+          <a:p>
+            <a:endParaRPr lang="zh-TW" altLang="en-US"/>
+          </a:p>
+        </p:txBody>
+      </p:sp>
+      <p:sp>
+        <p:nvSpPr>
+          <p:cNvPr id="3" name="投影片編號版面配置區 2">
+            <a:extLst>
+              <a:ext uri="{FF2B5EF4-FFF2-40B4-BE49-F238E27FC236}">
+                <a16:creationId xmlns:a16="http://schemas.microsoft.com/office/drawing/2014/main" id="{CE627667-3177-4D48-AC5D-C85B03155D73}"/>
+              </a:ext>
+            </a:extLst>
+          </p:cNvPr>
+          <p:cNvSpPr>
+            <a:spLocks noGrp="1"/>
+          </p:cNvSpPr>
+          <p:nvPr>
+            <p:ph type="sldNum" sz="quarter" idx="4294967295"/>
+          </p:nvPr>
+        </p:nvSpPr>
+        <p:spPr>
+          <a:xfrm>
+            <a:off x="7086600" y="6592888"/>
+            <a:ext cx="2057400" cy="365125"/>
+          </a:xfrm>
+        </p:spPr>
+        <p:txBody>
+          <a:bodyPr/>
+          <a:lstStyle/>
+          <a:p>
+            <a:fld id="{83F5B54E-D686-4015-93F2-94C458F353E2}" type="slidenum">
+              <a:rPr lang="zh-TW" altLang="en-US" smtClean="0"/>
+              <a:t>14</a:t>
+            </a:fld>
+            <a:endParaRPr lang="zh-TW" altLang="en-US" dirty="0"/>
+          </a:p>
+        </p:txBody>
+      </p:sp>
+    </p:spTree>
+    <p:extLst>
+      <p:ext uri="{BB962C8B-B14F-4D97-AF65-F5344CB8AC3E}">
+        <p14:creationId xmlns:p14="http://schemas.microsoft.com/office/powerpoint/2010/main" val="299769870"/>
+      </p:ext>
+    </p:extLst>
+  </p:cSld>
+  <p:clrMapOvr>
+    <a:masterClrMapping/>
+  </p:clrMapOvr>
+</p:sld>
+</file>
+
+<file path=ppt/slides/slide15.xml><?xml version="1.0" encoding="utf-8"?>
+<p:sld xmlns:a="http://schemas.openxmlformats.org/drawingml/2006/main" xmlns:r="http://schemas.openxmlformats.org/officeDocument/2006/relationships" xmlns:p="http://schemas.openxmlformats.org/presentationml/2006/main">
+  <p:cSld>
+    <p:spTree>
+      <p:nvGrpSpPr>
+        <p:cNvPr id="1" name=""/>
+        <p:cNvGrpSpPr/>
+        <p:nvPr/>
+      </p:nvGrpSpPr>
+      <p:grpSpPr>
+        <a:xfrm>
+          <a:off x="0" y="0"/>
+          <a:ext cx="0" cy="0"/>
+          <a:chOff x="0" y="0"/>
+          <a:chExt cx="0" cy="0"/>
+        </a:xfrm>
+      </p:grpSpPr>
+      <p:sp>
+        <p:nvSpPr>
+          <p:cNvPr id="2" name="內容版面配置區 1">
+            <a:extLst>
+              <a:ext uri="{FF2B5EF4-FFF2-40B4-BE49-F238E27FC236}">
+                <a16:creationId xmlns:a16="http://schemas.microsoft.com/office/drawing/2014/main" id="{02501F50-22DA-4D63-B62F-ABE24C9A04A3}"/>
+              </a:ext>
+            </a:extLst>
+          </p:cNvPr>
+          <p:cNvSpPr>
+            <a:spLocks noGrp="1"/>
+          </p:cNvSpPr>
+          <p:nvPr>
+            <p:ph idx="1"/>
+          </p:nvPr>
+        </p:nvSpPr>
+        <p:spPr/>
+        <p:txBody>
+          <a:bodyPr/>
+          <a:lstStyle/>
+          <a:p>
+            <a:endParaRPr lang="zh-TW" altLang="en-US"/>
+          </a:p>
+        </p:txBody>
+      </p:sp>
+      <p:sp>
+        <p:nvSpPr>
+          <p:cNvPr id="3" name="投影片編號版面配置區 2">
+            <a:extLst>
+              <a:ext uri="{FF2B5EF4-FFF2-40B4-BE49-F238E27FC236}">
+                <a16:creationId xmlns:a16="http://schemas.microsoft.com/office/drawing/2014/main" id="{E1A7D28F-622A-4700-A19D-7E2808A3D001}"/>
+              </a:ext>
+            </a:extLst>
+          </p:cNvPr>
+          <p:cNvSpPr>
+            <a:spLocks noGrp="1"/>
+          </p:cNvSpPr>
+          <p:nvPr>
+            <p:ph type="sldNum" sz="quarter" idx="12"/>
+          </p:nvPr>
+        </p:nvSpPr>
+        <p:spPr/>
+        <p:txBody>
+          <a:bodyPr/>
+          <a:lstStyle/>
+          <a:p>
+            <a:fld id="{83F5B54E-D686-4015-93F2-94C458F353E2}" type="slidenum">
+              <a:rPr lang="zh-TW" altLang="en-US" smtClean="0"/>
+              <a:t>15</a:t>
+            </a:fld>
+            <a:endParaRPr lang="zh-TW" altLang="en-US"/>
+          </a:p>
+        </p:txBody>
+      </p:sp>
+      <p:sp>
+        <p:nvSpPr>
+          <p:cNvPr id="4" name="標題 3">
+            <a:extLst>
+              <a:ext uri="{FF2B5EF4-FFF2-40B4-BE49-F238E27FC236}">
+                <a16:creationId xmlns:a16="http://schemas.microsoft.com/office/drawing/2014/main" id="{065FC989-492F-4C1C-848A-AB539E0BE7F8}"/>
+              </a:ext>
+            </a:extLst>
+          </p:cNvPr>
+          <p:cNvSpPr>
+            <a:spLocks noGrp="1"/>
+          </p:cNvSpPr>
+          <p:nvPr>
+            <p:ph type="title"/>
+          </p:nvPr>
+        </p:nvSpPr>
+        <p:spPr/>
+        <p:txBody>
+          <a:bodyPr>
+            <a:normAutofit fontScale="90000"/>
+          </a:bodyPr>
+          <a:lstStyle/>
+          <a:p>
+            <a:endParaRPr lang="zh-TW" altLang="en-US"/>
+          </a:p>
+        </p:txBody>
+      </p:sp>
+    </p:spTree>
+    <p:extLst>
+      <p:ext uri="{BB962C8B-B14F-4D97-AF65-F5344CB8AC3E}">
+        <p14:creationId xmlns:p14="http://schemas.microsoft.com/office/powerpoint/2010/main" val="2132747922"/>
+      </p:ext>
+    </p:extLst>
+  </p:cSld>
+  <p:clrMapOvr>
+    <a:masterClrMapping/>
+  </p:clrMapOvr>
+</p:sld>
+</file>
+
+<file path=ppt/slides/slide16.xml><?xml version="1.0" encoding="utf-8"?>
+<p:sld xmlns:a="http://schemas.openxmlformats.org/drawingml/2006/main" xmlns:r="http://schemas.openxmlformats.org/officeDocument/2006/relationships" xmlns:p="http://schemas.openxmlformats.org/presentationml/2006/main">
+  <p:cSld>
+    <p:spTree>
+      <p:nvGrpSpPr>
+        <p:cNvPr id="1" name=""/>
+        <p:cNvGrpSpPr/>
+        <p:nvPr/>
+      </p:nvGrpSpPr>
+      <p:grpSpPr>
+        <a:xfrm>
+          <a:off x="0" y="0"/>
+          <a:ext cx="0" cy="0"/>
+          <a:chOff x="0" y="0"/>
+          <a:chExt cx="0" cy="0"/>
+        </a:xfrm>
+      </p:grpSpPr>
+      <p:sp>
+        <p:nvSpPr>
+          <p:cNvPr id="5" name="標題 4">
+            <a:extLst>
+              <a:ext uri="{FF2B5EF4-FFF2-40B4-BE49-F238E27FC236}">
+                <a16:creationId xmlns:a16="http://schemas.microsoft.com/office/drawing/2014/main" id="{625AFDD7-B674-4A3A-82BC-993B1E8C1F11}"/>
+              </a:ext>
+            </a:extLst>
+          </p:cNvPr>
+          <p:cNvSpPr>
+            <a:spLocks noGrp="1"/>
+          </p:cNvSpPr>
+          <p:nvPr>
+            <p:ph type="title"/>
+          </p:nvPr>
+        </p:nvSpPr>
+        <p:spPr/>
+        <p:txBody>
+          <a:bodyPr/>
+          <a:lstStyle/>
+          <a:p>
+            <a:endParaRPr lang="zh-TW" altLang="en-US"/>
+          </a:p>
+        </p:txBody>
+      </p:sp>
+      <p:sp>
+        <p:nvSpPr>
+          <p:cNvPr id="6" name="內容版面配置區 5">
+            <a:extLst>
+              <a:ext uri="{FF2B5EF4-FFF2-40B4-BE49-F238E27FC236}">
+                <a16:creationId xmlns:a16="http://schemas.microsoft.com/office/drawing/2014/main" id="{12CC62F4-3997-46E5-8E45-8515423B82B3}"/>
+              </a:ext>
+            </a:extLst>
+          </p:cNvPr>
+          <p:cNvSpPr>
+            <a:spLocks noGrp="1"/>
+          </p:cNvSpPr>
+          <p:nvPr>
+            <p:ph sz="quarter" idx="13"/>
+          </p:nvPr>
+        </p:nvSpPr>
+        <p:spPr/>
+        <p:txBody>
+          <a:bodyPr/>
+          <a:lstStyle/>
+          <a:p>
+            <a:endParaRPr lang="zh-TW" altLang="en-US"/>
+          </a:p>
+        </p:txBody>
+      </p:sp>
+      <p:sp>
+        <p:nvSpPr>
+          <p:cNvPr id="3" name="投影片編號版面配置區 2">
+            <a:extLst>
+              <a:ext uri="{FF2B5EF4-FFF2-40B4-BE49-F238E27FC236}">
+                <a16:creationId xmlns:a16="http://schemas.microsoft.com/office/drawing/2014/main" id="{3F67C479-1EAC-4F5E-A0BE-4592424F80EA}"/>
+              </a:ext>
+            </a:extLst>
+          </p:cNvPr>
+          <p:cNvSpPr>
+            <a:spLocks noGrp="1"/>
+          </p:cNvSpPr>
+          <p:nvPr>
+            <p:ph type="sldNum" sz="quarter" idx="4"/>
+          </p:nvPr>
+        </p:nvSpPr>
+        <p:spPr/>
+        <p:txBody>
+          <a:bodyPr/>
+          <a:lstStyle/>
+          <a:p>
+            <a:fld id="{83F5B54E-D686-4015-93F2-94C458F353E2}" type="slidenum">
+              <a:rPr lang="zh-TW" altLang="en-US" smtClean="0"/>
+              <a:t>16</a:t>
+            </a:fld>
+            <a:endParaRPr lang="zh-TW" altLang="en-US"/>
+          </a:p>
+        </p:txBody>
+      </p:sp>
+    </p:spTree>
+    <p:extLst>
+      <p:ext uri="{BB962C8B-B14F-4D97-AF65-F5344CB8AC3E}">
+        <p14:creationId xmlns:p14="http://schemas.microsoft.com/office/powerpoint/2010/main" val="2802232397"/>
+      </p:ext>
+    </p:extLst>
+  </p:cSld>
+  <p:clrMapOvr>
+    <a:masterClrMapping/>
+  </p:clrMapOvr>
+</p:sld>
+</file>
+
+<file path=ppt/slides/slide17.xml><?xml version="1.0" encoding="utf-8"?>
+<p:sld xmlns:a="http://schemas.openxmlformats.org/drawingml/2006/main" xmlns:r="http://schemas.openxmlformats.org/officeDocument/2006/relationships" xmlns:p="http://schemas.openxmlformats.org/presentationml/2006/main">
+  <p:cSld>
+    <p:spTree>
+      <p:nvGrpSpPr>
+        <p:cNvPr id="1" name=""/>
+        <p:cNvGrpSpPr/>
+        <p:nvPr/>
+      </p:nvGrpSpPr>
+      <p:grpSpPr>
+        <a:xfrm>
+          <a:off x="0" y="0"/>
+          <a:ext cx="0" cy="0"/>
+          <a:chOff x="0" y="0"/>
+          <a:chExt cx="0" cy="0"/>
+        </a:xfrm>
+      </p:grpSpPr>
+      <p:sp>
+        <p:nvSpPr>
+          <p:cNvPr id="5" name="標題 4">
+            <a:extLst>
+              <a:ext uri="{FF2B5EF4-FFF2-40B4-BE49-F238E27FC236}">
                 <a16:creationId xmlns:a16="http://schemas.microsoft.com/office/drawing/2014/main" id="{E98D9C56-A592-4711-BBE3-0EE2CC5C192A}"/>
               </a:ext>
             </a:extLst>
@@ -10641,7 +11424,7 @@
           <a:p>
             <a:fld id="{83F5B54E-D686-4015-93F2-94C458F353E2}" type="slidenum">
               <a:rPr lang="zh-TW" altLang="en-US" smtClean="0"/>
-              <a:t>13</a:t>
+              <a:t>17</a:t>
             </a:fld>
             <a:endParaRPr lang="zh-TW" altLang="en-US"/>
           </a:p>
@@ -11510,8 +12293,8 @@
         </p:nvSpPr>
         <p:spPr>
           <a:xfrm>
-            <a:off x="2525567" y="3440098"/>
-            <a:ext cx="4116302" cy="323165"/>
+            <a:off x="2525566" y="2525703"/>
+            <a:ext cx="6540796" cy="2169825"/>
           </a:xfrm>
           <a:prstGeom prst="rect">
             <a:avLst/>
@@ -11543,20 +12326,380 @@
                 <a:latin typeface="Segoe UI Light" panose="020B0502040204020203" pitchFamily="34" charset="0"/>
                 <a:cs typeface="Segoe UI Light" panose="020B0502040204020203" pitchFamily="34" charset="0"/>
               </a:rPr>
-              <a:t> 腰</a:t>
-            </a:r>
+              <a:t> </a:t>
+            </a:r>
+            <a:endParaRPr lang="en-US" altLang="zh-TW" sz="1500" dirty="0" smtClean="0">
+              <a:latin typeface="Segoe UI Light" panose="020B0502040204020203" pitchFamily="34" charset="0"/>
+              <a:cs typeface="Segoe UI Light" panose="020B0502040204020203" pitchFamily="34" charset="0"/>
+            </a:endParaRPr>
+          </a:p>
+          <a:p>
+            <a:pPr marL="285750" indent="-285750">
+              <a:buFontTx/>
+              <a:buChar char="-"/>
+            </a:pPr>
             <a:r>
               <a:rPr lang="zh-TW" altLang="en-US" sz="1500" dirty="0">
                 <a:latin typeface="Segoe UI Light" panose="020B0502040204020203" pitchFamily="34" charset="0"/>
                 <a:cs typeface="Segoe UI Light" panose="020B0502040204020203" pitchFamily="34" charset="0"/>
               </a:rPr>
-              <a:t>筋面積 </a:t>
+              <a:t>腰筋</a:t>
+            </a:r>
+            <a:r>
+              <a:rPr lang="zh-TW" altLang="en-US" sz="1500" dirty="0" smtClean="0">
+                <a:latin typeface="Segoe UI Light" panose="020B0502040204020203" pitchFamily="34" charset="0"/>
+                <a:cs typeface="Segoe UI Light" panose="020B0502040204020203" pitchFamily="34" charset="0"/>
+              </a:rPr>
+              <a:t>數 </a:t>
+            </a:r>
+            <a:r>
+              <a:rPr lang="en-US" altLang="zh-TW" sz="1500" dirty="0" smtClean="0">
+                <a:latin typeface="Segoe UI Light" panose="020B0502040204020203" pitchFamily="34" charset="0"/>
+                <a:cs typeface="Segoe UI Light" panose="020B0502040204020203" pitchFamily="34" charset="0"/>
+              </a:rPr>
+              <a:t>&gt;</a:t>
+            </a:r>
+            <a:r>
+              <a:rPr lang="zh-TW" altLang="en-US" sz="1500" dirty="0" smtClean="0">
+                <a:latin typeface="Segoe UI Light" panose="020B0502040204020203" pitchFamily="34" charset="0"/>
+                <a:cs typeface="Segoe UI Light" panose="020B0502040204020203" pitchFamily="34" charset="0"/>
+              </a:rPr>
+              <a:t> </a:t>
+            </a:r>
+            <a:r>
+              <a:rPr lang="en-US" altLang="zh-TW" sz="1500" dirty="0" smtClean="0">
+                <a:latin typeface="Segoe UI Light" panose="020B0502040204020203" pitchFamily="34" charset="0"/>
+                <a:cs typeface="Segoe UI Light" panose="020B0502040204020203" pitchFamily="34" charset="0"/>
+              </a:rPr>
+              <a:t>0</a:t>
+            </a:r>
+            <a:endParaRPr lang="en-US" altLang="zh-TW" sz="1500" dirty="0" smtClean="0">
+              <a:latin typeface="Segoe UI Light" panose="020B0502040204020203" pitchFamily="34" charset="0"/>
+              <a:cs typeface="Segoe UI Light" panose="020B0502040204020203" pitchFamily="34" charset="0"/>
+            </a:endParaRPr>
+          </a:p>
+          <a:p>
+            <a:pPr marL="285750" indent="-285750">
+              <a:buFontTx/>
+              <a:buChar char="-"/>
+            </a:pPr>
+            <a:r>
+              <a:rPr lang="zh-TW" altLang="en-US" sz="1500" dirty="0" smtClean="0">
+                <a:latin typeface="Segoe UI Light" panose="020B0502040204020203" pitchFamily="34" charset="0"/>
+                <a:cs typeface="Segoe UI Light" panose="020B0502040204020203" pitchFamily="34" charset="0"/>
+              </a:rPr>
+              <a:t>腰筋數 </a:t>
+            </a:r>
+            <a:r>
+              <a:rPr lang="en-US" altLang="zh-TW" sz="1500" dirty="0" smtClean="0">
+                <a:latin typeface="Segoe UI Light" panose="020B0502040204020203" pitchFamily="34" charset="0"/>
+                <a:cs typeface="Segoe UI Light" panose="020B0502040204020203" pitchFamily="34" charset="0"/>
+              </a:rPr>
+              <a:t>=</a:t>
+            </a:r>
+            <a:r>
+              <a:rPr lang="zh-TW" altLang="en-US" sz="1500" dirty="0" smtClean="0">
+                <a:latin typeface="Segoe UI Light" panose="020B0502040204020203" pitchFamily="34" charset="0"/>
+                <a:cs typeface="Segoe UI Light" panose="020B0502040204020203" pitchFamily="34" charset="0"/>
+              </a:rPr>
+              <a:t> </a:t>
+            </a:r>
+            <a:r>
+              <a:rPr lang="en-US" altLang="zh-TW" sz="1500" dirty="0" smtClean="0">
+                <a:latin typeface="Segoe UI Light" panose="020B0502040204020203" pitchFamily="34" charset="0"/>
+                <a:cs typeface="Segoe UI Light" panose="020B0502040204020203" pitchFamily="34" charset="0"/>
+              </a:rPr>
+              <a:t>1</a:t>
+            </a:r>
+          </a:p>
+          <a:p>
+            <a:pPr marL="742950" lvl="1" indent="-285750">
+              <a:buFontTx/>
+              <a:buChar char="-"/>
+            </a:pPr>
+            <a:r>
+              <a:rPr lang="zh-TW" altLang="en-US" sz="1500" dirty="0" smtClean="0">
+                <a:latin typeface="Segoe UI Light" panose="020B0502040204020203" pitchFamily="34" charset="0"/>
+                <a:cs typeface="Segoe UI Light" panose="020B0502040204020203" pitchFamily="34" charset="0"/>
+              </a:rPr>
+              <a:t>腰筋面</a:t>
+            </a:r>
+            <a:r>
+              <a:rPr lang="zh-TW" altLang="en-US" sz="1500" dirty="0">
+                <a:latin typeface="Segoe UI Light" panose="020B0502040204020203" pitchFamily="34" charset="0"/>
+                <a:cs typeface="Segoe UI Light" panose="020B0502040204020203" pitchFamily="34" charset="0"/>
+              </a:rPr>
+              <a:t>積 </a:t>
             </a:r>
             <a:r>
               <a:rPr lang="en-US" altLang="zh-TW" sz="1500" dirty="0">
                 <a:latin typeface="Segoe UI Light" panose="020B0502040204020203" pitchFamily="34" charset="0"/>
                 <a:cs typeface="Segoe UI Light" panose="020B0502040204020203" pitchFamily="34" charset="0"/>
               </a:rPr>
+              <a:t>&gt; </a:t>
+            </a:r>
+            <a:r>
+              <a:rPr lang="en-US" altLang="zh-TW" sz="1500" dirty="0" smtClean="0">
+                <a:latin typeface="Segoe UI Light" panose="020B0502040204020203" pitchFamily="34" charset="0"/>
+                <a:cs typeface="Segoe UI Light" panose="020B0502040204020203" pitchFamily="34" charset="0"/>
+              </a:rPr>
+              <a:t>0.0015 </a:t>
+            </a:r>
+            <a:r>
+              <a:rPr lang="en-US" altLang="zh-TW" sz="1500" dirty="0">
+                <a:latin typeface="Segoe UI Light" panose="020B0502040204020203" pitchFamily="34" charset="0"/>
+                <a:cs typeface="Segoe UI Light" panose="020B0502040204020203" pitchFamily="34" charset="0"/>
+              </a:rPr>
+              <a:t>* </a:t>
+            </a:r>
+            <a:r>
+              <a:rPr lang="zh-TW" altLang="en-US" sz="1500" dirty="0">
+                <a:latin typeface="Segoe UI Light" panose="020B0502040204020203" pitchFamily="34" charset="0"/>
+                <a:cs typeface="Segoe UI Light" panose="020B0502040204020203" pitchFamily="34" charset="0"/>
+              </a:rPr>
+              <a:t>梁寬 * </a:t>
+            </a:r>
+            <a:r>
+              <a:rPr lang="en-US" altLang="zh-TW" sz="1500" dirty="0" smtClean="0">
+                <a:latin typeface="Segoe UI Light" panose="020B0502040204020203" pitchFamily="34" charset="0"/>
+                <a:cs typeface="Segoe UI Light" panose="020B0502040204020203" pitchFamily="34" charset="0"/>
+              </a:rPr>
+              <a:t>(</a:t>
+            </a:r>
+            <a:r>
+              <a:rPr lang="zh-TW" altLang="en-US" sz="1500" dirty="0" smtClean="0">
+                <a:latin typeface="Segoe UI Light" panose="020B0502040204020203" pitchFamily="34" charset="0"/>
+                <a:cs typeface="Segoe UI Light" panose="020B0502040204020203" pitchFamily="34" charset="0"/>
+              </a:rPr>
+              <a:t>梁深 </a:t>
+            </a:r>
+            <a:r>
+              <a:rPr lang="en-US" altLang="zh-TW" sz="1500" dirty="0" smtClean="0">
+                <a:latin typeface="Segoe UI Light" panose="020B0502040204020203" pitchFamily="34" charset="0"/>
+                <a:cs typeface="Segoe UI Light" panose="020B0502040204020203" pitchFamily="34" charset="0"/>
+              </a:rPr>
+              <a:t>-</a:t>
+            </a:r>
+            <a:r>
+              <a:rPr lang="zh-TW" altLang="en-US" sz="1500" dirty="0" smtClean="0">
+                <a:latin typeface="Segoe UI Light" panose="020B0502040204020203" pitchFamily="34" charset="0"/>
+                <a:cs typeface="Segoe UI Light" panose="020B0502040204020203" pitchFamily="34" charset="0"/>
+              </a:rPr>
+              <a:t> 一</a:t>
+            </a:r>
+            <a:r>
+              <a:rPr lang="zh-TW" altLang="en-US" sz="1500" dirty="0">
+                <a:latin typeface="Segoe UI Light" panose="020B0502040204020203" pitchFamily="34" charset="0"/>
+                <a:cs typeface="Segoe UI Light" panose="020B0502040204020203" pitchFamily="34" charset="0"/>
+              </a:rPr>
+              <a:t>般版</a:t>
+            </a:r>
+            <a:r>
+              <a:rPr lang="zh-TW" altLang="en-US" sz="1500" dirty="0" smtClean="0">
+                <a:latin typeface="Segoe UI Light" panose="020B0502040204020203" pitchFamily="34" charset="0"/>
+                <a:cs typeface="Segoe UI Light" panose="020B0502040204020203" pitchFamily="34" charset="0"/>
+              </a:rPr>
+              <a:t>厚 </a:t>
+            </a:r>
+            <a:r>
+              <a:rPr lang="en-US" altLang="zh-TW" sz="1500" dirty="0" smtClean="0">
+                <a:latin typeface="Segoe UI Light" panose="020B0502040204020203" pitchFamily="34" charset="0"/>
+                <a:cs typeface="Segoe UI Light" panose="020B0502040204020203" pitchFamily="34" charset="0"/>
+              </a:rPr>
+              <a:t>-</a:t>
+            </a:r>
+            <a:r>
+              <a:rPr lang="zh-TW" altLang="en-US" sz="1500" dirty="0" smtClean="0">
+                <a:latin typeface="Segoe UI Light" panose="020B0502040204020203" pitchFamily="34" charset="0"/>
+                <a:cs typeface="Segoe UI Light" panose="020B0502040204020203" pitchFamily="34" charset="0"/>
+              </a:rPr>
+              <a:t> 筏</a:t>
+            </a:r>
+            <a:r>
+              <a:rPr lang="zh-TW" altLang="en-US" sz="1500" dirty="0">
+                <a:latin typeface="Segoe UI Light" panose="020B0502040204020203" pitchFamily="34" charset="0"/>
+                <a:cs typeface="Segoe UI Light" panose="020B0502040204020203" pitchFamily="34" charset="0"/>
+              </a:rPr>
+              <a:t>基版</a:t>
+            </a:r>
+            <a:r>
+              <a:rPr lang="zh-TW" altLang="en-US" sz="1500" dirty="0" smtClean="0">
+                <a:latin typeface="Segoe UI Light" panose="020B0502040204020203" pitchFamily="34" charset="0"/>
+                <a:cs typeface="Segoe UI Light" panose="020B0502040204020203" pitchFamily="34" charset="0"/>
+              </a:rPr>
+              <a:t>厚</a:t>
+            </a:r>
+            <a:r>
+              <a:rPr lang="en-US" altLang="zh-TW" sz="1500" dirty="0" smtClean="0">
+                <a:latin typeface="Segoe UI Light" panose="020B0502040204020203" pitchFamily="34" charset="0"/>
+                <a:cs typeface="Segoe UI Light" panose="020B0502040204020203" pitchFamily="34" charset="0"/>
+              </a:rPr>
+              <a:t>)</a:t>
+            </a:r>
+          </a:p>
+          <a:p>
+            <a:pPr marL="285750" indent="-285750">
+              <a:buFontTx/>
+              <a:buChar char="-"/>
+            </a:pPr>
+            <a:r>
+              <a:rPr lang="zh-TW" altLang="en-US" sz="1500" dirty="0">
+                <a:latin typeface="Segoe UI Light" panose="020B0502040204020203" pitchFamily="34" charset="0"/>
+                <a:cs typeface="Segoe UI Light" panose="020B0502040204020203" pitchFamily="34" charset="0"/>
+              </a:rPr>
+              <a:t>腰筋數 </a:t>
+            </a:r>
+            <a:r>
+              <a:rPr lang="en-US" altLang="zh-TW" sz="1500" dirty="0">
+                <a:latin typeface="Segoe UI Light" panose="020B0502040204020203" pitchFamily="34" charset="0"/>
+                <a:cs typeface="Segoe UI Light" panose="020B0502040204020203" pitchFamily="34" charset="0"/>
+              </a:rPr>
+              <a:t>=</a:t>
+            </a:r>
+            <a:r>
+              <a:rPr lang="zh-TW" altLang="en-US" sz="1500" dirty="0">
+                <a:latin typeface="Segoe UI Light" panose="020B0502040204020203" pitchFamily="34" charset="0"/>
+                <a:cs typeface="Segoe UI Light" panose="020B0502040204020203" pitchFamily="34" charset="0"/>
+              </a:rPr>
+              <a:t> </a:t>
+            </a:r>
+            <a:r>
+              <a:rPr lang="en-US" altLang="zh-TW" sz="1500" dirty="0" smtClean="0">
+                <a:latin typeface="Segoe UI Light" panose="020B0502040204020203" pitchFamily="34" charset="0"/>
+                <a:cs typeface="Segoe UI Light" panose="020B0502040204020203" pitchFamily="34" charset="0"/>
+              </a:rPr>
+              <a:t>2</a:t>
+            </a:r>
+            <a:endParaRPr lang="en-US" altLang="zh-TW" sz="1500" dirty="0">
+              <a:latin typeface="Segoe UI Light" panose="020B0502040204020203" pitchFamily="34" charset="0"/>
+              <a:cs typeface="Segoe UI Light" panose="020B0502040204020203" pitchFamily="34" charset="0"/>
+            </a:endParaRPr>
+          </a:p>
+          <a:p>
+            <a:pPr marL="742950" lvl="1" indent="-285750">
+              <a:buFontTx/>
+              <a:buChar char="-"/>
+            </a:pPr>
+            <a:r>
+              <a:rPr lang="zh-TW" altLang="en-US" sz="1500" dirty="0">
+                <a:latin typeface="Segoe UI Light" panose="020B0502040204020203" pitchFamily="34" charset="0"/>
+                <a:cs typeface="Segoe UI Light" panose="020B0502040204020203" pitchFamily="34" charset="0"/>
+              </a:rPr>
+              <a:t>腰筋面積 </a:t>
+            </a:r>
+            <a:r>
+              <a:rPr lang="en-US" altLang="zh-TW" sz="1500" dirty="0">
+                <a:latin typeface="Segoe UI Light" panose="020B0502040204020203" pitchFamily="34" charset="0"/>
+                <a:cs typeface="Segoe UI Light" panose="020B0502040204020203" pitchFamily="34" charset="0"/>
+              </a:rPr>
+              <a:t>&gt; 0.0015 * </a:t>
+            </a:r>
+            <a:r>
+              <a:rPr lang="zh-TW" altLang="en-US" sz="1500" dirty="0">
+                <a:latin typeface="Segoe UI Light" panose="020B0502040204020203" pitchFamily="34" charset="0"/>
+                <a:cs typeface="Segoe UI Light" panose="020B0502040204020203" pitchFamily="34" charset="0"/>
+              </a:rPr>
+              <a:t>梁寬 * </a:t>
+            </a:r>
+            <a:r>
+              <a:rPr lang="en-US" altLang="zh-TW" sz="1500" dirty="0">
+                <a:latin typeface="Segoe UI Light" panose="020B0502040204020203" pitchFamily="34" charset="0"/>
+                <a:cs typeface="Segoe UI Light" panose="020B0502040204020203" pitchFamily="34" charset="0"/>
+              </a:rPr>
+              <a:t>(</a:t>
+            </a:r>
+            <a:r>
+              <a:rPr lang="zh-TW" altLang="en-US" sz="1500" dirty="0">
+                <a:latin typeface="Segoe UI Light" panose="020B0502040204020203" pitchFamily="34" charset="0"/>
+                <a:cs typeface="Segoe UI Light" panose="020B0502040204020203" pitchFamily="34" charset="0"/>
+              </a:rPr>
+              <a:t>梁深 </a:t>
+            </a:r>
+            <a:r>
+              <a:rPr lang="en-US" altLang="zh-TW" sz="1500" dirty="0">
+                <a:latin typeface="Segoe UI Light" panose="020B0502040204020203" pitchFamily="34" charset="0"/>
+                <a:cs typeface="Segoe UI Light" panose="020B0502040204020203" pitchFamily="34" charset="0"/>
+              </a:rPr>
+              <a:t>-</a:t>
+            </a:r>
+            <a:r>
+              <a:rPr lang="zh-TW" altLang="en-US" sz="1500" dirty="0">
+                <a:latin typeface="Segoe UI Light" panose="020B0502040204020203" pitchFamily="34" charset="0"/>
+                <a:cs typeface="Segoe UI Light" panose="020B0502040204020203" pitchFamily="34" charset="0"/>
+              </a:rPr>
+              <a:t> 一般版厚 </a:t>
+            </a:r>
+            <a:r>
+              <a:rPr lang="en-US" altLang="zh-TW" sz="1500" dirty="0">
+                <a:latin typeface="Segoe UI Light" panose="020B0502040204020203" pitchFamily="34" charset="0"/>
+                <a:cs typeface="Segoe UI Light" panose="020B0502040204020203" pitchFamily="34" charset="0"/>
+              </a:rPr>
+              <a:t>-</a:t>
+            </a:r>
+            <a:r>
+              <a:rPr lang="zh-TW" altLang="en-US" sz="1500" dirty="0">
+                <a:latin typeface="Segoe UI Light" panose="020B0502040204020203" pitchFamily="34" charset="0"/>
+                <a:cs typeface="Segoe UI Light" panose="020B0502040204020203" pitchFamily="34" charset="0"/>
+              </a:rPr>
+              <a:t> 筏基版厚</a:t>
+            </a:r>
+            <a:r>
+              <a:rPr lang="en-US" altLang="zh-TW" sz="1500" dirty="0" smtClean="0">
+                <a:latin typeface="Segoe UI Light" panose="020B0502040204020203" pitchFamily="34" charset="0"/>
+                <a:cs typeface="Segoe UI Light" panose="020B0502040204020203" pitchFamily="34" charset="0"/>
+              </a:rPr>
+              <a:t>)</a:t>
+            </a:r>
+            <a:r>
+              <a:rPr lang="zh-TW" altLang="en-US" sz="1500" dirty="0" smtClean="0">
+                <a:latin typeface="Segoe UI Light" panose="020B0502040204020203" pitchFamily="34" charset="0"/>
+                <a:cs typeface="Segoe UI Light" panose="020B0502040204020203" pitchFamily="34" charset="0"/>
+              </a:rPr>
+              <a:t> </a:t>
+            </a:r>
+            <a:r>
+              <a:rPr lang="en-US" altLang="zh-TW" sz="1500" dirty="0" smtClean="0">
+                <a:latin typeface="Segoe UI Light" panose="020B0502040204020203" pitchFamily="34" charset="0"/>
+                <a:cs typeface="Segoe UI Light" panose="020B0502040204020203" pitchFamily="34" charset="0"/>
+              </a:rPr>
+              <a:t>/</a:t>
+            </a:r>
+            <a:r>
+              <a:rPr lang="zh-TW" altLang="en-US" sz="1500" dirty="0" smtClean="0">
+                <a:latin typeface="Segoe UI Light" panose="020B0502040204020203" pitchFamily="34" charset="0"/>
+                <a:cs typeface="Segoe UI Light" panose="020B0502040204020203" pitchFamily="34" charset="0"/>
+              </a:rPr>
+              <a:t> </a:t>
+            </a:r>
+            <a:r>
+              <a:rPr lang="en-US" altLang="zh-TW" sz="1500" dirty="0" smtClean="0">
+                <a:latin typeface="Segoe UI Light" panose="020B0502040204020203" pitchFamily="34" charset="0"/>
+                <a:cs typeface="Segoe UI Light" panose="020B0502040204020203" pitchFamily="34" charset="0"/>
+              </a:rPr>
+              <a:t>2</a:t>
+            </a:r>
+            <a:endParaRPr lang="en-US" altLang="zh-TW" sz="1500" dirty="0">
+              <a:latin typeface="Segoe UI Light" panose="020B0502040204020203" pitchFamily="34" charset="0"/>
+              <a:cs typeface="Segoe UI Light" panose="020B0502040204020203" pitchFamily="34" charset="0"/>
+            </a:endParaRPr>
+          </a:p>
+          <a:p>
+            <a:pPr marL="285750" indent="-285750">
+              <a:buFontTx/>
+              <a:buChar char="-"/>
+            </a:pPr>
+            <a:r>
+              <a:rPr lang="zh-TW" altLang="en-US" sz="1500" dirty="0">
+                <a:latin typeface="Segoe UI Light" panose="020B0502040204020203" pitchFamily="34" charset="0"/>
+                <a:cs typeface="Segoe UI Light" panose="020B0502040204020203" pitchFamily="34" charset="0"/>
+              </a:rPr>
+              <a:t>腰筋數 </a:t>
+            </a:r>
+            <a:r>
+              <a:rPr lang="en-US" altLang="zh-TW" sz="1500" dirty="0" smtClean="0">
+                <a:latin typeface="Segoe UI Light" panose="020B0502040204020203" pitchFamily="34" charset="0"/>
+                <a:cs typeface="Segoe UI Light" panose="020B0502040204020203" pitchFamily="34" charset="0"/>
+              </a:rPr>
               <a:t>&gt;</a:t>
             </a:r>
             <a:r>
@@ -11567,20 +12710,201 @@
               <a:t> </a:t>
             </a:r>
             <a:r>
+              <a:rPr lang="en-US" altLang="zh-TW" sz="1500" dirty="0">
+                <a:latin typeface="Segoe UI Light" panose="020B0502040204020203" pitchFamily="34" charset="0"/>
+                <a:cs typeface="Segoe UI Light" panose="020B0502040204020203" pitchFamily="34" charset="0"/>
+              </a:rPr>
+              <a:t>2</a:t>
+            </a:r>
+          </a:p>
+          <a:p>
+            <a:pPr marL="742950" lvl="1" indent="-285750">
+              <a:buFontTx/>
+              <a:buChar char="-"/>
+            </a:pPr>
+            <a:r>
+              <a:rPr lang="zh-TW" altLang="en-US" sz="1500" dirty="0">
+                <a:latin typeface="Segoe UI Light" panose="020B0502040204020203" pitchFamily="34" charset="0"/>
+                <a:cs typeface="Segoe UI Light" panose="020B0502040204020203" pitchFamily="34" charset="0"/>
+              </a:rPr>
+              <a:t>腰筋面積 </a:t>
+            </a:r>
+            <a:r>
+              <a:rPr lang="en-US" altLang="zh-TW" sz="1500" dirty="0">
+                <a:latin typeface="Segoe UI Light" panose="020B0502040204020203" pitchFamily="34" charset="0"/>
+                <a:cs typeface="Segoe UI Light" panose="020B0502040204020203" pitchFamily="34" charset="0"/>
+              </a:rPr>
+              <a:t>&gt; 0.0015 * </a:t>
+            </a:r>
+            <a:r>
+              <a:rPr lang="zh-TW" altLang="en-US" sz="1500" dirty="0">
+                <a:latin typeface="Segoe UI Light" panose="020B0502040204020203" pitchFamily="34" charset="0"/>
+                <a:cs typeface="Segoe UI Light" panose="020B0502040204020203" pitchFamily="34" charset="0"/>
+              </a:rPr>
+              <a:t>梁寬 * </a:t>
+            </a:r>
+            <a:r>
+              <a:rPr lang="en-US" altLang="zh-TW" sz="1500" dirty="0">
+                <a:latin typeface="Segoe UI Light" panose="020B0502040204020203" pitchFamily="34" charset="0"/>
+                <a:cs typeface="Segoe UI Light" panose="020B0502040204020203" pitchFamily="34" charset="0"/>
+              </a:rPr>
+              <a:t>(</a:t>
+            </a:r>
+            <a:r>
+              <a:rPr lang="zh-TW" altLang="en-US" sz="1500" dirty="0">
+                <a:latin typeface="Segoe UI Light" panose="020B0502040204020203" pitchFamily="34" charset="0"/>
+                <a:cs typeface="Segoe UI Light" panose="020B0502040204020203" pitchFamily="34" charset="0"/>
+              </a:rPr>
+              <a:t>梁深 </a:t>
+            </a:r>
+            <a:r>
+              <a:rPr lang="en-US" altLang="zh-TW" sz="1500" dirty="0">
+                <a:latin typeface="Segoe UI Light" panose="020B0502040204020203" pitchFamily="34" charset="0"/>
+                <a:cs typeface="Segoe UI Light" panose="020B0502040204020203" pitchFamily="34" charset="0"/>
+              </a:rPr>
+              <a:t>-</a:t>
+            </a:r>
+            <a:r>
+              <a:rPr lang="zh-TW" altLang="en-US" sz="1500" dirty="0">
+                <a:latin typeface="Segoe UI Light" panose="020B0502040204020203" pitchFamily="34" charset="0"/>
+                <a:cs typeface="Segoe UI Light" panose="020B0502040204020203" pitchFamily="34" charset="0"/>
+              </a:rPr>
+              <a:t> 一般版厚 </a:t>
+            </a:r>
+            <a:r>
+              <a:rPr lang="en-US" altLang="zh-TW" sz="1500" dirty="0">
+                <a:latin typeface="Segoe UI Light" panose="020B0502040204020203" pitchFamily="34" charset="0"/>
+                <a:cs typeface="Segoe UI Light" panose="020B0502040204020203" pitchFamily="34" charset="0"/>
+              </a:rPr>
+              <a:t>-</a:t>
+            </a:r>
+            <a:r>
+              <a:rPr lang="zh-TW" altLang="en-US" sz="1500" dirty="0">
+                <a:latin typeface="Segoe UI Light" panose="020B0502040204020203" pitchFamily="34" charset="0"/>
+                <a:cs typeface="Segoe UI Light" panose="020B0502040204020203" pitchFamily="34" charset="0"/>
+              </a:rPr>
+              <a:t> 筏基版</a:t>
+            </a:r>
+            <a:r>
+              <a:rPr lang="zh-TW" altLang="en-US" sz="1500" dirty="0" smtClean="0">
+                <a:latin typeface="Segoe UI Light" panose="020B0502040204020203" pitchFamily="34" charset="0"/>
+                <a:cs typeface="Segoe UI Light" panose="020B0502040204020203" pitchFamily="34" charset="0"/>
+              </a:rPr>
+              <a:t>厚 </a:t>
+            </a:r>
+            <a:r>
               <a:rPr lang="en-US" altLang="zh-TW" sz="1500" dirty="0" smtClean="0">
                 <a:latin typeface="Segoe UI Light" panose="020B0502040204020203" pitchFamily="34" charset="0"/>
                 <a:cs typeface="Segoe UI Light" panose="020B0502040204020203" pitchFamily="34" charset="0"/>
               </a:rPr>
-              <a:t>0.0015</a:t>
+              <a:t>–</a:t>
             </a:r>
             <a:r>
               <a:rPr lang="zh-TW" altLang="en-US" sz="1500" dirty="0" smtClean="0">
                 <a:latin typeface="Segoe UI Light" panose="020B0502040204020203" pitchFamily="34" charset="0"/>
                 <a:cs typeface="Segoe UI Light" panose="020B0502040204020203" pitchFamily="34" charset="0"/>
               </a:rPr>
-              <a:t> * 梁寬 * 箍筋間距</a:t>
-            </a:r>
-            <a:endParaRPr lang="fr-FR" sz="1500" dirty="0">
+              <a:t> </a:t>
+            </a:r>
+            <a:r>
+              <a:rPr lang="en-US" altLang="zh-TW" sz="1500" dirty="0" smtClean="0">
+                <a:latin typeface="Segoe UI Light" panose="020B0502040204020203" pitchFamily="34" charset="0"/>
+                <a:cs typeface="Segoe UI Light" panose="020B0502040204020203" pitchFamily="34" charset="0"/>
+              </a:rPr>
+              <a:t>15</a:t>
+            </a:r>
+            <a:r>
+              <a:rPr lang="zh-TW" altLang="en-US" sz="1500" dirty="0" smtClean="0">
+                <a:latin typeface="Segoe UI Light" panose="020B0502040204020203" pitchFamily="34" charset="0"/>
+                <a:cs typeface="Segoe UI Light" panose="020B0502040204020203" pitchFamily="34" charset="0"/>
+              </a:rPr>
+              <a:t> </a:t>
+            </a:r>
+            <a:r>
+              <a:rPr lang="en-US" altLang="zh-TW" sz="1500" dirty="0" smtClean="0">
+                <a:latin typeface="Segoe UI Light" panose="020B0502040204020203" pitchFamily="34" charset="0"/>
+                <a:cs typeface="Segoe UI Light" panose="020B0502040204020203" pitchFamily="34" charset="0"/>
+              </a:rPr>
+              <a:t>–</a:t>
+            </a:r>
+            <a:r>
+              <a:rPr lang="zh-TW" altLang="en-US" sz="1500" dirty="0" smtClean="0">
+                <a:latin typeface="Segoe UI Light" panose="020B0502040204020203" pitchFamily="34" charset="0"/>
+                <a:cs typeface="Segoe UI Light" panose="020B0502040204020203" pitchFamily="34" charset="0"/>
+              </a:rPr>
+              <a:t> </a:t>
+            </a:r>
+            <a:r>
+              <a:rPr lang="en-US" altLang="zh-TW" sz="1500" dirty="0" smtClean="0">
+                <a:latin typeface="Segoe UI Light" panose="020B0502040204020203" pitchFamily="34" charset="0"/>
+                <a:cs typeface="Segoe UI Light" panose="020B0502040204020203" pitchFamily="34" charset="0"/>
+              </a:rPr>
+              <a:t>15)</a:t>
+            </a:r>
+            <a:r>
+              <a:rPr lang="zh-TW" altLang="en-US" sz="1500" dirty="0" smtClean="0">
+                <a:latin typeface="Segoe UI Light" panose="020B0502040204020203" pitchFamily="34" charset="0"/>
+                <a:cs typeface="Segoe UI Light" panose="020B0502040204020203" pitchFamily="34" charset="0"/>
+              </a:rPr>
+              <a:t> </a:t>
+            </a:r>
+            <a:r>
+              <a:rPr lang="en-US" altLang="zh-TW" sz="1500" dirty="0">
+                <a:latin typeface="Segoe UI Light" panose="020B0502040204020203" pitchFamily="34" charset="0"/>
+                <a:cs typeface="Segoe UI Light" panose="020B0502040204020203" pitchFamily="34" charset="0"/>
+              </a:rPr>
+              <a:t>/</a:t>
+            </a:r>
+            <a:r>
+              <a:rPr lang="zh-TW" altLang="en-US" sz="1500" dirty="0">
+                <a:latin typeface="Segoe UI Light" panose="020B0502040204020203" pitchFamily="34" charset="0"/>
+                <a:cs typeface="Segoe UI Light" panose="020B0502040204020203" pitchFamily="34" charset="0"/>
+              </a:rPr>
+              <a:t> </a:t>
+            </a:r>
+            <a:r>
+              <a:rPr lang="en-US" altLang="zh-TW" sz="1500" dirty="0" smtClean="0">
+                <a:latin typeface="Segoe UI Light" panose="020B0502040204020203" pitchFamily="34" charset="0"/>
+                <a:cs typeface="Segoe UI Light" panose="020B0502040204020203" pitchFamily="34" charset="0"/>
+              </a:rPr>
+              <a:t>(</a:t>
+            </a:r>
+            <a:r>
+              <a:rPr lang="zh-TW" altLang="en-US" sz="1500" dirty="0">
+                <a:latin typeface="Segoe UI Light" panose="020B0502040204020203" pitchFamily="34" charset="0"/>
+                <a:cs typeface="Segoe UI Light" panose="020B0502040204020203" pitchFamily="34" charset="0"/>
+              </a:rPr>
+              <a:t>腰筋</a:t>
+            </a:r>
+            <a:r>
+              <a:rPr lang="zh-TW" altLang="en-US" sz="1500" dirty="0" smtClean="0">
+                <a:latin typeface="Segoe UI Light" panose="020B0502040204020203" pitchFamily="34" charset="0"/>
+                <a:cs typeface="Segoe UI Light" panose="020B0502040204020203" pitchFamily="34" charset="0"/>
+              </a:rPr>
+              <a:t>數 </a:t>
+            </a:r>
+            <a:r>
+              <a:rPr lang="en-US" altLang="zh-TW" sz="1500" dirty="0" smtClean="0">
+                <a:latin typeface="Segoe UI Light" panose="020B0502040204020203" pitchFamily="34" charset="0"/>
+                <a:cs typeface="Segoe UI Light" panose="020B0502040204020203" pitchFamily="34" charset="0"/>
+              </a:rPr>
+              <a:t>-</a:t>
+            </a:r>
+            <a:r>
+              <a:rPr lang="zh-TW" altLang="en-US" sz="1500" dirty="0" smtClean="0">
+                <a:latin typeface="Segoe UI Light" panose="020B0502040204020203" pitchFamily="34" charset="0"/>
+                <a:cs typeface="Segoe UI Light" panose="020B0502040204020203" pitchFamily="34" charset="0"/>
+              </a:rPr>
+              <a:t> </a:t>
+            </a:r>
+            <a:r>
+              <a:rPr lang="en-US" altLang="zh-TW" sz="1500" dirty="0" smtClean="0">
+                <a:latin typeface="Segoe UI Light" panose="020B0502040204020203" pitchFamily="34" charset="0"/>
+                <a:cs typeface="Segoe UI Light" panose="020B0502040204020203" pitchFamily="34" charset="0"/>
+              </a:rPr>
+              <a:t>1)</a:t>
+            </a:r>
+            <a:endParaRPr lang="zh-TW" altLang="en-US" sz="1500" dirty="0">
               <a:latin typeface="Segoe UI Light" panose="020B0502040204020203" pitchFamily="34" charset="0"/>
               <a:cs typeface="Segoe UI Light" panose="020B0502040204020203" pitchFamily="34" charset="0"/>
             </a:endParaRPr>
@@ -11665,21 +12989,21 @@
                 <a:latin typeface="Segoe UI Light" panose="020B0502040204020203" pitchFamily="34" charset="0"/>
                 <a:cs typeface="Segoe UI Light" panose="020B0502040204020203" pitchFamily="34" charset="0"/>
               </a:rPr>
-              <a:t>【0101】</a:t>
+              <a:t>【0102】</a:t>
             </a:r>
             <a:r>
               <a:rPr lang="zh-TW" altLang="en-US" sz="1500" dirty="0">
                 <a:latin typeface="Segoe UI Light" panose="020B0502040204020203" pitchFamily="34" charset="0"/>
                 <a:cs typeface="Segoe UI Light" panose="020B0502040204020203" pitchFamily="34" charset="0"/>
               </a:rPr>
-              <a:t>請確認短梁箍筋，是否小於 </a:t>
+              <a:t>請確認短梁側筋，是否小於 </a:t>
             </a:r>
             <a:r>
               <a:rPr lang="en-US" altLang="zh-TW" sz="1500" dirty="0">
                 <a:latin typeface="Segoe UI Light" panose="020B0502040204020203" pitchFamily="34" charset="0"/>
                 <a:cs typeface="Segoe UI Light" panose="020B0502040204020203" pitchFamily="34" charset="0"/>
               </a:rPr>
-              <a:t>0.0025 * </a:t>
+              <a:t>0.0015 * </a:t>
             </a:r>
             <a:r>
               <a:rPr lang="en-US" altLang="zh-TW" sz="1500" dirty="0" err="1">
@@ -11693,7 +13017,7 @@
                 <a:latin typeface="Segoe UI Light" panose="020B0502040204020203" pitchFamily="34" charset="0"/>
                 <a:cs typeface="Segoe UI Light" panose="020B0502040204020203" pitchFamily="34" charset="0"/>
               </a:rPr>
-              <a:t> * s</a:t>
+              <a:t> * s2</a:t>
             </a:r>
             <a:endParaRPr lang="fr-FR" sz="1500" dirty="0">
               <a:latin typeface="Segoe UI Light" panose="020B0502040204020203" pitchFamily="34" charset="0"/>
@@ -11736,11 +13060,11 @@
   <p:clrMapOvr>
     <a:masterClrMapping/>
   </p:clrMapOvr>
-  <mc:AlternateContent xmlns:mc="http://schemas.openxmlformats.org/markup-compatibility/2006">
-    <mc:Choice xmlns:p14="http://schemas.microsoft.com/office/powerpoint/2010/main" Requires="p14">
+  <mc:AlternateContent xmlns:mc="http://schemas.openxmlformats.org/markup-compatibility/2006" xmlns:p14="http://schemas.microsoft.com/office/powerpoint/2010/main">
+    <mc:Choice Requires="p14">
       <p:transition spd="slow" p14:dur="2000"/>
     </mc:Choice>
-    <mc:Fallback>
+    <mc:Fallback xmlns="">
       <p:transition spd="slow"/>
     </mc:Fallback>
   </mc:AlternateContent>
@@ -11766,7 +13090,303 @@
       </p:grpSpPr>
       <p:sp>
         <p:nvSpPr>
-          <p:cNvPr id="2" name="投影片編號版面配置區 1"/>
+          <p:cNvPr id="37" name="TextBox 98"/>
+          <p:cNvSpPr txBox="1"/>
+          <p:nvPr/>
+        </p:nvSpPr>
+        <p:spPr>
+          <a:xfrm>
+            <a:off x="5953180" y="1380769"/>
+            <a:ext cx="2083050" cy="1015663"/>
+          </a:xfrm>
+          <a:prstGeom prst="rect">
+            <a:avLst/>
+          </a:prstGeom>
+          <a:noFill/>
+        </p:spPr>
+        <p:txBody>
+          <a:bodyPr wrap="square" lIns="0" rtlCol="0" anchor="t">
+            <a:spAutoFit/>
+          </a:bodyPr>
+          <a:lstStyle/>
+          <a:p>
+            <a:r>
+              <a:rPr lang="zh-TW" altLang="en-US" sz="1500" dirty="0" smtClean="0">
+                <a:latin typeface="Segoe UI Light" panose="020B0502040204020203" pitchFamily="34" charset="0"/>
+                <a:cs typeface="Segoe UI Light" panose="020B0502040204020203" pitchFamily="34" charset="0"/>
+              </a:rPr>
+              <a:t>假</a:t>
+            </a:r>
+            <a:r>
+              <a:rPr lang="zh-TW" altLang="en-US" sz="1500" dirty="0">
+                <a:latin typeface="Segoe UI Light" panose="020B0502040204020203" pitchFamily="34" charset="0"/>
+                <a:cs typeface="Segoe UI Light" panose="020B0502040204020203" pitchFamily="34" charset="0"/>
+              </a:rPr>
+              <a:t>設</a:t>
+            </a:r>
+            <a:r>
+              <a:rPr lang="en-US" altLang="zh-TW" sz="1500" dirty="0" smtClean="0">
+                <a:latin typeface="Segoe UI Light" panose="020B0502040204020203" pitchFamily="34" charset="0"/>
+                <a:cs typeface="Segoe UI Light" panose="020B0502040204020203" pitchFamily="34" charset="0"/>
+              </a:rPr>
+              <a:t>:</a:t>
+            </a:r>
+            <a:r>
+              <a:rPr lang="zh-TW" altLang="en-US" sz="1500" dirty="0" smtClean="0">
+                <a:latin typeface="Segoe UI Light" panose="020B0502040204020203" pitchFamily="34" charset="0"/>
+                <a:cs typeface="Segoe UI Light" panose="020B0502040204020203" pitchFamily="34" charset="0"/>
+              </a:rPr>
+              <a:t> </a:t>
+            </a:r>
+            <a:endParaRPr lang="en-US" altLang="zh-TW" sz="1500" dirty="0" smtClean="0">
+              <a:latin typeface="Segoe UI Light" panose="020B0502040204020203" pitchFamily="34" charset="0"/>
+              <a:cs typeface="Segoe UI Light" panose="020B0502040204020203" pitchFamily="34" charset="0"/>
+            </a:endParaRPr>
+          </a:p>
+          <a:p>
+            <a:pPr marL="285750" indent="-285750">
+              <a:buFontTx/>
+              <a:buChar char="-"/>
+            </a:pPr>
+            <a:r>
+              <a:rPr lang="zh-TW" altLang="en-US" sz="1500" dirty="0" smtClean="0">
+                <a:latin typeface="Segoe UI Light" panose="020B0502040204020203" pitchFamily="34" charset="0"/>
+                <a:cs typeface="Segoe UI Light" panose="020B0502040204020203" pitchFamily="34" charset="0"/>
+              </a:rPr>
+              <a:t>一般版厚</a:t>
+            </a:r>
+            <a:r>
+              <a:rPr lang="en-US" altLang="zh-TW" sz="1500" dirty="0" smtClean="0">
+                <a:latin typeface="Segoe UI Light" panose="020B0502040204020203" pitchFamily="34" charset="0"/>
+                <a:cs typeface="Segoe UI Light" panose="020B0502040204020203" pitchFamily="34" charset="0"/>
+              </a:rPr>
+              <a:t>:</a:t>
+            </a:r>
+            <a:r>
+              <a:rPr lang="zh-TW" altLang="en-US" sz="1500" dirty="0" smtClean="0">
+                <a:latin typeface="Segoe UI Light" panose="020B0502040204020203" pitchFamily="34" charset="0"/>
+                <a:cs typeface="Segoe UI Light" panose="020B0502040204020203" pitchFamily="34" charset="0"/>
+              </a:rPr>
+              <a:t> </a:t>
+            </a:r>
+            <a:r>
+              <a:rPr lang="en-US" altLang="zh-TW" sz="1500" dirty="0" smtClean="0">
+                <a:latin typeface="Segoe UI Light" panose="020B0502040204020203" pitchFamily="34" charset="0"/>
+                <a:cs typeface="Segoe UI Light" panose="020B0502040204020203" pitchFamily="34" charset="0"/>
+              </a:rPr>
+              <a:t>20cm</a:t>
+            </a:r>
+          </a:p>
+          <a:p>
+            <a:pPr marL="285750" indent="-285750">
+              <a:buFontTx/>
+              <a:buChar char="-"/>
+            </a:pPr>
+            <a:r>
+              <a:rPr lang="zh-TW" altLang="en-US" sz="1500" dirty="0">
+                <a:latin typeface="Segoe UI Light" panose="020B0502040204020203" pitchFamily="34" charset="0"/>
+                <a:cs typeface="Segoe UI Light" panose="020B0502040204020203" pitchFamily="34" charset="0"/>
+              </a:rPr>
+              <a:t>筏</a:t>
+            </a:r>
+            <a:r>
+              <a:rPr lang="zh-TW" altLang="en-US" sz="1500" dirty="0" smtClean="0">
+                <a:latin typeface="Segoe UI Light" panose="020B0502040204020203" pitchFamily="34" charset="0"/>
+                <a:cs typeface="Segoe UI Light" panose="020B0502040204020203" pitchFamily="34" charset="0"/>
+              </a:rPr>
+              <a:t>基版厚</a:t>
+            </a:r>
+            <a:r>
+              <a:rPr lang="en-US" altLang="zh-TW" sz="1500" dirty="0" smtClean="0">
+                <a:latin typeface="Segoe UI Light" panose="020B0502040204020203" pitchFamily="34" charset="0"/>
+                <a:cs typeface="Segoe UI Light" panose="020B0502040204020203" pitchFamily="34" charset="0"/>
+              </a:rPr>
+              <a:t>:</a:t>
+            </a:r>
+            <a:r>
+              <a:rPr lang="zh-TW" altLang="en-US" sz="1500" dirty="0" smtClean="0">
+                <a:latin typeface="Segoe UI Light" panose="020B0502040204020203" pitchFamily="34" charset="0"/>
+                <a:cs typeface="Segoe UI Light" panose="020B0502040204020203" pitchFamily="34" charset="0"/>
+              </a:rPr>
+              <a:t> </a:t>
+            </a:r>
+            <a:r>
+              <a:rPr lang="en-US" altLang="zh-TW" sz="1500" dirty="0" smtClean="0">
+                <a:latin typeface="Segoe UI Light" panose="020B0502040204020203" pitchFamily="34" charset="0"/>
+                <a:cs typeface="Segoe UI Light" panose="020B0502040204020203" pitchFamily="34" charset="0"/>
+              </a:rPr>
+              <a:t>60cm</a:t>
+            </a:r>
+          </a:p>
+          <a:p>
+            <a:pPr marL="285750" indent="-285750">
+              <a:buFontTx/>
+              <a:buChar char="-"/>
+            </a:pPr>
+            <a:r>
+              <a:rPr lang="fr-FR" sz="1500" dirty="0" smtClean="0">
+                <a:latin typeface="Segoe UI Light" panose="020B0502040204020203" pitchFamily="34" charset="0"/>
+                <a:cs typeface="Segoe UI Light" panose="020B0502040204020203" pitchFamily="34" charset="0"/>
+              </a:rPr>
+              <a:t>Factor = 1.5</a:t>
+            </a:r>
+            <a:endParaRPr lang="fr-FR" sz="1500" dirty="0">
+              <a:latin typeface="Segoe UI Light" panose="020B0502040204020203" pitchFamily="34" charset="0"/>
+              <a:cs typeface="Segoe UI Light" panose="020B0502040204020203" pitchFamily="34" charset="0"/>
+            </a:endParaRPr>
+          </a:p>
+        </p:txBody>
+      </p:sp>
+      <p:pic>
+        <p:nvPicPr>
+          <p:cNvPr id="34" name="圖片 33"/>
+          <p:cNvPicPr>
+            <a:picLocks noChangeAspect="1"/>
+          </p:cNvPicPr>
+          <p:nvPr/>
+        </p:nvPicPr>
+        <p:blipFill>
+          <a:blip r:embed="rId2"/>
+          <a:stretch>
+            <a:fillRect/>
+          </a:stretch>
+        </p:blipFill>
+        <p:spPr>
+          <a:xfrm>
+            <a:off x="2525825" y="1705539"/>
+            <a:ext cx="706238" cy="619667"/>
+          </a:xfrm>
+          <a:prstGeom prst="rect">
+            <a:avLst/>
+          </a:prstGeom>
+        </p:spPr>
+      </p:pic>
+      <p:sp>
+        <p:nvSpPr>
+          <p:cNvPr id="35" name="TextBox 98"/>
+          <p:cNvSpPr txBox="1"/>
+          <p:nvPr/>
+        </p:nvSpPr>
+        <p:spPr>
+          <a:xfrm>
+            <a:off x="2525825" y="1382374"/>
+            <a:ext cx="2745710" cy="323165"/>
+          </a:xfrm>
+          <a:prstGeom prst="rect">
+            <a:avLst/>
+          </a:prstGeom>
+          <a:noFill/>
+        </p:spPr>
+        <p:txBody>
+          <a:bodyPr wrap="square" lIns="0" rtlCol="0" anchor="t">
+            <a:spAutoFit/>
+          </a:bodyPr>
+          <a:lstStyle/>
+          <a:p>
+            <a:r>
+              <a:rPr lang="zh-TW" altLang="en-US" sz="1500" dirty="0" smtClean="0">
+                <a:latin typeface="Segoe UI Light" panose="020B0502040204020203" pitchFamily="34" charset="0"/>
+                <a:cs typeface="Segoe UI Light" panose="020B0502040204020203" pitchFamily="34" charset="0"/>
+              </a:rPr>
+              <a:t>取出</a:t>
+            </a:r>
+            <a:r>
+              <a:rPr lang="en-US" altLang="zh-TW" sz="1500" dirty="0" smtClean="0">
+                <a:latin typeface="Segoe UI Light" panose="020B0502040204020203" pitchFamily="34" charset="0"/>
+                <a:cs typeface="Segoe UI Light" panose="020B0502040204020203" pitchFamily="34" charset="0"/>
+              </a:rPr>
+              <a:t>:</a:t>
+            </a:r>
+            <a:r>
+              <a:rPr lang="zh-TW" altLang="en-US" sz="1500" dirty="0" smtClean="0">
+                <a:latin typeface="Segoe UI Light" panose="020B0502040204020203" pitchFamily="34" charset="0"/>
+                <a:cs typeface="Segoe UI Light" panose="020B0502040204020203" pitchFamily="34" charset="0"/>
+              </a:rPr>
+              <a:t> </a:t>
+            </a:r>
+            <a:r>
+              <a:rPr lang="zh-TW" altLang="en-US" sz="1500" dirty="0">
+                <a:latin typeface="Segoe UI Light" panose="020B0502040204020203" pitchFamily="34" charset="0"/>
+                <a:cs typeface="Segoe UI Light" panose="020B0502040204020203" pitchFamily="34" charset="0"/>
+              </a:rPr>
+              <a:t>腰</a:t>
+            </a:r>
+            <a:r>
+              <a:rPr lang="zh-TW" altLang="en-US" sz="1500" dirty="0" smtClean="0">
+                <a:latin typeface="Segoe UI Light" panose="020B0502040204020203" pitchFamily="34" charset="0"/>
+                <a:cs typeface="Segoe UI Light" panose="020B0502040204020203" pitchFamily="34" charset="0"/>
+              </a:rPr>
+              <a:t>筋面積、梁寬、梁深</a:t>
+            </a:r>
+            <a:endParaRPr lang="fr-FR" sz="1500" dirty="0">
+              <a:latin typeface="Segoe UI Light" panose="020B0502040204020203" pitchFamily="34" charset="0"/>
+              <a:cs typeface="Segoe UI Light" panose="020B0502040204020203" pitchFamily="34" charset="0"/>
+            </a:endParaRPr>
+          </a:p>
+        </p:txBody>
+      </p:sp>
+      <p:pic>
+        <p:nvPicPr>
+          <p:cNvPr id="36" name="圖片 35"/>
+          <p:cNvPicPr>
+            <a:picLocks noChangeAspect="1"/>
+          </p:cNvPicPr>
+          <p:nvPr/>
+        </p:nvPicPr>
+        <p:blipFill>
+          <a:blip r:embed="rId3"/>
+          <a:stretch>
+            <a:fillRect/>
+          </a:stretch>
+        </p:blipFill>
+        <p:spPr>
+          <a:xfrm>
+            <a:off x="3214231" y="1703856"/>
+            <a:ext cx="706238" cy="619667"/>
+          </a:xfrm>
+          <a:prstGeom prst="rect">
+            <a:avLst/>
+          </a:prstGeom>
+        </p:spPr>
+      </p:pic>
+      <p:sp>
+        <p:nvSpPr>
+          <p:cNvPr id="28" name="文字方塊 27"/>
+          <p:cNvSpPr txBox="1"/>
+          <p:nvPr/>
+        </p:nvSpPr>
+        <p:spPr>
+          <a:xfrm>
+            <a:off x="7638341" y="1067599"/>
+            <a:ext cx="1045479" cy="369332"/>
+          </a:xfrm>
+          <a:prstGeom prst="rect">
+            <a:avLst/>
+          </a:prstGeom>
+          <a:noFill/>
+        </p:spPr>
+        <p:txBody>
+          <a:bodyPr wrap="none" rtlCol="0">
+            <a:spAutoFit/>
+          </a:bodyPr>
+          <a:lstStyle/>
+          <a:p>
+            <a:pPr algn="r"/>
+            <a:r>
+              <a:rPr lang="en-US" altLang="zh-TW" dirty="0" smtClean="0"/>
+              <a:t>-</a:t>
+            </a:r>
+            <a:r>
+              <a:rPr lang="zh-TW" altLang="en-US" dirty="0"/>
+              <a:t> 經濟性</a:t>
+            </a:r>
+            <a:endParaRPr lang="zh-TW" altLang="en-US" dirty="0"/>
+          </a:p>
+        </p:txBody>
+      </p:sp>
+      <p:sp>
+        <p:nvSpPr>
+          <p:cNvPr id="3" name="投影片編號版面配置區 2"/>
           <p:cNvSpPr>
             <a:spLocks noGrp="1"/>
           </p:cNvSpPr>
@@ -11787,16 +13407,1326 @@
           </a:p>
         </p:txBody>
       </p:sp>
+      <p:sp>
+        <p:nvSpPr>
+          <p:cNvPr id="11" name="文字方塊 10"/>
+          <p:cNvSpPr txBox="1"/>
+          <p:nvPr/>
+        </p:nvSpPr>
+        <p:spPr>
+          <a:xfrm>
+            <a:off x="465514" y="698267"/>
+            <a:ext cx="5972725" cy="369332"/>
+          </a:xfrm>
+          <a:prstGeom prst="rect">
+            <a:avLst/>
+          </a:prstGeom>
+          <a:noFill/>
+        </p:spPr>
+        <p:txBody>
+          <a:bodyPr wrap="none" rtlCol="0">
+            <a:spAutoFit/>
+          </a:bodyPr>
+          <a:lstStyle/>
+          <a:p>
+            <a:r>
+              <a:rPr lang="zh-TW" altLang="en-US" dirty="0"/>
+              <a:t>水平剪力鋼筋面積 </a:t>
+            </a:r>
+            <a:r>
+              <a:rPr lang="en-US" altLang="zh-TW" dirty="0" err="1"/>
+              <a:t>Avh</a:t>
+            </a:r>
+            <a:r>
+              <a:rPr lang="en-US" altLang="zh-TW" dirty="0"/>
+              <a:t> </a:t>
+            </a:r>
+            <a:r>
+              <a:rPr lang="zh-TW" altLang="en-US" dirty="0"/>
+              <a:t>不得大於 </a:t>
+            </a:r>
+            <a:r>
+              <a:rPr lang="en-US" altLang="zh-TW" dirty="0"/>
+              <a:t>0.0015 * </a:t>
+            </a:r>
+            <a:r>
+              <a:rPr lang="en-US" altLang="zh-TW" dirty="0" err="1"/>
+              <a:t>bw</a:t>
+            </a:r>
+            <a:r>
+              <a:rPr lang="en-US" altLang="zh-TW" dirty="0"/>
+              <a:t> * s2 * 1.5</a:t>
+            </a:r>
+            <a:r>
+              <a:rPr lang="zh-TW" altLang="en-US" dirty="0"/>
+              <a:t>。</a:t>
+            </a:r>
+            <a:endParaRPr lang="zh-TW" altLang="en-US" dirty="0"/>
+          </a:p>
+        </p:txBody>
+      </p:sp>
+      <p:grpSp>
+        <p:nvGrpSpPr>
+          <p:cNvPr id="13" name="Group 24"/>
+          <p:cNvGrpSpPr/>
+          <p:nvPr/>
+        </p:nvGrpSpPr>
+        <p:grpSpPr>
+          <a:xfrm>
+            <a:off x="1220043" y="1448609"/>
+            <a:ext cx="708425" cy="708425"/>
+            <a:chOff x="3173014" y="2956717"/>
+            <a:chExt cx="944566" cy="944566"/>
+          </a:xfrm>
+        </p:grpSpPr>
+        <p:sp>
+          <p:nvSpPr>
+            <p:cNvPr id="14" name="Oval 25"/>
+            <p:cNvSpPr/>
+            <p:nvPr/>
+          </p:nvSpPr>
+          <p:spPr>
+            <a:xfrm>
+              <a:off x="3290491" y="3074194"/>
+              <a:ext cx="709612" cy="709612"/>
+            </a:xfrm>
+            <a:prstGeom prst="ellipse">
+              <a:avLst/>
+            </a:prstGeom>
+            <a:solidFill>
+              <a:schemeClr val="bg1">
+                <a:lumMod val="85000"/>
+              </a:schemeClr>
+            </a:solidFill>
+            <a:ln>
+              <a:noFill/>
+            </a:ln>
+          </p:spPr>
+          <p:style>
+            <a:lnRef idx="2">
+              <a:schemeClr val="accent1">
+                <a:shade val="50000"/>
+              </a:schemeClr>
+            </a:lnRef>
+            <a:fillRef idx="1">
+              <a:schemeClr val="accent1"/>
+            </a:fillRef>
+            <a:effectRef idx="0">
+              <a:schemeClr val="accent1"/>
+            </a:effectRef>
+            <a:fontRef idx="minor">
+              <a:schemeClr val="lt1"/>
+            </a:fontRef>
+          </p:style>
+          <p:txBody>
+            <a:bodyPr rtlCol="0" anchor="ctr"/>
+            <a:lstStyle/>
+            <a:p>
+              <a:pPr algn="ctr"/>
+              <a:endParaRPr lang="fr-FR" sz="1350"/>
+            </a:p>
+          </p:txBody>
+        </p:sp>
+        <p:sp>
+          <p:nvSpPr>
+            <p:cNvPr id="15" name="Oval 26"/>
+            <p:cNvSpPr/>
+            <p:nvPr/>
+          </p:nvSpPr>
+          <p:spPr>
+            <a:xfrm>
+              <a:off x="3173014" y="2956717"/>
+              <a:ext cx="944566" cy="944566"/>
+            </a:xfrm>
+            <a:prstGeom prst="ellipse">
+              <a:avLst/>
+            </a:prstGeom>
+            <a:solidFill>
+              <a:schemeClr val="bg1">
+                <a:lumMod val="85000"/>
+                <a:alpha val="42000"/>
+              </a:schemeClr>
+            </a:solidFill>
+            <a:ln>
+              <a:noFill/>
+            </a:ln>
+          </p:spPr>
+          <p:style>
+            <a:lnRef idx="2">
+              <a:schemeClr val="accent1">
+                <a:shade val="50000"/>
+              </a:schemeClr>
+            </a:lnRef>
+            <a:fillRef idx="1">
+              <a:schemeClr val="accent1"/>
+            </a:fillRef>
+            <a:effectRef idx="0">
+              <a:schemeClr val="accent1"/>
+            </a:effectRef>
+            <a:fontRef idx="minor">
+              <a:schemeClr val="lt1"/>
+            </a:fontRef>
+          </p:style>
+          <p:txBody>
+            <a:bodyPr rtlCol="0" anchor="ctr"/>
+            <a:lstStyle/>
+            <a:p>
+              <a:pPr algn="ctr"/>
+              <a:r>
+                <a:rPr lang="fr-FR" sz="2100" dirty="0">
+                  <a:solidFill>
+                    <a:schemeClr val="tx1"/>
+                  </a:solidFill>
+                  <a:latin typeface="Segoe UI" panose="020B0502040204020203" pitchFamily="34" charset="0"/>
+                  <a:cs typeface="Segoe UI" panose="020B0502040204020203" pitchFamily="34" charset="0"/>
+                </a:rPr>
+                <a:t>1</a:t>
+              </a:r>
+            </a:p>
+          </p:txBody>
+        </p:sp>
+      </p:grpSp>
+      <p:cxnSp>
+        <p:nvCxnSpPr>
+          <p:cNvPr id="16" name="Straight Connector 13"/>
+          <p:cNvCxnSpPr/>
+          <p:nvPr/>
+        </p:nvCxnSpPr>
+        <p:spPr>
+          <a:xfrm>
+            <a:off x="1571021" y="2157034"/>
+            <a:ext cx="0" cy="1087200"/>
+          </a:xfrm>
+          <a:prstGeom prst="line">
+            <a:avLst/>
+          </a:prstGeom>
+          <a:ln w="28575">
+            <a:solidFill>
+              <a:srgbClr val="EDECEC"/>
+            </a:solidFill>
+          </a:ln>
+        </p:spPr>
+        <p:style>
+          <a:lnRef idx="1">
+            <a:schemeClr val="accent1"/>
+          </a:lnRef>
+          <a:fillRef idx="0">
+            <a:schemeClr val="accent1"/>
+          </a:fillRef>
+          <a:effectRef idx="0">
+            <a:schemeClr val="accent1"/>
+          </a:effectRef>
+          <a:fontRef idx="minor">
+            <a:schemeClr val="tx1"/>
+          </a:fontRef>
+        </p:style>
+      </p:cxnSp>
+      <p:grpSp>
+        <p:nvGrpSpPr>
+          <p:cNvPr id="18" name="Group 1"/>
+          <p:cNvGrpSpPr/>
+          <p:nvPr/>
+        </p:nvGrpSpPr>
+        <p:grpSpPr>
+          <a:xfrm>
+            <a:off x="1220043" y="3244234"/>
+            <a:ext cx="708425" cy="708425"/>
+            <a:chOff x="3173014" y="2956717"/>
+            <a:chExt cx="944566" cy="944566"/>
+          </a:xfrm>
+        </p:grpSpPr>
+        <p:sp>
+          <p:nvSpPr>
+            <p:cNvPr id="19" name="Oval 18"/>
+            <p:cNvSpPr/>
+            <p:nvPr/>
+          </p:nvSpPr>
+          <p:spPr>
+            <a:xfrm>
+              <a:off x="3290491" y="3074194"/>
+              <a:ext cx="709612" cy="709612"/>
+            </a:xfrm>
+            <a:prstGeom prst="ellipse">
+              <a:avLst/>
+            </a:prstGeom>
+            <a:solidFill>
+              <a:schemeClr val="bg1">
+                <a:lumMod val="85000"/>
+              </a:schemeClr>
+            </a:solidFill>
+            <a:ln>
+              <a:noFill/>
+            </a:ln>
+          </p:spPr>
+          <p:style>
+            <a:lnRef idx="2">
+              <a:schemeClr val="accent1">
+                <a:shade val="50000"/>
+              </a:schemeClr>
+            </a:lnRef>
+            <a:fillRef idx="1">
+              <a:schemeClr val="accent1"/>
+            </a:fillRef>
+            <a:effectRef idx="0">
+              <a:schemeClr val="accent1"/>
+            </a:effectRef>
+            <a:fontRef idx="minor">
+              <a:schemeClr val="lt1"/>
+            </a:fontRef>
+          </p:style>
+          <p:txBody>
+            <a:bodyPr rtlCol="0" anchor="ctr"/>
+            <a:lstStyle/>
+            <a:p>
+              <a:pPr algn="ctr"/>
+              <a:endParaRPr lang="fr-FR" sz="1350" dirty="0"/>
+            </a:p>
+          </p:txBody>
+        </p:sp>
+        <p:sp>
+          <p:nvSpPr>
+            <p:cNvPr id="20" name="Oval 22"/>
+            <p:cNvSpPr/>
+            <p:nvPr/>
+          </p:nvSpPr>
+          <p:spPr>
+            <a:xfrm>
+              <a:off x="3173014" y="2956717"/>
+              <a:ext cx="944566" cy="944566"/>
+            </a:xfrm>
+            <a:prstGeom prst="ellipse">
+              <a:avLst/>
+            </a:prstGeom>
+            <a:solidFill>
+              <a:schemeClr val="bg1">
+                <a:lumMod val="85000"/>
+                <a:alpha val="42000"/>
+              </a:schemeClr>
+            </a:solidFill>
+            <a:ln>
+              <a:noFill/>
+            </a:ln>
+          </p:spPr>
+          <p:style>
+            <a:lnRef idx="2">
+              <a:schemeClr val="accent1">
+                <a:shade val="50000"/>
+              </a:schemeClr>
+            </a:lnRef>
+            <a:fillRef idx="1">
+              <a:schemeClr val="accent1"/>
+            </a:fillRef>
+            <a:effectRef idx="0">
+              <a:schemeClr val="accent1"/>
+            </a:effectRef>
+            <a:fontRef idx="minor">
+              <a:schemeClr val="lt1"/>
+            </a:fontRef>
+          </p:style>
+          <p:txBody>
+            <a:bodyPr rtlCol="0" anchor="ctr"/>
+            <a:lstStyle/>
+            <a:p>
+              <a:pPr algn="ctr"/>
+              <a:r>
+                <a:rPr lang="fr-FR" sz="2100" dirty="0">
+                  <a:solidFill>
+                    <a:schemeClr val="tx1"/>
+                  </a:solidFill>
+                  <a:latin typeface="Segoe UI" panose="020B0502040204020203" pitchFamily="34" charset="0"/>
+                  <a:cs typeface="Segoe UI" panose="020B0502040204020203" pitchFamily="34" charset="0"/>
+                </a:rPr>
+                <a:t>2</a:t>
+              </a:r>
+            </a:p>
+          </p:txBody>
+        </p:sp>
+      </p:grpSp>
+      <p:grpSp>
+        <p:nvGrpSpPr>
+          <p:cNvPr id="21" name="Group 27"/>
+          <p:cNvGrpSpPr/>
+          <p:nvPr/>
+        </p:nvGrpSpPr>
+        <p:grpSpPr>
+          <a:xfrm>
+            <a:off x="1220043" y="5039859"/>
+            <a:ext cx="708425" cy="708425"/>
+            <a:chOff x="3173014" y="2956717"/>
+            <a:chExt cx="944566" cy="944566"/>
+          </a:xfrm>
+        </p:grpSpPr>
+        <p:sp>
+          <p:nvSpPr>
+            <p:cNvPr id="22" name="Oval 28"/>
+            <p:cNvSpPr/>
+            <p:nvPr/>
+          </p:nvSpPr>
+          <p:spPr>
+            <a:xfrm>
+              <a:off x="3290491" y="3074194"/>
+              <a:ext cx="709612" cy="709612"/>
+            </a:xfrm>
+            <a:prstGeom prst="ellipse">
+              <a:avLst/>
+            </a:prstGeom>
+            <a:solidFill>
+              <a:schemeClr val="bg1">
+                <a:lumMod val="85000"/>
+              </a:schemeClr>
+            </a:solidFill>
+            <a:ln>
+              <a:noFill/>
+            </a:ln>
+          </p:spPr>
+          <p:style>
+            <a:lnRef idx="2">
+              <a:schemeClr val="accent1">
+                <a:shade val="50000"/>
+              </a:schemeClr>
+            </a:lnRef>
+            <a:fillRef idx="1">
+              <a:schemeClr val="accent1"/>
+            </a:fillRef>
+            <a:effectRef idx="0">
+              <a:schemeClr val="accent1"/>
+            </a:effectRef>
+            <a:fontRef idx="minor">
+              <a:schemeClr val="lt1"/>
+            </a:fontRef>
+          </p:style>
+          <p:txBody>
+            <a:bodyPr rtlCol="0" anchor="ctr"/>
+            <a:lstStyle/>
+            <a:p>
+              <a:pPr algn="ctr"/>
+              <a:endParaRPr lang="fr-FR" sz="1350"/>
+            </a:p>
+          </p:txBody>
+        </p:sp>
+        <p:sp>
+          <p:nvSpPr>
+            <p:cNvPr id="23" name="Oval 29"/>
+            <p:cNvSpPr/>
+            <p:nvPr/>
+          </p:nvSpPr>
+          <p:spPr>
+            <a:xfrm>
+              <a:off x="3173014" y="2956717"/>
+              <a:ext cx="944566" cy="944566"/>
+            </a:xfrm>
+            <a:prstGeom prst="ellipse">
+              <a:avLst/>
+            </a:prstGeom>
+            <a:solidFill>
+              <a:schemeClr val="bg1">
+                <a:lumMod val="85000"/>
+                <a:alpha val="42000"/>
+              </a:schemeClr>
+            </a:solidFill>
+            <a:ln>
+              <a:noFill/>
+            </a:ln>
+          </p:spPr>
+          <p:style>
+            <a:lnRef idx="2">
+              <a:schemeClr val="accent1">
+                <a:shade val="50000"/>
+              </a:schemeClr>
+            </a:lnRef>
+            <a:fillRef idx="1">
+              <a:schemeClr val="accent1"/>
+            </a:fillRef>
+            <a:effectRef idx="0">
+              <a:schemeClr val="accent1"/>
+            </a:effectRef>
+            <a:fontRef idx="minor">
+              <a:schemeClr val="lt1"/>
+            </a:fontRef>
+          </p:style>
+          <p:txBody>
+            <a:bodyPr rtlCol="0" anchor="ctr"/>
+            <a:lstStyle/>
+            <a:p>
+              <a:pPr algn="ctr"/>
+              <a:r>
+                <a:rPr lang="fr-FR" sz="2100" dirty="0">
+                  <a:solidFill>
+                    <a:schemeClr val="tx1"/>
+                  </a:solidFill>
+                  <a:latin typeface="Segoe UI" panose="020B0502040204020203" pitchFamily="34" charset="0"/>
+                  <a:cs typeface="Segoe UI" panose="020B0502040204020203" pitchFamily="34" charset="0"/>
+                </a:rPr>
+                <a:t>3</a:t>
+              </a:r>
+            </a:p>
+          </p:txBody>
+        </p:sp>
+      </p:grpSp>
+      <p:cxnSp>
+        <p:nvCxnSpPr>
+          <p:cNvPr id="24" name="Straight Connector 13"/>
+          <p:cNvCxnSpPr/>
+          <p:nvPr/>
+        </p:nvCxnSpPr>
+        <p:spPr>
+          <a:xfrm>
+            <a:off x="1571021" y="3952659"/>
+            <a:ext cx="0" cy="1087200"/>
+          </a:xfrm>
+          <a:prstGeom prst="line">
+            <a:avLst/>
+          </a:prstGeom>
+          <a:ln w="28575">
+            <a:solidFill>
+              <a:srgbClr val="EDECEC"/>
+            </a:solidFill>
+          </a:ln>
+        </p:spPr>
+        <p:style>
+          <a:lnRef idx="1">
+            <a:schemeClr val="accent1"/>
+          </a:lnRef>
+          <a:fillRef idx="0">
+            <a:schemeClr val="accent1"/>
+          </a:fillRef>
+          <a:effectRef idx="0">
+            <a:schemeClr val="accent1"/>
+          </a:effectRef>
+          <a:fontRef idx="minor">
+            <a:schemeClr val="tx1"/>
+          </a:fontRef>
+        </p:style>
+      </p:cxnSp>
+      <p:sp>
+        <p:nvSpPr>
+          <p:cNvPr id="31" name="TextBox 98"/>
+          <p:cNvSpPr txBox="1"/>
+          <p:nvPr/>
+        </p:nvSpPr>
+        <p:spPr>
+          <a:xfrm>
+            <a:off x="2525566" y="2525703"/>
+            <a:ext cx="6540796" cy="2169825"/>
+          </a:xfrm>
+          <a:prstGeom prst="rect">
+            <a:avLst/>
+          </a:prstGeom>
+          <a:noFill/>
+        </p:spPr>
+        <p:txBody>
+          <a:bodyPr wrap="square" lIns="0" rtlCol="0" anchor="t">
+            <a:spAutoFit/>
+          </a:bodyPr>
+          <a:lstStyle/>
+          <a:p>
+            <a:r>
+              <a:rPr lang="zh-TW" altLang="en-US" sz="1500" dirty="0" smtClean="0">
+                <a:latin typeface="Segoe UI Light" panose="020B0502040204020203" pitchFamily="34" charset="0"/>
+                <a:cs typeface="Segoe UI Light" panose="020B0502040204020203" pitchFamily="34" charset="0"/>
+              </a:rPr>
+              <a:t>判斷</a:t>
+            </a:r>
+            <a:r>
+              <a:rPr lang="en-US" altLang="zh-TW" sz="1500" dirty="0" smtClean="0">
+                <a:latin typeface="Segoe UI Light" panose="020B0502040204020203" pitchFamily="34" charset="0"/>
+                <a:cs typeface="Segoe UI Light" panose="020B0502040204020203" pitchFamily="34" charset="0"/>
+              </a:rPr>
+              <a:t>:</a:t>
+            </a:r>
+            <a:r>
+              <a:rPr lang="zh-TW" altLang="en-US" sz="1500" dirty="0" smtClean="0">
+                <a:latin typeface="Segoe UI Light" panose="020B0502040204020203" pitchFamily="34" charset="0"/>
+                <a:cs typeface="Segoe UI Light" panose="020B0502040204020203" pitchFamily="34" charset="0"/>
+              </a:rPr>
+              <a:t> </a:t>
+            </a:r>
+            <a:endParaRPr lang="en-US" altLang="zh-TW" sz="1500" dirty="0" smtClean="0">
+              <a:latin typeface="Segoe UI Light" panose="020B0502040204020203" pitchFamily="34" charset="0"/>
+              <a:cs typeface="Segoe UI Light" panose="020B0502040204020203" pitchFamily="34" charset="0"/>
+            </a:endParaRPr>
+          </a:p>
+          <a:p>
+            <a:pPr marL="285750" indent="-285750">
+              <a:buFontTx/>
+              <a:buChar char="-"/>
+            </a:pPr>
+            <a:r>
+              <a:rPr lang="zh-TW" altLang="en-US" sz="1500" dirty="0">
+                <a:latin typeface="Segoe UI Light" panose="020B0502040204020203" pitchFamily="34" charset="0"/>
+                <a:cs typeface="Segoe UI Light" panose="020B0502040204020203" pitchFamily="34" charset="0"/>
+              </a:rPr>
+              <a:t>腰筋</a:t>
+            </a:r>
+            <a:r>
+              <a:rPr lang="zh-TW" altLang="en-US" sz="1500" dirty="0" smtClean="0">
+                <a:latin typeface="Segoe UI Light" panose="020B0502040204020203" pitchFamily="34" charset="0"/>
+                <a:cs typeface="Segoe UI Light" panose="020B0502040204020203" pitchFamily="34" charset="0"/>
+              </a:rPr>
+              <a:t>數 </a:t>
+            </a:r>
+            <a:r>
+              <a:rPr lang="en-US" altLang="zh-TW" sz="1500" dirty="0" smtClean="0">
+                <a:latin typeface="Segoe UI Light" panose="020B0502040204020203" pitchFamily="34" charset="0"/>
+                <a:cs typeface="Segoe UI Light" panose="020B0502040204020203" pitchFamily="34" charset="0"/>
+              </a:rPr>
+              <a:t>&gt;</a:t>
+            </a:r>
+            <a:r>
+              <a:rPr lang="zh-TW" altLang="en-US" sz="1500" dirty="0" smtClean="0">
+                <a:latin typeface="Segoe UI Light" panose="020B0502040204020203" pitchFamily="34" charset="0"/>
+                <a:cs typeface="Segoe UI Light" panose="020B0502040204020203" pitchFamily="34" charset="0"/>
+              </a:rPr>
+              <a:t> </a:t>
+            </a:r>
+            <a:r>
+              <a:rPr lang="en-US" altLang="zh-TW" sz="1500" dirty="0" smtClean="0">
+                <a:latin typeface="Segoe UI Light" panose="020B0502040204020203" pitchFamily="34" charset="0"/>
+                <a:cs typeface="Segoe UI Light" panose="020B0502040204020203" pitchFamily="34" charset="0"/>
+              </a:rPr>
+              <a:t>0</a:t>
+            </a:r>
+            <a:endParaRPr lang="en-US" altLang="zh-TW" sz="1500" dirty="0" smtClean="0">
+              <a:latin typeface="Segoe UI Light" panose="020B0502040204020203" pitchFamily="34" charset="0"/>
+              <a:cs typeface="Segoe UI Light" panose="020B0502040204020203" pitchFamily="34" charset="0"/>
+            </a:endParaRPr>
+          </a:p>
+          <a:p>
+            <a:pPr marL="285750" indent="-285750">
+              <a:buFontTx/>
+              <a:buChar char="-"/>
+            </a:pPr>
+            <a:r>
+              <a:rPr lang="zh-TW" altLang="en-US" sz="1500" dirty="0" smtClean="0">
+                <a:latin typeface="Segoe UI Light" panose="020B0502040204020203" pitchFamily="34" charset="0"/>
+                <a:cs typeface="Segoe UI Light" panose="020B0502040204020203" pitchFamily="34" charset="0"/>
+              </a:rPr>
+              <a:t>腰筋數 </a:t>
+            </a:r>
+            <a:r>
+              <a:rPr lang="en-US" altLang="zh-TW" sz="1500" dirty="0" smtClean="0">
+                <a:latin typeface="Segoe UI Light" panose="020B0502040204020203" pitchFamily="34" charset="0"/>
+                <a:cs typeface="Segoe UI Light" panose="020B0502040204020203" pitchFamily="34" charset="0"/>
+              </a:rPr>
+              <a:t>=</a:t>
+            </a:r>
+            <a:r>
+              <a:rPr lang="zh-TW" altLang="en-US" sz="1500" dirty="0" smtClean="0">
+                <a:latin typeface="Segoe UI Light" panose="020B0502040204020203" pitchFamily="34" charset="0"/>
+                <a:cs typeface="Segoe UI Light" panose="020B0502040204020203" pitchFamily="34" charset="0"/>
+              </a:rPr>
+              <a:t> </a:t>
+            </a:r>
+            <a:r>
+              <a:rPr lang="en-US" altLang="zh-TW" sz="1500" dirty="0" smtClean="0">
+                <a:latin typeface="Segoe UI Light" panose="020B0502040204020203" pitchFamily="34" charset="0"/>
+                <a:cs typeface="Segoe UI Light" panose="020B0502040204020203" pitchFamily="34" charset="0"/>
+              </a:rPr>
+              <a:t>1</a:t>
+            </a:r>
+          </a:p>
+          <a:p>
+            <a:pPr marL="742950" lvl="1" indent="-285750">
+              <a:buFontTx/>
+              <a:buChar char="-"/>
+            </a:pPr>
+            <a:r>
+              <a:rPr lang="zh-TW" altLang="en-US" sz="1500" dirty="0" smtClean="0">
+                <a:latin typeface="Segoe UI Light" panose="020B0502040204020203" pitchFamily="34" charset="0"/>
+                <a:cs typeface="Segoe UI Light" panose="020B0502040204020203" pitchFamily="34" charset="0"/>
+              </a:rPr>
+              <a:t>腰筋面</a:t>
+            </a:r>
+            <a:r>
+              <a:rPr lang="zh-TW" altLang="en-US" sz="1500" dirty="0">
+                <a:latin typeface="Segoe UI Light" panose="020B0502040204020203" pitchFamily="34" charset="0"/>
+                <a:cs typeface="Segoe UI Light" panose="020B0502040204020203" pitchFamily="34" charset="0"/>
+              </a:rPr>
+              <a:t>積 </a:t>
+            </a:r>
+            <a:r>
+              <a:rPr lang="en-US" altLang="zh-TW" sz="1500" dirty="0" smtClean="0">
+                <a:latin typeface="Segoe UI Light" panose="020B0502040204020203" pitchFamily="34" charset="0"/>
+                <a:cs typeface="Segoe UI Light" panose="020B0502040204020203" pitchFamily="34" charset="0"/>
+              </a:rPr>
+              <a:t>&lt; 0.0015 </a:t>
+            </a:r>
+            <a:r>
+              <a:rPr lang="en-US" altLang="zh-TW" sz="1500" dirty="0">
+                <a:latin typeface="Segoe UI Light" panose="020B0502040204020203" pitchFamily="34" charset="0"/>
+                <a:cs typeface="Segoe UI Light" panose="020B0502040204020203" pitchFamily="34" charset="0"/>
+              </a:rPr>
+              <a:t>* </a:t>
+            </a:r>
+            <a:r>
+              <a:rPr lang="zh-TW" altLang="en-US" sz="1500" dirty="0">
+                <a:latin typeface="Segoe UI Light" panose="020B0502040204020203" pitchFamily="34" charset="0"/>
+                <a:cs typeface="Segoe UI Light" panose="020B0502040204020203" pitchFamily="34" charset="0"/>
+              </a:rPr>
+              <a:t>梁寬 * </a:t>
+            </a:r>
+            <a:r>
+              <a:rPr lang="en-US" altLang="zh-TW" sz="1500" dirty="0" smtClean="0">
+                <a:latin typeface="Segoe UI Light" panose="020B0502040204020203" pitchFamily="34" charset="0"/>
+                <a:cs typeface="Segoe UI Light" panose="020B0502040204020203" pitchFamily="34" charset="0"/>
+              </a:rPr>
+              <a:t>(</a:t>
+            </a:r>
+            <a:r>
+              <a:rPr lang="zh-TW" altLang="en-US" sz="1500" dirty="0" smtClean="0">
+                <a:latin typeface="Segoe UI Light" panose="020B0502040204020203" pitchFamily="34" charset="0"/>
+                <a:cs typeface="Segoe UI Light" panose="020B0502040204020203" pitchFamily="34" charset="0"/>
+              </a:rPr>
+              <a:t>梁深 </a:t>
+            </a:r>
+            <a:r>
+              <a:rPr lang="en-US" altLang="zh-TW" sz="1500" dirty="0" smtClean="0">
+                <a:latin typeface="Segoe UI Light" panose="020B0502040204020203" pitchFamily="34" charset="0"/>
+                <a:cs typeface="Segoe UI Light" panose="020B0502040204020203" pitchFamily="34" charset="0"/>
+              </a:rPr>
+              <a:t>-</a:t>
+            </a:r>
+            <a:r>
+              <a:rPr lang="zh-TW" altLang="en-US" sz="1500" dirty="0" smtClean="0">
+                <a:latin typeface="Segoe UI Light" panose="020B0502040204020203" pitchFamily="34" charset="0"/>
+                <a:cs typeface="Segoe UI Light" panose="020B0502040204020203" pitchFamily="34" charset="0"/>
+              </a:rPr>
+              <a:t> 一</a:t>
+            </a:r>
+            <a:r>
+              <a:rPr lang="zh-TW" altLang="en-US" sz="1500" dirty="0">
+                <a:latin typeface="Segoe UI Light" panose="020B0502040204020203" pitchFamily="34" charset="0"/>
+                <a:cs typeface="Segoe UI Light" panose="020B0502040204020203" pitchFamily="34" charset="0"/>
+              </a:rPr>
+              <a:t>般版</a:t>
+            </a:r>
+            <a:r>
+              <a:rPr lang="zh-TW" altLang="en-US" sz="1500" dirty="0" smtClean="0">
+                <a:latin typeface="Segoe UI Light" panose="020B0502040204020203" pitchFamily="34" charset="0"/>
+                <a:cs typeface="Segoe UI Light" panose="020B0502040204020203" pitchFamily="34" charset="0"/>
+              </a:rPr>
+              <a:t>厚 </a:t>
+            </a:r>
+            <a:r>
+              <a:rPr lang="en-US" altLang="zh-TW" sz="1500" dirty="0" smtClean="0">
+                <a:latin typeface="Segoe UI Light" panose="020B0502040204020203" pitchFamily="34" charset="0"/>
+                <a:cs typeface="Segoe UI Light" panose="020B0502040204020203" pitchFamily="34" charset="0"/>
+              </a:rPr>
+              <a:t>-</a:t>
+            </a:r>
+            <a:r>
+              <a:rPr lang="zh-TW" altLang="en-US" sz="1500" dirty="0" smtClean="0">
+                <a:latin typeface="Segoe UI Light" panose="020B0502040204020203" pitchFamily="34" charset="0"/>
+                <a:cs typeface="Segoe UI Light" panose="020B0502040204020203" pitchFamily="34" charset="0"/>
+              </a:rPr>
+              <a:t> 筏</a:t>
+            </a:r>
+            <a:r>
+              <a:rPr lang="zh-TW" altLang="en-US" sz="1500" dirty="0">
+                <a:latin typeface="Segoe UI Light" panose="020B0502040204020203" pitchFamily="34" charset="0"/>
+                <a:cs typeface="Segoe UI Light" panose="020B0502040204020203" pitchFamily="34" charset="0"/>
+              </a:rPr>
+              <a:t>基版</a:t>
+            </a:r>
+            <a:r>
+              <a:rPr lang="zh-TW" altLang="en-US" sz="1500" dirty="0" smtClean="0">
+                <a:latin typeface="Segoe UI Light" panose="020B0502040204020203" pitchFamily="34" charset="0"/>
+                <a:cs typeface="Segoe UI Light" panose="020B0502040204020203" pitchFamily="34" charset="0"/>
+              </a:rPr>
+              <a:t>厚</a:t>
+            </a:r>
+            <a:r>
+              <a:rPr lang="en-US" altLang="zh-TW" sz="1500" dirty="0" smtClean="0">
+                <a:latin typeface="Segoe UI Light" panose="020B0502040204020203" pitchFamily="34" charset="0"/>
+                <a:cs typeface="Segoe UI Light" panose="020B0502040204020203" pitchFamily="34" charset="0"/>
+              </a:rPr>
+              <a:t>) </a:t>
+            </a:r>
+            <a:r>
+              <a:rPr lang="en-US" altLang="zh-TW" sz="1500" dirty="0">
+                <a:latin typeface="Segoe UI Light" panose="020B0502040204020203" pitchFamily="34" charset="0"/>
+                <a:cs typeface="Segoe UI Light" panose="020B0502040204020203" pitchFamily="34" charset="0"/>
+              </a:rPr>
+              <a:t>* Factor</a:t>
+            </a:r>
+            <a:endParaRPr lang="en-US" altLang="zh-TW" sz="1500" dirty="0" smtClean="0">
+              <a:latin typeface="Segoe UI Light" panose="020B0502040204020203" pitchFamily="34" charset="0"/>
+              <a:cs typeface="Segoe UI Light" panose="020B0502040204020203" pitchFamily="34" charset="0"/>
+            </a:endParaRPr>
+          </a:p>
+          <a:p>
+            <a:pPr marL="285750" indent="-285750">
+              <a:buFontTx/>
+              <a:buChar char="-"/>
+            </a:pPr>
+            <a:r>
+              <a:rPr lang="zh-TW" altLang="en-US" sz="1500" dirty="0">
+                <a:latin typeface="Segoe UI Light" panose="020B0502040204020203" pitchFamily="34" charset="0"/>
+                <a:cs typeface="Segoe UI Light" panose="020B0502040204020203" pitchFamily="34" charset="0"/>
+              </a:rPr>
+              <a:t>腰筋數 </a:t>
+            </a:r>
+            <a:r>
+              <a:rPr lang="en-US" altLang="zh-TW" sz="1500" dirty="0">
+                <a:latin typeface="Segoe UI Light" panose="020B0502040204020203" pitchFamily="34" charset="0"/>
+                <a:cs typeface="Segoe UI Light" panose="020B0502040204020203" pitchFamily="34" charset="0"/>
+              </a:rPr>
+              <a:t>=</a:t>
+            </a:r>
+            <a:r>
+              <a:rPr lang="zh-TW" altLang="en-US" sz="1500" dirty="0">
+                <a:latin typeface="Segoe UI Light" panose="020B0502040204020203" pitchFamily="34" charset="0"/>
+                <a:cs typeface="Segoe UI Light" panose="020B0502040204020203" pitchFamily="34" charset="0"/>
+              </a:rPr>
+              <a:t> </a:t>
+            </a:r>
+            <a:r>
+              <a:rPr lang="en-US" altLang="zh-TW" sz="1500" dirty="0" smtClean="0">
+                <a:latin typeface="Segoe UI Light" panose="020B0502040204020203" pitchFamily="34" charset="0"/>
+                <a:cs typeface="Segoe UI Light" panose="020B0502040204020203" pitchFamily="34" charset="0"/>
+              </a:rPr>
+              <a:t>2</a:t>
+            </a:r>
+            <a:endParaRPr lang="en-US" altLang="zh-TW" sz="1500" dirty="0">
+              <a:latin typeface="Segoe UI Light" panose="020B0502040204020203" pitchFamily="34" charset="0"/>
+              <a:cs typeface="Segoe UI Light" panose="020B0502040204020203" pitchFamily="34" charset="0"/>
+            </a:endParaRPr>
+          </a:p>
+          <a:p>
+            <a:pPr marL="742950" lvl="1" indent="-285750">
+              <a:buFontTx/>
+              <a:buChar char="-"/>
+            </a:pPr>
+            <a:r>
+              <a:rPr lang="zh-TW" altLang="en-US" sz="1500" dirty="0">
+                <a:latin typeface="Segoe UI Light" panose="020B0502040204020203" pitchFamily="34" charset="0"/>
+                <a:cs typeface="Segoe UI Light" panose="020B0502040204020203" pitchFamily="34" charset="0"/>
+              </a:rPr>
+              <a:t>腰筋面積 </a:t>
+            </a:r>
+            <a:r>
+              <a:rPr lang="en-US" altLang="zh-TW" sz="1500" dirty="0" smtClean="0">
+                <a:latin typeface="Segoe UI Light" panose="020B0502040204020203" pitchFamily="34" charset="0"/>
+                <a:cs typeface="Segoe UI Light" panose="020B0502040204020203" pitchFamily="34" charset="0"/>
+              </a:rPr>
+              <a:t>&lt; </a:t>
+            </a:r>
+            <a:r>
+              <a:rPr lang="en-US" altLang="zh-TW" sz="1500" dirty="0">
+                <a:latin typeface="Segoe UI Light" panose="020B0502040204020203" pitchFamily="34" charset="0"/>
+                <a:cs typeface="Segoe UI Light" panose="020B0502040204020203" pitchFamily="34" charset="0"/>
+              </a:rPr>
+              <a:t>0.0015 * </a:t>
+            </a:r>
+            <a:r>
+              <a:rPr lang="zh-TW" altLang="en-US" sz="1500" dirty="0">
+                <a:latin typeface="Segoe UI Light" panose="020B0502040204020203" pitchFamily="34" charset="0"/>
+                <a:cs typeface="Segoe UI Light" panose="020B0502040204020203" pitchFamily="34" charset="0"/>
+              </a:rPr>
+              <a:t>梁寬 * </a:t>
+            </a:r>
+            <a:r>
+              <a:rPr lang="en-US" altLang="zh-TW" sz="1500" dirty="0">
+                <a:latin typeface="Segoe UI Light" panose="020B0502040204020203" pitchFamily="34" charset="0"/>
+                <a:cs typeface="Segoe UI Light" panose="020B0502040204020203" pitchFamily="34" charset="0"/>
+              </a:rPr>
+              <a:t>(</a:t>
+            </a:r>
+            <a:r>
+              <a:rPr lang="zh-TW" altLang="en-US" sz="1500" dirty="0">
+                <a:latin typeface="Segoe UI Light" panose="020B0502040204020203" pitchFamily="34" charset="0"/>
+                <a:cs typeface="Segoe UI Light" panose="020B0502040204020203" pitchFamily="34" charset="0"/>
+              </a:rPr>
+              <a:t>梁深 </a:t>
+            </a:r>
+            <a:r>
+              <a:rPr lang="en-US" altLang="zh-TW" sz="1500" dirty="0">
+                <a:latin typeface="Segoe UI Light" panose="020B0502040204020203" pitchFamily="34" charset="0"/>
+                <a:cs typeface="Segoe UI Light" panose="020B0502040204020203" pitchFamily="34" charset="0"/>
+              </a:rPr>
+              <a:t>-</a:t>
+            </a:r>
+            <a:r>
+              <a:rPr lang="zh-TW" altLang="en-US" sz="1500" dirty="0">
+                <a:latin typeface="Segoe UI Light" panose="020B0502040204020203" pitchFamily="34" charset="0"/>
+                <a:cs typeface="Segoe UI Light" panose="020B0502040204020203" pitchFamily="34" charset="0"/>
+              </a:rPr>
+              <a:t> 一般版厚 </a:t>
+            </a:r>
+            <a:r>
+              <a:rPr lang="en-US" altLang="zh-TW" sz="1500" dirty="0">
+                <a:latin typeface="Segoe UI Light" panose="020B0502040204020203" pitchFamily="34" charset="0"/>
+                <a:cs typeface="Segoe UI Light" panose="020B0502040204020203" pitchFamily="34" charset="0"/>
+              </a:rPr>
+              <a:t>-</a:t>
+            </a:r>
+            <a:r>
+              <a:rPr lang="zh-TW" altLang="en-US" sz="1500" dirty="0">
+                <a:latin typeface="Segoe UI Light" panose="020B0502040204020203" pitchFamily="34" charset="0"/>
+                <a:cs typeface="Segoe UI Light" panose="020B0502040204020203" pitchFamily="34" charset="0"/>
+              </a:rPr>
+              <a:t> 筏基版厚</a:t>
+            </a:r>
+            <a:r>
+              <a:rPr lang="en-US" altLang="zh-TW" sz="1500" dirty="0" smtClean="0">
+                <a:latin typeface="Segoe UI Light" panose="020B0502040204020203" pitchFamily="34" charset="0"/>
+                <a:cs typeface="Segoe UI Light" panose="020B0502040204020203" pitchFamily="34" charset="0"/>
+              </a:rPr>
+              <a:t>)</a:t>
+            </a:r>
+            <a:r>
+              <a:rPr lang="zh-TW" altLang="en-US" sz="1500" dirty="0" smtClean="0">
+                <a:latin typeface="Segoe UI Light" panose="020B0502040204020203" pitchFamily="34" charset="0"/>
+                <a:cs typeface="Segoe UI Light" panose="020B0502040204020203" pitchFamily="34" charset="0"/>
+              </a:rPr>
+              <a:t> </a:t>
+            </a:r>
+            <a:r>
+              <a:rPr lang="en-US" altLang="zh-TW" sz="1500" dirty="0" smtClean="0">
+                <a:latin typeface="Segoe UI Light" panose="020B0502040204020203" pitchFamily="34" charset="0"/>
+                <a:cs typeface="Segoe UI Light" panose="020B0502040204020203" pitchFamily="34" charset="0"/>
+              </a:rPr>
+              <a:t>/</a:t>
+            </a:r>
+            <a:r>
+              <a:rPr lang="zh-TW" altLang="en-US" sz="1500" dirty="0" smtClean="0">
+                <a:latin typeface="Segoe UI Light" panose="020B0502040204020203" pitchFamily="34" charset="0"/>
+                <a:cs typeface="Segoe UI Light" panose="020B0502040204020203" pitchFamily="34" charset="0"/>
+              </a:rPr>
+              <a:t> </a:t>
+            </a:r>
+            <a:r>
+              <a:rPr lang="en-US" altLang="zh-TW" sz="1500" dirty="0" smtClean="0">
+                <a:latin typeface="Segoe UI Light" panose="020B0502040204020203" pitchFamily="34" charset="0"/>
+                <a:cs typeface="Segoe UI Light" panose="020B0502040204020203" pitchFamily="34" charset="0"/>
+              </a:rPr>
+              <a:t>2 </a:t>
+            </a:r>
+            <a:r>
+              <a:rPr lang="en-US" altLang="zh-TW" sz="1500" dirty="0">
+                <a:latin typeface="Segoe UI Light" panose="020B0502040204020203" pitchFamily="34" charset="0"/>
+                <a:cs typeface="Segoe UI Light" panose="020B0502040204020203" pitchFamily="34" charset="0"/>
+              </a:rPr>
+              <a:t>* </a:t>
+            </a:r>
+            <a:r>
+              <a:rPr lang="en-US" altLang="zh-TW" sz="1500" dirty="0" smtClean="0">
+                <a:latin typeface="Segoe UI Light" panose="020B0502040204020203" pitchFamily="34" charset="0"/>
+                <a:cs typeface="Segoe UI Light" panose="020B0502040204020203" pitchFamily="34" charset="0"/>
+              </a:rPr>
+              <a:t>Factor</a:t>
+            </a:r>
+            <a:endParaRPr lang="en-US" altLang="zh-TW" sz="1500" dirty="0">
+              <a:latin typeface="Segoe UI Light" panose="020B0502040204020203" pitchFamily="34" charset="0"/>
+              <a:cs typeface="Segoe UI Light" panose="020B0502040204020203" pitchFamily="34" charset="0"/>
+            </a:endParaRPr>
+          </a:p>
+          <a:p>
+            <a:pPr marL="285750" indent="-285750">
+              <a:buFontTx/>
+              <a:buChar char="-"/>
+            </a:pPr>
+            <a:r>
+              <a:rPr lang="zh-TW" altLang="en-US" sz="1500" dirty="0">
+                <a:latin typeface="Segoe UI Light" panose="020B0502040204020203" pitchFamily="34" charset="0"/>
+                <a:cs typeface="Segoe UI Light" panose="020B0502040204020203" pitchFamily="34" charset="0"/>
+              </a:rPr>
+              <a:t>腰筋數 </a:t>
+            </a:r>
+            <a:r>
+              <a:rPr lang="en-US" altLang="zh-TW" sz="1500" dirty="0" smtClean="0">
+                <a:latin typeface="Segoe UI Light" panose="020B0502040204020203" pitchFamily="34" charset="0"/>
+                <a:cs typeface="Segoe UI Light" panose="020B0502040204020203" pitchFamily="34" charset="0"/>
+              </a:rPr>
+              <a:t>&gt;</a:t>
+            </a:r>
+            <a:r>
+              <a:rPr lang="zh-TW" altLang="en-US" sz="1500" dirty="0" smtClean="0">
+                <a:latin typeface="Segoe UI Light" panose="020B0502040204020203" pitchFamily="34" charset="0"/>
+                <a:cs typeface="Segoe UI Light" panose="020B0502040204020203" pitchFamily="34" charset="0"/>
+              </a:rPr>
+              <a:t> </a:t>
+            </a:r>
+            <a:r>
+              <a:rPr lang="en-US" altLang="zh-TW" sz="1500" dirty="0">
+                <a:latin typeface="Segoe UI Light" panose="020B0502040204020203" pitchFamily="34" charset="0"/>
+                <a:cs typeface="Segoe UI Light" panose="020B0502040204020203" pitchFamily="34" charset="0"/>
+              </a:rPr>
+              <a:t>2</a:t>
+            </a:r>
+          </a:p>
+          <a:p>
+            <a:pPr marL="742950" lvl="1" indent="-285750">
+              <a:buFontTx/>
+              <a:buChar char="-"/>
+            </a:pPr>
+            <a:r>
+              <a:rPr lang="zh-TW" altLang="en-US" sz="1500" dirty="0">
+                <a:latin typeface="Segoe UI Light" panose="020B0502040204020203" pitchFamily="34" charset="0"/>
+                <a:cs typeface="Segoe UI Light" panose="020B0502040204020203" pitchFamily="34" charset="0"/>
+              </a:rPr>
+              <a:t>腰筋面積 </a:t>
+            </a:r>
+            <a:r>
+              <a:rPr lang="en-US" altLang="zh-TW" sz="1500" dirty="0" smtClean="0">
+                <a:latin typeface="Segoe UI Light" panose="020B0502040204020203" pitchFamily="34" charset="0"/>
+                <a:cs typeface="Segoe UI Light" panose="020B0502040204020203" pitchFamily="34" charset="0"/>
+              </a:rPr>
+              <a:t>&lt; </a:t>
+            </a:r>
+            <a:r>
+              <a:rPr lang="en-US" altLang="zh-TW" sz="1500" dirty="0">
+                <a:latin typeface="Segoe UI Light" panose="020B0502040204020203" pitchFamily="34" charset="0"/>
+                <a:cs typeface="Segoe UI Light" panose="020B0502040204020203" pitchFamily="34" charset="0"/>
+              </a:rPr>
+              <a:t>0.0015 * </a:t>
+            </a:r>
+            <a:r>
+              <a:rPr lang="zh-TW" altLang="en-US" sz="1500" dirty="0">
+                <a:latin typeface="Segoe UI Light" panose="020B0502040204020203" pitchFamily="34" charset="0"/>
+                <a:cs typeface="Segoe UI Light" panose="020B0502040204020203" pitchFamily="34" charset="0"/>
+              </a:rPr>
+              <a:t>梁寬 * </a:t>
+            </a:r>
+            <a:r>
+              <a:rPr lang="en-US" altLang="zh-TW" sz="1500" dirty="0">
+                <a:latin typeface="Segoe UI Light" panose="020B0502040204020203" pitchFamily="34" charset="0"/>
+                <a:cs typeface="Segoe UI Light" panose="020B0502040204020203" pitchFamily="34" charset="0"/>
+              </a:rPr>
+              <a:t>(</a:t>
+            </a:r>
+            <a:r>
+              <a:rPr lang="zh-TW" altLang="en-US" sz="1500" dirty="0">
+                <a:latin typeface="Segoe UI Light" panose="020B0502040204020203" pitchFamily="34" charset="0"/>
+                <a:cs typeface="Segoe UI Light" panose="020B0502040204020203" pitchFamily="34" charset="0"/>
+              </a:rPr>
+              <a:t>梁深 </a:t>
+            </a:r>
+            <a:r>
+              <a:rPr lang="en-US" altLang="zh-TW" sz="1500" dirty="0">
+                <a:latin typeface="Segoe UI Light" panose="020B0502040204020203" pitchFamily="34" charset="0"/>
+                <a:cs typeface="Segoe UI Light" panose="020B0502040204020203" pitchFamily="34" charset="0"/>
+              </a:rPr>
+              <a:t>-</a:t>
+            </a:r>
+            <a:r>
+              <a:rPr lang="zh-TW" altLang="en-US" sz="1500" dirty="0">
+                <a:latin typeface="Segoe UI Light" panose="020B0502040204020203" pitchFamily="34" charset="0"/>
+                <a:cs typeface="Segoe UI Light" panose="020B0502040204020203" pitchFamily="34" charset="0"/>
+              </a:rPr>
+              <a:t> 一般版厚 </a:t>
+            </a:r>
+            <a:r>
+              <a:rPr lang="en-US" altLang="zh-TW" sz="1500" dirty="0">
+                <a:latin typeface="Segoe UI Light" panose="020B0502040204020203" pitchFamily="34" charset="0"/>
+                <a:cs typeface="Segoe UI Light" panose="020B0502040204020203" pitchFamily="34" charset="0"/>
+              </a:rPr>
+              <a:t>-</a:t>
+            </a:r>
+            <a:r>
+              <a:rPr lang="zh-TW" altLang="en-US" sz="1500" dirty="0">
+                <a:latin typeface="Segoe UI Light" panose="020B0502040204020203" pitchFamily="34" charset="0"/>
+                <a:cs typeface="Segoe UI Light" panose="020B0502040204020203" pitchFamily="34" charset="0"/>
+              </a:rPr>
+              <a:t> 筏基版</a:t>
+            </a:r>
+            <a:r>
+              <a:rPr lang="zh-TW" altLang="en-US" sz="1500" dirty="0" smtClean="0">
+                <a:latin typeface="Segoe UI Light" panose="020B0502040204020203" pitchFamily="34" charset="0"/>
+                <a:cs typeface="Segoe UI Light" panose="020B0502040204020203" pitchFamily="34" charset="0"/>
+              </a:rPr>
+              <a:t>厚 </a:t>
+            </a:r>
+            <a:r>
+              <a:rPr lang="en-US" altLang="zh-TW" sz="1500" dirty="0" smtClean="0">
+                <a:latin typeface="Segoe UI Light" panose="020B0502040204020203" pitchFamily="34" charset="0"/>
+                <a:cs typeface="Segoe UI Light" panose="020B0502040204020203" pitchFamily="34" charset="0"/>
+              </a:rPr>
+              <a:t>–</a:t>
+            </a:r>
+            <a:r>
+              <a:rPr lang="zh-TW" altLang="en-US" sz="1500" dirty="0" smtClean="0">
+                <a:latin typeface="Segoe UI Light" panose="020B0502040204020203" pitchFamily="34" charset="0"/>
+                <a:cs typeface="Segoe UI Light" panose="020B0502040204020203" pitchFamily="34" charset="0"/>
+              </a:rPr>
+              <a:t> </a:t>
+            </a:r>
+            <a:r>
+              <a:rPr lang="en-US" altLang="zh-TW" sz="1500" dirty="0" smtClean="0">
+                <a:latin typeface="Segoe UI Light" panose="020B0502040204020203" pitchFamily="34" charset="0"/>
+                <a:cs typeface="Segoe UI Light" panose="020B0502040204020203" pitchFamily="34" charset="0"/>
+              </a:rPr>
+              <a:t>15</a:t>
+            </a:r>
+            <a:r>
+              <a:rPr lang="zh-TW" altLang="en-US" sz="1500" dirty="0" smtClean="0">
+                <a:latin typeface="Segoe UI Light" panose="020B0502040204020203" pitchFamily="34" charset="0"/>
+                <a:cs typeface="Segoe UI Light" panose="020B0502040204020203" pitchFamily="34" charset="0"/>
+              </a:rPr>
+              <a:t> </a:t>
+            </a:r>
+            <a:r>
+              <a:rPr lang="en-US" altLang="zh-TW" sz="1500" dirty="0" smtClean="0">
+                <a:latin typeface="Segoe UI Light" panose="020B0502040204020203" pitchFamily="34" charset="0"/>
+                <a:cs typeface="Segoe UI Light" panose="020B0502040204020203" pitchFamily="34" charset="0"/>
+              </a:rPr>
+              <a:t>–</a:t>
+            </a:r>
+            <a:r>
+              <a:rPr lang="zh-TW" altLang="en-US" sz="1500" dirty="0" smtClean="0">
+                <a:latin typeface="Segoe UI Light" panose="020B0502040204020203" pitchFamily="34" charset="0"/>
+                <a:cs typeface="Segoe UI Light" panose="020B0502040204020203" pitchFamily="34" charset="0"/>
+              </a:rPr>
+              <a:t> </a:t>
+            </a:r>
+            <a:r>
+              <a:rPr lang="en-US" altLang="zh-TW" sz="1500" dirty="0" smtClean="0">
+                <a:latin typeface="Segoe UI Light" panose="020B0502040204020203" pitchFamily="34" charset="0"/>
+                <a:cs typeface="Segoe UI Light" panose="020B0502040204020203" pitchFamily="34" charset="0"/>
+              </a:rPr>
+              <a:t>15)</a:t>
+            </a:r>
+            <a:r>
+              <a:rPr lang="zh-TW" altLang="en-US" sz="1500" dirty="0" smtClean="0">
+                <a:latin typeface="Segoe UI Light" panose="020B0502040204020203" pitchFamily="34" charset="0"/>
+                <a:cs typeface="Segoe UI Light" panose="020B0502040204020203" pitchFamily="34" charset="0"/>
+              </a:rPr>
+              <a:t> </a:t>
+            </a:r>
+            <a:r>
+              <a:rPr lang="en-US" altLang="zh-TW" sz="1500" dirty="0">
+                <a:latin typeface="Segoe UI Light" panose="020B0502040204020203" pitchFamily="34" charset="0"/>
+                <a:cs typeface="Segoe UI Light" panose="020B0502040204020203" pitchFamily="34" charset="0"/>
+              </a:rPr>
+              <a:t>/</a:t>
+            </a:r>
+            <a:r>
+              <a:rPr lang="zh-TW" altLang="en-US" sz="1500" dirty="0">
+                <a:latin typeface="Segoe UI Light" panose="020B0502040204020203" pitchFamily="34" charset="0"/>
+                <a:cs typeface="Segoe UI Light" panose="020B0502040204020203" pitchFamily="34" charset="0"/>
+              </a:rPr>
+              <a:t> </a:t>
+            </a:r>
+            <a:r>
+              <a:rPr lang="en-US" altLang="zh-TW" sz="1500" dirty="0" smtClean="0">
+                <a:latin typeface="Segoe UI Light" panose="020B0502040204020203" pitchFamily="34" charset="0"/>
+                <a:cs typeface="Segoe UI Light" panose="020B0502040204020203" pitchFamily="34" charset="0"/>
+              </a:rPr>
+              <a:t>(</a:t>
+            </a:r>
+            <a:r>
+              <a:rPr lang="zh-TW" altLang="en-US" sz="1500" dirty="0">
+                <a:latin typeface="Segoe UI Light" panose="020B0502040204020203" pitchFamily="34" charset="0"/>
+                <a:cs typeface="Segoe UI Light" panose="020B0502040204020203" pitchFamily="34" charset="0"/>
+              </a:rPr>
+              <a:t>腰筋</a:t>
+            </a:r>
+            <a:r>
+              <a:rPr lang="zh-TW" altLang="en-US" sz="1500" dirty="0" smtClean="0">
+                <a:latin typeface="Segoe UI Light" panose="020B0502040204020203" pitchFamily="34" charset="0"/>
+                <a:cs typeface="Segoe UI Light" panose="020B0502040204020203" pitchFamily="34" charset="0"/>
+              </a:rPr>
+              <a:t>數 </a:t>
+            </a:r>
+            <a:r>
+              <a:rPr lang="en-US" altLang="zh-TW" sz="1500" dirty="0" smtClean="0">
+                <a:latin typeface="Segoe UI Light" panose="020B0502040204020203" pitchFamily="34" charset="0"/>
+                <a:cs typeface="Segoe UI Light" panose="020B0502040204020203" pitchFamily="34" charset="0"/>
+              </a:rPr>
+              <a:t>-</a:t>
+            </a:r>
+            <a:r>
+              <a:rPr lang="zh-TW" altLang="en-US" sz="1500" dirty="0" smtClean="0">
+                <a:latin typeface="Segoe UI Light" panose="020B0502040204020203" pitchFamily="34" charset="0"/>
+                <a:cs typeface="Segoe UI Light" panose="020B0502040204020203" pitchFamily="34" charset="0"/>
+              </a:rPr>
+              <a:t> </a:t>
+            </a:r>
+            <a:r>
+              <a:rPr lang="en-US" altLang="zh-TW" sz="1500" dirty="0" smtClean="0">
+                <a:latin typeface="Segoe UI Light" panose="020B0502040204020203" pitchFamily="34" charset="0"/>
+                <a:cs typeface="Segoe UI Light" panose="020B0502040204020203" pitchFamily="34" charset="0"/>
+              </a:rPr>
+              <a:t>1) </a:t>
+            </a:r>
+            <a:r>
+              <a:rPr lang="en-US" altLang="zh-TW" sz="1500" dirty="0">
+                <a:latin typeface="Segoe UI Light" panose="020B0502040204020203" pitchFamily="34" charset="0"/>
+                <a:cs typeface="Segoe UI Light" panose="020B0502040204020203" pitchFamily="34" charset="0"/>
+              </a:rPr>
+              <a:t>* </a:t>
+            </a:r>
+            <a:r>
+              <a:rPr lang="en-US" altLang="zh-TW" sz="1500" dirty="0" smtClean="0">
+                <a:latin typeface="Segoe UI Light" panose="020B0502040204020203" pitchFamily="34" charset="0"/>
+                <a:cs typeface="Segoe UI Light" panose="020B0502040204020203" pitchFamily="34" charset="0"/>
+              </a:rPr>
+              <a:t>Factor</a:t>
+            </a:r>
+            <a:endParaRPr lang="en-US" altLang="zh-TW" sz="1500" dirty="0">
+              <a:latin typeface="Segoe UI Light" panose="020B0502040204020203" pitchFamily="34" charset="0"/>
+              <a:cs typeface="Segoe UI Light" panose="020B0502040204020203" pitchFamily="34" charset="0"/>
+            </a:endParaRPr>
+          </a:p>
+        </p:txBody>
+      </p:sp>
+      <p:sp>
+        <p:nvSpPr>
+          <p:cNvPr id="32" name="TextBox 98"/>
+          <p:cNvSpPr txBox="1"/>
+          <p:nvPr/>
+        </p:nvSpPr>
+        <p:spPr>
+          <a:xfrm>
+            <a:off x="2525566" y="4929497"/>
+            <a:ext cx="5721287" cy="553998"/>
+          </a:xfrm>
+          <a:prstGeom prst="rect">
+            <a:avLst/>
+          </a:prstGeom>
+          <a:noFill/>
+        </p:spPr>
+        <p:txBody>
+          <a:bodyPr wrap="square" lIns="0" rtlCol="0" anchor="t">
+            <a:spAutoFit/>
+          </a:bodyPr>
+          <a:lstStyle/>
+          <a:p>
+            <a:r>
+              <a:rPr lang="zh-TW" altLang="en-US" sz="1500" dirty="0" smtClean="0">
+                <a:latin typeface="Segoe UI Light" panose="020B0502040204020203" pitchFamily="34" charset="0"/>
+                <a:cs typeface="Segoe UI Light" panose="020B0502040204020203" pitchFamily="34" charset="0"/>
+              </a:rPr>
+              <a:t>是</a:t>
+            </a:r>
+            <a:r>
+              <a:rPr lang="en-US" altLang="zh-TW" sz="1500" dirty="0" smtClean="0">
+                <a:latin typeface="Segoe UI Light" panose="020B0502040204020203" pitchFamily="34" charset="0"/>
+                <a:cs typeface="Segoe UI Light" panose="020B0502040204020203" pitchFamily="34" charset="0"/>
+              </a:rPr>
+              <a:t>:</a:t>
+            </a:r>
+            <a:r>
+              <a:rPr lang="zh-TW" altLang="en-US" sz="1500" dirty="0" smtClean="0">
+                <a:latin typeface="Segoe UI Light" panose="020B0502040204020203" pitchFamily="34" charset="0"/>
+                <a:cs typeface="Segoe UI Light" panose="020B0502040204020203" pitchFamily="34" charset="0"/>
+              </a:rPr>
+              <a:t> </a:t>
+            </a:r>
+            <a:r>
+              <a:rPr lang="en-US" altLang="zh-TW" sz="1500" dirty="0" smtClean="0">
+                <a:latin typeface="Segoe UI Light" panose="020B0502040204020203" pitchFamily="34" charset="0"/>
+                <a:cs typeface="Segoe UI Light" panose="020B0502040204020203" pitchFamily="34" charset="0"/>
+              </a:rPr>
+              <a:t>OK</a:t>
+            </a:r>
+          </a:p>
+          <a:p>
+            <a:r>
+              <a:rPr lang="zh-TW" altLang="en-US" sz="1500" dirty="0" smtClean="0">
+                <a:latin typeface="Segoe UI Light" panose="020B0502040204020203" pitchFamily="34" charset="0"/>
+                <a:cs typeface="Segoe UI Light" panose="020B0502040204020203" pitchFamily="34" charset="0"/>
+              </a:rPr>
+              <a:t>否</a:t>
+            </a:r>
+            <a:r>
+              <a:rPr lang="en-US" altLang="zh-TW" sz="1500" dirty="0" smtClean="0">
+                <a:latin typeface="Segoe UI Light" panose="020B0502040204020203" pitchFamily="34" charset="0"/>
+                <a:cs typeface="Segoe UI Light" panose="020B0502040204020203" pitchFamily="34" charset="0"/>
+              </a:rPr>
+              <a:t>:</a:t>
+            </a:r>
+            <a:r>
+              <a:rPr lang="zh-TW" altLang="en-US" sz="1500" dirty="0" smtClean="0">
+                <a:latin typeface="Segoe UI Light" panose="020B0502040204020203" pitchFamily="34" charset="0"/>
+                <a:cs typeface="Segoe UI Light" panose="020B0502040204020203" pitchFamily="34" charset="0"/>
+              </a:rPr>
+              <a:t> </a:t>
+            </a:r>
+            <a:r>
+              <a:rPr lang="en-US" altLang="zh-TW" sz="1500" dirty="0">
+                <a:latin typeface="Segoe UI Light" panose="020B0502040204020203" pitchFamily="34" charset="0"/>
+                <a:cs typeface="Segoe UI Light" panose="020B0502040204020203" pitchFamily="34" charset="0"/>
+              </a:rPr>
+              <a:t>【0103】</a:t>
+            </a:r>
+            <a:r>
+              <a:rPr lang="zh-TW" altLang="en-US" sz="1500" dirty="0">
+                <a:latin typeface="Segoe UI Light" panose="020B0502040204020203" pitchFamily="34" charset="0"/>
+                <a:cs typeface="Segoe UI Light" panose="020B0502040204020203" pitchFamily="34" charset="0"/>
+              </a:rPr>
+              <a:t>請確認短梁側筋，是否大於 </a:t>
+            </a:r>
+            <a:r>
+              <a:rPr lang="en-US" altLang="zh-TW" sz="1500" dirty="0">
+                <a:latin typeface="Segoe UI Light" panose="020B0502040204020203" pitchFamily="34" charset="0"/>
+                <a:cs typeface="Segoe UI Light" panose="020B0502040204020203" pitchFamily="34" charset="0"/>
+              </a:rPr>
+              <a:t>1.5 * 0.0015 * </a:t>
+            </a:r>
+            <a:r>
+              <a:rPr lang="en-US" altLang="zh-TW" sz="1500" dirty="0" err="1">
+                <a:latin typeface="Segoe UI Light" panose="020B0502040204020203" pitchFamily="34" charset="0"/>
+                <a:cs typeface="Segoe UI Light" panose="020B0502040204020203" pitchFamily="34" charset="0"/>
+              </a:rPr>
+              <a:t>bw</a:t>
+            </a:r>
+            <a:r>
+              <a:rPr lang="en-US" altLang="zh-TW" sz="1500" dirty="0">
+                <a:latin typeface="Segoe UI Light" panose="020B0502040204020203" pitchFamily="34" charset="0"/>
+                <a:cs typeface="Segoe UI Light" panose="020B0502040204020203" pitchFamily="34" charset="0"/>
+              </a:rPr>
+              <a:t> * S2</a:t>
+            </a:r>
+            <a:endParaRPr lang="fr-FR" sz="1500" dirty="0">
+              <a:latin typeface="Segoe UI Light" panose="020B0502040204020203" pitchFamily="34" charset="0"/>
+              <a:cs typeface="Segoe UI Light" panose="020B0502040204020203" pitchFamily="34" charset="0"/>
+            </a:endParaRPr>
+          </a:p>
+        </p:txBody>
+      </p:sp>
+      <p:pic>
+        <p:nvPicPr>
+          <p:cNvPr id="6" name="圖片 5"/>
+          <p:cNvPicPr>
+            <a:picLocks noChangeAspect="1"/>
+          </p:cNvPicPr>
+          <p:nvPr/>
+        </p:nvPicPr>
+        <p:blipFill>
+          <a:blip r:embed="rId4"/>
+          <a:stretch>
+            <a:fillRect/>
+          </a:stretch>
+        </p:blipFill>
+        <p:spPr>
+          <a:xfrm>
+            <a:off x="3910589" y="1703855"/>
+            <a:ext cx="706238" cy="619667"/>
+          </a:xfrm>
+          <a:prstGeom prst="rect">
+            <a:avLst/>
+          </a:prstGeom>
+        </p:spPr>
+      </p:pic>
     </p:spTree>
     <p:extLst>
       <p:ext uri="{BB962C8B-B14F-4D97-AF65-F5344CB8AC3E}">
-        <p14:creationId xmlns:p14="http://schemas.microsoft.com/office/powerpoint/2010/main" val="2510645843"/>
+        <p14:creationId xmlns:p14="http://schemas.microsoft.com/office/powerpoint/2010/main" val="1126135026"/>
       </p:ext>
     </p:extLst>
   </p:cSld>
   <p:clrMapOvr>
     <a:masterClrMapping/>
   </p:clrMapOvr>
+  <mc:AlternateContent xmlns:mc="http://schemas.openxmlformats.org/markup-compatibility/2006" xmlns:p14="http://schemas.microsoft.com/office/powerpoint/2010/main">
+    <mc:Choice Requires="p14">
+      <p:transition spd="slow" p14:dur="2000"/>
+    </mc:Choice>
+    <mc:Fallback xmlns="">
+      <p:transition spd="slow"/>
+    </mc:Fallback>
+  </mc:AlternateContent>
 </p:sld>
 </file>
 
@@ -11819,13 +14749,7 @@
       </p:grpSpPr>
       <p:sp>
         <p:nvSpPr>
-          <p:cNvPr id="4" name="投影片編號版面配置區 3">
-            <a:extLst>
-              <a:ext uri="{FF2B5EF4-FFF2-40B4-BE49-F238E27FC236}">
-                <a16:creationId xmlns:a16="http://schemas.microsoft.com/office/drawing/2014/main" id="{1EAF1B90-D3E5-49E1-9C41-89D8679F23F9}"/>
-              </a:ext>
-            </a:extLst>
-          </p:cNvPr>
+          <p:cNvPr id="3" name="投影片編號版面配置區 2"/>
           <p:cNvSpPr>
             <a:spLocks noGrp="1"/>
           </p:cNvSpPr>
@@ -11848,64 +14772,833 @@
       </p:sp>
       <p:sp>
         <p:nvSpPr>
-          <p:cNvPr id="5" name="標題 4">
-            <a:extLst>
-              <a:ext uri="{FF2B5EF4-FFF2-40B4-BE49-F238E27FC236}">
-                <a16:creationId xmlns:a16="http://schemas.microsoft.com/office/drawing/2014/main" id="{AE1E94E0-37E4-4F2F-8914-ED74485FED1A}"/>
-              </a:ext>
-            </a:extLst>
-          </p:cNvPr>
-          <p:cNvSpPr>
-            <a:spLocks noGrp="1"/>
-          </p:cNvSpPr>
-          <p:nvPr>
-            <p:ph type="title"/>
-          </p:nvPr>
-        </p:nvSpPr>
-        <p:spPr/>
-        <p:txBody>
-          <a:bodyPr/>
+          <p:cNvPr id="11" name="文字方塊 10"/>
+          <p:cNvSpPr txBox="1"/>
+          <p:nvPr/>
+        </p:nvSpPr>
+        <p:spPr>
+          <a:xfrm>
+            <a:off x="465514" y="698267"/>
+            <a:ext cx="2906565" cy="369332"/>
+          </a:xfrm>
+          <a:prstGeom prst="rect">
+            <a:avLst/>
+          </a:prstGeom>
+          <a:noFill/>
+        </p:spPr>
+        <p:txBody>
+          <a:bodyPr wrap="none" rtlCol="0">
+            <a:spAutoFit/>
+          </a:bodyPr>
           <a:lstStyle/>
           <a:p>
-            <a:endParaRPr lang="zh-TW" altLang="en-US"/>
-          </a:p>
-        </p:txBody>
-      </p:sp>
-      <p:sp>
-        <p:nvSpPr>
-          <p:cNvPr id="6" name="內容版面配置區 5">
-            <a:extLst>
-              <a:ext uri="{FF2B5EF4-FFF2-40B4-BE49-F238E27FC236}">
-                <a16:creationId xmlns:a16="http://schemas.microsoft.com/office/drawing/2014/main" id="{12A966CB-90EE-4FB8-967C-98D2E3E4621F}"/>
-              </a:ext>
-            </a:extLst>
-          </p:cNvPr>
-          <p:cNvSpPr>
-            <a:spLocks noGrp="1"/>
-          </p:cNvSpPr>
-          <p:nvPr>
-            <p:ph sz="quarter" idx="13"/>
-          </p:nvPr>
-        </p:nvSpPr>
-        <p:spPr/>
-        <p:txBody>
-          <a:bodyPr/>
+            <a:r>
+              <a:rPr lang="zh-TW" altLang="en-US" dirty="0" smtClean="0"/>
+              <a:t>主筋最</a:t>
+            </a:r>
+            <a:r>
+              <a:rPr lang="zh-TW" altLang="en-US" dirty="0"/>
+              <a:t>少鋼筋比大於 </a:t>
+            </a:r>
+            <a:r>
+              <a:rPr lang="en-US" altLang="zh-TW" dirty="0"/>
+              <a:t>0.3 %</a:t>
+            </a:r>
+            <a:endParaRPr lang="zh-TW" altLang="en-US" dirty="0"/>
+          </a:p>
+        </p:txBody>
+      </p:sp>
+      <p:grpSp>
+        <p:nvGrpSpPr>
+          <p:cNvPr id="13" name="Group 24"/>
+          <p:cNvGrpSpPr/>
+          <p:nvPr/>
+        </p:nvGrpSpPr>
+        <p:grpSpPr>
+          <a:xfrm>
+            <a:off x="1220043" y="1448609"/>
+            <a:ext cx="708425" cy="708425"/>
+            <a:chOff x="3173014" y="2956717"/>
+            <a:chExt cx="944566" cy="944566"/>
+          </a:xfrm>
+        </p:grpSpPr>
+        <p:sp>
+          <p:nvSpPr>
+            <p:cNvPr id="14" name="Oval 25"/>
+            <p:cNvSpPr/>
+            <p:nvPr/>
+          </p:nvSpPr>
+          <p:spPr>
+            <a:xfrm>
+              <a:off x="3290491" y="3074194"/>
+              <a:ext cx="709612" cy="709612"/>
+            </a:xfrm>
+            <a:prstGeom prst="ellipse">
+              <a:avLst/>
+            </a:prstGeom>
+            <a:solidFill>
+              <a:schemeClr val="bg1">
+                <a:lumMod val="85000"/>
+              </a:schemeClr>
+            </a:solidFill>
+            <a:ln>
+              <a:noFill/>
+            </a:ln>
+          </p:spPr>
+          <p:style>
+            <a:lnRef idx="2">
+              <a:schemeClr val="accent1">
+                <a:shade val="50000"/>
+              </a:schemeClr>
+            </a:lnRef>
+            <a:fillRef idx="1">
+              <a:schemeClr val="accent1"/>
+            </a:fillRef>
+            <a:effectRef idx="0">
+              <a:schemeClr val="accent1"/>
+            </a:effectRef>
+            <a:fontRef idx="minor">
+              <a:schemeClr val="lt1"/>
+            </a:fontRef>
+          </p:style>
+          <p:txBody>
+            <a:bodyPr rtlCol="0" anchor="ctr"/>
+            <a:lstStyle/>
+            <a:p>
+              <a:pPr algn="ctr"/>
+              <a:endParaRPr lang="fr-FR" sz="1350"/>
+            </a:p>
+          </p:txBody>
+        </p:sp>
+        <p:sp>
+          <p:nvSpPr>
+            <p:cNvPr id="15" name="Oval 26"/>
+            <p:cNvSpPr/>
+            <p:nvPr/>
+          </p:nvSpPr>
+          <p:spPr>
+            <a:xfrm>
+              <a:off x="3173014" y="2956717"/>
+              <a:ext cx="944566" cy="944566"/>
+            </a:xfrm>
+            <a:prstGeom prst="ellipse">
+              <a:avLst/>
+            </a:prstGeom>
+            <a:solidFill>
+              <a:schemeClr val="bg1">
+                <a:lumMod val="85000"/>
+                <a:alpha val="42000"/>
+              </a:schemeClr>
+            </a:solidFill>
+            <a:ln>
+              <a:noFill/>
+            </a:ln>
+          </p:spPr>
+          <p:style>
+            <a:lnRef idx="2">
+              <a:schemeClr val="accent1">
+                <a:shade val="50000"/>
+              </a:schemeClr>
+            </a:lnRef>
+            <a:fillRef idx="1">
+              <a:schemeClr val="accent1"/>
+            </a:fillRef>
+            <a:effectRef idx="0">
+              <a:schemeClr val="accent1"/>
+            </a:effectRef>
+            <a:fontRef idx="minor">
+              <a:schemeClr val="lt1"/>
+            </a:fontRef>
+          </p:style>
+          <p:txBody>
+            <a:bodyPr rtlCol="0" anchor="ctr"/>
+            <a:lstStyle/>
+            <a:p>
+              <a:pPr algn="ctr"/>
+              <a:r>
+                <a:rPr lang="fr-FR" sz="2100" dirty="0">
+                  <a:solidFill>
+                    <a:schemeClr val="tx1"/>
+                  </a:solidFill>
+                  <a:latin typeface="Segoe UI" panose="020B0502040204020203" pitchFamily="34" charset="0"/>
+                  <a:cs typeface="Segoe UI" panose="020B0502040204020203" pitchFamily="34" charset="0"/>
+                </a:rPr>
+                <a:t>1</a:t>
+              </a:r>
+            </a:p>
+          </p:txBody>
+        </p:sp>
+      </p:grpSp>
+      <p:cxnSp>
+        <p:nvCxnSpPr>
+          <p:cNvPr id="16" name="Straight Connector 13"/>
+          <p:cNvCxnSpPr/>
+          <p:nvPr/>
+        </p:nvCxnSpPr>
+        <p:spPr>
+          <a:xfrm>
+            <a:off x="1571021" y="2157034"/>
+            <a:ext cx="0" cy="1087200"/>
+          </a:xfrm>
+          <a:prstGeom prst="line">
+            <a:avLst/>
+          </a:prstGeom>
+          <a:ln w="28575">
+            <a:solidFill>
+              <a:srgbClr val="EDECEC"/>
+            </a:solidFill>
+          </a:ln>
+        </p:spPr>
+        <p:style>
+          <a:lnRef idx="1">
+            <a:schemeClr val="accent1"/>
+          </a:lnRef>
+          <a:fillRef idx="0">
+            <a:schemeClr val="accent1"/>
+          </a:fillRef>
+          <a:effectRef idx="0">
+            <a:schemeClr val="accent1"/>
+          </a:effectRef>
+          <a:fontRef idx="minor">
+            <a:schemeClr val="tx1"/>
+          </a:fontRef>
+        </p:style>
+      </p:cxnSp>
+      <p:grpSp>
+        <p:nvGrpSpPr>
+          <p:cNvPr id="18" name="Group 1"/>
+          <p:cNvGrpSpPr/>
+          <p:nvPr/>
+        </p:nvGrpSpPr>
+        <p:grpSpPr>
+          <a:xfrm>
+            <a:off x="1220043" y="3244234"/>
+            <a:ext cx="708425" cy="708425"/>
+            <a:chOff x="3173014" y="2956717"/>
+            <a:chExt cx="944566" cy="944566"/>
+          </a:xfrm>
+        </p:grpSpPr>
+        <p:sp>
+          <p:nvSpPr>
+            <p:cNvPr id="19" name="Oval 18"/>
+            <p:cNvSpPr/>
+            <p:nvPr/>
+          </p:nvSpPr>
+          <p:spPr>
+            <a:xfrm>
+              <a:off x="3290491" y="3074194"/>
+              <a:ext cx="709612" cy="709612"/>
+            </a:xfrm>
+            <a:prstGeom prst="ellipse">
+              <a:avLst/>
+            </a:prstGeom>
+            <a:solidFill>
+              <a:schemeClr val="bg1">
+                <a:lumMod val="85000"/>
+              </a:schemeClr>
+            </a:solidFill>
+            <a:ln>
+              <a:noFill/>
+            </a:ln>
+          </p:spPr>
+          <p:style>
+            <a:lnRef idx="2">
+              <a:schemeClr val="accent1">
+                <a:shade val="50000"/>
+              </a:schemeClr>
+            </a:lnRef>
+            <a:fillRef idx="1">
+              <a:schemeClr val="accent1"/>
+            </a:fillRef>
+            <a:effectRef idx="0">
+              <a:schemeClr val="accent1"/>
+            </a:effectRef>
+            <a:fontRef idx="minor">
+              <a:schemeClr val="lt1"/>
+            </a:fontRef>
+          </p:style>
+          <p:txBody>
+            <a:bodyPr rtlCol="0" anchor="ctr"/>
+            <a:lstStyle/>
+            <a:p>
+              <a:pPr algn="ctr"/>
+              <a:endParaRPr lang="fr-FR" sz="1350" dirty="0"/>
+            </a:p>
+          </p:txBody>
+        </p:sp>
+        <p:sp>
+          <p:nvSpPr>
+            <p:cNvPr id="20" name="Oval 22"/>
+            <p:cNvSpPr/>
+            <p:nvPr/>
+          </p:nvSpPr>
+          <p:spPr>
+            <a:xfrm>
+              <a:off x="3173014" y="2956717"/>
+              <a:ext cx="944566" cy="944566"/>
+            </a:xfrm>
+            <a:prstGeom prst="ellipse">
+              <a:avLst/>
+            </a:prstGeom>
+            <a:solidFill>
+              <a:schemeClr val="bg1">
+                <a:lumMod val="85000"/>
+                <a:alpha val="42000"/>
+              </a:schemeClr>
+            </a:solidFill>
+            <a:ln>
+              <a:noFill/>
+            </a:ln>
+          </p:spPr>
+          <p:style>
+            <a:lnRef idx="2">
+              <a:schemeClr val="accent1">
+                <a:shade val="50000"/>
+              </a:schemeClr>
+            </a:lnRef>
+            <a:fillRef idx="1">
+              <a:schemeClr val="accent1"/>
+            </a:fillRef>
+            <a:effectRef idx="0">
+              <a:schemeClr val="accent1"/>
+            </a:effectRef>
+            <a:fontRef idx="minor">
+              <a:schemeClr val="lt1"/>
+            </a:fontRef>
+          </p:style>
+          <p:txBody>
+            <a:bodyPr rtlCol="0" anchor="ctr"/>
+            <a:lstStyle/>
+            <a:p>
+              <a:pPr algn="ctr"/>
+              <a:r>
+                <a:rPr lang="fr-FR" sz="2100" dirty="0">
+                  <a:solidFill>
+                    <a:schemeClr val="tx1"/>
+                  </a:solidFill>
+                  <a:latin typeface="Segoe UI" panose="020B0502040204020203" pitchFamily="34" charset="0"/>
+                  <a:cs typeface="Segoe UI" panose="020B0502040204020203" pitchFamily="34" charset="0"/>
+                </a:rPr>
+                <a:t>2</a:t>
+              </a:r>
+            </a:p>
+          </p:txBody>
+        </p:sp>
+      </p:grpSp>
+      <p:grpSp>
+        <p:nvGrpSpPr>
+          <p:cNvPr id="21" name="Group 27"/>
+          <p:cNvGrpSpPr/>
+          <p:nvPr/>
+        </p:nvGrpSpPr>
+        <p:grpSpPr>
+          <a:xfrm>
+            <a:off x="1220043" y="5039859"/>
+            <a:ext cx="708425" cy="708425"/>
+            <a:chOff x="3173014" y="2956717"/>
+            <a:chExt cx="944566" cy="944566"/>
+          </a:xfrm>
+        </p:grpSpPr>
+        <p:sp>
+          <p:nvSpPr>
+            <p:cNvPr id="22" name="Oval 28"/>
+            <p:cNvSpPr/>
+            <p:nvPr/>
+          </p:nvSpPr>
+          <p:spPr>
+            <a:xfrm>
+              <a:off x="3290491" y="3074194"/>
+              <a:ext cx="709612" cy="709612"/>
+            </a:xfrm>
+            <a:prstGeom prst="ellipse">
+              <a:avLst/>
+            </a:prstGeom>
+            <a:solidFill>
+              <a:schemeClr val="bg1">
+                <a:lumMod val="85000"/>
+              </a:schemeClr>
+            </a:solidFill>
+            <a:ln>
+              <a:noFill/>
+            </a:ln>
+          </p:spPr>
+          <p:style>
+            <a:lnRef idx="2">
+              <a:schemeClr val="accent1">
+                <a:shade val="50000"/>
+              </a:schemeClr>
+            </a:lnRef>
+            <a:fillRef idx="1">
+              <a:schemeClr val="accent1"/>
+            </a:fillRef>
+            <a:effectRef idx="0">
+              <a:schemeClr val="accent1"/>
+            </a:effectRef>
+            <a:fontRef idx="minor">
+              <a:schemeClr val="lt1"/>
+            </a:fontRef>
+          </p:style>
+          <p:txBody>
+            <a:bodyPr rtlCol="0" anchor="ctr"/>
+            <a:lstStyle/>
+            <a:p>
+              <a:pPr algn="ctr"/>
+              <a:endParaRPr lang="fr-FR" sz="1350"/>
+            </a:p>
+          </p:txBody>
+        </p:sp>
+        <p:sp>
+          <p:nvSpPr>
+            <p:cNvPr id="23" name="Oval 29"/>
+            <p:cNvSpPr/>
+            <p:nvPr/>
+          </p:nvSpPr>
+          <p:spPr>
+            <a:xfrm>
+              <a:off x="3173014" y="2956717"/>
+              <a:ext cx="944566" cy="944566"/>
+            </a:xfrm>
+            <a:prstGeom prst="ellipse">
+              <a:avLst/>
+            </a:prstGeom>
+            <a:solidFill>
+              <a:schemeClr val="bg1">
+                <a:lumMod val="85000"/>
+                <a:alpha val="42000"/>
+              </a:schemeClr>
+            </a:solidFill>
+            <a:ln>
+              <a:noFill/>
+            </a:ln>
+          </p:spPr>
+          <p:style>
+            <a:lnRef idx="2">
+              <a:schemeClr val="accent1">
+                <a:shade val="50000"/>
+              </a:schemeClr>
+            </a:lnRef>
+            <a:fillRef idx="1">
+              <a:schemeClr val="accent1"/>
+            </a:fillRef>
+            <a:effectRef idx="0">
+              <a:schemeClr val="accent1"/>
+            </a:effectRef>
+            <a:fontRef idx="minor">
+              <a:schemeClr val="lt1"/>
+            </a:fontRef>
+          </p:style>
+          <p:txBody>
+            <a:bodyPr rtlCol="0" anchor="ctr"/>
+            <a:lstStyle/>
+            <a:p>
+              <a:pPr algn="ctr"/>
+              <a:r>
+                <a:rPr lang="fr-FR" sz="2100" dirty="0">
+                  <a:solidFill>
+                    <a:schemeClr val="tx1"/>
+                  </a:solidFill>
+                  <a:latin typeface="Segoe UI" panose="020B0502040204020203" pitchFamily="34" charset="0"/>
+                  <a:cs typeface="Segoe UI" panose="020B0502040204020203" pitchFamily="34" charset="0"/>
+                </a:rPr>
+                <a:t>3</a:t>
+              </a:r>
+            </a:p>
+          </p:txBody>
+        </p:sp>
+      </p:grpSp>
+      <p:cxnSp>
+        <p:nvCxnSpPr>
+          <p:cNvPr id="24" name="Straight Connector 13"/>
+          <p:cNvCxnSpPr/>
+          <p:nvPr/>
+        </p:nvCxnSpPr>
+        <p:spPr>
+          <a:xfrm>
+            <a:off x="1571021" y="3952659"/>
+            <a:ext cx="0" cy="1087200"/>
+          </a:xfrm>
+          <a:prstGeom prst="line">
+            <a:avLst/>
+          </a:prstGeom>
+          <a:ln w="28575">
+            <a:solidFill>
+              <a:srgbClr val="EDECEC"/>
+            </a:solidFill>
+          </a:ln>
+        </p:spPr>
+        <p:style>
+          <a:lnRef idx="1">
+            <a:schemeClr val="accent1"/>
+          </a:lnRef>
+          <a:fillRef idx="0">
+            <a:schemeClr val="accent1"/>
+          </a:fillRef>
+          <a:effectRef idx="0">
+            <a:schemeClr val="accent1"/>
+          </a:effectRef>
+          <a:fontRef idx="minor">
+            <a:schemeClr val="tx1"/>
+          </a:fontRef>
+        </p:style>
+      </p:cxnSp>
+      <p:sp>
+        <p:nvSpPr>
+          <p:cNvPr id="27" name="TextBox 98"/>
+          <p:cNvSpPr txBox="1"/>
+          <p:nvPr/>
+        </p:nvSpPr>
+        <p:spPr>
+          <a:xfrm>
+            <a:off x="2525567" y="1616022"/>
+            <a:ext cx="2407712" cy="323165"/>
+          </a:xfrm>
+          <a:prstGeom prst="rect">
+            <a:avLst/>
+          </a:prstGeom>
+          <a:noFill/>
+        </p:spPr>
+        <p:txBody>
+          <a:bodyPr wrap="square" lIns="0" rtlCol="0" anchor="t">
+            <a:spAutoFit/>
+          </a:bodyPr>
           <a:lstStyle/>
           <a:p>
-            <a:endParaRPr lang="zh-TW" altLang="en-US"/>
+            <a:r>
+              <a:rPr lang="zh-TW" altLang="en-US" sz="1500" dirty="0" smtClean="0">
+                <a:latin typeface="Segoe UI Light" panose="020B0502040204020203" pitchFamily="34" charset="0"/>
+                <a:cs typeface="Segoe UI Light" panose="020B0502040204020203" pitchFamily="34" charset="0"/>
+              </a:rPr>
+              <a:t>取出</a:t>
+            </a:r>
+            <a:r>
+              <a:rPr lang="en-US" altLang="zh-TW" sz="1500" dirty="0" smtClean="0">
+                <a:latin typeface="Segoe UI Light" panose="020B0502040204020203" pitchFamily="34" charset="0"/>
+                <a:cs typeface="Segoe UI Light" panose="020B0502040204020203" pitchFamily="34" charset="0"/>
+              </a:rPr>
+              <a:t>:</a:t>
+            </a:r>
+            <a:r>
+              <a:rPr lang="zh-TW" altLang="en-US" sz="1500" dirty="0" smtClean="0">
+                <a:latin typeface="Segoe UI Light" panose="020B0502040204020203" pitchFamily="34" charset="0"/>
+                <a:cs typeface="Segoe UI Light" panose="020B0502040204020203" pitchFamily="34" charset="0"/>
+              </a:rPr>
+              <a:t> </a:t>
+            </a:r>
+            <a:r>
+              <a:rPr lang="zh-TW" altLang="en-US" sz="1500" dirty="0" smtClean="0">
+                <a:latin typeface="Segoe UI Light" panose="020B0502040204020203" pitchFamily="34" charset="0"/>
+                <a:cs typeface="Segoe UI Light" panose="020B0502040204020203" pitchFamily="34" charset="0"/>
+              </a:rPr>
+              <a:t>梁寬、有效梁深</a:t>
+            </a:r>
+            <a:endParaRPr lang="fr-FR" sz="1500" dirty="0">
+              <a:latin typeface="Segoe UI Light" panose="020B0502040204020203" pitchFamily="34" charset="0"/>
+              <a:cs typeface="Segoe UI Light" panose="020B0502040204020203" pitchFamily="34" charset="0"/>
+            </a:endParaRPr>
+          </a:p>
+        </p:txBody>
+      </p:sp>
+      <p:sp>
+        <p:nvSpPr>
+          <p:cNvPr id="31" name="TextBox 98"/>
+          <p:cNvSpPr txBox="1"/>
+          <p:nvPr/>
+        </p:nvSpPr>
+        <p:spPr>
+          <a:xfrm>
+            <a:off x="2525567" y="3440098"/>
+            <a:ext cx="4116302" cy="323165"/>
+          </a:xfrm>
+          <a:prstGeom prst="rect">
+            <a:avLst/>
+          </a:prstGeom>
+          <a:noFill/>
+        </p:spPr>
+        <p:txBody>
+          <a:bodyPr wrap="square" lIns="0" rtlCol="0" anchor="t">
+            <a:spAutoFit/>
+          </a:bodyPr>
+          <a:lstStyle/>
+          <a:p>
+            <a:r>
+              <a:rPr lang="zh-TW" altLang="en-US" sz="1500" dirty="0" smtClean="0">
+                <a:latin typeface="Segoe UI Light" panose="020B0502040204020203" pitchFamily="34" charset="0"/>
+                <a:cs typeface="Segoe UI Light" panose="020B0502040204020203" pitchFamily="34" charset="0"/>
+              </a:rPr>
+              <a:t>判斷</a:t>
+            </a:r>
+            <a:r>
+              <a:rPr lang="en-US" altLang="zh-TW" sz="1500" dirty="0" smtClean="0">
+                <a:latin typeface="Segoe UI Light" panose="020B0502040204020203" pitchFamily="34" charset="0"/>
+                <a:cs typeface="Segoe UI Light" panose="020B0502040204020203" pitchFamily="34" charset="0"/>
+              </a:rPr>
+              <a:t>:</a:t>
+            </a:r>
+            <a:r>
+              <a:rPr lang="zh-TW" altLang="en-US" sz="1500" dirty="0" smtClean="0">
+                <a:latin typeface="Segoe UI Light" panose="020B0502040204020203" pitchFamily="34" charset="0"/>
+                <a:cs typeface="Segoe UI Light" panose="020B0502040204020203" pitchFamily="34" charset="0"/>
+              </a:rPr>
+              <a:t> </a:t>
+            </a:r>
+            <a:r>
+              <a:rPr lang="zh-TW" altLang="en-US" sz="1500" dirty="0" smtClean="0">
+                <a:latin typeface="Segoe UI Light" panose="020B0502040204020203" pitchFamily="34" charset="0"/>
+                <a:cs typeface="Segoe UI Light" panose="020B0502040204020203" pitchFamily="34" charset="0"/>
+              </a:rPr>
+              <a:t>上層筋</a:t>
+            </a:r>
+            <a:r>
+              <a:rPr lang="zh-TW" altLang="en-US" sz="1500" dirty="0">
+                <a:latin typeface="Segoe UI Light" panose="020B0502040204020203" pitchFamily="34" charset="0"/>
+                <a:cs typeface="Segoe UI Light" panose="020B0502040204020203" pitchFamily="34" charset="0"/>
+              </a:rPr>
+              <a:t>面積</a:t>
+            </a:r>
+            <a:r>
+              <a:rPr lang="zh-TW" altLang="en-US" sz="1500" dirty="0" smtClean="0">
+                <a:latin typeface="Segoe UI Light" panose="020B0502040204020203" pitchFamily="34" charset="0"/>
+                <a:cs typeface="Segoe UI Light" panose="020B0502040204020203" pitchFamily="34" charset="0"/>
+              </a:rPr>
+              <a:t> </a:t>
+            </a:r>
+            <a:r>
+              <a:rPr lang="en-US" altLang="zh-TW" sz="1500" dirty="0">
+                <a:latin typeface="Segoe UI Light" panose="020B0502040204020203" pitchFamily="34" charset="0"/>
+                <a:cs typeface="Segoe UI Light" panose="020B0502040204020203" pitchFamily="34" charset="0"/>
+              </a:rPr>
+              <a:t>&gt;</a:t>
+            </a:r>
+            <a:r>
+              <a:rPr lang="zh-TW" altLang="en-US" sz="1500" dirty="0" smtClean="0">
+                <a:latin typeface="Segoe UI Light" panose="020B0502040204020203" pitchFamily="34" charset="0"/>
+                <a:cs typeface="Segoe UI Light" panose="020B0502040204020203" pitchFamily="34" charset="0"/>
+              </a:rPr>
+              <a:t> </a:t>
+            </a:r>
+            <a:r>
+              <a:rPr lang="en-US" altLang="zh-TW" sz="1500" dirty="0" smtClean="0">
+                <a:latin typeface="Segoe UI Light" panose="020B0502040204020203" pitchFamily="34" charset="0"/>
+                <a:cs typeface="Segoe UI Light" panose="020B0502040204020203" pitchFamily="34" charset="0"/>
+              </a:rPr>
+              <a:t>0.003</a:t>
+            </a:r>
+            <a:r>
+              <a:rPr lang="zh-TW" altLang="en-US" sz="1500" dirty="0">
+                <a:latin typeface="Segoe UI Light" panose="020B0502040204020203" pitchFamily="34" charset="0"/>
+                <a:cs typeface="Segoe UI Light" panose="020B0502040204020203" pitchFamily="34" charset="0"/>
+              </a:rPr>
+              <a:t> </a:t>
+            </a:r>
+            <a:r>
+              <a:rPr lang="zh-TW" altLang="en-US" sz="1500" dirty="0" smtClean="0">
+                <a:latin typeface="Segoe UI Light" panose="020B0502040204020203" pitchFamily="34" charset="0"/>
+                <a:cs typeface="Segoe UI Light" panose="020B0502040204020203" pitchFamily="34" charset="0"/>
+              </a:rPr>
+              <a:t>* 梁寬 * 有</a:t>
+            </a:r>
+            <a:r>
+              <a:rPr lang="zh-TW" altLang="en-US" sz="1500" dirty="0">
+                <a:latin typeface="Segoe UI Light" panose="020B0502040204020203" pitchFamily="34" charset="0"/>
+                <a:cs typeface="Segoe UI Light" panose="020B0502040204020203" pitchFamily="34" charset="0"/>
+              </a:rPr>
+              <a:t>效梁深</a:t>
+            </a:r>
+            <a:endParaRPr lang="fr-FR" sz="1500" dirty="0">
+              <a:latin typeface="Segoe UI Light" panose="020B0502040204020203" pitchFamily="34" charset="0"/>
+              <a:cs typeface="Segoe UI Light" panose="020B0502040204020203" pitchFamily="34" charset="0"/>
+            </a:endParaRPr>
+          </a:p>
+        </p:txBody>
+      </p:sp>
+      <p:sp>
+        <p:nvSpPr>
+          <p:cNvPr id="32" name="TextBox 98"/>
+          <p:cNvSpPr txBox="1"/>
+          <p:nvPr/>
+        </p:nvSpPr>
+        <p:spPr>
+          <a:xfrm>
+            <a:off x="2525566" y="4756977"/>
+            <a:ext cx="6273377" cy="1015663"/>
+          </a:xfrm>
+          <a:prstGeom prst="rect">
+            <a:avLst/>
+          </a:prstGeom>
+          <a:noFill/>
+        </p:spPr>
+        <p:txBody>
+          <a:bodyPr wrap="square" lIns="0" rtlCol="0" anchor="t">
+            <a:spAutoFit/>
+          </a:bodyPr>
+          <a:lstStyle/>
+          <a:p>
+            <a:r>
+              <a:rPr lang="zh-TW" altLang="en-US" sz="1500" dirty="0" smtClean="0">
+                <a:latin typeface="Segoe UI Light" panose="020B0502040204020203" pitchFamily="34" charset="0"/>
+                <a:cs typeface="Segoe UI Light" panose="020B0502040204020203" pitchFamily="34" charset="0"/>
+              </a:rPr>
+              <a:t>是</a:t>
+            </a:r>
+            <a:r>
+              <a:rPr lang="en-US" altLang="zh-TW" sz="1500" dirty="0" smtClean="0">
+                <a:latin typeface="Segoe UI Light" panose="020B0502040204020203" pitchFamily="34" charset="0"/>
+                <a:cs typeface="Segoe UI Light" panose="020B0502040204020203" pitchFamily="34" charset="0"/>
+              </a:rPr>
+              <a:t>:</a:t>
+            </a:r>
+            <a:r>
+              <a:rPr lang="zh-TW" altLang="en-US" sz="1500" dirty="0" smtClean="0">
+                <a:latin typeface="Segoe UI Light" panose="020B0502040204020203" pitchFamily="34" charset="0"/>
+                <a:cs typeface="Segoe UI Light" panose="020B0502040204020203" pitchFamily="34" charset="0"/>
+              </a:rPr>
+              <a:t> </a:t>
+            </a:r>
+            <a:r>
+              <a:rPr lang="en-US" altLang="zh-TW" sz="1500" dirty="0" smtClean="0">
+                <a:latin typeface="Segoe UI Light" panose="020B0502040204020203" pitchFamily="34" charset="0"/>
+                <a:cs typeface="Segoe UI Light" panose="020B0502040204020203" pitchFamily="34" charset="0"/>
+              </a:rPr>
+              <a:t>OK</a:t>
+            </a:r>
+          </a:p>
+          <a:p>
+            <a:r>
+              <a:rPr lang="zh-TW" altLang="en-US" sz="1500" dirty="0" smtClean="0">
+                <a:latin typeface="Segoe UI Light" panose="020B0502040204020203" pitchFamily="34" charset="0"/>
+                <a:cs typeface="Segoe UI Light" panose="020B0502040204020203" pitchFamily="34" charset="0"/>
+              </a:rPr>
+              <a:t>否</a:t>
+            </a:r>
+            <a:r>
+              <a:rPr lang="en-US" altLang="zh-TW" sz="1500" dirty="0" smtClean="0">
+                <a:latin typeface="Segoe UI Light" panose="020B0502040204020203" pitchFamily="34" charset="0"/>
+                <a:cs typeface="Segoe UI Light" panose="020B0502040204020203" pitchFamily="34" charset="0"/>
+              </a:rPr>
+              <a:t>:</a:t>
+            </a:r>
+            <a:r>
+              <a:rPr lang="zh-TW" altLang="en-US" sz="1500" dirty="0" smtClean="0">
+                <a:latin typeface="Segoe UI Light" panose="020B0502040204020203" pitchFamily="34" charset="0"/>
+                <a:cs typeface="Segoe UI Light" panose="020B0502040204020203" pitchFamily="34" charset="0"/>
+              </a:rPr>
+              <a:t> </a:t>
+            </a:r>
+            <a:endParaRPr lang="en-US" altLang="zh-TW" sz="1500" dirty="0" smtClean="0">
+              <a:latin typeface="Segoe UI Light" panose="020B0502040204020203" pitchFamily="34" charset="0"/>
+              <a:cs typeface="Segoe UI Light" panose="020B0502040204020203" pitchFamily="34" charset="0"/>
+            </a:endParaRPr>
+          </a:p>
+          <a:p>
+            <a:pPr marL="285750" indent="-285750">
+              <a:buFontTx/>
+              <a:buChar char="-"/>
+            </a:pPr>
+            <a:r>
+              <a:rPr lang="en-US" altLang="zh-TW" sz="1500" dirty="0" smtClean="0">
+                <a:latin typeface="Segoe UI Light" panose="020B0502040204020203" pitchFamily="34" charset="0"/>
+                <a:cs typeface="Segoe UI Light" panose="020B0502040204020203" pitchFamily="34" charset="0"/>
+              </a:rPr>
+              <a:t>【</a:t>
+            </a:r>
+            <a:r>
+              <a:rPr lang="en-US" altLang="zh-TW" sz="1500" dirty="0">
+                <a:latin typeface="Segoe UI Light" panose="020B0502040204020203" pitchFamily="34" charset="0"/>
+                <a:cs typeface="Segoe UI Light" panose="020B0502040204020203" pitchFamily="34" charset="0"/>
+              </a:rPr>
+              <a:t>0104】</a:t>
+            </a:r>
+            <a:r>
+              <a:rPr lang="zh-TW" altLang="en-US" sz="1500" dirty="0">
+                <a:latin typeface="Segoe UI Light" panose="020B0502040204020203" pitchFamily="34" charset="0"/>
+                <a:cs typeface="Segoe UI Light" panose="020B0502040204020203" pitchFamily="34" charset="0"/>
+              </a:rPr>
+              <a:t>請確認上層筋下限，是否符合最少鋼筋比大於 </a:t>
+            </a:r>
+            <a:r>
+              <a:rPr lang="en-US" altLang="zh-TW" sz="1500" dirty="0">
+                <a:latin typeface="Segoe UI Light" panose="020B0502040204020203" pitchFamily="34" charset="0"/>
+                <a:cs typeface="Segoe UI Light" panose="020B0502040204020203" pitchFamily="34" charset="0"/>
+              </a:rPr>
+              <a:t>0.3 % </a:t>
+            </a:r>
+            <a:r>
+              <a:rPr lang="zh-TW" altLang="en-US" sz="1500" dirty="0">
+                <a:latin typeface="Segoe UI Light" panose="020B0502040204020203" pitchFamily="34" charset="0"/>
+                <a:cs typeface="Segoe UI Light" panose="020B0502040204020203" pitchFamily="34" charset="0"/>
+              </a:rPr>
+              <a:t>規</a:t>
+            </a:r>
+            <a:r>
+              <a:rPr lang="zh-TW" altLang="en-US" sz="1500" dirty="0" smtClean="0">
+                <a:latin typeface="Segoe UI Light" panose="020B0502040204020203" pitchFamily="34" charset="0"/>
+                <a:cs typeface="Segoe UI Light" panose="020B0502040204020203" pitchFamily="34" charset="0"/>
+              </a:rPr>
+              <a:t>定</a:t>
+            </a:r>
+            <a:endParaRPr lang="en-US" altLang="zh-TW" sz="1500" dirty="0" smtClean="0">
+              <a:latin typeface="Segoe UI Light" panose="020B0502040204020203" pitchFamily="34" charset="0"/>
+              <a:cs typeface="Segoe UI Light" panose="020B0502040204020203" pitchFamily="34" charset="0"/>
+            </a:endParaRPr>
+          </a:p>
+          <a:p>
+            <a:pPr marL="285750" indent="-285750">
+              <a:buFontTx/>
+              <a:buChar char="-"/>
+            </a:pPr>
+            <a:r>
+              <a:rPr lang="en-US" altLang="zh-TW" sz="1500" dirty="0">
+                <a:latin typeface="Segoe UI Light" panose="020B0502040204020203" pitchFamily="34" charset="0"/>
+                <a:cs typeface="Segoe UI Light" panose="020B0502040204020203" pitchFamily="34" charset="0"/>
+              </a:rPr>
+              <a:t>【0105】</a:t>
+            </a:r>
+            <a:r>
+              <a:rPr lang="zh-TW" altLang="en-US" sz="1500" dirty="0">
+                <a:latin typeface="Segoe UI Light" panose="020B0502040204020203" pitchFamily="34" charset="0"/>
+                <a:cs typeface="Segoe UI Light" panose="020B0502040204020203" pitchFamily="34" charset="0"/>
+              </a:rPr>
+              <a:t>請確認下層筋下限，是否符合最少鋼筋比大於 </a:t>
+            </a:r>
+            <a:r>
+              <a:rPr lang="en-US" altLang="zh-TW" sz="1500" dirty="0">
+                <a:latin typeface="Segoe UI Light" panose="020B0502040204020203" pitchFamily="34" charset="0"/>
+                <a:cs typeface="Segoe UI Light" panose="020B0502040204020203" pitchFamily="34" charset="0"/>
+              </a:rPr>
+              <a:t>0.3 % </a:t>
+            </a:r>
+            <a:r>
+              <a:rPr lang="zh-TW" altLang="en-US" sz="1500" dirty="0">
+                <a:latin typeface="Segoe UI Light" panose="020B0502040204020203" pitchFamily="34" charset="0"/>
+                <a:cs typeface="Segoe UI Light" panose="020B0502040204020203" pitchFamily="34" charset="0"/>
+              </a:rPr>
+              <a:t>規定</a:t>
+            </a:r>
+            <a:endParaRPr lang="fr-FR" sz="1500" dirty="0">
+              <a:latin typeface="Segoe UI Light" panose="020B0502040204020203" pitchFamily="34" charset="0"/>
+              <a:cs typeface="Segoe UI Light" panose="020B0502040204020203" pitchFamily="34" charset="0"/>
+            </a:endParaRPr>
           </a:p>
         </p:txBody>
       </p:sp>
     </p:spTree>
     <p:extLst>
       <p:ext uri="{BB962C8B-B14F-4D97-AF65-F5344CB8AC3E}">
-        <p14:creationId xmlns:p14="http://schemas.microsoft.com/office/powerpoint/2010/main" val="4260723005"/>
+        <p14:creationId xmlns:p14="http://schemas.microsoft.com/office/powerpoint/2010/main" val="645593775"/>
       </p:ext>
     </p:extLst>
   </p:cSld>
   <p:clrMapOvr>
     <a:masterClrMapping/>
   </p:clrMapOvr>
+  <mc:AlternateContent xmlns:mc="http://schemas.openxmlformats.org/markup-compatibility/2006" xmlns:p14="http://schemas.microsoft.com/office/powerpoint/2010/main">
+    <mc:Choice Requires="p14">
+      <p:transition spd="slow" p14:dur="2000"/>
+    </mc:Choice>
+    <mc:Fallback xmlns="">
+      <p:transition spd="slow"/>
+    </mc:Fallback>
+  </mc:AlternateContent>
 </p:sld>
 </file>
 
@@ -11928,13 +15621,7 @@
       </p:grpSpPr>
       <p:sp>
         <p:nvSpPr>
-          <p:cNvPr id="4" name="投影片編號版面配置區 3">
-            <a:extLst>
-              <a:ext uri="{FF2B5EF4-FFF2-40B4-BE49-F238E27FC236}">
-                <a16:creationId xmlns:a16="http://schemas.microsoft.com/office/drawing/2014/main" id="{2C595FD7-6B9E-4C9A-95CD-4A32B909B47D}"/>
-              </a:ext>
-            </a:extLst>
-          </p:cNvPr>
+          <p:cNvPr id="3" name="投影片編號版面配置區 2"/>
           <p:cNvSpPr>
             <a:spLocks noGrp="1"/>
           </p:cNvSpPr>
@@ -11957,39 +15644,938 @@
       </p:sp>
       <p:sp>
         <p:nvSpPr>
-          <p:cNvPr id="5" name="標題 4">
-            <a:extLst>
-              <a:ext uri="{FF2B5EF4-FFF2-40B4-BE49-F238E27FC236}">
-                <a16:creationId xmlns:a16="http://schemas.microsoft.com/office/drawing/2014/main" id="{C98FB3C8-9970-4E43-B419-B6CB1E14A167}"/>
-              </a:ext>
-            </a:extLst>
-          </p:cNvPr>
-          <p:cNvSpPr>
-            <a:spLocks noGrp="1"/>
-          </p:cNvSpPr>
-          <p:nvPr>
-            <p:ph type="title"/>
-          </p:nvPr>
-        </p:nvSpPr>
-        <p:spPr/>
-        <p:txBody>
-          <a:bodyPr/>
+          <p:cNvPr id="11" name="文字方塊 10"/>
+          <p:cNvSpPr txBox="1"/>
+          <p:nvPr/>
+        </p:nvSpPr>
+        <p:spPr>
+          <a:xfrm>
+            <a:off x="465514" y="698267"/>
+            <a:ext cx="2348720" cy="369332"/>
+          </a:xfrm>
+          <a:prstGeom prst="rect">
+            <a:avLst/>
+          </a:prstGeom>
+          <a:noFill/>
+        </p:spPr>
+        <p:txBody>
+          <a:bodyPr wrap="none" rtlCol="0">
+            <a:spAutoFit/>
+          </a:bodyPr>
           <a:lstStyle/>
           <a:p>
-            <a:endParaRPr lang="zh-TW" altLang="en-US"/>
+            <a:r>
+              <a:rPr lang="zh-TW" altLang="en-US" dirty="0"/>
+              <a:t>主筋間距 </a:t>
+            </a:r>
+            <a:r>
+              <a:rPr lang="en-US" altLang="zh-TW" dirty="0"/>
+              <a:t>25 cm </a:t>
+            </a:r>
+            <a:r>
+              <a:rPr lang="zh-TW" altLang="en-US" dirty="0"/>
+              <a:t>以下</a:t>
+            </a:r>
+            <a:endParaRPr lang="zh-TW" altLang="en-US" dirty="0"/>
+          </a:p>
+        </p:txBody>
+      </p:sp>
+      <p:grpSp>
+        <p:nvGrpSpPr>
+          <p:cNvPr id="13" name="Group 24"/>
+          <p:cNvGrpSpPr/>
+          <p:nvPr/>
+        </p:nvGrpSpPr>
+        <p:grpSpPr>
+          <a:xfrm>
+            <a:off x="1220043" y="1448609"/>
+            <a:ext cx="708425" cy="708425"/>
+            <a:chOff x="3173014" y="2956717"/>
+            <a:chExt cx="944566" cy="944566"/>
+          </a:xfrm>
+        </p:grpSpPr>
+        <p:sp>
+          <p:nvSpPr>
+            <p:cNvPr id="14" name="Oval 25"/>
+            <p:cNvSpPr/>
+            <p:nvPr/>
+          </p:nvSpPr>
+          <p:spPr>
+            <a:xfrm>
+              <a:off x="3290491" y="3074194"/>
+              <a:ext cx="709612" cy="709612"/>
+            </a:xfrm>
+            <a:prstGeom prst="ellipse">
+              <a:avLst/>
+            </a:prstGeom>
+            <a:solidFill>
+              <a:schemeClr val="bg1">
+                <a:lumMod val="85000"/>
+              </a:schemeClr>
+            </a:solidFill>
+            <a:ln>
+              <a:noFill/>
+            </a:ln>
+          </p:spPr>
+          <p:style>
+            <a:lnRef idx="2">
+              <a:schemeClr val="accent1">
+                <a:shade val="50000"/>
+              </a:schemeClr>
+            </a:lnRef>
+            <a:fillRef idx="1">
+              <a:schemeClr val="accent1"/>
+            </a:fillRef>
+            <a:effectRef idx="0">
+              <a:schemeClr val="accent1"/>
+            </a:effectRef>
+            <a:fontRef idx="minor">
+              <a:schemeClr val="lt1"/>
+            </a:fontRef>
+          </p:style>
+          <p:txBody>
+            <a:bodyPr rtlCol="0" anchor="ctr"/>
+            <a:lstStyle/>
+            <a:p>
+              <a:pPr algn="ctr"/>
+              <a:endParaRPr lang="fr-FR" sz="1350"/>
+            </a:p>
+          </p:txBody>
+        </p:sp>
+        <p:sp>
+          <p:nvSpPr>
+            <p:cNvPr id="15" name="Oval 26"/>
+            <p:cNvSpPr/>
+            <p:nvPr/>
+          </p:nvSpPr>
+          <p:spPr>
+            <a:xfrm>
+              <a:off x="3173014" y="2956717"/>
+              <a:ext cx="944566" cy="944566"/>
+            </a:xfrm>
+            <a:prstGeom prst="ellipse">
+              <a:avLst/>
+            </a:prstGeom>
+            <a:solidFill>
+              <a:schemeClr val="bg1">
+                <a:lumMod val="85000"/>
+                <a:alpha val="42000"/>
+              </a:schemeClr>
+            </a:solidFill>
+            <a:ln>
+              <a:noFill/>
+            </a:ln>
+          </p:spPr>
+          <p:style>
+            <a:lnRef idx="2">
+              <a:schemeClr val="accent1">
+                <a:shade val="50000"/>
+              </a:schemeClr>
+            </a:lnRef>
+            <a:fillRef idx="1">
+              <a:schemeClr val="accent1"/>
+            </a:fillRef>
+            <a:effectRef idx="0">
+              <a:schemeClr val="accent1"/>
+            </a:effectRef>
+            <a:fontRef idx="minor">
+              <a:schemeClr val="lt1"/>
+            </a:fontRef>
+          </p:style>
+          <p:txBody>
+            <a:bodyPr rtlCol="0" anchor="ctr"/>
+            <a:lstStyle/>
+            <a:p>
+              <a:pPr algn="ctr"/>
+              <a:r>
+                <a:rPr lang="fr-FR" sz="2100" dirty="0">
+                  <a:solidFill>
+                    <a:schemeClr val="tx1"/>
+                  </a:solidFill>
+                  <a:latin typeface="Segoe UI" panose="020B0502040204020203" pitchFamily="34" charset="0"/>
+                  <a:cs typeface="Segoe UI" panose="020B0502040204020203" pitchFamily="34" charset="0"/>
+                </a:rPr>
+                <a:t>1</a:t>
+              </a:r>
+            </a:p>
+          </p:txBody>
+        </p:sp>
+      </p:grpSp>
+      <p:cxnSp>
+        <p:nvCxnSpPr>
+          <p:cNvPr id="16" name="Straight Connector 13"/>
+          <p:cNvCxnSpPr/>
+          <p:nvPr/>
+        </p:nvCxnSpPr>
+        <p:spPr>
+          <a:xfrm>
+            <a:off x="1571021" y="2157034"/>
+            <a:ext cx="0" cy="1087200"/>
+          </a:xfrm>
+          <a:prstGeom prst="line">
+            <a:avLst/>
+          </a:prstGeom>
+          <a:ln w="28575">
+            <a:solidFill>
+              <a:srgbClr val="EDECEC"/>
+            </a:solidFill>
+          </a:ln>
+        </p:spPr>
+        <p:style>
+          <a:lnRef idx="1">
+            <a:schemeClr val="accent1"/>
+          </a:lnRef>
+          <a:fillRef idx="0">
+            <a:schemeClr val="accent1"/>
+          </a:fillRef>
+          <a:effectRef idx="0">
+            <a:schemeClr val="accent1"/>
+          </a:effectRef>
+          <a:fontRef idx="minor">
+            <a:schemeClr val="tx1"/>
+          </a:fontRef>
+        </p:style>
+      </p:cxnSp>
+      <p:grpSp>
+        <p:nvGrpSpPr>
+          <p:cNvPr id="18" name="Group 1"/>
+          <p:cNvGrpSpPr/>
+          <p:nvPr/>
+        </p:nvGrpSpPr>
+        <p:grpSpPr>
+          <a:xfrm>
+            <a:off x="1220043" y="3244234"/>
+            <a:ext cx="708425" cy="708425"/>
+            <a:chOff x="3173014" y="2956717"/>
+            <a:chExt cx="944566" cy="944566"/>
+          </a:xfrm>
+        </p:grpSpPr>
+        <p:sp>
+          <p:nvSpPr>
+            <p:cNvPr id="19" name="Oval 18"/>
+            <p:cNvSpPr/>
+            <p:nvPr/>
+          </p:nvSpPr>
+          <p:spPr>
+            <a:xfrm>
+              <a:off x="3290491" y="3074194"/>
+              <a:ext cx="709612" cy="709612"/>
+            </a:xfrm>
+            <a:prstGeom prst="ellipse">
+              <a:avLst/>
+            </a:prstGeom>
+            <a:solidFill>
+              <a:schemeClr val="bg1">
+                <a:lumMod val="85000"/>
+              </a:schemeClr>
+            </a:solidFill>
+            <a:ln>
+              <a:noFill/>
+            </a:ln>
+          </p:spPr>
+          <p:style>
+            <a:lnRef idx="2">
+              <a:schemeClr val="accent1">
+                <a:shade val="50000"/>
+              </a:schemeClr>
+            </a:lnRef>
+            <a:fillRef idx="1">
+              <a:schemeClr val="accent1"/>
+            </a:fillRef>
+            <a:effectRef idx="0">
+              <a:schemeClr val="accent1"/>
+            </a:effectRef>
+            <a:fontRef idx="minor">
+              <a:schemeClr val="lt1"/>
+            </a:fontRef>
+          </p:style>
+          <p:txBody>
+            <a:bodyPr rtlCol="0" anchor="ctr"/>
+            <a:lstStyle/>
+            <a:p>
+              <a:pPr algn="ctr"/>
+              <a:endParaRPr lang="fr-FR" sz="1350" dirty="0"/>
+            </a:p>
+          </p:txBody>
+        </p:sp>
+        <p:sp>
+          <p:nvSpPr>
+            <p:cNvPr id="20" name="Oval 22"/>
+            <p:cNvSpPr/>
+            <p:nvPr/>
+          </p:nvSpPr>
+          <p:spPr>
+            <a:xfrm>
+              <a:off x="3173014" y="2956717"/>
+              <a:ext cx="944566" cy="944566"/>
+            </a:xfrm>
+            <a:prstGeom prst="ellipse">
+              <a:avLst/>
+            </a:prstGeom>
+            <a:solidFill>
+              <a:schemeClr val="bg1">
+                <a:lumMod val="85000"/>
+                <a:alpha val="42000"/>
+              </a:schemeClr>
+            </a:solidFill>
+            <a:ln>
+              <a:noFill/>
+            </a:ln>
+          </p:spPr>
+          <p:style>
+            <a:lnRef idx="2">
+              <a:schemeClr val="accent1">
+                <a:shade val="50000"/>
+              </a:schemeClr>
+            </a:lnRef>
+            <a:fillRef idx="1">
+              <a:schemeClr val="accent1"/>
+            </a:fillRef>
+            <a:effectRef idx="0">
+              <a:schemeClr val="accent1"/>
+            </a:effectRef>
+            <a:fontRef idx="minor">
+              <a:schemeClr val="lt1"/>
+            </a:fontRef>
+          </p:style>
+          <p:txBody>
+            <a:bodyPr rtlCol="0" anchor="ctr"/>
+            <a:lstStyle/>
+            <a:p>
+              <a:pPr algn="ctr"/>
+              <a:r>
+                <a:rPr lang="fr-FR" sz="2100" dirty="0">
+                  <a:solidFill>
+                    <a:schemeClr val="tx1"/>
+                  </a:solidFill>
+                  <a:latin typeface="Segoe UI" panose="020B0502040204020203" pitchFamily="34" charset="0"/>
+                  <a:cs typeface="Segoe UI" panose="020B0502040204020203" pitchFamily="34" charset="0"/>
+                </a:rPr>
+                <a:t>2</a:t>
+              </a:r>
+            </a:p>
+          </p:txBody>
+        </p:sp>
+      </p:grpSp>
+      <p:grpSp>
+        <p:nvGrpSpPr>
+          <p:cNvPr id="21" name="Group 27"/>
+          <p:cNvGrpSpPr/>
+          <p:nvPr/>
+        </p:nvGrpSpPr>
+        <p:grpSpPr>
+          <a:xfrm>
+            <a:off x="1220043" y="5039859"/>
+            <a:ext cx="708425" cy="708425"/>
+            <a:chOff x="3173014" y="2956717"/>
+            <a:chExt cx="944566" cy="944566"/>
+          </a:xfrm>
+        </p:grpSpPr>
+        <p:sp>
+          <p:nvSpPr>
+            <p:cNvPr id="22" name="Oval 28"/>
+            <p:cNvSpPr/>
+            <p:nvPr/>
+          </p:nvSpPr>
+          <p:spPr>
+            <a:xfrm>
+              <a:off x="3290491" y="3074194"/>
+              <a:ext cx="709612" cy="709612"/>
+            </a:xfrm>
+            <a:prstGeom prst="ellipse">
+              <a:avLst/>
+            </a:prstGeom>
+            <a:solidFill>
+              <a:schemeClr val="bg1">
+                <a:lumMod val="85000"/>
+              </a:schemeClr>
+            </a:solidFill>
+            <a:ln>
+              <a:noFill/>
+            </a:ln>
+          </p:spPr>
+          <p:style>
+            <a:lnRef idx="2">
+              <a:schemeClr val="accent1">
+                <a:shade val="50000"/>
+              </a:schemeClr>
+            </a:lnRef>
+            <a:fillRef idx="1">
+              <a:schemeClr val="accent1"/>
+            </a:fillRef>
+            <a:effectRef idx="0">
+              <a:schemeClr val="accent1"/>
+            </a:effectRef>
+            <a:fontRef idx="minor">
+              <a:schemeClr val="lt1"/>
+            </a:fontRef>
+          </p:style>
+          <p:txBody>
+            <a:bodyPr rtlCol="0" anchor="ctr"/>
+            <a:lstStyle/>
+            <a:p>
+              <a:pPr algn="ctr"/>
+              <a:endParaRPr lang="fr-FR" sz="1350"/>
+            </a:p>
+          </p:txBody>
+        </p:sp>
+        <p:sp>
+          <p:nvSpPr>
+            <p:cNvPr id="23" name="Oval 29"/>
+            <p:cNvSpPr/>
+            <p:nvPr/>
+          </p:nvSpPr>
+          <p:spPr>
+            <a:xfrm>
+              <a:off x="3173014" y="2956717"/>
+              <a:ext cx="944566" cy="944566"/>
+            </a:xfrm>
+            <a:prstGeom prst="ellipse">
+              <a:avLst/>
+            </a:prstGeom>
+            <a:solidFill>
+              <a:schemeClr val="bg1">
+                <a:lumMod val="85000"/>
+                <a:alpha val="42000"/>
+              </a:schemeClr>
+            </a:solidFill>
+            <a:ln>
+              <a:noFill/>
+            </a:ln>
+          </p:spPr>
+          <p:style>
+            <a:lnRef idx="2">
+              <a:schemeClr val="accent1">
+                <a:shade val="50000"/>
+              </a:schemeClr>
+            </a:lnRef>
+            <a:fillRef idx="1">
+              <a:schemeClr val="accent1"/>
+            </a:fillRef>
+            <a:effectRef idx="0">
+              <a:schemeClr val="accent1"/>
+            </a:effectRef>
+            <a:fontRef idx="minor">
+              <a:schemeClr val="lt1"/>
+            </a:fontRef>
+          </p:style>
+          <p:txBody>
+            <a:bodyPr rtlCol="0" anchor="ctr"/>
+            <a:lstStyle/>
+            <a:p>
+              <a:pPr algn="ctr"/>
+              <a:r>
+                <a:rPr lang="fr-FR" sz="2100" dirty="0">
+                  <a:solidFill>
+                    <a:schemeClr val="tx1"/>
+                  </a:solidFill>
+                  <a:latin typeface="Segoe UI" panose="020B0502040204020203" pitchFamily="34" charset="0"/>
+                  <a:cs typeface="Segoe UI" panose="020B0502040204020203" pitchFamily="34" charset="0"/>
+                </a:rPr>
+                <a:t>3</a:t>
+              </a:r>
+            </a:p>
+          </p:txBody>
+        </p:sp>
+      </p:grpSp>
+      <p:cxnSp>
+        <p:nvCxnSpPr>
+          <p:cNvPr id="24" name="Straight Connector 13"/>
+          <p:cNvCxnSpPr/>
+          <p:nvPr/>
+        </p:nvCxnSpPr>
+        <p:spPr>
+          <a:xfrm>
+            <a:off x="1571021" y="3952659"/>
+            <a:ext cx="0" cy="1087200"/>
+          </a:xfrm>
+          <a:prstGeom prst="line">
+            <a:avLst/>
+          </a:prstGeom>
+          <a:ln w="28575">
+            <a:solidFill>
+              <a:srgbClr val="EDECEC"/>
+            </a:solidFill>
+          </a:ln>
+        </p:spPr>
+        <p:style>
+          <a:lnRef idx="1">
+            <a:schemeClr val="accent1"/>
+          </a:lnRef>
+          <a:fillRef idx="0">
+            <a:schemeClr val="accent1"/>
+          </a:fillRef>
+          <a:effectRef idx="0">
+            <a:schemeClr val="accent1"/>
+          </a:effectRef>
+          <a:fontRef idx="minor">
+            <a:schemeClr val="tx1"/>
+          </a:fontRef>
+        </p:style>
+      </p:cxnSp>
+      <p:sp>
+        <p:nvSpPr>
+          <p:cNvPr id="27" name="TextBox 98"/>
+          <p:cNvSpPr txBox="1"/>
+          <p:nvPr/>
+        </p:nvSpPr>
+        <p:spPr>
+          <a:xfrm>
+            <a:off x="2525567" y="1616024"/>
+            <a:ext cx="4806886" cy="323165"/>
+          </a:xfrm>
+          <a:prstGeom prst="rect">
+            <a:avLst/>
+          </a:prstGeom>
+          <a:noFill/>
+        </p:spPr>
+        <p:txBody>
+          <a:bodyPr wrap="square" lIns="0" rtlCol="0" anchor="t">
+            <a:spAutoFit/>
+          </a:bodyPr>
+          <a:lstStyle/>
+          <a:p>
+            <a:r>
+              <a:rPr lang="zh-TW" altLang="en-US" sz="1500" dirty="0" smtClean="0">
+                <a:latin typeface="Segoe UI Light" panose="020B0502040204020203" pitchFamily="34" charset="0"/>
+                <a:cs typeface="Segoe UI Light" panose="020B0502040204020203" pitchFamily="34" charset="0"/>
+              </a:rPr>
+              <a:t>取出</a:t>
+            </a:r>
+            <a:r>
+              <a:rPr lang="en-US" altLang="zh-TW" sz="1500" dirty="0" smtClean="0">
+                <a:latin typeface="Segoe UI Light" panose="020B0502040204020203" pitchFamily="34" charset="0"/>
+                <a:cs typeface="Segoe UI Light" panose="020B0502040204020203" pitchFamily="34" charset="0"/>
+              </a:rPr>
+              <a:t>:</a:t>
+            </a:r>
+            <a:r>
+              <a:rPr lang="zh-TW" altLang="en-US" sz="1500" dirty="0" smtClean="0">
+                <a:latin typeface="Segoe UI Light" panose="020B0502040204020203" pitchFamily="34" charset="0"/>
+                <a:cs typeface="Segoe UI Light" panose="020B0502040204020203" pitchFamily="34" charset="0"/>
+              </a:rPr>
+              <a:t> </a:t>
+            </a:r>
+            <a:r>
+              <a:rPr lang="zh-TW" altLang="en-US" sz="1500" dirty="0" smtClean="0">
+                <a:latin typeface="Segoe UI Light" panose="020B0502040204020203" pitchFamily="34" charset="0"/>
+                <a:cs typeface="Segoe UI Light" panose="020B0502040204020203" pitchFamily="34" charset="0"/>
+              </a:rPr>
+              <a:t>梁寬、保護層、箍筋</a:t>
+            </a:r>
+            <a:r>
+              <a:rPr lang="zh-TW" altLang="en-US" sz="1500" dirty="0">
+                <a:latin typeface="Segoe UI Light" panose="020B0502040204020203" pitchFamily="34" charset="0"/>
+                <a:cs typeface="Segoe UI Light" panose="020B0502040204020203" pitchFamily="34" charset="0"/>
+              </a:rPr>
+              <a:t>直徑、主</a:t>
+            </a:r>
+            <a:r>
+              <a:rPr lang="zh-TW" altLang="en-US" sz="1500" dirty="0" smtClean="0">
+                <a:latin typeface="Segoe UI Light" panose="020B0502040204020203" pitchFamily="34" charset="0"/>
+                <a:cs typeface="Segoe UI Light" panose="020B0502040204020203" pitchFamily="34" charset="0"/>
+              </a:rPr>
+              <a:t>筋支數、</a:t>
+            </a:r>
+            <a:r>
+              <a:rPr lang="zh-TW" altLang="en-US" sz="1500" dirty="0" smtClean="0">
+                <a:latin typeface="Segoe UI Light" panose="020B0502040204020203" pitchFamily="34" charset="0"/>
+                <a:cs typeface="Segoe UI Light" panose="020B0502040204020203" pitchFamily="34" charset="0"/>
+              </a:rPr>
+              <a:t>主筋直徑</a:t>
+            </a:r>
+            <a:endParaRPr lang="fr-FR" sz="1500" dirty="0">
+              <a:latin typeface="Segoe UI Light" panose="020B0502040204020203" pitchFamily="34" charset="0"/>
+              <a:cs typeface="Segoe UI Light" panose="020B0502040204020203" pitchFamily="34" charset="0"/>
+            </a:endParaRPr>
+          </a:p>
+        </p:txBody>
+      </p:sp>
+      <p:sp>
+        <p:nvSpPr>
+          <p:cNvPr id="31" name="TextBox 98"/>
+          <p:cNvSpPr txBox="1"/>
+          <p:nvPr/>
+        </p:nvSpPr>
+        <p:spPr>
+          <a:xfrm>
+            <a:off x="2525566" y="3112297"/>
+            <a:ext cx="6618434" cy="553998"/>
+          </a:xfrm>
+          <a:prstGeom prst="rect">
+            <a:avLst/>
+          </a:prstGeom>
+          <a:noFill/>
+        </p:spPr>
+        <p:txBody>
+          <a:bodyPr wrap="square" lIns="0" rtlCol="0" anchor="t">
+            <a:spAutoFit/>
+          </a:bodyPr>
+          <a:lstStyle/>
+          <a:p>
+            <a:r>
+              <a:rPr lang="zh-TW" altLang="en-US" sz="1500" dirty="0" smtClean="0">
+                <a:latin typeface="Segoe UI Light" panose="020B0502040204020203" pitchFamily="34" charset="0"/>
+                <a:cs typeface="Segoe UI Light" panose="020B0502040204020203" pitchFamily="34" charset="0"/>
+              </a:rPr>
+              <a:t>判斷</a:t>
+            </a:r>
+            <a:r>
+              <a:rPr lang="en-US" altLang="zh-TW" sz="1500" dirty="0" smtClean="0">
+                <a:latin typeface="Segoe UI Light" panose="020B0502040204020203" pitchFamily="34" charset="0"/>
+                <a:cs typeface="Segoe UI Light" panose="020B0502040204020203" pitchFamily="34" charset="0"/>
+              </a:rPr>
+              <a:t>:</a:t>
+            </a:r>
+            <a:r>
+              <a:rPr lang="zh-TW" altLang="en-US" sz="1500" dirty="0" smtClean="0">
+                <a:latin typeface="Segoe UI Light" panose="020B0502040204020203" pitchFamily="34" charset="0"/>
+                <a:cs typeface="Segoe UI Light" panose="020B0502040204020203" pitchFamily="34" charset="0"/>
+              </a:rPr>
+              <a:t> </a:t>
+            </a:r>
+            <a:endParaRPr lang="en-US" altLang="zh-TW" sz="1500" dirty="0" smtClean="0">
+              <a:latin typeface="Segoe UI Light" panose="020B0502040204020203" pitchFamily="34" charset="0"/>
+              <a:cs typeface="Segoe UI Light" panose="020B0502040204020203" pitchFamily="34" charset="0"/>
+            </a:endParaRPr>
+          </a:p>
+          <a:p>
+            <a:r>
+              <a:rPr lang="en-US" altLang="zh-TW" sz="1500" dirty="0" smtClean="0">
+                <a:latin typeface="Segoe UI Light" panose="020B0502040204020203" pitchFamily="34" charset="0"/>
+                <a:cs typeface="Segoe UI Light" panose="020B0502040204020203" pitchFamily="34" charset="0"/>
+              </a:rPr>
+              <a:t>25</a:t>
+            </a:r>
+            <a:r>
+              <a:rPr lang="zh-TW" altLang="en-US" sz="1500" dirty="0" smtClean="0">
+                <a:latin typeface="Segoe UI Light" panose="020B0502040204020203" pitchFamily="34" charset="0"/>
+                <a:cs typeface="Segoe UI Light" panose="020B0502040204020203" pitchFamily="34" charset="0"/>
+              </a:rPr>
+              <a:t> </a:t>
+            </a:r>
+            <a:r>
+              <a:rPr lang="en-US" altLang="zh-TW" sz="1500" dirty="0" smtClean="0">
+                <a:latin typeface="Segoe UI Light" panose="020B0502040204020203" pitchFamily="34" charset="0"/>
+                <a:cs typeface="Segoe UI Light" panose="020B0502040204020203" pitchFamily="34" charset="0"/>
+              </a:rPr>
+              <a:t>&gt;</a:t>
+            </a:r>
+            <a:r>
+              <a:rPr lang="zh-TW" altLang="en-US" sz="1500" dirty="0" smtClean="0">
+                <a:latin typeface="Segoe UI Light" panose="020B0502040204020203" pitchFamily="34" charset="0"/>
+                <a:cs typeface="Segoe UI Light" panose="020B0502040204020203" pitchFamily="34" charset="0"/>
+              </a:rPr>
+              <a:t> </a:t>
+            </a:r>
+            <a:r>
+              <a:rPr lang="en-US" altLang="zh-TW" sz="1500" dirty="0" smtClean="0">
+                <a:latin typeface="Segoe UI Light" panose="020B0502040204020203" pitchFamily="34" charset="0"/>
+                <a:cs typeface="Segoe UI Light" panose="020B0502040204020203" pitchFamily="34" charset="0"/>
+              </a:rPr>
+              <a:t>(</a:t>
+            </a:r>
+            <a:r>
+              <a:rPr lang="zh-TW" altLang="en-US" sz="1500" dirty="0" smtClean="0">
+                <a:latin typeface="Segoe UI Light" panose="020B0502040204020203" pitchFamily="34" charset="0"/>
+                <a:cs typeface="Segoe UI Light" panose="020B0502040204020203" pitchFamily="34" charset="0"/>
+              </a:rPr>
+              <a:t>梁寬 </a:t>
+            </a:r>
+            <a:r>
+              <a:rPr lang="en-US" altLang="zh-TW" sz="1500" dirty="0" smtClean="0">
+                <a:latin typeface="Segoe UI Light" panose="020B0502040204020203" pitchFamily="34" charset="0"/>
+                <a:cs typeface="Segoe UI Light" panose="020B0502040204020203" pitchFamily="34" charset="0"/>
+              </a:rPr>
+              <a:t>–</a:t>
+            </a:r>
+            <a:r>
+              <a:rPr lang="zh-TW" altLang="en-US" sz="1500" dirty="0" smtClean="0">
+                <a:latin typeface="Segoe UI Light" panose="020B0502040204020203" pitchFamily="34" charset="0"/>
+                <a:cs typeface="Segoe UI Light" panose="020B0502040204020203" pitchFamily="34" charset="0"/>
+              </a:rPr>
+              <a:t> </a:t>
+            </a:r>
+            <a:r>
+              <a:rPr lang="zh-TW" altLang="en-US" sz="1500" dirty="0" smtClean="0">
+                <a:latin typeface="Segoe UI Light" panose="020B0502040204020203" pitchFamily="34" charset="0"/>
+                <a:cs typeface="Segoe UI Light" panose="020B0502040204020203" pitchFamily="34" charset="0"/>
+              </a:rPr>
+              <a:t>保護層 * </a:t>
+            </a:r>
+            <a:r>
+              <a:rPr lang="en-US" altLang="zh-TW" sz="1500" dirty="0" smtClean="0">
+                <a:latin typeface="Segoe UI Light" panose="020B0502040204020203" pitchFamily="34" charset="0"/>
+                <a:cs typeface="Segoe UI Light" panose="020B0502040204020203" pitchFamily="34" charset="0"/>
+              </a:rPr>
+              <a:t>2</a:t>
+            </a:r>
+            <a:r>
+              <a:rPr lang="zh-TW" altLang="en-US" sz="1500" dirty="0" smtClean="0">
+                <a:latin typeface="Segoe UI Light" panose="020B0502040204020203" pitchFamily="34" charset="0"/>
+                <a:cs typeface="Segoe UI Light" panose="020B0502040204020203" pitchFamily="34" charset="0"/>
+              </a:rPr>
+              <a:t> </a:t>
+            </a:r>
+            <a:r>
+              <a:rPr lang="en-US" altLang="zh-TW" sz="1500" dirty="0" smtClean="0">
+                <a:latin typeface="Segoe UI Light" panose="020B0502040204020203" pitchFamily="34" charset="0"/>
+                <a:cs typeface="Segoe UI Light" panose="020B0502040204020203" pitchFamily="34" charset="0"/>
+              </a:rPr>
+              <a:t>–</a:t>
+            </a:r>
+            <a:r>
+              <a:rPr lang="zh-TW" altLang="en-US" sz="1500" dirty="0" smtClean="0">
+                <a:latin typeface="Segoe UI Light" panose="020B0502040204020203" pitchFamily="34" charset="0"/>
+                <a:cs typeface="Segoe UI Light" panose="020B0502040204020203" pitchFamily="34" charset="0"/>
+              </a:rPr>
+              <a:t> 箍筋直徑 * </a:t>
+            </a:r>
+            <a:r>
+              <a:rPr lang="en-US" altLang="zh-TW" sz="1500" dirty="0" smtClean="0">
+                <a:latin typeface="Segoe UI Light" panose="020B0502040204020203" pitchFamily="34" charset="0"/>
+                <a:cs typeface="Segoe UI Light" panose="020B0502040204020203" pitchFamily="34" charset="0"/>
+              </a:rPr>
+              <a:t>2</a:t>
+            </a:r>
+            <a:r>
+              <a:rPr lang="zh-TW" altLang="en-US" sz="1500" dirty="0" smtClean="0">
+                <a:latin typeface="Segoe UI Light" panose="020B0502040204020203" pitchFamily="34" charset="0"/>
+                <a:cs typeface="Segoe UI Light" panose="020B0502040204020203" pitchFamily="34" charset="0"/>
+              </a:rPr>
+              <a:t> </a:t>
+            </a:r>
+            <a:r>
+              <a:rPr lang="en-US" altLang="zh-TW" sz="1500" dirty="0" smtClean="0">
+                <a:latin typeface="Segoe UI Light" panose="020B0502040204020203" pitchFamily="34" charset="0"/>
+                <a:cs typeface="Segoe UI Light" panose="020B0502040204020203" pitchFamily="34" charset="0"/>
+              </a:rPr>
+              <a:t>-</a:t>
+            </a:r>
+            <a:r>
+              <a:rPr lang="zh-TW" altLang="en-US" sz="1500" dirty="0">
+                <a:latin typeface="Segoe UI Light" panose="020B0502040204020203" pitchFamily="34" charset="0"/>
+                <a:cs typeface="Segoe UI Light" panose="020B0502040204020203" pitchFamily="34" charset="0"/>
+              </a:rPr>
+              <a:t>主筋支</a:t>
+            </a:r>
+            <a:r>
+              <a:rPr lang="zh-TW" altLang="en-US" sz="1500" dirty="0" smtClean="0">
+                <a:latin typeface="Segoe UI Light" panose="020B0502040204020203" pitchFamily="34" charset="0"/>
+                <a:cs typeface="Segoe UI Light" panose="020B0502040204020203" pitchFamily="34" charset="0"/>
+              </a:rPr>
+              <a:t>數 * 主筋直徑</a:t>
+            </a:r>
+            <a:r>
+              <a:rPr lang="en-US" altLang="zh-TW" sz="1500" dirty="0" smtClean="0">
+                <a:latin typeface="Segoe UI Light" panose="020B0502040204020203" pitchFamily="34" charset="0"/>
+                <a:cs typeface="Segoe UI Light" panose="020B0502040204020203" pitchFamily="34" charset="0"/>
+              </a:rPr>
+              <a:t>)</a:t>
+            </a:r>
+            <a:r>
+              <a:rPr lang="zh-TW" altLang="en-US" sz="1500" dirty="0" smtClean="0">
+                <a:latin typeface="Segoe UI Light" panose="020B0502040204020203" pitchFamily="34" charset="0"/>
+                <a:cs typeface="Segoe UI Light" panose="020B0502040204020203" pitchFamily="34" charset="0"/>
+              </a:rPr>
+              <a:t> </a:t>
+            </a:r>
+            <a:r>
+              <a:rPr lang="en-US" altLang="zh-TW" sz="1500" dirty="0" smtClean="0">
+                <a:latin typeface="Segoe UI Light" panose="020B0502040204020203" pitchFamily="34" charset="0"/>
+                <a:cs typeface="Segoe UI Light" panose="020B0502040204020203" pitchFamily="34" charset="0"/>
+              </a:rPr>
+              <a:t>/</a:t>
+            </a:r>
+            <a:r>
+              <a:rPr lang="zh-TW" altLang="en-US" sz="1500" dirty="0" smtClean="0">
+                <a:latin typeface="Segoe UI Light" panose="020B0502040204020203" pitchFamily="34" charset="0"/>
+                <a:cs typeface="Segoe UI Light" panose="020B0502040204020203" pitchFamily="34" charset="0"/>
+              </a:rPr>
+              <a:t> </a:t>
+            </a:r>
+            <a:r>
+              <a:rPr lang="en-US" altLang="zh-TW" sz="1500" dirty="0" smtClean="0">
+                <a:latin typeface="Segoe UI Light" panose="020B0502040204020203" pitchFamily="34" charset="0"/>
+                <a:cs typeface="Segoe UI Light" panose="020B0502040204020203" pitchFamily="34" charset="0"/>
+              </a:rPr>
+              <a:t>(</a:t>
+            </a:r>
+            <a:r>
+              <a:rPr lang="zh-TW" altLang="en-US" sz="1500" dirty="0">
+                <a:latin typeface="Segoe UI Light" panose="020B0502040204020203" pitchFamily="34" charset="0"/>
+                <a:cs typeface="Segoe UI Light" panose="020B0502040204020203" pitchFamily="34" charset="0"/>
+              </a:rPr>
+              <a:t>主筋支</a:t>
+            </a:r>
+            <a:r>
+              <a:rPr lang="zh-TW" altLang="en-US" sz="1500" dirty="0" smtClean="0">
+                <a:latin typeface="Segoe UI Light" panose="020B0502040204020203" pitchFamily="34" charset="0"/>
+                <a:cs typeface="Segoe UI Light" panose="020B0502040204020203" pitchFamily="34" charset="0"/>
+              </a:rPr>
+              <a:t>數 </a:t>
+            </a:r>
+            <a:r>
+              <a:rPr lang="en-US" altLang="zh-TW" sz="1500" dirty="0" smtClean="0">
+                <a:latin typeface="Segoe UI Light" panose="020B0502040204020203" pitchFamily="34" charset="0"/>
+                <a:cs typeface="Segoe UI Light" panose="020B0502040204020203" pitchFamily="34" charset="0"/>
+              </a:rPr>
+              <a:t>-</a:t>
+            </a:r>
+            <a:r>
+              <a:rPr lang="zh-TW" altLang="en-US" sz="1500" dirty="0" smtClean="0">
+                <a:latin typeface="Segoe UI Light" panose="020B0502040204020203" pitchFamily="34" charset="0"/>
+                <a:cs typeface="Segoe UI Light" panose="020B0502040204020203" pitchFamily="34" charset="0"/>
+              </a:rPr>
+              <a:t> </a:t>
+            </a:r>
+            <a:r>
+              <a:rPr lang="en-US" altLang="zh-TW" sz="1500" dirty="0" smtClean="0">
+                <a:latin typeface="Segoe UI Light" panose="020B0502040204020203" pitchFamily="34" charset="0"/>
+                <a:cs typeface="Segoe UI Light" panose="020B0502040204020203" pitchFamily="34" charset="0"/>
+              </a:rPr>
+              <a:t>1)</a:t>
+            </a:r>
+            <a:r>
+              <a:rPr lang="zh-TW" altLang="en-US" sz="1500" dirty="0" smtClean="0">
+                <a:latin typeface="Segoe UI Light" panose="020B0502040204020203" pitchFamily="34" charset="0"/>
+                <a:cs typeface="Segoe UI Light" panose="020B0502040204020203" pitchFamily="34" charset="0"/>
+              </a:rPr>
+              <a:t> </a:t>
+            </a:r>
+            <a:endParaRPr lang="fr-FR" sz="1500" dirty="0">
+              <a:latin typeface="Segoe UI Light" panose="020B0502040204020203" pitchFamily="34" charset="0"/>
+              <a:cs typeface="Segoe UI Light" panose="020B0502040204020203" pitchFamily="34" charset="0"/>
+            </a:endParaRPr>
+          </a:p>
+        </p:txBody>
+      </p:sp>
+      <p:sp>
+        <p:nvSpPr>
+          <p:cNvPr id="32" name="TextBox 98"/>
+          <p:cNvSpPr txBox="1"/>
+          <p:nvPr/>
+        </p:nvSpPr>
+        <p:spPr>
+          <a:xfrm>
+            <a:off x="2525566" y="4929497"/>
+            <a:ext cx="6075124" cy="553998"/>
+          </a:xfrm>
+          <a:prstGeom prst="rect">
+            <a:avLst/>
+          </a:prstGeom>
+          <a:noFill/>
+        </p:spPr>
+        <p:txBody>
+          <a:bodyPr wrap="square" lIns="0" rtlCol="0" anchor="t">
+            <a:spAutoFit/>
+          </a:bodyPr>
+          <a:lstStyle/>
+          <a:p>
+            <a:r>
+              <a:rPr lang="zh-TW" altLang="en-US" sz="1500" dirty="0" smtClean="0">
+                <a:latin typeface="Segoe UI Light" panose="020B0502040204020203" pitchFamily="34" charset="0"/>
+                <a:cs typeface="Segoe UI Light" panose="020B0502040204020203" pitchFamily="34" charset="0"/>
+              </a:rPr>
+              <a:t>是</a:t>
+            </a:r>
+            <a:r>
+              <a:rPr lang="en-US" altLang="zh-TW" sz="1500" dirty="0" smtClean="0">
+                <a:latin typeface="Segoe UI Light" panose="020B0502040204020203" pitchFamily="34" charset="0"/>
+                <a:cs typeface="Segoe UI Light" panose="020B0502040204020203" pitchFamily="34" charset="0"/>
+              </a:rPr>
+              <a:t>:</a:t>
+            </a:r>
+            <a:r>
+              <a:rPr lang="zh-TW" altLang="en-US" sz="1500" dirty="0" smtClean="0">
+                <a:latin typeface="Segoe UI Light" panose="020B0502040204020203" pitchFamily="34" charset="0"/>
+                <a:cs typeface="Segoe UI Light" panose="020B0502040204020203" pitchFamily="34" charset="0"/>
+              </a:rPr>
+              <a:t> </a:t>
+            </a:r>
+            <a:r>
+              <a:rPr lang="en-US" altLang="zh-TW" sz="1500" dirty="0" smtClean="0">
+                <a:latin typeface="Segoe UI Light" panose="020B0502040204020203" pitchFamily="34" charset="0"/>
+                <a:cs typeface="Segoe UI Light" panose="020B0502040204020203" pitchFamily="34" charset="0"/>
+              </a:rPr>
+              <a:t>OK</a:t>
+            </a:r>
+          </a:p>
+          <a:p>
+            <a:r>
+              <a:rPr lang="zh-TW" altLang="en-US" sz="1500" dirty="0" smtClean="0">
+                <a:latin typeface="Segoe UI Light" panose="020B0502040204020203" pitchFamily="34" charset="0"/>
+                <a:cs typeface="Segoe UI Light" panose="020B0502040204020203" pitchFamily="34" charset="0"/>
+              </a:rPr>
+              <a:t>否</a:t>
+            </a:r>
+            <a:r>
+              <a:rPr lang="en-US" altLang="zh-TW" sz="1500" dirty="0" smtClean="0">
+                <a:latin typeface="Segoe UI Light" panose="020B0502040204020203" pitchFamily="34" charset="0"/>
+                <a:cs typeface="Segoe UI Light" panose="020B0502040204020203" pitchFamily="34" charset="0"/>
+              </a:rPr>
+              <a:t>:</a:t>
+            </a:r>
+            <a:r>
+              <a:rPr lang="zh-TW" altLang="en-US" sz="1500" dirty="0" smtClean="0">
+                <a:latin typeface="Segoe UI Light" panose="020B0502040204020203" pitchFamily="34" charset="0"/>
+                <a:cs typeface="Segoe UI Light" panose="020B0502040204020203" pitchFamily="34" charset="0"/>
+              </a:rPr>
+              <a:t> </a:t>
+            </a:r>
+            <a:r>
+              <a:rPr lang="en-US" altLang="zh-TW" sz="1500" dirty="0">
+                <a:latin typeface="Segoe UI Light" panose="020B0502040204020203" pitchFamily="34" charset="0"/>
+                <a:cs typeface="Segoe UI Light" panose="020B0502040204020203" pitchFamily="34" charset="0"/>
+              </a:rPr>
+              <a:t>【0106】</a:t>
+            </a:r>
+            <a:r>
+              <a:rPr lang="zh-TW" altLang="en-US" sz="1500" dirty="0">
+                <a:latin typeface="Segoe UI Light" panose="020B0502040204020203" pitchFamily="34" charset="0"/>
+                <a:cs typeface="Segoe UI Light" panose="020B0502040204020203" pitchFamily="34" charset="0"/>
+              </a:rPr>
+              <a:t>請確認主筋間距上限，是否符合鋼筋間距 </a:t>
+            </a:r>
+            <a:r>
+              <a:rPr lang="en-US" altLang="zh-TW" sz="1500" dirty="0">
+                <a:latin typeface="Segoe UI Light" panose="020B0502040204020203" pitchFamily="34" charset="0"/>
+                <a:cs typeface="Segoe UI Light" panose="020B0502040204020203" pitchFamily="34" charset="0"/>
+              </a:rPr>
+              <a:t>25 cm </a:t>
+            </a:r>
+            <a:r>
+              <a:rPr lang="zh-TW" altLang="en-US" sz="1500" dirty="0">
+                <a:latin typeface="Segoe UI Light" panose="020B0502040204020203" pitchFamily="34" charset="0"/>
+                <a:cs typeface="Segoe UI Light" panose="020B0502040204020203" pitchFamily="34" charset="0"/>
+              </a:rPr>
+              <a:t>以下規定</a:t>
+            </a:r>
+            <a:endParaRPr lang="fr-FR" sz="1500" dirty="0">
+              <a:latin typeface="Segoe UI Light" panose="020B0502040204020203" pitchFamily="34" charset="0"/>
+              <a:cs typeface="Segoe UI Light" panose="020B0502040204020203" pitchFamily="34" charset="0"/>
+            </a:endParaRPr>
           </a:p>
         </p:txBody>
       </p:sp>
     </p:spTree>
     <p:extLst>
       <p:ext uri="{BB962C8B-B14F-4D97-AF65-F5344CB8AC3E}">
-        <p14:creationId xmlns:p14="http://schemas.microsoft.com/office/powerpoint/2010/main" val="1113941852"/>
+        <p14:creationId xmlns:p14="http://schemas.microsoft.com/office/powerpoint/2010/main" val="2815792941"/>
       </p:ext>
     </p:extLst>
   </p:cSld>
   <p:clrMapOvr>
     <a:masterClrMapping/>
   </p:clrMapOvr>
+  <mc:AlternateContent xmlns:mc="http://schemas.openxmlformats.org/markup-compatibility/2006" xmlns:p14="http://schemas.microsoft.com/office/powerpoint/2010/main">
+    <mc:Choice Requires="p14">
+      <p:transition spd="slow" p14:dur="2000"/>
+    </mc:Choice>
+    <mc:Fallback xmlns="">
+      <p:transition spd="slow"/>
+    </mc:Fallback>
+  </mc:AlternateContent>
 </p:sld>
 </file>
 
@@ -12012,68 +16598,12 @@
       </p:grpSpPr>
       <p:sp>
         <p:nvSpPr>
-          <p:cNvPr id="5" name="標題 4">
-            <a:extLst>
-              <a:ext uri="{FF2B5EF4-FFF2-40B4-BE49-F238E27FC236}">
-                <a16:creationId xmlns:a16="http://schemas.microsoft.com/office/drawing/2014/main" id="{71B8E26B-2EE1-42AF-BB1A-D60222131AC5}"/>
-              </a:ext>
-            </a:extLst>
-          </p:cNvPr>
+          <p:cNvPr id="3" name="投影片編號版面配置區 2"/>
           <p:cNvSpPr>
             <a:spLocks noGrp="1"/>
           </p:cNvSpPr>
           <p:nvPr>
-            <p:ph type="ctrTitle"/>
-          </p:nvPr>
-        </p:nvSpPr>
-        <p:spPr/>
-        <p:txBody>
-          <a:bodyPr/>
-          <a:lstStyle/>
-          <a:p>
-            <a:endParaRPr lang="zh-TW" altLang="en-US"/>
-          </a:p>
-        </p:txBody>
-      </p:sp>
-      <p:sp>
-        <p:nvSpPr>
-          <p:cNvPr id="6" name="內容版面配置區 5">
-            <a:extLst>
-              <a:ext uri="{FF2B5EF4-FFF2-40B4-BE49-F238E27FC236}">
-                <a16:creationId xmlns:a16="http://schemas.microsoft.com/office/drawing/2014/main" id="{8E600A84-AD3F-4CCF-9AA5-DF841C8EA9FE}"/>
-              </a:ext>
-            </a:extLst>
-          </p:cNvPr>
-          <p:cNvSpPr>
-            <a:spLocks noGrp="1"/>
-          </p:cNvSpPr>
-          <p:nvPr>
-            <p:ph sz="quarter" idx="13"/>
-          </p:nvPr>
-        </p:nvSpPr>
-        <p:spPr/>
-        <p:txBody>
-          <a:bodyPr/>
-          <a:lstStyle/>
-          <a:p>
-            <a:endParaRPr lang="zh-TW" altLang="en-US"/>
-          </a:p>
-        </p:txBody>
-      </p:sp>
-      <p:sp>
-        <p:nvSpPr>
-          <p:cNvPr id="4" name="投影片編號版面配置區 3">
-            <a:extLst>
-              <a:ext uri="{FF2B5EF4-FFF2-40B4-BE49-F238E27FC236}">
-                <a16:creationId xmlns:a16="http://schemas.microsoft.com/office/drawing/2014/main" id="{675E534C-CA07-4DA8-920E-41DA60524E35}"/>
-              </a:ext>
-            </a:extLst>
-          </p:cNvPr>
-          <p:cNvSpPr>
-            <a:spLocks noGrp="1"/>
-          </p:cNvSpPr>
-          <p:nvPr>
-            <p:ph type="sldNum" sz="quarter" idx="4"/>
+            <p:ph type="sldNum" sz="quarter" idx="12"/>
           </p:nvPr>
         </p:nvSpPr>
         <p:spPr/>
@@ -12089,16 +16619,745 @@
           </a:p>
         </p:txBody>
       </p:sp>
+      <p:sp>
+        <p:nvSpPr>
+          <p:cNvPr id="11" name="文字方塊 10"/>
+          <p:cNvSpPr txBox="1"/>
+          <p:nvPr/>
+        </p:nvSpPr>
+        <p:spPr>
+          <a:xfrm>
+            <a:off x="465514" y="698267"/>
+            <a:ext cx="2031325" cy="369332"/>
+          </a:xfrm>
+          <a:prstGeom prst="rect">
+            <a:avLst/>
+          </a:prstGeom>
+          <a:noFill/>
+        </p:spPr>
+        <p:txBody>
+          <a:bodyPr wrap="none" rtlCol="0">
+            <a:spAutoFit/>
+          </a:bodyPr>
+          <a:lstStyle/>
+          <a:p>
+            <a:r>
+              <a:rPr lang="zh-TW" altLang="en-US" dirty="0"/>
+              <a:t>主</a:t>
+            </a:r>
+            <a:r>
+              <a:rPr lang="zh-TW" altLang="en-US" dirty="0" smtClean="0"/>
+              <a:t>筋支數最</a:t>
+            </a:r>
+            <a:r>
+              <a:rPr lang="zh-TW" altLang="en-US" dirty="0"/>
+              <a:t>少兩支</a:t>
+            </a:r>
+            <a:endParaRPr lang="zh-TW" altLang="en-US" dirty="0"/>
+          </a:p>
+        </p:txBody>
+      </p:sp>
+      <p:grpSp>
+        <p:nvGrpSpPr>
+          <p:cNvPr id="13" name="Group 24"/>
+          <p:cNvGrpSpPr/>
+          <p:nvPr/>
+        </p:nvGrpSpPr>
+        <p:grpSpPr>
+          <a:xfrm>
+            <a:off x="1220043" y="1448609"/>
+            <a:ext cx="708425" cy="708425"/>
+            <a:chOff x="3173014" y="2956717"/>
+            <a:chExt cx="944566" cy="944566"/>
+          </a:xfrm>
+        </p:grpSpPr>
+        <p:sp>
+          <p:nvSpPr>
+            <p:cNvPr id="14" name="Oval 25"/>
+            <p:cNvSpPr/>
+            <p:nvPr/>
+          </p:nvSpPr>
+          <p:spPr>
+            <a:xfrm>
+              <a:off x="3290491" y="3074194"/>
+              <a:ext cx="709612" cy="709612"/>
+            </a:xfrm>
+            <a:prstGeom prst="ellipse">
+              <a:avLst/>
+            </a:prstGeom>
+            <a:solidFill>
+              <a:schemeClr val="bg1">
+                <a:lumMod val="85000"/>
+              </a:schemeClr>
+            </a:solidFill>
+            <a:ln>
+              <a:noFill/>
+            </a:ln>
+          </p:spPr>
+          <p:style>
+            <a:lnRef idx="2">
+              <a:schemeClr val="accent1">
+                <a:shade val="50000"/>
+              </a:schemeClr>
+            </a:lnRef>
+            <a:fillRef idx="1">
+              <a:schemeClr val="accent1"/>
+            </a:fillRef>
+            <a:effectRef idx="0">
+              <a:schemeClr val="accent1"/>
+            </a:effectRef>
+            <a:fontRef idx="minor">
+              <a:schemeClr val="lt1"/>
+            </a:fontRef>
+          </p:style>
+          <p:txBody>
+            <a:bodyPr rtlCol="0" anchor="ctr"/>
+            <a:lstStyle/>
+            <a:p>
+              <a:pPr algn="ctr"/>
+              <a:endParaRPr lang="fr-FR" sz="1350"/>
+            </a:p>
+          </p:txBody>
+        </p:sp>
+        <p:sp>
+          <p:nvSpPr>
+            <p:cNvPr id="15" name="Oval 26"/>
+            <p:cNvSpPr/>
+            <p:nvPr/>
+          </p:nvSpPr>
+          <p:spPr>
+            <a:xfrm>
+              <a:off x="3173014" y="2956717"/>
+              <a:ext cx="944566" cy="944566"/>
+            </a:xfrm>
+            <a:prstGeom prst="ellipse">
+              <a:avLst/>
+            </a:prstGeom>
+            <a:solidFill>
+              <a:schemeClr val="bg1">
+                <a:lumMod val="85000"/>
+                <a:alpha val="42000"/>
+              </a:schemeClr>
+            </a:solidFill>
+            <a:ln>
+              <a:noFill/>
+            </a:ln>
+          </p:spPr>
+          <p:style>
+            <a:lnRef idx="2">
+              <a:schemeClr val="accent1">
+                <a:shade val="50000"/>
+              </a:schemeClr>
+            </a:lnRef>
+            <a:fillRef idx="1">
+              <a:schemeClr val="accent1"/>
+            </a:fillRef>
+            <a:effectRef idx="0">
+              <a:schemeClr val="accent1"/>
+            </a:effectRef>
+            <a:fontRef idx="minor">
+              <a:schemeClr val="lt1"/>
+            </a:fontRef>
+          </p:style>
+          <p:txBody>
+            <a:bodyPr rtlCol="0" anchor="ctr"/>
+            <a:lstStyle/>
+            <a:p>
+              <a:pPr algn="ctr"/>
+              <a:r>
+                <a:rPr lang="fr-FR" sz="2100" dirty="0">
+                  <a:solidFill>
+                    <a:schemeClr val="tx1"/>
+                  </a:solidFill>
+                  <a:latin typeface="Segoe UI" panose="020B0502040204020203" pitchFamily="34" charset="0"/>
+                  <a:cs typeface="Segoe UI" panose="020B0502040204020203" pitchFamily="34" charset="0"/>
+                </a:rPr>
+                <a:t>1</a:t>
+              </a:r>
+            </a:p>
+          </p:txBody>
+        </p:sp>
+      </p:grpSp>
+      <p:cxnSp>
+        <p:nvCxnSpPr>
+          <p:cNvPr id="16" name="Straight Connector 13"/>
+          <p:cNvCxnSpPr/>
+          <p:nvPr/>
+        </p:nvCxnSpPr>
+        <p:spPr>
+          <a:xfrm>
+            <a:off x="1571021" y="2157034"/>
+            <a:ext cx="0" cy="1087200"/>
+          </a:xfrm>
+          <a:prstGeom prst="line">
+            <a:avLst/>
+          </a:prstGeom>
+          <a:ln w="28575">
+            <a:solidFill>
+              <a:srgbClr val="EDECEC"/>
+            </a:solidFill>
+          </a:ln>
+        </p:spPr>
+        <p:style>
+          <a:lnRef idx="1">
+            <a:schemeClr val="accent1"/>
+          </a:lnRef>
+          <a:fillRef idx="0">
+            <a:schemeClr val="accent1"/>
+          </a:fillRef>
+          <a:effectRef idx="0">
+            <a:schemeClr val="accent1"/>
+          </a:effectRef>
+          <a:fontRef idx="minor">
+            <a:schemeClr val="tx1"/>
+          </a:fontRef>
+        </p:style>
+      </p:cxnSp>
+      <p:grpSp>
+        <p:nvGrpSpPr>
+          <p:cNvPr id="18" name="Group 1"/>
+          <p:cNvGrpSpPr/>
+          <p:nvPr/>
+        </p:nvGrpSpPr>
+        <p:grpSpPr>
+          <a:xfrm>
+            <a:off x="1220043" y="3244234"/>
+            <a:ext cx="708425" cy="708425"/>
+            <a:chOff x="3173014" y="2956717"/>
+            <a:chExt cx="944566" cy="944566"/>
+          </a:xfrm>
+        </p:grpSpPr>
+        <p:sp>
+          <p:nvSpPr>
+            <p:cNvPr id="19" name="Oval 18"/>
+            <p:cNvSpPr/>
+            <p:nvPr/>
+          </p:nvSpPr>
+          <p:spPr>
+            <a:xfrm>
+              <a:off x="3290491" y="3074194"/>
+              <a:ext cx="709612" cy="709612"/>
+            </a:xfrm>
+            <a:prstGeom prst="ellipse">
+              <a:avLst/>
+            </a:prstGeom>
+            <a:solidFill>
+              <a:schemeClr val="bg1">
+                <a:lumMod val="85000"/>
+              </a:schemeClr>
+            </a:solidFill>
+            <a:ln>
+              <a:noFill/>
+            </a:ln>
+          </p:spPr>
+          <p:style>
+            <a:lnRef idx="2">
+              <a:schemeClr val="accent1">
+                <a:shade val="50000"/>
+              </a:schemeClr>
+            </a:lnRef>
+            <a:fillRef idx="1">
+              <a:schemeClr val="accent1"/>
+            </a:fillRef>
+            <a:effectRef idx="0">
+              <a:schemeClr val="accent1"/>
+            </a:effectRef>
+            <a:fontRef idx="minor">
+              <a:schemeClr val="lt1"/>
+            </a:fontRef>
+          </p:style>
+          <p:txBody>
+            <a:bodyPr rtlCol="0" anchor="ctr"/>
+            <a:lstStyle/>
+            <a:p>
+              <a:pPr algn="ctr"/>
+              <a:endParaRPr lang="fr-FR" sz="1350" dirty="0"/>
+            </a:p>
+          </p:txBody>
+        </p:sp>
+        <p:sp>
+          <p:nvSpPr>
+            <p:cNvPr id="20" name="Oval 22"/>
+            <p:cNvSpPr/>
+            <p:nvPr/>
+          </p:nvSpPr>
+          <p:spPr>
+            <a:xfrm>
+              <a:off x="3173014" y="2956717"/>
+              <a:ext cx="944566" cy="944566"/>
+            </a:xfrm>
+            <a:prstGeom prst="ellipse">
+              <a:avLst/>
+            </a:prstGeom>
+            <a:solidFill>
+              <a:schemeClr val="bg1">
+                <a:lumMod val="85000"/>
+                <a:alpha val="42000"/>
+              </a:schemeClr>
+            </a:solidFill>
+            <a:ln>
+              <a:noFill/>
+            </a:ln>
+          </p:spPr>
+          <p:style>
+            <a:lnRef idx="2">
+              <a:schemeClr val="accent1">
+                <a:shade val="50000"/>
+              </a:schemeClr>
+            </a:lnRef>
+            <a:fillRef idx="1">
+              <a:schemeClr val="accent1"/>
+            </a:fillRef>
+            <a:effectRef idx="0">
+              <a:schemeClr val="accent1"/>
+            </a:effectRef>
+            <a:fontRef idx="minor">
+              <a:schemeClr val="lt1"/>
+            </a:fontRef>
+          </p:style>
+          <p:txBody>
+            <a:bodyPr rtlCol="0" anchor="ctr"/>
+            <a:lstStyle/>
+            <a:p>
+              <a:pPr algn="ctr"/>
+              <a:r>
+                <a:rPr lang="fr-FR" sz="2100" dirty="0">
+                  <a:solidFill>
+                    <a:schemeClr val="tx1"/>
+                  </a:solidFill>
+                  <a:latin typeface="Segoe UI" panose="020B0502040204020203" pitchFamily="34" charset="0"/>
+                  <a:cs typeface="Segoe UI" panose="020B0502040204020203" pitchFamily="34" charset="0"/>
+                </a:rPr>
+                <a:t>2</a:t>
+              </a:r>
+            </a:p>
+          </p:txBody>
+        </p:sp>
+      </p:grpSp>
+      <p:grpSp>
+        <p:nvGrpSpPr>
+          <p:cNvPr id="21" name="Group 27"/>
+          <p:cNvGrpSpPr/>
+          <p:nvPr/>
+        </p:nvGrpSpPr>
+        <p:grpSpPr>
+          <a:xfrm>
+            <a:off x="1220043" y="5039859"/>
+            <a:ext cx="708425" cy="708425"/>
+            <a:chOff x="3173014" y="2956717"/>
+            <a:chExt cx="944566" cy="944566"/>
+          </a:xfrm>
+        </p:grpSpPr>
+        <p:sp>
+          <p:nvSpPr>
+            <p:cNvPr id="22" name="Oval 28"/>
+            <p:cNvSpPr/>
+            <p:nvPr/>
+          </p:nvSpPr>
+          <p:spPr>
+            <a:xfrm>
+              <a:off x="3290491" y="3074194"/>
+              <a:ext cx="709612" cy="709612"/>
+            </a:xfrm>
+            <a:prstGeom prst="ellipse">
+              <a:avLst/>
+            </a:prstGeom>
+            <a:solidFill>
+              <a:schemeClr val="bg1">
+                <a:lumMod val="85000"/>
+              </a:schemeClr>
+            </a:solidFill>
+            <a:ln>
+              <a:noFill/>
+            </a:ln>
+          </p:spPr>
+          <p:style>
+            <a:lnRef idx="2">
+              <a:schemeClr val="accent1">
+                <a:shade val="50000"/>
+              </a:schemeClr>
+            </a:lnRef>
+            <a:fillRef idx="1">
+              <a:schemeClr val="accent1"/>
+            </a:fillRef>
+            <a:effectRef idx="0">
+              <a:schemeClr val="accent1"/>
+            </a:effectRef>
+            <a:fontRef idx="minor">
+              <a:schemeClr val="lt1"/>
+            </a:fontRef>
+          </p:style>
+          <p:txBody>
+            <a:bodyPr rtlCol="0" anchor="ctr"/>
+            <a:lstStyle/>
+            <a:p>
+              <a:pPr algn="ctr"/>
+              <a:endParaRPr lang="fr-FR" sz="1350"/>
+            </a:p>
+          </p:txBody>
+        </p:sp>
+        <p:sp>
+          <p:nvSpPr>
+            <p:cNvPr id="23" name="Oval 29"/>
+            <p:cNvSpPr/>
+            <p:nvPr/>
+          </p:nvSpPr>
+          <p:spPr>
+            <a:xfrm>
+              <a:off x="3173014" y="2956717"/>
+              <a:ext cx="944566" cy="944566"/>
+            </a:xfrm>
+            <a:prstGeom prst="ellipse">
+              <a:avLst/>
+            </a:prstGeom>
+            <a:solidFill>
+              <a:schemeClr val="bg1">
+                <a:lumMod val="85000"/>
+                <a:alpha val="42000"/>
+              </a:schemeClr>
+            </a:solidFill>
+            <a:ln>
+              <a:noFill/>
+            </a:ln>
+          </p:spPr>
+          <p:style>
+            <a:lnRef idx="2">
+              <a:schemeClr val="accent1">
+                <a:shade val="50000"/>
+              </a:schemeClr>
+            </a:lnRef>
+            <a:fillRef idx="1">
+              <a:schemeClr val="accent1"/>
+            </a:fillRef>
+            <a:effectRef idx="0">
+              <a:schemeClr val="accent1"/>
+            </a:effectRef>
+            <a:fontRef idx="minor">
+              <a:schemeClr val="lt1"/>
+            </a:fontRef>
+          </p:style>
+          <p:txBody>
+            <a:bodyPr rtlCol="0" anchor="ctr"/>
+            <a:lstStyle/>
+            <a:p>
+              <a:pPr algn="ctr"/>
+              <a:r>
+                <a:rPr lang="fr-FR" sz="2100" dirty="0">
+                  <a:solidFill>
+                    <a:schemeClr val="tx1"/>
+                  </a:solidFill>
+                  <a:latin typeface="Segoe UI" panose="020B0502040204020203" pitchFamily="34" charset="0"/>
+                  <a:cs typeface="Segoe UI" panose="020B0502040204020203" pitchFamily="34" charset="0"/>
+                </a:rPr>
+                <a:t>3</a:t>
+              </a:r>
+            </a:p>
+          </p:txBody>
+        </p:sp>
+      </p:grpSp>
+      <p:cxnSp>
+        <p:nvCxnSpPr>
+          <p:cNvPr id="24" name="Straight Connector 13"/>
+          <p:cNvCxnSpPr/>
+          <p:nvPr/>
+        </p:nvCxnSpPr>
+        <p:spPr>
+          <a:xfrm>
+            <a:off x="1571021" y="3952659"/>
+            <a:ext cx="0" cy="1087200"/>
+          </a:xfrm>
+          <a:prstGeom prst="line">
+            <a:avLst/>
+          </a:prstGeom>
+          <a:ln w="28575">
+            <a:solidFill>
+              <a:srgbClr val="EDECEC"/>
+            </a:solidFill>
+          </a:ln>
+        </p:spPr>
+        <p:style>
+          <a:lnRef idx="1">
+            <a:schemeClr val="accent1"/>
+          </a:lnRef>
+          <a:fillRef idx="0">
+            <a:schemeClr val="accent1"/>
+          </a:fillRef>
+          <a:effectRef idx="0">
+            <a:schemeClr val="accent1"/>
+          </a:effectRef>
+          <a:fontRef idx="minor">
+            <a:schemeClr val="tx1"/>
+          </a:fontRef>
+        </p:style>
+      </p:cxnSp>
+      <p:sp>
+        <p:nvSpPr>
+          <p:cNvPr id="27" name="TextBox 98"/>
+          <p:cNvSpPr txBox="1"/>
+          <p:nvPr/>
+        </p:nvSpPr>
+        <p:spPr>
+          <a:xfrm>
+            <a:off x="2525567" y="1616024"/>
+            <a:ext cx="4806886" cy="323165"/>
+          </a:xfrm>
+          <a:prstGeom prst="rect">
+            <a:avLst/>
+          </a:prstGeom>
+          <a:noFill/>
+        </p:spPr>
+        <p:txBody>
+          <a:bodyPr wrap="square" lIns="0" rtlCol="0" anchor="t">
+            <a:spAutoFit/>
+          </a:bodyPr>
+          <a:lstStyle/>
+          <a:p>
+            <a:r>
+              <a:rPr lang="zh-TW" altLang="en-US" sz="1500" dirty="0" smtClean="0">
+                <a:latin typeface="Segoe UI Light" panose="020B0502040204020203" pitchFamily="34" charset="0"/>
+                <a:cs typeface="Segoe UI Light" panose="020B0502040204020203" pitchFamily="34" charset="0"/>
+              </a:rPr>
+              <a:t>取出</a:t>
+            </a:r>
+            <a:r>
+              <a:rPr lang="en-US" altLang="zh-TW" sz="1500" dirty="0" smtClean="0">
+                <a:latin typeface="Segoe UI Light" panose="020B0502040204020203" pitchFamily="34" charset="0"/>
+                <a:cs typeface="Segoe UI Light" panose="020B0502040204020203" pitchFamily="34" charset="0"/>
+              </a:rPr>
+              <a:t>:</a:t>
+            </a:r>
+            <a:r>
+              <a:rPr lang="zh-TW" altLang="en-US" sz="1500" dirty="0" smtClean="0">
+                <a:latin typeface="Segoe UI Light" panose="020B0502040204020203" pitchFamily="34" charset="0"/>
+                <a:cs typeface="Segoe UI Light" panose="020B0502040204020203" pitchFamily="34" charset="0"/>
+              </a:rPr>
+              <a:t> </a:t>
+            </a:r>
+            <a:r>
+              <a:rPr lang="zh-TW" altLang="en-US" sz="1500" dirty="0" smtClean="0">
+                <a:latin typeface="Segoe UI Light" panose="020B0502040204020203" pitchFamily="34" charset="0"/>
+                <a:cs typeface="Segoe UI Light" panose="020B0502040204020203" pitchFamily="34" charset="0"/>
+              </a:rPr>
+              <a:t>主筋支數</a:t>
+            </a:r>
+            <a:endParaRPr lang="fr-FR" sz="1500" dirty="0">
+              <a:latin typeface="Segoe UI Light" panose="020B0502040204020203" pitchFamily="34" charset="0"/>
+              <a:cs typeface="Segoe UI Light" panose="020B0502040204020203" pitchFamily="34" charset="0"/>
+            </a:endParaRPr>
+          </a:p>
+        </p:txBody>
+      </p:sp>
+      <p:sp>
+        <p:nvSpPr>
+          <p:cNvPr id="31" name="TextBox 98"/>
+          <p:cNvSpPr txBox="1"/>
+          <p:nvPr/>
+        </p:nvSpPr>
+        <p:spPr>
+          <a:xfrm>
+            <a:off x="2525566" y="3112297"/>
+            <a:ext cx="6178487" cy="323165"/>
+          </a:xfrm>
+          <a:prstGeom prst="rect">
+            <a:avLst/>
+          </a:prstGeom>
+          <a:noFill/>
+        </p:spPr>
+        <p:txBody>
+          <a:bodyPr wrap="square" lIns="0" rtlCol="0" anchor="t">
+            <a:spAutoFit/>
+          </a:bodyPr>
+          <a:lstStyle/>
+          <a:p>
+            <a:r>
+              <a:rPr lang="zh-TW" altLang="en-US" sz="1500" dirty="0" smtClean="0">
+                <a:latin typeface="Segoe UI Light" panose="020B0502040204020203" pitchFamily="34" charset="0"/>
+                <a:cs typeface="Segoe UI Light" panose="020B0502040204020203" pitchFamily="34" charset="0"/>
+              </a:rPr>
+              <a:t>判斷</a:t>
+            </a:r>
+            <a:r>
+              <a:rPr lang="en-US" altLang="zh-TW" sz="1500" dirty="0" smtClean="0">
+                <a:latin typeface="Segoe UI Light" panose="020B0502040204020203" pitchFamily="34" charset="0"/>
+                <a:cs typeface="Segoe UI Light" panose="020B0502040204020203" pitchFamily="34" charset="0"/>
+              </a:rPr>
+              <a:t>:</a:t>
+            </a:r>
+            <a:r>
+              <a:rPr lang="zh-TW" altLang="en-US" sz="1500" dirty="0" smtClean="0">
+                <a:latin typeface="Segoe UI Light" panose="020B0502040204020203" pitchFamily="34" charset="0"/>
+                <a:cs typeface="Segoe UI Light" panose="020B0502040204020203" pitchFamily="34" charset="0"/>
+              </a:rPr>
+              <a:t> </a:t>
+            </a:r>
+            <a:r>
+              <a:rPr lang="zh-TW" altLang="en-US" sz="1500" dirty="0" smtClean="0">
+                <a:latin typeface="Segoe UI Light" panose="020B0502040204020203" pitchFamily="34" charset="0"/>
+                <a:cs typeface="Segoe UI Light" panose="020B0502040204020203" pitchFamily="34" charset="0"/>
+              </a:rPr>
+              <a:t>主</a:t>
+            </a:r>
+            <a:r>
+              <a:rPr lang="zh-TW" altLang="en-US" sz="1500" dirty="0">
+                <a:latin typeface="Segoe UI Light" panose="020B0502040204020203" pitchFamily="34" charset="0"/>
+                <a:cs typeface="Segoe UI Light" panose="020B0502040204020203" pitchFamily="34" charset="0"/>
+              </a:rPr>
+              <a:t>筋支</a:t>
+            </a:r>
+            <a:r>
+              <a:rPr lang="zh-TW" altLang="en-US" sz="1500" dirty="0" smtClean="0">
+                <a:latin typeface="Segoe UI Light" panose="020B0502040204020203" pitchFamily="34" charset="0"/>
+                <a:cs typeface="Segoe UI Light" panose="020B0502040204020203" pitchFamily="34" charset="0"/>
+              </a:rPr>
+              <a:t>數</a:t>
+            </a:r>
+            <a:r>
+              <a:rPr lang="zh-TW" altLang="en-US" sz="1500" dirty="0">
+                <a:latin typeface="Segoe UI Light" panose="020B0502040204020203" pitchFamily="34" charset="0"/>
+                <a:cs typeface="Segoe UI Light" panose="020B0502040204020203" pitchFamily="34" charset="0"/>
+              </a:rPr>
+              <a:t> </a:t>
+            </a:r>
+            <a:r>
+              <a:rPr lang="en-US" altLang="zh-TW" sz="1500" dirty="0" smtClean="0">
+                <a:latin typeface="Segoe UI Light" panose="020B0502040204020203" pitchFamily="34" charset="0"/>
+                <a:cs typeface="Segoe UI Light" panose="020B0502040204020203" pitchFamily="34" charset="0"/>
+              </a:rPr>
+              <a:t>&gt;</a:t>
+            </a:r>
+            <a:r>
+              <a:rPr lang="zh-TW" altLang="en-US" sz="1500" dirty="0" smtClean="0">
+                <a:latin typeface="Segoe UI Light" panose="020B0502040204020203" pitchFamily="34" charset="0"/>
+                <a:cs typeface="Segoe UI Light" panose="020B0502040204020203" pitchFamily="34" charset="0"/>
+              </a:rPr>
+              <a:t> </a:t>
+            </a:r>
+            <a:r>
+              <a:rPr lang="en-US" altLang="zh-TW" sz="1500" dirty="0" smtClean="0">
+                <a:latin typeface="Segoe UI Light" panose="020B0502040204020203" pitchFamily="34" charset="0"/>
+                <a:cs typeface="Segoe UI Light" panose="020B0502040204020203" pitchFamily="34" charset="0"/>
+              </a:rPr>
+              <a:t>2</a:t>
+            </a:r>
+            <a:endParaRPr lang="fr-FR" sz="1500" dirty="0">
+              <a:latin typeface="Segoe UI Light" panose="020B0502040204020203" pitchFamily="34" charset="0"/>
+              <a:cs typeface="Segoe UI Light" panose="020B0502040204020203" pitchFamily="34" charset="0"/>
+            </a:endParaRPr>
+          </a:p>
+        </p:txBody>
+      </p:sp>
+      <p:sp>
+        <p:nvSpPr>
+          <p:cNvPr id="32" name="TextBox 98"/>
+          <p:cNvSpPr txBox="1"/>
+          <p:nvPr/>
+        </p:nvSpPr>
+        <p:spPr>
+          <a:xfrm>
+            <a:off x="2525566" y="4929497"/>
+            <a:ext cx="6075124" cy="553998"/>
+          </a:xfrm>
+          <a:prstGeom prst="rect">
+            <a:avLst/>
+          </a:prstGeom>
+          <a:noFill/>
+        </p:spPr>
+        <p:txBody>
+          <a:bodyPr wrap="square" lIns="0" rtlCol="0" anchor="t">
+            <a:spAutoFit/>
+          </a:bodyPr>
+          <a:lstStyle/>
+          <a:p>
+            <a:r>
+              <a:rPr lang="zh-TW" altLang="en-US" sz="1500" dirty="0" smtClean="0">
+                <a:latin typeface="Segoe UI Light" panose="020B0502040204020203" pitchFamily="34" charset="0"/>
+                <a:cs typeface="Segoe UI Light" panose="020B0502040204020203" pitchFamily="34" charset="0"/>
+              </a:rPr>
+              <a:t>是</a:t>
+            </a:r>
+            <a:r>
+              <a:rPr lang="en-US" altLang="zh-TW" sz="1500" dirty="0" smtClean="0">
+                <a:latin typeface="Segoe UI Light" panose="020B0502040204020203" pitchFamily="34" charset="0"/>
+                <a:cs typeface="Segoe UI Light" panose="020B0502040204020203" pitchFamily="34" charset="0"/>
+              </a:rPr>
+              <a:t>:</a:t>
+            </a:r>
+            <a:r>
+              <a:rPr lang="zh-TW" altLang="en-US" sz="1500" dirty="0" smtClean="0">
+                <a:latin typeface="Segoe UI Light" panose="020B0502040204020203" pitchFamily="34" charset="0"/>
+                <a:cs typeface="Segoe UI Light" panose="020B0502040204020203" pitchFamily="34" charset="0"/>
+              </a:rPr>
+              <a:t> </a:t>
+            </a:r>
+            <a:r>
+              <a:rPr lang="en-US" altLang="zh-TW" sz="1500" dirty="0" smtClean="0">
+                <a:latin typeface="Segoe UI Light" panose="020B0502040204020203" pitchFamily="34" charset="0"/>
+                <a:cs typeface="Segoe UI Light" panose="020B0502040204020203" pitchFamily="34" charset="0"/>
+              </a:rPr>
+              <a:t>OK</a:t>
+            </a:r>
+          </a:p>
+          <a:p>
+            <a:r>
+              <a:rPr lang="zh-TW" altLang="en-US" sz="1500" dirty="0" smtClean="0">
+                <a:latin typeface="Segoe UI Light" panose="020B0502040204020203" pitchFamily="34" charset="0"/>
+                <a:cs typeface="Segoe UI Light" panose="020B0502040204020203" pitchFamily="34" charset="0"/>
+              </a:rPr>
+              <a:t>否</a:t>
+            </a:r>
+            <a:r>
+              <a:rPr lang="en-US" altLang="zh-TW" sz="1500" dirty="0" smtClean="0">
+                <a:latin typeface="Segoe UI Light" panose="020B0502040204020203" pitchFamily="34" charset="0"/>
+                <a:cs typeface="Segoe UI Light" panose="020B0502040204020203" pitchFamily="34" charset="0"/>
+              </a:rPr>
+              <a:t>:</a:t>
+            </a:r>
+            <a:r>
+              <a:rPr lang="zh-TW" altLang="en-US" sz="1500" dirty="0" smtClean="0">
+                <a:latin typeface="Segoe UI Light" panose="020B0502040204020203" pitchFamily="34" charset="0"/>
+                <a:cs typeface="Segoe UI Light" panose="020B0502040204020203" pitchFamily="34" charset="0"/>
+              </a:rPr>
+              <a:t> </a:t>
+            </a:r>
+            <a:r>
+              <a:rPr lang="en-US" altLang="zh-TW" sz="1500" dirty="0">
+                <a:latin typeface="Segoe UI Light" panose="020B0502040204020203" pitchFamily="34" charset="0"/>
+                <a:cs typeface="Segoe UI Light" panose="020B0502040204020203" pitchFamily="34" charset="0"/>
+              </a:rPr>
+              <a:t>【0107】</a:t>
+            </a:r>
+            <a:r>
+              <a:rPr lang="zh-TW" altLang="en-US" sz="1500" dirty="0">
+                <a:latin typeface="Segoe UI Light" panose="020B0502040204020203" pitchFamily="34" charset="0"/>
+                <a:cs typeface="Segoe UI Light" panose="020B0502040204020203" pitchFamily="34" charset="0"/>
+              </a:rPr>
+              <a:t>請確認鋼筋間距，是否符合單排支數下限規定</a:t>
+            </a:r>
+            <a:endParaRPr lang="fr-FR" sz="1500" dirty="0">
+              <a:latin typeface="Segoe UI Light" panose="020B0502040204020203" pitchFamily="34" charset="0"/>
+              <a:cs typeface="Segoe UI Light" panose="020B0502040204020203" pitchFamily="34" charset="0"/>
+            </a:endParaRPr>
+          </a:p>
+        </p:txBody>
+      </p:sp>
     </p:spTree>
     <p:extLst>
       <p:ext uri="{BB962C8B-B14F-4D97-AF65-F5344CB8AC3E}">
-        <p14:creationId xmlns:p14="http://schemas.microsoft.com/office/powerpoint/2010/main" val="2273041250"/>
+        <p14:creationId xmlns:p14="http://schemas.microsoft.com/office/powerpoint/2010/main" val="2107931682"/>
       </p:ext>
     </p:extLst>
   </p:cSld>
   <p:clrMapOvr>
     <a:masterClrMapping/>
   </p:clrMapOvr>
+  <mc:AlternateContent xmlns:mc="http://schemas.openxmlformats.org/markup-compatibility/2006" xmlns:p14="http://schemas.microsoft.com/office/powerpoint/2010/main">
+    <mc:Choice Requires="p14">
+      <p:transition spd="slow" p14:dur="2000"/>
+    </mc:Choice>
+    <mc:Fallback xmlns="">
+      <p:transition spd="slow"/>
+    </mc:Fallback>
+  </mc:AlternateContent>
 </p:sld>
 </file>
 
@@ -12121,18 +17380,12 @@
       </p:grpSpPr>
       <p:sp>
         <p:nvSpPr>
-          <p:cNvPr id="2" name="投影片編號版面配置區 1">
-            <a:extLst>
-              <a:ext uri="{FF2B5EF4-FFF2-40B4-BE49-F238E27FC236}">
-                <a16:creationId xmlns:a16="http://schemas.microsoft.com/office/drawing/2014/main" id="{911C48D5-25F9-47E5-8ABF-C4D07E4F3A3B}"/>
-              </a:ext>
-            </a:extLst>
-          </p:cNvPr>
+          <p:cNvPr id="2" name="投影片編號版面配置區 1"/>
           <p:cNvSpPr>
             <a:spLocks noGrp="1"/>
           </p:cNvSpPr>
           <p:nvPr>
-            <p:ph type="sldNum" sz="quarter" idx="4"/>
+            <p:ph type="sldNum" sz="quarter" idx="12"/>
           </p:nvPr>
         </p:nvSpPr>
         <p:spPr/>
@@ -12144,58 +17397,6 @@
               <a:rPr lang="zh-TW" altLang="en-US" smtClean="0"/>
               <a:t>7</a:t>
             </a:fld>
-            <a:endParaRPr lang="zh-TW" altLang="en-US" dirty="0"/>
-          </a:p>
-        </p:txBody>
-      </p:sp>
-      <p:sp>
-        <p:nvSpPr>
-          <p:cNvPr id="3" name="標題 2">
-            <a:extLst>
-              <a:ext uri="{FF2B5EF4-FFF2-40B4-BE49-F238E27FC236}">
-                <a16:creationId xmlns:a16="http://schemas.microsoft.com/office/drawing/2014/main" id="{11EC6981-1441-4647-AFE5-CD2E2B6D047F}"/>
-              </a:ext>
-            </a:extLst>
-          </p:cNvPr>
-          <p:cNvSpPr>
-            <a:spLocks noGrp="1"/>
-          </p:cNvSpPr>
-          <p:nvPr>
-            <p:ph type="title"/>
-          </p:nvPr>
-        </p:nvSpPr>
-        <p:spPr/>
-        <p:txBody>
-          <a:bodyPr>
-            <a:normAutofit fontScale="90000"/>
-          </a:bodyPr>
-          <a:lstStyle/>
-          <a:p>
-            <a:endParaRPr lang="zh-TW" altLang="en-US"/>
-          </a:p>
-        </p:txBody>
-      </p:sp>
-      <p:sp>
-        <p:nvSpPr>
-          <p:cNvPr id="4" name="內容版面配置區 3">
-            <a:extLst>
-              <a:ext uri="{FF2B5EF4-FFF2-40B4-BE49-F238E27FC236}">
-                <a16:creationId xmlns:a16="http://schemas.microsoft.com/office/drawing/2014/main" id="{AAC21616-AB14-4EEC-8259-AE8004642222}"/>
-              </a:ext>
-            </a:extLst>
-          </p:cNvPr>
-          <p:cNvSpPr>
-            <a:spLocks noGrp="1"/>
-          </p:cNvSpPr>
-          <p:nvPr>
-            <p:ph idx="1"/>
-          </p:nvPr>
-        </p:nvSpPr>
-        <p:spPr/>
-        <p:txBody>
-          <a:bodyPr/>
-          <a:lstStyle/>
-          <a:p>
             <a:endParaRPr lang="zh-TW" altLang="en-US"/>
           </a:p>
         </p:txBody>
@@ -12203,7 +17404,7 @@
     </p:spTree>
     <p:extLst>
       <p:ext uri="{BB962C8B-B14F-4D97-AF65-F5344CB8AC3E}">
-        <p14:creationId xmlns:p14="http://schemas.microsoft.com/office/powerpoint/2010/main" val="2889303526"/>
+        <p14:creationId xmlns:p14="http://schemas.microsoft.com/office/powerpoint/2010/main" val="2510645843"/>
       </p:ext>
     </p:extLst>
   </p:cSld>
@@ -12232,10 +17433,39 @@
       </p:grpSpPr>
       <p:sp>
         <p:nvSpPr>
+          <p:cNvPr id="4" name="投影片編號版面配置區 3">
+            <a:extLst>
+              <a:ext uri="{FF2B5EF4-FFF2-40B4-BE49-F238E27FC236}">
+                <a16:creationId xmlns:a16="http://schemas.microsoft.com/office/drawing/2014/main" id="{1EAF1B90-D3E5-49E1-9C41-89D8679F23F9}"/>
+              </a:ext>
+            </a:extLst>
+          </p:cNvPr>
+          <p:cNvSpPr>
+            <a:spLocks noGrp="1"/>
+          </p:cNvSpPr>
+          <p:nvPr>
+            <p:ph type="sldNum" sz="quarter" idx="12"/>
+          </p:nvPr>
+        </p:nvSpPr>
+        <p:spPr/>
+        <p:txBody>
+          <a:bodyPr/>
+          <a:lstStyle/>
+          <a:p>
+            <a:fld id="{83F5B54E-D686-4015-93F2-94C458F353E2}" type="slidenum">
+              <a:rPr lang="zh-TW" altLang="en-US" smtClean="0"/>
+              <a:t>8</a:t>
+            </a:fld>
+            <a:endParaRPr lang="zh-TW" altLang="en-US"/>
+          </a:p>
+        </p:txBody>
+      </p:sp>
+      <p:sp>
+        <p:nvSpPr>
           <p:cNvPr id="5" name="標題 4">
             <a:extLst>
               <a:ext uri="{FF2B5EF4-FFF2-40B4-BE49-F238E27FC236}">
-                <a16:creationId xmlns:a16="http://schemas.microsoft.com/office/drawing/2014/main" id="{BA5C8806-B2D2-4E17-8325-AD452885D24B}"/>
+                <a16:creationId xmlns:a16="http://schemas.microsoft.com/office/drawing/2014/main" id="{AE1E94E0-37E4-4F2F-8914-ED74485FED1A}"/>
               </a:ext>
             </a:extLst>
           </p:cNvPr>
@@ -12260,7 +17490,7 @@
           <p:cNvPr id="6" name="內容版面配置區 5">
             <a:extLst>
               <a:ext uri="{FF2B5EF4-FFF2-40B4-BE49-F238E27FC236}">
-                <a16:creationId xmlns:a16="http://schemas.microsoft.com/office/drawing/2014/main" id="{A7ABED3A-4CC1-4725-92FC-7680F70C3FCA}"/>
+                <a16:creationId xmlns:a16="http://schemas.microsoft.com/office/drawing/2014/main" id="{12A966CB-90EE-4FB8-967C-98D2E3E4621F}"/>
               </a:ext>
             </a:extLst>
           </p:cNvPr>
@@ -12280,39 +17510,10 @@
           </a:p>
         </p:txBody>
       </p:sp>
-      <p:sp>
-        <p:nvSpPr>
-          <p:cNvPr id="2" name="投影片編號版面配置區 1">
-            <a:extLst>
-              <a:ext uri="{FF2B5EF4-FFF2-40B4-BE49-F238E27FC236}">
-                <a16:creationId xmlns:a16="http://schemas.microsoft.com/office/drawing/2014/main" id="{0607CEAF-741E-4FC0-9224-C8FB98A568DD}"/>
-              </a:ext>
-            </a:extLst>
-          </p:cNvPr>
-          <p:cNvSpPr>
-            <a:spLocks noGrp="1"/>
-          </p:cNvSpPr>
-          <p:nvPr>
-            <p:ph type="sldNum" sz="quarter" idx="4"/>
-          </p:nvPr>
-        </p:nvSpPr>
-        <p:spPr/>
-        <p:txBody>
-          <a:bodyPr/>
-          <a:lstStyle/>
-          <a:p>
-            <a:fld id="{83F5B54E-D686-4015-93F2-94C458F353E2}" type="slidenum">
-              <a:rPr lang="zh-TW" altLang="en-US" smtClean="0"/>
-              <a:t>8</a:t>
-            </a:fld>
-            <a:endParaRPr lang="zh-TW" altLang="en-US" dirty="0"/>
-          </a:p>
-        </p:txBody>
-      </p:sp>
     </p:spTree>
     <p:extLst>
       <p:ext uri="{BB962C8B-B14F-4D97-AF65-F5344CB8AC3E}">
-        <p14:creationId xmlns:p14="http://schemas.microsoft.com/office/powerpoint/2010/main" val="473816332"/>
+        <p14:creationId xmlns:p14="http://schemas.microsoft.com/office/powerpoint/2010/main" val="4260723005"/>
       </p:ext>
     </p:extLst>
   </p:cSld>
@@ -12341,10 +17542,39 @@
       </p:grpSpPr>
       <p:sp>
         <p:nvSpPr>
+          <p:cNvPr id="4" name="投影片編號版面配置區 3">
+            <a:extLst>
+              <a:ext uri="{FF2B5EF4-FFF2-40B4-BE49-F238E27FC236}">
+                <a16:creationId xmlns:a16="http://schemas.microsoft.com/office/drawing/2014/main" id="{2C595FD7-6B9E-4C9A-95CD-4A32B909B47D}"/>
+              </a:ext>
+            </a:extLst>
+          </p:cNvPr>
+          <p:cNvSpPr>
+            <a:spLocks noGrp="1"/>
+          </p:cNvSpPr>
+          <p:nvPr>
+            <p:ph type="sldNum" sz="quarter" idx="12"/>
+          </p:nvPr>
+        </p:nvSpPr>
+        <p:spPr/>
+        <p:txBody>
+          <a:bodyPr/>
+          <a:lstStyle/>
+          <a:p>
+            <a:fld id="{83F5B54E-D686-4015-93F2-94C458F353E2}" type="slidenum">
+              <a:rPr lang="zh-TW" altLang="en-US" smtClean="0"/>
+              <a:t>9</a:t>
+            </a:fld>
+            <a:endParaRPr lang="zh-TW" altLang="en-US"/>
+          </a:p>
+        </p:txBody>
+      </p:sp>
+      <p:sp>
+        <p:nvSpPr>
           <p:cNvPr id="5" name="標題 4">
             <a:extLst>
               <a:ext uri="{FF2B5EF4-FFF2-40B4-BE49-F238E27FC236}">
-                <a16:creationId xmlns:a16="http://schemas.microsoft.com/office/drawing/2014/main" id="{E536CEEF-4E59-4178-BA31-7E4D14609E4C}"/>
+                <a16:creationId xmlns:a16="http://schemas.microsoft.com/office/drawing/2014/main" id="{C98FB3C8-9970-4E43-B419-B6CB1E14A167}"/>
               </a:ext>
             </a:extLst>
           </p:cNvPr>
@@ -12364,39 +17594,10 @@
           </a:p>
         </p:txBody>
       </p:sp>
-      <p:sp>
-        <p:nvSpPr>
-          <p:cNvPr id="2" name="投影片編號版面配置區 1">
-            <a:extLst>
-              <a:ext uri="{FF2B5EF4-FFF2-40B4-BE49-F238E27FC236}">
-                <a16:creationId xmlns:a16="http://schemas.microsoft.com/office/drawing/2014/main" id="{285B4A9C-8EB0-4C99-A201-6BB01CCF1B56}"/>
-              </a:ext>
-            </a:extLst>
-          </p:cNvPr>
-          <p:cNvSpPr>
-            <a:spLocks noGrp="1"/>
-          </p:cNvSpPr>
-          <p:nvPr>
-            <p:ph type="sldNum" sz="quarter" idx="4"/>
-          </p:nvPr>
-        </p:nvSpPr>
-        <p:spPr/>
-        <p:txBody>
-          <a:bodyPr/>
-          <a:lstStyle/>
-          <a:p>
-            <a:fld id="{83F5B54E-D686-4015-93F2-94C458F353E2}" type="slidenum">
-              <a:rPr lang="zh-TW" altLang="en-US" smtClean="0"/>
-              <a:t>9</a:t>
-            </a:fld>
-            <a:endParaRPr lang="zh-TW" altLang="en-US" dirty="0"/>
-          </a:p>
-        </p:txBody>
-      </p:sp>
     </p:spTree>
     <p:extLst>
       <p:ext uri="{BB962C8B-B14F-4D97-AF65-F5344CB8AC3E}">
-        <p14:creationId xmlns:p14="http://schemas.microsoft.com/office/powerpoint/2010/main" val="449391310"/>
+        <p14:creationId xmlns:p14="http://schemas.microsoft.com/office/powerpoint/2010/main" val="1113941852"/>
       </p:ext>
     </p:extLst>
   </p:cSld>

--- a/20170524_RCScan/2018-1207 RC SCAN 說明文件.pptx
+++ b/20170524_RCScan/2018-1207 RC SCAN 說明文件.pptx
@@ -7,7 +7,7 @@
     <p:sldMasterId id="2147483702" r:id="rId3"/>
   </p:sldMasterIdLst>
   <p:notesMasterIdLst>
-    <p:notesMasterId r:id="rId30"/>
+    <p:notesMasterId r:id="rId35"/>
   </p:notesMasterIdLst>
   <p:sldIdLst>
     <p:sldId id="274" r:id="rId4"/>
@@ -33,9 +33,14 @@
     <p:sldId id="300" r:id="rId24"/>
     <p:sldId id="301" r:id="rId25"/>
     <p:sldId id="302" r:id="rId26"/>
-    <p:sldId id="265" r:id="rId27"/>
-    <p:sldId id="266" r:id="rId28"/>
-    <p:sldId id="267" r:id="rId29"/>
+    <p:sldId id="303" r:id="rId27"/>
+    <p:sldId id="304" r:id="rId28"/>
+    <p:sldId id="305" r:id="rId29"/>
+    <p:sldId id="306" r:id="rId30"/>
+    <p:sldId id="307" r:id="rId31"/>
+    <p:sldId id="265" r:id="rId32"/>
+    <p:sldId id="266" r:id="rId33"/>
+    <p:sldId id="267" r:id="rId34"/>
   </p:sldIdLst>
   <p:sldSz cx="9144000" cy="6858000" type="screen4x3"/>
   <p:notesSz cx="6858000" cy="9144000"/>
@@ -176,6 +181,11 @@
         <p14:section name="PURPLE THEME" id="{BAA48192-D5C0-4ACE-A8ED-1FDEAD944A1D}">
           <p14:sldIdLst>
             <p14:sldId id="302"/>
+            <p14:sldId id="303"/>
+            <p14:sldId id="304"/>
+            <p14:sldId id="305"/>
+            <p14:sldId id="306"/>
+            <p14:sldId id="307"/>
             <p14:sldId id="265"/>
             <p14:sldId id="266"/>
             <p14:sldId id="267"/>
@@ -933,6 +943,130 @@
     <p:extLst>
       <p:ext uri="{BB962C8B-B14F-4D97-AF65-F5344CB8AC3E}">
         <p14:creationId xmlns:p14="http://schemas.microsoft.com/office/powerpoint/2010/main" val="1661178722"/>
+      </p:ext>
+    </p:extLst>
+  </p:cSld>
+  <p:clrMapOvr>
+    <a:masterClrMapping/>
+  </p:clrMapOvr>
+</p:notes>
+</file>
+
+<file path=ppt/notesSlides/notesSlide13.xml><?xml version="1.0" encoding="utf-8"?>
+<p:notes xmlns:a="http://schemas.openxmlformats.org/drawingml/2006/main" xmlns:r="http://schemas.openxmlformats.org/officeDocument/2006/relationships" xmlns:p="http://schemas.openxmlformats.org/presentationml/2006/main">
+  <p:cSld>
+    <p:spTree>
+      <p:nvGrpSpPr>
+        <p:cNvPr id="1" name=""/>
+        <p:cNvGrpSpPr/>
+        <p:nvPr/>
+      </p:nvGrpSpPr>
+      <p:grpSpPr>
+        <a:xfrm>
+          <a:off x="0" y="0"/>
+          <a:ext cx="0" cy="0"/>
+          <a:chOff x="0" y="0"/>
+          <a:chExt cx="0" cy="0"/>
+        </a:xfrm>
+      </p:grpSpPr>
+      <p:sp>
+        <p:nvSpPr>
+          <p:cNvPr id="2" name="投影片圖像版面配置區 1"/>
+          <p:cNvSpPr>
+            <a:spLocks noGrp="1" noRot="1" noChangeAspect="1"/>
+          </p:cNvSpPr>
+          <p:nvPr>
+            <p:ph type="sldImg"/>
+          </p:nvPr>
+        </p:nvSpPr>
+        <p:spPr/>
+      </p:sp>
+      <p:sp>
+        <p:nvSpPr>
+          <p:cNvPr id="3" name="備忘稿版面配置區 2"/>
+          <p:cNvSpPr>
+            <a:spLocks noGrp="1"/>
+          </p:cNvSpPr>
+          <p:nvPr>
+            <p:ph type="body" idx="1"/>
+          </p:nvPr>
+        </p:nvSpPr>
+        <p:spPr/>
+        <p:txBody>
+          <a:bodyPr/>
+          <a:lstStyle/>
+          <a:p>
+            <a:r>
+              <a:rPr lang="zh-TW" altLang="en-US" dirty="0"/>
+              <a:t>有效梁深 </a:t>
+            </a:r>
+            <a:r>
+              <a:rPr lang="en-US" altLang="zh-TW" dirty="0"/>
+              <a:t>=</a:t>
+            </a:r>
+            <a:r>
+              <a:rPr lang="zh-TW" altLang="en-US" dirty="0"/>
+              <a:t> 梁深 </a:t>
+            </a:r>
+            <a:r>
+              <a:rPr lang="en-US" altLang="zh-TW" dirty="0"/>
+              <a:t>–</a:t>
+            </a:r>
+            <a:r>
+              <a:rPr lang="zh-TW" altLang="en-US" dirty="0"/>
+              <a:t> 保護層 </a:t>
+            </a:r>
+            <a:r>
+              <a:rPr lang="en-US" altLang="zh-TW" dirty="0"/>
+              <a:t>–</a:t>
+            </a:r>
+            <a:r>
+              <a:rPr lang="zh-TW" altLang="en-US" dirty="0"/>
+              <a:t> 箍筋直徑 </a:t>
+            </a:r>
+            <a:r>
+              <a:rPr lang="en-US" altLang="zh-TW" dirty="0"/>
+              <a:t>–</a:t>
+            </a:r>
+            <a:r>
+              <a:rPr lang="zh-TW" altLang="en-US" dirty="0"/>
+              <a:t> 主筋直徑 * </a:t>
+            </a:r>
+            <a:r>
+              <a:rPr lang="en-US" altLang="zh-TW" dirty="0"/>
+              <a:t>1.5</a:t>
+            </a:r>
+            <a:endParaRPr lang="zh-TW" altLang="en-US" dirty="0"/>
+          </a:p>
+        </p:txBody>
+      </p:sp>
+      <p:sp>
+        <p:nvSpPr>
+          <p:cNvPr id="4" name="投影片編號版面配置區 3"/>
+          <p:cNvSpPr>
+            <a:spLocks noGrp="1"/>
+          </p:cNvSpPr>
+          <p:nvPr>
+            <p:ph type="sldNum" sz="quarter" idx="10"/>
+          </p:nvPr>
+        </p:nvSpPr>
+        <p:spPr/>
+        <p:txBody>
+          <a:bodyPr/>
+          <a:lstStyle/>
+          <a:p>
+            <a:fld id="{1DC37380-3A7D-4D27-ADF2-E3226C5308C0}" type="slidenum">
+              <a:rPr lang="zh-TW" altLang="en-US" smtClean="0"/>
+              <a:t>27</a:t>
+            </a:fld>
+            <a:endParaRPr lang="zh-TW" altLang="en-US"/>
+          </a:p>
+        </p:txBody>
+      </p:sp>
+    </p:spTree>
+    <p:extLst>
+      <p:ext uri="{BB962C8B-B14F-4D97-AF65-F5344CB8AC3E}">
+        <p14:creationId xmlns:p14="http://schemas.microsoft.com/office/powerpoint/2010/main" val="1793284480"/>
       </p:ext>
     </p:extLst>
   </p:cSld>
@@ -27749,10 +27883,10 @@
       </p:grpSpPr>
       <p:sp>
         <p:nvSpPr>
-          <p:cNvPr id="2" name="內容版面配置區 1">
+          <p:cNvPr id="2" name="投影片編號版面配置區 1">
             <a:extLst>
               <a:ext uri="{FF2B5EF4-FFF2-40B4-BE49-F238E27FC236}">
-                <a16:creationId xmlns:a16="http://schemas.microsoft.com/office/drawing/2014/main" id="{02501F50-22DA-4D63-B62F-ABE24C9A04A3}"/>
+                <a16:creationId xmlns:a16="http://schemas.microsoft.com/office/drawing/2014/main" id="{911C48D5-25F9-47E5-8ABF-C4D07E4F3A3B}"/>
               </a:ext>
             </a:extLst>
           </p:cNvPr>
@@ -27760,7 +27894,7 @@
             <a:spLocks noGrp="1"/>
           </p:cNvSpPr>
           <p:nvPr>
-            <p:ph idx="1"/>
+            <p:ph type="sldNum" sz="quarter" idx="4"/>
           </p:nvPr>
         </p:nvSpPr>
         <p:spPr/>
@@ -27768,70 +27902,937 @@
           <a:bodyPr/>
           <a:lstStyle/>
           <a:p>
-            <a:endParaRPr lang="zh-TW" altLang="en-US"/>
+            <a:fld id="{83F5B54E-D686-4015-93F2-94C458F353E2}" type="slidenum">
+              <a:rPr lang="zh-TW" altLang="en-US" smtClean="0"/>
+              <a:t>24</a:t>
+            </a:fld>
+            <a:endParaRPr lang="zh-TW" altLang="en-US" dirty="0"/>
           </a:p>
         </p:txBody>
       </p:sp>
       <p:sp>
         <p:nvSpPr>
-          <p:cNvPr id="3" name="投影片編號版面配置區 2">
+          <p:cNvPr id="5" name="文字方塊 4">
             <a:extLst>
               <a:ext uri="{FF2B5EF4-FFF2-40B4-BE49-F238E27FC236}">
-                <a16:creationId xmlns:a16="http://schemas.microsoft.com/office/drawing/2014/main" id="{E1A7D28F-622A-4700-A19D-7E2808A3D001}"/>
+                <a16:creationId xmlns:a16="http://schemas.microsoft.com/office/drawing/2014/main" id="{E14D17D7-E7C4-4FCD-800E-0D6ED48FA1F1}"/>
               </a:ext>
             </a:extLst>
           </p:cNvPr>
-          <p:cNvSpPr>
-            <a:spLocks noGrp="1"/>
-          </p:cNvSpPr>
-          <p:nvPr>
-            <p:ph type="sldNum" sz="quarter" idx="12"/>
-          </p:nvPr>
+          <p:cNvSpPr txBox="1"/>
+          <p:nvPr/>
         </p:nvSpPr>
-        <p:spPr/>
+        <p:spPr>
+          <a:xfrm>
+            <a:off x="922715" y="698267"/>
+            <a:ext cx="2954655" cy="369332"/>
+          </a:xfrm>
+          <a:prstGeom prst="rect">
+            <a:avLst/>
+          </a:prstGeom>
+          <a:noFill/>
+        </p:spPr>
         <p:txBody>
-          <a:bodyPr/>
+          <a:bodyPr wrap="none" rtlCol="0">
+            <a:spAutoFit/>
+          </a:bodyPr>
           <a:lstStyle/>
           <a:p>
-            <a:fld id="{83F5B54E-D686-4015-93F2-94C458F353E2}" type="slidenum">
-              <a:rPr lang="zh-TW" altLang="en-US" smtClean="0"/>
-              <a:t>24</a:t>
-            </a:fld>
-            <a:endParaRPr lang="zh-TW" altLang="en-US"/>
+            <a:r>
+              <a:rPr lang="zh-TW" altLang="en-US" dirty="0"/>
+              <a:t>梁與單向版內受撓鋼筋分佈</a:t>
+            </a:r>
+          </a:p>
+        </p:txBody>
+      </p:sp>
+      <p:grpSp>
+        <p:nvGrpSpPr>
+          <p:cNvPr id="6" name="Group 24">
+            <a:extLst>
+              <a:ext uri="{FF2B5EF4-FFF2-40B4-BE49-F238E27FC236}">
+                <a16:creationId xmlns:a16="http://schemas.microsoft.com/office/drawing/2014/main" id="{E60EE45D-5200-4577-BB35-21E7C74F7ACE}"/>
+              </a:ext>
+            </a:extLst>
+          </p:cNvPr>
+          <p:cNvGrpSpPr/>
+          <p:nvPr/>
+        </p:nvGrpSpPr>
+        <p:grpSpPr>
+          <a:xfrm>
+            <a:off x="1220043" y="1448609"/>
+            <a:ext cx="708425" cy="708425"/>
+            <a:chOff x="3173014" y="2956717"/>
+            <a:chExt cx="944566" cy="944566"/>
+          </a:xfrm>
+        </p:grpSpPr>
+        <p:sp>
+          <p:nvSpPr>
+            <p:cNvPr id="7" name="Oval 25">
+              <a:extLst>
+                <a:ext uri="{FF2B5EF4-FFF2-40B4-BE49-F238E27FC236}">
+                  <a16:creationId xmlns:a16="http://schemas.microsoft.com/office/drawing/2014/main" id="{550C8446-72E3-4D32-A806-41FFC30B5A0E}"/>
+                </a:ext>
+              </a:extLst>
+            </p:cNvPr>
+            <p:cNvSpPr/>
+            <p:nvPr/>
+          </p:nvSpPr>
+          <p:spPr>
+            <a:xfrm>
+              <a:off x="3290491" y="3074194"/>
+              <a:ext cx="709612" cy="709612"/>
+            </a:xfrm>
+            <a:prstGeom prst="ellipse">
+              <a:avLst/>
+            </a:prstGeom>
+            <a:solidFill>
+              <a:schemeClr val="bg1">
+                <a:lumMod val="85000"/>
+              </a:schemeClr>
+            </a:solidFill>
+            <a:ln>
+              <a:noFill/>
+            </a:ln>
+          </p:spPr>
+          <p:style>
+            <a:lnRef idx="2">
+              <a:schemeClr val="accent1">
+                <a:shade val="50000"/>
+              </a:schemeClr>
+            </a:lnRef>
+            <a:fillRef idx="1">
+              <a:schemeClr val="accent1"/>
+            </a:fillRef>
+            <a:effectRef idx="0">
+              <a:schemeClr val="accent1"/>
+            </a:effectRef>
+            <a:fontRef idx="minor">
+              <a:schemeClr val="lt1"/>
+            </a:fontRef>
+          </p:style>
+          <p:txBody>
+            <a:bodyPr rtlCol="0" anchor="ctr"/>
+            <a:lstStyle/>
+            <a:p>
+              <a:pPr algn="ctr"/>
+              <a:endParaRPr lang="fr-FR" sz="1350"/>
+            </a:p>
+          </p:txBody>
+        </p:sp>
+        <p:sp>
+          <p:nvSpPr>
+            <p:cNvPr id="8" name="Oval 26">
+              <a:extLst>
+                <a:ext uri="{FF2B5EF4-FFF2-40B4-BE49-F238E27FC236}">
+                  <a16:creationId xmlns:a16="http://schemas.microsoft.com/office/drawing/2014/main" id="{E6EA1B98-00ED-4CF0-BCC2-4A711720CE9C}"/>
+                </a:ext>
+              </a:extLst>
+            </p:cNvPr>
+            <p:cNvSpPr/>
+            <p:nvPr/>
+          </p:nvSpPr>
+          <p:spPr>
+            <a:xfrm>
+              <a:off x="3173014" y="2956717"/>
+              <a:ext cx="944566" cy="944566"/>
+            </a:xfrm>
+            <a:prstGeom prst="ellipse">
+              <a:avLst/>
+            </a:prstGeom>
+            <a:solidFill>
+              <a:schemeClr val="bg1">
+                <a:lumMod val="85000"/>
+                <a:alpha val="42000"/>
+              </a:schemeClr>
+            </a:solidFill>
+            <a:ln>
+              <a:noFill/>
+            </a:ln>
+          </p:spPr>
+          <p:style>
+            <a:lnRef idx="2">
+              <a:schemeClr val="accent1">
+                <a:shade val="50000"/>
+              </a:schemeClr>
+            </a:lnRef>
+            <a:fillRef idx="1">
+              <a:schemeClr val="accent1"/>
+            </a:fillRef>
+            <a:effectRef idx="0">
+              <a:schemeClr val="accent1"/>
+            </a:effectRef>
+            <a:fontRef idx="minor">
+              <a:schemeClr val="lt1"/>
+            </a:fontRef>
+          </p:style>
+          <p:txBody>
+            <a:bodyPr rtlCol="0" anchor="ctr"/>
+            <a:lstStyle/>
+            <a:p>
+              <a:pPr algn="ctr"/>
+              <a:r>
+                <a:rPr lang="fr-FR" sz="2100" dirty="0">
+                  <a:solidFill>
+                    <a:schemeClr val="tx1"/>
+                  </a:solidFill>
+                  <a:latin typeface="Segoe UI" panose="020B0502040204020203" pitchFamily="34" charset="0"/>
+                  <a:cs typeface="Segoe UI" panose="020B0502040204020203" pitchFamily="34" charset="0"/>
+                </a:rPr>
+                <a:t>1</a:t>
+              </a:r>
+            </a:p>
+          </p:txBody>
+        </p:sp>
+      </p:grpSp>
+      <p:cxnSp>
+        <p:nvCxnSpPr>
+          <p:cNvPr id="9" name="Straight Connector 13">
+            <a:extLst>
+              <a:ext uri="{FF2B5EF4-FFF2-40B4-BE49-F238E27FC236}">
+                <a16:creationId xmlns:a16="http://schemas.microsoft.com/office/drawing/2014/main" id="{0BCCE130-C6EB-4548-9591-C46B27FA1784}"/>
+              </a:ext>
+            </a:extLst>
+          </p:cNvPr>
+          <p:cNvCxnSpPr/>
+          <p:nvPr/>
+        </p:nvCxnSpPr>
+        <p:spPr>
+          <a:xfrm>
+            <a:off x="1571021" y="2157034"/>
+            <a:ext cx="0" cy="1087200"/>
+          </a:xfrm>
+          <a:prstGeom prst="line">
+            <a:avLst/>
+          </a:prstGeom>
+          <a:ln w="28575">
+            <a:solidFill>
+              <a:srgbClr val="EDECEC"/>
+            </a:solidFill>
+          </a:ln>
+        </p:spPr>
+        <p:style>
+          <a:lnRef idx="1">
+            <a:schemeClr val="accent1"/>
+          </a:lnRef>
+          <a:fillRef idx="0">
+            <a:schemeClr val="accent1"/>
+          </a:fillRef>
+          <a:effectRef idx="0">
+            <a:schemeClr val="accent1"/>
+          </a:effectRef>
+          <a:fontRef idx="minor">
+            <a:schemeClr val="tx1"/>
+          </a:fontRef>
+        </p:style>
+      </p:cxnSp>
+      <p:grpSp>
+        <p:nvGrpSpPr>
+          <p:cNvPr id="10" name="Group 1">
+            <a:extLst>
+              <a:ext uri="{FF2B5EF4-FFF2-40B4-BE49-F238E27FC236}">
+                <a16:creationId xmlns:a16="http://schemas.microsoft.com/office/drawing/2014/main" id="{2F6B791B-C4A4-4B1C-A6FD-2F514D16014F}"/>
+              </a:ext>
+            </a:extLst>
+          </p:cNvPr>
+          <p:cNvGrpSpPr/>
+          <p:nvPr/>
+        </p:nvGrpSpPr>
+        <p:grpSpPr>
+          <a:xfrm>
+            <a:off x="1220043" y="3244234"/>
+            <a:ext cx="708425" cy="708425"/>
+            <a:chOff x="3173014" y="2956717"/>
+            <a:chExt cx="944566" cy="944566"/>
+          </a:xfrm>
+        </p:grpSpPr>
+        <p:sp>
+          <p:nvSpPr>
+            <p:cNvPr id="11" name="Oval 18">
+              <a:extLst>
+                <a:ext uri="{FF2B5EF4-FFF2-40B4-BE49-F238E27FC236}">
+                  <a16:creationId xmlns:a16="http://schemas.microsoft.com/office/drawing/2014/main" id="{5E932C72-DABF-41FB-9BDF-C2E940DC83B5}"/>
+                </a:ext>
+              </a:extLst>
+            </p:cNvPr>
+            <p:cNvSpPr/>
+            <p:nvPr/>
+          </p:nvSpPr>
+          <p:spPr>
+            <a:xfrm>
+              <a:off x="3290491" y="3074194"/>
+              <a:ext cx="709612" cy="709612"/>
+            </a:xfrm>
+            <a:prstGeom prst="ellipse">
+              <a:avLst/>
+            </a:prstGeom>
+            <a:solidFill>
+              <a:schemeClr val="bg1">
+                <a:lumMod val="85000"/>
+              </a:schemeClr>
+            </a:solidFill>
+            <a:ln>
+              <a:noFill/>
+            </a:ln>
+          </p:spPr>
+          <p:style>
+            <a:lnRef idx="2">
+              <a:schemeClr val="accent1">
+                <a:shade val="50000"/>
+              </a:schemeClr>
+            </a:lnRef>
+            <a:fillRef idx="1">
+              <a:schemeClr val="accent1"/>
+            </a:fillRef>
+            <a:effectRef idx="0">
+              <a:schemeClr val="accent1"/>
+            </a:effectRef>
+            <a:fontRef idx="minor">
+              <a:schemeClr val="lt1"/>
+            </a:fontRef>
+          </p:style>
+          <p:txBody>
+            <a:bodyPr rtlCol="0" anchor="ctr"/>
+            <a:lstStyle/>
+            <a:p>
+              <a:pPr algn="ctr"/>
+              <a:endParaRPr lang="fr-FR" sz="1350" dirty="0"/>
+            </a:p>
+          </p:txBody>
+        </p:sp>
+        <p:sp>
+          <p:nvSpPr>
+            <p:cNvPr id="12" name="Oval 22">
+              <a:extLst>
+                <a:ext uri="{FF2B5EF4-FFF2-40B4-BE49-F238E27FC236}">
+                  <a16:creationId xmlns:a16="http://schemas.microsoft.com/office/drawing/2014/main" id="{D0E2F71E-17BA-4950-9A50-7DDFAB91DEFD}"/>
+                </a:ext>
+              </a:extLst>
+            </p:cNvPr>
+            <p:cNvSpPr/>
+            <p:nvPr/>
+          </p:nvSpPr>
+          <p:spPr>
+            <a:xfrm>
+              <a:off x="3173014" y="2956717"/>
+              <a:ext cx="944566" cy="944566"/>
+            </a:xfrm>
+            <a:prstGeom prst="ellipse">
+              <a:avLst/>
+            </a:prstGeom>
+            <a:solidFill>
+              <a:schemeClr val="bg1">
+                <a:lumMod val="85000"/>
+                <a:alpha val="42000"/>
+              </a:schemeClr>
+            </a:solidFill>
+            <a:ln>
+              <a:noFill/>
+            </a:ln>
+          </p:spPr>
+          <p:style>
+            <a:lnRef idx="2">
+              <a:schemeClr val="accent1">
+                <a:shade val="50000"/>
+              </a:schemeClr>
+            </a:lnRef>
+            <a:fillRef idx="1">
+              <a:schemeClr val="accent1"/>
+            </a:fillRef>
+            <a:effectRef idx="0">
+              <a:schemeClr val="accent1"/>
+            </a:effectRef>
+            <a:fontRef idx="minor">
+              <a:schemeClr val="lt1"/>
+            </a:fontRef>
+          </p:style>
+          <p:txBody>
+            <a:bodyPr rtlCol="0" anchor="ctr"/>
+            <a:lstStyle/>
+            <a:p>
+              <a:pPr algn="ctr"/>
+              <a:r>
+                <a:rPr lang="fr-FR" sz="2100" dirty="0">
+                  <a:solidFill>
+                    <a:schemeClr val="tx1"/>
+                  </a:solidFill>
+                  <a:latin typeface="Segoe UI" panose="020B0502040204020203" pitchFamily="34" charset="0"/>
+                  <a:cs typeface="Segoe UI" panose="020B0502040204020203" pitchFamily="34" charset="0"/>
+                </a:rPr>
+                <a:t>2</a:t>
+              </a:r>
+            </a:p>
+          </p:txBody>
+        </p:sp>
+      </p:grpSp>
+      <p:grpSp>
+        <p:nvGrpSpPr>
+          <p:cNvPr id="13" name="Group 27">
+            <a:extLst>
+              <a:ext uri="{FF2B5EF4-FFF2-40B4-BE49-F238E27FC236}">
+                <a16:creationId xmlns:a16="http://schemas.microsoft.com/office/drawing/2014/main" id="{41C2C30E-EA09-48D5-B777-8CC754480AC0}"/>
+              </a:ext>
+            </a:extLst>
+          </p:cNvPr>
+          <p:cNvGrpSpPr/>
+          <p:nvPr/>
+        </p:nvGrpSpPr>
+        <p:grpSpPr>
+          <a:xfrm>
+            <a:off x="1220043" y="5039859"/>
+            <a:ext cx="708425" cy="708425"/>
+            <a:chOff x="3173014" y="2956717"/>
+            <a:chExt cx="944566" cy="944566"/>
+          </a:xfrm>
+        </p:grpSpPr>
+        <p:sp>
+          <p:nvSpPr>
+            <p:cNvPr id="14" name="Oval 28">
+              <a:extLst>
+                <a:ext uri="{FF2B5EF4-FFF2-40B4-BE49-F238E27FC236}">
+                  <a16:creationId xmlns:a16="http://schemas.microsoft.com/office/drawing/2014/main" id="{5EE1ACF6-2E27-4709-8A4F-60652F30B431}"/>
+                </a:ext>
+              </a:extLst>
+            </p:cNvPr>
+            <p:cNvSpPr/>
+            <p:nvPr/>
+          </p:nvSpPr>
+          <p:spPr>
+            <a:xfrm>
+              <a:off x="3290491" y="3074194"/>
+              <a:ext cx="709612" cy="709612"/>
+            </a:xfrm>
+            <a:prstGeom prst="ellipse">
+              <a:avLst/>
+            </a:prstGeom>
+            <a:solidFill>
+              <a:schemeClr val="bg1">
+                <a:lumMod val="85000"/>
+              </a:schemeClr>
+            </a:solidFill>
+            <a:ln>
+              <a:noFill/>
+            </a:ln>
+          </p:spPr>
+          <p:style>
+            <a:lnRef idx="2">
+              <a:schemeClr val="accent1">
+                <a:shade val="50000"/>
+              </a:schemeClr>
+            </a:lnRef>
+            <a:fillRef idx="1">
+              <a:schemeClr val="accent1"/>
+            </a:fillRef>
+            <a:effectRef idx="0">
+              <a:schemeClr val="accent1"/>
+            </a:effectRef>
+            <a:fontRef idx="minor">
+              <a:schemeClr val="lt1"/>
+            </a:fontRef>
+          </p:style>
+          <p:txBody>
+            <a:bodyPr rtlCol="0" anchor="ctr"/>
+            <a:lstStyle/>
+            <a:p>
+              <a:pPr algn="ctr"/>
+              <a:endParaRPr lang="fr-FR" sz="1350"/>
+            </a:p>
+          </p:txBody>
+        </p:sp>
+        <p:sp>
+          <p:nvSpPr>
+            <p:cNvPr id="15" name="Oval 29">
+              <a:extLst>
+                <a:ext uri="{FF2B5EF4-FFF2-40B4-BE49-F238E27FC236}">
+                  <a16:creationId xmlns:a16="http://schemas.microsoft.com/office/drawing/2014/main" id="{5BA38EA8-0D45-497B-A467-5BD2F941ABB9}"/>
+                </a:ext>
+              </a:extLst>
+            </p:cNvPr>
+            <p:cNvSpPr/>
+            <p:nvPr/>
+          </p:nvSpPr>
+          <p:spPr>
+            <a:xfrm>
+              <a:off x="3173014" y="2956717"/>
+              <a:ext cx="944566" cy="944566"/>
+            </a:xfrm>
+            <a:prstGeom prst="ellipse">
+              <a:avLst/>
+            </a:prstGeom>
+            <a:solidFill>
+              <a:schemeClr val="bg1">
+                <a:lumMod val="85000"/>
+                <a:alpha val="42000"/>
+              </a:schemeClr>
+            </a:solidFill>
+            <a:ln>
+              <a:noFill/>
+            </a:ln>
+          </p:spPr>
+          <p:style>
+            <a:lnRef idx="2">
+              <a:schemeClr val="accent1">
+                <a:shade val="50000"/>
+              </a:schemeClr>
+            </a:lnRef>
+            <a:fillRef idx="1">
+              <a:schemeClr val="accent1"/>
+            </a:fillRef>
+            <a:effectRef idx="0">
+              <a:schemeClr val="accent1"/>
+            </a:effectRef>
+            <a:fontRef idx="minor">
+              <a:schemeClr val="lt1"/>
+            </a:fontRef>
+          </p:style>
+          <p:txBody>
+            <a:bodyPr rtlCol="0" anchor="ctr"/>
+            <a:lstStyle/>
+            <a:p>
+              <a:pPr algn="ctr"/>
+              <a:r>
+                <a:rPr lang="fr-FR" sz="2100" dirty="0">
+                  <a:solidFill>
+                    <a:schemeClr val="tx1"/>
+                  </a:solidFill>
+                  <a:latin typeface="Segoe UI" panose="020B0502040204020203" pitchFamily="34" charset="0"/>
+                  <a:cs typeface="Segoe UI" panose="020B0502040204020203" pitchFamily="34" charset="0"/>
+                </a:rPr>
+                <a:t>3</a:t>
+              </a:r>
+            </a:p>
+          </p:txBody>
+        </p:sp>
+      </p:grpSp>
+      <p:cxnSp>
+        <p:nvCxnSpPr>
+          <p:cNvPr id="16" name="Straight Connector 13">
+            <a:extLst>
+              <a:ext uri="{FF2B5EF4-FFF2-40B4-BE49-F238E27FC236}">
+                <a16:creationId xmlns:a16="http://schemas.microsoft.com/office/drawing/2014/main" id="{2AA8FEB6-AF4C-4E6B-828B-61782360EAB8}"/>
+              </a:ext>
+            </a:extLst>
+          </p:cNvPr>
+          <p:cNvCxnSpPr/>
+          <p:nvPr/>
+        </p:nvCxnSpPr>
+        <p:spPr>
+          <a:xfrm>
+            <a:off x="1571021" y="3952659"/>
+            <a:ext cx="0" cy="1087200"/>
+          </a:xfrm>
+          <a:prstGeom prst="line">
+            <a:avLst/>
+          </a:prstGeom>
+          <a:ln w="28575">
+            <a:solidFill>
+              <a:srgbClr val="EDECEC"/>
+            </a:solidFill>
+          </a:ln>
+        </p:spPr>
+        <p:style>
+          <a:lnRef idx="1">
+            <a:schemeClr val="accent1"/>
+          </a:lnRef>
+          <a:fillRef idx="0">
+            <a:schemeClr val="accent1"/>
+          </a:fillRef>
+          <a:effectRef idx="0">
+            <a:schemeClr val="accent1"/>
+          </a:effectRef>
+          <a:fontRef idx="minor">
+            <a:schemeClr val="tx1"/>
+          </a:fontRef>
+        </p:style>
+      </p:cxnSp>
+      <p:sp>
+        <p:nvSpPr>
+          <p:cNvPr id="17" name="TextBox 98">
+            <a:extLst>
+              <a:ext uri="{FF2B5EF4-FFF2-40B4-BE49-F238E27FC236}">
+                <a16:creationId xmlns:a16="http://schemas.microsoft.com/office/drawing/2014/main" id="{B9B0A0F5-7F32-4C50-8C11-C3D919A33CFA}"/>
+              </a:ext>
+            </a:extLst>
+          </p:cNvPr>
+          <p:cNvSpPr txBox="1"/>
+          <p:nvPr/>
+        </p:nvSpPr>
+        <p:spPr>
+          <a:xfrm>
+            <a:off x="2525566" y="1616380"/>
+            <a:ext cx="4561033" cy="323165"/>
+          </a:xfrm>
+          <a:prstGeom prst="rect">
+            <a:avLst/>
+          </a:prstGeom>
+          <a:noFill/>
+        </p:spPr>
+        <p:txBody>
+          <a:bodyPr wrap="square" lIns="0" rtlCol="0" anchor="t">
+            <a:spAutoFit/>
+          </a:bodyPr>
+          <a:lstStyle/>
+          <a:p>
+            <a:r>
+              <a:rPr lang="zh-TW" altLang="en-US" sz="1500" dirty="0">
+                <a:latin typeface="Segoe UI Light" panose="020B0502040204020203" pitchFamily="34" charset="0"/>
+                <a:cs typeface="Segoe UI Light" panose="020B0502040204020203" pitchFamily="34" charset="0"/>
+              </a:rPr>
+              <a:t>取出</a:t>
+            </a:r>
+            <a:r>
+              <a:rPr lang="en-US" altLang="zh-TW" sz="1500" dirty="0">
+                <a:latin typeface="Segoe UI Light" panose="020B0502040204020203" pitchFamily="34" charset="0"/>
+                <a:cs typeface="Segoe UI Light" panose="020B0502040204020203" pitchFamily="34" charset="0"/>
+              </a:rPr>
+              <a:t>:</a:t>
+            </a:r>
+            <a:r>
+              <a:rPr lang="zh-TW" altLang="en-US" sz="1500" dirty="0">
+                <a:latin typeface="Segoe UI Light" panose="020B0502040204020203" pitchFamily="34" charset="0"/>
+                <a:cs typeface="Segoe UI Light" panose="020B0502040204020203" pitchFamily="34" charset="0"/>
+              </a:rPr>
+              <a:t> 梁深</a:t>
+            </a:r>
+            <a:endParaRPr lang="fr-FR" sz="1500" dirty="0">
+              <a:latin typeface="Segoe UI Light" panose="020B0502040204020203" pitchFamily="34" charset="0"/>
+              <a:cs typeface="Segoe UI Light" panose="020B0502040204020203" pitchFamily="34" charset="0"/>
+            </a:endParaRPr>
           </a:p>
         </p:txBody>
       </p:sp>
       <p:sp>
         <p:nvSpPr>
-          <p:cNvPr id="4" name="標題 3">
+          <p:cNvPr id="18" name="TextBox 98">
             <a:extLst>
               <a:ext uri="{FF2B5EF4-FFF2-40B4-BE49-F238E27FC236}">
-                <a16:creationId xmlns:a16="http://schemas.microsoft.com/office/drawing/2014/main" id="{065FC989-492F-4C1C-848A-AB539E0BE7F8}"/>
+                <a16:creationId xmlns:a16="http://schemas.microsoft.com/office/drawing/2014/main" id="{9A701536-D78C-4198-9F21-9E4E29DBDFD5}"/>
               </a:ext>
             </a:extLst>
           </p:cNvPr>
-          <p:cNvSpPr>
-            <a:spLocks noGrp="1"/>
-          </p:cNvSpPr>
-          <p:nvPr>
-            <p:ph type="title"/>
-          </p:nvPr>
+          <p:cNvSpPr txBox="1"/>
+          <p:nvPr/>
         </p:nvSpPr>
-        <p:spPr/>
+        <p:spPr>
+          <a:xfrm>
+            <a:off x="2525567" y="3169505"/>
+            <a:ext cx="4116302" cy="553998"/>
+          </a:xfrm>
+          <a:prstGeom prst="rect">
+            <a:avLst/>
+          </a:prstGeom>
+          <a:noFill/>
+        </p:spPr>
         <p:txBody>
-          <a:bodyPr>
-            <a:normAutofit fontScale="90000"/>
+          <a:bodyPr wrap="square" lIns="0" rtlCol="0" anchor="t">
+            <a:spAutoFit/>
           </a:bodyPr>
           <a:lstStyle/>
           <a:p>
-            <a:endParaRPr lang="zh-TW" altLang="en-US"/>
+            <a:r>
+              <a:rPr lang="zh-TW" altLang="en-US" sz="1500" dirty="0">
+                <a:latin typeface="Segoe UI Light" panose="020B0502040204020203" pitchFamily="34" charset="0"/>
+                <a:cs typeface="Segoe UI Light" panose="020B0502040204020203" pitchFamily="34" charset="0"/>
+              </a:rPr>
+              <a:t>判斷</a:t>
+            </a:r>
+            <a:r>
+              <a:rPr lang="en-US" altLang="zh-TW" sz="1500" dirty="0">
+                <a:latin typeface="Segoe UI Light" panose="020B0502040204020203" pitchFamily="34" charset="0"/>
+                <a:cs typeface="Segoe UI Light" panose="020B0502040204020203" pitchFamily="34" charset="0"/>
+              </a:rPr>
+              <a:t>:</a:t>
+            </a:r>
+            <a:r>
+              <a:rPr lang="zh-TW" altLang="en-US" sz="1500" dirty="0">
+                <a:latin typeface="Segoe UI Light" panose="020B0502040204020203" pitchFamily="34" charset="0"/>
+                <a:cs typeface="Segoe UI Light" panose="020B0502040204020203" pitchFamily="34" charset="0"/>
+              </a:rPr>
+              <a:t> </a:t>
+            </a:r>
+            <a:endParaRPr lang="en-US" altLang="zh-TW" sz="1500" dirty="0">
+              <a:latin typeface="Segoe UI Light" panose="020B0502040204020203" pitchFamily="34" charset="0"/>
+              <a:cs typeface="Segoe UI Light" panose="020B0502040204020203" pitchFamily="34" charset="0"/>
+            </a:endParaRPr>
+          </a:p>
+          <a:p>
+            <a:pPr marL="285750" indent="-285750">
+              <a:buFontTx/>
+              <a:buChar char="-"/>
+            </a:pPr>
+            <a:r>
+              <a:rPr lang="zh-TW" altLang="en-US" sz="1500" dirty="0">
+                <a:latin typeface="Segoe UI Light" panose="020B0502040204020203" pitchFamily="34" charset="0"/>
+                <a:cs typeface="Segoe UI Light" panose="020B0502040204020203" pitchFamily="34" charset="0"/>
+              </a:rPr>
+              <a:t>梁深 </a:t>
+            </a:r>
+            <a:r>
+              <a:rPr lang="en-US" altLang="zh-TW" sz="1500" dirty="0">
+                <a:latin typeface="Segoe UI Light" panose="020B0502040204020203" pitchFamily="34" charset="0"/>
+                <a:cs typeface="Segoe UI Light" panose="020B0502040204020203" pitchFamily="34" charset="0"/>
+              </a:rPr>
+              <a:t>&gt;</a:t>
+            </a:r>
+            <a:r>
+              <a:rPr lang="zh-TW" altLang="en-US" sz="1500" dirty="0">
+                <a:latin typeface="Segoe UI Light" panose="020B0502040204020203" pitchFamily="34" charset="0"/>
+                <a:cs typeface="Segoe UI Light" panose="020B0502040204020203" pitchFamily="34" charset="0"/>
+              </a:rPr>
+              <a:t> </a:t>
+            </a:r>
+            <a:r>
+              <a:rPr lang="en-US" altLang="zh-TW" sz="1500" dirty="0">
+                <a:latin typeface="Segoe UI Light" panose="020B0502040204020203" pitchFamily="34" charset="0"/>
+                <a:cs typeface="Segoe UI Light" panose="020B0502040204020203" pitchFamily="34" charset="0"/>
+              </a:rPr>
+              <a:t>90cm</a:t>
+            </a:r>
+            <a:endParaRPr lang="fr-FR" sz="1500" dirty="0">
+              <a:latin typeface="Segoe UI Light" panose="020B0502040204020203" pitchFamily="34" charset="0"/>
+              <a:cs typeface="Segoe UI Light" panose="020B0502040204020203" pitchFamily="34" charset="0"/>
+            </a:endParaRPr>
+          </a:p>
+        </p:txBody>
+      </p:sp>
+      <p:sp>
+        <p:nvSpPr>
+          <p:cNvPr id="19" name="TextBox 98">
+            <a:extLst>
+              <a:ext uri="{FF2B5EF4-FFF2-40B4-BE49-F238E27FC236}">
+                <a16:creationId xmlns:a16="http://schemas.microsoft.com/office/drawing/2014/main" id="{37233CD8-8F47-4841-B620-39AEBB548CE6}"/>
+              </a:ext>
+            </a:extLst>
+          </p:cNvPr>
+          <p:cNvSpPr txBox="1"/>
+          <p:nvPr/>
+        </p:nvSpPr>
+        <p:spPr>
+          <a:xfrm>
+            <a:off x="2525566" y="4705565"/>
+            <a:ext cx="5797335" cy="553998"/>
+          </a:xfrm>
+          <a:prstGeom prst="rect">
+            <a:avLst/>
+          </a:prstGeom>
+          <a:noFill/>
+        </p:spPr>
+        <p:txBody>
+          <a:bodyPr wrap="square" lIns="0" rtlCol="0" anchor="t">
+            <a:spAutoFit/>
+          </a:bodyPr>
+          <a:lstStyle/>
+          <a:p>
+            <a:r>
+              <a:rPr lang="zh-TW" altLang="en-US" sz="1500" dirty="0">
+                <a:latin typeface="Segoe UI Light" panose="020B0502040204020203" pitchFamily="34" charset="0"/>
+                <a:cs typeface="Segoe UI Light" panose="020B0502040204020203" pitchFamily="34" charset="0"/>
+              </a:rPr>
+              <a:t>是</a:t>
+            </a:r>
+            <a:r>
+              <a:rPr lang="en-US" altLang="zh-TW" sz="1500" dirty="0">
+                <a:latin typeface="Segoe UI Light" panose="020B0502040204020203" pitchFamily="34" charset="0"/>
+                <a:cs typeface="Segoe UI Light" panose="020B0502040204020203" pitchFamily="34" charset="0"/>
+              </a:rPr>
+              <a:t>:</a:t>
+            </a:r>
+            <a:r>
+              <a:rPr lang="zh-TW" altLang="en-US" sz="1500" dirty="0">
+                <a:latin typeface="Segoe UI Light" panose="020B0502040204020203" pitchFamily="34" charset="0"/>
+                <a:cs typeface="Segoe UI Light" panose="020B0502040204020203" pitchFamily="34" charset="0"/>
+              </a:rPr>
+              <a:t> </a:t>
+            </a:r>
+            <a:r>
+              <a:rPr lang="en-US" altLang="zh-TW" sz="1500" dirty="0">
+                <a:latin typeface="Segoe UI Light" panose="020B0502040204020203" pitchFamily="34" charset="0"/>
+                <a:cs typeface="Segoe UI Light" panose="020B0502040204020203" pitchFamily="34" charset="0"/>
+              </a:rPr>
+              <a:t>OK</a:t>
+            </a:r>
+          </a:p>
+          <a:p>
+            <a:r>
+              <a:rPr lang="zh-TW" altLang="en-US" sz="1500" dirty="0">
+                <a:latin typeface="Segoe UI Light" panose="020B0502040204020203" pitchFamily="34" charset="0"/>
+                <a:cs typeface="Segoe UI Light" panose="020B0502040204020203" pitchFamily="34" charset="0"/>
+              </a:rPr>
+              <a:t>否</a:t>
+            </a:r>
+            <a:r>
+              <a:rPr lang="en-US" altLang="zh-TW" sz="1500" dirty="0">
+                <a:latin typeface="Segoe UI Light" panose="020B0502040204020203" pitchFamily="34" charset="0"/>
+                <a:cs typeface="Segoe UI Light" panose="020B0502040204020203" pitchFamily="34" charset="0"/>
+              </a:rPr>
+              <a:t>:</a:t>
+            </a:r>
+            <a:r>
+              <a:rPr lang="zh-TW" altLang="en-US" sz="1500" dirty="0">
+                <a:latin typeface="Segoe UI Light" panose="020B0502040204020203" pitchFamily="34" charset="0"/>
+                <a:cs typeface="Segoe UI Light" panose="020B0502040204020203" pitchFamily="34" charset="0"/>
+              </a:rPr>
+              <a:t> </a:t>
+            </a:r>
+            <a:r>
+              <a:rPr lang="en-US" altLang="zh-TW" sz="1500" dirty="0">
+                <a:latin typeface="Segoe UI Light" panose="020B0502040204020203" pitchFamily="34" charset="0"/>
+                <a:cs typeface="Segoe UI Light" panose="020B0502040204020203" pitchFamily="34" charset="0"/>
+              </a:rPr>
+              <a:t>【0307】</a:t>
+            </a:r>
+            <a:r>
+              <a:rPr lang="zh-TW" altLang="en-US" sz="1500" dirty="0">
+                <a:latin typeface="Segoe UI Light" panose="020B0502040204020203" pitchFamily="34" charset="0"/>
+                <a:cs typeface="Segoe UI Light" panose="020B0502040204020203" pitchFamily="34" charset="0"/>
+              </a:rPr>
+              <a:t>請確認是否符合 規範 </a:t>
+            </a:r>
+            <a:r>
+              <a:rPr lang="en-US" altLang="zh-TW" sz="1500" dirty="0">
+                <a:latin typeface="Segoe UI Light" panose="020B0502040204020203" pitchFamily="34" charset="0"/>
+                <a:cs typeface="Segoe UI Light" panose="020B0502040204020203" pitchFamily="34" charset="0"/>
+              </a:rPr>
+              <a:t>3.7.5</a:t>
+            </a:r>
+          </a:p>
+        </p:txBody>
+      </p:sp>
+      <p:sp>
+        <p:nvSpPr>
+          <p:cNvPr id="20" name="文字方塊 19">
+            <a:extLst>
+              <a:ext uri="{FF2B5EF4-FFF2-40B4-BE49-F238E27FC236}">
+                <a16:creationId xmlns:a16="http://schemas.microsoft.com/office/drawing/2014/main" id="{C28EE910-363E-4FD9-8BAC-06CDB6F3C789}"/>
+              </a:ext>
+            </a:extLst>
+          </p:cNvPr>
+          <p:cNvSpPr txBox="1"/>
+          <p:nvPr/>
+        </p:nvSpPr>
+        <p:spPr>
+          <a:xfrm>
+            <a:off x="7700858" y="1067599"/>
+            <a:ext cx="982962" cy="369332"/>
+          </a:xfrm>
+          <a:prstGeom prst="rect">
+            <a:avLst/>
+          </a:prstGeom>
+          <a:noFill/>
+        </p:spPr>
+        <p:txBody>
+          <a:bodyPr wrap="none" rtlCol="0">
+            <a:spAutoFit/>
+          </a:bodyPr>
+          <a:lstStyle/>
+          <a:p>
+            <a:pPr algn="r"/>
+            <a:r>
+              <a:rPr lang="en-US" altLang="zh-TW" dirty="0"/>
+              <a:t>-</a:t>
+            </a:r>
+            <a:r>
+              <a:rPr lang="zh-TW" altLang="en-US" dirty="0"/>
+              <a:t> </a:t>
+            </a:r>
+            <a:r>
+              <a:rPr lang="en-US" altLang="zh-TW" dirty="0"/>
+              <a:t>R3.7.5</a:t>
+            </a:r>
+            <a:endParaRPr lang="zh-TW" altLang="en-US" dirty="0"/>
+          </a:p>
+        </p:txBody>
+      </p:sp>
+      <p:sp>
+        <p:nvSpPr>
+          <p:cNvPr id="21" name="文字方塊 20">
+            <a:extLst>
+              <a:ext uri="{FF2B5EF4-FFF2-40B4-BE49-F238E27FC236}">
+                <a16:creationId xmlns:a16="http://schemas.microsoft.com/office/drawing/2014/main" id="{8621F0CE-2C26-4338-890D-7AB7AFFE908A}"/>
+              </a:ext>
+            </a:extLst>
+          </p:cNvPr>
+          <p:cNvSpPr txBox="1"/>
+          <p:nvPr/>
+        </p:nvSpPr>
+        <p:spPr>
+          <a:xfrm>
+            <a:off x="0" y="0"/>
+            <a:ext cx="865943" cy="461665"/>
+          </a:xfrm>
+          <a:prstGeom prst="rect">
+            <a:avLst/>
+          </a:prstGeom>
+          <a:solidFill>
+            <a:schemeClr val="tx2"/>
+          </a:solidFill>
+        </p:spPr>
+        <p:txBody>
+          <a:bodyPr wrap="none" rtlCol="0">
+            <a:spAutoFit/>
+          </a:bodyPr>
+          <a:lstStyle/>
+          <a:p>
+            <a:r>
+              <a:rPr lang="en-US" altLang="zh-TW" sz="2400" dirty="0">
+                <a:solidFill>
+                  <a:schemeClr val="bg1"/>
+                </a:solidFill>
+              </a:rPr>
+              <a:t>0307</a:t>
+            </a:r>
+            <a:endParaRPr lang="zh-TW" altLang="en-US" sz="2400" dirty="0">
+              <a:solidFill>
+                <a:schemeClr val="bg1"/>
+              </a:solidFill>
+            </a:endParaRPr>
+          </a:p>
+        </p:txBody>
+      </p:sp>
+      <p:sp>
+        <p:nvSpPr>
+          <p:cNvPr id="22" name="文字方塊 21">
+            <a:extLst>
+              <a:ext uri="{FF2B5EF4-FFF2-40B4-BE49-F238E27FC236}">
+                <a16:creationId xmlns:a16="http://schemas.microsoft.com/office/drawing/2014/main" id="{9BC2EBA1-7873-4CCC-B08B-B139678E0E10}"/>
+              </a:ext>
+            </a:extLst>
+          </p:cNvPr>
+          <p:cNvSpPr txBox="1"/>
+          <p:nvPr/>
+        </p:nvSpPr>
+        <p:spPr>
+          <a:xfrm>
+            <a:off x="865943" y="0"/>
+            <a:ext cx="800219" cy="461665"/>
+          </a:xfrm>
+          <a:prstGeom prst="rect">
+            <a:avLst/>
+          </a:prstGeom>
+          <a:solidFill>
+            <a:schemeClr val="accent1"/>
+          </a:solidFill>
+        </p:spPr>
+        <p:txBody>
+          <a:bodyPr wrap="none" rtlCol="0">
+            <a:spAutoFit/>
+          </a:bodyPr>
+          <a:lstStyle/>
+          <a:p>
+            <a:r>
+              <a:rPr lang="zh-TW" altLang="en-US" sz="2400" dirty="0">
+                <a:solidFill>
+                  <a:schemeClr val="bg1"/>
+                </a:solidFill>
+              </a:rPr>
+              <a:t>梁深</a:t>
+            </a:r>
           </a:p>
         </p:txBody>
       </p:sp>
     </p:spTree>
     <p:extLst>
       <p:ext uri="{BB962C8B-B14F-4D97-AF65-F5344CB8AC3E}">
-        <p14:creationId xmlns:p14="http://schemas.microsoft.com/office/powerpoint/2010/main" val="2132747922"/>
+        <p14:creationId xmlns:p14="http://schemas.microsoft.com/office/powerpoint/2010/main" val="4229112919"/>
       </p:ext>
     </p:extLst>
   </p:cSld>
@@ -27860,60 +28861,10 @@
       </p:grpSpPr>
       <p:sp>
         <p:nvSpPr>
-          <p:cNvPr id="5" name="標題 4">
+          <p:cNvPr id="2" name="投影片編號版面配置區 1">
             <a:extLst>
               <a:ext uri="{FF2B5EF4-FFF2-40B4-BE49-F238E27FC236}">
-                <a16:creationId xmlns:a16="http://schemas.microsoft.com/office/drawing/2014/main" id="{625AFDD7-B674-4A3A-82BC-993B1E8C1F11}"/>
-              </a:ext>
-            </a:extLst>
-          </p:cNvPr>
-          <p:cNvSpPr>
-            <a:spLocks noGrp="1"/>
-          </p:cNvSpPr>
-          <p:nvPr>
-            <p:ph type="title"/>
-          </p:nvPr>
-        </p:nvSpPr>
-        <p:spPr/>
-        <p:txBody>
-          <a:bodyPr/>
-          <a:lstStyle/>
-          <a:p>
-            <a:endParaRPr lang="zh-TW" altLang="en-US"/>
-          </a:p>
-        </p:txBody>
-      </p:sp>
-      <p:sp>
-        <p:nvSpPr>
-          <p:cNvPr id="6" name="內容版面配置區 5">
-            <a:extLst>
-              <a:ext uri="{FF2B5EF4-FFF2-40B4-BE49-F238E27FC236}">
-                <a16:creationId xmlns:a16="http://schemas.microsoft.com/office/drawing/2014/main" id="{12CC62F4-3997-46E5-8E45-8515423B82B3}"/>
-              </a:ext>
-            </a:extLst>
-          </p:cNvPr>
-          <p:cNvSpPr>
-            <a:spLocks noGrp="1"/>
-          </p:cNvSpPr>
-          <p:nvPr>
-            <p:ph sz="quarter" idx="13"/>
-          </p:nvPr>
-        </p:nvSpPr>
-        <p:spPr/>
-        <p:txBody>
-          <a:bodyPr/>
-          <a:lstStyle/>
-          <a:p>
-            <a:endParaRPr lang="zh-TW" altLang="en-US"/>
-          </a:p>
-        </p:txBody>
-      </p:sp>
-      <p:sp>
-        <p:nvSpPr>
-          <p:cNvPr id="3" name="投影片編號版面配置區 2">
-            <a:extLst>
-              <a:ext uri="{FF2B5EF4-FFF2-40B4-BE49-F238E27FC236}">
-                <a16:creationId xmlns:a16="http://schemas.microsoft.com/office/drawing/2014/main" id="{3F67C479-1EAC-4F5E-A0BE-4592424F80EA}"/>
+                <a16:creationId xmlns:a16="http://schemas.microsoft.com/office/drawing/2014/main" id="{911C48D5-25F9-47E5-8ABF-C4D07E4F3A3B}"/>
               </a:ext>
             </a:extLst>
           </p:cNvPr>
@@ -27933,14 +28884,1067 @@
               <a:rPr lang="zh-TW" altLang="en-US" smtClean="0"/>
               <a:t>25</a:t>
             </a:fld>
-            <a:endParaRPr lang="zh-TW" altLang="en-US"/>
+            <a:endParaRPr lang="zh-TW" altLang="en-US" dirty="0"/>
+          </a:p>
+        </p:txBody>
+      </p:sp>
+      <p:sp>
+        <p:nvSpPr>
+          <p:cNvPr id="5" name="文字方塊 4">
+            <a:extLst>
+              <a:ext uri="{FF2B5EF4-FFF2-40B4-BE49-F238E27FC236}">
+                <a16:creationId xmlns:a16="http://schemas.microsoft.com/office/drawing/2014/main" id="{E14D17D7-E7C4-4FCD-800E-0D6ED48FA1F1}"/>
+              </a:ext>
+            </a:extLst>
+          </p:cNvPr>
+          <p:cNvSpPr txBox="1"/>
+          <p:nvPr/>
+        </p:nvSpPr>
+        <p:spPr>
+          <a:xfrm>
+            <a:off x="924224" y="698267"/>
+            <a:ext cx="1800493" cy="369332"/>
+          </a:xfrm>
+          <a:prstGeom prst="rect">
+            <a:avLst/>
+          </a:prstGeom>
+          <a:noFill/>
+        </p:spPr>
+        <p:txBody>
+          <a:bodyPr wrap="none" rtlCol="0">
+            <a:spAutoFit/>
+          </a:bodyPr>
+          <a:lstStyle/>
+          <a:p>
+            <a:r>
+              <a:rPr lang="zh-TW" altLang="en-US" dirty="0"/>
+              <a:t>鋼筋間距之限制</a:t>
+            </a:r>
+          </a:p>
+        </p:txBody>
+      </p:sp>
+      <p:grpSp>
+        <p:nvGrpSpPr>
+          <p:cNvPr id="6" name="Group 24">
+            <a:extLst>
+              <a:ext uri="{FF2B5EF4-FFF2-40B4-BE49-F238E27FC236}">
+                <a16:creationId xmlns:a16="http://schemas.microsoft.com/office/drawing/2014/main" id="{E60EE45D-5200-4577-BB35-21E7C74F7ACE}"/>
+              </a:ext>
+            </a:extLst>
+          </p:cNvPr>
+          <p:cNvGrpSpPr/>
+          <p:nvPr/>
+        </p:nvGrpSpPr>
+        <p:grpSpPr>
+          <a:xfrm>
+            <a:off x="1220043" y="1448609"/>
+            <a:ext cx="708425" cy="708425"/>
+            <a:chOff x="3173014" y="2956717"/>
+            <a:chExt cx="944566" cy="944566"/>
+          </a:xfrm>
+        </p:grpSpPr>
+        <p:sp>
+          <p:nvSpPr>
+            <p:cNvPr id="7" name="Oval 25">
+              <a:extLst>
+                <a:ext uri="{FF2B5EF4-FFF2-40B4-BE49-F238E27FC236}">
+                  <a16:creationId xmlns:a16="http://schemas.microsoft.com/office/drawing/2014/main" id="{550C8446-72E3-4D32-A806-41FFC30B5A0E}"/>
+                </a:ext>
+              </a:extLst>
+            </p:cNvPr>
+            <p:cNvSpPr/>
+            <p:nvPr/>
+          </p:nvSpPr>
+          <p:spPr>
+            <a:xfrm>
+              <a:off x="3290491" y="3074194"/>
+              <a:ext cx="709612" cy="709612"/>
+            </a:xfrm>
+            <a:prstGeom prst="ellipse">
+              <a:avLst/>
+            </a:prstGeom>
+            <a:solidFill>
+              <a:schemeClr val="bg1">
+                <a:lumMod val="85000"/>
+              </a:schemeClr>
+            </a:solidFill>
+            <a:ln>
+              <a:noFill/>
+            </a:ln>
+          </p:spPr>
+          <p:style>
+            <a:lnRef idx="2">
+              <a:schemeClr val="accent1">
+                <a:shade val="50000"/>
+              </a:schemeClr>
+            </a:lnRef>
+            <a:fillRef idx="1">
+              <a:schemeClr val="accent1"/>
+            </a:fillRef>
+            <a:effectRef idx="0">
+              <a:schemeClr val="accent1"/>
+            </a:effectRef>
+            <a:fontRef idx="minor">
+              <a:schemeClr val="lt1"/>
+            </a:fontRef>
+          </p:style>
+          <p:txBody>
+            <a:bodyPr rtlCol="0" anchor="ctr"/>
+            <a:lstStyle/>
+            <a:p>
+              <a:pPr algn="ctr"/>
+              <a:endParaRPr lang="fr-FR" sz="1350"/>
+            </a:p>
+          </p:txBody>
+        </p:sp>
+        <p:sp>
+          <p:nvSpPr>
+            <p:cNvPr id="8" name="Oval 26">
+              <a:extLst>
+                <a:ext uri="{FF2B5EF4-FFF2-40B4-BE49-F238E27FC236}">
+                  <a16:creationId xmlns:a16="http://schemas.microsoft.com/office/drawing/2014/main" id="{E6EA1B98-00ED-4CF0-BCC2-4A711720CE9C}"/>
+                </a:ext>
+              </a:extLst>
+            </p:cNvPr>
+            <p:cNvSpPr/>
+            <p:nvPr/>
+          </p:nvSpPr>
+          <p:spPr>
+            <a:xfrm>
+              <a:off x="3173014" y="2956717"/>
+              <a:ext cx="944566" cy="944566"/>
+            </a:xfrm>
+            <a:prstGeom prst="ellipse">
+              <a:avLst/>
+            </a:prstGeom>
+            <a:solidFill>
+              <a:schemeClr val="bg1">
+                <a:lumMod val="85000"/>
+                <a:alpha val="42000"/>
+              </a:schemeClr>
+            </a:solidFill>
+            <a:ln>
+              <a:noFill/>
+            </a:ln>
+          </p:spPr>
+          <p:style>
+            <a:lnRef idx="2">
+              <a:schemeClr val="accent1">
+                <a:shade val="50000"/>
+              </a:schemeClr>
+            </a:lnRef>
+            <a:fillRef idx="1">
+              <a:schemeClr val="accent1"/>
+            </a:fillRef>
+            <a:effectRef idx="0">
+              <a:schemeClr val="accent1"/>
+            </a:effectRef>
+            <a:fontRef idx="minor">
+              <a:schemeClr val="lt1"/>
+            </a:fontRef>
+          </p:style>
+          <p:txBody>
+            <a:bodyPr rtlCol="0" anchor="ctr"/>
+            <a:lstStyle/>
+            <a:p>
+              <a:pPr algn="ctr"/>
+              <a:r>
+                <a:rPr lang="fr-FR" sz="2100" dirty="0">
+                  <a:solidFill>
+                    <a:schemeClr val="tx1"/>
+                  </a:solidFill>
+                  <a:latin typeface="Segoe UI" panose="020B0502040204020203" pitchFamily="34" charset="0"/>
+                  <a:cs typeface="Segoe UI" panose="020B0502040204020203" pitchFamily="34" charset="0"/>
+                </a:rPr>
+                <a:t>1</a:t>
+              </a:r>
+            </a:p>
+          </p:txBody>
+        </p:sp>
+      </p:grpSp>
+      <p:cxnSp>
+        <p:nvCxnSpPr>
+          <p:cNvPr id="9" name="Straight Connector 13">
+            <a:extLst>
+              <a:ext uri="{FF2B5EF4-FFF2-40B4-BE49-F238E27FC236}">
+                <a16:creationId xmlns:a16="http://schemas.microsoft.com/office/drawing/2014/main" id="{0BCCE130-C6EB-4548-9591-C46B27FA1784}"/>
+              </a:ext>
+            </a:extLst>
+          </p:cNvPr>
+          <p:cNvCxnSpPr/>
+          <p:nvPr/>
+        </p:nvCxnSpPr>
+        <p:spPr>
+          <a:xfrm>
+            <a:off x="1571021" y="2157034"/>
+            <a:ext cx="0" cy="1087200"/>
+          </a:xfrm>
+          <a:prstGeom prst="line">
+            <a:avLst/>
+          </a:prstGeom>
+          <a:ln w="28575">
+            <a:solidFill>
+              <a:srgbClr val="EDECEC"/>
+            </a:solidFill>
+          </a:ln>
+        </p:spPr>
+        <p:style>
+          <a:lnRef idx="1">
+            <a:schemeClr val="accent1"/>
+          </a:lnRef>
+          <a:fillRef idx="0">
+            <a:schemeClr val="accent1"/>
+          </a:fillRef>
+          <a:effectRef idx="0">
+            <a:schemeClr val="accent1"/>
+          </a:effectRef>
+          <a:fontRef idx="minor">
+            <a:schemeClr val="tx1"/>
+          </a:fontRef>
+        </p:style>
+      </p:cxnSp>
+      <p:grpSp>
+        <p:nvGrpSpPr>
+          <p:cNvPr id="10" name="Group 1">
+            <a:extLst>
+              <a:ext uri="{FF2B5EF4-FFF2-40B4-BE49-F238E27FC236}">
+                <a16:creationId xmlns:a16="http://schemas.microsoft.com/office/drawing/2014/main" id="{2F6B791B-C4A4-4B1C-A6FD-2F514D16014F}"/>
+              </a:ext>
+            </a:extLst>
+          </p:cNvPr>
+          <p:cNvGrpSpPr/>
+          <p:nvPr/>
+        </p:nvGrpSpPr>
+        <p:grpSpPr>
+          <a:xfrm>
+            <a:off x="1220043" y="3244234"/>
+            <a:ext cx="708425" cy="708425"/>
+            <a:chOff x="3173014" y="2956717"/>
+            <a:chExt cx="944566" cy="944566"/>
+          </a:xfrm>
+        </p:grpSpPr>
+        <p:sp>
+          <p:nvSpPr>
+            <p:cNvPr id="11" name="Oval 18">
+              <a:extLst>
+                <a:ext uri="{FF2B5EF4-FFF2-40B4-BE49-F238E27FC236}">
+                  <a16:creationId xmlns:a16="http://schemas.microsoft.com/office/drawing/2014/main" id="{5E932C72-DABF-41FB-9BDF-C2E940DC83B5}"/>
+                </a:ext>
+              </a:extLst>
+            </p:cNvPr>
+            <p:cNvSpPr/>
+            <p:nvPr/>
+          </p:nvSpPr>
+          <p:spPr>
+            <a:xfrm>
+              <a:off x="3290491" y="3074194"/>
+              <a:ext cx="709612" cy="709612"/>
+            </a:xfrm>
+            <a:prstGeom prst="ellipse">
+              <a:avLst/>
+            </a:prstGeom>
+            <a:solidFill>
+              <a:schemeClr val="bg1">
+                <a:lumMod val="85000"/>
+              </a:schemeClr>
+            </a:solidFill>
+            <a:ln>
+              <a:noFill/>
+            </a:ln>
+          </p:spPr>
+          <p:style>
+            <a:lnRef idx="2">
+              <a:schemeClr val="accent1">
+                <a:shade val="50000"/>
+              </a:schemeClr>
+            </a:lnRef>
+            <a:fillRef idx="1">
+              <a:schemeClr val="accent1"/>
+            </a:fillRef>
+            <a:effectRef idx="0">
+              <a:schemeClr val="accent1"/>
+            </a:effectRef>
+            <a:fontRef idx="minor">
+              <a:schemeClr val="lt1"/>
+            </a:fontRef>
+          </p:style>
+          <p:txBody>
+            <a:bodyPr rtlCol="0" anchor="ctr"/>
+            <a:lstStyle/>
+            <a:p>
+              <a:pPr algn="ctr"/>
+              <a:endParaRPr lang="fr-FR" sz="1350" dirty="0"/>
+            </a:p>
+          </p:txBody>
+        </p:sp>
+        <p:sp>
+          <p:nvSpPr>
+            <p:cNvPr id="12" name="Oval 22">
+              <a:extLst>
+                <a:ext uri="{FF2B5EF4-FFF2-40B4-BE49-F238E27FC236}">
+                  <a16:creationId xmlns:a16="http://schemas.microsoft.com/office/drawing/2014/main" id="{D0E2F71E-17BA-4950-9A50-7DDFAB91DEFD}"/>
+                </a:ext>
+              </a:extLst>
+            </p:cNvPr>
+            <p:cNvSpPr/>
+            <p:nvPr/>
+          </p:nvSpPr>
+          <p:spPr>
+            <a:xfrm>
+              <a:off x="3173014" y="2956717"/>
+              <a:ext cx="944566" cy="944566"/>
+            </a:xfrm>
+            <a:prstGeom prst="ellipse">
+              <a:avLst/>
+            </a:prstGeom>
+            <a:solidFill>
+              <a:schemeClr val="bg1">
+                <a:lumMod val="85000"/>
+                <a:alpha val="42000"/>
+              </a:schemeClr>
+            </a:solidFill>
+            <a:ln>
+              <a:noFill/>
+            </a:ln>
+          </p:spPr>
+          <p:style>
+            <a:lnRef idx="2">
+              <a:schemeClr val="accent1">
+                <a:shade val="50000"/>
+              </a:schemeClr>
+            </a:lnRef>
+            <a:fillRef idx="1">
+              <a:schemeClr val="accent1"/>
+            </a:fillRef>
+            <a:effectRef idx="0">
+              <a:schemeClr val="accent1"/>
+            </a:effectRef>
+            <a:fontRef idx="minor">
+              <a:schemeClr val="lt1"/>
+            </a:fontRef>
+          </p:style>
+          <p:txBody>
+            <a:bodyPr rtlCol="0" anchor="ctr"/>
+            <a:lstStyle/>
+            <a:p>
+              <a:pPr algn="ctr"/>
+              <a:r>
+                <a:rPr lang="fr-FR" sz="2100" dirty="0">
+                  <a:solidFill>
+                    <a:schemeClr val="tx1"/>
+                  </a:solidFill>
+                  <a:latin typeface="Segoe UI" panose="020B0502040204020203" pitchFamily="34" charset="0"/>
+                  <a:cs typeface="Segoe UI" panose="020B0502040204020203" pitchFamily="34" charset="0"/>
+                </a:rPr>
+                <a:t>2</a:t>
+              </a:r>
+            </a:p>
+          </p:txBody>
+        </p:sp>
+      </p:grpSp>
+      <p:grpSp>
+        <p:nvGrpSpPr>
+          <p:cNvPr id="13" name="Group 27">
+            <a:extLst>
+              <a:ext uri="{FF2B5EF4-FFF2-40B4-BE49-F238E27FC236}">
+                <a16:creationId xmlns:a16="http://schemas.microsoft.com/office/drawing/2014/main" id="{41C2C30E-EA09-48D5-B777-8CC754480AC0}"/>
+              </a:ext>
+            </a:extLst>
+          </p:cNvPr>
+          <p:cNvGrpSpPr/>
+          <p:nvPr/>
+        </p:nvGrpSpPr>
+        <p:grpSpPr>
+          <a:xfrm>
+            <a:off x="1220043" y="5039859"/>
+            <a:ext cx="708425" cy="708425"/>
+            <a:chOff x="3173014" y="2956717"/>
+            <a:chExt cx="944566" cy="944566"/>
+          </a:xfrm>
+        </p:grpSpPr>
+        <p:sp>
+          <p:nvSpPr>
+            <p:cNvPr id="14" name="Oval 28">
+              <a:extLst>
+                <a:ext uri="{FF2B5EF4-FFF2-40B4-BE49-F238E27FC236}">
+                  <a16:creationId xmlns:a16="http://schemas.microsoft.com/office/drawing/2014/main" id="{5EE1ACF6-2E27-4709-8A4F-60652F30B431}"/>
+                </a:ext>
+              </a:extLst>
+            </p:cNvPr>
+            <p:cNvSpPr/>
+            <p:nvPr/>
+          </p:nvSpPr>
+          <p:spPr>
+            <a:xfrm>
+              <a:off x="3290491" y="3074194"/>
+              <a:ext cx="709612" cy="709612"/>
+            </a:xfrm>
+            <a:prstGeom prst="ellipse">
+              <a:avLst/>
+            </a:prstGeom>
+            <a:solidFill>
+              <a:schemeClr val="bg1">
+                <a:lumMod val="85000"/>
+              </a:schemeClr>
+            </a:solidFill>
+            <a:ln>
+              <a:noFill/>
+            </a:ln>
+          </p:spPr>
+          <p:style>
+            <a:lnRef idx="2">
+              <a:schemeClr val="accent1">
+                <a:shade val="50000"/>
+              </a:schemeClr>
+            </a:lnRef>
+            <a:fillRef idx="1">
+              <a:schemeClr val="accent1"/>
+            </a:fillRef>
+            <a:effectRef idx="0">
+              <a:schemeClr val="accent1"/>
+            </a:effectRef>
+            <a:fontRef idx="minor">
+              <a:schemeClr val="lt1"/>
+            </a:fontRef>
+          </p:style>
+          <p:txBody>
+            <a:bodyPr rtlCol="0" anchor="ctr"/>
+            <a:lstStyle/>
+            <a:p>
+              <a:pPr algn="ctr"/>
+              <a:endParaRPr lang="fr-FR" sz="1350"/>
+            </a:p>
+          </p:txBody>
+        </p:sp>
+        <p:sp>
+          <p:nvSpPr>
+            <p:cNvPr id="15" name="Oval 29">
+              <a:extLst>
+                <a:ext uri="{FF2B5EF4-FFF2-40B4-BE49-F238E27FC236}">
+                  <a16:creationId xmlns:a16="http://schemas.microsoft.com/office/drawing/2014/main" id="{5BA38EA8-0D45-497B-A467-5BD2F941ABB9}"/>
+                </a:ext>
+              </a:extLst>
+            </p:cNvPr>
+            <p:cNvSpPr/>
+            <p:nvPr/>
+          </p:nvSpPr>
+          <p:spPr>
+            <a:xfrm>
+              <a:off x="3173014" y="2956717"/>
+              <a:ext cx="944566" cy="944566"/>
+            </a:xfrm>
+            <a:prstGeom prst="ellipse">
+              <a:avLst/>
+            </a:prstGeom>
+            <a:solidFill>
+              <a:schemeClr val="bg1">
+                <a:lumMod val="85000"/>
+                <a:alpha val="42000"/>
+              </a:schemeClr>
+            </a:solidFill>
+            <a:ln>
+              <a:noFill/>
+            </a:ln>
+          </p:spPr>
+          <p:style>
+            <a:lnRef idx="2">
+              <a:schemeClr val="accent1">
+                <a:shade val="50000"/>
+              </a:schemeClr>
+            </a:lnRef>
+            <a:fillRef idx="1">
+              <a:schemeClr val="accent1"/>
+            </a:fillRef>
+            <a:effectRef idx="0">
+              <a:schemeClr val="accent1"/>
+            </a:effectRef>
+            <a:fontRef idx="minor">
+              <a:schemeClr val="lt1"/>
+            </a:fontRef>
+          </p:style>
+          <p:txBody>
+            <a:bodyPr rtlCol="0" anchor="ctr"/>
+            <a:lstStyle/>
+            <a:p>
+              <a:pPr algn="ctr"/>
+              <a:r>
+                <a:rPr lang="fr-FR" sz="2100" dirty="0">
+                  <a:solidFill>
+                    <a:schemeClr val="tx1"/>
+                  </a:solidFill>
+                  <a:latin typeface="Segoe UI" panose="020B0502040204020203" pitchFamily="34" charset="0"/>
+                  <a:cs typeface="Segoe UI" panose="020B0502040204020203" pitchFamily="34" charset="0"/>
+                </a:rPr>
+                <a:t>3</a:t>
+              </a:r>
+            </a:p>
+          </p:txBody>
+        </p:sp>
+      </p:grpSp>
+      <p:cxnSp>
+        <p:nvCxnSpPr>
+          <p:cNvPr id="16" name="Straight Connector 13">
+            <a:extLst>
+              <a:ext uri="{FF2B5EF4-FFF2-40B4-BE49-F238E27FC236}">
+                <a16:creationId xmlns:a16="http://schemas.microsoft.com/office/drawing/2014/main" id="{2AA8FEB6-AF4C-4E6B-828B-61782360EAB8}"/>
+              </a:ext>
+            </a:extLst>
+          </p:cNvPr>
+          <p:cNvCxnSpPr/>
+          <p:nvPr/>
+        </p:nvCxnSpPr>
+        <p:spPr>
+          <a:xfrm>
+            <a:off x="1571021" y="3952659"/>
+            <a:ext cx="0" cy="1087200"/>
+          </a:xfrm>
+          <a:prstGeom prst="line">
+            <a:avLst/>
+          </a:prstGeom>
+          <a:ln w="28575">
+            <a:solidFill>
+              <a:srgbClr val="EDECEC"/>
+            </a:solidFill>
+          </a:ln>
+        </p:spPr>
+        <p:style>
+          <a:lnRef idx="1">
+            <a:schemeClr val="accent1"/>
+          </a:lnRef>
+          <a:fillRef idx="0">
+            <a:schemeClr val="accent1"/>
+          </a:fillRef>
+          <a:effectRef idx="0">
+            <a:schemeClr val="accent1"/>
+          </a:effectRef>
+          <a:fontRef idx="minor">
+            <a:schemeClr val="tx1"/>
+          </a:fontRef>
+        </p:style>
+      </p:cxnSp>
+      <p:sp>
+        <p:nvSpPr>
+          <p:cNvPr id="17" name="TextBox 98">
+            <a:extLst>
+              <a:ext uri="{FF2B5EF4-FFF2-40B4-BE49-F238E27FC236}">
+                <a16:creationId xmlns:a16="http://schemas.microsoft.com/office/drawing/2014/main" id="{B9B0A0F5-7F32-4C50-8C11-C3D919A33CFA}"/>
+              </a:ext>
+            </a:extLst>
+          </p:cNvPr>
+          <p:cNvSpPr txBox="1"/>
+          <p:nvPr/>
+        </p:nvSpPr>
+        <p:spPr>
+          <a:xfrm>
+            <a:off x="2525566" y="1616380"/>
+            <a:ext cx="3893881" cy="323165"/>
+          </a:xfrm>
+          <a:prstGeom prst="rect">
+            <a:avLst/>
+          </a:prstGeom>
+          <a:noFill/>
+        </p:spPr>
+        <p:txBody>
+          <a:bodyPr wrap="square" lIns="0" rtlCol="0" anchor="t">
+            <a:spAutoFit/>
+          </a:bodyPr>
+          <a:lstStyle/>
+          <a:p>
+            <a:r>
+              <a:rPr lang="zh-TW" altLang="en-US" sz="1500" dirty="0">
+                <a:latin typeface="Segoe UI Light" panose="020B0502040204020203" pitchFamily="34" charset="0"/>
+                <a:cs typeface="Segoe UI Light" panose="020B0502040204020203" pitchFamily="34" charset="0"/>
+              </a:rPr>
+              <a:t>取出</a:t>
+            </a:r>
+            <a:r>
+              <a:rPr lang="en-US" altLang="zh-TW" sz="1500" dirty="0">
+                <a:latin typeface="Segoe UI Light" panose="020B0502040204020203" pitchFamily="34" charset="0"/>
+                <a:cs typeface="Segoe UI Light" panose="020B0502040204020203" pitchFamily="34" charset="0"/>
+              </a:rPr>
+              <a:t>:</a:t>
+            </a:r>
+            <a:r>
+              <a:rPr lang="zh-TW" altLang="en-US" sz="1500" dirty="0">
+                <a:latin typeface="Segoe UI Light" panose="020B0502040204020203" pitchFamily="34" charset="0"/>
+                <a:cs typeface="Segoe UI Light" panose="020B0502040204020203" pitchFamily="34" charset="0"/>
+              </a:rPr>
+              <a:t> 主筋直徑、箍筋直徑、梁寬</a:t>
+            </a:r>
+            <a:endParaRPr lang="fr-FR" sz="1500" dirty="0">
+              <a:latin typeface="Segoe UI Light" panose="020B0502040204020203" pitchFamily="34" charset="0"/>
+              <a:cs typeface="Segoe UI Light" panose="020B0502040204020203" pitchFamily="34" charset="0"/>
+            </a:endParaRPr>
+          </a:p>
+        </p:txBody>
+      </p:sp>
+      <p:sp>
+        <p:nvSpPr>
+          <p:cNvPr id="18" name="TextBox 98">
+            <a:extLst>
+              <a:ext uri="{FF2B5EF4-FFF2-40B4-BE49-F238E27FC236}">
+                <a16:creationId xmlns:a16="http://schemas.microsoft.com/office/drawing/2014/main" id="{9A701536-D78C-4198-9F21-9E4E29DBDFD5}"/>
+              </a:ext>
+            </a:extLst>
+          </p:cNvPr>
+          <p:cNvSpPr txBox="1"/>
+          <p:nvPr/>
+        </p:nvSpPr>
+        <p:spPr>
+          <a:xfrm>
+            <a:off x="2525567" y="2870923"/>
+            <a:ext cx="4116302" cy="1477328"/>
+          </a:xfrm>
+          <a:prstGeom prst="rect">
+            <a:avLst/>
+          </a:prstGeom>
+          <a:noFill/>
+        </p:spPr>
+        <p:txBody>
+          <a:bodyPr wrap="square" lIns="0" rtlCol="0" anchor="t">
+            <a:spAutoFit/>
+          </a:bodyPr>
+          <a:lstStyle/>
+          <a:p>
+            <a:r>
+              <a:rPr lang="zh-TW" altLang="en-US" sz="1500" dirty="0">
+                <a:latin typeface="Segoe UI Light" panose="020B0502040204020203" pitchFamily="34" charset="0"/>
+                <a:cs typeface="Segoe UI Light" panose="020B0502040204020203" pitchFamily="34" charset="0"/>
+              </a:rPr>
+              <a:t>主筋淨間距</a:t>
+            </a:r>
+            <a:r>
+              <a:rPr lang="en-US" altLang="zh-TW" sz="1500" dirty="0">
+                <a:latin typeface="Segoe UI Light" panose="020B0502040204020203" pitchFamily="34" charset="0"/>
+                <a:cs typeface="Segoe UI Light" panose="020B0502040204020203" pitchFamily="34" charset="0"/>
+              </a:rPr>
+              <a:t> = (</a:t>
+            </a:r>
+            <a:r>
+              <a:rPr lang="zh-TW" altLang="en-US" sz="1500" dirty="0">
+                <a:latin typeface="Segoe UI Light" panose="020B0502040204020203" pitchFamily="34" charset="0"/>
+                <a:cs typeface="Segoe UI Light" panose="020B0502040204020203" pitchFamily="34" charset="0"/>
+              </a:rPr>
+              <a:t>梁寬 </a:t>
+            </a:r>
+            <a:r>
+              <a:rPr lang="en-US" altLang="zh-TW" sz="1500" dirty="0">
+                <a:latin typeface="Segoe UI Light" panose="020B0502040204020203" pitchFamily="34" charset="0"/>
+                <a:cs typeface="Segoe UI Light" panose="020B0502040204020203" pitchFamily="34" charset="0"/>
+              </a:rPr>
+              <a:t>– </a:t>
+            </a:r>
+            <a:r>
+              <a:rPr lang="zh-TW" altLang="en-US" sz="1500" dirty="0">
+                <a:latin typeface="Segoe UI Light" panose="020B0502040204020203" pitchFamily="34" charset="0"/>
+                <a:cs typeface="Segoe UI Light" panose="020B0502040204020203" pitchFamily="34" charset="0"/>
+              </a:rPr>
+              <a:t>保護層 * </a:t>
+            </a:r>
+            <a:r>
+              <a:rPr lang="en-US" altLang="zh-TW" sz="1500" dirty="0">
+                <a:latin typeface="Segoe UI Light" panose="020B0502040204020203" pitchFamily="34" charset="0"/>
+                <a:cs typeface="Segoe UI Light" panose="020B0502040204020203" pitchFamily="34" charset="0"/>
+              </a:rPr>
+              <a:t>2 – </a:t>
+            </a:r>
+            <a:r>
+              <a:rPr lang="zh-TW" altLang="en-US" sz="1500" dirty="0">
+                <a:latin typeface="Segoe UI Light" panose="020B0502040204020203" pitchFamily="34" charset="0"/>
+                <a:cs typeface="Segoe UI Light" panose="020B0502040204020203" pitchFamily="34" charset="0"/>
+              </a:rPr>
+              <a:t>箍筋直徑 * </a:t>
+            </a:r>
+            <a:r>
+              <a:rPr lang="en-US" altLang="zh-TW" sz="1500" dirty="0">
+                <a:latin typeface="Segoe UI Light" panose="020B0502040204020203" pitchFamily="34" charset="0"/>
+                <a:cs typeface="Segoe UI Light" panose="020B0502040204020203" pitchFamily="34" charset="0"/>
+              </a:rPr>
+              <a:t>2 -</a:t>
+            </a:r>
+            <a:r>
+              <a:rPr lang="zh-TW" altLang="en-US" sz="1500" dirty="0">
+                <a:latin typeface="Segoe UI Light" panose="020B0502040204020203" pitchFamily="34" charset="0"/>
+                <a:cs typeface="Segoe UI Light" panose="020B0502040204020203" pitchFamily="34" charset="0"/>
+              </a:rPr>
+              <a:t>主筋支數 * 主筋直徑</a:t>
+            </a:r>
+            <a:r>
+              <a:rPr lang="en-US" altLang="zh-TW" sz="1500" dirty="0">
+                <a:latin typeface="Segoe UI Light" panose="020B0502040204020203" pitchFamily="34" charset="0"/>
+                <a:cs typeface="Segoe UI Light" panose="020B0502040204020203" pitchFamily="34" charset="0"/>
+              </a:rPr>
+              <a:t>) / (</a:t>
+            </a:r>
+            <a:r>
+              <a:rPr lang="zh-TW" altLang="en-US" sz="1500" dirty="0">
+                <a:latin typeface="Segoe UI Light" panose="020B0502040204020203" pitchFamily="34" charset="0"/>
+                <a:cs typeface="Segoe UI Light" panose="020B0502040204020203" pitchFamily="34" charset="0"/>
+              </a:rPr>
+              <a:t>主筋支數 </a:t>
+            </a:r>
+            <a:r>
+              <a:rPr lang="en-US" altLang="zh-TW" sz="1500" dirty="0">
+                <a:latin typeface="Segoe UI Light" panose="020B0502040204020203" pitchFamily="34" charset="0"/>
+                <a:cs typeface="Segoe UI Light" panose="020B0502040204020203" pitchFamily="34" charset="0"/>
+              </a:rPr>
+              <a:t>- 1) </a:t>
+            </a:r>
+          </a:p>
+          <a:p>
+            <a:endParaRPr lang="en-US" altLang="zh-TW" sz="1500" dirty="0">
+              <a:latin typeface="Segoe UI Light" panose="020B0502040204020203" pitchFamily="34" charset="0"/>
+              <a:cs typeface="Segoe UI Light" panose="020B0502040204020203" pitchFamily="34" charset="0"/>
+            </a:endParaRPr>
+          </a:p>
+          <a:p>
+            <a:r>
+              <a:rPr lang="zh-TW" altLang="en-US" sz="1500" dirty="0">
+                <a:latin typeface="Segoe UI Light" panose="020B0502040204020203" pitchFamily="34" charset="0"/>
+                <a:cs typeface="Segoe UI Light" panose="020B0502040204020203" pitchFamily="34" charset="0"/>
+              </a:rPr>
+              <a:t>判斷</a:t>
+            </a:r>
+            <a:r>
+              <a:rPr lang="en-US" altLang="zh-TW" sz="1500" dirty="0">
+                <a:latin typeface="Segoe UI Light" panose="020B0502040204020203" pitchFamily="34" charset="0"/>
+                <a:cs typeface="Segoe UI Light" panose="020B0502040204020203" pitchFamily="34" charset="0"/>
+              </a:rPr>
+              <a:t>:</a:t>
+            </a:r>
+            <a:r>
+              <a:rPr lang="zh-TW" altLang="en-US" sz="1500" dirty="0">
+                <a:latin typeface="Segoe UI Light" panose="020B0502040204020203" pitchFamily="34" charset="0"/>
+                <a:cs typeface="Segoe UI Light" panose="020B0502040204020203" pitchFamily="34" charset="0"/>
+              </a:rPr>
+              <a:t> </a:t>
+            </a:r>
+            <a:endParaRPr lang="en-US" altLang="zh-TW" sz="1500" dirty="0">
+              <a:latin typeface="Segoe UI Light" panose="020B0502040204020203" pitchFamily="34" charset="0"/>
+              <a:cs typeface="Segoe UI Light" panose="020B0502040204020203" pitchFamily="34" charset="0"/>
+            </a:endParaRPr>
+          </a:p>
+          <a:p>
+            <a:pPr marL="285750" indent="-285750">
+              <a:buFontTx/>
+              <a:buChar char="-"/>
+            </a:pPr>
+            <a:r>
+              <a:rPr lang="zh-TW" altLang="en-US" sz="1500" dirty="0">
+                <a:latin typeface="Segoe UI Light" panose="020B0502040204020203" pitchFamily="34" charset="0"/>
+                <a:cs typeface="Segoe UI Light" panose="020B0502040204020203" pitchFamily="34" charset="0"/>
+              </a:rPr>
+              <a:t>主筋淨間距 </a:t>
+            </a:r>
+            <a:r>
+              <a:rPr lang="en-US" altLang="zh-TW" sz="1500" dirty="0">
+                <a:latin typeface="Segoe UI Light" panose="020B0502040204020203" pitchFamily="34" charset="0"/>
+                <a:cs typeface="Segoe UI Light" panose="020B0502040204020203" pitchFamily="34" charset="0"/>
+              </a:rPr>
+              <a:t>&gt;=</a:t>
+            </a:r>
+            <a:r>
+              <a:rPr lang="zh-TW" altLang="en-US" sz="1500" dirty="0">
+                <a:latin typeface="Segoe UI Light" panose="020B0502040204020203" pitchFamily="34" charset="0"/>
+                <a:cs typeface="Segoe UI Light" panose="020B0502040204020203" pitchFamily="34" charset="0"/>
+              </a:rPr>
+              <a:t>主筋直徑</a:t>
+            </a:r>
+            <a:endParaRPr lang="en-US" altLang="zh-TW" sz="1500" dirty="0">
+              <a:latin typeface="Segoe UI Light" panose="020B0502040204020203" pitchFamily="34" charset="0"/>
+              <a:cs typeface="Segoe UI Light" panose="020B0502040204020203" pitchFamily="34" charset="0"/>
+            </a:endParaRPr>
+          </a:p>
+          <a:p>
+            <a:pPr marL="285750" indent="-285750">
+              <a:buFontTx/>
+              <a:buChar char="-"/>
+            </a:pPr>
+            <a:r>
+              <a:rPr lang="zh-TW" altLang="en-US" sz="1500" dirty="0">
+                <a:latin typeface="Segoe UI Light" panose="020B0502040204020203" pitchFamily="34" charset="0"/>
+                <a:cs typeface="Segoe UI Light" panose="020B0502040204020203" pitchFamily="34" charset="0"/>
+              </a:rPr>
+              <a:t>主筋淨間距 </a:t>
+            </a:r>
+            <a:r>
+              <a:rPr lang="en-US" altLang="zh-TW" sz="1500" dirty="0">
+                <a:latin typeface="Segoe UI Light" panose="020B0502040204020203" pitchFamily="34" charset="0"/>
+                <a:cs typeface="Segoe UI Light" panose="020B0502040204020203" pitchFamily="34" charset="0"/>
+              </a:rPr>
+              <a:t>&gt;=</a:t>
+            </a:r>
+            <a:r>
+              <a:rPr lang="zh-TW" altLang="en-US" sz="1500" dirty="0">
+                <a:latin typeface="Segoe UI Light" panose="020B0502040204020203" pitchFamily="34" charset="0"/>
+                <a:cs typeface="Segoe UI Light" panose="020B0502040204020203" pitchFamily="34" charset="0"/>
+              </a:rPr>
+              <a:t> </a:t>
+            </a:r>
+            <a:r>
+              <a:rPr lang="en-US" altLang="zh-TW" sz="1500" dirty="0">
+                <a:latin typeface="Segoe UI Light" panose="020B0502040204020203" pitchFamily="34" charset="0"/>
+                <a:cs typeface="Segoe UI Light" panose="020B0502040204020203" pitchFamily="34" charset="0"/>
+              </a:rPr>
+              <a:t>2.5</a:t>
+            </a:r>
+            <a:endParaRPr lang="fr-FR" sz="1500" dirty="0">
+              <a:latin typeface="Segoe UI Light" panose="020B0502040204020203" pitchFamily="34" charset="0"/>
+              <a:cs typeface="Segoe UI Light" panose="020B0502040204020203" pitchFamily="34" charset="0"/>
+            </a:endParaRPr>
+          </a:p>
+        </p:txBody>
+      </p:sp>
+      <p:sp>
+        <p:nvSpPr>
+          <p:cNvPr id="19" name="TextBox 98">
+            <a:extLst>
+              <a:ext uri="{FF2B5EF4-FFF2-40B4-BE49-F238E27FC236}">
+                <a16:creationId xmlns:a16="http://schemas.microsoft.com/office/drawing/2014/main" id="{37233CD8-8F47-4841-B620-39AEBB548CE6}"/>
+              </a:ext>
+            </a:extLst>
+          </p:cNvPr>
+          <p:cNvSpPr txBox="1"/>
+          <p:nvPr/>
+        </p:nvSpPr>
+        <p:spPr>
+          <a:xfrm>
+            <a:off x="2525566" y="4705565"/>
+            <a:ext cx="5797335" cy="553998"/>
+          </a:xfrm>
+          <a:prstGeom prst="rect">
+            <a:avLst/>
+          </a:prstGeom>
+          <a:noFill/>
+        </p:spPr>
+        <p:txBody>
+          <a:bodyPr wrap="square" lIns="0" rtlCol="0" anchor="t">
+            <a:spAutoFit/>
+          </a:bodyPr>
+          <a:lstStyle/>
+          <a:p>
+            <a:r>
+              <a:rPr lang="zh-TW" altLang="en-US" sz="1500" dirty="0">
+                <a:latin typeface="Segoe UI Light" panose="020B0502040204020203" pitchFamily="34" charset="0"/>
+                <a:cs typeface="Segoe UI Light" panose="020B0502040204020203" pitchFamily="34" charset="0"/>
+              </a:rPr>
+              <a:t>是</a:t>
+            </a:r>
+            <a:r>
+              <a:rPr lang="en-US" altLang="zh-TW" sz="1500" dirty="0">
+                <a:latin typeface="Segoe UI Light" panose="020B0502040204020203" pitchFamily="34" charset="0"/>
+                <a:cs typeface="Segoe UI Light" panose="020B0502040204020203" pitchFamily="34" charset="0"/>
+              </a:rPr>
+              <a:t>:</a:t>
+            </a:r>
+            <a:r>
+              <a:rPr lang="zh-TW" altLang="en-US" sz="1500" dirty="0">
+                <a:latin typeface="Segoe UI Light" panose="020B0502040204020203" pitchFamily="34" charset="0"/>
+                <a:cs typeface="Segoe UI Light" panose="020B0502040204020203" pitchFamily="34" charset="0"/>
+              </a:rPr>
+              <a:t> </a:t>
+            </a:r>
+            <a:r>
+              <a:rPr lang="en-US" altLang="zh-TW" sz="1500" dirty="0">
+                <a:latin typeface="Segoe UI Light" panose="020B0502040204020203" pitchFamily="34" charset="0"/>
+                <a:cs typeface="Segoe UI Light" panose="020B0502040204020203" pitchFamily="34" charset="0"/>
+              </a:rPr>
+              <a:t>OK</a:t>
+            </a:r>
+          </a:p>
+          <a:p>
+            <a:r>
+              <a:rPr lang="zh-TW" altLang="en-US" sz="1500" dirty="0">
+                <a:latin typeface="Segoe UI Light" panose="020B0502040204020203" pitchFamily="34" charset="0"/>
+                <a:cs typeface="Segoe UI Light" panose="020B0502040204020203" pitchFamily="34" charset="0"/>
+              </a:rPr>
+              <a:t>否</a:t>
+            </a:r>
+            <a:r>
+              <a:rPr lang="en-US" altLang="zh-TW" sz="1500" dirty="0">
+                <a:latin typeface="Segoe UI Light" panose="020B0502040204020203" pitchFamily="34" charset="0"/>
+                <a:cs typeface="Segoe UI Light" panose="020B0502040204020203" pitchFamily="34" charset="0"/>
+              </a:rPr>
+              <a:t>:</a:t>
+            </a:r>
+            <a:r>
+              <a:rPr lang="zh-TW" altLang="en-US" sz="1500" dirty="0">
+                <a:latin typeface="Segoe UI Light" panose="020B0502040204020203" pitchFamily="34" charset="0"/>
+                <a:cs typeface="Segoe UI Light" panose="020B0502040204020203" pitchFamily="34" charset="0"/>
+              </a:rPr>
+              <a:t> </a:t>
+            </a:r>
+            <a:r>
+              <a:rPr lang="en-US" altLang="zh-TW" sz="1500" dirty="0">
+                <a:latin typeface="Segoe UI Light" panose="020B0502040204020203" pitchFamily="34" charset="0"/>
+                <a:cs typeface="Segoe UI Light" panose="020B0502040204020203" pitchFamily="34" charset="0"/>
+              </a:rPr>
+              <a:t>【0308】</a:t>
+            </a:r>
+            <a:r>
+              <a:rPr lang="zh-TW" altLang="en-US" sz="1500" dirty="0">
+                <a:latin typeface="Segoe UI Light" panose="020B0502040204020203" pitchFamily="34" charset="0"/>
+                <a:cs typeface="Segoe UI Light" panose="020B0502040204020203" pitchFamily="34" charset="0"/>
+              </a:rPr>
+              <a:t>請確認單排支數上限，是否符合淨距不少於 </a:t>
+            </a:r>
+            <a:r>
+              <a:rPr lang="en-US" altLang="zh-TW" sz="1500" dirty="0">
+                <a:latin typeface="Segoe UI Light" panose="020B0502040204020203" pitchFamily="34" charset="0"/>
+                <a:cs typeface="Segoe UI Light" panose="020B0502040204020203" pitchFamily="34" charset="0"/>
+              </a:rPr>
+              <a:t>1 Db </a:t>
+            </a:r>
+            <a:r>
+              <a:rPr lang="zh-TW" altLang="en-US" sz="1500" dirty="0">
+                <a:latin typeface="Segoe UI Light" panose="020B0502040204020203" pitchFamily="34" charset="0"/>
+                <a:cs typeface="Segoe UI Light" panose="020B0502040204020203" pitchFamily="34" charset="0"/>
+              </a:rPr>
+              <a:t>規定</a:t>
+            </a:r>
+            <a:endParaRPr lang="en-US" altLang="zh-TW" sz="1500" dirty="0">
+              <a:latin typeface="Segoe UI Light" panose="020B0502040204020203" pitchFamily="34" charset="0"/>
+              <a:cs typeface="Segoe UI Light" panose="020B0502040204020203" pitchFamily="34" charset="0"/>
+            </a:endParaRPr>
+          </a:p>
+        </p:txBody>
+      </p:sp>
+      <p:sp>
+        <p:nvSpPr>
+          <p:cNvPr id="20" name="文字方塊 19">
+            <a:extLst>
+              <a:ext uri="{FF2B5EF4-FFF2-40B4-BE49-F238E27FC236}">
+                <a16:creationId xmlns:a16="http://schemas.microsoft.com/office/drawing/2014/main" id="{C28EE910-363E-4FD9-8BAC-06CDB6F3C789}"/>
+              </a:ext>
+            </a:extLst>
+          </p:cNvPr>
+          <p:cNvSpPr txBox="1"/>
+          <p:nvPr/>
+        </p:nvSpPr>
+        <p:spPr>
+          <a:xfrm>
+            <a:off x="7646357" y="1067599"/>
+            <a:ext cx="1037465" cy="369332"/>
+          </a:xfrm>
+          <a:prstGeom prst="rect">
+            <a:avLst/>
+          </a:prstGeom>
+          <a:noFill/>
+        </p:spPr>
+        <p:txBody>
+          <a:bodyPr wrap="none" rtlCol="0">
+            <a:spAutoFit/>
+          </a:bodyPr>
+          <a:lstStyle/>
+          <a:p>
+            <a:pPr algn="r"/>
+            <a:r>
+              <a:rPr lang="en-US" altLang="zh-TW" dirty="0"/>
+              <a:t>-</a:t>
+            </a:r>
+            <a:r>
+              <a:rPr lang="zh-TW" altLang="en-US" dirty="0"/>
+              <a:t> </a:t>
+            </a:r>
+            <a:r>
+              <a:rPr lang="en-US" altLang="zh-TW" dirty="0"/>
+              <a:t>R13.5.1</a:t>
+            </a:r>
+            <a:endParaRPr lang="zh-TW" altLang="en-US" dirty="0"/>
+          </a:p>
+        </p:txBody>
+      </p:sp>
+      <p:sp>
+        <p:nvSpPr>
+          <p:cNvPr id="23" name="文字方塊 22">
+            <a:extLst>
+              <a:ext uri="{FF2B5EF4-FFF2-40B4-BE49-F238E27FC236}">
+                <a16:creationId xmlns:a16="http://schemas.microsoft.com/office/drawing/2014/main" id="{24AE3423-465D-40E9-8913-2877FCE60632}"/>
+              </a:ext>
+            </a:extLst>
+          </p:cNvPr>
+          <p:cNvSpPr txBox="1"/>
+          <p:nvPr/>
+        </p:nvSpPr>
+        <p:spPr>
+          <a:xfrm>
+            <a:off x="0" y="0"/>
+            <a:ext cx="870751" cy="461665"/>
+          </a:xfrm>
+          <a:prstGeom prst="rect">
+            <a:avLst/>
+          </a:prstGeom>
+          <a:solidFill>
+            <a:schemeClr val="tx2"/>
+          </a:solidFill>
+        </p:spPr>
+        <p:txBody>
+          <a:bodyPr wrap="none" rtlCol="0">
+            <a:spAutoFit/>
+          </a:bodyPr>
+          <a:lstStyle/>
+          <a:p>
+            <a:r>
+              <a:rPr lang="en-US" altLang="zh-TW" sz="2400" dirty="0">
+                <a:solidFill>
+                  <a:schemeClr val="bg1"/>
+                </a:solidFill>
+              </a:rPr>
+              <a:t>0308</a:t>
+            </a:r>
+            <a:endParaRPr lang="zh-TW" altLang="en-US" sz="2400" dirty="0">
+              <a:solidFill>
+                <a:schemeClr val="bg1"/>
+              </a:solidFill>
+            </a:endParaRPr>
+          </a:p>
+        </p:txBody>
+      </p:sp>
+      <p:sp>
+        <p:nvSpPr>
+          <p:cNvPr id="24" name="文字方塊 23">
+            <a:extLst>
+              <a:ext uri="{FF2B5EF4-FFF2-40B4-BE49-F238E27FC236}">
+                <a16:creationId xmlns:a16="http://schemas.microsoft.com/office/drawing/2014/main" id="{88E9B656-04E6-4AEC-9FCF-3A237A8BD124}"/>
+              </a:ext>
+            </a:extLst>
+          </p:cNvPr>
+          <p:cNvSpPr txBox="1"/>
+          <p:nvPr/>
+        </p:nvSpPr>
+        <p:spPr>
+          <a:xfrm>
+            <a:off x="819288" y="0"/>
+            <a:ext cx="800219" cy="461665"/>
+          </a:xfrm>
+          <a:prstGeom prst="rect">
+            <a:avLst/>
+          </a:prstGeom>
+          <a:solidFill>
+            <a:schemeClr val="accent1"/>
+          </a:solidFill>
+        </p:spPr>
+        <p:txBody>
+          <a:bodyPr wrap="none" rtlCol="0">
+            <a:spAutoFit/>
+          </a:bodyPr>
+          <a:lstStyle/>
+          <a:p>
+            <a:r>
+              <a:rPr lang="zh-TW" altLang="en-US" sz="2400" dirty="0">
+                <a:solidFill>
+                  <a:schemeClr val="bg1"/>
+                </a:solidFill>
+              </a:rPr>
+              <a:t>主筋</a:t>
+            </a:r>
           </a:p>
         </p:txBody>
       </p:sp>
     </p:spTree>
     <p:extLst>
       <p:ext uri="{BB962C8B-B14F-4D97-AF65-F5344CB8AC3E}">
-        <p14:creationId xmlns:p14="http://schemas.microsoft.com/office/powerpoint/2010/main" val="2802232397"/>
+        <p14:creationId xmlns:p14="http://schemas.microsoft.com/office/powerpoint/2010/main" val="2220378340"/>
       </p:ext>
     </p:extLst>
   </p:cSld>
@@ -27969,35 +29973,10 @@
       </p:grpSpPr>
       <p:sp>
         <p:nvSpPr>
-          <p:cNvPr id="5" name="標題 4">
+          <p:cNvPr id="2" name="投影片編號版面配置區 1">
             <a:extLst>
               <a:ext uri="{FF2B5EF4-FFF2-40B4-BE49-F238E27FC236}">
-                <a16:creationId xmlns:a16="http://schemas.microsoft.com/office/drawing/2014/main" id="{E98D9C56-A592-4711-BBE3-0EE2CC5C192A}"/>
-              </a:ext>
-            </a:extLst>
-          </p:cNvPr>
-          <p:cNvSpPr>
-            <a:spLocks noGrp="1"/>
-          </p:cNvSpPr>
-          <p:nvPr>
-            <p:ph type="title"/>
-          </p:nvPr>
-        </p:nvSpPr>
-        <p:spPr/>
-        <p:txBody>
-          <a:bodyPr/>
-          <a:lstStyle/>
-          <a:p>
-            <a:endParaRPr lang="zh-TW" altLang="en-US"/>
-          </a:p>
-        </p:txBody>
-      </p:sp>
-      <p:sp>
-        <p:nvSpPr>
-          <p:cNvPr id="3" name="投影片編號版面配置區 2">
-            <a:extLst>
-              <a:ext uri="{FF2B5EF4-FFF2-40B4-BE49-F238E27FC236}">
-                <a16:creationId xmlns:a16="http://schemas.microsoft.com/office/drawing/2014/main" id="{0943F192-3E7D-4500-99E7-434AEA5CA3A7}"/>
+                <a16:creationId xmlns:a16="http://schemas.microsoft.com/office/drawing/2014/main" id="{911C48D5-25F9-47E5-8ABF-C4D07E4F3A3B}"/>
               </a:ext>
             </a:extLst>
           </p:cNvPr>
@@ -28017,14 +29996,885 @@
               <a:rPr lang="zh-TW" altLang="en-US" smtClean="0"/>
               <a:t>26</a:t>
             </a:fld>
-            <a:endParaRPr lang="zh-TW" altLang="en-US"/>
+            <a:endParaRPr lang="zh-TW" altLang="en-US" dirty="0"/>
+          </a:p>
+        </p:txBody>
+      </p:sp>
+      <p:sp>
+        <p:nvSpPr>
+          <p:cNvPr id="5" name="文字方塊 4">
+            <a:extLst>
+              <a:ext uri="{FF2B5EF4-FFF2-40B4-BE49-F238E27FC236}">
+                <a16:creationId xmlns:a16="http://schemas.microsoft.com/office/drawing/2014/main" id="{E14D17D7-E7C4-4FCD-800E-0D6ED48FA1F1}"/>
+              </a:ext>
+            </a:extLst>
+          </p:cNvPr>
+          <p:cNvSpPr txBox="1"/>
+          <p:nvPr/>
+        </p:nvSpPr>
+        <p:spPr>
+          <a:xfrm>
+            <a:off x="924224" y="698267"/>
+            <a:ext cx="1800493" cy="369332"/>
+          </a:xfrm>
+          <a:prstGeom prst="rect">
+            <a:avLst/>
+          </a:prstGeom>
+          <a:noFill/>
+        </p:spPr>
+        <p:txBody>
+          <a:bodyPr wrap="none" rtlCol="0">
+            <a:spAutoFit/>
+          </a:bodyPr>
+          <a:lstStyle/>
+          <a:p>
+            <a:r>
+              <a:rPr lang="zh-TW" altLang="en-US" dirty="0"/>
+              <a:t>鋼筋間距之限制</a:t>
+            </a:r>
+          </a:p>
+        </p:txBody>
+      </p:sp>
+      <p:grpSp>
+        <p:nvGrpSpPr>
+          <p:cNvPr id="6" name="Group 24">
+            <a:extLst>
+              <a:ext uri="{FF2B5EF4-FFF2-40B4-BE49-F238E27FC236}">
+                <a16:creationId xmlns:a16="http://schemas.microsoft.com/office/drawing/2014/main" id="{E60EE45D-5200-4577-BB35-21E7C74F7ACE}"/>
+              </a:ext>
+            </a:extLst>
+          </p:cNvPr>
+          <p:cNvGrpSpPr/>
+          <p:nvPr/>
+        </p:nvGrpSpPr>
+        <p:grpSpPr>
+          <a:xfrm>
+            <a:off x="1220043" y="1448609"/>
+            <a:ext cx="708425" cy="708425"/>
+            <a:chOff x="3173014" y="2956717"/>
+            <a:chExt cx="944566" cy="944566"/>
+          </a:xfrm>
+        </p:grpSpPr>
+        <p:sp>
+          <p:nvSpPr>
+            <p:cNvPr id="7" name="Oval 25">
+              <a:extLst>
+                <a:ext uri="{FF2B5EF4-FFF2-40B4-BE49-F238E27FC236}">
+                  <a16:creationId xmlns:a16="http://schemas.microsoft.com/office/drawing/2014/main" id="{550C8446-72E3-4D32-A806-41FFC30B5A0E}"/>
+                </a:ext>
+              </a:extLst>
+            </p:cNvPr>
+            <p:cNvSpPr/>
+            <p:nvPr/>
+          </p:nvSpPr>
+          <p:spPr>
+            <a:xfrm>
+              <a:off x="3290491" y="3074194"/>
+              <a:ext cx="709612" cy="709612"/>
+            </a:xfrm>
+            <a:prstGeom prst="ellipse">
+              <a:avLst/>
+            </a:prstGeom>
+            <a:solidFill>
+              <a:schemeClr val="bg1">
+                <a:lumMod val="85000"/>
+              </a:schemeClr>
+            </a:solidFill>
+            <a:ln>
+              <a:noFill/>
+            </a:ln>
+          </p:spPr>
+          <p:style>
+            <a:lnRef idx="2">
+              <a:schemeClr val="accent1">
+                <a:shade val="50000"/>
+              </a:schemeClr>
+            </a:lnRef>
+            <a:fillRef idx="1">
+              <a:schemeClr val="accent1"/>
+            </a:fillRef>
+            <a:effectRef idx="0">
+              <a:schemeClr val="accent1"/>
+            </a:effectRef>
+            <a:fontRef idx="minor">
+              <a:schemeClr val="lt1"/>
+            </a:fontRef>
+          </p:style>
+          <p:txBody>
+            <a:bodyPr rtlCol="0" anchor="ctr"/>
+            <a:lstStyle/>
+            <a:p>
+              <a:pPr algn="ctr"/>
+              <a:endParaRPr lang="fr-FR" sz="1350"/>
+            </a:p>
+          </p:txBody>
+        </p:sp>
+        <p:sp>
+          <p:nvSpPr>
+            <p:cNvPr id="8" name="Oval 26">
+              <a:extLst>
+                <a:ext uri="{FF2B5EF4-FFF2-40B4-BE49-F238E27FC236}">
+                  <a16:creationId xmlns:a16="http://schemas.microsoft.com/office/drawing/2014/main" id="{E6EA1B98-00ED-4CF0-BCC2-4A711720CE9C}"/>
+                </a:ext>
+              </a:extLst>
+            </p:cNvPr>
+            <p:cNvSpPr/>
+            <p:nvPr/>
+          </p:nvSpPr>
+          <p:spPr>
+            <a:xfrm>
+              <a:off x="3173014" y="2956717"/>
+              <a:ext cx="944566" cy="944566"/>
+            </a:xfrm>
+            <a:prstGeom prst="ellipse">
+              <a:avLst/>
+            </a:prstGeom>
+            <a:solidFill>
+              <a:schemeClr val="bg1">
+                <a:lumMod val="85000"/>
+                <a:alpha val="42000"/>
+              </a:schemeClr>
+            </a:solidFill>
+            <a:ln>
+              <a:noFill/>
+            </a:ln>
+          </p:spPr>
+          <p:style>
+            <a:lnRef idx="2">
+              <a:schemeClr val="accent1">
+                <a:shade val="50000"/>
+              </a:schemeClr>
+            </a:lnRef>
+            <a:fillRef idx="1">
+              <a:schemeClr val="accent1"/>
+            </a:fillRef>
+            <a:effectRef idx="0">
+              <a:schemeClr val="accent1"/>
+            </a:effectRef>
+            <a:fontRef idx="minor">
+              <a:schemeClr val="lt1"/>
+            </a:fontRef>
+          </p:style>
+          <p:txBody>
+            <a:bodyPr rtlCol="0" anchor="ctr"/>
+            <a:lstStyle/>
+            <a:p>
+              <a:pPr algn="ctr"/>
+              <a:r>
+                <a:rPr lang="fr-FR" sz="2100" dirty="0">
+                  <a:solidFill>
+                    <a:schemeClr val="tx1"/>
+                  </a:solidFill>
+                  <a:latin typeface="Segoe UI" panose="020B0502040204020203" pitchFamily="34" charset="0"/>
+                  <a:cs typeface="Segoe UI" panose="020B0502040204020203" pitchFamily="34" charset="0"/>
+                </a:rPr>
+                <a:t>1</a:t>
+              </a:r>
+            </a:p>
+          </p:txBody>
+        </p:sp>
+      </p:grpSp>
+      <p:cxnSp>
+        <p:nvCxnSpPr>
+          <p:cNvPr id="9" name="Straight Connector 13">
+            <a:extLst>
+              <a:ext uri="{FF2B5EF4-FFF2-40B4-BE49-F238E27FC236}">
+                <a16:creationId xmlns:a16="http://schemas.microsoft.com/office/drawing/2014/main" id="{0BCCE130-C6EB-4548-9591-C46B27FA1784}"/>
+              </a:ext>
+            </a:extLst>
+          </p:cNvPr>
+          <p:cNvCxnSpPr/>
+          <p:nvPr/>
+        </p:nvCxnSpPr>
+        <p:spPr>
+          <a:xfrm>
+            <a:off x="1571021" y="2157034"/>
+            <a:ext cx="0" cy="1087200"/>
+          </a:xfrm>
+          <a:prstGeom prst="line">
+            <a:avLst/>
+          </a:prstGeom>
+          <a:ln w="28575">
+            <a:solidFill>
+              <a:srgbClr val="EDECEC"/>
+            </a:solidFill>
+          </a:ln>
+        </p:spPr>
+        <p:style>
+          <a:lnRef idx="1">
+            <a:schemeClr val="accent1"/>
+          </a:lnRef>
+          <a:fillRef idx="0">
+            <a:schemeClr val="accent1"/>
+          </a:fillRef>
+          <a:effectRef idx="0">
+            <a:schemeClr val="accent1"/>
+          </a:effectRef>
+          <a:fontRef idx="minor">
+            <a:schemeClr val="tx1"/>
+          </a:fontRef>
+        </p:style>
+      </p:cxnSp>
+      <p:grpSp>
+        <p:nvGrpSpPr>
+          <p:cNvPr id="10" name="Group 1">
+            <a:extLst>
+              <a:ext uri="{FF2B5EF4-FFF2-40B4-BE49-F238E27FC236}">
+                <a16:creationId xmlns:a16="http://schemas.microsoft.com/office/drawing/2014/main" id="{2F6B791B-C4A4-4B1C-A6FD-2F514D16014F}"/>
+              </a:ext>
+            </a:extLst>
+          </p:cNvPr>
+          <p:cNvGrpSpPr/>
+          <p:nvPr/>
+        </p:nvGrpSpPr>
+        <p:grpSpPr>
+          <a:xfrm>
+            <a:off x="1220043" y="3244234"/>
+            <a:ext cx="708425" cy="708425"/>
+            <a:chOff x="3173014" y="2956717"/>
+            <a:chExt cx="944566" cy="944566"/>
+          </a:xfrm>
+        </p:grpSpPr>
+        <p:sp>
+          <p:nvSpPr>
+            <p:cNvPr id="11" name="Oval 18">
+              <a:extLst>
+                <a:ext uri="{FF2B5EF4-FFF2-40B4-BE49-F238E27FC236}">
+                  <a16:creationId xmlns:a16="http://schemas.microsoft.com/office/drawing/2014/main" id="{5E932C72-DABF-41FB-9BDF-C2E940DC83B5}"/>
+                </a:ext>
+              </a:extLst>
+            </p:cNvPr>
+            <p:cNvSpPr/>
+            <p:nvPr/>
+          </p:nvSpPr>
+          <p:spPr>
+            <a:xfrm>
+              <a:off x="3290491" y="3074194"/>
+              <a:ext cx="709612" cy="709612"/>
+            </a:xfrm>
+            <a:prstGeom prst="ellipse">
+              <a:avLst/>
+            </a:prstGeom>
+            <a:solidFill>
+              <a:schemeClr val="bg1">
+                <a:lumMod val="85000"/>
+              </a:schemeClr>
+            </a:solidFill>
+            <a:ln>
+              <a:noFill/>
+            </a:ln>
+          </p:spPr>
+          <p:style>
+            <a:lnRef idx="2">
+              <a:schemeClr val="accent1">
+                <a:shade val="50000"/>
+              </a:schemeClr>
+            </a:lnRef>
+            <a:fillRef idx="1">
+              <a:schemeClr val="accent1"/>
+            </a:fillRef>
+            <a:effectRef idx="0">
+              <a:schemeClr val="accent1"/>
+            </a:effectRef>
+            <a:fontRef idx="minor">
+              <a:schemeClr val="lt1"/>
+            </a:fontRef>
+          </p:style>
+          <p:txBody>
+            <a:bodyPr rtlCol="0" anchor="ctr"/>
+            <a:lstStyle/>
+            <a:p>
+              <a:pPr algn="ctr"/>
+              <a:endParaRPr lang="fr-FR" sz="1350" dirty="0"/>
+            </a:p>
+          </p:txBody>
+        </p:sp>
+        <p:sp>
+          <p:nvSpPr>
+            <p:cNvPr id="12" name="Oval 22">
+              <a:extLst>
+                <a:ext uri="{FF2B5EF4-FFF2-40B4-BE49-F238E27FC236}">
+                  <a16:creationId xmlns:a16="http://schemas.microsoft.com/office/drawing/2014/main" id="{D0E2F71E-17BA-4950-9A50-7DDFAB91DEFD}"/>
+                </a:ext>
+              </a:extLst>
+            </p:cNvPr>
+            <p:cNvSpPr/>
+            <p:nvPr/>
+          </p:nvSpPr>
+          <p:spPr>
+            <a:xfrm>
+              <a:off x="3173014" y="2956717"/>
+              <a:ext cx="944566" cy="944566"/>
+            </a:xfrm>
+            <a:prstGeom prst="ellipse">
+              <a:avLst/>
+            </a:prstGeom>
+            <a:solidFill>
+              <a:schemeClr val="bg1">
+                <a:lumMod val="85000"/>
+                <a:alpha val="42000"/>
+              </a:schemeClr>
+            </a:solidFill>
+            <a:ln>
+              <a:noFill/>
+            </a:ln>
+          </p:spPr>
+          <p:style>
+            <a:lnRef idx="2">
+              <a:schemeClr val="accent1">
+                <a:shade val="50000"/>
+              </a:schemeClr>
+            </a:lnRef>
+            <a:fillRef idx="1">
+              <a:schemeClr val="accent1"/>
+            </a:fillRef>
+            <a:effectRef idx="0">
+              <a:schemeClr val="accent1"/>
+            </a:effectRef>
+            <a:fontRef idx="minor">
+              <a:schemeClr val="lt1"/>
+            </a:fontRef>
+          </p:style>
+          <p:txBody>
+            <a:bodyPr rtlCol="0" anchor="ctr"/>
+            <a:lstStyle/>
+            <a:p>
+              <a:pPr algn="ctr"/>
+              <a:r>
+                <a:rPr lang="fr-FR" sz="2100" dirty="0">
+                  <a:solidFill>
+                    <a:schemeClr val="tx1"/>
+                  </a:solidFill>
+                  <a:latin typeface="Segoe UI" panose="020B0502040204020203" pitchFamily="34" charset="0"/>
+                  <a:cs typeface="Segoe UI" panose="020B0502040204020203" pitchFamily="34" charset="0"/>
+                </a:rPr>
+                <a:t>2</a:t>
+              </a:r>
+            </a:p>
+          </p:txBody>
+        </p:sp>
+      </p:grpSp>
+      <p:grpSp>
+        <p:nvGrpSpPr>
+          <p:cNvPr id="13" name="Group 27">
+            <a:extLst>
+              <a:ext uri="{FF2B5EF4-FFF2-40B4-BE49-F238E27FC236}">
+                <a16:creationId xmlns:a16="http://schemas.microsoft.com/office/drawing/2014/main" id="{41C2C30E-EA09-48D5-B777-8CC754480AC0}"/>
+              </a:ext>
+            </a:extLst>
+          </p:cNvPr>
+          <p:cNvGrpSpPr/>
+          <p:nvPr/>
+        </p:nvGrpSpPr>
+        <p:grpSpPr>
+          <a:xfrm>
+            <a:off x="1220043" y="5039859"/>
+            <a:ext cx="708425" cy="708425"/>
+            <a:chOff x="3173014" y="2956717"/>
+            <a:chExt cx="944566" cy="944566"/>
+          </a:xfrm>
+        </p:grpSpPr>
+        <p:sp>
+          <p:nvSpPr>
+            <p:cNvPr id="14" name="Oval 28">
+              <a:extLst>
+                <a:ext uri="{FF2B5EF4-FFF2-40B4-BE49-F238E27FC236}">
+                  <a16:creationId xmlns:a16="http://schemas.microsoft.com/office/drawing/2014/main" id="{5EE1ACF6-2E27-4709-8A4F-60652F30B431}"/>
+                </a:ext>
+              </a:extLst>
+            </p:cNvPr>
+            <p:cNvSpPr/>
+            <p:nvPr/>
+          </p:nvSpPr>
+          <p:spPr>
+            <a:xfrm>
+              <a:off x="3290491" y="3074194"/>
+              <a:ext cx="709612" cy="709612"/>
+            </a:xfrm>
+            <a:prstGeom prst="ellipse">
+              <a:avLst/>
+            </a:prstGeom>
+            <a:solidFill>
+              <a:schemeClr val="bg1">
+                <a:lumMod val="85000"/>
+              </a:schemeClr>
+            </a:solidFill>
+            <a:ln>
+              <a:noFill/>
+            </a:ln>
+          </p:spPr>
+          <p:style>
+            <a:lnRef idx="2">
+              <a:schemeClr val="accent1">
+                <a:shade val="50000"/>
+              </a:schemeClr>
+            </a:lnRef>
+            <a:fillRef idx="1">
+              <a:schemeClr val="accent1"/>
+            </a:fillRef>
+            <a:effectRef idx="0">
+              <a:schemeClr val="accent1"/>
+            </a:effectRef>
+            <a:fontRef idx="minor">
+              <a:schemeClr val="lt1"/>
+            </a:fontRef>
+          </p:style>
+          <p:txBody>
+            <a:bodyPr rtlCol="0" anchor="ctr"/>
+            <a:lstStyle/>
+            <a:p>
+              <a:pPr algn="ctr"/>
+              <a:endParaRPr lang="fr-FR" sz="1350"/>
+            </a:p>
+          </p:txBody>
+        </p:sp>
+        <p:sp>
+          <p:nvSpPr>
+            <p:cNvPr id="15" name="Oval 29">
+              <a:extLst>
+                <a:ext uri="{FF2B5EF4-FFF2-40B4-BE49-F238E27FC236}">
+                  <a16:creationId xmlns:a16="http://schemas.microsoft.com/office/drawing/2014/main" id="{5BA38EA8-0D45-497B-A467-5BD2F941ABB9}"/>
+                </a:ext>
+              </a:extLst>
+            </p:cNvPr>
+            <p:cNvSpPr/>
+            <p:nvPr/>
+          </p:nvSpPr>
+          <p:spPr>
+            <a:xfrm>
+              <a:off x="3173014" y="2956717"/>
+              <a:ext cx="944566" cy="944566"/>
+            </a:xfrm>
+            <a:prstGeom prst="ellipse">
+              <a:avLst/>
+            </a:prstGeom>
+            <a:solidFill>
+              <a:schemeClr val="bg1">
+                <a:lumMod val="85000"/>
+                <a:alpha val="42000"/>
+              </a:schemeClr>
+            </a:solidFill>
+            <a:ln>
+              <a:noFill/>
+            </a:ln>
+          </p:spPr>
+          <p:style>
+            <a:lnRef idx="2">
+              <a:schemeClr val="accent1">
+                <a:shade val="50000"/>
+              </a:schemeClr>
+            </a:lnRef>
+            <a:fillRef idx="1">
+              <a:schemeClr val="accent1"/>
+            </a:fillRef>
+            <a:effectRef idx="0">
+              <a:schemeClr val="accent1"/>
+            </a:effectRef>
+            <a:fontRef idx="minor">
+              <a:schemeClr val="lt1"/>
+            </a:fontRef>
+          </p:style>
+          <p:txBody>
+            <a:bodyPr rtlCol="0" anchor="ctr"/>
+            <a:lstStyle/>
+            <a:p>
+              <a:pPr algn="ctr"/>
+              <a:r>
+                <a:rPr lang="fr-FR" sz="2100" dirty="0">
+                  <a:solidFill>
+                    <a:schemeClr val="tx1"/>
+                  </a:solidFill>
+                  <a:latin typeface="Segoe UI" panose="020B0502040204020203" pitchFamily="34" charset="0"/>
+                  <a:cs typeface="Segoe UI" panose="020B0502040204020203" pitchFamily="34" charset="0"/>
+                </a:rPr>
+                <a:t>3</a:t>
+              </a:r>
+            </a:p>
+          </p:txBody>
+        </p:sp>
+      </p:grpSp>
+      <p:cxnSp>
+        <p:nvCxnSpPr>
+          <p:cNvPr id="16" name="Straight Connector 13">
+            <a:extLst>
+              <a:ext uri="{FF2B5EF4-FFF2-40B4-BE49-F238E27FC236}">
+                <a16:creationId xmlns:a16="http://schemas.microsoft.com/office/drawing/2014/main" id="{2AA8FEB6-AF4C-4E6B-828B-61782360EAB8}"/>
+              </a:ext>
+            </a:extLst>
+          </p:cNvPr>
+          <p:cNvCxnSpPr/>
+          <p:nvPr/>
+        </p:nvCxnSpPr>
+        <p:spPr>
+          <a:xfrm>
+            <a:off x="1571021" y="3952659"/>
+            <a:ext cx="0" cy="1087200"/>
+          </a:xfrm>
+          <a:prstGeom prst="line">
+            <a:avLst/>
+          </a:prstGeom>
+          <a:ln w="28575">
+            <a:solidFill>
+              <a:srgbClr val="EDECEC"/>
+            </a:solidFill>
+          </a:ln>
+        </p:spPr>
+        <p:style>
+          <a:lnRef idx="1">
+            <a:schemeClr val="accent1"/>
+          </a:lnRef>
+          <a:fillRef idx="0">
+            <a:schemeClr val="accent1"/>
+          </a:fillRef>
+          <a:effectRef idx="0">
+            <a:schemeClr val="accent1"/>
+          </a:effectRef>
+          <a:fontRef idx="minor">
+            <a:schemeClr val="tx1"/>
+          </a:fontRef>
+        </p:style>
+      </p:cxnSp>
+      <p:sp>
+        <p:nvSpPr>
+          <p:cNvPr id="17" name="TextBox 98">
+            <a:extLst>
+              <a:ext uri="{FF2B5EF4-FFF2-40B4-BE49-F238E27FC236}">
+                <a16:creationId xmlns:a16="http://schemas.microsoft.com/office/drawing/2014/main" id="{B9B0A0F5-7F32-4C50-8C11-C3D919A33CFA}"/>
+              </a:ext>
+            </a:extLst>
+          </p:cNvPr>
+          <p:cNvSpPr txBox="1"/>
+          <p:nvPr/>
+        </p:nvSpPr>
+        <p:spPr>
+          <a:xfrm>
+            <a:off x="2525566" y="1616380"/>
+            <a:ext cx="3893881" cy="323165"/>
+          </a:xfrm>
+          <a:prstGeom prst="rect">
+            <a:avLst/>
+          </a:prstGeom>
+          <a:noFill/>
+        </p:spPr>
+        <p:txBody>
+          <a:bodyPr wrap="square" lIns="0" rtlCol="0" anchor="t">
+            <a:spAutoFit/>
+          </a:bodyPr>
+          <a:lstStyle/>
+          <a:p>
+            <a:r>
+              <a:rPr lang="zh-TW" altLang="en-US" sz="1500" dirty="0">
+                <a:latin typeface="Segoe UI Light" panose="020B0502040204020203" pitchFamily="34" charset="0"/>
+                <a:cs typeface="Segoe UI Light" panose="020B0502040204020203" pitchFamily="34" charset="0"/>
+              </a:rPr>
+              <a:t>取出</a:t>
+            </a:r>
+            <a:r>
+              <a:rPr lang="en-US" altLang="zh-TW" sz="1500" dirty="0">
+                <a:latin typeface="Segoe UI Light" panose="020B0502040204020203" pitchFamily="34" charset="0"/>
+                <a:cs typeface="Segoe UI Light" panose="020B0502040204020203" pitchFamily="34" charset="0"/>
+              </a:rPr>
+              <a:t>:</a:t>
+            </a:r>
+            <a:r>
+              <a:rPr lang="zh-TW" altLang="en-US" sz="1500" dirty="0">
+                <a:latin typeface="Segoe UI Light" panose="020B0502040204020203" pitchFamily="34" charset="0"/>
+                <a:cs typeface="Segoe UI Light" panose="020B0502040204020203" pitchFamily="34" charset="0"/>
+              </a:rPr>
+              <a:t> 主筋支數</a:t>
+            </a:r>
+            <a:endParaRPr lang="fr-FR" sz="1500" dirty="0">
+              <a:latin typeface="Segoe UI Light" panose="020B0502040204020203" pitchFamily="34" charset="0"/>
+              <a:cs typeface="Segoe UI Light" panose="020B0502040204020203" pitchFamily="34" charset="0"/>
+            </a:endParaRPr>
+          </a:p>
+        </p:txBody>
+      </p:sp>
+      <p:sp>
+        <p:nvSpPr>
+          <p:cNvPr id="18" name="TextBox 98">
+            <a:extLst>
+              <a:ext uri="{FF2B5EF4-FFF2-40B4-BE49-F238E27FC236}">
+                <a16:creationId xmlns:a16="http://schemas.microsoft.com/office/drawing/2014/main" id="{9A701536-D78C-4198-9F21-9E4E29DBDFD5}"/>
+              </a:ext>
+            </a:extLst>
+          </p:cNvPr>
+          <p:cNvSpPr txBox="1"/>
+          <p:nvPr/>
+        </p:nvSpPr>
+        <p:spPr>
+          <a:xfrm>
+            <a:off x="2525567" y="2870923"/>
+            <a:ext cx="4116302" cy="553998"/>
+          </a:xfrm>
+          <a:prstGeom prst="rect">
+            <a:avLst/>
+          </a:prstGeom>
+          <a:noFill/>
+        </p:spPr>
+        <p:txBody>
+          <a:bodyPr wrap="square" lIns="0" rtlCol="0" anchor="t">
+            <a:spAutoFit/>
+          </a:bodyPr>
+          <a:lstStyle/>
+          <a:p>
+            <a:r>
+              <a:rPr lang="zh-TW" altLang="en-US" sz="1500" dirty="0">
+                <a:latin typeface="Segoe UI Light" panose="020B0502040204020203" pitchFamily="34" charset="0"/>
+                <a:cs typeface="Segoe UI Light" panose="020B0502040204020203" pitchFamily="34" charset="0"/>
+              </a:rPr>
+              <a:t>判斷</a:t>
+            </a:r>
+            <a:r>
+              <a:rPr lang="en-US" altLang="zh-TW" sz="1500" dirty="0">
+                <a:latin typeface="Segoe UI Light" panose="020B0502040204020203" pitchFamily="34" charset="0"/>
+                <a:cs typeface="Segoe UI Light" panose="020B0502040204020203" pitchFamily="34" charset="0"/>
+              </a:rPr>
+              <a:t>:</a:t>
+            </a:r>
+            <a:r>
+              <a:rPr lang="zh-TW" altLang="en-US" sz="1500" dirty="0">
+                <a:latin typeface="Segoe UI Light" panose="020B0502040204020203" pitchFamily="34" charset="0"/>
+                <a:cs typeface="Segoe UI Light" panose="020B0502040204020203" pitchFamily="34" charset="0"/>
+              </a:rPr>
+              <a:t> </a:t>
+            </a:r>
+            <a:endParaRPr lang="en-US" altLang="zh-TW" sz="1500" dirty="0">
+              <a:latin typeface="Segoe UI Light" panose="020B0502040204020203" pitchFamily="34" charset="0"/>
+              <a:cs typeface="Segoe UI Light" panose="020B0502040204020203" pitchFamily="34" charset="0"/>
+            </a:endParaRPr>
+          </a:p>
+          <a:p>
+            <a:pPr marL="285750" indent="-285750">
+              <a:buFontTx/>
+              <a:buChar char="-"/>
+            </a:pPr>
+            <a:r>
+              <a:rPr lang="zh-TW" altLang="en-US" sz="1500" dirty="0">
+                <a:latin typeface="Segoe UI Light" panose="020B0502040204020203" pitchFamily="34" charset="0"/>
+                <a:cs typeface="Segoe UI Light" panose="020B0502040204020203" pitchFamily="34" charset="0"/>
+              </a:rPr>
+              <a:t>主筋支數 </a:t>
+            </a:r>
+            <a:r>
+              <a:rPr lang="en-US" altLang="zh-TW" sz="1500" dirty="0">
+                <a:latin typeface="Segoe UI Light" panose="020B0502040204020203" pitchFamily="34" charset="0"/>
+                <a:cs typeface="Segoe UI Light" panose="020B0502040204020203" pitchFamily="34" charset="0"/>
+              </a:rPr>
+              <a:t>&gt;=</a:t>
+            </a:r>
+            <a:r>
+              <a:rPr lang="zh-TW" altLang="en-US" sz="1500" dirty="0">
+                <a:latin typeface="Segoe UI Light" panose="020B0502040204020203" pitchFamily="34" charset="0"/>
+                <a:cs typeface="Segoe UI Light" panose="020B0502040204020203" pitchFamily="34" charset="0"/>
+              </a:rPr>
+              <a:t> </a:t>
+            </a:r>
+            <a:r>
+              <a:rPr lang="en-US" altLang="zh-TW" sz="1500" dirty="0">
+                <a:latin typeface="Segoe UI Light" panose="020B0502040204020203" pitchFamily="34" charset="0"/>
+                <a:cs typeface="Segoe UI Light" panose="020B0502040204020203" pitchFamily="34" charset="0"/>
+              </a:rPr>
+              <a:t>2</a:t>
+            </a:r>
+            <a:endParaRPr lang="fr-FR" sz="1500" dirty="0">
+              <a:latin typeface="Segoe UI Light" panose="020B0502040204020203" pitchFamily="34" charset="0"/>
+              <a:cs typeface="Segoe UI Light" panose="020B0502040204020203" pitchFamily="34" charset="0"/>
+            </a:endParaRPr>
+          </a:p>
+        </p:txBody>
+      </p:sp>
+      <p:sp>
+        <p:nvSpPr>
+          <p:cNvPr id="19" name="TextBox 98">
+            <a:extLst>
+              <a:ext uri="{FF2B5EF4-FFF2-40B4-BE49-F238E27FC236}">
+                <a16:creationId xmlns:a16="http://schemas.microsoft.com/office/drawing/2014/main" id="{37233CD8-8F47-4841-B620-39AEBB548CE6}"/>
+              </a:ext>
+            </a:extLst>
+          </p:cNvPr>
+          <p:cNvSpPr txBox="1"/>
+          <p:nvPr/>
+        </p:nvSpPr>
+        <p:spPr>
+          <a:xfrm>
+            <a:off x="2525566" y="4705565"/>
+            <a:ext cx="5797335" cy="553998"/>
+          </a:xfrm>
+          <a:prstGeom prst="rect">
+            <a:avLst/>
+          </a:prstGeom>
+          <a:noFill/>
+        </p:spPr>
+        <p:txBody>
+          <a:bodyPr wrap="square" lIns="0" rtlCol="0" anchor="t">
+            <a:spAutoFit/>
+          </a:bodyPr>
+          <a:lstStyle/>
+          <a:p>
+            <a:r>
+              <a:rPr lang="zh-TW" altLang="en-US" sz="1500" dirty="0">
+                <a:latin typeface="Segoe UI Light" panose="020B0502040204020203" pitchFamily="34" charset="0"/>
+                <a:cs typeface="Segoe UI Light" panose="020B0502040204020203" pitchFamily="34" charset="0"/>
+              </a:rPr>
+              <a:t>是</a:t>
+            </a:r>
+            <a:r>
+              <a:rPr lang="en-US" altLang="zh-TW" sz="1500" dirty="0">
+                <a:latin typeface="Segoe UI Light" panose="020B0502040204020203" pitchFamily="34" charset="0"/>
+                <a:cs typeface="Segoe UI Light" panose="020B0502040204020203" pitchFamily="34" charset="0"/>
+              </a:rPr>
+              <a:t>:</a:t>
+            </a:r>
+            <a:r>
+              <a:rPr lang="zh-TW" altLang="en-US" sz="1500" dirty="0">
+                <a:latin typeface="Segoe UI Light" panose="020B0502040204020203" pitchFamily="34" charset="0"/>
+                <a:cs typeface="Segoe UI Light" panose="020B0502040204020203" pitchFamily="34" charset="0"/>
+              </a:rPr>
+              <a:t> </a:t>
+            </a:r>
+            <a:r>
+              <a:rPr lang="en-US" altLang="zh-TW" sz="1500" dirty="0">
+                <a:latin typeface="Segoe UI Light" panose="020B0502040204020203" pitchFamily="34" charset="0"/>
+                <a:cs typeface="Segoe UI Light" panose="020B0502040204020203" pitchFamily="34" charset="0"/>
+              </a:rPr>
+              <a:t>OK</a:t>
+            </a:r>
+          </a:p>
+          <a:p>
+            <a:r>
+              <a:rPr lang="zh-TW" altLang="en-US" sz="1500" dirty="0">
+                <a:latin typeface="Segoe UI Light" panose="020B0502040204020203" pitchFamily="34" charset="0"/>
+                <a:cs typeface="Segoe UI Light" panose="020B0502040204020203" pitchFamily="34" charset="0"/>
+              </a:rPr>
+              <a:t>否</a:t>
+            </a:r>
+            <a:r>
+              <a:rPr lang="en-US" altLang="zh-TW" sz="1500" dirty="0">
+                <a:latin typeface="Segoe UI Light" panose="020B0502040204020203" pitchFamily="34" charset="0"/>
+                <a:cs typeface="Segoe UI Light" panose="020B0502040204020203" pitchFamily="34" charset="0"/>
+              </a:rPr>
+              <a:t>:</a:t>
+            </a:r>
+            <a:r>
+              <a:rPr lang="zh-TW" altLang="en-US" sz="1500" dirty="0">
+                <a:latin typeface="Segoe UI Light" panose="020B0502040204020203" pitchFamily="34" charset="0"/>
+                <a:cs typeface="Segoe UI Light" panose="020B0502040204020203" pitchFamily="34" charset="0"/>
+              </a:rPr>
+              <a:t> </a:t>
+            </a:r>
+            <a:r>
+              <a:rPr lang="en-US" altLang="zh-TW" sz="1500" dirty="0">
+                <a:latin typeface="Segoe UI Light" panose="020B0502040204020203" pitchFamily="34" charset="0"/>
+                <a:cs typeface="Segoe UI Light" panose="020B0502040204020203" pitchFamily="34" charset="0"/>
+              </a:rPr>
+              <a:t>【0309】</a:t>
+            </a:r>
+            <a:r>
+              <a:rPr lang="zh-TW" altLang="en-US" sz="1500" dirty="0">
+                <a:latin typeface="Segoe UI Light" panose="020B0502040204020203" pitchFamily="34" charset="0"/>
+                <a:cs typeface="Segoe UI Light" panose="020B0502040204020203" pitchFamily="34" charset="0"/>
+              </a:rPr>
+              <a:t>請確認是否符合 單排支數下限 規定</a:t>
+            </a:r>
+            <a:endParaRPr lang="en-US" altLang="zh-TW" sz="1500" dirty="0">
+              <a:latin typeface="Segoe UI Light" panose="020B0502040204020203" pitchFamily="34" charset="0"/>
+              <a:cs typeface="Segoe UI Light" panose="020B0502040204020203" pitchFamily="34" charset="0"/>
+            </a:endParaRPr>
+          </a:p>
+        </p:txBody>
+      </p:sp>
+      <p:sp>
+        <p:nvSpPr>
+          <p:cNvPr id="23" name="文字方塊 22">
+            <a:extLst>
+              <a:ext uri="{FF2B5EF4-FFF2-40B4-BE49-F238E27FC236}">
+                <a16:creationId xmlns:a16="http://schemas.microsoft.com/office/drawing/2014/main" id="{24AE3423-465D-40E9-8913-2877FCE60632}"/>
+              </a:ext>
+            </a:extLst>
+          </p:cNvPr>
+          <p:cNvSpPr txBox="1"/>
+          <p:nvPr/>
+        </p:nvSpPr>
+        <p:spPr>
+          <a:xfrm>
+            <a:off x="0" y="0"/>
+            <a:ext cx="870751" cy="461665"/>
+          </a:xfrm>
+          <a:prstGeom prst="rect">
+            <a:avLst/>
+          </a:prstGeom>
+          <a:solidFill>
+            <a:schemeClr val="tx2"/>
+          </a:solidFill>
+        </p:spPr>
+        <p:txBody>
+          <a:bodyPr wrap="none" rtlCol="0">
+            <a:spAutoFit/>
+          </a:bodyPr>
+          <a:lstStyle/>
+          <a:p>
+            <a:r>
+              <a:rPr lang="en-US" altLang="zh-TW" sz="2400" dirty="0">
+                <a:solidFill>
+                  <a:schemeClr val="bg1"/>
+                </a:solidFill>
+              </a:rPr>
+              <a:t>0309</a:t>
+            </a:r>
+            <a:endParaRPr lang="zh-TW" altLang="en-US" sz="2400" dirty="0">
+              <a:solidFill>
+                <a:schemeClr val="bg1"/>
+              </a:solidFill>
+            </a:endParaRPr>
+          </a:p>
+        </p:txBody>
+      </p:sp>
+      <p:sp>
+        <p:nvSpPr>
+          <p:cNvPr id="24" name="文字方塊 23">
+            <a:extLst>
+              <a:ext uri="{FF2B5EF4-FFF2-40B4-BE49-F238E27FC236}">
+                <a16:creationId xmlns:a16="http://schemas.microsoft.com/office/drawing/2014/main" id="{88E9B656-04E6-4AEC-9FCF-3A237A8BD124}"/>
+              </a:ext>
+            </a:extLst>
+          </p:cNvPr>
+          <p:cNvSpPr txBox="1"/>
+          <p:nvPr/>
+        </p:nvSpPr>
+        <p:spPr>
+          <a:xfrm>
+            <a:off x="870751" y="0"/>
+            <a:ext cx="800219" cy="461665"/>
+          </a:xfrm>
+          <a:prstGeom prst="rect">
+            <a:avLst/>
+          </a:prstGeom>
+          <a:solidFill>
+            <a:schemeClr val="accent1"/>
+          </a:solidFill>
+        </p:spPr>
+        <p:txBody>
+          <a:bodyPr wrap="none" rtlCol="0">
+            <a:spAutoFit/>
+          </a:bodyPr>
+          <a:lstStyle/>
+          <a:p>
+            <a:r>
+              <a:rPr lang="zh-TW" altLang="en-US" sz="2400" dirty="0">
+                <a:solidFill>
+                  <a:schemeClr val="bg1"/>
+                </a:solidFill>
+              </a:rPr>
+              <a:t>主筋</a:t>
+            </a:r>
           </a:p>
         </p:txBody>
       </p:sp>
     </p:spTree>
     <p:extLst>
       <p:ext uri="{BB962C8B-B14F-4D97-AF65-F5344CB8AC3E}">
-        <p14:creationId xmlns:p14="http://schemas.microsoft.com/office/powerpoint/2010/main" val="1758665663"/>
+        <p14:creationId xmlns:p14="http://schemas.microsoft.com/office/powerpoint/2010/main" val="729901743"/>
       </p:ext>
     </p:extLst>
   </p:cSld>
@@ -28034,7 +30884,7 @@
 </p:sld>
 </file>
 
-<file path=ppt/slides/slide3.xml><?xml version="1.0" encoding="utf-8"?>
+<file path=ppt/slides/slide27.xml><?xml version="1.0" encoding="utf-8"?>
 <p:sld xmlns:a="http://schemas.openxmlformats.org/drawingml/2006/main" xmlns:r="http://schemas.openxmlformats.org/officeDocument/2006/relationships" xmlns:p="http://schemas.openxmlformats.org/presentationml/2006/main">
   <p:cSld>
     <p:spTree>
@@ -28053,235 +30903,6 @@
       </p:grpSpPr>
       <p:sp>
         <p:nvSpPr>
-          <p:cNvPr id="37" name="TextBox 98"/>
-          <p:cNvSpPr txBox="1"/>
-          <p:nvPr/>
-        </p:nvSpPr>
-        <p:spPr>
-          <a:xfrm>
-            <a:off x="5953180" y="1380769"/>
-            <a:ext cx="2083050" cy="1015663"/>
-          </a:xfrm>
-          <a:prstGeom prst="rect">
-            <a:avLst/>
-          </a:prstGeom>
-          <a:noFill/>
-        </p:spPr>
-        <p:txBody>
-          <a:bodyPr wrap="square" lIns="0" rtlCol="0" anchor="t">
-            <a:spAutoFit/>
-          </a:bodyPr>
-          <a:lstStyle/>
-          <a:p>
-            <a:r>
-              <a:rPr lang="zh-TW" altLang="en-US" sz="1500" dirty="0">
-                <a:latin typeface="Segoe UI Light" panose="020B0502040204020203" pitchFamily="34" charset="0"/>
-                <a:cs typeface="Segoe UI Light" panose="020B0502040204020203" pitchFamily="34" charset="0"/>
-              </a:rPr>
-              <a:t>假設</a:t>
-            </a:r>
-            <a:r>
-              <a:rPr lang="en-US" altLang="zh-TW" sz="1500" dirty="0">
-                <a:latin typeface="Segoe UI Light" panose="020B0502040204020203" pitchFamily="34" charset="0"/>
-                <a:cs typeface="Segoe UI Light" panose="020B0502040204020203" pitchFamily="34" charset="0"/>
-              </a:rPr>
-              <a:t>:</a:t>
-            </a:r>
-            <a:r>
-              <a:rPr lang="zh-TW" altLang="en-US" sz="1500" dirty="0">
-                <a:latin typeface="Segoe UI Light" panose="020B0502040204020203" pitchFamily="34" charset="0"/>
-                <a:cs typeface="Segoe UI Light" panose="020B0502040204020203" pitchFamily="34" charset="0"/>
-              </a:rPr>
-              <a:t> </a:t>
-            </a:r>
-            <a:endParaRPr lang="en-US" altLang="zh-TW" sz="1500" dirty="0">
-              <a:latin typeface="Segoe UI Light" panose="020B0502040204020203" pitchFamily="34" charset="0"/>
-              <a:cs typeface="Segoe UI Light" panose="020B0502040204020203" pitchFamily="34" charset="0"/>
-            </a:endParaRPr>
-          </a:p>
-          <a:p>
-            <a:pPr marL="285750" indent="-285750">
-              <a:buFontTx/>
-              <a:buChar char="-"/>
-            </a:pPr>
-            <a:r>
-              <a:rPr lang="zh-TW" altLang="en-US" sz="1500" dirty="0">
-                <a:latin typeface="Segoe UI Light" panose="020B0502040204020203" pitchFamily="34" charset="0"/>
-                <a:cs typeface="Segoe UI Light" panose="020B0502040204020203" pitchFamily="34" charset="0"/>
-              </a:rPr>
-              <a:t>一般版厚</a:t>
-            </a:r>
-            <a:r>
-              <a:rPr lang="en-US" altLang="zh-TW" sz="1500" dirty="0">
-                <a:latin typeface="Segoe UI Light" panose="020B0502040204020203" pitchFamily="34" charset="0"/>
-                <a:cs typeface="Segoe UI Light" panose="020B0502040204020203" pitchFamily="34" charset="0"/>
-              </a:rPr>
-              <a:t>:</a:t>
-            </a:r>
-            <a:r>
-              <a:rPr lang="zh-TW" altLang="en-US" sz="1500" dirty="0">
-                <a:latin typeface="Segoe UI Light" panose="020B0502040204020203" pitchFamily="34" charset="0"/>
-                <a:cs typeface="Segoe UI Light" panose="020B0502040204020203" pitchFamily="34" charset="0"/>
-              </a:rPr>
-              <a:t> </a:t>
-            </a:r>
-            <a:r>
-              <a:rPr lang="en-US" altLang="zh-TW" sz="1500" dirty="0">
-                <a:latin typeface="Segoe UI Light" panose="020B0502040204020203" pitchFamily="34" charset="0"/>
-                <a:cs typeface="Segoe UI Light" panose="020B0502040204020203" pitchFamily="34" charset="0"/>
-              </a:rPr>
-              <a:t>20cm</a:t>
-            </a:r>
-          </a:p>
-          <a:p>
-            <a:pPr marL="285750" indent="-285750">
-              <a:buFontTx/>
-              <a:buChar char="-"/>
-            </a:pPr>
-            <a:r>
-              <a:rPr lang="zh-TW" altLang="en-US" sz="1500" dirty="0">
-                <a:latin typeface="Segoe UI Light" panose="020B0502040204020203" pitchFamily="34" charset="0"/>
-                <a:cs typeface="Segoe UI Light" panose="020B0502040204020203" pitchFamily="34" charset="0"/>
-              </a:rPr>
-              <a:t>筏基版厚</a:t>
-            </a:r>
-            <a:r>
-              <a:rPr lang="en-US" altLang="zh-TW" sz="1500" dirty="0">
-                <a:latin typeface="Segoe UI Light" panose="020B0502040204020203" pitchFamily="34" charset="0"/>
-                <a:cs typeface="Segoe UI Light" panose="020B0502040204020203" pitchFamily="34" charset="0"/>
-              </a:rPr>
-              <a:t>:</a:t>
-            </a:r>
-            <a:r>
-              <a:rPr lang="zh-TW" altLang="en-US" sz="1500" dirty="0">
-                <a:latin typeface="Segoe UI Light" panose="020B0502040204020203" pitchFamily="34" charset="0"/>
-                <a:cs typeface="Segoe UI Light" panose="020B0502040204020203" pitchFamily="34" charset="0"/>
-              </a:rPr>
-              <a:t> </a:t>
-            </a:r>
-            <a:r>
-              <a:rPr lang="en-US" altLang="zh-TW" sz="1500" dirty="0">
-                <a:latin typeface="Segoe UI Light" panose="020B0502040204020203" pitchFamily="34" charset="0"/>
-                <a:cs typeface="Segoe UI Light" panose="020B0502040204020203" pitchFamily="34" charset="0"/>
-              </a:rPr>
-              <a:t>60cm</a:t>
-            </a:r>
-          </a:p>
-          <a:p>
-            <a:pPr marL="285750" indent="-285750">
-              <a:buFontTx/>
-              <a:buChar char="-"/>
-            </a:pPr>
-            <a:r>
-              <a:rPr lang="fr-FR" sz="1500" dirty="0">
-                <a:latin typeface="Segoe UI Light" panose="020B0502040204020203" pitchFamily="34" charset="0"/>
-                <a:cs typeface="Segoe UI Light" panose="020B0502040204020203" pitchFamily="34" charset="0"/>
-              </a:rPr>
-              <a:t>Factor = 1.5</a:t>
-            </a:r>
-          </a:p>
-        </p:txBody>
-      </p:sp>
-      <p:pic>
-        <p:nvPicPr>
-          <p:cNvPr id="34" name="圖片 33"/>
-          <p:cNvPicPr>
-            <a:picLocks noChangeAspect="1"/>
-          </p:cNvPicPr>
-          <p:nvPr/>
-        </p:nvPicPr>
-        <p:blipFill>
-          <a:blip r:embed="rId2"/>
-          <a:stretch>
-            <a:fillRect/>
-          </a:stretch>
-        </p:blipFill>
-        <p:spPr>
-          <a:xfrm>
-            <a:off x="2525825" y="1705539"/>
-            <a:ext cx="706238" cy="619667"/>
-          </a:xfrm>
-          <a:prstGeom prst="rect">
-            <a:avLst/>
-          </a:prstGeom>
-        </p:spPr>
-      </p:pic>
-      <p:sp>
-        <p:nvSpPr>
-          <p:cNvPr id="35" name="TextBox 98"/>
-          <p:cNvSpPr txBox="1"/>
-          <p:nvPr/>
-        </p:nvSpPr>
-        <p:spPr>
-          <a:xfrm>
-            <a:off x="2525825" y="1382374"/>
-            <a:ext cx="2745710" cy="323165"/>
-          </a:xfrm>
-          <a:prstGeom prst="rect">
-            <a:avLst/>
-          </a:prstGeom>
-          <a:noFill/>
-        </p:spPr>
-        <p:txBody>
-          <a:bodyPr wrap="square" lIns="0" rtlCol="0" anchor="t">
-            <a:spAutoFit/>
-          </a:bodyPr>
-          <a:lstStyle/>
-          <a:p>
-            <a:r>
-              <a:rPr lang="zh-TW" altLang="en-US" sz="1500" dirty="0">
-                <a:latin typeface="Segoe UI Light" panose="020B0502040204020203" pitchFamily="34" charset="0"/>
-                <a:cs typeface="Segoe UI Light" panose="020B0502040204020203" pitchFamily="34" charset="0"/>
-              </a:rPr>
-              <a:t>取出</a:t>
-            </a:r>
-            <a:r>
-              <a:rPr lang="en-US" altLang="zh-TW" sz="1500" dirty="0">
-                <a:latin typeface="Segoe UI Light" panose="020B0502040204020203" pitchFamily="34" charset="0"/>
-                <a:cs typeface="Segoe UI Light" panose="020B0502040204020203" pitchFamily="34" charset="0"/>
-              </a:rPr>
-              <a:t>:</a:t>
-            </a:r>
-            <a:r>
-              <a:rPr lang="zh-TW" altLang="en-US" sz="1500" dirty="0">
-                <a:latin typeface="Segoe UI Light" panose="020B0502040204020203" pitchFamily="34" charset="0"/>
-                <a:cs typeface="Segoe UI Light" panose="020B0502040204020203" pitchFamily="34" charset="0"/>
-              </a:rPr>
-              <a:t> 腰筋面積、梁寬、梁深</a:t>
-            </a:r>
-            <a:endParaRPr lang="fr-FR" sz="1500" dirty="0">
-              <a:latin typeface="Segoe UI Light" panose="020B0502040204020203" pitchFamily="34" charset="0"/>
-              <a:cs typeface="Segoe UI Light" panose="020B0502040204020203" pitchFamily="34" charset="0"/>
-            </a:endParaRPr>
-          </a:p>
-        </p:txBody>
-      </p:sp>
-      <p:pic>
-        <p:nvPicPr>
-          <p:cNvPr id="36" name="圖片 35"/>
-          <p:cNvPicPr>
-            <a:picLocks noChangeAspect="1"/>
-          </p:cNvPicPr>
-          <p:nvPr/>
-        </p:nvPicPr>
-        <p:blipFill>
-          <a:blip r:embed="rId3"/>
-          <a:stretch>
-            <a:fillRect/>
-          </a:stretch>
-        </p:blipFill>
-        <p:spPr>
-          <a:xfrm>
-            <a:off x="3214231" y="1703856"/>
-            <a:ext cx="706238" cy="619667"/>
-          </a:xfrm>
-          <a:prstGeom prst="rect">
-            <a:avLst/>
-          </a:prstGeom>
-        </p:spPr>
-      </p:pic>
-      <p:sp>
-        <p:nvSpPr>
           <p:cNvPr id="3" name="投影片編號版面配置區 2"/>
           <p:cNvSpPr>
             <a:spLocks noGrp="1"/>
@@ -28297,7 +30918,7 @@
           <a:p>
             <a:fld id="{83F5B54E-D686-4015-93F2-94C458F353E2}" type="slidenum">
               <a:rPr lang="zh-TW" altLang="en-US" smtClean="0"/>
-              <a:t>3</a:t>
+              <a:t>27</a:t>
             </a:fld>
             <a:endParaRPr lang="zh-TW" altLang="en-US"/>
           </a:p>
@@ -28312,7 +30933,7 @@
         <p:spPr>
           <a:xfrm>
             <a:off x="465514" y="698267"/>
-            <a:ext cx="5972725" cy="369332"/>
+            <a:ext cx="2837636" cy="369332"/>
           </a:xfrm>
           <a:prstGeom prst="rect">
             <a:avLst/>
@@ -28327,35 +30948,11 @@
           <a:p>
             <a:r>
               <a:rPr lang="zh-TW" altLang="en-US" dirty="0"/>
-              <a:t>水平剪力鋼筋面積 </a:t>
-            </a:r>
-            <a:r>
-              <a:rPr lang="en-US" altLang="zh-TW" dirty="0" err="1"/>
-              <a:t>Avh</a:t>
+              <a:t>主筋鋼筋比不得大於 </a:t>
             </a:r>
             <a:r>
               <a:rPr lang="en-US" altLang="zh-TW" dirty="0"/>
-              <a:t> </a:t>
-            </a:r>
-            <a:r>
-              <a:rPr lang="zh-TW" altLang="en-US" dirty="0"/>
-              <a:t>不得大於 </a:t>
-            </a:r>
-            <a:r>
-              <a:rPr lang="en-US" altLang="zh-TW" dirty="0"/>
-              <a:t>0.0015 * </a:t>
-            </a:r>
-            <a:r>
-              <a:rPr lang="en-US" altLang="zh-TW" dirty="0" err="1"/>
-              <a:t>bw</a:t>
-            </a:r>
-            <a:r>
-              <a:rPr lang="en-US" altLang="zh-TW" dirty="0"/>
-              <a:t> * s2 * 1.5</a:t>
-            </a:r>
-            <a:r>
-              <a:rPr lang="zh-TW" altLang="en-US" dirty="0"/>
-              <a:t>。</a:t>
+              <a:t>2.5%</a:t>
             </a:r>
           </a:p>
         </p:txBody>
@@ -28795,6 +31392,2218 @@
       </p:cxnSp>
       <p:sp>
         <p:nvSpPr>
+          <p:cNvPr id="27" name="TextBox 98"/>
+          <p:cNvSpPr txBox="1"/>
+          <p:nvPr/>
+        </p:nvSpPr>
+        <p:spPr>
+          <a:xfrm>
+            <a:off x="2525567" y="1616022"/>
+            <a:ext cx="2407712" cy="323165"/>
+          </a:xfrm>
+          <a:prstGeom prst="rect">
+            <a:avLst/>
+          </a:prstGeom>
+          <a:noFill/>
+        </p:spPr>
+        <p:txBody>
+          <a:bodyPr wrap="square" lIns="0" rtlCol="0" anchor="t">
+            <a:spAutoFit/>
+          </a:bodyPr>
+          <a:lstStyle/>
+          <a:p>
+            <a:r>
+              <a:rPr lang="zh-TW" altLang="en-US" sz="1500" dirty="0">
+                <a:latin typeface="Segoe UI Light" panose="020B0502040204020203" pitchFamily="34" charset="0"/>
+                <a:cs typeface="Segoe UI Light" panose="020B0502040204020203" pitchFamily="34" charset="0"/>
+              </a:rPr>
+              <a:t>取出</a:t>
+            </a:r>
+            <a:r>
+              <a:rPr lang="en-US" altLang="zh-TW" sz="1500" dirty="0">
+                <a:latin typeface="Segoe UI Light" panose="020B0502040204020203" pitchFamily="34" charset="0"/>
+                <a:cs typeface="Segoe UI Light" panose="020B0502040204020203" pitchFamily="34" charset="0"/>
+              </a:rPr>
+              <a:t>:</a:t>
+            </a:r>
+            <a:r>
+              <a:rPr lang="zh-TW" altLang="en-US" sz="1500" dirty="0">
+                <a:latin typeface="Segoe UI Light" panose="020B0502040204020203" pitchFamily="34" charset="0"/>
+                <a:cs typeface="Segoe UI Light" panose="020B0502040204020203" pitchFamily="34" charset="0"/>
+              </a:rPr>
+              <a:t> 梁寬、有效梁深</a:t>
+            </a:r>
+            <a:endParaRPr lang="fr-FR" sz="1500" dirty="0">
+              <a:latin typeface="Segoe UI Light" panose="020B0502040204020203" pitchFamily="34" charset="0"/>
+              <a:cs typeface="Segoe UI Light" panose="020B0502040204020203" pitchFamily="34" charset="0"/>
+            </a:endParaRPr>
+          </a:p>
+        </p:txBody>
+      </p:sp>
+      <p:sp>
+        <p:nvSpPr>
+          <p:cNvPr id="31" name="TextBox 98"/>
+          <p:cNvSpPr txBox="1"/>
+          <p:nvPr/>
+        </p:nvSpPr>
+        <p:spPr>
+          <a:xfrm>
+            <a:off x="2525567" y="3440098"/>
+            <a:ext cx="4116302" cy="323165"/>
+          </a:xfrm>
+          <a:prstGeom prst="rect">
+            <a:avLst/>
+          </a:prstGeom>
+          <a:noFill/>
+        </p:spPr>
+        <p:txBody>
+          <a:bodyPr wrap="square" lIns="0" rtlCol="0" anchor="t">
+            <a:spAutoFit/>
+          </a:bodyPr>
+          <a:lstStyle/>
+          <a:p>
+            <a:r>
+              <a:rPr lang="zh-TW" altLang="en-US" sz="1500" dirty="0">
+                <a:latin typeface="Segoe UI Light" panose="020B0502040204020203" pitchFamily="34" charset="0"/>
+                <a:cs typeface="Segoe UI Light" panose="020B0502040204020203" pitchFamily="34" charset="0"/>
+              </a:rPr>
+              <a:t>判斷</a:t>
+            </a:r>
+            <a:r>
+              <a:rPr lang="en-US" altLang="zh-TW" sz="1500" dirty="0">
+                <a:latin typeface="Segoe UI Light" panose="020B0502040204020203" pitchFamily="34" charset="0"/>
+                <a:cs typeface="Segoe UI Light" panose="020B0502040204020203" pitchFamily="34" charset="0"/>
+              </a:rPr>
+              <a:t>:</a:t>
+            </a:r>
+            <a:r>
+              <a:rPr lang="zh-TW" altLang="en-US" sz="1500" dirty="0">
+                <a:latin typeface="Segoe UI Light" panose="020B0502040204020203" pitchFamily="34" charset="0"/>
+                <a:cs typeface="Segoe UI Light" panose="020B0502040204020203" pitchFamily="34" charset="0"/>
+              </a:rPr>
+              <a:t> 主筋面積 </a:t>
+            </a:r>
+            <a:r>
+              <a:rPr lang="en-US" altLang="zh-TW" sz="1500" dirty="0">
+                <a:latin typeface="Segoe UI Light" panose="020B0502040204020203" pitchFamily="34" charset="0"/>
+                <a:cs typeface="Segoe UI Light" panose="020B0502040204020203" pitchFamily="34" charset="0"/>
+              </a:rPr>
+              <a:t>&lt;</a:t>
+            </a:r>
+            <a:r>
+              <a:rPr lang="zh-TW" altLang="en-US" sz="1500" dirty="0">
+                <a:latin typeface="Segoe UI Light" panose="020B0502040204020203" pitchFamily="34" charset="0"/>
+                <a:cs typeface="Segoe UI Light" panose="020B0502040204020203" pitchFamily="34" charset="0"/>
+              </a:rPr>
+              <a:t> </a:t>
+            </a:r>
+            <a:r>
+              <a:rPr lang="en-US" altLang="zh-TW" sz="1500" dirty="0">
+                <a:latin typeface="Segoe UI Light" panose="020B0502040204020203" pitchFamily="34" charset="0"/>
+                <a:cs typeface="Segoe UI Light" panose="020B0502040204020203" pitchFamily="34" charset="0"/>
+              </a:rPr>
+              <a:t>0.025</a:t>
+            </a:r>
+            <a:r>
+              <a:rPr lang="zh-TW" altLang="en-US" sz="1500" dirty="0">
+                <a:latin typeface="Segoe UI Light" panose="020B0502040204020203" pitchFamily="34" charset="0"/>
+                <a:cs typeface="Segoe UI Light" panose="020B0502040204020203" pitchFamily="34" charset="0"/>
+              </a:rPr>
+              <a:t> * 梁寬 * 有效梁深</a:t>
+            </a:r>
+            <a:endParaRPr lang="fr-FR" sz="1500" dirty="0">
+              <a:latin typeface="Segoe UI Light" panose="020B0502040204020203" pitchFamily="34" charset="0"/>
+              <a:cs typeface="Segoe UI Light" panose="020B0502040204020203" pitchFamily="34" charset="0"/>
+            </a:endParaRPr>
+          </a:p>
+        </p:txBody>
+      </p:sp>
+      <p:sp>
+        <p:nvSpPr>
+          <p:cNvPr id="32" name="TextBox 98"/>
+          <p:cNvSpPr txBox="1"/>
+          <p:nvPr/>
+        </p:nvSpPr>
+        <p:spPr>
+          <a:xfrm>
+            <a:off x="2525566" y="4756977"/>
+            <a:ext cx="6273377" cy="1015663"/>
+          </a:xfrm>
+          <a:prstGeom prst="rect">
+            <a:avLst/>
+          </a:prstGeom>
+          <a:noFill/>
+        </p:spPr>
+        <p:txBody>
+          <a:bodyPr wrap="square" lIns="0" rtlCol="0" anchor="t">
+            <a:spAutoFit/>
+          </a:bodyPr>
+          <a:lstStyle/>
+          <a:p>
+            <a:r>
+              <a:rPr lang="zh-TW" altLang="en-US" sz="1500" dirty="0">
+                <a:latin typeface="Segoe UI Light" panose="020B0502040204020203" pitchFamily="34" charset="0"/>
+                <a:cs typeface="Segoe UI Light" panose="020B0502040204020203" pitchFamily="34" charset="0"/>
+              </a:rPr>
+              <a:t>是</a:t>
+            </a:r>
+            <a:r>
+              <a:rPr lang="en-US" altLang="zh-TW" sz="1500" dirty="0">
+                <a:latin typeface="Segoe UI Light" panose="020B0502040204020203" pitchFamily="34" charset="0"/>
+                <a:cs typeface="Segoe UI Light" panose="020B0502040204020203" pitchFamily="34" charset="0"/>
+              </a:rPr>
+              <a:t>:</a:t>
+            </a:r>
+            <a:r>
+              <a:rPr lang="zh-TW" altLang="en-US" sz="1500" dirty="0">
+                <a:latin typeface="Segoe UI Light" panose="020B0502040204020203" pitchFamily="34" charset="0"/>
+                <a:cs typeface="Segoe UI Light" panose="020B0502040204020203" pitchFamily="34" charset="0"/>
+              </a:rPr>
+              <a:t> </a:t>
+            </a:r>
+            <a:r>
+              <a:rPr lang="en-US" altLang="zh-TW" sz="1500" dirty="0">
+                <a:latin typeface="Segoe UI Light" panose="020B0502040204020203" pitchFamily="34" charset="0"/>
+                <a:cs typeface="Segoe UI Light" panose="020B0502040204020203" pitchFamily="34" charset="0"/>
+              </a:rPr>
+              <a:t>OK</a:t>
+            </a:r>
+          </a:p>
+          <a:p>
+            <a:r>
+              <a:rPr lang="zh-TW" altLang="en-US" sz="1500" dirty="0">
+                <a:latin typeface="Segoe UI Light" panose="020B0502040204020203" pitchFamily="34" charset="0"/>
+                <a:cs typeface="Segoe UI Light" panose="020B0502040204020203" pitchFamily="34" charset="0"/>
+              </a:rPr>
+              <a:t>否</a:t>
+            </a:r>
+            <a:r>
+              <a:rPr lang="en-US" altLang="zh-TW" sz="1500" dirty="0">
+                <a:latin typeface="Segoe UI Light" panose="020B0502040204020203" pitchFamily="34" charset="0"/>
+                <a:cs typeface="Segoe UI Light" panose="020B0502040204020203" pitchFamily="34" charset="0"/>
+              </a:rPr>
+              <a:t>:</a:t>
+            </a:r>
+            <a:r>
+              <a:rPr lang="zh-TW" altLang="en-US" sz="1500" dirty="0">
+                <a:latin typeface="Segoe UI Light" panose="020B0502040204020203" pitchFamily="34" charset="0"/>
+                <a:cs typeface="Segoe UI Light" panose="020B0502040204020203" pitchFamily="34" charset="0"/>
+              </a:rPr>
+              <a:t> </a:t>
+            </a:r>
+            <a:endParaRPr lang="en-US" altLang="zh-TW" sz="1500" dirty="0">
+              <a:latin typeface="Segoe UI Light" panose="020B0502040204020203" pitchFamily="34" charset="0"/>
+              <a:cs typeface="Segoe UI Light" panose="020B0502040204020203" pitchFamily="34" charset="0"/>
+            </a:endParaRPr>
+          </a:p>
+          <a:p>
+            <a:pPr marL="285750" indent="-285750">
+              <a:buFontTx/>
+              <a:buChar char="-"/>
+            </a:pPr>
+            <a:r>
+              <a:rPr lang="en-US" altLang="zh-TW" sz="1500" dirty="0">
+                <a:latin typeface="Segoe UI Light" panose="020B0502040204020203" pitchFamily="34" charset="0"/>
+                <a:cs typeface="Segoe UI Light" panose="020B0502040204020203" pitchFamily="34" charset="0"/>
+              </a:rPr>
+              <a:t>【0310】</a:t>
+            </a:r>
+            <a:r>
+              <a:rPr lang="zh-TW" altLang="en-US" sz="1500" dirty="0">
+                <a:latin typeface="Segoe UI Light" panose="020B0502040204020203" pitchFamily="34" charset="0"/>
+                <a:cs typeface="Segoe UI Light" panose="020B0502040204020203" pitchFamily="34" charset="0"/>
+              </a:rPr>
+              <a:t>上層筋鋼筋比不得大於 </a:t>
+            </a:r>
+            <a:r>
+              <a:rPr lang="en-US" altLang="zh-TW" sz="1500" dirty="0">
+                <a:latin typeface="Segoe UI Light" panose="020B0502040204020203" pitchFamily="34" charset="0"/>
+                <a:cs typeface="Segoe UI Light" panose="020B0502040204020203" pitchFamily="34" charset="0"/>
+              </a:rPr>
+              <a:t>2.5%</a:t>
+            </a:r>
+          </a:p>
+          <a:p>
+            <a:pPr marL="285750" indent="-285750">
+              <a:buFontTx/>
+              <a:buChar char="-"/>
+            </a:pPr>
+            <a:r>
+              <a:rPr lang="en-US" altLang="zh-TW" sz="1500" dirty="0">
+                <a:latin typeface="Segoe UI Light" panose="020B0502040204020203" pitchFamily="34" charset="0"/>
+                <a:cs typeface="Segoe UI Light" panose="020B0502040204020203" pitchFamily="34" charset="0"/>
+              </a:rPr>
+              <a:t>【0311】</a:t>
+            </a:r>
+            <a:r>
+              <a:rPr lang="zh-TW" altLang="en-US" sz="1500" dirty="0">
+                <a:latin typeface="Segoe UI Light" panose="020B0502040204020203" pitchFamily="34" charset="0"/>
+                <a:cs typeface="Segoe UI Light" panose="020B0502040204020203" pitchFamily="34" charset="0"/>
+              </a:rPr>
+              <a:t>下層筋鋼筋比不得大於 </a:t>
+            </a:r>
+            <a:r>
+              <a:rPr lang="en-US" altLang="zh-TW" sz="1500" dirty="0">
+                <a:latin typeface="Segoe UI Light" panose="020B0502040204020203" pitchFamily="34" charset="0"/>
+                <a:cs typeface="Segoe UI Light" panose="020B0502040204020203" pitchFamily="34" charset="0"/>
+              </a:rPr>
+              <a:t>2.5%</a:t>
+            </a:r>
+            <a:endParaRPr lang="fr-FR" sz="1500" dirty="0">
+              <a:latin typeface="Segoe UI Light" panose="020B0502040204020203" pitchFamily="34" charset="0"/>
+              <a:cs typeface="Segoe UI Light" panose="020B0502040204020203" pitchFamily="34" charset="0"/>
+            </a:endParaRPr>
+          </a:p>
+        </p:txBody>
+      </p:sp>
+      <p:sp>
+        <p:nvSpPr>
+          <p:cNvPr id="25" name="文字方塊 24">
+            <a:extLst>
+              <a:ext uri="{FF2B5EF4-FFF2-40B4-BE49-F238E27FC236}">
+                <a16:creationId xmlns:a16="http://schemas.microsoft.com/office/drawing/2014/main" id="{B2E9F3B0-AF70-461B-B252-C64E0ED6A174}"/>
+              </a:ext>
+            </a:extLst>
+          </p:cNvPr>
+          <p:cNvSpPr txBox="1"/>
+          <p:nvPr/>
+        </p:nvSpPr>
+        <p:spPr>
+          <a:xfrm>
+            <a:off x="0" y="0"/>
+            <a:ext cx="817853" cy="461665"/>
+          </a:xfrm>
+          <a:prstGeom prst="rect">
+            <a:avLst/>
+          </a:prstGeom>
+          <a:solidFill>
+            <a:schemeClr val="tx2"/>
+          </a:solidFill>
+        </p:spPr>
+        <p:txBody>
+          <a:bodyPr wrap="none" rtlCol="0">
+            <a:spAutoFit/>
+          </a:bodyPr>
+          <a:lstStyle/>
+          <a:p>
+            <a:r>
+              <a:rPr lang="en-US" altLang="zh-TW" sz="2400" dirty="0">
+                <a:solidFill>
+                  <a:schemeClr val="bg1"/>
+                </a:solidFill>
+              </a:rPr>
+              <a:t>0310</a:t>
+            </a:r>
+            <a:endParaRPr lang="zh-TW" altLang="en-US" sz="2400" dirty="0">
+              <a:solidFill>
+                <a:schemeClr val="bg1"/>
+              </a:solidFill>
+            </a:endParaRPr>
+          </a:p>
+        </p:txBody>
+      </p:sp>
+      <p:sp>
+        <p:nvSpPr>
+          <p:cNvPr id="28" name="文字方塊 27">
+            <a:extLst>
+              <a:ext uri="{FF2B5EF4-FFF2-40B4-BE49-F238E27FC236}">
+                <a16:creationId xmlns:a16="http://schemas.microsoft.com/office/drawing/2014/main" id="{96600E73-0AE1-4C21-AC5B-7E3C624D7130}"/>
+              </a:ext>
+            </a:extLst>
+          </p:cNvPr>
+          <p:cNvSpPr txBox="1"/>
+          <p:nvPr/>
+        </p:nvSpPr>
+        <p:spPr>
+          <a:xfrm>
+            <a:off x="822661" y="-4351"/>
+            <a:ext cx="764953" cy="461665"/>
+          </a:xfrm>
+          <a:prstGeom prst="rect">
+            <a:avLst/>
+          </a:prstGeom>
+          <a:solidFill>
+            <a:schemeClr val="tx2"/>
+          </a:solidFill>
+        </p:spPr>
+        <p:txBody>
+          <a:bodyPr wrap="none" rtlCol="0">
+            <a:spAutoFit/>
+          </a:bodyPr>
+          <a:lstStyle/>
+          <a:p>
+            <a:r>
+              <a:rPr lang="en-US" altLang="zh-TW" sz="2400" dirty="0">
+                <a:solidFill>
+                  <a:schemeClr val="bg1"/>
+                </a:solidFill>
+              </a:rPr>
+              <a:t>0311</a:t>
+            </a:r>
+            <a:endParaRPr lang="zh-TW" altLang="en-US" sz="2400" dirty="0">
+              <a:solidFill>
+                <a:schemeClr val="bg1"/>
+              </a:solidFill>
+            </a:endParaRPr>
+          </a:p>
+        </p:txBody>
+      </p:sp>
+      <p:sp>
+        <p:nvSpPr>
+          <p:cNvPr id="29" name="文字方塊 28">
+            <a:extLst>
+              <a:ext uri="{FF2B5EF4-FFF2-40B4-BE49-F238E27FC236}">
+                <a16:creationId xmlns:a16="http://schemas.microsoft.com/office/drawing/2014/main" id="{33F5B238-80E6-4B90-ACF7-EB9923D0FE5C}"/>
+              </a:ext>
+            </a:extLst>
+          </p:cNvPr>
+          <p:cNvSpPr txBox="1"/>
+          <p:nvPr/>
+        </p:nvSpPr>
+        <p:spPr>
+          <a:xfrm>
+            <a:off x="1571021" y="0"/>
+            <a:ext cx="800219" cy="461665"/>
+          </a:xfrm>
+          <a:prstGeom prst="rect">
+            <a:avLst/>
+          </a:prstGeom>
+          <a:solidFill>
+            <a:schemeClr val="accent1"/>
+          </a:solidFill>
+        </p:spPr>
+        <p:txBody>
+          <a:bodyPr wrap="none" rtlCol="0">
+            <a:spAutoFit/>
+          </a:bodyPr>
+          <a:lstStyle/>
+          <a:p>
+            <a:r>
+              <a:rPr lang="zh-TW" altLang="en-US" sz="2400" dirty="0">
+                <a:solidFill>
+                  <a:schemeClr val="bg1"/>
+                </a:solidFill>
+              </a:rPr>
+              <a:t>主筋</a:t>
+            </a:r>
+          </a:p>
+        </p:txBody>
+      </p:sp>
+    </p:spTree>
+    <p:extLst>
+      <p:ext uri="{BB962C8B-B14F-4D97-AF65-F5344CB8AC3E}">
+        <p14:creationId xmlns:p14="http://schemas.microsoft.com/office/powerpoint/2010/main" val="871694185"/>
+      </p:ext>
+    </p:extLst>
+  </p:cSld>
+  <p:clrMapOvr>
+    <a:masterClrMapping/>
+  </p:clrMapOvr>
+</p:sld>
+</file>
+
+<file path=ppt/slides/slide28.xml><?xml version="1.0" encoding="utf-8"?>
+<p:sld xmlns:a="http://schemas.openxmlformats.org/drawingml/2006/main" xmlns:r="http://schemas.openxmlformats.org/officeDocument/2006/relationships" xmlns:p="http://schemas.openxmlformats.org/presentationml/2006/main">
+  <p:cSld>
+    <p:spTree>
+      <p:nvGrpSpPr>
+        <p:cNvPr id="1" name=""/>
+        <p:cNvGrpSpPr/>
+        <p:nvPr/>
+      </p:nvGrpSpPr>
+      <p:grpSpPr>
+        <a:xfrm>
+          <a:off x="0" y="0"/>
+          <a:ext cx="0" cy="0"/>
+          <a:chOff x="0" y="0"/>
+          <a:chExt cx="0" cy="0"/>
+        </a:xfrm>
+      </p:grpSpPr>
+      <p:sp>
+        <p:nvSpPr>
+          <p:cNvPr id="2" name="投影片編號版面配置區 1">
+            <a:extLst>
+              <a:ext uri="{FF2B5EF4-FFF2-40B4-BE49-F238E27FC236}">
+                <a16:creationId xmlns:a16="http://schemas.microsoft.com/office/drawing/2014/main" id="{911C48D5-25F9-47E5-8ABF-C4D07E4F3A3B}"/>
+              </a:ext>
+            </a:extLst>
+          </p:cNvPr>
+          <p:cNvSpPr>
+            <a:spLocks noGrp="1"/>
+          </p:cNvSpPr>
+          <p:nvPr>
+            <p:ph type="sldNum" sz="quarter" idx="4"/>
+          </p:nvPr>
+        </p:nvSpPr>
+        <p:spPr/>
+        <p:txBody>
+          <a:bodyPr/>
+          <a:lstStyle/>
+          <a:p>
+            <a:fld id="{83F5B54E-D686-4015-93F2-94C458F353E2}" type="slidenum">
+              <a:rPr lang="zh-TW" altLang="en-US" smtClean="0"/>
+              <a:t>28</a:t>
+            </a:fld>
+            <a:endParaRPr lang="zh-TW" altLang="en-US" dirty="0"/>
+          </a:p>
+        </p:txBody>
+      </p:sp>
+      <p:sp>
+        <p:nvSpPr>
+          <p:cNvPr id="5" name="文字方塊 4">
+            <a:extLst>
+              <a:ext uri="{FF2B5EF4-FFF2-40B4-BE49-F238E27FC236}">
+                <a16:creationId xmlns:a16="http://schemas.microsoft.com/office/drawing/2014/main" id="{E14D17D7-E7C4-4FCD-800E-0D6ED48FA1F1}"/>
+              </a:ext>
+            </a:extLst>
+          </p:cNvPr>
+          <p:cNvSpPr txBox="1"/>
+          <p:nvPr/>
+        </p:nvSpPr>
+        <p:spPr>
+          <a:xfrm>
+            <a:off x="924224" y="698267"/>
+            <a:ext cx="1800493" cy="369332"/>
+          </a:xfrm>
+          <a:prstGeom prst="rect">
+            <a:avLst/>
+          </a:prstGeom>
+          <a:noFill/>
+        </p:spPr>
+        <p:txBody>
+          <a:bodyPr wrap="none" rtlCol="0">
+            <a:spAutoFit/>
+          </a:bodyPr>
+          <a:lstStyle/>
+          <a:p>
+            <a:r>
+              <a:rPr lang="zh-TW" altLang="en-US" dirty="0"/>
+              <a:t>鋼筋間距之限制</a:t>
+            </a:r>
+          </a:p>
+        </p:txBody>
+      </p:sp>
+      <p:grpSp>
+        <p:nvGrpSpPr>
+          <p:cNvPr id="6" name="Group 24">
+            <a:extLst>
+              <a:ext uri="{FF2B5EF4-FFF2-40B4-BE49-F238E27FC236}">
+                <a16:creationId xmlns:a16="http://schemas.microsoft.com/office/drawing/2014/main" id="{E60EE45D-5200-4577-BB35-21E7C74F7ACE}"/>
+              </a:ext>
+            </a:extLst>
+          </p:cNvPr>
+          <p:cNvGrpSpPr/>
+          <p:nvPr/>
+        </p:nvGrpSpPr>
+        <p:grpSpPr>
+          <a:xfrm>
+            <a:off x="1220043" y="1448609"/>
+            <a:ext cx="708425" cy="708425"/>
+            <a:chOff x="3173014" y="2956717"/>
+            <a:chExt cx="944566" cy="944566"/>
+          </a:xfrm>
+        </p:grpSpPr>
+        <p:sp>
+          <p:nvSpPr>
+            <p:cNvPr id="7" name="Oval 25">
+              <a:extLst>
+                <a:ext uri="{FF2B5EF4-FFF2-40B4-BE49-F238E27FC236}">
+                  <a16:creationId xmlns:a16="http://schemas.microsoft.com/office/drawing/2014/main" id="{550C8446-72E3-4D32-A806-41FFC30B5A0E}"/>
+                </a:ext>
+              </a:extLst>
+            </p:cNvPr>
+            <p:cNvSpPr/>
+            <p:nvPr/>
+          </p:nvSpPr>
+          <p:spPr>
+            <a:xfrm>
+              <a:off x="3290491" y="3074194"/>
+              <a:ext cx="709612" cy="709612"/>
+            </a:xfrm>
+            <a:prstGeom prst="ellipse">
+              <a:avLst/>
+            </a:prstGeom>
+            <a:solidFill>
+              <a:schemeClr val="bg1">
+                <a:lumMod val="85000"/>
+              </a:schemeClr>
+            </a:solidFill>
+            <a:ln>
+              <a:noFill/>
+            </a:ln>
+          </p:spPr>
+          <p:style>
+            <a:lnRef idx="2">
+              <a:schemeClr val="accent1">
+                <a:shade val="50000"/>
+              </a:schemeClr>
+            </a:lnRef>
+            <a:fillRef idx="1">
+              <a:schemeClr val="accent1"/>
+            </a:fillRef>
+            <a:effectRef idx="0">
+              <a:schemeClr val="accent1"/>
+            </a:effectRef>
+            <a:fontRef idx="minor">
+              <a:schemeClr val="lt1"/>
+            </a:fontRef>
+          </p:style>
+          <p:txBody>
+            <a:bodyPr rtlCol="0" anchor="ctr"/>
+            <a:lstStyle/>
+            <a:p>
+              <a:pPr algn="ctr"/>
+              <a:endParaRPr lang="fr-FR" sz="1350"/>
+            </a:p>
+          </p:txBody>
+        </p:sp>
+        <p:sp>
+          <p:nvSpPr>
+            <p:cNvPr id="8" name="Oval 26">
+              <a:extLst>
+                <a:ext uri="{FF2B5EF4-FFF2-40B4-BE49-F238E27FC236}">
+                  <a16:creationId xmlns:a16="http://schemas.microsoft.com/office/drawing/2014/main" id="{E6EA1B98-00ED-4CF0-BCC2-4A711720CE9C}"/>
+                </a:ext>
+              </a:extLst>
+            </p:cNvPr>
+            <p:cNvSpPr/>
+            <p:nvPr/>
+          </p:nvSpPr>
+          <p:spPr>
+            <a:xfrm>
+              <a:off x="3173014" y="2956717"/>
+              <a:ext cx="944566" cy="944566"/>
+            </a:xfrm>
+            <a:prstGeom prst="ellipse">
+              <a:avLst/>
+            </a:prstGeom>
+            <a:solidFill>
+              <a:schemeClr val="bg1">
+                <a:lumMod val="85000"/>
+                <a:alpha val="42000"/>
+              </a:schemeClr>
+            </a:solidFill>
+            <a:ln>
+              <a:noFill/>
+            </a:ln>
+          </p:spPr>
+          <p:style>
+            <a:lnRef idx="2">
+              <a:schemeClr val="accent1">
+                <a:shade val="50000"/>
+              </a:schemeClr>
+            </a:lnRef>
+            <a:fillRef idx="1">
+              <a:schemeClr val="accent1"/>
+            </a:fillRef>
+            <a:effectRef idx="0">
+              <a:schemeClr val="accent1"/>
+            </a:effectRef>
+            <a:fontRef idx="minor">
+              <a:schemeClr val="lt1"/>
+            </a:fontRef>
+          </p:style>
+          <p:txBody>
+            <a:bodyPr rtlCol="0" anchor="ctr"/>
+            <a:lstStyle/>
+            <a:p>
+              <a:pPr algn="ctr"/>
+              <a:r>
+                <a:rPr lang="fr-FR" sz="2100" dirty="0">
+                  <a:solidFill>
+                    <a:schemeClr val="tx1"/>
+                  </a:solidFill>
+                  <a:latin typeface="Segoe UI" panose="020B0502040204020203" pitchFamily="34" charset="0"/>
+                  <a:cs typeface="Segoe UI" panose="020B0502040204020203" pitchFamily="34" charset="0"/>
+                </a:rPr>
+                <a:t>1</a:t>
+              </a:r>
+            </a:p>
+          </p:txBody>
+        </p:sp>
+      </p:grpSp>
+      <p:cxnSp>
+        <p:nvCxnSpPr>
+          <p:cNvPr id="9" name="Straight Connector 13">
+            <a:extLst>
+              <a:ext uri="{FF2B5EF4-FFF2-40B4-BE49-F238E27FC236}">
+                <a16:creationId xmlns:a16="http://schemas.microsoft.com/office/drawing/2014/main" id="{0BCCE130-C6EB-4548-9591-C46B27FA1784}"/>
+              </a:ext>
+            </a:extLst>
+          </p:cNvPr>
+          <p:cNvCxnSpPr/>
+          <p:nvPr/>
+        </p:nvCxnSpPr>
+        <p:spPr>
+          <a:xfrm>
+            <a:off x="1571021" y="2157034"/>
+            <a:ext cx="0" cy="1087200"/>
+          </a:xfrm>
+          <a:prstGeom prst="line">
+            <a:avLst/>
+          </a:prstGeom>
+          <a:ln w="28575">
+            <a:solidFill>
+              <a:srgbClr val="EDECEC"/>
+            </a:solidFill>
+          </a:ln>
+        </p:spPr>
+        <p:style>
+          <a:lnRef idx="1">
+            <a:schemeClr val="accent1"/>
+          </a:lnRef>
+          <a:fillRef idx="0">
+            <a:schemeClr val="accent1"/>
+          </a:fillRef>
+          <a:effectRef idx="0">
+            <a:schemeClr val="accent1"/>
+          </a:effectRef>
+          <a:fontRef idx="minor">
+            <a:schemeClr val="tx1"/>
+          </a:fontRef>
+        </p:style>
+      </p:cxnSp>
+      <p:grpSp>
+        <p:nvGrpSpPr>
+          <p:cNvPr id="10" name="Group 1">
+            <a:extLst>
+              <a:ext uri="{FF2B5EF4-FFF2-40B4-BE49-F238E27FC236}">
+                <a16:creationId xmlns:a16="http://schemas.microsoft.com/office/drawing/2014/main" id="{2F6B791B-C4A4-4B1C-A6FD-2F514D16014F}"/>
+              </a:ext>
+            </a:extLst>
+          </p:cNvPr>
+          <p:cNvGrpSpPr/>
+          <p:nvPr/>
+        </p:nvGrpSpPr>
+        <p:grpSpPr>
+          <a:xfrm>
+            <a:off x="1220043" y="3244234"/>
+            <a:ext cx="708425" cy="708425"/>
+            <a:chOff x="3173014" y="2956717"/>
+            <a:chExt cx="944566" cy="944566"/>
+          </a:xfrm>
+        </p:grpSpPr>
+        <p:sp>
+          <p:nvSpPr>
+            <p:cNvPr id="11" name="Oval 18">
+              <a:extLst>
+                <a:ext uri="{FF2B5EF4-FFF2-40B4-BE49-F238E27FC236}">
+                  <a16:creationId xmlns:a16="http://schemas.microsoft.com/office/drawing/2014/main" id="{5E932C72-DABF-41FB-9BDF-C2E940DC83B5}"/>
+                </a:ext>
+              </a:extLst>
+            </p:cNvPr>
+            <p:cNvSpPr/>
+            <p:nvPr/>
+          </p:nvSpPr>
+          <p:spPr>
+            <a:xfrm>
+              <a:off x="3290491" y="3074194"/>
+              <a:ext cx="709612" cy="709612"/>
+            </a:xfrm>
+            <a:prstGeom prst="ellipse">
+              <a:avLst/>
+            </a:prstGeom>
+            <a:solidFill>
+              <a:schemeClr val="bg1">
+                <a:lumMod val="85000"/>
+              </a:schemeClr>
+            </a:solidFill>
+            <a:ln>
+              <a:noFill/>
+            </a:ln>
+          </p:spPr>
+          <p:style>
+            <a:lnRef idx="2">
+              <a:schemeClr val="accent1">
+                <a:shade val="50000"/>
+              </a:schemeClr>
+            </a:lnRef>
+            <a:fillRef idx="1">
+              <a:schemeClr val="accent1"/>
+            </a:fillRef>
+            <a:effectRef idx="0">
+              <a:schemeClr val="accent1"/>
+            </a:effectRef>
+            <a:fontRef idx="minor">
+              <a:schemeClr val="lt1"/>
+            </a:fontRef>
+          </p:style>
+          <p:txBody>
+            <a:bodyPr rtlCol="0" anchor="ctr"/>
+            <a:lstStyle/>
+            <a:p>
+              <a:pPr algn="ctr"/>
+              <a:endParaRPr lang="fr-FR" sz="1350" dirty="0"/>
+            </a:p>
+          </p:txBody>
+        </p:sp>
+        <p:sp>
+          <p:nvSpPr>
+            <p:cNvPr id="12" name="Oval 22">
+              <a:extLst>
+                <a:ext uri="{FF2B5EF4-FFF2-40B4-BE49-F238E27FC236}">
+                  <a16:creationId xmlns:a16="http://schemas.microsoft.com/office/drawing/2014/main" id="{D0E2F71E-17BA-4950-9A50-7DDFAB91DEFD}"/>
+                </a:ext>
+              </a:extLst>
+            </p:cNvPr>
+            <p:cNvSpPr/>
+            <p:nvPr/>
+          </p:nvSpPr>
+          <p:spPr>
+            <a:xfrm>
+              <a:off x="3173014" y="2956717"/>
+              <a:ext cx="944566" cy="944566"/>
+            </a:xfrm>
+            <a:prstGeom prst="ellipse">
+              <a:avLst/>
+            </a:prstGeom>
+            <a:solidFill>
+              <a:schemeClr val="bg1">
+                <a:lumMod val="85000"/>
+                <a:alpha val="42000"/>
+              </a:schemeClr>
+            </a:solidFill>
+            <a:ln>
+              <a:noFill/>
+            </a:ln>
+          </p:spPr>
+          <p:style>
+            <a:lnRef idx="2">
+              <a:schemeClr val="accent1">
+                <a:shade val="50000"/>
+              </a:schemeClr>
+            </a:lnRef>
+            <a:fillRef idx="1">
+              <a:schemeClr val="accent1"/>
+            </a:fillRef>
+            <a:effectRef idx="0">
+              <a:schemeClr val="accent1"/>
+            </a:effectRef>
+            <a:fontRef idx="minor">
+              <a:schemeClr val="lt1"/>
+            </a:fontRef>
+          </p:style>
+          <p:txBody>
+            <a:bodyPr rtlCol="0" anchor="ctr"/>
+            <a:lstStyle/>
+            <a:p>
+              <a:pPr algn="ctr"/>
+              <a:r>
+                <a:rPr lang="fr-FR" sz="2100" dirty="0">
+                  <a:solidFill>
+                    <a:schemeClr val="tx1"/>
+                  </a:solidFill>
+                  <a:latin typeface="Segoe UI" panose="020B0502040204020203" pitchFamily="34" charset="0"/>
+                  <a:cs typeface="Segoe UI" panose="020B0502040204020203" pitchFamily="34" charset="0"/>
+                </a:rPr>
+                <a:t>2</a:t>
+              </a:r>
+            </a:p>
+          </p:txBody>
+        </p:sp>
+      </p:grpSp>
+      <p:grpSp>
+        <p:nvGrpSpPr>
+          <p:cNvPr id="13" name="Group 27">
+            <a:extLst>
+              <a:ext uri="{FF2B5EF4-FFF2-40B4-BE49-F238E27FC236}">
+                <a16:creationId xmlns:a16="http://schemas.microsoft.com/office/drawing/2014/main" id="{41C2C30E-EA09-48D5-B777-8CC754480AC0}"/>
+              </a:ext>
+            </a:extLst>
+          </p:cNvPr>
+          <p:cNvGrpSpPr/>
+          <p:nvPr/>
+        </p:nvGrpSpPr>
+        <p:grpSpPr>
+          <a:xfrm>
+            <a:off x="1220043" y="5039859"/>
+            <a:ext cx="708425" cy="708425"/>
+            <a:chOff x="3173014" y="2956717"/>
+            <a:chExt cx="944566" cy="944566"/>
+          </a:xfrm>
+        </p:grpSpPr>
+        <p:sp>
+          <p:nvSpPr>
+            <p:cNvPr id="14" name="Oval 28">
+              <a:extLst>
+                <a:ext uri="{FF2B5EF4-FFF2-40B4-BE49-F238E27FC236}">
+                  <a16:creationId xmlns:a16="http://schemas.microsoft.com/office/drawing/2014/main" id="{5EE1ACF6-2E27-4709-8A4F-60652F30B431}"/>
+                </a:ext>
+              </a:extLst>
+            </p:cNvPr>
+            <p:cNvSpPr/>
+            <p:nvPr/>
+          </p:nvSpPr>
+          <p:spPr>
+            <a:xfrm>
+              <a:off x="3290491" y="3074194"/>
+              <a:ext cx="709612" cy="709612"/>
+            </a:xfrm>
+            <a:prstGeom prst="ellipse">
+              <a:avLst/>
+            </a:prstGeom>
+            <a:solidFill>
+              <a:schemeClr val="bg1">
+                <a:lumMod val="85000"/>
+              </a:schemeClr>
+            </a:solidFill>
+            <a:ln>
+              <a:noFill/>
+            </a:ln>
+          </p:spPr>
+          <p:style>
+            <a:lnRef idx="2">
+              <a:schemeClr val="accent1">
+                <a:shade val="50000"/>
+              </a:schemeClr>
+            </a:lnRef>
+            <a:fillRef idx="1">
+              <a:schemeClr val="accent1"/>
+            </a:fillRef>
+            <a:effectRef idx="0">
+              <a:schemeClr val="accent1"/>
+            </a:effectRef>
+            <a:fontRef idx="minor">
+              <a:schemeClr val="lt1"/>
+            </a:fontRef>
+          </p:style>
+          <p:txBody>
+            <a:bodyPr rtlCol="0" anchor="ctr"/>
+            <a:lstStyle/>
+            <a:p>
+              <a:pPr algn="ctr"/>
+              <a:endParaRPr lang="fr-FR" sz="1350"/>
+            </a:p>
+          </p:txBody>
+        </p:sp>
+        <p:sp>
+          <p:nvSpPr>
+            <p:cNvPr id="15" name="Oval 29">
+              <a:extLst>
+                <a:ext uri="{FF2B5EF4-FFF2-40B4-BE49-F238E27FC236}">
+                  <a16:creationId xmlns:a16="http://schemas.microsoft.com/office/drawing/2014/main" id="{5BA38EA8-0D45-497B-A467-5BD2F941ABB9}"/>
+                </a:ext>
+              </a:extLst>
+            </p:cNvPr>
+            <p:cNvSpPr/>
+            <p:nvPr/>
+          </p:nvSpPr>
+          <p:spPr>
+            <a:xfrm>
+              <a:off x="3173014" y="2956717"/>
+              <a:ext cx="944566" cy="944566"/>
+            </a:xfrm>
+            <a:prstGeom prst="ellipse">
+              <a:avLst/>
+            </a:prstGeom>
+            <a:solidFill>
+              <a:schemeClr val="bg1">
+                <a:lumMod val="85000"/>
+                <a:alpha val="42000"/>
+              </a:schemeClr>
+            </a:solidFill>
+            <a:ln>
+              <a:noFill/>
+            </a:ln>
+          </p:spPr>
+          <p:style>
+            <a:lnRef idx="2">
+              <a:schemeClr val="accent1">
+                <a:shade val="50000"/>
+              </a:schemeClr>
+            </a:lnRef>
+            <a:fillRef idx="1">
+              <a:schemeClr val="accent1"/>
+            </a:fillRef>
+            <a:effectRef idx="0">
+              <a:schemeClr val="accent1"/>
+            </a:effectRef>
+            <a:fontRef idx="minor">
+              <a:schemeClr val="lt1"/>
+            </a:fontRef>
+          </p:style>
+          <p:txBody>
+            <a:bodyPr rtlCol="0" anchor="ctr"/>
+            <a:lstStyle/>
+            <a:p>
+              <a:pPr algn="ctr"/>
+              <a:r>
+                <a:rPr lang="fr-FR" sz="2100" dirty="0">
+                  <a:solidFill>
+                    <a:schemeClr val="tx1"/>
+                  </a:solidFill>
+                  <a:latin typeface="Segoe UI" panose="020B0502040204020203" pitchFamily="34" charset="0"/>
+                  <a:cs typeface="Segoe UI" panose="020B0502040204020203" pitchFamily="34" charset="0"/>
+                </a:rPr>
+                <a:t>3</a:t>
+              </a:r>
+            </a:p>
+          </p:txBody>
+        </p:sp>
+      </p:grpSp>
+      <p:cxnSp>
+        <p:nvCxnSpPr>
+          <p:cNvPr id="16" name="Straight Connector 13">
+            <a:extLst>
+              <a:ext uri="{FF2B5EF4-FFF2-40B4-BE49-F238E27FC236}">
+                <a16:creationId xmlns:a16="http://schemas.microsoft.com/office/drawing/2014/main" id="{2AA8FEB6-AF4C-4E6B-828B-61782360EAB8}"/>
+              </a:ext>
+            </a:extLst>
+          </p:cNvPr>
+          <p:cNvCxnSpPr/>
+          <p:nvPr/>
+        </p:nvCxnSpPr>
+        <p:spPr>
+          <a:xfrm>
+            <a:off x="1571021" y="3952659"/>
+            <a:ext cx="0" cy="1087200"/>
+          </a:xfrm>
+          <a:prstGeom prst="line">
+            <a:avLst/>
+          </a:prstGeom>
+          <a:ln w="28575">
+            <a:solidFill>
+              <a:srgbClr val="EDECEC"/>
+            </a:solidFill>
+          </a:ln>
+        </p:spPr>
+        <p:style>
+          <a:lnRef idx="1">
+            <a:schemeClr val="accent1"/>
+          </a:lnRef>
+          <a:fillRef idx="0">
+            <a:schemeClr val="accent1"/>
+          </a:fillRef>
+          <a:effectRef idx="0">
+            <a:schemeClr val="accent1"/>
+          </a:effectRef>
+          <a:fontRef idx="minor">
+            <a:schemeClr val="tx1"/>
+          </a:fontRef>
+        </p:style>
+      </p:cxnSp>
+      <p:sp>
+        <p:nvSpPr>
+          <p:cNvPr id="17" name="TextBox 98">
+            <a:extLst>
+              <a:ext uri="{FF2B5EF4-FFF2-40B4-BE49-F238E27FC236}">
+                <a16:creationId xmlns:a16="http://schemas.microsoft.com/office/drawing/2014/main" id="{B9B0A0F5-7F32-4C50-8C11-C3D919A33CFA}"/>
+              </a:ext>
+            </a:extLst>
+          </p:cNvPr>
+          <p:cNvSpPr txBox="1"/>
+          <p:nvPr/>
+        </p:nvSpPr>
+        <p:spPr>
+          <a:xfrm>
+            <a:off x="2525566" y="1616380"/>
+            <a:ext cx="3893881" cy="323165"/>
+          </a:xfrm>
+          <a:prstGeom prst="rect">
+            <a:avLst/>
+          </a:prstGeom>
+          <a:noFill/>
+        </p:spPr>
+        <p:txBody>
+          <a:bodyPr wrap="square" lIns="0" rtlCol="0" anchor="t">
+            <a:spAutoFit/>
+          </a:bodyPr>
+          <a:lstStyle/>
+          <a:p>
+            <a:r>
+              <a:rPr lang="zh-TW" altLang="en-US" sz="1500" dirty="0">
+                <a:latin typeface="Segoe UI Light" panose="020B0502040204020203" pitchFamily="34" charset="0"/>
+                <a:cs typeface="Segoe UI Light" panose="020B0502040204020203" pitchFamily="34" charset="0"/>
+              </a:rPr>
+              <a:t>取出</a:t>
+            </a:r>
+            <a:r>
+              <a:rPr lang="en-US" altLang="zh-TW" sz="1500" dirty="0">
+                <a:latin typeface="Segoe UI Light" panose="020B0502040204020203" pitchFamily="34" charset="0"/>
+                <a:cs typeface="Segoe UI Light" panose="020B0502040204020203" pitchFamily="34" charset="0"/>
+              </a:rPr>
+              <a:t>:</a:t>
+            </a:r>
+            <a:r>
+              <a:rPr lang="zh-TW" altLang="en-US" sz="1500" dirty="0">
+                <a:latin typeface="Segoe UI Light" panose="020B0502040204020203" pitchFamily="34" charset="0"/>
+                <a:cs typeface="Segoe UI Light" panose="020B0502040204020203" pitchFamily="34" charset="0"/>
+              </a:rPr>
+              <a:t> 主筋支數</a:t>
+            </a:r>
+            <a:endParaRPr lang="fr-FR" sz="1500" dirty="0">
+              <a:latin typeface="Segoe UI Light" panose="020B0502040204020203" pitchFamily="34" charset="0"/>
+              <a:cs typeface="Segoe UI Light" panose="020B0502040204020203" pitchFamily="34" charset="0"/>
+            </a:endParaRPr>
+          </a:p>
+        </p:txBody>
+      </p:sp>
+      <p:sp>
+        <p:nvSpPr>
+          <p:cNvPr id="18" name="TextBox 98">
+            <a:extLst>
+              <a:ext uri="{FF2B5EF4-FFF2-40B4-BE49-F238E27FC236}">
+                <a16:creationId xmlns:a16="http://schemas.microsoft.com/office/drawing/2014/main" id="{9A701536-D78C-4198-9F21-9E4E29DBDFD5}"/>
+              </a:ext>
+            </a:extLst>
+          </p:cNvPr>
+          <p:cNvSpPr txBox="1"/>
+          <p:nvPr/>
+        </p:nvSpPr>
+        <p:spPr>
+          <a:xfrm>
+            <a:off x="2525567" y="2870923"/>
+            <a:ext cx="4116302" cy="553998"/>
+          </a:xfrm>
+          <a:prstGeom prst="rect">
+            <a:avLst/>
+          </a:prstGeom>
+          <a:noFill/>
+        </p:spPr>
+        <p:txBody>
+          <a:bodyPr wrap="square" lIns="0" rtlCol="0" anchor="t">
+            <a:spAutoFit/>
+          </a:bodyPr>
+          <a:lstStyle/>
+          <a:p>
+            <a:r>
+              <a:rPr lang="zh-TW" altLang="en-US" sz="1500" dirty="0">
+                <a:latin typeface="Segoe UI Light" panose="020B0502040204020203" pitchFamily="34" charset="0"/>
+                <a:cs typeface="Segoe UI Light" panose="020B0502040204020203" pitchFamily="34" charset="0"/>
+              </a:rPr>
+              <a:t>判斷</a:t>
+            </a:r>
+            <a:r>
+              <a:rPr lang="en-US" altLang="zh-TW" sz="1500" dirty="0">
+                <a:latin typeface="Segoe UI Light" panose="020B0502040204020203" pitchFamily="34" charset="0"/>
+                <a:cs typeface="Segoe UI Light" panose="020B0502040204020203" pitchFamily="34" charset="0"/>
+              </a:rPr>
+              <a:t>:</a:t>
+            </a:r>
+            <a:r>
+              <a:rPr lang="zh-TW" altLang="en-US" sz="1500" dirty="0">
+                <a:latin typeface="Segoe UI Light" panose="020B0502040204020203" pitchFamily="34" charset="0"/>
+                <a:cs typeface="Segoe UI Light" panose="020B0502040204020203" pitchFamily="34" charset="0"/>
+              </a:rPr>
+              <a:t> </a:t>
+            </a:r>
+            <a:endParaRPr lang="en-US" altLang="zh-TW" sz="1500" dirty="0">
+              <a:latin typeface="Segoe UI Light" panose="020B0502040204020203" pitchFamily="34" charset="0"/>
+              <a:cs typeface="Segoe UI Light" panose="020B0502040204020203" pitchFamily="34" charset="0"/>
+            </a:endParaRPr>
+          </a:p>
+          <a:p>
+            <a:pPr marL="285750" indent="-285750">
+              <a:buFontTx/>
+              <a:buChar char="-"/>
+            </a:pPr>
+            <a:r>
+              <a:rPr lang="zh-TW" altLang="en-US" sz="1500" dirty="0">
+                <a:latin typeface="Segoe UI Light" panose="020B0502040204020203" pitchFamily="34" charset="0"/>
+                <a:cs typeface="Segoe UI Light" panose="020B0502040204020203" pitchFamily="34" charset="0"/>
+              </a:rPr>
+              <a:t>主筋支數 </a:t>
+            </a:r>
+            <a:r>
+              <a:rPr lang="en-US" altLang="zh-TW" sz="1500" dirty="0">
+                <a:latin typeface="Segoe UI Light" panose="020B0502040204020203" pitchFamily="34" charset="0"/>
+                <a:cs typeface="Segoe UI Light" panose="020B0502040204020203" pitchFamily="34" charset="0"/>
+              </a:rPr>
+              <a:t>&gt;=</a:t>
+            </a:r>
+            <a:r>
+              <a:rPr lang="zh-TW" altLang="en-US" sz="1500" dirty="0">
+                <a:latin typeface="Segoe UI Light" panose="020B0502040204020203" pitchFamily="34" charset="0"/>
+                <a:cs typeface="Segoe UI Light" panose="020B0502040204020203" pitchFamily="34" charset="0"/>
+              </a:rPr>
+              <a:t> </a:t>
+            </a:r>
+            <a:r>
+              <a:rPr lang="en-US" altLang="zh-TW" sz="1500" dirty="0">
+                <a:latin typeface="Segoe UI Light" panose="020B0502040204020203" pitchFamily="34" charset="0"/>
+                <a:cs typeface="Segoe UI Light" panose="020B0502040204020203" pitchFamily="34" charset="0"/>
+              </a:rPr>
+              <a:t>2</a:t>
+            </a:r>
+            <a:endParaRPr lang="fr-FR" sz="1500" dirty="0">
+              <a:latin typeface="Segoe UI Light" panose="020B0502040204020203" pitchFamily="34" charset="0"/>
+              <a:cs typeface="Segoe UI Light" panose="020B0502040204020203" pitchFamily="34" charset="0"/>
+            </a:endParaRPr>
+          </a:p>
+        </p:txBody>
+      </p:sp>
+      <p:sp>
+        <p:nvSpPr>
+          <p:cNvPr id="19" name="TextBox 98">
+            <a:extLst>
+              <a:ext uri="{FF2B5EF4-FFF2-40B4-BE49-F238E27FC236}">
+                <a16:creationId xmlns:a16="http://schemas.microsoft.com/office/drawing/2014/main" id="{37233CD8-8F47-4841-B620-39AEBB548CE6}"/>
+              </a:ext>
+            </a:extLst>
+          </p:cNvPr>
+          <p:cNvSpPr txBox="1"/>
+          <p:nvPr/>
+        </p:nvSpPr>
+        <p:spPr>
+          <a:xfrm>
+            <a:off x="2525566" y="4705565"/>
+            <a:ext cx="5797335" cy="553998"/>
+          </a:xfrm>
+          <a:prstGeom prst="rect">
+            <a:avLst/>
+          </a:prstGeom>
+          <a:noFill/>
+        </p:spPr>
+        <p:txBody>
+          <a:bodyPr wrap="square" lIns="0" rtlCol="0" anchor="t">
+            <a:spAutoFit/>
+          </a:bodyPr>
+          <a:lstStyle/>
+          <a:p>
+            <a:r>
+              <a:rPr lang="zh-TW" altLang="en-US" sz="1500" dirty="0">
+                <a:latin typeface="Segoe UI Light" panose="020B0502040204020203" pitchFamily="34" charset="0"/>
+                <a:cs typeface="Segoe UI Light" panose="020B0502040204020203" pitchFamily="34" charset="0"/>
+              </a:rPr>
+              <a:t>是</a:t>
+            </a:r>
+            <a:r>
+              <a:rPr lang="en-US" altLang="zh-TW" sz="1500" dirty="0">
+                <a:latin typeface="Segoe UI Light" panose="020B0502040204020203" pitchFamily="34" charset="0"/>
+                <a:cs typeface="Segoe UI Light" panose="020B0502040204020203" pitchFamily="34" charset="0"/>
+              </a:rPr>
+              <a:t>:</a:t>
+            </a:r>
+            <a:r>
+              <a:rPr lang="zh-TW" altLang="en-US" sz="1500" dirty="0">
+                <a:latin typeface="Segoe UI Light" panose="020B0502040204020203" pitchFamily="34" charset="0"/>
+                <a:cs typeface="Segoe UI Light" panose="020B0502040204020203" pitchFamily="34" charset="0"/>
+              </a:rPr>
+              <a:t> </a:t>
+            </a:r>
+            <a:r>
+              <a:rPr lang="en-US" altLang="zh-TW" sz="1500" dirty="0">
+                <a:latin typeface="Segoe UI Light" panose="020B0502040204020203" pitchFamily="34" charset="0"/>
+                <a:cs typeface="Segoe UI Light" panose="020B0502040204020203" pitchFamily="34" charset="0"/>
+              </a:rPr>
+              <a:t>OK</a:t>
+            </a:r>
+          </a:p>
+          <a:p>
+            <a:r>
+              <a:rPr lang="zh-TW" altLang="en-US" sz="1500" dirty="0">
+                <a:latin typeface="Segoe UI Light" panose="020B0502040204020203" pitchFamily="34" charset="0"/>
+                <a:cs typeface="Segoe UI Light" panose="020B0502040204020203" pitchFamily="34" charset="0"/>
+              </a:rPr>
+              <a:t>否</a:t>
+            </a:r>
+            <a:r>
+              <a:rPr lang="en-US" altLang="zh-TW" sz="1500" dirty="0">
+                <a:latin typeface="Segoe UI Light" panose="020B0502040204020203" pitchFamily="34" charset="0"/>
+                <a:cs typeface="Segoe UI Light" panose="020B0502040204020203" pitchFamily="34" charset="0"/>
+              </a:rPr>
+              <a:t>:</a:t>
+            </a:r>
+            <a:r>
+              <a:rPr lang="zh-TW" altLang="en-US" sz="1500" dirty="0">
+                <a:latin typeface="Segoe UI Light" panose="020B0502040204020203" pitchFamily="34" charset="0"/>
+                <a:cs typeface="Segoe UI Light" panose="020B0502040204020203" pitchFamily="34" charset="0"/>
+              </a:rPr>
+              <a:t> </a:t>
+            </a:r>
+            <a:r>
+              <a:rPr lang="en-US" altLang="zh-TW" sz="1500" dirty="0">
+                <a:latin typeface="Segoe UI Light" panose="020B0502040204020203" pitchFamily="34" charset="0"/>
+                <a:cs typeface="Segoe UI Light" panose="020B0502040204020203" pitchFamily="34" charset="0"/>
+              </a:rPr>
+              <a:t>【0309】</a:t>
+            </a:r>
+            <a:r>
+              <a:rPr lang="zh-TW" altLang="en-US" sz="1500" dirty="0">
+                <a:latin typeface="Segoe UI Light" panose="020B0502040204020203" pitchFamily="34" charset="0"/>
+                <a:cs typeface="Segoe UI Light" panose="020B0502040204020203" pitchFamily="34" charset="0"/>
+              </a:rPr>
+              <a:t>請確認是否符合 單排支數下限 規定</a:t>
+            </a:r>
+            <a:endParaRPr lang="en-US" altLang="zh-TW" sz="1500" dirty="0">
+              <a:latin typeface="Segoe UI Light" panose="020B0502040204020203" pitchFamily="34" charset="0"/>
+              <a:cs typeface="Segoe UI Light" panose="020B0502040204020203" pitchFamily="34" charset="0"/>
+            </a:endParaRPr>
+          </a:p>
+        </p:txBody>
+      </p:sp>
+      <p:sp>
+        <p:nvSpPr>
+          <p:cNvPr id="23" name="文字方塊 22">
+            <a:extLst>
+              <a:ext uri="{FF2B5EF4-FFF2-40B4-BE49-F238E27FC236}">
+                <a16:creationId xmlns:a16="http://schemas.microsoft.com/office/drawing/2014/main" id="{24AE3423-465D-40E9-8913-2877FCE60632}"/>
+              </a:ext>
+            </a:extLst>
+          </p:cNvPr>
+          <p:cNvSpPr txBox="1"/>
+          <p:nvPr/>
+        </p:nvSpPr>
+        <p:spPr>
+          <a:xfrm>
+            <a:off x="0" y="0"/>
+            <a:ext cx="817853" cy="461665"/>
+          </a:xfrm>
+          <a:prstGeom prst="rect">
+            <a:avLst/>
+          </a:prstGeom>
+          <a:solidFill>
+            <a:schemeClr val="tx2"/>
+          </a:solidFill>
+        </p:spPr>
+        <p:txBody>
+          <a:bodyPr wrap="none" rtlCol="0">
+            <a:spAutoFit/>
+          </a:bodyPr>
+          <a:lstStyle/>
+          <a:p>
+            <a:r>
+              <a:rPr lang="en-US" altLang="zh-TW" sz="2400" dirty="0">
+                <a:solidFill>
+                  <a:schemeClr val="bg1"/>
+                </a:solidFill>
+              </a:rPr>
+              <a:t>0312</a:t>
+            </a:r>
+            <a:endParaRPr lang="zh-TW" altLang="en-US" sz="2400" dirty="0">
+              <a:solidFill>
+                <a:schemeClr val="bg1"/>
+              </a:solidFill>
+            </a:endParaRPr>
+          </a:p>
+        </p:txBody>
+      </p:sp>
+      <p:sp>
+        <p:nvSpPr>
+          <p:cNvPr id="24" name="文字方塊 23">
+            <a:extLst>
+              <a:ext uri="{FF2B5EF4-FFF2-40B4-BE49-F238E27FC236}">
+                <a16:creationId xmlns:a16="http://schemas.microsoft.com/office/drawing/2014/main" id="{88E9B656-04E6-4AEC-9FCF-3A237A8BD124}"/>
+              </a:ext>
+            </a:extLst>
+          </p:cNvPr>
+          <p:cNvSpPr txBox="1"/>
+          <p:nvPr/>
+        </p:nvSpPr>
+        <p:spPr>
+          <a:xfrm>
+            <a:off x="819933" y="0"/>
+            <a:ext cx="800219" cy="461665"/>
+          </a:xfrm>
+          <a:prstGeom prst="rect">
+            <a:avLst/>
+          </a:prstGeom>
+          <a:solidFill>
+            <a:schemeClr val="accent1"/>
+          </a:solidFill>
+        </p:spPr>
+        <p:txBody>
+          <a:bodyPr wrap="none" rtlCol="0">
+            <a:spAutoFit/>
+          </a:bodyPr>
+          <a:lstStyle/>
+          <a:p>
+            <a:r>
+              <a:rPr lang="zh-TW" altLang="en-US" sz="2400" dirty="0">
+                <a:solidFill>
+                  <a:schemeClr val="bg1"/>
+                </a:solidFill>
+              </a:rPr>
+              <a:t>主筋</a:t>
+            </a:r>
+          </a:p>
+        </p:txBody>
+      </p:sp>
+    </p:spTree>
+    <p:extLst>
+      <p:ext uri="{BB962C8B-B14F-4D97-AF65-F5344CB8AC3E}">
+        <p14:creationId xmlns:p14="http://schemas.microsoft.com/office/powerpoint/2010/main" val="1700365451"/>
+      </p:ext>
+    </p:extLst>
+  </p:cSld>
+  <p:clrMapOvr>
+    <a:masterClrMapping/>
+  </p:clrMapOvr>
+</p:sld>
+</file>
+
+<file path=ppt/slides/slide29.xml><?xml version="1.0" encoding="utf-8"?>
+<p:sld xmlns:a="http://schemas.openxmlformats.org/drawingml/2006/main" xmlns:r="http://schemas.openxmlformats.org/officeDocument/2006/relationships" xmlns:p="http://schemas.openxmlformats.org/presentationml/2006/main">
+  <p:cSld>
+    <p:spTree>
+      <p:nvGrpSpPr>
+        <p:cNvPr id="1" name=""/>
+        <p:cNvGrpSpPr/>
+        <p:nvPr/>
+      </p:nvGrpSpPr>
+      <p:grpSpPr>
+        <a:xfrm>
+          <a:off x="0" y="0"/>
+          <a:ext cx="0" cy="0"/>
+          <a:chOff x="0" y="0"/>
+          <a:chExt cx="0" cy="0"/>
+        </a:xfrm>
+      </p:grpSpPr>
+      <p:sp>
+        <p:nvSpPr>
+          <p:cNvPr id="2" name="內容版面配置區 1">
+            <a:extLst>
+              <a:ext uri="{FF2B5EF4-FFF2-40B4-BE49-F238E27FC236}">
+                <a16:creationId xmlns:a16="http://schemas.microsoft.com/office/drawing/2014/main" id="{02501F50-22DA-4D63-B62F-ABE24C9A04A3}"/>
+              </a:ext>
+            </a:extLst>
+          </p:cNvPr>
+          <p:cNvSpPr>
+            <a:spLocks noGrp="1"/>
+          </p:cNvSpPr>
+          <p:nvPr>
+            <p:ph idx="1"/>
+          </p:nvPr>
+        </p:nvSpPr>
+        <p:spPr/>
+        <p:txBody>
+          <a:bodyPr/>
+          <a:lstStyle/>
+          <a:p>
+            <a:endParaRPr lang="zh-TW" altLang="en-US"/>
+          </a:p>
+        </p:txBody>
+      </p:sp>
+      <p:sp>
+        <p:nvSpPr>
+          <p:cNvPr id="3" name="投影片編號版面配置區 2">
+            <a:extLst>
+              <a:ext uri="{FF2B5EF4-FFF2-40B4-BE49-F238E27FC236}">
+                <a16:creationId xmlns:a16="http://schemas.microsoft.com/office/drawing/2014/main" id="{E1A7D28F-622A-4700-A19D-7E2808A3D001}"/>
+              </a:ext>
+            </a:extLst>
+          </p:cNvPr>
+          <p:cNvSpPr>
+            <a:spLocks noGrp="1"/>
+          </p:cNvSpPr>
+          <p:nvPr>
+            <p:ph type="sldNum" sz="quarter" idx="12"/>
+          </p:nvPr>
+        </p:nvSpPr>
+        <p:spPr/>
+        <p:txBody>
+          <a:bodyPr/>
+          <a:lstStyle/>
+          <a:p>
+            <a:fld id="{83F5B54E-D686-4015-93F2-94C458F353E2}" type="slidenum">
+              <a:rPr lang="zh-TW" altLang="en-US" smtClean="0"/>
+              <a:t>29</a:t>
+            </a:fld>
+            <a:endParaRPr lang="zh-TW" altLang="en-US"/>
+          </a:p>
+        </p:txBody>
+      </p:sp>
+      <p:sp>
+        <p:nvSpPr>
+          <p:cNvPr id="4" name="標題 3">
+            <a:extLst>
+              <a:ext uri="{FF2B5EF4-FFF2-40B4-BE49-F238E27FC236}">
+                <a16:creationId xmlns:a16="http://schemas.microsoft.com/office/drawing/2014/main" id="{065FC989-492F-4C1C-848A-AB539E0BE7F8}"/>
+              </a:ext>
+            </a:extLst>
+          </p:cNvPr>
+          <p:cNvSpPr>
+            <a:spLocks noGrp="1"/>
+          </p:cNvSpPr>
+          <p:nvPr>
+            <p:ph type="title"/>
+          </p:nvPr>
+        </p:nvSpPr>
+        <p:spPr/>
+        <p:txBody>
+          <a:bodyPr>
+            <a:normAutofit fontScale="90000"/>
+          </a:bodyPr>
+          <a:lstStyle/>
+          <a:p>
+            <a:endParaRPr lang="zh-TW" altLang="en-US"/>
+          </a:p>
+        </p:txBody>
+      </p:sp>
+    </p:spTree>
+    <p:extLst>
+      <p:ext uri="{BB962C8B-B14F-4D97-AF65-F5344CB8AC3E}">
+        <p14:creationId xmlns:p14="http://schemas.microsoft.com/office/powerpoint/2010/main" val="2132747922"/>
+      </p:ext>
+    </p:extLst>
+  </p:cSld>
+  <p:clrMapOvr>
+    <a:masterClrMapping/>
+  </p:clrMapOvr>
+</p:sld>
+</file>
+
+<file path=ppt/slides/slide3.xml><?xml version="1.0" encoding="utf-8"?>
+<p:sld xmlns:a="http://schemas.openxmlformats.org/drawingml/2006/main" xmlns:r="http://schemas.openxmlformats.org/officeDocument/2006/relationships" xmlns:p="http://schemas.openxmlformats.org/presentationml/2006/main">
+  <p:cSld>
+    <p:spTree>
+      <p:nvGrpSpPr>
+        <p:cNvPr id="1" name=""/>
+        <p:cNvGrpSpPr/>
+        <p:nvPr/>
+      </p:nvGrpSpPr>
+      <p:grpSpPr>
+        <a:xfrm>
+          <a:off x="0" y="0"/>
+          <a:ext cx="0" cy="0"/>
+          <a:chOff x="0" y="0"/>
+          <a:chExt cx="0" cy="0"/>
+        </a:xfrm>
+      </p:grpSpPr>
+      <p:sp>
+        <p:nvSpPr>
+          <p:cNvPr id="37" name="TextBox 98"/>
+          <p:cNvSpPr txBox="1"/>
+          <p:nvPr/>
+        </p:nvSpPr>
+        <p:spPr>
+          <a:xfrm>
+            <a:off x="5953180" y="1380769"/>
+            <a:ext cx="2083050" cy="1015663"/>
+          </a:xfrm>
+          <a:prstGeom prst="rect">
+            <a:avLst/>
+          </a:prstGeom>
+          <a:noFill/>
+        </p:spPr>
+        <p:txBody>
+          <a:bodyPr wrap="square" lIns="0" rtlCol="0" anchor="t">
+            <a:spAutoFit/>
+          </a:bodyPr>
+          <a:lstStyle/>
+          <a:p>
+            <a:r>
+              <a:rPr lang="zh-TW" altLang="en-US" sz="1500" dirty="0">
+                <a:latin typeface="Segoe UI Light" panose="020B0502040204020203" pitchFamily="34" charset="0"/>
+                <a:cs typeface="Segoe UI Light" panose="020B0502040204020203" pitchFamily="34" charset="0"/>
+              </a:rPr>
+              <a:t>假設</a:t>
+            </a:r>
+            <a:r>
+              <a:rPr lang="en-US" altLang="zh-TW" sz="1500" dirty="0">
+                <a:latin typeface="Segoe UI Light" panose="020B0502040204020203" pitchFamily="34" charset="0"/>
+                <a:cs typeface="Segoe UI Light" panose="020B0502040204020203" pitchFamily="34" charset="0"/>
+              </a:rPr>
+              <a:t>:</a:t>
+            </a:r>
+            <a:r>
+              <a:rPr lang="zh-TW" altLang="en-US" sz="1500" dirty="0">
+                <a:latin typeface="Segoe UI Light" panose="020B0502040204020203" pitchFamily="34" charset="0"/>
+                <a:cs typeface="Segoe UI Light" panose="020B0502040204020203" pitchFamily="34" charset="0"/>
+              </a:rPr>
+              <a:t> </a:t>
+            </a:r>
+            <a:endParaRPr lang="en-US" altLang="zh-TW" sz="1500" dirty="0">
+              <a:latin typeface="Segoe UI Light" panose="020B0502040204020203" pitchFamily="34" charset="0"/>
+              <a:cs typeface="Segoe UI Light" panose="020B0502040204020203" pitchFamily="34" charset="0"/>
+            </a:endParaRPr>
+          </a:p>
+          <a:p>
+            <a:pPr marL="285750" indent="-285750">
+              <a:buFontTx/>
+              <a:buChar char="-"/>
+            </a:pPr>
+            <a:r>
+              <a:rPr lang="zh-TW" altLang="en-US" sz="1500" dirty="0">
+                <a:latin typeface="Segoe UI Light" panose="020B0502040204020203" pitchFamily="34" charset="0"/>
+                <a:cs typeface="Segoe UI Light" panose="020B0502040204020203" pitchFamily="34" charset="0"/>
+              </a:rPr>
+              <a:t>一般版厚</a:t>
+            </a:r>
+            <a:r>
+              <a:rPr lang="en-US" altLang="zh-TW" sz="1500" dirty="0">
+                <a:latin typeface="Segoe UI Light" panose="020B0502040204020203" pitchFamily="34" charset="0"/>
+                <a:cs typeface="Segoe UI Light" panose="020B0502040204020203" pitchFamily="34" charset="0"/>
+              </a:rPr>
+              <a:t>:</a:t>
+            </a:r>
+            <a:r>
+              <a:rPr lang="zh-TW" altLang="en-US" sz="1500" dirty="0">
+                <a:latin typeface="Segoe UI Light" panose="020B0502040204020203" pitchFamily="34" charset="0"/>
+                <a:cs typeface="Segoe UI Light" panose="020B0502040204020203" pitchFamily="34" charset="0"/>
+              </a:rPr>
+              <a:t> </a:t>
+            </a:r>
+            <a:r>
+              <a:rPr lang="en-US" altLang="zh-TW" sz="1500" dirty="0">
+                <a:latin typeface="Segoe UI Light" panose="020B0502040204020203" pitchFamily="34" charset="0"/>
+                <a:cs typeface="Segoe UI Light" panose="020B0502040204020203" pitchFamily="34" charset="0"/>
+              </a:rPr>
+              <a:t>20cm</a:t>
+            </a:r>
+          </a:p>
+          <a:p>
+            <a:pPr marL="285750" indent="-285750">
+              <a:buFontTx/>
+              <a:buChar char="-"/>
+            </a:pPr>
+            <a:r>
+              <a:rPr lang="zh-TW" altLang="en-US" sz="1500" dirty="0">
+                <a:latin typeface="Segoe UI Light" panose="020B0502040204020203" pitchFamily="34" charset="0"/>
+                <a:cs typeface="Segoe UI Light" panose="020B0502040204020203" pitchFamily="34" charset="0"/>
+              </a:rPr>
+              <a:t>筏基版厚</a:t>
+            </a:r>
+            <a:r>
+              <a:rPr lang="en-US" altLang="zh-TW" sz="1500" dirty="0">
+                <a:latin typeface="Segoe UI Light" panose="020B0502040204020203" pitchFamily="34" charset="0"/>
+                <a:cs typeface="Segoe UI Light" panose="020B0502040204020203" pitchFamily="34" charset="0"/>
+              </a:rPr>
+              <a:t>:</a:t>
+            </a:r>
+            <a:r>
+              <a:rPr lang="zh-TW" altLang="en-US" sz="1500" dirty="0">
+                <a:latin typeface="Segoe UI Light" panose="020B0502040204020203" pitchFamily="34" charset="0"/>
+                <a:cs typeface="Segoe UI Light" panose="020B0502040204020203" pitchFamily="34" charset="0"/>
+              </a:rPr>
+              <a:t> </a:t>
+            </a:r>
+            <a:r>
+              <a:rPr lang="en-US" altLang="zh-TW" sz="1500" dirty="0">
+                <a:latin typeface="Segoe UI Light" panose="020B0502040204020203" pitchFamily="34" charset="0"/>
+                <a:cs typeface="Segoe UI Light" panose="020B0502040204020203" pitchFamily="34" charset="0"/>
+              </a:rPr>
+              <a:t>60cm</a:t>
+            </a:r>
+          </a:p>
+          <a:p>
+            <a:pPr marL="285750" indent="-285750">
+              <a:buFontTx/>
+              <a:buChar char="-"/>
+            </a:pPr>
+            <a:r>
+              <a:rPr lang="fr-FR" sz="1500" dirty="0">
+                <a:latin typeface="Segoe UI Light" panose="020B0502040204020203" pitchFamily="34" charset="0"/>
+                <a:cs typeface="Segoe UI Light" panose="020B0502040204020203" pitchFamily="34" charset="0"/>
+              </a:rPr>
+              <a:t>Factor = 1.5</a:t>
+            </a:r>
+          </a:p>
+        </p:txBody>
+      </p:sp>
+      <p:pic>
+        <p:nvPicPr>
+          <p:cNvPr id="34" name="圖片 33"/>
+          <p:cNvPicPr>
+            <a:picLocks noChangeAspect="1"/>
+          </p:cNvPicPr>
+          <p:nvPr/>
+        </p:nvPicPr>
+        <p:blipFill>
+          <a:blip r:embed="rId2"/>
+          <a:stretch>
+            <a:fillRect/>
+          </a:stretch>
+        </p:blipFill>
+        <p:spPr>
+          <a:xfrm>
+            <a:off x="2525825" y="1705539"/>
+            <a:ext cx="706238" cy="619667"/>
+          </a:xfrm>
+          <a:prstGeom prst="rect">
+            <a:avLst/>
+          </a:prstGeom>
+        </p:spPr>
+      </p:pic>
+      <p:sp>
+        <p:nvSpPr>
+          <p:cNvPr id="35" name="TextBox 98"/>
+          <p:cNvSpPr txBox="1"/>
+          <p:nvPr/>
+        </p:nvSpPr>
+        <p:spPr>
+          <a:xfrm>
+            <a:off x="2525825" y="1382374"/>
+            <a:ext cx="2745710" cy="323165"/>
+          </a:xfrm>
+          <a:prstGeom prst="rect">
+            <a:avLst/>
+          </a:prstGeom>
+          <a:noFill/>
+        </p:spPr>
+        <p:txBody>
+          <a:bodyPr wrap="square" lIns="0" rtlCol="0" anchor="t">
+            <a:spAutoFit/>
+          </a:bodyPr>
+          <a:lstStyle/>
+          <a:p>
+            <a:r>
+              <a:rPr lang="zh-TW" altLang="en-US" sz="1500" dirty="0">
+                <a:latin typeface="Segoe UI Light" panose="020B0502040204020203" pitchFamily="34" charset="0"/>
+                <a:cs typeface="Segoe UI Light" panose="020B0502040204020203" pitchFamily="34" charset="0"/>
+              </a:rPr>
+              <a:t>取出</a:t>
+            </a:r>
+            <a:r>
+              <a:rPr lang="en-US" altLang="zh-TW" sz="1500" dirty="0">
+                <a:latin typeface="Segoe UI Light" panose="020B0502040204020203" pitchFamily="34" charset="0"/>
+                <a:cs typeface="Segoe UI Light" panose="020B0502040204020203" pitchFamily="34" charset="0"/>
+              </a:rPr>
+              <a:t>:</a:t>
+            </a:r>
+            <a:r>
+              <a:rPr lang="zh-TW" altLang="en-US" sz="1500" dirty="0">
+                <a:latin typeface="Segoe UI Light" panose="020B0502040204020203" pitchFamily="34" charset="0"/>
+                <a:cs typeface="Segoe UI Light" panose="020B0502040204020203" pitchFamily="34" charset="0"/>
+              </a:rPr>
+              <a:t> 腰筋面積、梁寬、梁深</a:t>
+            </a:r>
+            <a:endParaRPr lang="fr-FR" sz="1500" dirty="0">
+              <a:latin typeface="Segoe UI Light" panose="020B0502040204020203" pitchFamily="34" charset="0"/>
+              <a:cs typeface="Segoe UI Light" panose="020B0502040204020203" pitchFamily="34" charset="0"/>
+            </a:endParaRPr>
+          </a:p>
+        </p:txBody>
+      </p:sp>
+      <p:pic>
+        <p:nvPicPr>
+          <p:cNvPr id="36" name="圖片 35"/>
+          <p:cNvPicPr>
+            <a:picLocks noChangeAspect="1"/>
+          </p:cNvPicPr>
+          <p:nvPr/>
+        </p:nvPicPr>
+        <p:blipFill>
+          <a:blip r:embed="rId3"/>
+          <a:stretch>
+            <a:fillRect/>
+          </a:stretch>
+        </p:blipFill>
+        <p:spPr>
+          <a:xfrm>
+            <a:off x="3214231" y="1703856"/>
+            <a:ext cx="706238" cy="619667"/>
+          </a:xfrm>
+          <a:prstGeom prst="rect">
+            <a:avLst/>
+          </a:prstGeom>
+        </p:spPr>
+      </p:pic>
+      <p:sp>
+        <p:nvSpPr>
+          <p:cNvPr id="3" name="投影片編號版面配置區 2"/>
+          <p:cNvSpPr>
+            <a:spLocks noGrp="1"/>
+          </p:cNvSpPr>
+          <p:nvPr>
+            <p:ph type="sldNum" sz="quarter" idx="12"/>
+          </p:nvPr>
+        </p:nvSpPr>
+        <p:spPr/>
+        <p:txBody>
+          <a:bodyPr/>
+          <a:lstStyle/>
+          <a:p>
+            <a:fld id="{83F5B54E-D686-4015-93F2-94C458F353E2}" type="slidenum">
+              <a:rPr lang="zh-TW" altLang="en-US" smtClean="0"/>
+              <a:t>3</a:t>
+            </a:fld>
+            <a:endParaRPr lang="zh-TW" altLang="en-US"/>
+          </a:p>
+        </p:txBody>
+      </p:sp>
+      <p:sp>
+        <p:nvSpPr>
+          <p:cNvPr id="11" name="文字方塊 10"/>
+          <p:cNvSpPr txBox="1"/>
+          <p:nvPr/>
+        </p:nvSpPr>
+        <p:spPr>
+          <a:xfrm>
+            <a:off x="465514" y="698267"/>
+            <a:ext cx="5972725" cy="369332"/>
+          </a:xfrm>
+          <a:prstGeom prst="rect">
+            <a:avLst/>
+          </a:prstGeom>
+          <a:noFill/>
+        </p:spPr>
+        <p:txBody>
+          <a:bodyPr wrap="none" rtlCol="0">
+            <a:spAutoFit/>
+          </a:bodyPr>
+          <a:lstStyle/>
+          <a:p>
+            <a:r>
+              <a:rPr lang="zh-TW" altLang="en-US" dirty="0"/>
+              <a:t>水平剪力鋼筋面積 </a:t>
+            </a:r>
+            <a:r>
+              <a:rPr lang="en-US" altLang="zh-TW" dirty="0" err="1"/>
+              <a:t>Avh</a:t>
+            </a:r>
+            <a:r>
+              <a:rPr lang="en-US" altLang="zh-TW" dirty="0"/>
+              <a:t> </a:t>
+            </a:r>
+            <a:r>
+              <a:rPr lang="zh-TW" altLang="en-US" dirty="0"/>
+              <a:t>不得大於 </a:t>
+            </a:r>
+            <a:r>
+              <a:rPr lang="en-US" altLang="zh-TW" dirty="0"/>
+              <a:t>0.0015 * </a:t>
+            </a:r>
+            <a:r>
+              <a:rPr lang="en-US" altLang="zh-TW" dirty="0" err="1"/>
+              <a:t>bw</a:t>
+            </a:r>
+            <a:r>
+              <a:rPr lang="en-US" altLang="zh-TW" dirty="0"/>
+              <a:t> * s2 * 1.5</a:t>
+            </a:r>
+            <a:r>
+              <a:rPr lang="zh-TW" altLang="en-US" dirty="0"/>
+              <a:t>。</a:t>
+            </a:r>
+          </a:p>
+        </p:txBody>
+      </p:sp>
+      <p:grpSp>
+        <p:nvGrpSpPr>
+          <p:cNvPr id="13" name="Group 24"/>
+          <p:cNvGrpSpPr/>
+          <p:nvPr/>
+        </p:nvGrpSpPr>
+        <p:grpSpPr>
+          <a:xfrm>
+            <a:off x="1220043" y="1448609"/>
+            <a:ext cx="708425" cy="708425"/>
+            <a:chOff x="3173014" y="2956717"/>
+            <a:chExt cx="944566" cy="944566"/>
+          </a:xfrm>
+        </p:grpSpPr>
+        <p:sp>
+          <p:nvSpPr>
+            <p:cNvPr id="14" name="Oval 25"/>
+            <p:cNvSpPr/>
+            <p:nvPr/>
+          </p:nvSpPr>
+          <p:spPr>
+            <a:xfrm>
+              <a:off x="3290491" y="3074194"/>
+              <a:ext cx="709612" cy="709612"/>
+            </a:xfrm>
+            <a:prstGeom prst="ellipse">
+              <a:avLst/>
+            </a:prstGeom>
+            <a:solidFill>
+              <a:schemeClr val="bg1">
+                <a:lumMod val="85000"/>
+              </a:schemeClr>
+            </a:solidFill>
+            <a:ln>
+              <a:noFill/>
+            </a:ln>
+          </p:spPr>
+          <p:style>
+            <a:lnRef idx="2">
+              <a:schemeClr val="accent1">
+                <a:shade val="50000"/>
+              </a:schemeClr>
+            </a:lnRef>
+            <a:fillRef idx="1">
+              <a:schemeClr val="accent1"/>
+            </a:fillRef>
+            <a:effectRef idx="0">
+              <a:schemeClr val="accent1"/>
+            </a:effectRef>
+            <a:fontRef idx="minor">
+              <a:schemeClr val="lt1"/>
+            </a:fontRef>
+          </p:style>
+          <p:txBody>
+            <a:bodyPr rtlCol="0" anchor="ctr"/>
+            <a:lstStyle/>
+            <a:p>
+              <a:pPr algn="ctr"/>
+              <a:endParaRPr lang="fr-FR" sz="1350"/>
+            </a:p>
+          </p:txBody>
+        </p:sp>
+        <p:sp>
+          <p:nvSpPr>
+            <p:cNvPr id="15" name="Oval 26"/>
+            <p:cNvSpPr/>
+            <p:nvPr/>
+          </p:nvSpPr>
+          <p:spPr>
+            <a:xfrm>
+              <a:off x="3173014" y="2956717"/>
+              <a:ext cx="944566" cy="944566"/>
+            </a:xfrm>
+            <a:prstGeom prst="ellipse">
+              <a:avLst/>
+            </a:prstGeom>
+            <a:solidFill>
+              <a:schemeClr val="bg1">
+                <a:lumMod val="85000"/>
+                <a:alpha val="42000"/>
+              </a:schemeClr>
+            </a:solidFill>
+            <a:ln>
+              <a:noFill/>
+            </a:ln>
+          </p:spPr>
+          <p:style>
+            <a:lnRef idx="2">
+              <a:schemeClr val="accent1">
+                <a:shade val="50000"/>
+              </a:schemeClr>
+            </a:lnRef>
+            <a:fillRef idx="1">
+              <a:schemeClr val="accent1"/>
+            </a:fillRef>
+            <a:effectRef idx="0">
+              <a:schemeClr val="accent1"/>
+            </a:effectRef>
+            <a:fontRef idx="minor">
+              <a:schemeClr val="lt1"/>
+            </a:fontRef>
+          </p:style>
+          <p:txBody>
+            <a:bodyPr rtlCol="0" anchor="ctr"/>
+            <a:lstStyle/>
+            <a:p>
+              <a:pPr algn="ctr"/>
+              <a:r>
+                <a:rPr lang="fr-FR" sz="2100" dirty="0">
+                  <a:solidFill>
+                    <a:schemeClr val="tx1"/>
+                  </a:solidFill>
+                  <a:latin typeface="Segoe UI" panose="020B0502040204020203" pitchFamily="34" charset="0"/>
+                  <a:cs typeface="Segoe UI" panose="020B0502040204020203" pitchFamily="34" charset="0"/>
+                </a:rPr>
+                <a:t>1</a:t>
+              </a:r>
+            </a:p>
+          </p:txBody>
+        </p:sp>
+      </p:grpSp>
+      <p:cxnSp>
+        <p:nvCxnSpPr>
+          <p:cNvPr id="16" name="Straight Connector 13"/>
+          <p:cNvCxnSpPr/>
+          <p:nvPr/>
+        </p:nvCxnSpPr>
+        <p:spPr>
+          <a:xfrm>
+            <a:off x="1571021" y="2157034"/>
+            <a:ext cx="0" cy="1087200"/>
+          </a:xfrm>
+          <a:prstGeom prst="line">
+            <a:avLst/>
+          </a:prstGeom>
+          <a:ln w="28575">
+            <a:solidFill>
+              <a:srgbClr val="EDECEC"/>
+            </a:solidFill>
+          </a:ln>
+        </p:spPr>
+        <p:style>
+          <a:lnRef idx="1">
+            <a:schemeClr val="accent1"/>
+          </a:lnRef>
+          <a:fillRef idx="0">
+            <a:schemeClr val="accent1"/>
+          </a:fillRef>
+          <a:effectRef idx="0">
+            <a:schemeClr val="accent1"/>
+          </a:effectRef>
+          <a:fontRef idx="minor">
+            <a:schemeClr val="tx1"/>
+          </a:fontRef>
+        </p:style>
+      </p:cxnSp>
+      <p:grpSp>
+        <p:nvGrpSpPr>
+          <p:cNvPr id="18" name="Group 1"/>
+          <p:cNvGrpSpPr/>
+          <p:nvPr/>
+        </p:nvGrpSpPr>
+        <p:grpSpPr>
+          <a:xfrm>
+            <a:off x="1220043" y="3244234"/>
+            <a:ext cx="708425" cy="708425"/>
+            <a:chOff x="3173014" y="2956717"/>
+            <a:chExt cx="944566" cy="944566"/>
+          </a:xfrm>
+        </p:grpSpPr>
+        <p:sp>
+          <p:nvSpPr>
+            <p:cNvPr id="19" name="Oval 18"/>
+            <p:cNvSpPr/>
+            <p:nvPr/>
+          </p:nvSpPr>
+          <p:spPr>
+            <a:xfrm>
+              <a:off x="3290491" y="3074194"/>
+              <a:ext cx="709612" cy="709612"/>
+            </a:xfrm>
+            <a:prstGeom prst="ellipse">
+              <a:avLst/>
+            </a:prstGeom>
+            <a:solidFill>
+              <a:schemeClr val="bg1">
+                <a:lumMod val="85000"/>
+              </a:schemeClr>
+            </a:solidFill>
+            <a:ln>
+              <a:noFill/>
+            </a:ln>
+          </p:spPr>
+          <p:style>
+            <a:lnRef idx="2">
+              <a:schemeClr val="accent1">
+                <a:shade val="50000"/>
+              </a:schemeClr>
+            </a:lnRef>
+            <a:fillRef idx="1">
+              <a:schemeClr val="accent1"/>
+            </a:fillRef>
+            <a:effectRef idx="0">
+              <a:schemeClr val="accent1"/>
+            </a:effectRef>
+            <a:fontRef idx="minor">
+              <a:schemeClr val="lt1"/>
+            </a:fontRef>
+          </p:style>
+          <p:txBody>
+            <a:bodyPr rtlCol="0" anchor="ctr"/>
+            <a:lstStyle/>
+            <a:p>
+              <a:pPr algn="ctr"/>
+              <a:endParaRPr lang="fr-FR" sz="1350" dirty="0"/>
+            </a:p>
+          </p:txBody>
+        </p:sp>
+        <p:sp>
+          <p:nvSpPr>
+            <p:cNvPr id="20" name="Oval 22"/>
+            <p:cNvSpPr/>
+            <p:nvPr/>
+          </p:nvSpPr>
+          <p:spPr>
+            <a:xfrm>
+              <a:off x="3173014" y="2956717"/>
+              <a:ext cx="944566" cy="944566"/>
+            </a:xfrm>
+            <a:prstGeom prst="ellipse">
+              <a:avLst/>
+            </a:prstGeom>
+            <a:solidFill>
+              <a:schemeClr val="bg1">
+                <a:lumMod val="85000"/>
+                <a:alpha val="42000"/>
+              </a:schemeClr>
+            </a:solidFill>
+            <a:ln>
+              <a:noFill/>
+            </a:ln>
+          </p:spPr>
+          <p:style>
+            <a:lnRef idx="2">
+              <a:schemeClr val="accent1">
+                <a:shade val="50000"/>
+              </a:schemeClr>
+            </a:lnRef>
+            <a:fillRef idx="1">
+              <a:schemeClr val="accent1"/>
+            </a:fillRef>
+            <a:effectRef idx="0">
+              <a:schemeClr val="accent1"/>
+            </a:effectRef>
+            <a:fontRef idx="minor">
+              <a:schemeClr val="lt1"/>
+            </a:fontRef>
+          </p:style>
+          <p:txBody>
+            <a:bodyPr rtlCol="0" anchor="ctr"/>
+            <a:lstStyle/>
+            <a:p>
+              <a:pPr algn="ctr"/>
+              <a:r>
+                <a:rPr lang="fr-FR" sz="2100" dirty="0">
+                  <a:solidFill>
+                    <a:schemeClr val="tx1"/>
+                  </a:solidFill>
+                  <a:latin typeface="Segoe UI" panose="020B0502040204020203" pitchFamily="34" charset="0"/>
+                  <a:cs typeface="Segoe UI" panose="020B0502040204020203" pitchFamily="34" charset="0"/>
+                </a:rPr>
+                <a:t>2</a:t>
+              </a:r>
+            </a:p>
+          </p:txBody>
+        </p:sp>
+      </p:grpSp>
+      <p:grpSp>
+        <p:nvGrpSpPr>
+          <p:cNvPr id="21" name="Group 27"/>
+          <p:cNvGrpSpPr/>
+          <p:nvPr/>
+        </p:nvGrpSpPr>
+        <p:grpSpPr>
+          <a:xfrm>
+            <a:off x="1220043" y="5039859"/>
+            <a:ext cx="708425" cy="708425"/>
+            <a:chOff x="3173014" y="2956717"/>
+            <a:chExt cx="944566" cy="944566"/>
+          </a:xfrm>
+        </p:grpSpPr>
+        <p:sp>
+          <p:nvSpPr>
+            <p:cNvPr id="22" name="Oval 28"/>
+            <p:cNvSpPr/>
+            <p:nvPr/>
+          </p:nvSpPr>
+          <p:spPr>
+            <a:xfrm>
+              <a:off x="3290491" y="3074194"/>
+              <a:ext cx="709612" cy="709612"/>
+            </a:xfrm>
+            <a:prstGeom prst="ellipse">
+              <a:avLst/>
+            </a:prstGeom>
+            <a:solidFill>
+              <a:schemeClr val="bg1">
+                <a:lumMod val="85000"/>
+              </a:schemeClr>
+            </a:solidFill>
+            <a:ln>
+              <a:noFill/>
+            </a:ln>
+          </p:spPr>
+          <p:style>
+            <a:lnRef idx="2">
+              <a:schemeClr val="accent1">
+                <a:shade val="50000"/>
+              </a:schemeClr>
+            </a:lnRef>
+            <a:fillRef idx="1">
+              <a:schemeClr val="accent1"/>
+            </a:fillRef>
+            <a:effectRef idx="0">
+              <a:schemeClr val="accent1"/>
+            </a:effectRef>
+            <a:fontRef idx="minor">
+              <a:schemeClr val="lt1"/>
+            </a:fontRef>
+          </p:style>
+          <p:txBody>
+            <a:bodyPr rtlCol="0" anchor="ctr"/>
+            <a:lstStyle/>
+            <a:p>
+              <a:pPr algn="ctr"/>
+              <a:endParaRPr lang="fr-FR" sz="1350"/>
+            </a:p>
+          </p:txBody>
+        </p:sp>
+        <p:sp>
+          <p:nvSpPr>
+            <p:cNvPr id="23" name="Oval 29"/>
+            <p:cNvSpPr/>
+            <p:nvPr/>
+          </p:nvSpPr>
+          <p:spPr>
+            <a:xfrm>
+              <a:off x="3173014" y="2956717"/>
+              <a:ext cx="944566" cy="944566"/>
+            </a:xfrm>
+            <a:prstGeom prst="ellipse">
+              <a:avLst/>
+            </a:prstGeom>
+            <a:solidFill>
+              <a:schemeClr val="bg1">
+                <a:lumMod val="85000"/>
+                <a:alpha val="42000"/>
+              </a:schemeClr>
+            </a:solidFill>
+            <a:ln>
+              <a:noFill/>
+            </a:ln>
+          </p:spPr>
+          <p:style>
+            <a:lnRef idx="2">
+              <a:schemeClr val="accent1">
+                <a:shade val="50000"/>
+              </a:schemeClr>
+            </a:lnRef>
+            <a:fillRef idx="1">
+              <a:schemeClr val="accent1"/>
+            </a:fillRef>
+            <a:effectRef idx="0">
+              <a:schemeClr val="accent1"/>
+            </a:effectRef>
+            <a:fontRef idx="minor">
+              <a:schemeClr val="lt1"/>
+            </a:fontRef>
+          </p:style>
+          <p:txBody>
+            <a:bodyPr rtlCol="0" anchor="ctr"/>
+            <a:lstStyle/>
+            <a:p>
+              <a:pPr algn="ctr"/>
+              <a:r>
+                <a:rPr lang="fr-FR" sz="2100" dirty="0">
+                  <a:solidFill>
+                    <a:schemeClr val="tx1"/>
+                  </a:solidFill>
+                  <a:latin typeface="Segoe UI" panose="020B0502040204020203" pitchFamily="34" charset="0"/>
+                  <a:cs typeface="Segoe UI" panose="020B0502040204020203" pitchFamily="34" charset="0"/>
+                </a:rPr>
+                <a:t>3</a:t>
+              </a:r>
+            </a:p>
+          </p:txBody>
+        </p:sp>
+      </p:grpSp>
+      <p:cxnSp>
+        <p:nvCxnSpPr>
+          <p:cNvPr id="24" name="Straight Connector 13"/>
+          <p:cNvCxnSpPr/>
+          <p:nvPr/>
+        </p:nvCxnSpPr>
+        <p:spPr>
+          <a:xfrm>
+            <a:off x="1571021" y="3952659"/>
+            <a:ext cx="0" cy="1087200"/>
+          </a:xfrm>
+          <a:prstGeom prst="line">
+            <a:avLst/>
+          </a:prstGeom>
+          <a:ln w="28575">
+            <a:solidFill>
+              <a:srgbClr val="EDECEC"/>
+            </a:solidFill>
+          </a:ln>
+        </p:spPr>
+        <p:style>
+          <a:lnRef idx="1">
+            <a:schemeClr val="accent1"/>
+          </a:lnRef>
+          <a:fillRef idx="0">
+            <a:schemeClr val="accent1"/>
+          </a:fillRef>
+          <a:effectRef idx="0">
+            <a:schemeClr val="accent1"/>
+          </a:effectRef>
+          <a:fontRef idx="minor">
+            <a:schemeClr val="tx1"/>
+          </a:fontRef>
+        </p:style>
+      </p:cxnSp>
+      <p:sp>
+        <p:nvSpPr>
           <p:cNvPr id="31" name="TextBox 98"/>
           <p:cNvSpPr txBox="1"/>
           <p:nvPr/>
@@ -29563,6 +34372,199 @@
     <p:extLst>
       <p:ext uri="{BB962C8B-B14F-4D97-AF65-F5344CB8AC3E}">
         <p14:creationId xmlns:p14="http://schemas.microsoft.com/office/powerpoint/2010/main" val="1126135026"/>
+      </p:ext>
+    </p:extLst>
+  </p:cSld>
+  <p:clrMapOvr>
+    <a:masterClrMapping/>
+  </p:clrMapOvr>
+</p:sld>
+</file>
+
+<file path=ppt/slides/slide30.xml><?xml version="1.0" encoding="utf-8"?>
+<p:sld xmlns:a="http://schemas.openxmlformats.org/drawingml/2006/main" xmlns:r="http://schemas.openxmlformats.org/officeDocument/2006/relationships" xmlns:p="http://schemas.openxmlformats.org/presentationml/2006/main">
+  <p:cSld>
+    <p:spTree>
+      <p:nvGrpSpPr>
+        <p:cNvPr id="1" name=""/>
+        <p:cNvGrpSpPr/>
+        <p:nvPr/>
+      </p:nvGrpSpPr>
+      <p:grpSpPr>
+        <a:xfrm>
+          <a:off x="0" y="0"/>
+          <a:ext cx="0" cy="0"/>
+          <a:chOff x="0" y="0"/>
+          <a:chExt cx="0" cy="0"/>
+        </a:xfrm>
+      </p:grpSpPr>
+      <p:sp>
+        <p:nvSpPr>
+          <p:cNvPr id="5" name="標題 4">
+            <a:extLst>
+              <a:ext uri="{FF2B5EF4-FFF2-40B4-BE49-F238E27FC236}">
+                <a16:creationId xmlns:a16="http://schemas.microsoft.com/office/drawing/2014/main" id="{625AFDD7-B674-4A3A-82BC-993B1E8C1F11}"/>
+              </a:ext>
+            </a:extLst>
+          </p:cNvPr>
+          <p:cNvSpPr>
+            <a:spLocks noGrp="1"/>
+          </p:cNvSpPr>
+          <p:nvPr>
+            <p:ph type="title"/>
+          </p:nvPr>
+        </p:nvSpPr>
+        <p:spPr/>
+        <p:txBody>
+          <a:bodyPr/>
+          <a:lstStyle/>
+          <a:p>
+            <a:endParaRPr lang="zh-TW" altLang="en-US"/>
+          </a:p>
+        </p:txBody>
+      </p:sp>
+      <p:sp>
+        <p:nvSpPr>
+          <p:cNvPr id="6" name="內容版面配置區 5">
+            <a:extLst>
+              <a:ext uri="{FF2B5EF4-FFF2-40B4-BE49-F238E27FC236}">
+                <a16:creationId xmlns:a16="http://schemas.microsoft.com/office/drawing/2014/main" id="{12CC62F4-3997-46E5-8E45-8515423B82B3}"/>
+              </a:ext>
+            </a:extLst>
+          </p:cNvPr>
+          <p:cNvSpPr>
+            <a:spLocks noGrp="1"/>
+          </p:cNvSpPr>
+          <p:nvPr>
+            <p:ph sz="quarter" idx="13"/>
+          </p:nvPr>
+        </p:nvSpPr>
+        <p:spPr/>
+        <p:txBody>
+          <a:bodyPr/>
+          <a:lstStyle/>
+          <a:p>
+            <a:endParaRPr lang="zh-TW" altLang="en-US"/>
+          </a:p>
+        </p:txBody>
+      </p:sp>
+      <p:sp>
+        <p:nvSpPr>
+          <p:cNvPr id="3" name="投影片編號版面配置區 2">
+            <a:extLst>
+              <a:ext uri="{FF2B5EF4-FFF2-40B4-BE49-F238E27FC236}">
+                <a16:creationId xmlns:a16="http://schemas.microsoft.com/office/drawing/2014/main" id="{3F67C479-1EAC-4F5E-A0BE-4592424F80EA}"/>
+              </a:ext>
+            </a:extLst>
+          </p:cNvPr>
+          <p:cNvSpPr>
+            <a:spLocks noGrp="1"/>
+          </p:cNvSpPr>
+          <p:nvPr>
+            <p:ph type="sldNum" sz="quarter" idx="4"/>
+          </p:nvPr>
+        </p:nvSpPr>
+        <p:spPr/>
+        <p:txBody>
+          <a:bodyPr/>
+          <a:lstStyle/>
+          <a:p>
+            <a:fld id="{83F5B54E-D686-4015-93F2-94C458F353E2}" type="slidenum">
+              <a:rPr lang="zh-TW" altLang="en-US" smtClean="0"/>
+              <a:t>30</a:t>
+            </a:fld>
+            <a:endParaRPr lang="zh-TW" altLang="en-US"/>
+          </a:p>
+        </p:txBody>
+      </p:sp>
+    </p:spTree>
+    <p:extLst>
+      <p:ext uri="{BB962C8B-B14F-4D97-AF65-F5344CB8AC3E}">
+        <p14:creationId xmlns:p14="http://schemas.microsoft.com/office/powerpoint/2010/main" val="2802232397"/>
+      </p:ext>
+    </p:extLst>
+  </p:cSld>
+  <p:clrMapOvr>
+    <a:masterClrMapping/>
+  </p:clrMapOvr>
+</p:sld>
+</file>
+
+<file path=ppt/slides/slide31.xml><?xml version="1.0" encoding="utf-8"?>
+<p:sld xmlns:a="http://schemas.openxmlformats.org/drawingml/2006/main" xmlns:r="http://schemas.openxmlformats.org/officeDocument/2006/relationships" xmlns:p="http://schemas.openxmlformats.org/presentationml/2006/main">
+  <p:cSld>
+    <p:spTree>
+      <p:nvGrpSpPr>
+        <p:cNvPr id="1" name=""/>
+        <p:cNvGrpSpPr/>
+        <p:nvPr/>
+      </p:nvGrpSpPr>
+      <p:grpSpPr>
+        <a:xfrm>
+          <a:off x="0" y="0"/>
+          <a:ext cx="0" cy="0"/>
+          <a:chOff x="0" y="0"/>
+          <a:chExt cx="0" cy="0"/>
+        </a:xfrm>
+      </p:grpSpPr>
+      <p:sp>
+        <p:nvSpPr>
+          <p:cNvPr id="5" name="標題 4">
+            <a:extLst>
+              <a:ext uri="{FF2B5EF4-FFF2-40B4-BE49-F238E27FC236}">
+                <a16:creationId xmlns:a16="http://schemas.microsoft.com/office/drawing/2014/main" id="{E98D9C56-A592-4711-BBE3-0EE2CC5C192A}"/>
+              </a:ext>
+            </a:extLst>
+          </p:cNvPr>
+          <p:cNvSpPr>
+            <a:spLocks noGrp="1"/>
+          </p:cNvSpPr>
+          <p:nvPr>
+            <p:ph type="title"/>
+          </p:nvPr>
+        </p:nvSpPr>
+        <p:spPr/>
+        <p:txBody>
+          <a:bodyPr/>
+          <a:lstStyle/>
+          <a:p>
+            <a:endParaRPr lang="zh-TW" altLang="en-US"/>
+          </a:p>
+        </p:txBody>
+      </p:sp>
+      <p:sp>
+        <p:nvSpPr>
+          <p:cNvPr id="3" name="投影片編號版面配置區 2">
+            <a:extLst>
+              <a:ext uri="{FF2B5EF4-FFF2-40B4-BE49-F238E27FC236}">
+                <a16:creationId xmlns:a16="http://schemas.microsoft.com/office/drawing/2014/main" id="{0943F192-3E7D-4500-99E7-434AEA5CA3A7}"/>
+              </a:ext>
+            </a:extLst>
+          </p:cNvPr>
+          <p:cNvSpPr>
+            <a:spLocks noGrp="1"/>
+          </p:cNvSpPr>
+          <p:nvPr>
+            <p:ph type="sldNum" sz="quarter" idx="4"/>
+          </p:nvPr>
+        </p:nvSpPr>
+        <p:spPr/>
+        <p:txBody>
+          <a:bodyPr/>
+          <a:lstStyle/>
+          <a:p>
+            <a:fld id="{83F5B54E-D686-4015-93F2-94C458F353E2}" type="slidenum">
+              <a:rPr lang="zh-TW" altLang="en-US" smtClean="0"/>
+              <a:t>31</a:t>
+            </a:fld>
+            <a:endParaRPr lang="zh-TW" altLang="en-US"/>
+          </a:p>
+        </p:txBody>
+      </p:sp>
+    </p:spTree>
+    <p:extLst>
+      <p:ext uri="{BB962C8B-B14F-4D97-AF65-F5344CB8AC3E}">
+        <p14:creationId xmlns:p14="http://schemas.microsoft.com/office/powerpoint/2010/main" val="1758665663"/>
       </p:ext>
     </p:extLst>
   </p:cSld>

--- a/20170524_RCScan/2018-1207 RC SCAN 說明文件.pptx
+++ b/20170524_RCScan/2018-1207 RC SCAN 說明文件.pptx
@@ -7,7 +7,7 @@
     <p:sldMasterId id="2147483702" r:id="rId3"/>
   </p:sldMasterIdLst>
   <p:notesMasterIdLst>
-    <p:notesMasterId r:id="rId35"/>
+    <p:notesMasterId r:id="rId38"/>
   </p:notesMasterIdLst>
   <p:sldIdLst>
     <p:sldId id="274" r:id="rId4"/>
@@ -38,9 +38,12 @@
     <p:sldId id="305" r:id="rId29"/>
     <p:sldId id="306" r:id="rId30"/>
     <p:sldId id="307" r:id="rId31"/>
-    <p:sldId id="265" r:id="rId32"/>
-    <p:sldId id="266" r:id="rId33"/>
-    <p:sldId id="267" r:id="rId34"/>
+    <p:sldId id="309" r:id="rId32"/>
+    <p:sldId id="310" r:id="rId33"/>
+    <p:sldId id="311" r:id="rId34"/>
+    <p:sldId id="312" r:id="rId35"/>
+    <p:sldId id="314" r:id="rId36"/>
+    <p:sldId id="315" r:id="rId37"/>
   </p:sldIdLst>
   <p:sldSz cx="9144000" cy="6858000" type="screen4x3"/>
   <p:notesSz cx="6858000" cy="9144000"/>
@@ -142,9 +145,6 @@
   <p:extLst>
     <p:ext uri="{521415D9-36F7-43E2-AB2F-B90AF26B5E84}">
       <p14:sectionLst xmlns:p14="http://schemas.microsoft.com/office/powerpoint/2010/main">
-        <p14:section name="ORANGE THEME" id="{9BF81898-5594-4078-9676-45DA08268E08}">
-          <p14:sldIdLst/>
-        </p14:section>
         <p14:section name="地梁" id="{9F8CE542-332F-4DFD-A3B8-B1DAB2D76D1A}">
           <p14:sldIdLst>
             <p14:sldId id="274"/>
@@ -175,10 +175,7 @@
             <p14:sldId id="301"/>
           </p14:sldIdLst>
         </p14:section>
-        <p14:section name="GREEN THEME" id="{3D0B2347-4A40-466B-BF6C-AADD1868B3D3}">
-          <p14:sldIdLst/>
-        </p14:section>
-        <p14:section name="PURPLE THEME" id="{BAA48192-D5C0-4ACE-A8ED-1FDEAD944A1D}">
+        <p14:section name="小梁" id="{974F60DF-252C-4EE9-89A9-10105955327C}">
           <p14:sldIdLst>
             <p14:sldId id="302"/>
             <p14:sldId id="303"/>
@@ -186,10 +183,20 @@
             <p14:sldId id="305"/>
             <p14:sldId id="306"/>
             <p14:sldId id="307"/>
-            <p14:sldId id="265"/>
-            <p14:sldId id="266"/>
-            <p14:sldId id="267"/>
           </p14:sldIdLst>
+        </p14:section>
+        <p14:section name="柱" id="{7872FB54-6B70-4E78-859F-6789F5D806E8}">
+          <p14:sldIdLst>
+            <p14:sldId id="309"/>
+            <p14:sldId id="310"/>
+            <p14:sldId id="311"/>
+            <p14:sldId id="312"/>
+            <p14:sldId id="314"/>
+            <p14:sldId id="315"/>
+          </p14:sldIdLst>
+        </p14:section>
+        <p14:section name="PURPLE THEME" id="{BAA48192-D5C0-4ACE-A8ED-1FDEAD944A1D}">
+          <p14:sldIdLst/>
         </p14:section>
       </p14:sectionLst>
     </p:ext>
@@ -293,7 +300,7 @@
           <a:p>
             <a:fld id="{CABFB9B6-EE47-47E7-8685-2B1284A08E14}" type="datetimeFigureOut">
               <a:rPr lang="zh-TW" altLang="en-US" smtClean="0"/>
-              <a:t>2018/12/10</a:t>
+              <a:t>2018/12/11</a:t>
             </a:fld>
             <a:endParaRPr lang="zh-TW" altLang="en-US"/>
           </a:p>
@@ -1067,6 +1074,594 @@
     <p:extLst>
       <p:ext uri="{BB962C8B-B14F-4D97-AF65-F5344CB8AC3E}">
         <p14:creationId xmlns:p14="http://schemas.microsoft.com/office/powerpoint/2010/main" val="1793284480"/>
+      </p:ext>
+    </p:extLst>
+  </p:cSld>
+  <p:clrMapOvr>
+    <a:masterClrMapping/>
+  </p:clrMapOvr>
+</p:notes>
+</file>
+
+<file path=ppt/notesSlides/notesSlide14.xml><?xml version="1.0" encoding="utf-8"?>
+<p:notes xmlns:a="http://schemas.openxmlformats.org/drawingml/2006/main" xmlns:r="http://schemas.openxmlformats.org/officeDocument/2006/relationships" xmlns:p="http://schemas.openxmlformats.org/presentationml/2006/main">
+  <p:cSld>
+    <p:spTree>
+      <p:nvGrpSpPr>
+        <p:cNvPr id="1" name=""/>
+        <p:cNvGrpSpPr/>
+        <p:nvPr/>
+      </p:nvGrpSpPr>
+      <p:grpSpPr>
+        <a:xfrm>
+          <a:off x="0" y="0"/>
+          <a:ext cx="0" cy="0"/>
+          <a:chOff x="0" y="0"/>
+          <a:chExt cx="0" cy="0"/>
+        </a:xfrm>
+      </p:grpSpPr>
+      <p:sp>
+        <p:nvSpPr>
+          <p:cNvPr id="2" name="投影片圖像版面配置區 1"/>
+          <p:cNvSpPr>
+            <a:spLocks noGrp="1" noRot="1" noChangeAspect="1"/>
+          </p:cNvSpPr>
+          <p:nvPr>
+            <p:ph type="sldImg"/>
+          </p:nvPr>
+        </p:nvSpPr>
+        <p:spPr/>
+      </p:sp>
+      <p:sp>
+        <p:nvSpPr>
+          <p:cNvPr id="3" name="備忘稿版面配置區 2"/>
+          <p:cNvSpPr>
+            <a:spLocks noGrp="1"/>
+          </p:cNvSpPr>
+          <p:nvPr>
+            <p:ph type="body" idx="1"/>
+          </p:nvPr>
+        </p:nvSpPr>
+        <p:spPr/>
+        <p:txBody>
+          <a:bodyPr/>
+          <a:lstStyle/>
+          <a:p>
+            <a:r>
+              <a:rPr lang="zh-TW" altLang="en-US" sz="1200" dirty="0">
+                <a:latin typeface="Segoe UI Light" panose="020B0502040204020203" pitchFamily="34" charset="0"/>
+                <a:cs typeface="Segoe UI Light" panose="020B0502040204020203" pitchFamily="34" charset="0"/>
+              </a:rPr>
+              <a:t>箍筋面積*</a:t>
+            </a:r>
+            <a:r>
+              <a:rPr lang="en-US" altLang="zh-TW" sz="1200" dirty="0">
+                <a:latin typeface="Segoe UI Light" panose="020B0502040204020203" pitchFamily="34" charset="0"/>
+                <a:cs typeface="Segoe UI Light" panose="020B0502040204020203" pitchFamily="34" charset="0"/>
+              </a:rPr>
+              <a:t>2</a:t>
+            </a:r>
+            <a:endParaRPr lang="zh-TW" altLang="en-US" dirty="0"/>
+          </a:p>
+        </p:txBody>
+      </p:sp>
+      <p:sp>
+        <p:nvSpPr>
+          <p:cNvPr id="4" name="投影片編號版面配置區 3"/>
+          <p:cNvSpPr>
+            <a:spLocks noGrp="1"/>
+          </p:cNvSpPr>
+          <p:nvPr>
+            <p:ph type="sldNum" sz="quarter" idx="10"/>
+          </p:nvPr>
+        </p:nvSpPr>
+        <p:spPr/>
+        <p:txBody>
+          <a:bodyPr/>
+          <a:lstStyle/>
+          <a:p>
+            <a:fld id="{1DC37380-3A7D-4D27-ADF2-E3226C5308C0}" type="slidenum">
+              <a:rPr lang="zh-TW" altLang="en-US" smtClean="0"/>
+              <a:t>29</a:t>
+            </a:fld>
+            <a:endParaRPr lang="zh-TW" altLang="en-US"/>
+          </a:p>
+        </p:txBody>
+      </p:sp>
+    </p:spTree>
+    <p:extLst>
+      <p:ext uri="{BB962C8B-B14F-4D97-AF65-F5344CB8AC3E}">
+        <p14:creationId xmlns:p14="http://schemas.microsoft.com/office/powerpoint/2010/main" val="2011295273"/>
+      </p:ext>
+    </p:extLst>
+  </p:cSld>
+  <p:clrMapOvr>
+    <a:masterClrMapping/>
+  </p:clrMapOvr>
+</p:notes>
+</file>
+
+<file path=ppt/notesSlides/notesSlide15.xml><?xml version="1.0" encoding="utf-8"?>
+<p:notes xmlns:a="http://schemas.openxmlformats.org/drawingml/2006/main" xmlns:r="http://schemas.openxmlformats.org/officeDocument/2006/relationships" xmlns:p="http://schemas.openxmlformats.org/presentationml/2006/main">
+  <p:cSld>
+    <p:spTree>
+      <p:nvGrpSpPr>
+        <p:cNvPr id="1" name=""/>
+        <p:cNvGrpSpPr/>
+        <p:nvPr/>
+      </p:nvGrpSpPr>
+      <p:grpSpPr>
+        <a:xfrm>
+          <a:off x="0" y="0"/>
+          <a:ext cx="0" cy="0"/>
+          <a:chOff x="0" y="0"/>
+          <a:chExt cx="0" cy="0"/>
+        </a:xfrm>
+      </p:grpSpPr>
+      <p:sp>
+        <p:nvSpPr>
+          <p:cNvPr id="2" name="投影片圖像版面配置區 1"/>
+          <p:cNvSpPr>
+            <a:spLocks noGrp="1" noRot="1" noChangeAspect="1"/>
+          </p:cNvSpPr>
+          <p:nvPr>
+            <p:ph type="sldImg"/>
+          </p:nvPr>
+        </p:nvSpPr>
+        <p:spPr/>
+      </p:sp>
+      <p:sp>
+        <p:nvSpPr>
+          <p:cNvPr id="3" name="備忘稿版面配置區 2"/>
+          <p:cNvSpPr>
+            <a:spLocks noGrp="1"/>
+          </p:cNvSpPr>
+          <p:nvPr>
+            <p:ph type="body" idx="1"/>
+          </p:nvPr>
+        </p:nvSpPr>
+        <p:spPr/>
+        <p:txBody>
+          <a:bodyPr/>
+          <a:lstStyle/>
+          <a:p>
+            <a:r>
+              <a:rPr lang="zh-TW" altLang="en-US" sz="1200" dirty="0">
+                <a:latin typeface="Segoe UI Light" panose="020B0502040204020203" pitchFamily="34" charset="0"/>
+                <a:cs typeface="Segoe UI Light" panose="020B0502040204020203" pitchFamily="34" charset="0"/>
+              </a:rPr>
+              <a:t>箍筋面積*</a:t>
+            </a:r>
+            <a:r>
+              <a:rPr lang="en-US" altLang="zh-TW" sz="1200" dirty="0">
+                <a:latin typeface="Segoe UI Light" panose="020B0502040204020203" pitchFamily="34" charset="0"/>
+                <a:cs typeface="Segoe UI Light" panose="020B0502040204020203" pitchFamily="34" charset="0"/>
+              </a:rPr>
+              <a:t>2</a:t>
+            </a:r>
+            <a:endParaRPr lang="zh-TW" altLang="en-US" dirty="0"/>
+          </a:p>
+        </p:txBody>
+      </p:sp>
+      <p:sp>
+        <p:nvSpPr>
+          <p:cNvPr id="4" name="投影片編號版面配置區 3"/>
+          <p:cNvSpPr>
+            <a:spLocks noGrp="1"/>
+          </p:cNvSpPr>
+          <p:nvPr>
+            <p:ph type="sldNum" sz="quarter" idx="10"/>
+          </p:nvPr>
+        </p:nvSpPr>
+        <p:spPr/>
+        <p:txBody>
+          <a:bodyPr/>
+          <a:lstStyle/>
+          <a:p>
+            <a:fld id="{1DC37380-3A7D-4D27-ADF2-E3226C5308C0}" type="slidenum">
+              <a:rPr lang="zh-TW" altLang="en-US" smtClean="0"/>
+              <a:t>30</a:t>
+            </a:fld>
+            <a:endParaRPr lang="zh-TW" altLang="en-US"/>
+          </a:p>
+        </p:txBody>
+      </p:sp>
+    </p:spTree>
+    <p:extLst>
+      <p:ext uri="{BB962C8B-B14F-4D97-AF65-F5344CB8AC3E}">
+        <p14:creationId xmlns:p14="http://schemas.microsoft.com/office/powerpoint/2010/main" val="402285018"/>
+      </p:ext>
+    </p:extLst>
+  </p:cSld>
+  <p:clrMapOvr>
+    <a:masterClrMapping/>
+  </p:clrMapOvr>
+</p:notes>
+</file>
+
+<file path=ppt/notesSlides/notesSlide16.xml><?xml version="1.0" encoding="utf-8"?>
+<p:notes xmlns:a="http://schemas.openxmlformats.org/drawingml/2006/main" xmlns:r="http://schemas.openxmlformats.org/officeDocument/2006/relationships" xmlns:p="http://schemas.openxmlformats.org/presentationml/2006/main">
+  <p:cSld>
+    <p:spTree>
+      <p:nvGrpSpPr>
+        <p:cNvPr id="1" name=""/>
+        <p:cNvGrpSpPr/>
+        <p:nvPr/>
+      </p:nvGrpSpPr>
+      <p:grpSpPr>
+        <a:xfrm>
+          <a:off x="0" y="0"/>
+          <a:ext cx="0" cy="0"/>
+          <a:chOff x="0" y="0"/>
+          <a:chExt cx="0" cy="0"/>
+        </a:xfrm>
+      </p:grpSpPr>
+      <p:sp>
+        <p:nvSpPr>
+          <p:cNvPr id="2" name="投影片圖像版面配置區 1"/>
+          <p:cNvSpPr>
+            <a:spLocks noGrp="1" noRot="1" noChangeAspect="1"/>
+          </p:cNvSpPr>
+          <p:nvPr>
+            <p:ph type="sldImg"/>
+          </p:nvPr>
+        </p:nvSpPr>
+        <p:spPr/>
+      </p:sp>
+      <p:sp>
+        <p:nvSpPr>
+          <p:cNvPr id="3" name="備忘稿版面配置區 2"/>
+          <p:cNvSpPr>
+            <a:spLocks noGrp="1"/>
+          </p:cNvSpPr>
+          <p:nvPr>
+            <p:ph type="body" idx="1"/>
+          </p:nvPr>
+        </p:nvSpPr>
+        <p:spPr/>
+        <p:txBody>
+          <a:bodyPr/>
+          <a:lstStyle/>
+          <a:p>
+            <a:r>
+              <a:rPr lang="zh-TW" altLang="en-US" sz="1200" dirty="0">
+                <a:latin typeface="Segoe UI Light" panose="020B0502040204020203" pitchFamily="34" charset="0"/>
+                <a:cs typeface="Segoe UI Light" panose="020B0502040204020203" pitchFamily="34" charset="0"/>
+              </a:rPr>
+              <a:t>箍筋面積*</a:t>
+            </a:r>
+            <a:r>
+              <a:rPr lang="en-US" altLang="zh-TW" sz="1200" dirty="0">
+                <a:latin typeface="Segoe UI Light" panose="020B0502040204020203" pitchFamily="34" charset="0"/>
+                <a:cs typeface="Segoe UI Light" panose="020B0502040204020203" pitchFamily="34" charset="0"/>
+              </a:rPr>
+              <a:t>2</a:t>
+            </a:r>
+            <a:endParaRPr lang="zh-TW" altLang="en-US" dirty="0"/>
+          </a:p>
+        </p:txBody>
+      </p:sp>
+      <p:sp>
+        <p:nvSpPr>
+          <p:cNvPr id="4" name="投影片編號版面配置區 3"/>
+          <p:cNvSpPr>
+            <a:spLocks noGrp="1"/>
+          </p:cNvSpPr>
+          <p:nvPr>
+            <p:ph type="sldNum" sz="quarter" idx="10"/>
+          </p:nvPr>
+        </p:nvSpPr>
+        <p:spPr/>
+        <p:txBody>
+          <a:bodyPr/>
+          <a:lstStyle/>
+          <a:p>
+            <a:fld id="{1DC37380-3A7D-4D27-ADF2-E3226C5308C0}" type="slidenum">
+              <a:rPr lang="zh-TW" altLang="en-US" smtClean="0"/>
+              <a:t>31</a:t>
+            </a:fld>
+            <a:endParaRPr lang="zh-TW" altLang="en-US"/>
+          </a:p>
+        </p:txBody>
+      </p:sp>
+    </p:spTree>
+    <p:extLst>
+      <p:ext uri="{BB962C8B-B14F-4D97-AF65-F5344CB8AC3E}">
+        <p14:creationId xmlns:p14="http://schemas.microsoft.com/office/powerpoint/2010/main" val="1794156876"/>
+      </p:ext>
+    </p:extLst>
+  </p:cSld>
+  <p:clrMapOvr>
+    <a:masterClrMapping/>
+  </p:clrMapOvr>
+</p:notes>
+</file>
+
+<file path=ppt/notesSlides/notesSlide17.xml><?xml version="1.0" encoding="utf-8"?>
+<p:notes xmlns:a="http://schemas.openxmlformats.org/drawingml/2006/main" xmlns:r="http://schemas.openxmlformats.org/officeDocument/2006/relationships" xmlns:p="http://schemas.openxmlformats.org/presentationml/2006/main">
+  <p:cSld>
+    <p:spTree>
+      <p:nvGrpSpPr>
+        <p:cNvPr id="1" name=""/>
+        <p:cNvGrpSpPr/>
+        <p:nvPr/>
+      </p:nvGrpSpPr>
+      <p:grpSpPr>
+        <a:xfrm>
+          <a:off x="0" y="0"/>
+          <a:ext cx="0" cy="0"/>
+          <a:chOff x="0" y="0"/>
+          <a:chExt cx="0" cy="0"/>
+        </a:xfrm>
+      </p:grpSpPr>
+      <p:sp>
+        <p:nvSpPr>
+          <p:cNvPr id="2" name="投影片圖像版面配置區 1"/>
+          <p:cNvSpPr>
+            <a:spLocks noGrp="1" noRot="1" noChangeAspect="1"/>
+          </p:cNvSpPr>
+          <p:nvPr>
+            <p:ph type="sldImg"/>
+          </p:nvPr>
+        </p:nvSpPr>
+        <p:spPr/>
+      </p:sp>
+      <p:sp>
+        <p:nvSpPr>
+          <p:cNvPr id="3" name="備忘稿版面配置區 2"/>
+          <p:cNvSpPr>
+            <a:spLocks noGrp="1"/>
+          </p:cNvSpPr>
+          <p:nvPr>
+            <p:ph type="body" idx="1"/>
+          </p:nvPr>
+        </p:nvSpPr>
+        <p:spPr/>
+        <p:txBody>
+          <a:bodyPr/>
+          <a:lstStyle/>
+          <a:p>
+            <a:r>
+              <a:rPr lang="zh-TW" altLang="en-US" sz="1200" dirty="0">
+                <a:latin typeface="Segoe UI Light" panose="020B0502040204020203" pitchFamily="34" charset="0"/>
+                <a:cs typeface="Segoe UI Light" panose="020B0502040204020203" pitchFamily="34" charset="0"/>
+              </a:rPr>
+              <a:t>箍筋面積*</a:t>
+            </a:r>
+            <a:r>
+              <a:rPr lang="en-US" altLang="zh-TW" sz="1200" dirty="0">
+                <a:latin typeface="Segoe UI Light" panose="020B0502040204020203" pitchFamily="34" charset="0"/>
+                <a:cs typeface="Segoe UI Light" panose="020B0502040204020203" pitchFamily="34" charset="0"/>
+              </a:rPr>
+              <a:t>2</a:t>
+            </a:r>
+            <a:endParaRPr lang="zh-TW" altLang="en-US" dirty="0"/>
+          </a:p>
+        </p:txBody>
+      </p:sp>
+      <p:sp>
+        <p:nvSpPr>
+          <p:cNvPr id="4" name="投影片編號版面配置區 3"/>
+          <p:cNvSpPr>
+            <a:spLocks noGrp="1"/>
+          </p:cNvSpPr>
+          <p:nvPr>
+            <p:ph type="sldNum" sz="quarter" idx="10"/>
+          </p:nvPr>
+        </p:nvSpPr>
+        <p:spPr/>
+        <p:txBody>
+          <a:bodyPr/>
+          <a:lstStyle/>
+          <a:p>
+            <a:fld id="{1DC37380-3A7D-4D27-ADF2-E3226C5308C0}" type="slidenum">
+              <a:rPr lang="zh-TW" altLang="en-US" smtClean="0"/>
+              <a:t>32</a:t>
+            </a:fld>
+            <a:endParaRPr lang="zh-TW" altLang="en-US"/>
+          </a:p>
+        </p:txBody>
+      </p:sp>
+    </p:spTree>
+    <p:extLst>
+      <p:ext uri="{BB962C8B-B14F-4D97-AF65-F5344CB8AC3E}">
+        <p14:creationId xmlns:p14="http://schemas.microsoft.com/office/powerpoint/2010/main" val="1755141547"/>
+      </p:ext>
+    </p:extLst>
+  </p:cSld>
+  <p:clrMapOvr>
+    <a:masterClrMapping/>
+  </p:clrMapOvr>
+</p:notes>
+</file>
+
+<file path=ppt/notesSlides/notesSlide18.xml><?xml version="1.0" encoding="utf-8"?>
+<p:notes xmlns:a="http://schemas.openxmlformats.org/drawingml/2006/main" xmlns:r="http://schemas.openxmlformats.org/officeDocument/2006/relationships" xmlns:p="http://schemas.openxmlformats.org/presentationml/2006/main">
+  <p:cSld>
+    <p:spTree>
+      <p:nvGrpSpPr>
+        <p:cNvPr id="1" name=""/>
+        <p:cNvGrpSpPr/>
+        <p:nvPr/>
+      </p:nvGrpSpPr>
+      <p:grpSpPr>
+        <a:xfrm>
+          <a:off x="0" y="0"/>
+          <a:ext cx="0" cy="0"/>
+          <a:chOff x="0" y="0"/>
+          <a:chExt cx="0" cy="0"/>
+        </a:xfrm>
+      </p:grpSpPr>
+      <p:sp>
+        <p:nvSpPr>
+          <p:cNvPr id="2" name="投影片圖像版面配置區 1"/>
+          <p:cNvSpPr>
+            <a:spLocks noGrp="1" noRot="1" noChangeAspect="1"/>
+          </p:cNvSpPr>
+          <p:nvPr>
+            <p:ph type="sldImg"/>
+          </p:nvPr>
+        </p:nvSpPr>
+        <p:spPr/>
+      </p:sp>
+      <p:sp>
+        <p:nvSpPr>
+          <p:cNvPr id="3" name="備忘稿版面配置區 2"/>
+          <p:cNvSpPr>
+            <a:spLocks noGrp="1"/>
+          </p:cNvSpPr>
+          <p:nvPr>
+            <p:ph type="body" idx="1"/>
+          </p:nvPr>
+        </p:nvSpPr>
+        <p:spPr/>
+        <p:txBody>
+          <a:bodyPr/>
+          <a:lstStyle/>
+          <a:p>
+            <a:r>
+              <a:rPr lang="zh-TW" altLang="en-US" sz="1200" dirty="0">
+                <a:latin typeface="Segoe UI Light" panose="020B0502040204020203" pitchFamily="34" charset="0"/>
+                <a:cs typeface="Segoe UI Light" panose="020B0502040204020203" pitchFamily="34" charset="0"/>
+              </a:rPr>
+              <a:t>箍筋面積*</a:t>
+            </a:r>
+            <a:r>
+              <a:rPr lang="en-US" altLang="zh-TW" sz="1200" dirty="0">
+                <a:latin typeface="Segoe UI Light" panose="020B0502040204020203" pitchFamily="34" charset="0"/>
+                <a:cs typeface="Segoe UI Light" panose="020B0502040204020203" pitchFamily="34" charset="0"/>
+              </a:rPr>
+              <a:t>2</a:t>
+            </a:r>
+            <a:endParaRPr lang="zh-TW" altLang="en-US" dirty="0"/>
+          </a:p>
+        </p:txBody>
+      </p:sp>
+      <p:sp>
+        <p:nvSpPr>
+          <p:cNvPr id="4" name="投影片編號版面配置區 3"/>
+          <p:cNvSpPr>
+            <a:spLocks noGrp="1"/>
+          </p:cNvSpPr>
+          <p:nvPr>
+            <p:ph type="sldNum" sz="quarter" idx="10"/>
+          </p:nvPr>
+        </p:nvSpPr>
+        <p:spPr/>
+        <p:txBody>
+          <a:bodyPr/>
+          <a:lstStyle/>
+          <a:p>
+            <a:fld id="{1DC37380-3A7D-4D27-ADF2-E3226C5308C0}" type="slidenum">
+              <a:rPr lang="zh-TW" altLang="en-US" smtClean="0"/>
+              <a:t>33</a:t>
+            </a:fld>
+            <a:endParaRPr lang="zh-TW" altLang="en-US"/>
+          </a:p>
+        </p:txBody>
+      </p:sp>
+    </p:spTree>
+    <p:extLst>
+      <p:ext uri="{BB962C8B-B14F-4D97-AF65-F5344CB8AC3E}">
+        <p14:creationId xmlns:p14="http://schemas.microsoft.com/office/powerpoint/2010/main" val="2099754902"/>
+      </p:ext>
+    </p:extLst>
+  </p:cSld>
+  <p:clrMapOvr>
+    <a:masterClrMapping/>
+  </p:clrMapOvr>
+</p:notes>
+</file>
+
+<file path=ppt/notesSlides/notesSlide19.xml><?xml version="1.0" encoding="utf-8"?>
+<p:notes xmlns:a="http://schemas.openxmlformats.org/drawingml/2006/main" xmlns:r="http://schemas.openxmlformats.org/officeDocument/2006/relationships" xmlns:p="http://schemas.openxmlformats.org/presentationml/2006/main">
+  <p:cSld>
+    <p:spTree>
+      <p:nvGrpSpPr>
+        <p:cNvPr id="1" name=""/>
+        <p:cNvGrpSpPr/>
+        <p:nvPr/>
+      </p:nvGrpSpPr>
+      <p:grpSpPr>
+        <a:xfrm>
+          <a:off x="0" y="0"/>
+          <a:ext cx="0" cy="0"/>
+          <a:chOff x="0" y="0"/>
+          <a:chExt cx="0" cy="0"/>
+        </a:xfrm>
+      </p:grpSpPr>
+      <p:sp>
+        <p:nvSpPr>
+          <p:cNvPr id="2" name="投影片圖像版面配置區 1"/>
+          <p:cNvSpPr>
+            <a:spLocks noGrp="1" noRot="1" noChangeAspect="1"/>
+          </p:cNvSpPr>
+          <p:nvPr>
+            <p:ph type="sldImg"/>
+          </p:nvPr>
+        </p:nvSpPr>
+        <p:spPr/>
+      </p:sp>
+      <p:sp>
+        <p:nvSpPr>
+          <p:cNvPr id="3" name="備忘稿版面配置區 2"/>
+          <p:cNvSpPr>
+            <a:spLocks noGrp="1"/>
+          </p:cNvSpPr>
+          <p:nvPr>
+            <p:ph type="body" idx="1"/>
+          </p:nvPr>
+        </p:nvSpPr>
+        <p:spPr/>
+        <p:txBody>
+          <a:bodyPr/>
+          <a:lstStyle/>
+          <a:p>
+            <a:r>
+              <a:rPr lang="zh-TW" altLang="en-US" sz="1200" dirty="0">
+                <a:latin typeface="Segoe UI Light" panose="020B0502040204020203" pitchFamily="34" charset="0"/>
+                <a:cs typeface="Segoe UI Light" panose="020B0502040204020203" pitchFamily="34" charset="0"/>
+              </a:rPr>
+              <a:t>箍筋面積*</a:t>
+            </a:r>
+            <a:r>
+              <a:rPr lang="en-US" altLang="zh-TW" sz="1200" dirty="0">
+                <a:latin typeface="Segoe UI Light" panose="020B0502040204020203" pitchFamily="34" charset="0"/>
+                <a:cs typeface="Segoe UI Light" panose="020B0502040204020203" pitchFamily="34" charset="0"/>
+              </a:rPr>
+              <a:t>2</a:t>
+            </a:r>
+            <a:endParaRPr lang="zh-TW" altLang="en-US" dirty="0"/>
+          </a:p>
+        </p:txBody>
+      </p:sp>
+      <p:sp>
+        <p:nvSpPr>
+          <p:cNvPr id="4" name="投影片編號版面配置區 3"/>
+          <p:cNvSpPr>
+            <a:spLocks noGrp="1"/>
+          </p:cNvSpPr>
+          <p:nvPr>
+            <p:ph type="sldNum" sz="quarter" idx="10"/>
+          </p:nvPr>
+        </p:nvSpPr>
+        <p:spPr/>
+        <p:txBody>
+          <a:bodyPr/>
+          <a:lstStyle/>
+          <a:p>
+            <a:fld id="{1DC37380-3A7D-4D27-ADF2-E3226C5308C0}" type="slidenum">
+              <a:rPr lang="zh-TW" altLang="en-US" smtClean="0"/>
+              <a:t>34</a:t>
+            </a:fld>
+            <a:endParaRPr lang="zh-TW" altLang="en-US"/>
+          </a:p>
+        </p:txBody>
+      </p:sp>
+    </p:spTree>
+    <p:extLst>
+      <p:ext uri="{BB962C8B-B14F-4D97-AF65-F5344CB8AC3E}">
+        <p14:creationId xmlns:p14="http://schemas.microsoft.com/office/powerpoint/2010/main" val="195566049"/>
       </p:ext>
     </p:extLst>
   </p:cSld>
@@ -30932,7 +31527,7 @@
         </p:nvSpPr>
         <p:spPr>
           <a:xfrm>
-            <a:off x="465514" y="698267"/>
+            <a:off x="927070" y="698267"/>
             <a:ext cx="2837636" cy="369332"/>
           </a:xfrm>
           <a:prstGeom prst="rect">
@@ -31863,7 +32458,7 @@
         <p:spPr>
           <a:xfrm>
             <a:off x="924224" y="698267"/>
-            <a:ext cx="1800493" cy="369332"/>
+            <a:ext cx="1107996" cy="369332"/>
           </a:xfrm>
           <a:prstGeom prst="rect">
             <a:avLst/>
@@ -31878,7 +32473,7 @@
           <a:p>
             <a:r>
               <a:rPr lang="zh-TW" altLang="en-US" dirty="0"/>
-              <a:t>鋼筋間距之限制</a:t>
+              <a:t>載重預警</a:t>
             </a:r>
           </a:p>
         </p:txBody>
@@ -32397,7 +32992,7 @@
         <p:spPr>
           <a:xfrm>
             <a:off x="2525566" y="1616380"/>
-            <a:ext cx="3893881" cy="323165"/>
+            <a:ext cx="3893881" cy="553998"/>
           </a:xfrm>
           <a:prstGeom prst="rect">
             <a:avLst/>
@@ -32429,7 +33024,49 @@
                 <a:latin typeface="Segoe UI Light" panose="020B0502040204020203" pitchFamily="34" charset="0"/>
                 <a:cs typeface="Segoe UI Light" panose="020B0502040204020203" pitchFamily="34" charset="0"/>
               </a:rPr>
-              <a:t> 主筋支數</a:t>
+              <a:t> 最大主筋量、版厚、帶寬、</a:t>
+            </a:r>
+            <a:r>
+              <a:rPr lang="en-US" altLang="zh-TW" sz="1500" dirty="0">
+                <a:latin typeface="Segoe UI Light" panose="020B0502040204020203" pitchFamily="34" charset="0"/>
+                <a:cs typeface="Segoe UI Light" panose="020B0502040204020203" pitchFamily="34" charset="0"/>
+              </a:rPr>
+              <a:t>SDL</a:t>
+            </a:r>
+            <a:r>
+              <a:rPr lang="zh-TW" altLang="en-US" sz="1500" dirty="0">
+                <a:latin typeface="Segoe UI Light" panose="020B0502040204020203" pitchFamily="34" charset="0"/>
+                <a:cs typeface="Segoe UI Light" panose="020B0502040204020203" pitchFamily="34" charset="0"/>
+              </a:rPr>
+              <a:t>、</a:t>
+            </a:r>
+            <a:r>
+              <a:rPr lang="en-US" altLang="zh-TW" sz="1500" dirty="0">
+                <a:latin typeface="Segoe UI Light" panose="020B0502040204020203" pitchFamily="34" charset="0"/>
+                <a:cs typeface="Segoe UI Light" panose="020B0502040204020203" pitchFamily="34" charset="0"/>
+              </a:rPr>
+              <a:t>LL</a:t>
+            </a:r>
+            <a:r>
+              <a:rPr lang="zh-TW" altLang="en-US" sz="1500" dirty="0">
+                <a:latin typeface="Segoe UI Light" panose="020B0502040204020203" pitchFamily="34" charset="0"/>
+                <a:cs typeface="Segoe UI Light" panose="020B0502040204020203" pitchFamily="34" charset="0"/>
+              </a:rPr>
+              <a:t>、</a:t>
+            </a:r>
+            <a:r>
+              <a:rPr lang="en-US" altLang="zh-TW" sz="1500" dirty="0" err="1">
+                <a:latin typeface="Segoe UI Light" panose="020B0502040204020203" pitchFamily="34" charset="0"/>
+                <a:cs typeface="Segoe UI Light" panose="020B0502040204020203" pitchFamily="34" charset="0"/>
+              </a:rPr>
+              <a:t>fy</a:t>
+            </a:r>
+            <a:r>
+              <a:rPr lang="zh-TW" altLang="en-US" sz="1500" dirty="0">
+                <a:latin typeface="Segoe UI Light" panose="020B0502040204020203" pitchFamily="34" charset="0"/>
+                <a:cs typeface="Segoe UI Light" panose="020B0502040204020203" pitchFamily="34" charset="0"/>
+              </a:rPr>
+              <a:t>、梁長、有效深度</a:t>
             </a:r>
             <a:endParaRPr lang="fr-FR" sz="1500" dirty="0">
               <a:latin typeface="Segoe UI Light" panose="020B0502040204020203" pitchFamily="34" charset="0"/>
@@ -32453,7 +33090,7 @@
         <p:spPr>
           <a:xfrm>
             <a:off x="2525567" y="2870923"/>
-            <a:ext cx="4116302" cy="553998"/>
+            <a:ext cx="4116302" cy="1477328"/>
           </a:xfrm>
           <a:prstGeom prst="rect">
             <a:avLst/>
@@ -32467,63 +33104,129 @@
           <a:lstStyle/>
           <a:p>
             <a:r>
-              <a:rPr lang="zh-TW" altLang="en-US" sz="1500" dirty="0">
-                <a:latin typeface="Segoe UI Light" panose="020B0502040204020203" pitchFamily="34" charset="0"/>
-                <a:cs typeface="Segoe UI Light" panose="020B0502040204020203" pitchFamily="34" charset="0"/>
-              </a:rPr>
-              <a:t>判斷</a:t>
-            </a:r>
-            <a:r>
-              <a:rPr lang="en-US" altLang="zh-TW" sz="1500" dirty="0">
-                <a:latin typeface="Segoe UI Light" panose="020B0502040204020203" pitchFamily="34" charset="0"/>
-                <a:cs typeface="Segoe UI Light" panose="020B0502040204020203" pitchFamily="34" charset="0"/>
-              </a:rPr>
-              <a:t>:</a:t>
-            </a:r>
-            <a:r>
-              <a:rPr lang="zh-TW" altLang="en-US" sz="1500" dirty="0">
-                <a:latin typeface="Segoe UI Light" panose="020B0502040204020203" pitchFamily="34" charset="0"/>
-                <a:cs typeface="Segoe UI Light" panose="020B0502040204020203" pitchFamily="34" charset="0"/>
-              </a:rPr>
-              <a:t> </a:t>
-            </a:r>
+              <a:rPr lang="en-US" altLang="zh-TW" sz="1500" dirty="0" err="1">
+                <a:latin typeface="Segoe UI Light" panose="020B0502040204020203" pitchFamily="34" charset="0"/>
+                <a:cs typeface="Segoe UI Light" panose="020B0502040204020203" pitchFamily="34" charset="0"/>
+              </a:rPr>
+              <a:t>mn</a:t>
+            </a:r>
+            <a:r>
+              <a:rPr lang="en-US" altLang="zh-TW" sz="1500" dirty="0">
+                <a:latin typeface="Segoe UI Light" panose="020B0502040204020203" pitchFamily="34" charset="0"/>
+                <a:cs typeface="Segoe UI Light" panose="020B0502040204020203" pitchFamily="34" charset="0"/>
+              </a:rPr>
+              <a:t> = 1 / 8 * (1.2 * (slab * 2.4 + SDL) + 1.6 * LL) * band *</a:t>
+            </a:r>
+            <a:r>
+              <a:rPr lang="zh-TW" altLang="en-US" sz="1500" dirty="0">
+                <a:latin typeface="Segoe UI Light" panose="020B0502040204020203" pitchFamily="34" charset="0"/>
+                <a:cs typeface="Segoe UI Light" panose="020B0502040204020203" pitchFamily="34" charset="0"/>
+              </a:rPr>
+              <a:t> 梁長</a:t>
+            </a:r>
+            <a:r>
+              <a:rPr lang="en-US" altLang="zh-TW" sz="1500" dirty="0">
+                <a:latin typeface="Segoe UI Light" panose="020B0502040204020203" pitchFamily="34" charset="0"/>
+                <a:cs typeface="Segoe UI Light" panose="020B0502040204020203" pitchFamily="34" charset="0"/>
+              </a:rPr>
+              <a:t>^ 2</a:t>
+            </a:r>
+          </a:p>
+          <a:p>
+            <a:r>
+              <a:rPr lang="en-US" altLang="zh-TW" sz="1500" dirty="0">
+                <a:latin typeface="Segoe UI Light" panose="020B0502040204020203" pitchFamily="34" charset="0"/>
+                <a:cs typeface="Segoe UI Light" panose="020B0502040204020203" pitchFamily="34" charset="0"/>
+              </a:rPr>
+              <a:t>capacity = </a:t>
+            </a:r>
+            <a:r>
+              <a:rPr lang="en-US" altLang="zh-TW" sz="1500" dirty="0" err="1">
+                <a:latin typeface="Segoe UI Light" panose="020B0502040204020203" pitchFamily="34" charset="0"/>
+                <a:cs typeface="Segoe UI Light" panose="020B0502040204020203" pitchFamily="34" charset="0"/>
+              </a:rPr>
+              <a:t>maxRatio</a:t>
+            </a:r>
+            <a:r>
+              <a:rPr lang="en-US" altLang="zh-TW" sz="1500" dirty="0">
+                <a:latin typeface="Segoe UI Light" panose="020B0502040204020203" pitchFamily="34" charset="0"/>
+                <a:cs typeface="Segoe UI Light" panose="020B0502040204020203" pitchFamily="34" charset="0"/>
+              </a:rPr>
+              <a:t> * </a:t>
+            </a:r>
+            <a:r>
+              <a:rPr lang="en-US" altLang="zh-TW" sz="1500" dirty="0" err="1">
+                <a:latin typeface="Segoe UI Light" panose="020B0502040204020203" pitchFamily="34" charset="0"/>
+                <a:cs typeface="Segoe UI Light" panose="020B0502040204020203" pitchFamily="34" charset="0"/>
+              </a:rPr>
+              <a:t>fy</a:t>
+            </a:r>
+            <a:r>
+              <a:rPr lang="en-US" altLang="zh-TW" sz="1500" dirty="0">
+                <a:latin typeface="Segoe UI Light" panose="020B0502040204020203" pitchFamily="34" charset="0"/>
+                <a:cs typeface="Segoe UI Light" panose="020B0502040204020203" pitchFamily="34" charset="0"/>
+              </a:rPr>
+              <a:t> * d</a:t>
+            </a:r>
+          </a:p>
+          <a:p>
             <a:endParaRPr lang="en-US" altLang="zh-TW" sz="1500" dirty="0">
               <a:latin typeface="Segoe UI Light" panose="020B0502040204020203" pitchFamily="34" charset="0"/>
               <a:cs typeface="Segoe UI Light" panose="020B0502040204020203" pitchFamily="34" charset="0"/>
             </a:endParaRPr>
           </a:p>
           <a:p>
+            <a:r>
+              <a:rPr lang="zh-TW" altLang="en-US" sz="1500" dirty="0">
+                <a:latin typeface="Segoe UI Light" panose="020B0502040204020203" pitchFamily="34" charset="0"/>
+                <a:cs typeface="Segoe UI Light" panose="020B0502040204020203" pitchFamily="34" charset="0"/>
+              </a:rPr>
+              <a:t>判斷</a:t>
+            </a:r>
+            <a:r>
+              <a:rPr lang="en-US" altLang="zh-TW" sz="1500" dirty="0">
+                <a:latin typeface="Segoe UI Light" panose="020B0502040204020203" pitchFamily="34" charset="0"/>
+                <a:cs typeface="Segoe UI Light" panose="020B0502040204020203" pitchFamily="34" charset="0"/>
+              </a:rPr>
+              <a:t>:</a:t>
+            </a:r>
+            <a:r>
+              <a:rPr lang="zh-TW" altLang="en-US" sz="1500" dirty="0">
+                <a:latin typeface="Segoe UI Light" panose="020B0502040204020203" pitchFamily="34" charset="0"/>
+                <a:cs typeface="Segoe UI Light" panose="020B0502040204020203" pitchFamily="34" charset="0"/>
+              </a:rPr>
+              <a:t> </a:t>
+            </a:r>
+            <a:endParaRPr lang="en-US" altLang="zh-TW" sz="1500" dirty="0">
+              <a:latin typeface="Segoe UI Light" panose="020B0502040204020203" pitchFamily="34" charset="0"/>
+              <a:cs typeface="Segoe UI Light" panose="020B0502040204020203" pitchFamily="34" charset="0"/>
+            </a:endParaRPr>
+          </a:p>
+          <a:p>
             <a:pPr marL="285750" indent="-285750">
               <a:buFontTx/>
               <a:buChar char="-"/>
             </a:pPr>
             <a:r>
-              <a:rPr lang="zh-TW" altLang="en-US" sz="1500" dirty="0">
-                <a:latin typeface="Segoe UI Light" panose="020B0502040204020203" pitchFamily="34" charset="0"/>
-                <a:cs typeface="Segoe UI Light" panose="020B0502040204020203" pitchFamily="34" charset="0"/>
-              </a:rPr>
-              <a:t>主筋支數 </a:t>
-            </a:r>
-            <a:r>
-              <a:rPr lang="en-US" altLang="zh-TW" sz="1500" dirty="0">
-                <a:latin typeface="Segoe UI Light" panose="020B0502040204020203" pitchFamily="34" charset="0"/>
-                <a:cs typeface="Segoe UI Light" panose="020B0502040204020203" pitchFamily="34" charset="0"/>
-              </a:rPr>
-              <a:t>&gt;=</a:t>
-            </a:r>
-            <a:r>
-              <a:rPr lang="zh-TW" altLang="en-US" sz="1500" dirty="0">
-                <a:latin typeface="Segoe UI Light" panose="020B0502040204020203" pitchFamily="34" charset="0"/>
-                <a:cs typeface="Segoe UI Light" panose="020B0502040204020203" pitchFamily="34" charset="0"/>
-              </a:rPr>
-              <a:t> </a:t>
-            </a:r>
-            <a:r>
-              <a:rPr lang="en-US" altLang="zh-TW" sz="1500" dirty="0">
-                <a:latin typeface="Segoe UI Light" panose="020B0502040204020203" pitchFamily="34" charset="0"/>
-                <a:cs typeface="Segoe UI Light" panose="020B0502040204020203" pitchFamily="34" charset="0"/>
-              </a:rPr>
-              <a:t>2</a:t>
+              <a:rPr lang="en-US" altLang="zh-TW" sz="1500" dirty="0">
+                <a:latin typeface="Segoe UI Light" panose="020B0502040204020203" pitchFamily="34" charset="0"/>
+                <a:cs typeface="Segoe UI Light" panose="020B0502040204020203" pitchFamily="34" charset="0"/>
+              </a:rPr>
+              <a:t>0.6 * </a:t>
+            </a:r>
+            <a:r>
+              <a:rPr lang="en-US" altLang="zh-TW" sz="1500" dirty="0" err="1">
+                <a:latin typeface="Segoe UI Light" panose="020B0502040204020203" pitchFamily="34" charset="0"/>
+                <a:cs typeface="Segoe UI Light" panose="020B0502040204020203" pitchFamily="34" charset="0"/>
+              </a:rPr>
+              <a:t>mn</a:t>
+            </a:r>
+            <a:r>
+              <a:rPr lang="en-US" altLang="zh-TW" sz="1500" dirty="0">
+                <a:latin typeface="Segoe UI Light" panose="020B0502040204020203" pitchFamily="34" charset="0"/>
+                <a:cs typeface="Segoe UI Light" panose="020B0502040204020203" pitchFamily="34" charset="0"/>
+              </a:rPr>
+              <a:t> &lt;= capacity</a:t>
             </a:r>
             <a:endParaRPr lang="fr-FR" sz="1500" dirty="0">
               <a:latin typeface="Segoe UI Light" panose="020B0502040204020203" pitchFamily="34" charset="0"/>
@@ -32616,14 +33319,14 @@
                 <a:latin typeface="Segoe UI Light" panose="020B0502040204020203" pitchFamily="34" charset="0"/>
                 <a:cs typeface="Segoe UI Light" panose="020B0502040204020203" pitchFamily="34" charset="0"/>
               </a:rPr>
-              <a:t>【0309】</a:t>
-            </a:r>
-            <a:r>
-              <a:rPr lang="zh-TW" altLang="en-US" sz="1500" dirty="0">
-                <a:latin typeface="Segoe UI Light" panose="020B0502040204020203" pitchFamily="34" charset="0"/>
-                <a:cs typeface="Segoe UI Light" panose="020B0502040204020203" pitchFamily="34" charset="0"/>
-              </a:rPr>
-              <a:t>請確認是否符合 單排支數下限 規定</a:t>
+              <a:t>【0312】</a:t>
+            </a:r>
+            <a:r>
+              <a:rPr lang="zh-TW" altLang="en-US" sz="1500" dirty="0">
+                <a:latin typeface="Segoe UI Light" panose="020B0502040204020203" pitchFamily="34" charset="0"/>
+                <a:cs typeface="Segoe UI Light" panose="020B0502040204020203" pitchFamily="34" charset="0"/>
+              </a:rPr>
+              <a:t>垂直載重配筋可能不足</a:t>
             </a:r>
             <a:endParaRPr lang="en-US" altLang="zh-TW" sz="1500" dirty="0">
               <a:latin typeface="Segoe UI Light" panose="020B0502040204020203" pitchFamily="34" charset="0"/>
@@ -32751,346 +33454,6 @@
       </p:grpSpPr>
       <p:sp>
         <p:nvSpPr>
-          <p:cNvPr id="2" name="內容版面配置區 1">
-            <a:extLst>
-              <a:ext uri="{FF2B5EF4-FFF2-40B4-BE49-F238E27FC236}">
-                <a16:creationId xmlns:a16="http://schemas.microsoft.com/office/drawing/2014/main" id="{02501F50-22DA-4D63-B62F-ABE24C9A04A3}"/>
-              </a:ext>
-            </a:extLst>
-          </p:cNvPr>
-          <p:cNvSpPr>
-            <a:spLocks noGrp="1"/>
-          </p:cNvSpPr>
-          <p:nvPr>
-            <p:ph idx="1"/>
-          </p:nvPr>
-        </p:nvSpPr>
-        <p:spPr/>
-        <p:txBody>
-          <a:bodyPr/>
-          <a:lstStyle/>
-          <a:p>
-            <a:endParaRPr lang="zh-TW" altLang="en-US"/>
-          </a:p>
-        </p:txBody>
-      </p:sp>
-      <p:sp>
-        <p:nvSpPr>
-          <p:cNvPr id="3" name="投影片編號版面配置區 2">
-            <a:extLst>
-              <a:ext uri="{FF2B5EF4-FFF2-40B4-BE49-F238E27FC236}">
-                <a16:creationId xmlns:a16="http://schemas.microsoft.com/office/drawing/2014/main" id="{E1A7D28F-622A-4700-A19D-7E2808A3D001}"/>
-              </a:ext>
-            </a:extLst>
-          </p:cNvPr>
-          <p:cNvSpPr>
-            <a:spLocks noGrp="1"/>
-          </p:cNvSpPr>
-          <p:nvPr>
-            <p:ph type="sldNum" sz="quarter" idx="12"/>
-          </p:nvPr>
-        </p:nvSpPr>
-        <p:spPr/>
-        <p:txBody>
-          <a:bodyPr/>
-          <a:lstStyle/>
-          <a:p>
-            <a:fld id="{83F5B54E-D686-4015-93F2-94C458F353E2}" type="slidenum">
-              <a:rPr lang="zh-TW" altLang="en-US" smtClean="0"/>
-              <a:t>29</a:t>
-            </a:fld>
-            <a:endParaRPr lang="zh-TW" altLang="en-US"/>
-          </a:p>
-        </p:txBody>
-      </p:sp>
-      <p:sp>
-        <p:nvSpPr>
-          <p:cNvPr id="4" name="標題 3">
-            <a:extLst>
-              <a:ext uri="{FF2B5EF4-FFF2-40B4-BE49-F238E27FC236}">
-                <a16:creationId xmlns:a16="http://schemas.microsoft.com/office/drawing/2014/main" id="{065FC989-492F-4C1C-848A-AB539E0BE7F8}"/>
-              </a:ext>
-            </a:extLst>
-          </p:cNvPr>
-          <p:cNvSpPr>
-            <a:spLocks noGrp="1"/>
-          </p:cNvSpPr>
-          <p:nvPr>
-            <p:ph type="title"/>
-          </p:nvPr>
-        </p:nvSpPr>
-        <p:spPr/>
-        <p:txBody>
-          <a:bodyPr>
-            <a:normAutofit fontScale="90000"/>
-          </a:bodyPr>
-          <a:lstStyle/>
-          <a:p>
-            <a:endParaRPr lang="zh-TW" altLang="en-US"/>
-          </a:p>
-        </p:txBody>
-      </p:sp>
-    </p:spTree>
-    <p:extLst>
-      <p:ext uri="{BB962C8B-B14F-4D97-AF65-F5344CB8AC3E}">
-        <p14:creationId xmlns:p14="http://schemas.microsoft.com/office/powerpoint/2010/main" val="2132747922"/>
-      </p:ext>
-    </p:extLst>
-  </p:cSld>
-  <p:clrMapOvr>
-    <a:masterClrMapping/>
-  </p:clrMapOvr>
-</p:sld>
-</file>
-
-<file path=ppt/slides/slide3.xml><?xml version="1.0" encoding="utf-8"?>
-<p:sld xmlns:a="http://schemas.openxmlformats.org/drawingml/2006/main" xmlns:r="http://schemas.openxmlformats.org/officeDocument/2006/relationships" xmlns:p="http://schemas.openxmlformats.org/presentationml/2006/main">
-  <p:cSld>
-    <p:spTree>
-      <p:nvGrpSpPr>
-        <p:cNvPr id="1" name=""/>
-        <p:cNvGrpSpPr/>
-        <p:nvPr/>
-      </p:nvGrpSpPr>
-      <p:grpSpPr>
-        <a:xfrm>
-          <a:off x="0" y="0"/>
-          <a:ext cx="0" cy="0"/>
-          <a:chOff x="0" y="0"/>
-          <a:chExt cx="0" cy="0"/>
-        </a:xfrm>
-      </p:grpSpPr>
-      <p:sp>
-        <p:nvSpPr>
-          <p:cNvPr id="37" name="TextBox 98"/>
-          <p:cNvSpPr txBox="1"/>
-          <p:nvPr/>
-        </p:nvSpPr>
-        <p:spPr>
-          <a:xfrm>
-            <a:off x="5953180" y="1380769"/>
-            <a:ext cx="2083050" cy="1015663"/>
-          </a:xfrm>
-          <a:prstGeom prst="rect">
-            <a:avLst/>
-          </a:prstGeom>
-          <a:noFill/>
-        </p:spPr>
-        <p:txBody>
-          <a:bodyPr wrap="square" lIns="0" rtlCol="0" anchor="t">
-            <a:spAutoFit/>
-          </a:bodyPr>
-          <a:lstStyle/>
-          <a:p>
-            <a:r>
-              <a:rPr lang="zh-TW" altLang="en-US" sz="1500" dirty="0">
-                <a:latin typeface="Segoe UI Light" panose="020B0502040204020203" pitchFamily="34" charset="0"/>
-                <a:cs typeface="Segoe UI Light" panose="020B0502040204020203" pitchFamily="34" charset="0"/>
-              </a:rPr>
-              <a:t>假設</a:t>
-            </a:r>
-            <a:r>
-              <a:rPr lang="en-US" altLang="zh-TW" sz="1500" dirty="0">
-                <a:latin typeface="Segoe UI Light" panose="020B0502040204020203" pitchFamily="34" charset="0"/>
-                <a:cs typeface="Segoe UI Light" panose="020B0502040204020203" pitchFamily="34" charset="0"/>
-              </a:rPr>
-              <a:t>:</a:t>
-            </a:r>
-            <a:r>
-              <a:rPr lang="zh-TW" altLang="en-US" sz="1500" dirty="0">
-                <a:latin typeface="Segoe UI Light" panose="020B0502040204020203" pitchFamily="34" charset="0"/>
-                <a:cs typeface="Segoe UI Light" panose="020B0502040204020203" pitchFamily="34" charset="0"/>
-              </a:rPr>
-              <a:t> </a:t>
-            </a:r>
-            <a:endParaRPr lang="en-US" altLang="zh-TW" sz="1500" dirty="0">
-              <a:latin typeface="Segoe UI Light" panose="020B0502040204020203" pitchFamily="34" charset="0"/>
-              <a:cs typeface="Segoe UI Light" panose="020B0502040204020203" pitchFamily="34" charset="0"/>
-            </a:endParaRPr>
-          </a:p>
-          <a:p>
-            <a:pPr marL="285750" indent="-285750">
-              <a:buFontTx/>
-              <a:buChar char="-"/>
-            </a:pPr>
-            <a:r>
-              <a:rPr lang="zh-TW" altLang="en-US" sz="1500" dirty="0">
-                <a:latin typeface="Segoe UI Light" panose="020B0502040204020203" pitchFamily="34" charset="0"/>
-                <a:cs typeface="Segoe UI Light" panose="020B0502040204020203" pitchFamily="34" charset="0"/>
-              </a:rPr>
-              <a:t>一般版厚</a:t>
-            </a:r>
-            <a:r>
-              <a:rPr lang="en-US" altLang="zh-TW" sz="1500" dirty="0">
-                <a:latin typeface="Segoe UI Light" panose="020B0502040204020203" pitchFamily="34" charset="0"/>
-                <a:cs typeface="Segoe UI Light" panose="020B0502040204020203" pitchFamily="34" charset="0"/>
-              </a:rPr>
-              <a:t>:</a:t>
-            </a:r>
-            <a:r>
-              <a:rPr lang="zh-TW" altLang="en-US" sz="1500" dirty="0">
-                <a:latin typeface="Segoe UI Light" panose="020B0502040204020203" pitchFamily="34" charset="0"/>
-                <a:cs typeface="Segoe UI Light" panose="020B0502040204020203" pitchFamily="34" charset="0"/>
-              </a:rPr>
-              <a:t> </a:t>
-            </a:r>
-            <a:r>
-              <a:rPr lang="en-US" altLang="zh-TW" sz="1500" dirty="0">
-                <a:latin typeface="Segoe UI Light" panose="020B0502040204020203" pitchFamily="34" charset="0"/>
-                <a:cs typeface="Segoe UI Light" panose="020B0502040204020203" pitchFamily="34" charset="0"/>
-              </a:rPr>
-              <a:t>20cm</a:t>
-            </a:r>
-          </a:p>
-          <a:p>
-            <a:pPr marL="285750" indent="-285750">
-              <a:buFontTx/>
-              <a:buChar char="-"/>
-            </a:pPr>
-            <a:r>
-              <a:rPr lang="zh-TW" altLang="en-US" sz="1500" dirty="0">
-                <a:latin typeface="Segoe UI Light" panose="020B0502040204020203" pitchFamily="34" charset="0"/>
-                <a:cs typeface="Segoe UI Light" panose="020B0502040204020203" pitchFamily="34" charset="0"/>
-              </a:rPr>
-              <a:t>筏基版厚</a:t>
-            </a:r>
-            <a:r>
-              <a:rPr lang="en-US" altLang="zh-TW" sz="1500" dirty="0">
-                <a:latin typeface="Segoe UI Light" panose="020B0502040204020203" pitchFamily="34" charset="0"/>
-                <a:cs typeface="Segoe UI Light" panose="020B0502040204020203" pitchFamily="34" charset="0"/>
-              </a:rPr>
-              <a:t>:</a:t>
-            </a:r>
-            <a:r>
-              <a:rPr lang="zh-TW" altLang="en-US" sz="1500" dirty="0">
-                <a:latin typeface="Segoe UI Light" panose="020B0502040204020203" pitchFamily="34" charset="0"/>
-                <a:cs typeface="Segoe UI Light" panose="020B0502040204020203" pitchFamily="34" charset="0"/>
-              </a:rPr>
-              <a:t> </a:t>
-            </a:r>
-            <a:r>
-              <a:rPr lang="en-US" altLang="zh-TW" sz="1500" dirty="0">
-                <a:latin typeface="Segoe UI Light" panose="020B0502040204020203" pitchFamily="34" charset="0"/>
-                <a:cs typeface="Segoe UI Light" panose="020B0502040204020203" pitchFamily="34" charset="0"/>
-              </a:rPr>
-              <a:t>60cm</a:t>
-            </a:r>
-          </a:p>
-          <a:p>
-            <a:pPr marL="285750" indent="-285750">
-              <a:buFontTx/>
-              <a:buChar char="-"/>
-            </a:pPr>
-            <a:r>
-              <a:rPr lang="fr-FR" sz="1500" dirty="0">
-                <a:latin typeface="Segoe UI Light" panose="020B0502040204020203" pitchFamily="34" charset="0"/>
-                <a:cs typeface="Segoe UI Light" panose="020B0502040204020203" pitchFamily="34" charset="0"/>
-              </a:rPr>
-              <a:t>Factor = 1.5</a:t>
-            </a:r>
-          </a:p>
-        </p:txBody>
-      </p:sp>
-      <p:pic>
-        <p:nvPicPr>
-          <p:cNvPr id="34" name="圖片 33"/>
-          <p:cNvPicPr>
-            <a:picLocks noChangeAspect="1"/>
-          </p:cNvPicPr>
-          <p:nvPr/>
-        </p:nvPicPr>
-        <p:blipFill>
-          <a:blip r:embed="rId2"/>
-          <a:stretch>
-            <a:fillRect/>
-          </a:stretch>
-        </p:blipFill>
-        <p:spPr>
-          <a:xfrm>
-            <a:off x="2525825" y="1705539"/>
-            <a:ext cx="706238" cy="619667"/>
-          </a:xfrm>
-          <a:prstGeom prst="rect">
-            <a:avLst/>
-          </a:prstGeom>
-        </p:spPr>
-      </p:pic>
-      <p:sp>
-        <p:nvSpPr>
-          <p:cNvPr id="35" name="TextBox 98"/>
-          <p:cNvSpPr txBox="1"/>
-          <p:nvPr/>
-        </p:nvSpPr>
-        <p:spPr>
-          <a:xfrm>
-            <a:off x="2525825" y="1382374"/>
-            <a:ext cx="2745710" cy="323165"/>
-          </a:xfrm>
-          <a:prstGeom prst="rect">
-            <a:avLst/>
-          </a:prstGeom>
-          <a:noFill/>
-        </p:spPr>
-        <p:txBody>
-          <a:bodyPr wrap="square" lIns="0" rtlCol="0" anchor="t">
-            <a:spAutoFit/>
-          </a:bodyPr>
-          <a:lstStyle/>
-          <a:p>
-            <a:r>
-              <a:rPr lang="zh-TW" altLang="en-US" sz="1500" dirty="0">
-                <a:latin typeface="Segoe UI Light" panose="020B0502040204020203" pitchFamily="34" charset="0"/>
-                <a:cs typeface="Segoe UI Light" panose="020B0502040204020203" pitchFamily="34" charset="0"/>
-              </a:rPr>
-              <a:t>取出</a:t>
-            </a:r>
-            <a:r>
-              <a:rPr lang="en-US" altLang="zh-TW" sz="1500" dirty="0">
-                <a:latin typeface="Segoe UI Light" panose="020B0502040204020203" pitchFamily="34" charset="0"/>
-                <a:cs typeface="Segoe UI Light" panose="020B0502040204020203" pitchFamily="34" charset="0"/>
-              </a:rPr>
-              <a:t>:</a:t>
-            </a:r>
-            <a:r>
-              <a:rPr lang="zh-TW" altLang="en-US" sz="1500" dirty="0">
-                <a:latin typeface="Segoe UI Light" panose="020B0502040204020203" pitchFamily="34" charset="0"/>
-                <a:cs typeface="Segoe UI Light" panose="020B0502040204020203" pitchFamily="34" charset="0"/>
-              </a:rPr>
-              <a:t> 腰筋面積、梁寬、梁深</a:t>
-            </a:r>
-            <a:endParaRPr lang="fr-FR" sz="1500" dirty="0">
-              <a:latin typeface="Segoe UI Light" panose="020B0502040204020203" pitchFamily="34" charset="0"/>
-              <a:cs typeface="Segoe UI Light" panose="020B0502040204020203" pitchFamily="34" charset="0"/>
-            </a:endParaRPr>
-          </a:p>
-        </p:txBody>
-      </p:sp>
-      <p:pic>
-        <p:nvPicPr>
-          <p:cNvPr id="36" name="圖片 35"/>
-          <p:cNvPicPr>
-            <a:picLocks noChangeAspect="1"/>
-          </p:cNvPicPr>
-          <p:nvPr/>
-        </p:nvPicPr>
-        <p:blipFill>
-          <a:blip r:embed="rId3"/>
-          <a:stretch>
-            <a:fillRect/>
-          </a:stretch>
-        </p:blipFill>
-        <p:spPr>
-          <a:xfrm>
-            <a:off x="3214231" y="1703856"/>
-            <a:ext cx="706238" cy="619667"/>
-          </a:xfrm>
-          <a:prstGeom prst="rect">
-            <a:avLst/>
-          </a:prstGeom>
-        </p:spPr>
-      </p:pic>
-      <p:sp>
-        <p:nvSpPr>
           <p:cNvPr id="3" name="投影片編號版面配置區 2"/>
           <p:cNvSpPr>
             <a:spLocks noGrp="1"/>
@@ -33106,7 +33469,7 @@
           <a:p>
             <a:fld id="{83F5B54E-D686-4015-93F2-94C458F353E2}" type="slidenum">
               <a:rPr lang="zh-TW" altLang="en-US" smtClean="0"/>
-              <a:t>3</a:t>
+              <a:t>29</a:t>
             </a:fld>
             <a:endParaRPr lang="zh-TW" altLang="en-US"/>
           </a:p>
@@ -33120,8 +33483,8 @@
         </p:nvSpPr>
         <p:spPr>
           <a:xfrm>
-            <a:off x="465514" y="698267"/>
-            <a:ext cx="5972725" cy="369332"/>
+            <a:off x="922714" y="698267"/>
+            <a:ext cx="2390398" cy="369332"/>
           </a:xfrm>
           <a:prstGeom prst="rect">
             <a:avLst/>
@@ -33136,36 +33499,13 @@
           <a:p>
             <a:r>
               <a:rPr lang="zh-TW" altLang="en-US" dirty="0"/>
-              <a:t>水平剪力鋼筋面積 </a:t>
-            </a:r>
-            <a:r>
-              <a:rPr lang="en-US" altLang="zh-TW" dirty="0" err="1"/>
-              <a:t>Avh</a:t>
+              <a:t>往上漸縮  不低於</a:t>
             </a:r>
             <a:r>
               <a:rPr lang="en-US" altLang="zh-TW" dirty="0"/>
-              <a:t> </a:t>
-            </a:r>
-            <a:r>
-              <a:rPr lang="zh-TW" altLang="en-US" dirty="0"/>
-              <a:t>不得大於 </a:t>
-            </a:r>
-            <a:r>
-              <a:rPr lang="en-US" altLang="zh-TW" dirty="0"/>
-              <a:t>0.0015 * </a:t>
-            </a:r>
-            <a:r>
-              <a:rPr lang="en-US" altLang="zh-TW" dirty="0" err="1"/>
-              <a:t>bw</a:t>
-            </a:r>
-            <a:r>
-              <a:rPr lang="en-US" altLang="zh-TW" dirty="0"/>
-              <a:t> * s2 * 1.5</a:t>
-            </a:r>
-            <a:r>
-              <a:rPr lang="zh-TW" altLang="en-US" dirty="0"/>
-              <a:t>。</a:t>
-            </a:r>
+              <a:t>60%</a:t>
+            </a:r>
+            <a:endParaRPr lang="zh-TW" altLang="en-US" dirty="0"/>
           </a:p>
         </p:txBody>
       </p:sp>
@@ -33604,6 +33944,1087 @@
       </p:cxnSp>
       <p:sp>
         <p:nvSpPr>
+          <p:cNvPr id="27" name="TextBox 98"/>
+          <p:cNvSpPr txBox="1"/>
+          <p:nvPr/>
+        </p:nvSpPr>
+        <p:spPr>
+          <a:xfrm>
+            <a:off x="2525567" y="1383110"/>
+            <a:ext cx="2407712" cy="323165"/>
+          </a:xfrm>
+          <a:prstGeom prst="rect">
+            <a:avLst/>
+          </a:prstGeom>
+          <a:noFill/>
+        </p:spPr>
+        <p:txBody>
+          <a:bodyPr wrap="square" lIns="0" rtlCol="0" anchor="t">
+            <a:spAutoFit/>
+          </a:bodyPr>
+          <a:lstStyle/>
+          <a:p>
+            <a:r>
+              <a:rPr lang="zh-TW" altLang="en-US" sz="1500" dirty="0">
+                <a:latin typeface="Segoe UI Light" panose="020B0502040204020203" pitchFamily="34" charset="0"/>
+                <a:cs typeface="Segoe UI Light" panose="020B0502040204020203" pitchFamily="34" charset="0"/>
+              </a:rPr>
+              <a:t>取出</a:t>
+            </a:r>
+            <a:r>
+              <a:rPr lang="en-US" altLang="zh-TW" sz="1500" dirty="0">
+                <a:latin typeface="Segoe UI Light" panose="020B0502040204020203" pitchFamily="34" charset="0"/>
+                <a:cs typeface="Segoe UI Light" panose="020B0502040204020203" pitchFamily="34" charset="0"/>
+              </a:rPr>
+              <a:t>:</a:t>
+            </a:r>
+            <a:r>
+              <a:rPr lang="zh-TW" altLang="en-US" sz="1500" dirty="0">
+                <a:latin typeface="Segoe UI Light" panose="020B0502040204020203" pitchFamily="34" charset="0"/>
+                <a:cs typeface="Segoe UI Light" panose="020B0502040204020203" pitchFamily="34" charset="0"/>
+              </a:rPr>
+              <a:t> 上下層柱主筋量</a:t>
+            </a:r>
+            <a:endParaRPr lang="fr-FR" sz="1500" dirty="0">
+              <a:latin typeface="Segoe UI Light" panose="020B0502040204020203" pitchFamily="34" charset="0"/>
+              <a:cs typeface="Segoe UI Light" panose="020B0502040204020203" pitchFamily="34" charset="0"/>
+            </a:endParaRPr>
+          </a:p>
+        </p:txBody>
+      </p:sp>
+      <p:sp>
+        <p:nvSpPr>
+          <p:cNvPr id="31" name="TextBox 98"/>
+          <p:cNvSpPr txBox="1"/>
+          <p:nvPr/>
+        </p:nvSpPr>
+        <p:spPr>
+          <a:xfrm>
+            <a:off x="2525567" y="3440098"/>
+            <a:ext cx="4116302" cy="323165"/>
+          </a:xfrm>
+          <a:prstGeom prst="rect">
+            <a:avLst/>
+          </a:prstGeom>
+          <a:noFill/>
+        </p:spPr>
+        <p:txBody>
+          <a:bodyPr wrap="square" lIns="0" rtlCol="0" anchor="t">
+            <a:spAutoFit/>
+          </a:bodyPr>
+          <a:lstStyle/>
+          <a:p>
+            <a:r>
+              <a:rPr lang="zh-TW" altLang="en-US" sz="1500" dirty="0">
+                <a:latin typeface="Segoe UI Light" panose="020B0502040204020203" pitchFamily="34" charset="0"/>
+                <a:cs typeface="Segoe UI Light" panose="020B0502040204020203" pitchFamily="34" charset="0"/>
+              </a:rPr>
+              <a:t>判斷</a:t>
+            </a:r>
+            <a:r>
+              <a:rPr lang="en-US" altLang="zh-TW" sz="1500" dirty="0">
+                <a:latin typeface="Segoe UI Light" panose="020B0502040204020203" pitchFamily="34" charset="0"/>
+                <a:cs typeface="Segoe UI Light" panose="020B0502040204020203" pitchFamily="34" charset="0"/>
+              </a:rPr>
+              <a:t>:</a:t>
+            </a:r>
+            <a:r>
+              <a:rPr lang="zh-TW" altLang="en-US" sz="1500" dirty="0">
+                <a:latin typeface="Segoe UI Light" panose="020B0502040204020203" pitchFamily="34" charset="0"/>
+                <a:cs typeface="Segoe UI Light" panose="020B0502040204020203" pitchFamily="34" charset="0"/>
+              </a:rPr>
+              <a:t> 上層柱主筋量 </a:t>
+            </a:r>
+            <a:r>
+              <a:rPr lang="en-US" altLang="zh-TW" sz="1500" dirty="0">
+                <a:latin typeface="Segoe UI Light" panose="020B0502040204020203" pitchFamily="34" charset="0"/>
+                <a:cs typeface="Segoe UI Light" panose="020B0502040204020203" pitchFamily="34" charset="0"/>
+              </a:rPr>
+              <a:t>&gt;</a:t>
+            </a:r>
+            <a:r>
+              <a:rPr lang="zh-TW" altLang="en-US" sz="1500" dirty="0">
+                <a:latin typeface="Segoe UI Light" panose="020B0502040204020203" pitchFamily="34" charset="0"/>
+                <a:cs typeface="Segoe UI Light" panose="020B0502040204020203" pitchFamily="34" charset="0"/>
+              </a:rPr>
+              <a:t> 下層柱主筋量 * </a:t>
+            </a:r>
+            <a:r>
+              <a:rPr lang="en-US" altLang="zh-TW" sz="1500" dirty="0">
+                <a:latin typeface="Segoe UI Light" panose="020B0502040204020203" pitchFamily="34" charset="0"/>
+                <a:cs typeface="Segoe UI Light" panose="020B0502040204020203" pitchFamily="34" charset="0"/>
+              </a:rPr>
+              <a:t>0.6</a:t>
+            </a:r>
+            <a:r>
+              <a:rPr lang="zh-TW" altLang="en-US" sz="1500" dirty="0">
+                <a:latin typeface="Segoe UI Light" panose="020B0502040204020203" pitchFamily="34" charset="0"/>
+                <a:cs typeface="Segoe UI Light" panose="020B0502040204020203" pitchFamily="34" charset="0"/>
+              </a:rPr>
+              <a:t> </a:t>
+            </a:r>
+            <a:endParaRPr lang="fr-FR" sz="1500" dirty="0">
+              <a:latin typeface="Segoe UI Light" panose="020B0502040204020203" pitchFamily="34" charset="0"/>
+              <a:cs typeface="Segoe UI Light" panose="020B0502040204020203" pitchFamily="34" charset="0"/>
+            </a:endParaRPr>
+          </a:p>
+        </p:txBody>
+      </p:sp>
+      <p:sp>
+        <p:nvSpPr>
+          <p:cNvPr id="32" name="TextBox 98"/>
+          <p:cNvSpPr txBox="1"/>
+          <p:nvPr/>
+        </p:nvSpPr>
+        <p:spPr>
+          <a:xfrm>
+            <a:off x="2525566" y="4929497"/>
+            <a:ext cx="4829019" cy="553998"/>
+          </a:xfrm>
+          <a:prstGeom prst="rect">
+            <a:avLst/>
+          </a:prstGeom>
+          <a:noFill/>
+        </p:spPr>
+        <p:txBody>
+          <a:bodyPr wrap="square" lIns="0" rtlCol="0" anchor="t">
+            <a:spAutoFit/>
+          </a:bodyPr>
+          <a:lstStyle/>
+          <a:p>
+            <a:r>
+              <a:rPr lang="zh-TW" altLang="en-US" sz="1500" dirty="0">
+                <a:latin typeface="Segoe UI Light" panose="020B0502040204020203" pitchFamily="34" charset="0"/>
+                <a:cs typeface="Segoe UI Light" panose="020B0502040204020203" pitchFamily="34" charset="0"/>
+              </a:rPr>
+              <a:t>是</a:t>
+            </a:r>
+            <a:r>
+              <a:rPr lang="en-US" altLang="zh-TW" sz="1500" dirty="0">
+                <a:latin typeface="Segoe UI Light" panose="020B0502040204020203" pitchFamily="34" charset="0"/>
+                <a:cs typeface="Segoe UI Light" panose="020B0502040204020203" pitchFamily="34" charset="0"/>
+              </a:rPr>
+              <a:t>:</a:t>
+            </a:r>
+            <a:r>
+              <a:rPr lang="zh-TW" altLang="en-US" sz="1500" dirty="0">
+                <a:latin typeface="Segoe UI Light" panose="020B0502040204020203" pitchFamily="34" charset="0"/>
+                <a:cs typeface="Segoe UI Light" panose="020B0502040204020203" pitchFamily="34" charset="0"/>
+              </a:rPr>
+              <a:t> </a:t>
+            </a:r>
+            <a:r>
+              <a:rPr lang="en-US" altLang="zh-TW" sz="1500" dirty="0">
+                <a:latin typeface="Segoe UI Light" panose="020B0502040204020203" pitchFamily="34" charset="0"/>
+                <a:cs typeface="Segoe UI Light" panose="020B0502040204020203" pitchFamily="34" charset="0"/>
+              </a:rPr>
+              <a:t>OK</a:t>
+            </a:r>
+          </a:p>
+          <a:p>
+            <a:r>
+              <a:rPr lang="zh-TW" altLang="en-US" sz="1500" dirty="0">
+                <a:latin typeface="Segoe UI Light" panose="020B0502040204020203" pitchFamily="34" charset="0"/>
+                <a:cs typeface="Segoe UI Light" panose="020B0502040204020203" pitchFamily="34" charset="0"/>
+              </a:rPr>
+              <a:t>否</a:t>
+            </a:r>
+            <a:r>
+              <a:rPr lang="en-US" altLang="zh-TW" sz="1500" dirty="0">
+                <a:latin typeface="Segoe UI Light" panose="020B0502040204020203" pitchFamily="34" charset="0"/>
+                <a:cs typeface="Segoe UI Light" panose="020B0502040204020203" pitchFamily="34" charset="0"/>
+              </a:rPr>
+              <a:t>:</a:t>
+            </a:r>
+            <a:r>
+              <a:rPr lang="zh-TW" altLang="en-US" sz="1500" dirty="0">
+                <a:latin typeface="Segoe UI Light" panose="020B0502040204020203" pitchFamily="34" charset="0"/>
+                <a:cs typeface="Segoe UI Light" panose="020B0502040204020203" pitchFamily="34" charset="0"/>
+              </a:rPr>
+              <a:t> </a:t>
+            </a:r>
+            <a:r>
+              <a:rPr lang="en-US" altLang="zh-TW" sz="1500" dirty="0">
+                <a:latin typeface="Segoe UI Light" panose="020B0502040204020203" pitchFamily="34" charset="0"/>
+                <a:cs typeface="Segoe UI Light" panose="020B0502040204020203" pitchFamily="34" charset="0"/>
+              </a:rPr>
+              <a:t>【0401】</a:t>
+            </a:r>
+            <a:r>
+              <a:rPr lang="zh-TW" altLang="en-US" sz="1500" dirty="0">
+                <a:latin typeface="Segoe UI Light" panose="020B0502040204020203" pitchFamily="34" charset="0"/>
+                <a:cs typeface="Segoe UI Light" panose="020B0502040204020203" pitchFamily="34" charset="0"/>
+              </a:rPr>
+              <a:t>請確認上層柱主筋量，漸縮是否過大</a:t>
+            </a:r>
+            <a:endParaRPr lang="fr-FR" sz="1500" dirty="0">
+              <a:latin typeface="Segoe UI Light" panose="020B0502040204020203" pitchFamily="34" charset="0"/>
+              <a:cs typeface="Segoe UI Light" panose="020B0502040204020203" pitchFamily="34" charset="0"/>
+            </a:endParaRPr>
+          </a:p>
+        </p:txBody>
+      </p:sp>
+      <p:sp>
+        <p:nvSpPr>
+          <p:cNvPr id="2" name="文字方塊 1">
+            <a:extLst>
+              <a:ext uri="{FF2B5EF4-FFF2-40B4-BE49-F238E27FC236}">
+                <a16:creationId xmlns:a16="http://schemas.microsoft.com/office/drawing/2014/main" id="{3FB28016-F626-48AF-97D3-7238D4526DD9}"/>
+              </a:ext>
+            </a:extLst>
+          </p:cNvPr>
+          <p:cNvSpPr txBox="1"/>
+          <p:nvPr/>
+        </p:nvSpPr>
+        <p:spPr>
+          <a:xfrm>
+            <a:off x="0" y="0"/>
+            <a:ext cx="822661" cy="461665"/>
+          </a:xfrm>
+          <a:prstGeom prst="rect">
+            <a:avLst/>
+          </a:prstGeom>
+          <a:solidFill>
+            <a:schemeClr val="accent2"/>
+          </a:solidFill>
+        </p:spPr>
+        <p:txBody>
+          <a:bodyPr wrap="none" rtlCol="0">
+            <a:spAutoFit/>
+          </a:bodyPr>
+          <a:lstStyle/>
+          <a:p>
+            <a:r>
+              <a:rPr lang="en-US" altLang="zh-TW" sz="2400" dirty="0">
+                <a:solidFill>
+                  <a:schemeClr val="bg1"/>
+                </a:solidFill>
+              </a:rPr>
+              <a:t>0401</a:t>
+            </a:r>
+            <a:endParaRPr lang="zh-TW" altLang="en-US" sz="2400" dirty="0">
+              <a:solidFill>
+                <a:schemeClr val="bg1"/>
+              </a:solidFill>
+            </a:endParaRPr>
+          </a:p>
+        </p:txBody>
+      </p:sp>
+      <p:sp>
+        <p:nvSpPr>
+          <p:cNvPr id="26" name="文字方塊 25">
+            <a:extLst>
+              <a:ext uri="{FF2B5EF4-FFF2-40B4-BE49-F238E27FC236}">
+                <a16:creationId xmlns:a16="http://schemas.microsoft.com/office/drawing/2014/main" id="{C7FDD815-789D-4B42-AF9B-8F0CE4494D12}"/>
+              </a:ext>
+            </a:extLst>
+          </p:cNvPr>
+          <p:cNvSpPr txBox="1"/>
+          <p:nvPr/>
+        </p:nvSpPr>
+        <p:spPr>
+          <a:xfrm>
+            <a:off x="822661" y="0"/>
+            <a:ext cx="800219" cy="461665"/>
+          </a:xfrm>
+          <a:prstGeom prst="rect">
+            <a:avLst/>
+          </a:prstGeom>
+          <a:solidFill>
+            <a:schemeClr val="accent3"/>
+          </a:solidFill>
+        </p:spPr>
+        <p:txBody>
+          <a:bodyPr wrap="none" rtlCol="0">
+            <a:spAutoFit/>
+          </a:bodyPr>
+          <a:lstStyle/>
+          <a:p>
+            <a:r>
+              <a:rPr lang="zh-TW" altLang="en-US" sz="2400" dirty="0">
+                <a:solidFill>
+                  <a:schemeClr val="bg1"/>
+                </a:solidFill>
+              </a:rPr>
+              <a:t>主筋</a:t>
+            </a:r>
+          </a:p>
+        </p:txBody>
+      </p:sp>
+    </p:spTree>
+    <p:extLst>
+      <p:ext uri="{BB962C8B-B14F-4D97-AF65-F5344CB8AC3E}">
+        <p14:creationId xmlns:p14="http://schemas.microsoft.com/office/powerpoint/2010/main" val="3203705774"/>
+      </p:ext>
+    </p:extLst>
+  </p:cSld>
+  <p:clrMapOvr>
+    <a:masterClrMapping/>
+  </p:clrMapOvr>
+</p:sld>
+</file>
+
+<file path=ppt/slides/slide3.xml><?xml version="1.0" encoding="utf-8"?>
+<p:sld xmlns:a="http://schemas.openxmlformats.org/drawingml/2006/main" xmlns:r="http://schemas.openxmlformats.org/officeDocument/2006/relationships" xmlns:p="http://schemas.openxmlformats.org/presentationml/2006/main">
+  <p:cSld>
+    <p:spTree>
+      <p:nvGrpSpPr>
+        <p:cNvPr id="1" name=""/>
+        <p:cNvGrpSpPr/>
+        <p:nvPr/>
+      </p:nvGrpSpPr>
+      <p:grpSpPr>
+        <a:xfrm>
+          <a:off x="0" y="0"/>
+          <a:ext cx="0" cy="0"/>
+          <a:chOff x="0" y="0"/>
+          <a:chExt cx="0" cy="0"/>
+        </a:xfrm>
+      </p:grpSpPr>
+      <p:sp>
+        <p:nvSpPr>
+          <p:cNvPr id="37" name="TextBox 98"/>
+          <p:cNvSpPr txBox="1"/>
+          <p:nvPr/>
+        </p:nvSpPr>
+        <p:spPr>
+          <a:xfrm>
+            <a:off x="5953180" y="1380769"/>
+            <a:ext cx="2083050" cy="1015663"/>
+          </a:xfrm>
+          <a:prstGeom prst="rect">
+            <a:avLst/>
+          </a:prstGeom>
+          <a:noFill/>
+        </p:spPr>
+        <p:txBody>
+          <a:bodyPr wrap="square" lIns="0" rtlCol="0" anchor="t">
+            <a:spAutoFit/>
+          </a:bodyPr>
+          <a:lstStyle/>
+          <a:p>
+            <a:r>
+              <a:rPr lang="zh-TW" altLang="en-US" sz="1500" dirty="0">
+                <a:latin typeface="Segoe UI Light" panose="020B0502040204020203" pitchFamily="34" charset="0"/>
+                <a:cs typeface="Segoe UI Light" panose="020B0502040204020203" pitchFamily="34" charset="0"/>
+              </a:rPr>
+              <a:t>假設</a:t>
+            </a:r>
+            <a:r>
+              <a:rPr lang="en-US" altLang="zh-TW" sz="1500" dirty="0">
+                <a:latin typeface="Segoe UI Light" panose="020B0502040204020203" pitchFamily="34" charset="0"/>
+                <a:cs typeface="Segoe UI Light" panose="020B0502040204020203" pitchFamily="34" charset="0"/>
+              </a:rPr>
+              <a:t>:</a:t>
+            </a:r>
+            <a:r>
+              <a:rPr lang="zh-TW" altLang="en-US" sz="1500" dirty="0">
+                <a:latin typeface="Segoe UI Light" panose="020B0502040204020203" pitchFamily="34" charset="0"/>
+                <a:cs typeface="Segoe UI Light" panose="020B0502040204020203" pitchFamily="34" charset="0"/>
+              </a:rPr>
+              <a:t> </a:t>
+            </a:r>
+            <a:endParaRPr lang="en-US" altLang="zh-TW" sz="1500" dirty="0">
+              <a:latin typeface="Segoe UI Light" panose="020B0502040204020203" pitchFamily="34" charset="0"/>
+              <a:cs typeface="Segoe UI Light" panose="020B0502040204020203" pitchFamily="34" charset="0"/>
+            </a:endParaRPr>
+          </a:p>
+          <a:p>
+            <a:pPr marL="285750" indent="-285750">
+              <a:buFontTx/>
+              <a:buChar char="-"/>
+            </a:pPr>
+            <a:r>
+              <a:rPr lang="zh-TW" altLang="en-US" sz="1500" dirty="0">
+                <a:latin typeface="Segoe UI Light" panose="020B0502040204020203" pitchFamily="34" charset="0"/>
+                <a:cs typeface="Segoe UI Light" panose="020B0502040204020203" pitchFamily="34" charset="0"/>
+              </a:rPr>
+              <a:t>一般版厚</a:t>
+            </a:r>
+            <a:r>
+              <a:rPr lang="en-US" altLang="zh-TW" sz="1500" dirty="0">
+                <a:latin typeface="Segoe UI Light" panose="020B0502040204020203" pitchFamily="34" charset="0"/>
+                <a:cs typeface="Segoe UI Light" panose="020B0502040204020203" pitchFamily="34" charset="0"/>
+              </a:rPr>
+              <a:t>:</a:t>
+            </a:r>
+            <a:r>
+              <a:rPr lang="zh-TW" altLang="en-US" sz="1500" dirty="0">
+                <a:latin typeface="Segoe UI Light" panose="020B0502040204020203" pitchFamily="34" charset="0"/>
+                <a:cs typeface="Segoe UI Light" panose="020B0502040204020203" pitchFamily="34" charset="0"/>
+              </a:rPr>
+              <a:t> </a:t>
+            </a:r>
+            <a:r>
+              <a:rPr lang="en-US" altLang="zh-TW" sz="1500" dirty="0">
+                <a:latin typeface="Segoe UI Light" panose="020B0502040204020203" pitchFamily="34" charset="0"/>
+                <a:cs typeface="Segoe UI Light" panose="020B0502040204020203" pitchFamily="34" charset="0"/>
+              </a:rPr>
+              <a:t>20cm</a:t>
+            </a:r>
+          </a:p>
+          <a:p>
+            <a:pPr marL="285750" indent="-285750">
+              <a:buFontTx/>
+              <a:buChar char="-"/>
+            </a:pPr>
+            <a:r>
+              <a:rPr lang="zh-TW" altLang="en-US" sz="1500" dirty="0">
+                <a:latin typeface="Segoe UI Light" panose="020B0502040204020203" pitchFamily="34" charset="0"/>
+                <a:cs typeface="Segoe UI Light" panose="020B0502040204020203" pitchFamily="34" charset="0"/>
+              </a:rPr>
+              <a:t>筏基版厚</a:t>
+            </a:r>
+            <a:r>
+              <a:rPr lang="en-US" altLang="zh-TW" sz="1500" dirty="0">
+                <a:latin typeface="Segoe UI Light" panose="020B0502040204020203" pitchFamily="34" charset="0"/>
+                <a:cs typeface="Segoe UI Light" panose="020B0502040204020203" pitchFamily="34" charset="0"/>
+              </a:rPr>
+              <a:t>:</a:t>
+            </a:r>
+            <a:r>
+              <a:rPr lang="zh-TW" altLang="en-US" sz="1500" dirty="0">
+                <a:latin typeface="Segoe UI Light" panose="020B0502040204020203" pitchFamily="34" charset="0"/>
+                <a:cs typeface="Segoe UI Light" panose="020B0502040204020203" pitchFamily="34" charset="0"/>
+              </a:rPr>
+              <a:t> </a:t>
+            </a:r>
+            <a:r>
+              <a:rPr lang="en-US" altLang="zh-TW" sz="1500" dirty="0">
+                <a:latin typeface="Segoe UI Light" panose="020B0502040204020203" pitchFamily="34" charset="0"/>
+                <a:cs typeface="Segoe UI Light" panose="020B0502040204020203" pitchFamily="34" charset="0"/>
+              </a:rPr>
+              <a:t>60cm</a:t>
+            </a:r>
+          </a:p>
+          <a:p>
+            <a:pPr marL="285750" indent="-285750">
+              <a:buFontTx/>
+              <a:buChar char="-"/>
+            </a:pPr>
+            <a:r>
+              <a:rPr lang="fr-FR" sz="1500" dirty="0">
+                <a:latin typeface="Segoe UI Light" panose="020B0502040204020203" pitchFamily="34" charset="0"/>
+                <a:cs typeface="Segoe UI Light" panose="020B0502040204020203" pitchFamily="34" charset="0"/>
+              </a:rPr>
+              <a:t>Factor = 1.5</a:t>
+            </a:r>
+          </a:p>
+        </p:txBody>
+      </p:sp>
+      <p:pic>
+        <p:nvPicPr>
+          <p:cNvPr id="34" name="圖片 33"/>
+          <p:cNvPicPr>
+            <a:picLocks noChangeAspect="1"/>
+          </p:cNvPicPr>
+          <p:nvPr/>
+        </p:nvPicPr>
+        <p:blipFill>
+          <a:blip r:embed="rId2"/>
+          <a:stretch>
+            <a:fillRect/>
+          </a:stretch>
+        </p:blipFill>
+        <p:spPr>
+          <a:xfrm>
+            <a:off x="2525825" y="1705539"/>
+            <a:ext cx="706238" cy="619667"/>
+          </a:xfrm>
+          <a:prstGeom prst="rect">
+            <a:avLst/>
+          </a:prstGeom>
+        </p:spPr>
+      </p:pic>
+      <p:sp>
+        <p:nvSpPr>
+          <p:cNvPr id="35" name="TextBox 98"/>
+          <p:cNvSpPr txBox="1"/>
+          <p:nvPr/>
+        </p:nvSpPr>
+        <p:spPr>
+          <a:xfrm>
+            <a:off x="2525825" y="1382374"/>
+            <a:ext cx="2745710" cy="323165"/>
+          </a:xfrm>
+          <a:prstGeom prst="rect">
+            <a:avLst/>
+          </a:prstGeom>
+          <a:noFill/>
+        </p:spPr>
+        <p:txBody>
+          <a:bodyPr wrap="square" lIns="0" rtlCol="0" anchor="t">
+            <a:spAutoFit/>
+          </a:bodyPr>
+          <a:lstStyle/>
+          <a:p>
+            <a:r>
+              <a:rPr lang="zh-TW" altLang="en-US" sz="1500" dirty="0">
+                <a:latin typeface="Segoe UI Light" panose="020B0502040204020203" pitchFamily="34" charset="0"/>
+                <a:cs typeface="Segoe UI Light" panose="020B0502040204020203" pitchFamily="34" charset="0"/>
+              </a:rPr>
+              <a:t>取出</a:t>
+            </a:r>
+            <a:r>
+              <a:rPr lang="en-US" altLang="zh-TW" sz="1500" dirty="0">
+                <a:latin typeface="Segoe UI Light" panose="020B0502040204020203" pitchFamily="34" charset="0"/>
+                <a:cs typeface="Segoe UI Light" panose="020B0502040204020203" pitchFamily="34" charset="0"/>
+              </a:rPr>
+              <a:t>:</a:t>
+            </a:r>
+            <a:r>
+              <a:rPr lang="zh-TW" altLang="en-US" sz="1500" dirty="0">
+                <a:latin typeface="Segoe UI Light" panose="020B0502040204020203" pitchFamily="34" charset="0"/>
+                <a:cs typeface="Segoe UI Light" panose="020B0502040204020203" pitchFamily="34" charset="0"/>
+              </a:rPr>
+              <a:t> 腰筋面積、梁寬、梁深</a:t>
+            </a:r>
+            <a:endParaRPr lang="fr-FR" sz="1500" dirty="0">
+              <a:latin typeface="Segoe UI Light" panose="020B0502040204020203" pitchFamily="34" charset="0"/>
+              <a:cs typeface="Segoe UI Light" panose="020B0502040204020203" pitchFamily="34" charset="0"/>
+            </a:endParaRPr>
+          </a:p>
+        </p:txBody>
+      </p:sp>
+      <p:pic>
+        <p:nvPicPr>
+          <p:cNvPr id="36" name="圖片 35"/>
+          <p:cNvPicPr>
+            <a:picLocks noChangeAspect="1"/>
+          </p:cNvPicPr>
+          <p:nvPr/>
+        </p:nvPicPr>
+        <p:blipFill>
+          <a:blip r:embed="rId3"/>
+          <a:stretch>
+            <a:fillRect/>
+          </a:stretch>
+        </p:blipFill>
+        <p:spPr>
+          <a:xfrm>
+            <a:off x="3214231" y="1703856"/>
+            <a:ext cx="706238" cy="619667"/>
+          </a:xfrm>
+          <a:prstGeom prst="rect">
+            <a:avLst/>
+          </a:prstGeom>
+        </p:spPr>
+      </p:pic>
+      <p:sp>
+        <p:nvSpPr>
+          <p:cNvPr id="3" name="投影片編號版面配置區 2"/>
+          <p:cNvSpPr>
+            <a:spLocks noGrp="1"/>
+          </p:cNvSpPr>
+          <p:nvPr>
+            <p:ph type="sldNum" sz="quarter" idx="12"/>
+          </p:nvPr>
+        </p:nvSpPr>
+        <p:spPr/>
+        <p:txBody>
+          <a:bodyPr/>
+          <a:lstStyle/>
+          <a:p>
+            <a:fld id="{83F5B54E-D686-4015-93F2-94C458F353E2}" type="slidenum">
+              <a:rPr lang="zh-TW" altLang="en-US" smtClean="0"/>
+              <a:t>3</a:t>
+            </a:fld>
+            <a:endParaRPr lang="zh-TW" altLang="en-US"/>
+          </a:p>
+        </p:txBody>
+      </p:sp>
+      <p:sp>
+        <p:nvSpPr>
+          <p:cNvPr id="11" name="文字方塊 10"/>
+          <p:cNvSpPr txBox="1"/>
+          <p:nvPr/>
+        </p:nvSpPr>
+        <p:spPr>
+          <a:xfrm>
+            <a:off x="465514" y="698267"/>
+            <a:ext cx="5972725" cy="369332"/>
+          </a:xfrm>
+          <a:prstGeom prst="rect">
+            <a:avLst/>
+          </a:prstGeom>
+          <a:noFill/>
+        </p:spPr>
+        <p:txBody>
+          <a:bodyPr wrap="none" rtlCol="0">
+            <a:spAutoFit/>
+          </a:bodyPr>
+          <a:lstStyle/>
+          <a:p>
+            <a:r>
+              <a:rPr lang="zh-TW" altLang="en-US" dirty="0"/>
+              <a:t>水平剪力鋼筋面積 </a:t>
+            </a:r>
+            <a:r>
+              <a:rPr lang="en-US" altLang="zh-TW" dirty="0" err="1"/>
+              <a:t>Avh</a:t>
+            </a:r>
+            <a:r>
+              <a:rPr lang="en-US" altLang="zh-TW" dirty="0"/>
+              <a:t> </a:t>
+            </a:r>
+            <a:r>
+              <a:rPr lang="zh-TW" altLang="en-US" dirty="0"/>
+              <a:t>不得大於 </a:t>
+            </a:r>
+            <a:r>
+              <a:rPr lang="en-US" altLang="zh-TW" dirty="0"/>
+              <a:t>0.0015 * </a:t>
+            </a:r>
+            <a:r>
+              <a:rPr lang="en-US" altLang="zh-TW" dirty="0" err="1"/>
+              <a:t>bw</a:t>
+            </a:r>
+            <a:r>
+              <a:rPr lang="en-US" altLang="zh-TW" dirty="0"/>
+              <a:t> * s2 * 1.5</a:t>
+            </a:r>
+            <a:r>
+              <a:rPr lang="zh-TW" altLang="en-US" dirty="0"/>
+              <a:t>。</a:t>
+            </a:r>
+          </a:p>
+        </p:txBody>
+      </p:sp>
+      <p:grpSp>
+        <p:nvGrpSpPr>
+          <p:cNvPr id="13" name="Group 24"/>
+          <p:cNvGrpSpPr/>
+          <p:nvPr/>
+        </p:nvGrpSpPr>
+        <p:grpSpPr>
+          <a:xfrm>
+            <a:off x="1220043" y="1448609"/>
+            <a:ext cx="708425" cy="708425"/>
+            <a:chOff x="3173014" y="2956717"/>
+            <a:chExt cx="944566" cy="944566"/>
+          </a:xfrm>
+        </p:grpSpPr>
+        <p:sp>
+          <p:nvSpPr>
+            <p:cNvPr id="14" name="Oval 25"/>
+            <p:cNvSpPr/>
+            <p:nvPr/>
+          </p:nvSpPr>
+          <p:spPr>
+            <a:xfrm>
+              <a:off x="3290491" y="3074194"/>
+              <a:ext cx="709612" cy="709612"/>
+            </a:xfrm>
+            <a:prstGeom prst="ellipse">
+              <a:avLst/>
+            </a:prstGeom>
+            <a:solidFill>
+              <a:schemeClr val="bg1">
+                <a:lumMod val="85000"/>
+              </a:schemeClr>
+            </a:solidFill>
+            <a:ln>
+              <a:noFill/>
+            </a:ln>
+          </p:spPr>
+          <p:style>
+            <a:lnRef idx="2">
+              <a:schemeClr val="accent1">
+                <a:shade val="50000"/>
+              </a:schemeClr>
+            </a:lnRef>
+            <a:fillRef idx="1">
+              <a:schemeClr val="accent1"/>
+            </a:fillRef>
+            <a:effectRef idx="0">
+              <a:schemeClr val="accent1"/>
+            </a:effectRef>
+            <a:fontRef idx="minor">
+              <a:schemeClr val="lt1"/>
+            </a:fontRef>
+          </p:style>
+          <p:txBody>
+            <a:bodyPr rtlCol="0" anchor="ctr"/>
+            <a:lstStyle/>
+            <a:p>
+              <a:pPr algn="ctr"/>
+              <a:endParaRPr lang="fr-FR" sz="1350"/>
+            </a:p>
+          </p:txBody>
+        </p:sp>
+        <p:sp>
+          <p:nvSpPr>
+            <p:cNvPr id="15" name="Oval 26"/>
+            <p:cNvSpPr/>
+            <p:nvPr/>
+          </p:nvSpPr>
+          <p:spPr>
+            <a:xfrm>
+              <a:off x="3173014" y="2956717"/>
+              <a:ext cx="944566" cy="944566"/>
+            </a:xfrm>
+            <a:prstGeom prst="ellipse">
+              <a:avLst/>
+            </a:prstGeom>
+            <a:solidFill>
+              <a:schemeClr val="bg1">
+                <a:lumMod val="85000"/>
+                <a:alpha val="42000"/>
+              </a:schemeClr>
+            </a:solidFill>
+            <a:ln>
+              <a:noFill/>
+            </a:ln>
+          </p:spPr>
+          <p:style>
+            <a:lnRef idx="2">
+              <a:schemeClr val="accent1">
+                <a:shade val="50000"/>
+              </a:schemeClr>
+            </a:lnRef>
+            <a:fillRef idx="1">
+              <a:schemeClr val="accent1"/>
+            </a:fillRef>
+            <a:effectRef idx="0">
+              <a:schemeClr val="accent1"/>
+            </a:effectRef>
+            <a:fontRef idx="minor">
+              <a:schemeClr val="lt1"/>
+            </a:fontRef>
+          </p:style>
+          <p:txBody>
+            <a:bodyPr rtlCol="0" anchor="ctr"/>
+            <a:lstStyle/>
+            <a:p>
+              <a:pPr algn="ctr"/>
+              <a:r>
+                <a:rPr lang="fr-FR" sz="2100" dirty="0">
+                  <a:solidFill>
+                    <a:schemeClr val="tx1"/>
+                  </a:solidFill>
+                  <a:latin typeface="Segoe UI" panose="020B0502040204020203" pitchFamily="34" charset="0"/>
+                  <a:cs typeface="Segoe UI" panose="020B0502040204020203" pitchFamily="34" charset="0"/>
+                </a:rPr>
+                <a:t>1</a:t>
+              </a:r>
+            </a:p>
+          </p:txBody>
+        </p:sp>
+      </p:grpSp>
+      <p:cxnSp>
+        <p:nvCxnSpPr>
+          <p:cNvPr id="16" name="Straight Connector 13"/>
+          <p:cNvCxnSpPr/>
+          <p:nvPr/>
+        </p:nvCxnSpPr>
+        <p:spPr>
+          <a:xfrm>
+            <a:off x="1571021" y="2157034"/>
+            <a:ext cx="0" cy="1087200"/>
+          </a:xfrm>
+          <a:prstGeom prst="line">
+            <a:avLst/>
+          </a:prstGeom>
+          <a:ln w="28575">
+            <a:solidFill>
+              <a:srgbClr val="EDECEC"/>
+            </a:solidFill>
+          </a:ln>
+        </p:spPr>
+        <p:style>
+          <a:lnRef idx="1">
+            <a:schemeClr val="accent1"/>
+          </a:lnRef>
+          <a:fillRef idx="0">
+            <a:schemeClr val="accent1"/>
+          </a:fillRef>
+          <a:effectRef idx="0">
+            <a:schemeClr val="accent1"/>
+          </a:effectRef>
+          <a:fontRef idx="minor">
+            <a:schemeClr val="tx1"/>
+          </a:fontRef>
+        </p:style>
+      </p:cxnSp>
+      <p:grpSp>
+        <p:nvGrpSpPr>
+          <p:cNvPr id="18" name="Group 1"/>
+          <p:cNvGrpSpPr/>
+          <p:nvPr/>
+        </p:nvGrpSpPr>
+        <p:grpSpPr>
+          <a:xfrm>
+            <a:off x="1220043" y="3244234"/>
+            <a:ext cx="708425" cy="708425"/>
+            <a:chOff x="3173014" y="2956717"/>
+            <a:chExt cx="944566" cy="944566"/>
+          </a:xfrm>
+        </p:grpSpPr>
+        <p:sp>
+          <p:nvSpPr>
+            <p:cNvPr id="19" name="Oval 18"/>
+            <p:cNvSpPr/>
+            <p:nvPr/>
+          </p:nvSpPr>
+          <p:spPr>
+            <a:xfrm>
+              <a:off x="3290491" y="3074194"/>
+              <a:ext cx="709612" cy="709612"/>
+            </a:xfrm>
+            <a:prstGeom prst="ellipse">
+              <a:avLst/>
+            </a:prstGeom>
+            <a:solidFill>
+              <a:schemeClr val="bg1">
+                <a:lumMod val="85000"/>
+              </a:schemeClr>
+            </a:solidFill>
+            <a:ln>
+              <a:noFill/>
+            </a:ln>
+          </p:spPr>
+          <p:style>
+            <a:lnRef idx="2">
+              <a:schemeClr val="accent1">
+                <a:shade val="50000"/>
+              </a:schemeClr>
+            </a:lnRef>
+            <a:fillRef idx="1">
+              <a:schemeClr val="accent1"/>
+            </a:fillRef>
+            <a:effectRef idx="0">
+              <a:schemeClr val="accent1"/>
+            </a:effectRef>
+            <a:fontRef idx="minor">
+              <a:schemeClr val="lt1"/>
+            </a:fontRef>
+          </p:style>
+          <p:txBody>
+            <a:bodyPr rtlCol="0" anchor="ctr"/>
+            <a:lstStyle/>
+            <a:p>
+              <a:pPr algn="ctr"/>
+              <a:endParaRPr lang="fr-FR" sz="1350" dirty="0"/>
+            </a:p>
+          </p:txBody>
+        </p:sp>
+        <p:sp>
+          <p:nvSpPr>
+            <p:cNvPr id="20" name="Oval 22"/>
+            <p:cNvSpPr/>
+            <p:nvPr/>
+          </p:nvSpPr>
+          <p:spPr>
+            <a:xfrm>
+              <a:off x="3173014" y="2956717"/>
+              <a:ext cx="944566" cy="944566"/>
+            </a:xfrm>
+            <a:prstGeom prst="ellipse">
+              <a:avLst/>
+            </a:prstGeom>
+            <a:solidFill>
+              <a:schemeClr val="bg1">
+                <a:lumMod val="85000"/>
+                <a:alpha val="42000"/>
+              </a:schemeClr>
+            </a:solidFill>
+            <a:ln>
+              <a:noFill/>
+            </a:ln>
+          </p:spPr>
+          <p:style>
+            <a:lnRef idx="2">
+              <a:schemeClr val="accent1">
+                <a:shade val="50000"/>
+              </a:schemeClr>
+            </a:lnRef>
+            <a:fillRef idx="1">
+              <a:schemeClr val="accent1"/>
+            </a:fillRef>
+            <a:effectRef idx="0">
+              <a:schemeClr val="accent1"/>
+            </a:effectRef>
+            <a:fontRef idx="minor">
+              <a:schemeClr val="lt1"/>
+            </a:fontRef>
+          </p:style>
+          <p:txBody>
+            <a:bodyPr rtlCol="0" anchor="ctr"/>
+            <a:lstStyle/>
+            <a:p>
+              <a:pPr algn="ctr"/>
+              <a:r>
+                <a:rPr lang="fr-FR" sz="2100" dirty="0">
+                  <a:solidFill>
+                    <a:schemeClr val="tx1"/>
+                  </a:solidFill>
+                  <a:latin typeface="Segoe UI" panose="020B0502040204020203" pitchFamily="34" charset="0"/>
+                  <a:cs typeface="Segoe UI" panose="020B0502040204020203" pitchFamily="34" charset="0"/>
+                </a:rPr>
+                <a:t>2</a:t>
+              </a:r>
+            </a:p>
+          </p:txBody>
+        </p:sp>
+      </p:grpSp>
+      <p:grpSp>
+        <p:nvGrpSpPr>
+          <p:cNvPr id="21" name="Group 27"/>
+          <p:cNvGrpSpPr/>
+          <p:nvPr/>
+        </p:nvGrpSpPr>
+        <p:grpSpPr>
+          <a:xfrm>
+            <a:off x="1220043" y="5039859"/>
+            <a:ext cx="708425" cy="708425"/>
+            <a:chOff x="3173014" y="2956717"/>
+            <a:chExt cx="944566" cy="944566"/>
+          </a:xfrm>
+        </p:grpSpPr>
+        <p:sp>
+          <p:nvSpPr>
+            <p:cNvPr id="22" name="Oval 28"/>
+            <p:cNvSpPr/>
+            <p:nvPr/>
+          </p:nvSpPr>
+          <p:spPr>
+            <a:xfrm>
+              <a:off x="3290491" y="3074194"/>
+              <a:ext cx="709612" cy="709612"/>
+            </a:xfrm>
+            <a:prstGeom prst="ellipse">
+              <a:avLst/>
+            </a:prstGeom>
+            <a:solidFill>
+              <a:schemeClr val="bg1">
+                <a:lumMod val="85000"/>
+              </a:schemeClr>
+            </a:solidFill>
+            <a:ln>
+              <a:noFill/>
+            </a:ln>
+          </p:spPr>
+          <p:style>
+            <a:lnRef idx="2">
+              <a:schemeClr val="accent1">
+                <a:shade val="50000"/>
+              </a:schemeClr>
+            </a:lnRef>
+            <a:fillRef idx="1">
+              <a:schemeClr val="accent1"/>
+            </a:fillRef>
+            <a:effectRef idx="0">
+              <a:schemeClr val="accent1"/>
+            </a:effectRef>
+            <a:fontRef idx="minor">
+              <a:schemeClr val="lt1"/>
+            </a:fontRef>
+          </p:style>
+          <p:txBody>
+            <a:bodyPr rtlCol="0" anchor="ctr"/>
+            <a:lstStyle/>
+            <a:p>
+              <a:pPr algn="ctr"/>
+              <a:endParaRPr lang="fr-FR" sz="1350"/>
+            </a:p>
+          </p:txBody>
+        </p:sp>
+        <p:sp>
+          <p:nvSpPr>
+            <p:cNvPr id="23" name="Oval 29"/>
+            <p:cNvSpPr/>
+            <p:nvPr/>
+          </p:nvSpPr>
+          <p:spPr>
+            <a:xfrm>
+              <a:off x="3173014" y="2956717"/>
+              <a:ext cx="944566" cy="944566"/>
+            </a:xfrm>
+            <a:prstGeom prst="ellipse">
+              <a:avLst/>
+            </a:prstGeom>
+            <a:solidFill>
+              <a:schemeClr val="bg1">
+                <a:lumMod val="85000"/>
+                <a:alpha val="42000"/>
+              </a:schemeClr>
+            </a:solidFill>
+            <a:ln>
+              <a:noFill/>
+            </a:ln>
+          </p:spPr>
+          <p:style>
+            <a:lnRef idx="2">
+              <a:schemeClr val="accent1">
+                <a:shade val="50000"/>
+              </a:schemeClr>
+            </a:lnRef>
+            <a:fillRef idx="1">
+              <a:schemeClr val="accent1"/>
+            </a:fillRef>
+            <a:effectRef idx="0">
+              <a:schemeClr val="accent1"/>
+            </a:effectRef>
+            <a:fontRef idx="minor">
+              <a:schemeClr val="lt1"/>
+            </a:fontRef>
+          </p:style>
+          <p:txBody>
+            <a:bodyPr rtlCol="0" anchor="ctr"/>
+            <a:lstStyle/>
+            <a:p>
+              <a:pPr algn="ctr"/>
+              <a:r>
+                <a:rPr lang="fr-FR" sz="2100" dirty="0">
+                  <a:solidFill>
+                    <a:schemeClr val="tx1"/>
+                  </a:solidFill>
+                  <a:latin typeface="Segoe UI" panose="020B0502040204020203" pitchFamily="34" charset="0"/>
+                  <a:cs typeface="Segoe UI" panose="020B0502040204020203" pitchFamily="34" charset="0"/>
+                </a:rPr>
+                <a:t>3</a:t>
+              </a:r>
+            </a:p>
+          </p:txBody>
+        </p:sp>
+      </p:grpSp>
+      <p:cxnSp>
+        <p:nvCxnSpPr>
+          <p:cNvPr id="24" name="Straight Connector 13"/>
+          <p:cNvCxnSpPr/>
+          <p:nvPr/>
+        </p:nvCxnSpPr>
+        <p:spPr>
+          <a:xfrm>
+            <a:off x="1571021" y="3952659"/>
+            <a:ext cx="0" cy="1087200"/>
+          </a:xfrm>
+          <a:prstGeom prst="line">
+            <a:avLst/>
+          </a:prstGeom>
+          <a:ln w="28575">
+            <a:solidFill>
+              <a:srgbClr val="EDECEC"/>
+            </a:solidFill>
+          </a:ln>
+        </p:spPr>
+        <p:style>
+          <a:lnRef idx="1">
+            <a:schemeClr val="accent1"/>
+          </a:lnRef>
+          <a:fillRef idx="0">
+            <a:schemeClr val="accent1"/>
+          </a:fillRef>
+          <a:effectRef idx="0">
+            <a:schemeClr val="accent1"/>
+          </a:effectRef>
+          <a:fontRef idx="minor">
+            <a:schemeClr val="tx1"/>
+          </a:fontRef>
+        </p:style>
+      </p:cxnSp>
+      <p:sp>
+        <p:nvSpPr>
           <p:cNvPr id="31" name="TextBox 98"/>
           <p:cNvSpPr txBox="1"/>
           <p:nvPr/>
@@ -34400,18 +35821,12 @@
       </p:grpSpPr>
       <p:sp>
         <p:nvSpPr>
-          <p:cNvPr id="5" name="標題 4">
-            <a:extLst>
-              <a:ext uri="{FF2B5EF4-FFF2-40B4-BE49-F238E27FC236}">
-                <a16:creationId xmlns:a16="http://schemas.microsoft.com/office/drawing/2014/main" id="{625AFDD7-B674-4A3A-82BC-993B1E8C1F11}"/>
-              </a:ext>
-            </a:extLst>
-          </p:cNvPr>
+          <p:cNvPr id="3" name="投影片編號版面配置區 2"/>
           <p:cNvSpPr>
             <a:spLocks noGrp="1"/>
           </p:cNvSpPr>
           <p:nvPr>
-            <p:ph type="title"/>
+            <p:ph type="sldNum" sz="quarter" idx="12"/>
           </p:nvPr>
         </p:nvSpPr>
         <p:spPr/>
@@ -34419,56 +35834,6 @@
           <a:bodyPr/>
           <a:lstStyle/>
           <a:p>
-            <a:endParaRPr lang="zh-TW" altLang="en-US"/>
-          </a:p>
-        </p:txBody>
-      </p:sp>
-      <p:sp>
-        <p:nvSpPr>
-          <p:cNvPr id="6" name="內容版面配置區 5">
-            <a:extLst>
-              <a:ext uri="{FF2B5EF4-FFF2-40B4-BE49-F238E27FC236}">
-                <a16:creationId xmlns:a16="http://schemas.microsoft.com/office/drawing/2014/main" id="{12CC62F4-3997-46E5-8E45-8515423B82B3}"/>
-              </a:ext>
-            </a:extLst>
-          </p:cNvPr>
-          <p:cNvSpPr>
-            <a:spLocks noGrp="1"/>
-          </p:cNvSpPr>
-          <p:nvPr>
-            <p:ph sz="quarter" idx="13"/>
-          </p:nvPr>
-        </p:nvSpPr>
-        <p:spPr/>
-        <p:txBody>
-          <a:bodyPr/>
-          <a:lstStyle/>
-          <a:p>
-            <a:endParaRPr lang="zh-TW" altLang="en-US"/>
-          </a:p>
-        </p:txBody>
-      </p:sp>
-      <p:sp>
-        <p:nvSpPr>
-          <p:cNvPr id="3" name="投影片編號版面配置區 2">
-            <a:extLst>
-              <a:ext uri="{FF2B5EF4-FFF2-40B4-BE49-F238E27FC236}">
-                <a16:creationId xmlns:a16="http://schemas.microsoft.com/office/drawing/2014/main" id="{3F67C479-1EAC-4F5E-A0BE-4592424F80EA}"/>
-              </a:ext>
-            </a:extLst>
-          </p:cNvPr>
-          <p:cNvSpPr>
-            <a:spLocks noGrp="1"/>
-          </p:cNvSpPr>
-          <p:nvPr>
-            <p:ph type="sldNum" sz="quarter" idx="4"/>
-          </p:nvPr>
-        </p:nvSpPr>
-        <p:spPr/>
-        <p:txBody>
-          <a:bodyPr/>
-          <a:lstStyle/>
-          <a:p>
             <a:fld id="{83F5B54E-D686-4015-93F2-94C458F353E2}" type="slidenum">
               <a:rPr lang="zh-TW" altLang="en-US" smtClean="0"/>
               <a:t>30</a:t>
@@ -34477,10 +35842,786 @@
           </a:p>
         </p:txBody>
       </p:sp>
+      <p:sp>
+        <p:nvSpPr>
+          <p:cNvPr id="11" name="文字方塊 10"/>
+          <p:cNvSpPr txBox="1"/>
+          <p:nvPr/>
+        </p:nvSpPr>
+        <p:spPr>
+          <a:xfrm>
+            <a:off x="922717" y="698267"/>
+            <a:ext cx="2390398" cy="369332"/>
+          </a:xfrm>
+          <a:prstGeom prst="rect">
+            <a:avLst/>
+          </a:prstGeom>
+          <a:noFill/>
+        </p:spPr>
+        <p:txBody>
+          <a:bodyPr wrap="none" rtlCol="0">
+            <a:spAutoFit/>
+          </a:bodyPr>
+          <a:lstStyle/>
+          <a:p>
+            <a:r>
+              <a:rPr lang="zh-TW" altLang="en-US" dirty="0"/>
+              <a:t>往下漸縮  不低於</a:t>
+            </a:r>
+            <a:r>
+              <a:rPr lang="en-US" altLang="zh-TW" dirty="0"/>
+              <a:t>70%</a:t>
+            </a:r>
+            <a:endParaRPr lang="zh-TW" altLang="en-US" dirty="0"/>
+          </a:p>
+        </p:txBody>
+      </p:sp>
+      <p:grpSp>
+        <p:nvGrpSpPr>
+          <p:cNvPr id="13" name="Group 24"/>
+          <p:cNvGrpSpPr/>
+          <p:nvPr/>
+        </p:nvGrpSpPr>
+        <p:grpSpPr>
+          <a:xfrm>
+            <a:off x="1220043" y="1448609"/>
+            <a:ext cx="708425" cy="708425"/>
+            <a:chOff x="3173014" y="2956717"/>
+            <a:chExt cx="944566" cy="944566"/>
+          </a:xfrm>
+        </p:grpSpPr>
+        <p:sp>
+          <p:nvSpPr>
+            <p:cNvPr id="14" name="Oval 25"/>
+            <p:cNvSpPr/>
+            <p:nvPr/>
+          </p:nvSpPr>
+          <p:spPr>
+            <a:xfrm>
+              <a:off x="3290491" y="3074194"/>
+              <a:ext cx="709612" cy="709612"/>
+            </a:xfrm>
+            <a:prstGeom prst="ellipse">
+              <a:avLst/>
+            </a:prstGeom>
+            <a:solidFill>
+              <a:schemeClr val="bg1">
+                <a:lumMod val="85000"/>
+              </a:schemeClr>
+            </a:solidFill>
+            <a:ln>
+              <a:noFill/>
+            </a:ln>
+          </p:spPr>
+          <p:style>
+            <a:lnRef idx="2">
+              <a:schemeClr val="accent1">
+                <a:shade val="50000"/>
+              </a:schemeClr>
+            </a:lnRef>
+            <a:fillRef idx="1">
+              <a:schemeClr val="accent1"/>
+            </a:fillRef>
+            <a:effectRef idx="0">
+              <a:schemeClr val="accent1"/>
+            </a:effectRef>
+            <a:fontRef idx="minor">
+              <a:schemeClr val="lt1"/>
+            </a:fontRef>
+          </p:style>
+          <p:txBody>
+            <a:bodyPr rtlCol="0" anchor="ctr"/>
+            <a:lstStyle/>
+            <a:p>
+              <a:pPr algn="ctr"/>
+              <a:endParaRPr lang="fr-FR" sz="1350"/>
+            </a:p>
+          </p:txBody>
+        </p:sp>
+        <p:sp>
+          <p:nvSpPr>
+            <p:cNvPr id="15" name="Oval 26"/>
+            <p:cNvSpPr/>
+            <p:nvPr/>
+          </p:nvSpPr>
+          <p:spPr>
+            <a:xfrm>
+              <a:off x="3173014" y="2956717"/>
+              <a:ext cx="944566" cy="944566"/>
+            </a:xfrm>
+            <a:prstGeom prst="ellipse">
+              <a:avLst/>
+            </a:prstGeom>
+            <a:solidFill>
+              <a:schemeClr val="bg1">
+                <a:lumMod val="85000"/>
+                <a:alpha val="42000"/>
+              </a:schemeClr>
+            </a:solidFill>
+            <a:ln>
+              <a:noFill/>
+            </a:ln>
+          </p:spPr>
+          <p:style>
+            <a:lnRef idx="2">
+              <a:schemeClr val="accent1">
+                <a:shade val="50000"/>
+              </a:schemeClr>
+            </a:lnRef>
+            <a:fillRef idx="1">
+              <a:schemeClr val="accent1"/>
+            </a:fillRef>
+            <a:effectRef idx="0">
+              <a:schemeClr val="accent1"/>
+            </a:effectRef>
+            <a:fontRef idx="minor">
+              <a:schemeClr val="lt1"/>
+            </a:fontRef>
+          </p:style>
+          <p:txBody>
+            <a:bodyPr rtlCol="0" anchor="ctr"/>
+            <a:lstStyle/>
+            <a:p>
+              <a:pPr algn="ctr"/>
+              <a:r>
+                <a:rPr lang="fr-FR" sz="2100" dirty="0">
+                  <a:solidFill>
+                    <a:schemeClr val="tx1"/>
+                  </a:solidFill>
+                  <a:latin typeface="Segoe UI" panose="020B0502040204020203" pitchFamily="34" charset="0"/>
+                  <a:cs typeface="Segoe UI" panose="020B0502040204020203" pitchFamily="34" charset="0"/>
+                </a:rPr>
+                <a:t>1</a:t>
+              </a:r>
+            </a:p>
+          </p:txBody>
+        </p:sp>
+      </p:grpSp>
+      <p:cxnSp>
+        <p:nvCxnSpPr>
+          <p:cNvPr id="16" name="Straight Connector 13"/>
+          <p:cNvCxnSpPr/>
+          <p:nvPr/>
+        </p:nvCxnSpPr>
+        <p:spPr>
+          <a:xfrm>
+            <a:off x="1571021" y="2157034"/>
+            <a:ext cx="0" cy="1087200"/>
+          </a:xfrm>
+          <a:prstGeom prst="line">
+            <a:avLst/>
+          </a:prstGeom>
+          <a:ln w="28575">
+            <a:solidFill>
+              <a:srgbClr val="EDECEC"/>
+            </a:solidFill>
+          </a:ln>
+        </p:spPr>
+        <p:style>
+          <a:lnRef idx="1">
+            <a:schemeClr val="accent1"/>
+          </a:lnRef>
+          <a:fillRef idx="0">
+            <a:schemeClr val="accent1"/>
+          </a:fillRef>
+          <a:effectRef idx="0">
+            <a:schemeClr val="accent1"/>
+          </a:effectRef>
+          <a:fontRef idx="minor">
+            <a:schemeClr val="tx1"/>
+          </a:fontRef>
+        </p:style>
+      </p:cxnSp>
+      <p:grpSp>
+        <p:nvGrpSpPr>
+          <p:cNvPr id="18" name="Group 1"/>
+          <p:cNvGrpSpPr/>
+          <p:nvPr/>
+        </p:nvGrpSpPr>
+        <p:grpSpPr>
+          <a:xfrm>
+            <a:off x="1220043" y="3244234"/>
+            <a:ext cx="708425" cy="708425"/>
+            <a:chOff x="3173014" y="2956717"/>
+            <a:chExt cx="944566" cy="944566"/>
+          </a:xfrm>
+        </p:grpSpPr>
+        <p:sp>
+          <p:nvSpPr>
+            <p:cNvPr id="19" name="Oval 18"/>
+            <p:cNvSpPr/>
+            <p:nvPr/>
+          </p:nvSpPr>
+          <p:spPr>
+            <a:xfrm>
+              <a:off x="3290491" y="3074194"/>
+              <a:ext cx="709612" cy="709612"/>
+            </a:xfrm>
+            <a:prstGeom prst="ellipse">
+              <a:avLst/>
+            </a:prstGeom>
+            <a:solidFill>
+              <a:schemeClr val="bg1">
+                <a:lumMod val="85000"/>
+              </a:schemeClr>
+            </a:solidFill>
+            <a:ln>
+              <a:noFill/>
+            </a:ln>
+          </p:spPr>
+          <p:style>
+            <a:lnRef idx="2">
+              <a:schemeClr val="accent1">
+                <a:shade val="50000"/>
+              </a:schemeClr>
+            </a:lnRef>
+            <a:fillRef idx="1">
+              <a:schemeClr val="accent1"/>
+            </a:fillRef>
+            <a:effectRef idx="0">
+              <a:schemeClr val="accent1"/>
+            </a:effectRef>
+            <a:fontRef idx="minor">
+              <a:schemeClr val="lt1"/>
+            </a:fontRef>
+          </p:style>
+          <p:txBody>
+            <a:bodyPr rtlCol="0" anchor="ctr"/>
+            <a:lstStyle/>
+            <a:p>
+              <a:pPr algn="ctr"/>
+              <a:endParaRPr lang="fr-FR" sz="1350" dirty="0"/>
+            </a:p>
+          </p:txBody>
+        </p:sp>
+        <p:sp>
+          <p:nvSpPr>
+            <p:cNvPr id="20" name="Oval 22"/>
+            <p:cNvSpPr/>
+            <p:nvPr/>
+          </p:nvSpPr>
+          <p:spPr>
+            <a:xfrm>
+              <a:off x="3173014" y="2956717"/>
+              <a:ext cx="944566" cy="944566"/>
+            </a:xfrm>
+            <a:prstGeom prst="ellipse">
+              <a:avLst/>
+            </a:prstGeom>
+            <a:solidFill>
+              <a:schemeClr val="bg1">
+                <a:lumMod val="85000"/>
+                <a:alpha val="42000"/>
+              </a:schemeClr>
+            </a:solidFill>
+            <a:ln>
+              <a:noFill/>
+            </a:ln>
+          </p:spPr>
+          <p:style>
+            <a:lnRef idx="2">
+              <a:schemeClr val="accent1">
+                <a:shade val="50000"/>
+              </a:schemeClr>
+            </a:lnRef>
+            <a:fillRef idx="1">
+              <a:schemeClr val="accent1"/>
+            </a:fillRef>
+            <a:effectRef idx="0">
+              <a:schemeClr val="accent1"/>
+            </a:effectRef>
+            <a:fontRef idx="minor">
+              <a:schemeClr val="lt1"/>
+            </a:fontRef>
+          </p:style>
+          <p:txBody>
+            <a:bodyPr rtlCol="0" anchor="ctr"/>
+            <a:lstStyle/>
+            <a:p>
+              <a:pPr algn="ctr"/>
+              <a:r>
+                <a:rPr lang="fr-FR" sz="2100" dirty="0">
+                  <a:solidFill>
+                    <a:schemeClr val="tx1"/>
+                  </a:solidFill>
+                  <a:latin typeface="Segoe UI" panose="020B0502040204020203" pitchFamily="34" charset="0"/>
+                  <a:cs typeface="Segoe UI" panose="020B0502040204020203" pitchFamily="34" charset="0"/>
+                </a:rPr>
+                <a:t>2</a:t>
+              </a:r>
+            </a:p>
+          </p:txBody>
+        </p:sp>
+      </p:grpSp>
+      <p:grpSp>
+        <p:nvGrpSpPr>
+          <p:cNvPr id="21" name="Group 27"/>
+          <p:cNvGrpSpPr/>
+          <p:nvPr/>
+        </p:nvGrpSpPr>
+        <p:grpSpPr>
+          <a:xfrm>
+            <a:off x="1220043" y="5039859"/>
+            <a:ext cx="708425" cy="708425"/>
+            <a:chOff x="3173014" y="2956717"/>
+            <a:chExt cx="944566" cy="944566"/>
+          </a:xfrm>
+        </p:grpSpPr>
+        <p:sp>
+          <p:nvSpPr>
+            <p:cNvPr id="22" name="Oval 28"/>
+            <p:cNvSpPr/>
+            <p:nvPr/>
+          </p:nvSpPr>
+          <p:spPr>
+            <a:xfrm>
+              <a:off x="3290491" y="3074194"/>
+              <a:ext cx="709612" cy="709612"/>
+            </a:xfrm>
+            <a:prstGeom prst="ellipse">
+              <a:avLst/>
+            </a:prstGeom>
+            <a:solidFill>
+              <a:schemeClr val="bg1">
+                <a:lumMod val="85000"/>
+              </a:schemeClr>
+            </a:solidFill>
+            <a:ln>
+              <a:noFill/>
+            </a:ln>
+          </p:spPr>
+          <p:style>
+            <a:lnRef idx="2">
+              <a:schemeClr val="accent1">
+                <a:shade val="50000"/>
+              </a:schemeClr>
+            </a:lnRef>
+            <a:fillRef idx="1">
+              <a:schemeClr val="accent1"/>
+            </a:fillRef>
+            <a:effectRef idx="0">
+              <a:schemeClr val="accent1"/>
+            </a:effectRef>
+            <a:fontRef idx="minor">
+              <a:schemeClr val="lt1"/>
+            </a:fontRef>
+          </p:style>
+          <p:txBody>
+            <a:bodyPr rtlCol="0" anchor="ctr"/>
+            <a:lstStyle/>
+            <a:p>
+              <a:pPr algn="ctr"/>
+              <a:endParaRPr lang="fr-FR" sz="1350"/>
+            </a:p>
+          </p:txBody>
+        </p:sp>
+        <p:sp>
+          <p:nvSpPr>
+            <p:cNvPr id="23" name="Oval 29"/>
+            <p:cNvSpPr/>
+            <p:nvPr/>
+          </p:nvSpPr>
+          <p:spPr>
+            <a:xfrm>
+              <a:off x="3173014" y="2956717"/>
+              <a:ext cx="944566" cy="944566"/>
+            </a:xfrm>
+            <a:prstGeom prst="ellipse">
+              <a:avLst/>
+            </a:prstGeom>
+            <a:solidFill>
+              <a:schemeClr val="bg1">
+                <a:lumMod val="85000"/>
+                <a:alpha val="42000"/>
+              </a:schemeClr>
+            </a:solidFill>
+            <a:ln>
+              <a:noFill/>
+            </a:ln>
+          </p:spPr>
+          <p:style>
+            <a:lnRef idx="2">
+              <a:schemeClr val="accent1">
+                <a:shade val="50000"/>
+              </a:schemeClr>
+            </a:lnRef>
+            <a:fillRef idx="1">
+              <a:schemeClr val="accent1"/>
+            </a:fillRef>
+            <a:effectRef idx="0">
+              <a:schemeClr val="accent1"/>
+            </a:effectRef>
+            <a:fontRef idx="minor">
+              <a:schemeClr val="lt1"/>
+            </a:fontRef>
+          </p:style>
+          <p:txBody>
+            <a:bodyPr rtlCol="0" anchor="ctr"/>
+            <a:lstStyle/>
+            <a:p>
+              <a:pPr algn="ctr"/>
+              <a:r>
+                <a:rPr lang="fr-FR" sz="2100" dirty="0">
+                  <a:solidFill>
+                    <a:schemeClr val="tx1"/>
+                  </a:solidFill>
+                  <a:latin typeface="Segoe UI" panose="020B0502040204020203" pitchFamily="34" charset="0"/>
+                  <a:cs typeface="Segoe UI" panose="020B0502040204020203" pitchFamily="34" charset="0"/>
+                </a:rPr>
+                <a:t>3</a:t>
+              </a:r>
+            </a:p>
+          </p:txBody>
+        </p:sp>
+      </p:grpSp>
+      <p:cxnSp>
+        <p:nvCxnSpPr>
+          <p:cNvPr id="24" name="Straight Connector 13"/>
+          <p:cNvCxnSpPr/>
+          <p:nvPr/>
+        </p:nvCxnSpPr>
+        <p:spPr>
+          <a:xfrm>
+            <a:off x="1571021" y="3952659"/>
+            <a:ext cx="0" cy="1087200"/>
+          </a:xfrm>
+          <a:prstGeom prst="line">
+            <a:avLst/>
+          </a:prstGeom>
+          <a:ln w="28575">
+            <a:solidFill>
+              <a:srgbClr val="EDECEC"/>
+            </a:solidFill>
+          </a:ln>
+        </p:spPr>
+        <p:style>
+          <a:lnRef idx="1">
+            <a:schemeClr val="accent1"/>
+          </a:lnRef>
+          <a:fillRef idx="0">
+            <a:schemeClr val="accent1"/>
+          </a:fillRef>
+          <a:effectRef idx="0">
+            <a:schemeClr val="accent1"/>
+          </a:effectRef>
+          <a:fontRef idx="minor">
+            <a:schemeClr val="tx1"/>
+          </a:fontRef>
+        </p:style>
+      </p:cxnSp>
+      <p:sp>
+        <p:nvSpPr>
+          <p:cNvPr id="27" name="TextBox 98"/>
+          <p:cNvSpPr txBox="1"/>
+          <p:nvPr/>
+        </p:nvSpPr>
+        <p:spPr>
+          <a:xfrm>
+            <a:off x="2525567" y="1383110"/>
+            <a:ext cx="2407712" cy="323165"/>
+          </a:xfrm>
+          <a:prstGeom prst="rect">
+            <a:avLst/>
+          </a:prstGeom>
+          <a:noFill/>
+        </p:spPr>
+        <p:txBody>
+          <a:bodyPr wrap="square" lIns="0" rtlCol="0" anchor="t">
+            <a:spAutoFit/>
+          </a:bodyPr>
+          <a:lstStyle/>
+          <a:p>
+            <a:r>
+              <a:rPr lang="zh-TW" altLang="en-US" sz="1500" dirty="0">
+                <a:latin typeface="Segoe UI Light" panose="020B0502040204020203" pitchFamily="34" charset="0"/>
+                <a:cs typeface="Segoe UI Light" panose="020B0502040204020203" pitchFamily="34" charset="0"/>
+              </a:rPr>
+              <a:t>取出</a:t>
+            </a:r>
+            <a:r>
+              <a:rPr lang="en-US" altLang="zh-TW" sz="1500" dirty="0">
+                <a:latin typeface="Segoe UI Light" panose="020B0502040204020203" pitchFamily="34" charset="0"/>
+                <a:cs typeface="Segoe UI Light" panose="020B0502040204020203" pitchFamily="34" charset="0"/>
+              </a:rPr>
+              <a:t>:</a:t>
+            </a:r>
+            <a:r>
+              <a:rPr lang="zh-TW" altLang="en-US" sz="1500" dirty="0">
+                <a:latin typeface="Segoe UI Light" panose="020B0502040204020203" pitchFamily="34" charset="0"/>
+                <a:cs typeface="Segoe UI Light" panose="020B0502040204020203" pitchFamily="34" charset="0"/>
+              </a:rPr>
+              <a:t> 上下層柱主筋量</a:t>
+            </a:r>
+            <a:endParaRPr lang="fr-FR" sz="1500" dirty="0">
+              <a:latin typeface="Segoe UI Light" panose="020B0502040204020203" pitchFamily="34" charset="0"/>
+              <a:cs typeface="Segoe UI Light" panose="020B0502040204020203" pitchFamily="34" charset="0"/>
+            </a:endParaRPr>
+          </a:p>
+        </p:txBody>
+      </p:sp>
+      <p:sp>
+        <p:nvSpPr>
+          <p:cNvPr id="31" name="TextBox 98"/>
+          <p:cNvSpPr txBox="1"/>
+          <p:nvPr/>
+        </p:nvSpPr>
+        <p:spPr>
+          <a:xfrm>
+            <a:off x="2525567" y="3440098"/>
+            <a:ext cx="4116302" cy="323165"/>
+          </a:xfrm>
+          <a:prstGeom prst="rect">
+            <a:avLst/>
+          </a:prstGeom>
+          <a:noFill/>
+        </p:spPr>
+        <p:txBody>
+          <a:bodyPr wrap="square" lIns="0" rtlCol="0" anchor="t">
+            <a:spAutoFit/>
+          </a:bodyPr>
+          <a:lstStyle/>
+          <a:p>
+            <a:r>
+              <a:rPr lang="zh-TW" altLang="en-US" sz="1500" dirty="0">
+                <a:latin typeface="Segoe UI Light" panose="020B0502040204020203" pitchFamily="34" charset="0"/>
+                <a:cs typeface="Segoe UI Light" panose="020B0502040204020203" pitchFamily="34" charset="0"/>
+              </a:rPr>
+              <a:t>判斷</a:t>
+            </a:r>
+            <a:r>
+              <a:rPr lang="en-US" altLang="zh-TW" sz="1500" dirty="0">
+                <a:latin typeface="Segoe UI Light" panose="020B0502040204020203" pitchFamily="34" charset="0"/>
+                <a:cs typeface="Segoe UI Light" panose="020B0502040204020203" pitchFamily="34" charset="0"/>
+              </a:rPr>
+              <a:t>:</a:t>
+            </a:r>
+            <a:r>
+              <a:rPr lang="zh-TW" altLang="en-US" sz="1500" dirty="0">
+                <a:latin typeface="Segoe UI Light" panose="020B0502040204020203" pitchFamily="34" charset="0"/>
+                <a:cs typeface="Segoe UI Light" panose="020B0502040204020203" pitchFamily="34" charset="0"/>
+              </a:rPr>
+              <a:t> 下層柱主筋量 </a:t>
+            </a:r>
+            <a:r>
+              <a:rPr lang="en-US" altLang="zh-TW" sz="1500" dirty="0">
+                <a:latin typeface="Segoe UI Light" panose="020B0502040204020203" pitchFamily="34" charset="0"/>
+                <a:cs typeface="Segoe UI Light" panose="020B0502040204020203" pitchFamily="34" charset="0"/>
+              </a:rPr>
+              <a:t>&lt;</a:t>
+            </a:r>
+            <a:r>
+              <a:rPr lang="zh-TW" altLang="en-US" sz="1500" dirty="0">
+                <a:latin typeface="Segoe UI Light" panose="020B0502040204020203" pitchFamily="34" charset="0"/>
+                <a:cs typeface="Segoe UI Light" panose="020B0502040204020203" pitchFamily="34" charset="0"/>
+              </a:rPr>
+              <a:t> 上層柱主筋量 * </a:t>
+            </a:r>
+            <a:r>
+              <a:rPr lang="en-US" altLang="zh-TW" sz="1500" dirty="0">
+                <a:latin typeface="Segoe UI Light" panose="020B0502040204020203" pitchFamily="34" charset="0"/>
+                <a:cs typeface="Segoe UI Light" panose="020B0502040204020203" pitchFamily="34" charset="0"/>
+              </a:rPr>
+              <a:t>0.7</a:t>
+            </a:r>
+            <a:r>
+              <a:rPr lang="zh-TW" altLang="en-US" sz="1500" dirty="0">
+                <a:latin typeface="Segoe UI Light" panose="020B0502040204020203" pitchFamily="34" charset="0"/>
+                <a:cs typeface="Segoe UI Light" panose="020B0502040204020203" pitchFamily="34" charset="0"/>
+              </a:rPr>
+              <a:t> </a:t>
+            </a:r>
+            <a:endParaRPr lang="fr-FR" sz="1500" dirty="0">
+              <a:latin typeface="Segoe UI Light" panose="020B0502040204020203" pitchFamily="34" charset="0"/>
+              <a:cs typeface="Segoe UI Light" panose="020B0502040204020203" pitchFamily="34" charset="0"/>
+            </a:endParaRPr>
+          </a:p>
+        </p:txBody>
+      </p:sp>
+      <p:sp>
+        <p:nvSpPr>
+          <p:cNvPr id="32" name="TextBox 98"/>
+          <p:cNvSpPr txBox="1"/>
+          <p:nvPr/>
+        </p:nvSpPr>
+        <p:spPr>
+          <a:xfrm>
+            <a:off x="2525566" y="4929497"/>
+            <a:ext cx="4829019" cy="553998"/>
+          </a:xfrm>
+          <a:prstGeom prst="rect">
+            <a:avLst/>
+          </a:prstGeom>
+          <a:noFill/>
+        </p:spPr>
+        <p:txBody>
+          <a:bodyPr wrap="square" lIns="0" rtlCol="0" anchor="t">
+            <a:spAutoFit/>
+          </a:bodyPr>
+          <a:lstStyle/>
+          <a:p>
+            <a:r>
+              <a:rPr lang="zh-TW" altLang="en-US" sz="1500" dirty="0">
+                <a:latin typeface="Segoe UI Light" panose="020B0502040204020203" pitchFamily="34" charset="0"/>
+                <a:cs typeface="Segoe UI Light" panose="020B0502040204020203" pitchFamily="34" charset="0"/>
+              </a:rPr>
+              <a:t>是</a:t>
+            </a:r>
+            <a:r>
+              <a:rPr lang="en-US" altLang="zh-TW" sz="1500" dirty="0">
+                <a:latin typeface="Segoe UI Light" panose="020B0502040204020203" pitchFamily="34" charset="0"/>
+                <a:cs typeface="Segoe UI Light" panose="020B0502040204020203" pitchFamily="34" charset="0"/>
+              </a:rPr>
+              <a:t>:</a:t>
+            </a:r>
+            <a:r>
+              <a:rPr lang="zh-TW" altLang="en-US" sz="1500" dirty="0">
+                <a:latin typeface="Segoe UI Light" panose="020B0502040204020203" pitchFamily="34" charset="0"/>
+                <a:cs typeface="Segoe UI Light" panose="020B0502040204020203" pitchFamily="34" charset="0"/>
+              </a:rPr>
+              <a:t> </a:t>
+            </a:r>
+            <a:r>
+              <a:rPr lang="en-US" altLang="zh-TW" sz="1500" dirty="0">
+                <a:latin typeface="Segoe UI Light" panose="020B0502040204020203" pitchFamily="34" charset="0"/>
+                <a:cs typeface="Segoe UI Light" panose="020B0502040204020203" pitchFamily="34" charset="0"/>
+              </a:rPr>
+              <a:t>OK</a:t>
+            </a:r>
+          </a:p>
+          <a:p>
+            <a:r>
+              <a:rPr lang="zh-TW" altLang="en-US" sz="1500" dirty="0">
+                <a:latin typeface="Segoe UI Light" panose="020B0502040204020203" pitchFamily="34" charset="0"/>
+                <a:cs typeface="Segoe UI Light" panose="020B0502040204020203" pitchFamily="34" charset="0"/>
+              </a:rPr>
+              <a:t>否</a:t>
+            </a:r>
+            <a:r>
+              <a:rPr lang="en-US" altLang="zh-TW" sz="1500" dirty="0">
+                <a:latin typeface="Segoe UI Light" panose="020B0502040204020203" pitchFamily="34" charset="0"/>
+                <a:cs typeface="Segoe UI Light" panose="020B0502040204020203" pitchFamily="34" charset="0"/>
+              </a:rPr>
+              <a:t>:</a:t>
+            </a:r>
+            <a:r>
+              <a:rPr lang="zh-TW" altLang="en-US" sz="1500" dirty="0">
+                <a:latin typeface="Segoe UI Light" panose="020B0502040204020203" pitchFamily="34" charset="0"/>
+                <a:cs typeface="Segoe UI Light" panose="020B0502040204020203" pitchFamily="34" charset="0"/>
+              </a:rPr>
+              <a:t> </a:t>
+            </a:r>
+            <a:r>
+              <a:rPr lang="en-US" altLang="zh-TW" sz="1500" dirty="0">
+                <a:latin typeface="Segoe UI Light" panose="020B0502040204020203" pitchFamily="34" charset="0"/>
+                <a:cs typeface="Segoe UI Light" panose="020B0502040204020203" pitchFamily="34" charset="0"/>
+              </a:rPr>
+              <a:t>【0402】</a:t>
+            </a:r>
+            <a:r>
+              <a:rPr lang="zh-TW" altLang="en-US" sz="1500" dirty="0">
+                <a:latin typeface="Segoe UI Light" panose="020B0502040204020203" pitchFamily="34" charset="0"/>
+                <a:cs typeface="Segoe UI Light" panose="020B0502040204020203" pitchFamily="34" charset="0"/>
+              </a:rPr>
+              <a:t>請確認下層柱主筋量，漸縮是否過大</a:t>
+            </a:r>
+            <a:endParaRPr lang="fr-FR" sz="1500" dirty="0">
+              <a:latin typeface="Segoe UI Light" panose="020B0502040204020203" pitchFamily="34" charset="0"/>
+              <a:cs typeface="Segoe UI Light" panose="020B0502040204020203" pitchFamily="34" charset="0"/>
+            </a:endParaRPr>
+          </a:p>
+        </p:txBody>
+      </p:sp>
+      <p:sp>
+        <p:nvSpPr>
+          <p:cNvPr id="2" name="文字方塊 1">
+            <a:extLst>
+              <a:ext uri="{FF2B5EF4-FFF2-40B4-BE49-F238E27FC236}">
+                <a16:creationId xmlns:a16="http://schemas.microsoft.com/office/drawing/2014/main" id="{3FB28016-F626-48AF-97D3-7238D4526DD9}"/>
+              </a:ext>
+            </a:extLst>
+          </p:cNvPr>
+          <p:cNvSpPr txBox="1"/>
+          <p:nvPr/>
+        </p:nvSpPr>
+        <p:spPr>
+          <a:xfrm>
+            <a:off x="0" y="0"/>
+            <a:ext cx="875561" cy="461665"/>
+          </a:xfrm>
+          <a:prstGeom prst="rect">
+            <a:avLst/>
+          </a:prstGeom>
+          <a:solidFill>
+            <a:schemeClr val="accent2"/>
+          </a:solidFill>
+        </p:spPr>
+        <p:txBody>
+          <a:bodyPr wrap="none" rtlCol="0">
+            <a:spAutoFit/>
+          </a:bodyPr>
+          <a:lstStyle/>
+          <a:p>
+            <a:r>
+              <a:rPr lang="en-US" altLang="zh-TW" sz="2400" dirty="0">
+                <a:solidFill>
+                  <a:schemeClr val="bg1"/>
+                </a:solidFill>
+              </a:rPr>
+              <a:t>0402</a:t>
+            </a:r>
+            <a:endParaRPr lang="zh-TW" altLang="en-US" sz="2400" dirty="0">
+              <a:solidFill>
+                <a:schemeClr val="bg1"/>
+              </a:solidFill>
+            </a:endParaRPr>
+          </a:p>
+        </p:txBody>
+      </p:sp>
+      <p:sp>
+        <p:nvSpPr>
+          <p:cNvPr id="26" name="文字方塊 25">
+            <a:extLst>
+              <a:ext uri="{FF2B5EF4-FFF2-40B4-BE49-F238E27FC236}">
+                <a16:creationId xmlns:a16="http://schemas.microsoft.com/office/drawing/2014/main" id="{C7FDD815-789D-4B42-AF9B-8F0CE4494D12}"/>
+              </a:ext>
+            </a:extLst>
+          </p:cNvPr>
+          <p:cNvSpPr txBox="1"/>
+          <p:nvPr/>
+        </p:nvSpPr>
+        <p:spPr>
+          <a:xfrm>
+            <a:off x="822661" y="0"/>
+            <a:ext cx="800219" cy="461665"/>
+          </a:xfrm>
+          <a:prstGeom prst="rect">
+            <a:avLst/>
+          </a:prstGeom>
+          <a:solidFill>
+            <a:schemeClr val="accent3"/>
+          </a:solidFill>
+        </p:spPr>
+        <p:txBody>
+          <a:bodyPr wrap="none" rtlCol="0">
+            <a:spAutoFit/>
+          </a:bodyPr>
+          <a:lstStyle/>
+          <a:p>
+            <a:r>
+              <a:rPr lang="zh-TW" altLang="en-US" sz="2400" dirty="0">
+                <a:solidFill>
+                  <a:schemeClr val="bg1"/>
+                </a:solidFill>
+              </a:rPr>
+              <a:t>主筋</a:t>
+            </a:r>
+          </a:p>
+        </p:txBody>
+      </p:sp>
     </p:spTree>
     <p:extLst>
       <p:ext uri="{BB962C8B-B14F-4D97-AF65-F5344CB8AC3E}">
-        <p14:creationId xmlns:p14="http://schemas.microsoft.com/office/powerpoint/2010/main" val="2802232397"/>
+        <p14:creationId xmlns:p14="http://schemas.microsoft.com/office/powerpoint/2010/main" val="2000051130"/>
       </p:ext>
     </p:extLst>
   </p:cSld>
@@ -34509,18 +36650,12 @@
       </p:grpSpPr>
       <p:sp>
         <p:nvSpPr>
-          <p:cNvPr id="5" name="標題 4">
-            <a:extLst>
-              <a:ext uri="{FF2B5EF4-FFF2-40B4-BE49-F238E27FC236}">
-                <a16:creationId xmlns:a16="http://schemas.microsoft.com/office/drawing/2014/main" id="{E98D9C56-A592-4711-BBE3-0EE2CC5C192A}"/>
-              </a:ext>
-            </a:extLst>
-          </p:cNvPr>
+          <p:cNvPr id="3" name="投影片編號版面配置區 2"/>
           <p:cNvSpPr>
             <a:spLocks noGrp="1"/>
           </p:cNvSpPr>
           <p:nvPr>
-            <p:ph type="title"/>
+            <p:ph type="sldNum" sz="quarter" idx="12"/>
           </p:nvPr>
         </p:nvSpPr>
         <p:spPr/>
@@ -34528,24 +36663,1319 @@
           <a:bodyPr/>
           <a:lstStyle/>
           <a:p>
+            <a:fld id="{83F5B54E-D686-4015-93F2-94C458F353E2}" type="slidenum">
+              <a:rPr lang="zh-TW" altLang="en-US" smtClean="0"/>
+              <a:t>31</a:t>
+            </a:fld>
             <a:endParaRPr lang="zh-TW" altLang="en-US"/>
           </a:p>
         </p:txBody>
       </p:sp>
       <p:sp>
         <p:nvSpPr>
-          <p:cNvPr id="3" name="投影片編號版面配置區 2">
+          <p:cNvPr id="11" name="文字方塊 10"/>
+          <p:cNvSpPr txBox="1"/>
+          <p:nvPr/>
+        </p:nvSpPr>
+        <p:spPr>
+          <a:xfrm>
+            <a:off x="922715" y="698267"/>
+            <a:ext cx="7197804" cy="369332"/>
+          </a:xfrm>
+          <a:prstGeom prst="rect">
+            <a:avLst/>
+          </a:prstGeom>
+          <a:noFill/>
+        </p:spPr>
+        <p:txBody>
+          <a:bodyPr wrap="none" rtlCol="0">
+            <a:spAutoFit/>
+          </a:bodyPr>
+          <a:lstStyle/>
+          <a:p>
+            <a:r>
+              <a:rPr lang="zh-TW" altLang="en-US" dirty="0"/>
+              <a:t>矩形閉合箍筋及繫筋之總斷面積 </a:t>
+            </a:r>
+            <a:r>
+              <a:rPr lang="en-US" altLang="zh-TW" dirty="0"/>
+              <a:t>Ash </a:t>
+            </a:r>
+            <a:r>
+              <a:rPr lang="zh-TW" altLang="en-US" dirty="0"/>
+              <a:t>不得小於式</a:t>
+            </a:r>
+            <a:r>
+              <a:rPr lang="en-US" altLang="zh-TW" dirty="0"/>
+              <a:t>(15-3)</a:t>
+            </a:r>
+            <a:r>
+              <a:rPr lang="zh-TW" altLang="en-US" dirty="0"/>
+              <a:t>及式</a:t>
+            </a:r>
+            <a:r>
+              <a:rPr lang="en-US" altLang="zh-TW" dirty="0"/>
+              <a:t>(15-4)</a:t>
+            </a:r>
+            <a:r>
+              <a:rPr lang="zh-TW" altLang="en-US" dirty="0"/>
+              <a:t>之值</a:t>
+            </a:r>
+          </a:p>
+        </p:txBody>
+      </p:sp>
+      <p:grpSp>
+        <p:nvGrpSpPr>
+          <p:cNvPr id="13" name="Group 24"/>
+          <p:cNvGrpSpPr/>
+          <p:nvPr/>
+        </p:nvGrpSpPr>
+        <p:grpSpPr>
+          <a:xfrm>
+            <a:off x="1220043" y="1448609"/>
+            <a:ext cx="708425" cy="708425"/>
+            <a:chOff x="3173014" y="2956717"/>
+            <a:chExt cx="944566" cy="944566"/>
+          </a:xfrm>
+        </p:grpSpPr>
+        <p:sp>
+          <p:nvSpPr>
+            <p:cNvPr id="14" name="Oval 25"/>
+            <p:cNvSpPr/>
+            <p:nvPr/>
+          </p:nvSpPr>
+          <p:spPr>
+            <a:xfrm>
+              <a:off x="3290491" y="3074194"/>
+              <a:ext cx="709612" cy="709612"/>
+            </a:xfrm>
+            <a:prstGeom prst="ellipse">
+              <a:avLst/>
+            </a:prstGeom>
+            <a:solidFill>
+              <a:schemeClr val="bg1">
+                <a:lumMod val="85000"/>
+              </a:schemeClr>
+            </a:solidFill>
+            <a:ln>
+              <a:noFill/>
+            </a:ln>
+          </p:spPr>
+          <p:style>
+            <a:lnRef idx="2">
+              <a:schemeClr val="accent1">
+                <a:shade val="50000"/>
+              </a:schemeClr>
+            </a:lnRef>
+            <a:fillRef idx="1">
+              <a:schemeClr val="accent1"/>
+            </a:fillRef>
+            <a:effectRef idx="0">
+              <a:schemeClr val="accent1"/>
+            </a:effectRef>
+            <a:fontRef idx="minor">
+              <a:schemeClr val="lt1"/>
+            </a:fontRef>
+          </p:style>
+          <p:txBody>
+            <a:bodyPr rtlCol="0" anchor="ctr"/>
+            <a:lstStyle/>
+            <a:p>
+              <a:pPr algn="ctr"/>
+              <a:endParaRPr lang="fr-FR" sz="1350"/>
+            </a:p>
+          </p:txBody>
+        </p:sp>
+        <p:sp>
+          <p:nvSpPr>
+            <p:cNvPr id="15" name="Oval 26"/>
+            <p:cNvSpPr/>
+            <p:nvPr/>
+          </p:nvSpPr>
+          <p:spPr>
+            <a:xfrm>
+              <a:off x="3173014" y="2956717"/>
+              <a:ext cx="944566" cy="944566"/>
+            </a:xfrm>
+            <a:prstGeom prst="ellipse">
+              <a:avLst/>
+            </a:prstGeom>
+            <a:solidFill>
+              <a:schemeClr val="bg1">
+                <a:lumMod val="85000"/>
+                <a:alpha val="42000"/>
+              </a:schemeClr>
+            </a:solidFill>
+            <a:ln>
+              <a:noFill/>
+            </a:ln>
+          </p:spPr>
+          <p:style>
+            <a:lnRef idx="2">
+              <a:schemeClr val="accent1">
+                <a:shade val="50000"/>
+              </a:schemeClr>
+            </a:lnRef>
+            <a:fillRef idx="1">
+              <a:schemeClr val="accent1"/>
+            </a:fillRef>
+            <a:effectRef idx="0">
+              <a:schemeClr val="accent1"/>
+            </a:effectRef>
+            <a:fontRef idx="minor">
+              <a:schemeClr val="lt1"/>
+            </a:fontRef>
+          </p:style>
+          <p:txBody>
+            <a:bodyPr rtlCol="0" anchor="ctr"/>
+            <a:lstStyle/>
+            <a:p>
+              <a:pPr algn="ctr"/>
+              <a:r>
+                <a:rPr lang="fr-FR" sz="2100" dirty="0">
+                  <a:solidFill>
+                    <a:schemeClr val="tx1"/>
+                  </a:solidFill>
+                  <a:latin typeface="Segoe UI" panose="020B0502040204020203" pitchFamily="34" charset="0"/>
+                  <a:cs typeface="Segoe UI" panose="020B0502040204020203" pitchFamily="34" charset="0"/>
+                </a:rPr>
+                <a:t>1</a:t>
+              </a:r>
+            </a:p>
+          </p:txBody>
+        </p:sp>
+      </p:grpSp>
+      <p:cxnSp>
+        <p:nvCxnSpPr>
+          <p:cNvPr id="16" name="Straight Connector 13"/>
+          <p:cNvCxnSpPr/>
+          <p:nvPr/>
+        </p:nvCxnSpPr>
+        <p:spPr>
+          <a:xfrm>
+            <a:off x="1571021" y="2157034"/>
+            <a:ext cx="0" cy="1087200"/>
+          </a:xfrm>
+          <a:prstGeom prst="line">
+            <a:avLst/>
+          </a:prstGeom>
+          <a:ln w="28575">
+            <a:solidFill>
+              <a:srgbClr val="EDECEC"/>
+            </a:solidFill>
+          </a:ln>
+        </p:spPr>
+        <p:style>
+          <a:lnRef idx="1">
+            <a:schemeClr val="accent1"/>
+          </a:lnRef>
+          <a:fillRef idx="0">
+            <a:schemeClr val="accent1"/>
+          </a:fillRef>
+          <a:effectRef idx="0">
+            <a:schemeClr val="accent1"/>
+          </a:effectRef>
+          <a:fontRef idx="minor">
+            <a:schemeClr val="tx1"/>
+          </a:fontRef>
+        </p:style>
+      </p:cxnSp>
+      <p:grpSp>
+        <p:nvGrpSpPr>
+          <p:cNvPr id="18" name="Group 1"/>
+          <p:cNvGrpSpPr/>
+          <p:nvPr/>
+        </p:nvGrpSpPr>
+        <p:grpSpPr>
+          <a:xfrm>
+            <a:off x="1220043" y="3244234"/>
+            <a:ext cx="708425" cy="708425"/>
+            <a:chOff x="3173014" y="2956717"/>
+            <a:chExt cx="944566" cy="944566"/>
+          </a:xfrm>
+        </p:grpSpPr>
+        <p:sp>
+          <p:nvSpPr>
+            <p:cNvPr id="19" name="Oval 18"/>
+            <p:cNvSpPr/>
+            <p:nvPr/>
+          </p:nvSpPr>
+          <p:spPr>
+            <a:xfrm>
+              <a:off x="3290491" y="3074194"/>
+              <a:ext cx="709612" cy="709612"/>
+            </a:xfrm>
+            <a:prstGeom prst="ellipse">
+              <a:avLst/>
+            </a:prstGeom>
+            <a:solidFill>
+              <a:schemeClr val="bg1">
+                <a:lumMod val="85000"/>
+              </a:schemeClr>
+            </a:solidFill>
+            <a:ln>
+              <a:noFill/>
+            </a:ln>
+          </p:spPr>
+          <p:style>
+            <a:lnRef idx="2">
+              <a:schemeClr val="accent1">
+                <a:shade val="50000"/>
+              </a:schemeClr>
+            </a:lnRef>
+            <a:fillRef idx="1">
+              <a:schemeClr val="accent1"/>
+            </a:fillRef>
+            <a:effectRef idx="0">
+              <a:schemeClr val="accent1"/>
+            </a:effectRef>
+            <a:fontRef idx="minor">
+              <a:schemeClr val="lt1"/>
+            </a:fontRef>
+          </p:style>
+          <p:txBody>
+            <a:bodyPr rtlCol="0" anchor="ctr"/>
+            <a:lstStyle/>
+            <a:p>
+              <a:pPr algn="ctr"/>
+              <a:endParaRPr lang="fr-FR" sz="1350" dirty="0"/>
+            </a:p>
+          </p:txBody>
+        </p:sp>
+        <p:sp>
+          <p:nvSpPr>
+            <p:cNvPr id="20" name="Oval 22"/>
+            <p:cNvSpPr/>
+            <p:nvPr/>
+          </p:nvSpPr>
+          <p:spPr>
+            <a:xfrm>
+              <a:off x="3173014" y="2956717"/>
+              <a:ext cx="944566" cy="944566"/>
+            </a:xfrm>
+            <a:prstGeom prst="ellipse">
+              <a:avLst/>
+            </a:prstGeom>
+            <a:solidFill>
+              <a:schemeClr val="bg1">
+                <a:lumMod val="85000"/>
+                <a:alpha val="42000"/>
+              </a:schemeClr>
+            </a:solidFill>
+            <a:ln>
+              <a:noFill/>
+            </a:ln>
+          </p:spPr>
+          <p:style>
+            <a:lnRef idx="2">
+              <a:schemeClr val="accent1">
+                <a:shade val="50000"/>
+              </a:schemeClr>
+            </a:lnRef>
+            <a:fillRef idx="1">
+              <a:schemeClr val="accent1"/>
+            </a:fillRef>
+            <a:effectRef idx="0">
+              <a:schemeClr val="accent1"/>
+            </a:effectRef>
+            <a:fontRef idx="minor">
+              <a:schemeClr val="lt1"/>
+            </a:fontRef>
+          </p:style>
+          <p:txBody>
+            <a:bodyPr rtlCol="0" anchor="ctr"/>
+            <a:lstStyle/>
+            <a:p>
+              <a:pPr algn="ctr"/>
+              <a:r>
+                <a:rPr lang="fr-FR" sz="2100" dirty="0">
+                  <a:solidFill>
+                    <a:schemeClr val="tx1"/>
+                  </a:solidFill>
+                  <a:latin typeface="Segoe UI" panose="020B0502040204020203" pitchFamily="34" charset="0"/>
+                  <a:cs typeface="Segoe UI" panose="020B0502040204020203" pitchFamily="34" charset="0"/>
+                </a:rPr>
+                <a:t>2</a:t>
+              </a:r>
+            </a:p>
+          </p:txBody>
+        </p:sp>
+      </p:grpSp>
+      <p:grpSp>
+        <p:nvGrpSpPr>
+          <p:cNvPr id="21" name="Group 27"/>
+          <p:cNvGrpSpPr/>
+          <p:nvPr/>
+        </p:nvGrpSpPr>
+        <p:grpSpPr>
+          <a:xfrm>
+            <a:off x="1220043" y="5039859"/>
+            <a:ext cx="708425" cy="708425"/>
+            <a:chOff x="3173014" y="2956717"/>
+            <a:chExt cx="944566" cy="944566"/>
+          </a:xfrm>
+        </p:grpSpPr>
+        <p:sp>
+          <p:nvSpPr>
+            <p:cNvPr id="22" name="Oval 28"/>
+            <p:cNvSpPr/>
+            <p:nvPr/>
+          </p:nvSpPr>
+          <p:spPr>
+            <a:xfrm>
+              <a:off x="3290491" y="3074194"/>
+              <a:ext cx="709612" cy="709612"/>
+            </a:xfrm>
+            <a:prstGeom prst="ellipse">
+              <a:avLst/>
+            </a:prstGeom>
+            <a:solidFill>
+              <a:schemeClr val="bg1">
+                <a:lumMod val="85000"/>
+              </a:schemeClr>
+            </a:solidFill>
+            <a:ln>
+              <a:noFill/>
+            </a:ln>
+          </p:spPr>
+          <p:style>
+            <a:lnRef idx="2">
+              <a:schemeClr val="accent1">
+                <a:shade val="50000"/>
+              </a:schemeClr>
+            </a:lnRef>
+            <a:fillRef idx="1">
+              <a:schemeClr val="accent1"/>
+            </a:fillRef>
+            <a:effectRef idx="0">
+              <a:schemeClr val="accent1"/>
+            </a:effectRef>
+            <a:fontRef idx="minor">
+              <a:schemeClr val="lt1"/>
+            </a:fontRef>
+          </p:style>
+          <p:txBody>
+            <a:bodyPr rtlCol="0" anchor="ctr"/>
+            <a:lstStyle/>
+            <a:p>
+              <a:pPr algn="ctr"/>
+              <a:endParaRPr lang="fr-FR" sz="1350"/>
+            </a:p>
+          </p:txBody>
+        </p:sp>
+        <p:sp>
+          <p:nvSpPr>
+            <p:cNvPr id="23" name="Oval 29"/>
+            <p:cNvSpPr/>
+            <p:nvPr/>
+          </p:nvSpPr>
+          <p:spPr>
+            <a:xfrm>
+              <a:off x="3173014" y="2956717"/>
+              <a:ext cx="944566" cy="944566"/>
+            </a:xfrm>
+            <a:prstGeom prst="ellipse">
+              <a:avLst/>
+            </a:prstGeom>
+            <a:solidFill>
+              <a:schemeClr val="bg1">
+                <a:lumMod val="85000"/>
+                <a:alpha val="42000"/>
+              </a:schemeClr>
+            </a:solidFill>
+            <a:ln>
+              <a:noFill/>
+            </a:ln>
+          </p:spPr>
+          <p:style>
+            <a:lnRef idx="2">
+              <a:schemeClr val="accent1">
+                <a:shade val="50000"/>
+              </a:schemeClr>
+            </a:lnRef>
+            <a:fillRef idx="1">
+              <a:schemeClr val="accent1"/>
+            </a:fillRef>
+            <a:effectRef idx="0">
+              <a:schemeClr val="accent1"/>
+            </a:effectRef>
+            <a:fontRef idx="minor">
+              <a:schemeClr val="lt1"/>
+            </a:fontRef>
+          </p:style>
+          <p:txBody>
+            <a:bodyPr rtlCol="0" anchor="ctr"/>
+            <a:lstStyle/>
+            <a:p>
+              <a:pPr algn="ctr"/>
+              <a:r>
+                <a:rPr lang="fr-FR" sz="2100" dirty="0">
+                  <a:solidFill>
+                    <a:schemeClr val="tx1"/>
+                  </a:solidFill>
+                  <a:latin typeface="Segoe UI" panose="020B0502040204020203" pitchFamily="34" charset="0"/>
+                  <a:cs typeface="Segoe UI" panose="020B0502040204020203" pitchFamily="34" charset="0"/>
+                </a:rPr>
+                <a:t>3</a:t>
+              </a:r>
+            </a:p>
+          </p:txBody>
+        </p:sp>
+      </p:grpSp>
+      <p:cxnSp>
+        <p:nvCxnSpPr>
+          <p:cNvPr id="24" name="Straight Connector 13"/>
+          <p:cNvCxnSpPr/>
+          <p:nvPr/>
+        </p:nvCxnSpPr>
+        <p:spPr>
+          <a:xfrm>
+            <a:off x="1571021" y="3952659"/>
+            <a:ext cx="0" cy="1087200"/>
+          </a:xfrm>
+          <a:prstGeom prst="line">
+            <a:avLst/>
+          </a:prstGeom>
+          <a:ln w="28575">
+            <a:solidFill>
+              <a:srgbClr val="EDECEC"/>
+            </a:solidFill>
+          </a:ln>
+        </p:spPr>
+        <p:style>
+          <a:lnRef idx="1">
+            <a:schemeClr val="accent1"/>
+          </a:lnRef>
+          <a:fillRef idx="0">
+            <a:schemeClr val="accent1"/>
+          </a:fillRef>
+          <a:effectRef idx="0">
+            <a:schemeClr val="accent1"/>
+          </a:effectRef>
+          <a:fontRef idx="minor">
+            <a:schemeClr val="tx1"/>
+          </a:fontRef>
+        </p:style>
+      </p:cxnSp>
+      <p:sp>
+        <p:nvSpPr>
+          <p:cNvPr id="27" name="TextBox 98"/>
+          <p:cNvSpPr txBox="1"/>
+          <p:nvPr/>
+        </p:nvSpPr>
+        <p:spPr>
+          <a:xfrm>
+            <a:off x="2525567" y="1383110"/>
+            <a:ext cx="2969298" cy="1015663"/>
+          </a:xfrm>
+          <a:prstGeom prst="rect">
+            <a:avLst/>
+          </a:prstGeom>
+          <a:noFill/>
+        </p:spPr>
+        <p:txBody>
+          <a:bodyPr wrap="square" lIns="0" rtlCol="0" anchor="t">
+            <a:spAutoFit/>
+          </a:bodyPr>
+          <a:lstStyle/>
+          <a:p>
+            <a:r>
+              <a:rPr lang="zh-TW" altLang="en-US" sz="1500" dirty="0">
+                <a:latin typeface="Segoe UI Light" panose="020B0502040204020203" pitchFamily="34" charset="0"/>
+                <a:cs typeface="Segoe UI Light" panose="020B0502040204020203" pitchFamily="34" charset="0"/>
+              </a:rPr>
+              <a:t>取出</a:t>
+            </a:r>
+            <a:r>
+              <a:rPr lang="en-US" altLang="zh-TW" sz="1500" dirty="0">
+                <a:latin typeface="Segoe UI Light" panose="020B0502040204020203" pitchFamily="34" charset="0"/>
+                <a:cs typeface="Segoe UI Light" panose="020B0502040204020203" pitchFamily="34" charset="0"/>
+              </a:rPr>
+              <a:t>:</a:t>
+            </a:r>
+            <a:r>
+              <a:rPr lang="zh-TW" altLang="en-US" sz="1500" dirty="0">
+                <a:latin typeface="Segoe UI Light" panose="020B0502040204020203" pitchFamily="34" charset="0"/>
+                <a:cs typeface="Segoe UI Light" panose="020B0502040204020203" pitchFamily="34" charset="0"/>
+              </a:rPr>
+              <a:t> </a:t>
+            </a:r>
+            <a:endParaRPr lang="en-US" altLang="zh-TW" sz="1500" dirty="0">
+              <a:latin typeface="Segoe UI Light" panose="020B0502040204020203" pitchFamily="34" charset="0"/>
+              <a:cs typeface="Segoe UI Light" panose="020B0502040204020203" pitchFamily="34" charset="0"/>
+            </a:endParaRPr>
+          </a:p>
+          <a:p>
+            <a:r>
+              <a:rPr lang="zh-TW" altLang="en-US" sz="1500" dirty="0">
+                <a:latin typeface="Segoe UI Light" panose="020B0502040204020203" pitchFamily="34" charset="0"/>
+                <a:cs typeface="Segoe UI Light" panose="020B0502040204020203" pitchFamily="34" charset="0"/>
+              </a:rPr>
+              <a:t>柱混凝土強度、箍筋強度、保護層、圍束區箍筋直徑與間距、</a:t>
+            </a:r>
+            <a:r>
+              <a:rPr lang="en-US" altLang="zh-TW" sz="1500" dirty="0">
+                <a:latin typeface="Segoe UI Light" panose="020B0502040204020203" pitchFamily="34" charset="0"/>
+                <a:cs typeface="Segoe UI Light" panose="020B0502040204020203" pitchFamily="34" charset="0"/>
+              </a:rPr>
+              <a:t>X</a:t>
+            </a:r>
+            <a:r>
+              <a:rPr lang="zh-TW" altLang="en-US" sz="1500" dirty="0">
+                <a:latin typeface="Segoe UI Light" panose="020B0502040204020203" pitchFamily="34" charset="0"/>
+                <a:cs typeface="Segoe UI Light" panose="020B0502040204020203" pitchFamily="34" charset="0"/>
+              </a:rPr>
+              <a:t> 向柱寬、</a:t>
+            </a:r>
+            <a:r>
+              <a:rPr lang="en-US" altLang="zh-TW" sz="1500" dirty="0">
+                <a:latin typeface="Segoe UI Light" panose="020B0502040204020203" pitchFamily="34" charset="0"/>
+                <a:cs typeface="Segoe UI Light" panose="020B0502040204020203" pitchFamily="34" charset="0"/>
+              </a:rPr>
+              <a:t>Y</a:t>
+            </a:r>
+            <a:r>
+              <a:rPr lang="zh-TW" altLang="en-US" sz="1500" dirty="0">
+                <a:latin typeface="Segoe UI Light" panose="020B0502040204020203" pitchFamily="34" charset="0"/>
+                <a:cs typeface="Segoe UI Light" panose="020B0502040204020203" pitchFamily="34" charset="0"/>
+              </a:rPr>
+              <a:t> 向柱寬、</a:t>
+            </a:r>
+            <a:r>
+              <a:rPr lang="en-US" altLang="zh-TW" sz="1500" dirty="0">
+                <a:latin typeface="Segoe UI Light" panose="020B0502040204020203" pitchFamily="34" charset="0"/>
+                <a:cs typeface="Segoe UI Light" panose="020B0502040204020203" pitchFamily="34" charset="0"/>
+              </a:rPr>
+              <a:t>X</a:t>
+            </a:r>
+            <a:r>
+              <a:rPr lang="zh-TW" altLang="en-US" sz="1500" dirty="0">
+                <a:latin typeface="Segoe UI Light" panose="020B0502040204020203" pitchFamily="34" charset="0"/>
+                <a:cs typeface="Segoe UI Light" panose="020B0502040204020203" pitchFamily="34" charset="0"/>
+              </a:rPr>
+              <a:t> 向繫筋面積</a:t>
+            </a:r>
+            <a:endParaRPr lang="fr-FR" sz="1500" dirty="0">
+              <a:latin typeface="Segoe UI Light" panose="020B0502040204020203" pitchFamily="34" charset="0"/>
+              <a:cs typeface="Segoe UI Light" panose="020B0502040204020203" pitchFamily="34" charset="0"/>
+            </a:endParaRPr>
+          </a:p>
+        </p:txBody>
+      </p:sp>
+      <p:sp>
+        <p:nvSpPr>
+          <p:cNvPr id="31" name="TextBox 98"/>
+          <p:cNvSpPr txBox="1"/>
+          <p:nvPr/>
+        </p:nvSpPr>
+        <p:spPr>
+          <a:xfrm>
+            <a:off x="2525566" y="2646995"/>
+            <a:ext cx="6170559" cy="2169825"/>
+          </a:xfrm>
+          <a:prstGeom prst="rect">
+            <a:avLst/>
+          </a:prstGeom>
+          <a:noFill/>
+        </p:spPr>
+        <p:txBody>
+          <a:bodyPr wrap="square" lIns="0" rtlCol="0" anchor="t">
+            <a:spAutoFit/>
+          </a:bodyPr>
+          <a:lstStyle/>
+          <a:p>
+            <a:r>
+              <a:rPr lang="de-DE" altLang="zh-TW" sz="1500" dirty="0">
+                <a:latin typeface="Segoe UI Light" panose="020B0502040204020203" pitchFamily="34" charset="0"/>
+                <a:cs typeface="Segoe UI Light" panose="020B0502040204020203" pitchFamily="34" charset="0"/>
+              </a:rPr>
+              <a:t>ag =</a:t>
+            </a:r>
+            <a:r>
+              <a:rPr lang="en-US" altLang="zh-TW" sz="1500" dirty="0">
+                <a:latin typeface="Segoe UI Light" panose="020B0502040204020203" pitchFamily="34" charset="0"/>
+                <a:cs typeface="Segoe UI Light" panose="020B0502040204020203" pitchFamily="34" charset="0"/>
+              </a:rPr>
+              <a:t> X</a:t>
+            </a:r>
+            <a:r>
+              <a:rPr lang="zh-TW" altLang="en-US" sz="1500" dirty="0">
+                <a:latin typeface="Segoe UI Light" panose="020B0502040204020203" pitchFamily="34" charset="0"/>
+                <a:cs typeface="Segoe UI Light" panose="020B0502040204020203" pitchFamily="34" charset="0"/>
+              </a:rPr>
+              <a:t> 向柱寬 </a:t>
+            </a:r>
+            <a:r>
+              <a:rPr lang="de-DE" altLang="zh-TW" sz="1500" dirty="0">
+                <a:latin typeface="Segoe UI Light" panose="020B0502040204020203" pitchFamily="34" charset="0"/>
+                <a:cs typeface="Segoe UI Light" panose="020B0502040204020203" pitchFamily="34" charset="0"/>
+              </a:rPr>
+              <a:t>*</a:t>
+            </a:r>
+            <a:r>
+              <a:rPr lang="zh-TW" altLang="en-US" sz="1500" dirty="0">
+                <a:latin typeface="Segoe UI Light" panose="020B0502040204020203" pitchFamily="34" charset="0"/>
+                <a:cs typeface="Segoe UI Light" panose="020B0502040204020203" pitchFamily="34" charset="0"/>
+              </a:rPr>
+              <a:t> </a:t>
+            </a:r>
+            <a:r>
+              <a:rPr lang="en-US" altLang="zh-TW" sz="1500" dirty="0">
+                <a:latin typeface="Segoe UI Light" panose="020B0502040204020203" pitchFamily="34" charset="0"/>
+                <a:cs typeface="Segoe UI Light" panose="020B0502040204020203" pitchFamily="34" charset="0"/>
+              </a:rPr>
+              <a:t>Y</a:t>
+            </a:r>
+            <a:r>
+              <a:rPr lang="zh-TW" altLang="en-US" sz="1500" dirty="0">
+                <a:latin typeface="Segoe UI Light" panose="020B0502040204020203" pitchFamily="34" charset="0"/>
+                <a:cs typeface="Segoe UI Light" panose="020B0502040204020203" pitchFamily="34" charset="0"/>
+              </a:rPr>
+              <a:t> 向柱寬</a:t>
+            </a:r>
+            <a:endParaRPr lang="en-US" altLang="zh-TW" sz="1500" dirty="0">
+              <a:latin typeface="Segoe UI Light" panose="020B0502040204020203" pitchFamily="34" charset="0"/>
+              <a:cs typeface="Segoe UI Light" panose="020B0502040204020203" pitchFamily="34" charset="0"/>
+            </a:endParaRPr>
+          </a:p>
+          <a:p>
+            <a:r>
+              <a:rPr lang="en-US" altLang="zh-TW" sz="1500" dirty="0">
+                <a:latin typeface="Segoe UI Light" panose="020B0502040204020203" pitchFamily="34" charset="0"/>
+                <a:cs typeface="Segoe UI Light" panose="020B0502040204020203" pitchFamily="34" charset="0"/>
+              </a:rPr>
+              <a:t>ach = (X</a:t>
+            </a:r>
+            <a:r>
+              <a:rPr lang="zh-TW" altLang="en-US" sz="1500" dirty="0">
+                <a:latin typeface="Segoe UI Light" panose="020B0502040204020203" pitchFamily="34" charset="0"/>
+                <a:cs typeface="Segoe UI Light" panose="020B0502040204020203" pitchFamily="34" charset="0"/>
+              </a:rPr>
+              <a:t> 向柱寬 </a:t>
+            </a:r>
+            <a:r>
+              <a:rPr lang="en-US" altLang="zh-TW" sz="1500" dirty="0">
+                <a:latin typeface="Segoe UI Light" panose="020B0502040204020203" pitchFamily="34" charset="0"/>
+                <a:cs typeface="Segoe UI Light" panose="020B0502040204020203" pitchFamily="34" charset="0"/>
+              </a:rPr>
+              <a:t>-</a:t>
+            </a:r>
+            <a:r>
+              <a:rPr lang="zh-TW" altLang="en-US" sz="1500" dirty="0">
+                <a:latin typeface="Segoe UI Light" panose="020B0502040204020203" pitchFamily="34" charset="0"/>
+                <a:cs typeface="Segoe UI Light" panose="020B0502040204020203" pitchFamily="34" charset="0"/>
+              </a:rPr>
+              <a:t> 保護層</a:t>
+            </a:r>
+            <a:r>
+              <a:rPr lang="en-US" altLang="zh-TW" sz="1500" dirty="0">
+                <a:latin typeface="Segoe UI Light" panose="020B0502040204020203" pitchFamily="34" charset="0"/>
+                <a:cs typeface="Segoe UI Light" panose="020B0502040204020203" pitchFamily="34" charset="0"/>
+              </a:rPr>
+              <a:t> * 2) * (Y</a:t>
+            </a:r>
+            <a:r>
+              <a:rPr lang="zh-TW" altLang="en-US" sz="1500" dirty="0">
+                <a:latin typeface="Segoe UI Light" panose="020B0502040204020203" pitchFamily="34" charset="0"/>
+                <a:cs typeface="Segoe UI Light" panose="020B0502040204020203" pitchFamily="34" charset="0"/>
+              </a:rPr>
+              <a:t> 向柱寬 </a:t>
+            </a:r>
+            <a:r>
+              <a:rPr lang="en-US" altLang="zh-TW" sz="1500" dirty="0">
+                <a:latin typeface="Segoe UI Light" panose="020B0502040204020203" pitchFamily="34" charset="0"/>
+                <a:cs typeface="Segoe UI Light" panose="020B0502040204020203" pitchFamily="34" charset="0"/>
+              </a:rPr>
+              <a:t>-</a:t>
+            </a:r>
+            <a:r>
+              <a:rPr lang="zh-TW" altLang="en-US" sz="1500" dirty="0">
+                <a:latin typeface="Segoe UI Light" panose="020B0502040204020203" pitchFamily="34" charset="0"/>
+                <a:cs typeface="Segoe UI Light" panose="020B0502040204020203" pitchFamily="34" charset="0"/>
+              </a:rPr>
+              <a:t> 保護層</a:t>
+            </a:r>
+            <a:r>
+              <a:rPr lang="en-US" altLang="zh-TW" sz="1500" dirty="0">
+                <a:latin typeface="Segoe UI Light" panose="020B0502040204020203" pitchFamily="34" charset="0"/>
+                <a:cs typeface="Segoe UI Light" panose="020B0502040204020203" pitchFamily="34" charset="0"/>
+              </a:rPr>
+              <a:t> * 2)</a:t>
+            </a:r>
+          </a:p>
+          <a:p>
+            <a:r>
+              <a:rPr lang="en-US" altLang="zh-TW" sz="1500" dirty="0" err="1">
+                <a:latin typeface="Segoe UI Light" panose="020B0502040204020203" pitchFamily="34" charset="0"/>
+                <a:cs typeface="Segoe UI Light" panose="020B0502040204020203" pitchFamily="34" charset="0"/>
+              </a:rPr>
+              <a:t>bcY</a:t>
+            </a:r>
+            <a:r>
+              <a:rPr lang="en-US" altLang="zh-TW" sz="1500" dirty="0">
+                <a:latin typeface="Segoe UI Light" panose="020B0502040204020203" pitchFamily="34" charset="0"/>
+                <a:cs typeface="Segoe UI Light" panose="020B0502040204020203" pitchFamily="34" charset="0"/>
+              </a:rPr>
+              <a:t> = Y</a:t>
+            </a:r>
+            <a:r>
+              <a:rPr lang="zh-TW" altLang="en-US" sz="1500" dirty="0">
+                <a:latin typeface="Segoe UI Light" panose="020B0502040204020203" pitchFamily="34" charset="0"/>
+                <a:cs typeface="Segoe UI Light" panose="020B0502040204020203" pitchFamily="34" charset="0"/>
+              </a:rPr>
+              <a:t> 向柱寬 </a:t>
+            </a:r>
+            <a:r>
+              <a:rPr lang="en-US" altLang="zh-TW" sz="1500" dirty="0">
+                <a:latin typeface="Segoe UI Light" panose="020B0502040204020203" pitchFamily="34" charset="0"/>
+                <a:cs typeface="Segoe UI Light" panose="020B0502040204020203" pitchFamily="34" charset="0"/>
+              </a:rPr>
+              <a:t>- </a:t>
+            </a:r>
+            <a:r>
+              <a:rPr lang="zh-TW" altLang="en-US" sz="1500" dirty="0">
+                <a:latin typeface="Segoe UI Light" panose="020B0502040204020203" pitchFamily="34" charset="0"/>
+                <a:cs typeface="Segoe UI Light" panose="020B0502040204020203" pitchFamily="34" charset="0"/>
+              </a:rPr>
+              <a:t>保護層 </a:t>
+            </a:r>
+            <a:r>
+              <a:rPr lang="en-US" altLang="zh-TW" sz="1500" dirty="0">
+                <a:latin typeface="Segoe UI Light" panose="020B0502040204020203" pitchFamily="34" charset="0"/>
+                <a:cs typeface="Segoe UI Light" panose="020B0502040204020203" pitchFamily="34" charset="0"/>
+              </a:rPr>
+              <a:t>* 2 -</a:t>
+            </a:r>
+            <a:r>
+              <a:rPr lang="zh-TW" altLang="en-US" sz="1500" dirty="0">
+                <a:latin typeface="Segoe UI Light" panose="020B0502040204020203" pitchFamily="34" charset="0"/>
+                <a:cs typeface="Segoe UI Light" panose="020B0502040204020203" pitchFamily="34" charset="0"/>
+              </a:rPr>
+              <a:t> 箍筋直徑</a:t>
+            </a:r>
+            <a:endParaRPr lang="en-US" altLang="zh-TW" sz="1500" dirty="0">
+              <a:latin typeface="Segoe UI Light" panose="020B0502040204020203" pitchFamily="34" charset="0"/>
+              <a:cs typeface="Segoe UI Light" panose="020B0502040204020203" pitchFamily="34" charset="0"/>
+            </a:endParaRPr>
+          </a:p>
+          <a:p>
+            <a:endParaRPr lang="en-US" altLang="zh-TW" sz="1500" dirty="0">
+              <a:latin typeface="Segoe UI Light" panose="020B0502040204020203" pitchFamily="34" charset="0"/>
+              <a:cs typeface="Segoe UI Light" panose="020B0502040204020203" pitchFamily="34" charset="0"/>
+            </a:endParaRPr>
+          </a:p>
+          <a:p>
+            <a:r>
+              <a:rPr lang="zh-TW" altLang="en-US" sz="1500" dirty="0">
+                <a:latin typeface="Segoe UI Light" panose="020B0502040204020203" pitchFamily="34" charset="0"/>
+                <a:cs typeface="Segoe UI Light" panose="020B0502040204020203" pitchFamily="34" charset="0"/>
+              </a:rPr>
+              <a:t>判斷</a:t>
+            </a:r>
+            <a:r>
+              <a:rPr lang="en-US" altLang="zh-TW" sz="1500" dirty="0">
+                <a:latin typeface="Segoe UI Light" panose="020B0502040204020203" pitchFamily="34" charset="0"/>
+                <a:cs typeface="Segoe UI Light" panose="020B0502040204020203" pitchFamily="34" charset="0"/>
+              </a:rPr>
+              <a:t>:</a:t>
+            </a:r>
+            <a:r>
+              <a:rPr lang="zh-TW" altLang="en-US" sz="1500" dirty="0">
+                <a:latin typeface="Segoe UI Light" panose="020B0502040204020203" pitchFamily="34" charset="0"/>
+                <a:cs typeface="Segoe UI Light" panose="020B0502040204020203" pitchFamily="34" charset="0"/>
+              </a:rPr>
+              <a:t> </a:t>
+            </a:r>
+            <a:endParaRPr lang="en-US" altLang="zh-TW" sz="1500" dirty="0">
+              <a:latin typeface="Segoe UI Light" panose="020B0502040204020203" pitchFamily="34" charset="0"/>
+              <a:cs typeface="Segoe UI Light" panose="020B0502040204020203" pitchFamily="34" charset="0"/>
+            </a:endParaRPr>
+          </a:p>
+          <a:p>
+            <a:pPr marL="285750" indent="-285750">
+              <a:buFontTx/>
+              <a:buChar char="-"/>
+            </a:pPr>
+            <a:r>
+              <a:rPr lang="en-US" altLang="zh-TW" sz="1500" dirty="0">
+                <a:latin typeface="Segoe UI Light" panose="020B0502040204020203" pitchFamily="34" charset="0"/>
+                <a:cs typeface="Segoe UI Light" panose="020B0502040204020203" pitchFamily="34" charset="0"/>
+              </a:rPr>
+              <a:t>X</a:t>
+            </a:r>
+            <a:r>
+              <a:rPr lang="zh-TW" altLang="en-US" sz="1500" dirty="0">
+                <a:latin typeface="Segoe UI Light" panose="020B0502040204020203" pitchFamily="34" charset="0"/>
+                <a:cs typeface="Segoe UI Light" panose="020B0502040204020203" pitchFamily="34" charset="0"/>
+              </a:rPr>
+              <a:t> 向繫筋面積 </a:t>
+            </a:r>
+            <a:r>
+              <a:rPr lang="en-US" altLang="zh-TW" sz="1500" dirty="0">
+                <a:latin typeface="Segoe UI Light" panose="020B0502040204020203" pitchFamily="34" charset="0"/>
+                <a:cs typeface="Segoe UI Light" panose="020B0502040204020203" pitchFamily="34" charset="0"/>
+              </a:rPr>
+              <a:t>&gt; </a:t>
+            </a:r>
+            <a:r>
+              <a:rPr lang="fr-FR" sz="1500" dirty="0">
+                <a:latin typeface="Segoe UI Light" panose="020B0502040204020203" pitchFamily="34" charset="0"/>
+                <a:cs typeface="Segoe UI Light" panose="020B0502040204020203" pitchFamily="34" charset="0"/>
+              </a:rPr>
+              <a:t>0.3 *</a:t>
+            </a:r>
+            <a:r>
+              <a:rPr lang="zh-TW" altLang="en-US" sz="1500" dirty="0">
+                <a:latin typeface="Segoe UI Light" panose="020B0502040204020203" pitchFamily="34" charset="0"/>
+                <a:cs typeface="Segoe UI Light" panose="020B0502040204020203" pitchFamily="34" charset="0"/>
+              </a:rPr>
+              <a:t> 箍筋間距 </a:t>
+            </a:r>
+            <a:r>
+              <a:rPr lang="fr-FR" sz="1500" dirty="0">
+                <a:latin typeface="Segoe UI Light" panose="020B0502040204020203" pitchFamily="34" charset="0"/>
+                <a:cs typeface="Segoe UI Light" panose="020B0502040204020203" pitchFamily="34" charset="0"/>
+              </a:rPr>
+              <a:t>* bcY *</a:t>
+            </a:r>
+            <a:r>
+              <a:rPr lang="zh-TW" altLang="en-US" sz="1500" dirty="0">
+                <a:latin typeface="Segoe UI Light" panose="020B0502040204020203" pitchFamily="34" charset="0"/>
+                <a:cs typeface="Segoe UI Light" panose="020B0502040204020203" pitchFamily="34" charset="0"/>
+              </a:rPr>
+              <a:t> 柱混凝土強度 </a:t>
+            </a:r>
+            <a:r>
+              <a:rPr lang="fr-FR" sz="1500" dirty="0">
+                <a:latin typeface="Segoe UI Light" panose="020B0502040204020203" pitchFamily="34" charset="0"/>
+                <a:cs typeface="Segoe UI Light" panose="020B0502040204020203" pitchFamily="34" charset="0"/>
+              </a:rPr>
+              <a:t>/</a:t>
+            </a:r>
+            <a:r>
+              <a:rPr lang="zh-TW" altLang="en-US" sz="1500" dirty="0">
+                <a:latin typeface="Segoe UI Light" panose="020B0502040204020203" pitchFamily="34" charset="0"/>
+                <a:cs typeface="Segoe UI Light" panose="020B0502040204020203" pitchFamily="34" charset="0"/>
+              </a:rPr>
+              <a:t> 箍筋強度 </a:t>
+            </a:r>
+            <a:r>
+              <a:rPr lang="fr-FR" sz="1500" dirty="0">
+                <a:latin typeface="Segoe UI Light" panose="020B0502040204020203" pitchFamily="34" charset="0"/>
+                <a:cs typeface="Segoe UI Light" panose="020B0502040204020203" pitchFamily="34" charset="0"/>
+              </a:rPr>
+              <a:t>* (ag / ach - 1)</a:t>
+            </a:r>
+          </a:p>
+          <a:p>
+            <a:pPr marL="285750" indent="-285750">
+              <a:buFontTx/>
+              <a:buChar char="-"/>
+            </a:pPr>
+            <a:r>
+              <a:rPr lang="en-US" altLang="zh-TW" sz="1500" dirty="0">
+                <a:latin typeface="Segoe UI Light" panose="020B0502040204020203" pitchFamily="34" charset="0"/>
+                <a:cs typeface="Segoe UI Light" panose="020B0502040204020203" pitchFamily="34" charset="0"/>
+              </a:rPr>
+              <a:t>X</a:t>
+            </a:r>
+            <a:r>
+              <a:rPr lang="zh-TW" altLang="en-US" sz="1500" dirty="0">
+                <a:latin typeface="Segoe UI Light" panose="020B0502040204020203" pitchFamily="34" charset="0"/>
+                <a:cs typeface="Segoe UI Light" panose="020B0502040204020203" pitchFamily="34" charset="0"/>
+              </a:rPr>
+              <a:t> 向繫筋面積 </a:t>
+            </a:r>
+            <a:r>
+              <a:rPr lang="en-US" altLang="zh-TW" sz="1500" dirty="0">
+                <a:latin typeface="Segoe UI Light" panose="020B0502040204020203" pitchFamily="34" charset="0"/>
+                <a:cs typeface="Segoe UI Light" panose="020B0502040204020203" pitchFamily="34" charset="0"/>
+              </a:rPr>
+              <a:t>&gt; </a:t>
+            </a:r>
+            <a:r>
+              <a:rPr lang="fr-FR" sz="1500" dirty="0">
+                <a:latin typeface="Segoe UI Light" panose="020B0502040204020203" pitchFamily="34" charset="0"/>
+                <a:cs typeface="Segoe UI Light" panose="020B0502040204020203" pitchFamily="34" charset="0"/>
+              </a:rPr>
+              <a:t>0.09 * </a:t>
+            </a:r>
+            <a:r>
+              <a:rPr lang="zh-TW" altLang="en-US" sz="1500" dirty="0">
+                <a:latin typeface="Segoe UI Light" panose="020B0502040204020203" pitchFamily="34" charset="0"/>
+                <a:cs typeface="Segoe UI Light" panose="020B0502040204020203" pitchFamily="34" charset="0"/>
+              </a:rPr>
+              <a:t>箍筋間距</a:t>
+            </a:r>
+            <a:r>
+              <a:rPr lang="fr-FR" sz="1500" dirty="0">
+                <a:latin typeface="Segoe UI Light" panose="020B0502040204020203" pitchFamily="34" charset="0"/>
+                <a:cs typeface="Segoe UI Light" panose="020B0502040204020203" pitchFamily="34" charset="0"/>
+              </a:rPr>
+              <a:t> * bcY * </a:t>
+            </a:r>
+            <a:r>
+              <a:rPr lang="zh-TW" altLang="en-US" sz="1500" dirty="0">
+                <a:latin typeface="Segoe UI Light" panose="020B0502040204020203" pitchFamily="34" charset="0"/>
+                <a:cs typeface="Segoe UI Light" panose="020B0502040204020203" pitchFamily="34" charset="0"/>
+              </a:rPr>
+              <a:t>柱混凝土強度</a:t>
+            </a:r>
+            <a:r>
+              <a:rPr lang="fr-FR" sz="1500" dirty="0">
+                <a:latin typeface="Segoe UI Light" panose="020B0502040204020203" pitchFamily="34" charset="0"/>
+                <a:cs typeface="Segoe UI Light" panose="020B0502040204020203" pitchFamily="34" charset="0"/>
+              </a:rPr>
+              <a:t> / </a:t>
+            </a:r>
+            <a:r>
+              <a:rPr lang="zh-TW" altLang="en-US" sz="1500" dirty="0">
+                <a:latin typeface="Segoe UI Light" panose="020B0502040204020203" pitchFamily="34" charset="0"/>
+                <a:cs typeface="Segoe UI Light" panose="020B0502040204020203" pitchFamily="34" charset="0"/>
+              </a:rPr>
+              <a:t>箍筋強度 </a:t>
+            </a:r>
+            <a:endParaRPr lang="fr-FR" sz="1500" dirty="0">
+              <a:latin typeface="Segoe UI Light" panose="020B0502040204020203" pitchFamily="34" charset="0"/>
+              <a:cs typeface="Segoe UI Light" panose="020B0502040204020203" pitchFamily="34" charset="0"/>
+            </a:endParaRPr>
+          </a:p>
+          <a:p>
+            <a:pPr marL="285750" indent="-285750">
+              <a:buFontTx/>
+              <a:buChar char="-"/>
+            </a:pPr>
+            <a:endParaRPr lang="fr-FR" sz="1500" dirty="0">
+              <a:latin typeface="Segoe UI Light" panose="020B0502040204020203" pitchFamily="34" charset="0"/>
+              <a:cs typeface="Segoe UI Light" panose="020B0502040204020203" pitchFamily="34" charset="0"/>
+            </a:endParaRPr>
+          </a:p>
+        </p:txBody>
+      </p:sp>
+      <p:sp>
+        <p:nvSpPr>
+          <p:cNvPr id="32" name="TextBox 98"/>
+          <p:cNvSpPr txBox="1"/>
+          <p:nvPr/>
+        </p:nvSpPr>
+        <p:spPr>
+          <a:xfrm>
+            <a:off x="2525566" y="4929497"/>
+            <a:ext cx="5704030" cy="553998"/>
+          </a:xfrm>
+          <a:prstGeom prst="rect">
+            <a:avLst/>
+          </a:prstGeom>
+          <a:noFill/>
+        </p:spPr>
+        <p:txBody>
+          <a:bodyPr wrap="square" lIns="0" rtlCol="0" anchor="t">
+            <a:spAutoFit/>
+          </a:bodyPr>
+          <a:lstStyle/>
+          <a:p>
+            <a:r>
+              <a:rPr lang="zh-TW" altLang="en-US" sz="1500" dirty="0">
+                <a:latin typeface="Segoe UI Light" panose="020B0502040204020203" pitchFamily="34" charset="0"/>
+                <a:cs typeface="Segoe UI Light" panose="020B0502040204020203" pitchFamily="34" charset="0"/>
+              </a:rPr>
+              <a:t>是</a:t>
+            </a:r>
+            <a:r>
+              <a:rPr lang="en-US" altLang="zh-TW" sz="1500" dirty="0">
+                <a:latin typeface="Segoe UI Light" panose="020B0502040204020203" pitchFamily="34" charset="0"/>
+                <a:cs typeface="Segoe UI Light" panose="020B0502040204020203" pitchFamily="34" charset="0"/>
+              </a:rPr>
+              <a:t>:</a:t>
+            </a:r>
+            <a:r>
+              <a:rPr lang="zh-TW" altLang="en-US" sz="1500" dirty="0">
+                <a:latin typeface="Segoe UI Light" panose="020B0502040204020203" pitchFamily="34" charset="0"/>
+                <a:cs typeface="Segoe UI Light" panose="020B0502040204020203" pitchFamily="34" charset="0"/>
+              </a:rPr>
+              <a:t> </a:t>
+            </a:r>
+            <a:r>
+              <a:rPr lang="en-US" altLang="zh-TW" sz="1500" dirty="0">
+                <a:latin typeface="Segoe UI Light" panose="020B0502040204020203" pitchFamily="34" charset="0"/>
+                <a:cs typeface="Segoe UI Light" panose="020B0502040204020203" pitchFamily="34" charset="0"/>
+              </a:rPr>
+              <a:t>OK</a:t>
+            </a:r>
+          </a:p>
+          <a:p>
+            <a:r>
+              <a:rPr lang="zh-TW" altLang="en-US" sz="1500" dirty="0">
+                <a:latin typeface="Segoe UI Light" panose="020B0502040204020203" pitchFamily="34" charset="0"/>
+                <a:cs typeface="Segoe UI Light" panose="020B0502040204020203" pitchFamily="34" charset="0"/>
+              </a:rPr>
+              <a:t>否</a:t>
+            </a:r>
+            <a:r>
+              <a:rPr lang="en-US" altLang="zh-TW" sz="1500" dirty="0">
+                <a:latin typeface="Segoe UI Light" panose="020B0502040204020203" pitchFamily="34" charset="0"/>
+                <a:cs typeface="Segoe UI Light" panose="020B0502040204020203" pitchFamily="34" charset="0"/>
+              </a:rPr>
+              <a:t>:</a:t>
+            </a:r>
+            <a:r>
+              <a:rPr lang="zh-TW" altLang="en-US" sz="1500" dirty="0">
+                <a:latin typeface="Segoe UI Light" panose="020B0502040204020203" pitchFamily="34" charset="0"/>
+                <a:cs typeface="Segoe UI Light" panose="020B0502040204020203" pitchFamily="34" charset="0"/>
+              </a:rPr>
+              <a:t> </a:t>
+            </a:r>
+            <a:r>
+              <a:rPr lang="en-US" altLang="zh-TW" sz="1500" dirty="0">
+                <a:latin typeface="Segoe UI Light" panose="020B0502040204020203" pitchFamily="34" charset="0"/>
+                <a:cs typeface="Segoe UI Light" panose="020B0502040204020203" pitchFamily="34" charset="0"/>
+              </a:rPr>
+              <a:t>【0403】</a:t>
+            </a:r>
+            <a:r>
+              <a:rPr lang="zh-TW" altLang="en-US" sz="1500" dirty="0">
+                <a:latin typeface="Segoe UI Light" panose="020B0502040204020203" pitchFamily="34" charset="0"/>
+                <a:cs typeface="Segoe UI Light" panose="020B0502040204020203" pitchFamily="34" charset="0"/>
+              </a:rPr>
+              <a:t>請確認 </a:t>
+            </a:r>
+            <a:r>
+              <a:rPr lang="en-US" altLang="zh-TW" sz="1500" dirty="0">
+                <a:latin typeface="Segoe UI Light" panose="020B0502040204020203" pitchFamily="34" charset="0"/>
+                <a:cs typeface="Segoe UI Light" panose="020B0502040204020203" pitchFamily="34" charset="0"/>
+              </a:rPr>
+              <a:t>X </a:t>
+            </a:r>
+            <a:r>
+              <a:rPr lang="zh-TW" altLang="en-US" sz="1500" dirty="0">
+                <a:latin typeface="Segoe UI Light" panose="020B0502040204020203" pitchFamily="34" charset="0"/>
+                <a:cs typeface="Segoe UI Light" panose="020B0502040204020203" pitchFamily="34" charset="0"/>
+              </a:rPr>
+              <a:t>向橫向鋼筋，是否符合 規範 </a:t>
+            </a:r>
+            <a:r>
+              <a:rPr lang="en-US" altLang="zh-TW" sz="1500" dirty="0">
+                <a:latin typeface="Segoe UI Light" panose="020B0502040204020203" pitchFamily="34" charset="0"/>
+                <a:cs typeface="Segoe UI Light" panose="020B0502040204020203" pitchFamily="34" charset="0"/>
+              </a:rPr>
+              <a:t>15.5.4.1 </a:t>
+            </a:r>
+            <a:r>
+              <a:rPr lang="zh-TW" altLang="en-US" sz="1500" dirty="0">
+                <a:latin typeface="Segoe UI Light" panose="020B0502040204020203" pitchFamily="34" charset="0"/>
+                <a:cs typeface="Segoe UI Light" panose="020B0502040204020203" pitchFamily="34" charset="0"/>
+              </a:rPr>
+              <a:t>規定</a:t>
+            </a:r>
+            <a:endParaRPr lang="fr-FR" sz="1500" dirty="0">
+              <a:latin typeface="Segoe UI Light" panose="020B0502040204020203" pitchFamily="34" charset="0"/>
+              <a:cs typeface="Segoe UI Light" panose="020B0502040204020203" pitchFamily="34" charset="0"/>
+            </a:endParaRPr>
+          </a:p>
+        </p:txBody>
+      </p:sp>
+      <p:sp>
+        <p:nvSpPr>
+          <p:cNvPr id="2" name="文字方塊 1">
             <a:extLst>
               <a:ext uri="{FF2B5EF4-FFF2-40B4-BE49-F238E27FC236}">
-                <a16:creationId xmlns:a16="http://schemas.microsoft.com/office/drawing/2014/main" id="{0943F192-3E7D-4500-99E7-434AEA5CA3A7}"/>
+                <a16:creationId xmlns:a16="http://schemas.microsoft.com/office/drawing/2014/main" id="{3FB28016-F626-48AF-97D3-7238D4526DD9}"/>
               </a:ext>
             </a:extLst>
           </p:cNvPr>
+          <p:cNvSpPr txBox="1"/>
+          <p:nvPr/>
+        </p:nvSpPr>
+        <p:spPr>
+          <a:xfrm>
+            <a:off x="0" y="0"/>
+            <a:ext cx="875561" cy="461665"/>
+          </a:xfrm>
+          <a:prstGeom prst="rect">
+            <a:avLst/>
+          </a:prstGeom>
+          <a:solidFill>
+            <a:schemeClr val="accent2"/>
+          </a:solidFill>
+        </p:spPr>
+        <p:txBody>
+          <a:bodyPr wrap="none" rtlCol="0">
+            <a:spAutoFit/>
+          </a:bodyPr>
+          <a:lstStyle/>
+          <a:p>
+            <a:r>
+              <a:rPr lang="en-US" altLang="zh-TW" sz="2400" dirty="0">
+                <a:solidFill>
+                  <a:schemeClr val="bg1"/>
+                </a:solidFill>
+              </a:rPr>
+              <a:t>0403</a:t>
+            </a:r>
+            <a:endParaRPr lang="zh-TW" altLang="en-US" sz="2400" dirty="0">
+              <a:solidFill>
+                <a:schemeClr val="bg1"/>
+              </a:solidFill>
+            </a:endParaRPr>
+          </a:p>
+        </p:txBody>
+      </p:sp>
+      <p:sp>
+        <p:nvSpPr>
+          <p:cNvPr id="26" name="文字方塊 25">
+            <a:extLst>
+              <a:ext uri="{FF2B5EF4-FFF2-40B4-BE49-F238E27FC236}">
+                <a16:creationId xmlns:a16="http://schemas.microsoft.com/office/drawing/2014/main" id="{C7FDD815-789D-4B42-AF9B-8F0CE4494D12}"/>
+              </a:ext>
+            </a:extLst>
+          </p:cNvPr>
+          <p:cNvSpPr txBox="1"/>
+          <p:nvPr/>
+        </p:nvSpPr>
+        <p:spPr>
+          <a:xfrm>
+            <a:off x="822661" y="0"/>
+            <a:ext cx="800219" cy="461665"/>
+          </a:xfrm>
+          <a:prstGeom prst="rect">
+            <a:avLst/>
+          </a:prstGeom>
+          <a:solidFill>
+            <a:schemeClr val="accent3"/>
+          </a:solidFill>
+        </p:spPr>
+        <p:txBody>
+          <a:bodyPr wrap="none" rtlCol="0">
+            <a:spAutoFit/>
+          </a:bodyPr>
+          <a:lstStyle/>
+          <a:p>
+            <a:r>
+              <a:rPr lang="zh-TW" altLang="en-US" sz="2400" dirty="0">
+                <a:solidFill>
+                  <a:schemeClr val="bg1"/>
+                </a:solidFill>
+              </a:rPr>
+              <a:t>繫筋</a:t>
+            </a:r>
+          </a:p>
+        </p:txBody>
+      </p:sp>
+      <p:sp>
+        <p:nvSpPr>
+          <p:cNvPr id="25" name="TextBox 98">
+            <a:extLst>
+              <a:ext uri="{FF2B5EF4-FFF2-40B4-BE49-F238E27FC236}">
+                <a16:creationId xmlns:a16="http://schemas.microsoft.com/office/drawing/2014/main" id="{F25F786D-AF30-43BF-B44E-0F9886966C0F}"/>
+              </a:ext>
+            </a:extLst>
+          </p:cNvPr>
+          <p:cNvSpPr txBox="1"/>
+          <p:nvPr/>
+        </p:nvSpPr>
+        <p:spPr>
+          <a:xfrm>
+            <a:off x="6412086" y="1616528"/>
+            <a:ext cx="2046434" cy="323165"/>
+          </a:xfrm>
+          <a:prstGeom prst="rect">
+            <a:avLst/>
+          </a:prstGeom>
+          <a:noFill/>
+        </p:spPr>
+        <p:txBody>
+          <a:bodyPr wrap="square" lIns="0" rtlCol="0" anchor="t">
+            <a:spAutoFit/>
+          </a:bodyPr>
+          <a:lstStyle/>
+          <a:p>
+            <a:r>
+              <a:rPr lang="zh-TW" altLang="en-US" sz="1500" dirty="0">
+                <a:latin typeface="Segoe UI Light" panose="020B0502040204020203" pitchFamily="34" charset="0"/>
+                <a:cs typeface="Segoe UI Light" panose="020B0502040204020203" pitchFamily="34" charset="0"/>
+              </a:rPr>
+              <a:t>前提條件</a:t>
+            </a:r>
+            <a:r>
+              <a:rPr lang="en-US" altLang="zh-TW" sz="1500" dirty="0">
+                <a:latin typeface="Segoe UI Light" panose="020B0502040204020203" pitchFamily="34" charset="0"/>
+                <a:cs typeface="Segoe UI Light" panose="020B0502040204020203" pitchFamily="34" charset="0"/>
+              </a:rPr>
+              <a:t>:</a:t>
+            </a:r>
+            <a:r>
+              <a:rPr lang="zh-TW" altLang="en-US" sz="1500" dirty="0">
+                <a:latin typeface="Segoe UI Light" panose="020B0502040204020203" pitchFamily="34" charset="0"/>
+                <a:cs typeface="Segoe UI Light" panose="020B0502040204020203" pitchFamily="34" charset="0"/>
+              </a:rPr>
+              <a:t> </a:t>
+            </a:r>
+            <a:r>
+              <a:rPr lang="en-US" altLang="zh-TW" sz="1500" dirty="0">
+                <a:latin typeface="Segoe UI Light" panose="020B0502040204020203" pitchFamily="34" charset="0"/>
+                <a:cs typeface="Segoe UI Light" panose="020B0502040204020203" pitchFamily="34" charset="0"/>
+              </a:rPr>
+              <a:t>&gt;</a:t>
+            </a:r>
+            <a:r>
+              <a:rPr lang="zh-TW" altLang="en-US" sz="1500" dirty="0">
+                <a:latin typeface="Segoe UI Light" panose="020B0502040204020203" pitchFamily="34" charset="0"/>
+                <a:cs typeface="Segoe UI Light" panose="020B0502040204020203" pitchFamily="34" charset="0"/>
+              </a:rPr>
+              <a:t> </a:t>
+            </a:r>
+            <a:r>
+              <a:rPr lang="en-US" altLang="zh-TW" sz="1500" dirty="0">
+                <a:latin typeface="Segoe UI Light" panose="020B0502040204020203" pitchFamily="34" charset="0"/>
+                <a:cs typeface="Segoe UI Light" panose="020B0502040204020203" pitchFamily="34" charset="0"/>
+              </a:rPr>
+              <a:t>1F</a:t>
+            </a:r>
+            <a:endParaRPr lang="fr-FR" sz="1500" dirty="0">
+              <a:latin typeface="Segoe UI Light" panose="020B0502040204020203" pitchFamily="34" charset="0"/>
+              <a:cs typeface="Segoe UI Light" panose="020B0502040204020203" pitchFamily="34" charset="0"/>
+            </a:endParaRPr>
+          </a:p>
+        </p:txBody>
+      </p:sp>
+    </p:spTree>
+    <p:extLst>
+      <p:ext uri="{BB962C8B-B14F-4D97-AF65-F5344CB8AC3E}">
+        <p14:creationId xmlns:p14="http://schemas.microsoft.com/office/powerpoint/2010/main" val="3566786315"/>
+      </p:ext>
+    </p:extLst>
+  </p:cSld>
+  <p:clrMapOvr>
+    <a:masterClrMapping/>
+  </p:clrMapOvr>
+</p:sld>
+</file>
+
+<file path=ppt/slides/slide32.xml><?xml version="1.0" encoding="utf-8"?>
+<p:sld xmlns:a="http://schemas.openxmlformats.org/drawingml/2006/main" xmlns:r="http://schemas.openxmlformats.org/officeDocument/2006/relationships" xmlns:p="http://schemas.openxmlformats.org/presentationml/2006/main">
+  <p:cSld>
+    <p:spTree>
+      <p:nvGrpSpPr>
+        <p:cNvPr id="1" name=""/>
+        <p:cNvGrpSpPr/>
+        <p:nvPr/>
+      </p:nvGrpSpPr>
+      <p:grpSpPr>
+        <a:xfrm>
+          <a:off x="0" y="0"/>
+          <a:ext cx="0" cy="0"/>
+          <a:chOff x="0" y="0"/>
+          <a:chExt cx="0" cy="0"/>
+        </a:xfrm>
+      </p:grpSpPr>
+      <p:sp>
+        <p:nvSpPr>
+          <p:cNvPr id="3" name="投影片編號版面配置區 2"/>
           <p:cNvSpPr>
             <a:spLocks noGrp="1"/>
           </p:cNvSpPr>
           <p:nvPr>
-            <p:ph type="sldNum" sz="quarter" idx="4"/>
+            <p:ph type="sldNum" sz="quarter" idx="12"/>
           </p:nvPr>
         </p:nvSpPr>
         <p:spPr/>
@@ -34555,16 +37985,3220 @@
           <a:p>
             <a:fld id="{83F5B54E-D686-4015-93F2-94C458F353E2}" type="slidenum">
               <a:rPr lang="zh-TW" altLang="en-US" smtClean="0"/>
-              <a:t>31</a:t>
+              <a:t>32</a:t>
             </a:fld>
             <a:endParaRPr lang="zh-TW" altLang="en-US"/>
+          </a:p>
+        </p:txBody>
+      </p:sp>
+      <p:sp>
+        <p:nvSpPr>
+          <p:cNvPr id="11" name="文字方塊 10"/>
+          <p:cNvSpPr txBox="1"/>
+          <p:nvPr/>
+        </p:nvSpPr>
+        <p:spPr>
+          <a:xfrm>
+            <a:off x="922715" y="698267"/>
+            <a:ext cx="7197804" cy="369332"/>
+          </a:xfrm>
+          <a:prstGeom prst="rect">
+            <a:avLst/>
+          </a:prstGeom>
+          <a:noFill/>
+        </p:spPr>
+        <p:txBody>
+          <a:bodyPr wrap="none" rtlCol="0">
+            <a:spAutoFit/>
+          </a:bodyPr>
+          <a:lstStyle/>
+          <a:p>
+            <a:r>
+              <a:rPr lang="zh-TW" altLang="en-US" dirty="0"/>
+              <a:t>矩形閉合箍筋及繫筋之總斷面積 </a:t>
+            </a:r>
+            <a:r>
+              <a:rPr lang="en-US" altLang="zh-TW" dirty="0"/>
+              <a:t>Ash </a:t>
+            </a:r>
+            <a:r>
+              <a:rPr lang="zh-TW" altLang="en-US" dirty="0"/>
+              <a:t>不得小於式</a:t>
+            </a:r>
+            <a:r>
+              <a:rPr lang="en-US" altLang="zh-TW" dirty="0"/>
+              <a:t>(15-3)</a:t>
+            </a:r>
+            <a:r>
+              <a:rPr lang="zh-TW" altLang="en-US" dirty="0"/>
+              <a:t>及式</a:t>
+            </a:r>
+            <a:r>
+              <a:rPr lang="en-US" altLang="zh-TW" dirty="0"/>
+              <a:t>(15-4)</a:t>
+            </a:r>
+            <a:r>
+              <a:rPr lang="zh-TW" altLang="en-US" dirty="0"/>
+              <a:t>之值</a:t>
+            </a:r>
+          </a:p>
+        </p:txBody>
+      </p:sp>
+      <p:grpSp>
+        <p:nvGrpSpPr>
+          <p:cNvPr id="13" name="Group 24"/>
+          <p:cNvGrpSpPr/>
+          <p:nvPr/>
+        </p:nvGrpSpPr>
+        <p:grpSpPr>
+          <a:xfrm>
+            <a:off x="1220043" y="1448609"/>
+            <a:ext cx="708425" cy="708425"/>
+            <a:chOff x="3173014" y="2956717"/>
+            <a:chExt cx="944566" cy="944566"/>
+          </a:xfrm>
+        </p:grpSpPr>
+        <p:sp>
+          <p:nvSpPr>
+            <p:cNvPr id="14" name="Oval 25"/>
+            <p:cNvSpPr/>
+            <p:nvPr/>
+          </p:nvSpPr>
+          <p:spPr>
+            <a:xfrm>
+              <a:off x="3290491" y="3074194"/>
+              <a:ext cx="709612" cy="709612"/>
+            </a:xfrm>
+            <a:prstGeom prst="ellipse">
+              <a:avLst/>
+            </a:prstGeom>
+            <a:solidFill>
+              <a:schemeClr val="bg1">
+                <a:lumMod val="85000"/>
+              </a:schemeClr>
+            </a:solidFill>
+            <a:ln>
+              <a:noFill/>
+            </a:ln>
+          </p:spPr>
+          <p:style>
+            <a:lnRef idx="2">
+              <a:schemeClr val="accent1">
+                <a:shade val="50000"/>
+              </a:schemeClr>
+            </a:lnRef>
+            <a:fillRef idx="1">
+              <a:schemeClr val="accent1"/>
+            </a:fillRef>
+            <a:effectRef idx="0">
+              <a:schemeClr val="accent1"/>
+            </a:effectRef>
+            <a:fontRef idx="minor">
+              <a:schemeClr val="lt1"/>
+            </a:fontRef>
+          </p:style>
+          <p:txBody>
+            <a:bodyPr rtlCol="0" anchor="ctr"/>
+            <a:lstStyle/>
+            <a:p>
+              <a:pPr algn="ctr"/>
+              <a:endParaRPr lang="fr-FR" sz="1350"/>
+            </a:p>
+          </p:txBody>
+        </p:sp>
+        <p:sp>
+          <p:nvSpPr>
+            <p:cNvPr id="15" name="Oval 26"/>
+            <p:cNvSpPr/>
+            <p:nvPr/>
+          </p:nvSpPr>
+          <p:spPr>
+            <a:xfrm>
+              <a:off x="3173014" y="2956717"/>
+              <a:ext cx="944566" cy="944566"/>
+            </a:xfrm>
+            <a:prstGeom prst="ellipse">
+              <a:avLst/>
+            </a:prstGeom>
+            <a:solidFill>
+              <a:schemeClr val="bg1">
+                <a:lumMod val="85000"/>
+                <a:alpha val="42000"/>
+              </a:schemeClr>
+            </a:solidFill>
+            <a:ln>
+              <a:noFill/>
+            </a:ln>
+          </p:spPr>
+          <p:style>
+            <a:lnRef idx="2">
+              <a:schemeClr val="accent1">
+                <a:shade val="50000"/>
+              </a:schemeClr>
+            </a:lnRef>
+            <a:fillRef idx="1">
+              <a:schemeClr val="accent1"/>
+            </a:fillRef>
+            <a:effectRef idx="0">
+              <a:schemeClr val="accent1"/>
+            </a:effectRef>
+            <a:fontRef idx="minor">
+              <a:schemeClr val="lt1"/>
+            </a:fontRef>
+          </p:style>
+          <p:txBody>
+            <a:bodyPr rtlCol="0" anchor="ctr"/>
+            <a:lstStyle/>
+            <a:p>
+              <a:pPr algn="ctr"/>
+              <a:r>
+                <a:rPr lang="fr-FR" sz="2100" dirty="0">
+                  <a:solidFill>
+                    <a:schemeClr val="tx1"/>
+                  </a:solidFill>
+                  <a:latin typeface="Segoe UI" panose="020B0502040204020203" pitchFamily="34" charset="0"/>
+                  <a:cs typeface="Segoe UI" panose="020B0502040204020203" pitchFamily="34" charset="0"/>
+                </a:rPr>
+                <a:t>1</a:t>
+              </a:r>
+            </a:p>
+          </p:txBody>
+        </p:sp>
+      </p:grpSp>
+      <p:cxnSp>
+        <p:nvCxnSpPr>
+          <p:cNvPr id="16" name="Straight Connector 13"/>
+          <p:cNvCxnSpPr/>
+          <p:nvPr/>
+        </p:nvCxnSpPr>
+        <p:spPr>
+          <a:xfrm>
+            <a:off x="1571021" y="2157034"/>
+            <a:ext cx="0" cy="1087200"/>
+          </a:xfrm>
+          <a:prstGeom prst="line">
+            <a:avLst/>
+          </a:prstGeom>
+          <a:ln w="28575">
+            <a:solidFill>
+              <a:srgbClr val="EDECEC"/>
+            </a:solidFill>
+          </a:ln>
+        </p:spPr>
+        <p:style>
+          <a:lnRef idx="1">
+            <a:schemeClr val="accent1"/>
+          </a:lnRef>
+          <a:fillRef idx="0">
+            <a:schemeClr val="accent1"/>
+          </a:fillRef>
+          <a:effectRef idx="0">
+            <a:schemeClr val="accent1"/>
+          </a:effectRef>
+          <a:fontRef idx="minor">
+            <a:schemeClr val="tx1"/>
+          </a:fontRef>
+        </p:style>
+      </p:cxnSp>
+      <p:grpSp>
+        <p:nvGrpSpPr>
+          <p:cNvPr id="18" name="Group 1"/>
+          <p:cNvGrpSpPr/>
+          <p:nvPr/>
+        </p:nvGrpSpPr>
+        <p:grpSpPr>
+          <a:xfrm>
+            <a:off x="1220043" y="3244234"/>
+            <a:ext cx="708425" cy="708425"/>
+            <a:chOff x="3173014" y="2956717"/>
+            <a:chExt cx="944566" cy="944566"/>
+          </a:xfrm>
+        </p:grpSpPr>
+        <p:sp>
+          <p:nvSpPr>
+            <p:cNvPr id="19" name="Oval 18"/>
+            <p:cNvSpPr/>
+            <p:nvPr/>
+          </p:nvSpPr>
+          <p:spPr>
+            <a:xfrm>
+              <a:off x="3290491" y="3074194"/>
+              <a:ext cx="709612" cy="709612"/>
+            </a:xfrm>
+            <a:prstGeom prst="ellipse">
+              <a:avLst/>
+            </a:prstGeom>
+            <a:solidFill>
+              <a:schemeClr val="bg1">
+                <a:lumMod val="85000"/>
+              </a:schemeClr>
+            </a:solidFill>
+            <a:ln>
+              <a:noFill/>
+            </a:ln>
+          </p:spPr>
+          <p:style>
+            <a:lnRef idx="2">
+              <a:schemeClr val="accent1">
+                <a:shade val="50000"/>
+              </a:schemeClr>
+            </a:lnRef>
+            <a:fillRef idx="1">
+              <a:schemeClr val="accent1"/>
+            </a:fillRef>
+            <a:effectRef idx="0">
+              <a:schemeClr val="accent1"/>
+            </a:effectRef>
+            <a:fontRef idx="minor">
+              <a:schemeClr val="lt1"/>
+            </a:fontRef>
+          </p:style>
+          <p:txBody>
+            <a:bodyPr rtlCol="0" anchor="ctr"/>
+            <a:lstStyle/>
+            <a:p>
+              <a:pPr algn="ctr"/>
+              <a:endParaRPr lang="fr-FR" sz="1350" dirty="0"/>
+            </a:p>
+          </p:txBody>
+        </p:sp>
+        <p:sp>
+          <p:nvSpPr>
+            <p:cNvPr id="20" name="Oval 22"/>
+            <p:cNvSpPr/>
+            <p:nvPr/>
+          </p:nvSpPr>
+          <p:spPr>
+            <a:xfrm>
+              <a:off x="3173014" y="2956717"/>
+              <a:ext cx="944566" cy="944566"/>
+            </a:xfrm>
+            <a:prstGeom prst="ellipse">
+              <a:avLst/>
+            </a:prstGeom>
+            <a:solidFill>
+              <a:schemeClr val="bg1">
+                <a:lumMod val="85000"/>
+                <a:alpha val="42000"/>
+              </a:schemeClr>
+            </a:solidFill>
+            <a:ln>
+              <a:noFill/>
+            </a:ln>
+          </p:spPr>
+          <p:style>
+            <a:lnRef idx="2">
+              <a:schemeClr val="accent1">
+                <a:shade val="50000"/>
+              </a:schemeClr>
+            </a:lnRef>
+            <a:fillRef idx="1">
+              <a:schemeClr val="accent1"/>
+            </a:fillRef>
+            <a:effectRef idx="0">
+              <a:schemeClr val="accent1"/>
+            </a:effectRef>
+            <a:fontRef idx="minor">
+              <a:schemeClr val="lt1"/>
+            </a:fontRef>
+          </p:style>
+          <p:txBody>
+            <a:bodyPr rtlCol="0" anchor="ctr"/>
+            <a:lstStyle/>
+            <a:p>
+              <a:pPr algn="ctr"/>
+              <a:r>
+                <a:rPr lang="fr-FR" sz="2100" dirty="0">
+                  <a:solidFill>
+                    <a:schemeClr val="tx1"/>
+                  </a:solidFill>
+                  <a:latin typeface="Segoe UI" panose="020B0502040204020203" pitchFamily="34" charset="0"/>
+                  <a:cs typeface="Segoe UI" panose="020B0502040204020203" pitchFamily="34" charset="0"/>
+                </a:rPr>
+                <a:t>2</a:t>
+              </a:r>
+            </a:p>
+          </p:txBody>
+        </p:sp>
+      </p:grpSp>
+      <p:grpSp>
+        <p:nvGrpSpPr>
+          <p:cNvPr id="21" name="Group 27"/>
+          <p:cNvGrpSpPr/>
+          <p:nvPr/>
+        </p:nvGrpSpPr>
+        <p:grpSpPr>
+          <a:xfrm>
+            <a:off x="1220043" y="5039859"/>
+            <a:ext cx="708425" cy="708425"/>
+            <a:chOff x="3173014" y="2956717"/>
+            <a:chExt cx="944566" cy="944566"/>
+          </a:xfrm>
+        </p:grpSpPr>
+        <p:sp>
+          <p:nvSpPr>
+            <p:cNvPr id="22" name="Oval 28"/>
+            <p:cNvSpPr/>
+            <p:nvPr/>
+          </p:nvSpPr>
+          <p:spPr>
+            <a:xfrm>
+              <a:off x="3290491" y="3074194"/>
+              <a:ext cx="709612" cy="709612"/>
+            </a:xfrm>
+            <a:prstGeom prst="ellipse">
+              <a:avLst/>
+            </a:prstGeom>
+            <a:solidFill>
+              <a:schemeClr val="bg1">
+                <a:lumMod val="85000"/>
+              </a:schemeClr>
+            </a:solidFill>
+            <a:ln>
+              <a:noFill/>
+            </a:ln>
+          </p:spPr>
+          <p:style>
+            <a:lnRef idx="2">
+              <a:schemeClr val="accent1">
+                <a:shade val="50000"/>
+              </a:schemeClr>
+            </a:lnRef>
+            <a:fillRef idx="1">
+              <a:schemeClr val="accent1"/>
+            </a:fillRef>
+            <a:effectRef idx="0">
+              <a:schemeClr val="accent1"/>
+            </a:effectRef>
+            <a:fontRef idx="minor">
+              <a:schemeClr val="lt1"/>
+            </a:fontRef>
+          </p:style>
+          <p:txBody>
+            <a:bodyPr rtlCol="0" anchor="ctr"/>
+            <a:lstStyle/>
+            <a:p>
+              <a:pPr algn="ctr"/>
+              <a:endParaRPr lang="fr-FR" sz="1350"/>
+            </a:p>
+          </p:txBody>
+        </p:sp>
+        <p:sp>
+          <p:nvSpPr>
+            <p:cNvPr id="23" name="Oval 29"/>
+            <p:cNvSpPr/>
+            <p:nvPr/>
+          </p:nvSpPr>
+          <p:spPr>
+            <a:xfrm>
+              <a:off x="3173014" y="2956717"/>
+              <a:ext cx="944566" cy="944566"/>
+            </a:xfrm>
+            <a:prstGeom prst="ellipse">
+              <a:avLst/>
+            </a:prstGeom>
+            <a:solidFill>
+              <a:schemeClr val="bg1">
+                <a:lumMod val="85000"/>
+                <a:alpha val="42000"/>
+              </a:schemeClr>
+            </a:solidFill>
+            <a:ln>
+              <a:noFill/>
+            </a:ln>
+          </p:spPr>
+          <p:style>
+            <a:lnRef idx="2">
+              <a:schemeClr val="accent1">
+                <a:shade val="50000"/>
+              </a:schemeClr>
+            </a:lnRef>
+            <a:fillRef idx="1">
+              <a:schemeClr val="accent1"/>
+            </a:fillRef>
+            <a:effectRef idx="0">
+              <a:schemeClr val="accent1"/>
+            </a:effectRef>
+            <a:fontRef idx="minor">
+              <a:schemeClr val="lt1"/>
+            </a:fontRef>
+          </p:style>
+          <p:txBody>
+            <a:bodyPr rtlCol="0" anchor="ctr"/>
+            <a:lstStyle/>
+            <a:p>
+              <a:pPr algn="ctr"/>
+              <a:r>
+                <a:rPr lang="fr-FR" sz="2100" dirty="0">
+                  <a:solidFill>
+                    <a:schemeClr val="tx1"/>
+                  </a:solidFill>
+                  <a:latin typeface="Segoe UI" panose="020B0502040204020203" pitchFamily="34" charset="0"/>
+                  <a:cs typeface="Segoe UI" panose="020B0502040204020203" pitchFamily="34" charset="0"/>
+                </a:rPr>
+                <a:t>3</a:t>
+              </a:r>
+            </a:p>
+          </p:txBody>
+        </p:sp>
+      </p:grpSp>
+      <p:cxnSp>
+        <p:nvCxnSpPr>
+          <p:cNvPr id="24" name="Straight Connector 13"/>
+          <p:cNvCxnSpPr/>
+          <p:nvPr/>
+        </p:nvCxnSpPr>
+        <p:spPr>
+          <a:xfrm>
+            <a:off x="1571021" y="3952659"/>
+            <a:ext cx="0" cy="1087200"/>
+          </a:xfrm>
+          <a:prstGeom prst="line">
+            <a:avLst/>
+          </a:prstGeom>
+          <a:ln w="28575">
+            <a:solidFill>
+              <a:srgbClr val="EDECEC"/>
+            </a:solidFill>
+          </a:ln>
+        </p:spPr>
+        <p:style>
+          <a:lnRef idx="1">
+            <a:schemeClr val="accent1"/>
+          </a:lnRef>
+          <a:fillRef idx="0">
+            <a:schemeClr val="accent1"/>
+          </a:fillRef>
+          <a:effectRef idx="0">
+            <a:schemeClr val="accent1"/>
+          </a:effectRef>
+          <a:fontRef idx="minor">
+            <a:schemeClr val="tx1"/>
+          </a:fontRef>
+        </p:style>
+      </p:cxnSp>
+      <p:sp>
+        <p:nvSpPr>
+          <p:cNvPr id="27" name="TextBox 98"/>
+          <p:cNvSpPr txBox="1"/>
+          <p:nvPr/>
+        </p:nvSpPr>
+        <p:spPr>
+          <a:xfrm>
+            <a:off x="2525567" y="1383110"/>
+            <a:ext cx="2979490" cy="1015663"/>
+          </a:xfrm>
+          <a:prstGeom prst="rect">
+            <a:avLst/>
+          </a:prstGeom>
+          <a:noFill/>
+        </p:spPr>
+        <p:txBody>
+          <a:bodyPr wrap="square" lIns="0" rtlCol="0" anchor="t">
+            <a:spAutoFit/>
+          </a:bodyPr>
+          <a:lstStyle/>
+          <a:p>
+            <a:r>
+              <a:rPr lang="zh-TW" altLang="en-US" sz="1500" dirty="0">
+                <a:latin typeface="Segoe UI Light" panose="020B0502040204020203" pitchFamily="34" charset="0"/>
+                <a:cs typeface="Segoe UI Light" panose="020B0502040204020203" pitchFamily="34" charset="0"/>
+              </a:rPr>
+              <a:t>取出</a:t>
+            </a:r>
+            <a:r>
+              <a:rPr lang="en-US" altLang="zh-TW" sz="1500" dirty="0">
+                <a:latin typeface="Segoe UI Light" panose="020B0502040204020203" pitchFamily="34" charset="0"/>
+                <a:cs typeface="Segoe UI Light" panose="020B0502040204020203" pitchFamily="34" charset="0"/>
+              </a:rPr>
+              <a:t>:</a:t>
+            </a:r>
+            <a:r>
+              <a:rPr lang="zh-TW" altLang="en-US" sz="1500" dirty="0">
+                <a:latin typeface="Segoe UI Light" panose="020B0502040204020203" pitchFamily="34" charset="0"/>
+                <a:cs typeface="Segoe UI Light" panose="020B0502040204020203" pitchFamily="34" charset="0"/>
+              </a:rPr>
+              <a:t> </a:t>
+            </a:r>
+            <a:endParaRPr lang="en-US" altLang="zh-TW" sz="1500" dirty="0">
+              <a:latin typeface="Segoe UI Light" panose="020B0502040204020203" pitchFamily="34" charset="0"/>
+              <a:cs typeface="Segoe UI Light" panose="020B0502040204020203" pitchFamily="34" charset="0"/>
+            </a:endParaRPr>
+          </a:p>
+          <a:p>
+            <a:r>
+              <a:rPr lang="zh-TW" altLang="en-US" sz="1500" dirty="0">
+                <a:latin typeface="Segoe UI Light" panose="020B0502040204020203" pitchFamily="34" charset="0"/>
+                <a:cs typeface="Segoe UI Light" panose="020B0502040204020203" pitchFamily="34" charset="0"/>
+              </a:rPr>
+              <a:t>柱混凝土強度、箍筋強度、保護層、圍束區箍筋直徑與間距、</a:t>
+            </a:r>
+            <a:r>
+              <a:rPr lang="en-US" altLang="zh-TW" sz="1500" dirty="0">
+                <a:latin typeface="Segoe UI Light" panose="020B0502040204020203" pitchFamily="34" charset="0"/>
+                <a:cs typeface="Segoe UI Light" panose="020B0502040204020203" pitchFamily="34" charset="0"/>
+              </a:rPr>
+              <a:t>X</a:t>
+            </a:r>
+            <a:r>
+              <a:rPr lang="zh-TW" altLang="en-US" sz="1500" dirty="0">
+                <a:latin typeface="Segoe UI Light" panose="020B0502040204020203" pitchFamily="34" charset="0"/>
+                <a:cs typeface="Segoe UI Light" panose="020B0502040204020203" pitchFamily="34" charset="0"/>
+              </a:rPr>
+              <a:t> 向柱寬、</a:t>
+            </a:r>
+            <a:r>
+              <a:rPr lang="en-US" altLang="zh-TW" sz="1500" dirty="0">
+                <a:latin typeface="Segoe UI Light" panose="020B0502040204020203" pitchFamily="34" charset="0"/>
+                <a:cs typeface="Segoe UI Light" panose="020B0502040204020203" pitchFamily="34" charset="0"/>
+              </a:rPr>
+              <a:t>Y</a:t>
+            </a:r>
+            <a:r>
+              <a:rPr lang="zh-TW" altLang="en-US" sz="1500" dirty="0">
+                <a:latin typeface="Segoe UI Light" panose="020B0502040204020203" pitchFamily="34" charset="0"/>
+                <a:cs typeface="Segoe UI Light" panose="020B0502040204020203" pitchFamily="34" charset="0"/>
+              </a:rPr>
+              <a:t> 向柱寬、</a:t>
+            </a:r>
+            <a:r>
+              <a:rPr lang="en-US" altLang="zh-TW" sz="1500" dirty="0">
+                <a:latin typeface="Segoe UI Light" panose="020B0502040204020203" pitchFamily="34" charset="0"/>
+                <a:cs typeface="Segoe UI Light" panose="020B0502040204020203" pitchFamily="34" charset="0"/>
+              </a:rPr>
+              <a:t>Y</a:t>
+            </a:r>
+            <a:r>
+              <a:rPr lang="zh-TW" altLang="en-US" sz="1500" dirty="0">
+                <a:latin typeface="Segoe UI Light" panose="020B0502040204020203" pitchFamily="34" charset="0"/>
+                <a:cs typeface="Segoe UI Light" panose="020B0502040204020203" pitchFamily="34" charset="0"/>
+              </a:rPr>
+              <a:t> 向繫筋面積</a:t>
+            </a:r>
+            <a:endParaRPr lang="fr-FR" sz="1500" dirty="0">
+              <a:latin typeface="Segoe UI Light" panose="020B0502040204020203" pitchFamily="34" charset="0"/>
+              <a:cs typeface="Segoe UI Light" panose="020B0502040204020203" pitchFamily="34" charset="0"/>
+            </a:endParaRPr>
+          </a:p>
+        </p:txBody>
+      </p:sp>
+      <p:sp>
+        <p:nvSpPr>
+          <p:cNvPr id="31" name="TextBox 98"/>
+          <p:cNvSpPr txBox="1"/>
+          <p:nvPr/>
+        </p:nvSpPr>
+        <p:spPr>
+          <a:xfrm>
+            <a:off x="2525566" y="2646995"/>
+            <a:ext cx="6170559" cy="2169825"/>
+          </a:xfrm>
+          <a:prstGeom prst="rect">
+            <a:avLst/>
+          </a:prstGeom>
+          <a:noFill/>
+        </p:spPr>
+        <p:txBody>
+          <a:bodyPr wrap="square" lIns="0" rtlCol="0" anchor="t">
+            <a:spAutoFit/>
+          </a:bodyPr>
+          <a:lstStyle/>
+          <a:p>
+            <a:r>
+              <a:rPr lang="de-DE" altLang="zh-TW" sz="1500" dirty="0">
+                <a:latin typeface="Segoe UI Light" panose="020B0502040204020203" pitchFamily="34" charset="0"/>
+                <a:cs typeface="Segoe UI Light" panose="020B0502040204020203" pitchFamily="34" charset="0"/>
+              </a:rPr>
+              <a:t>ag =</a:t>
+            </a:r>
+            <a:r>
+              <a:rPr lang="en-US" altLang="zh-TW" sz="1500" dirty="0">
+                <a:latin typeface="Segoe UI Light" panose="020B0502040204020203" pitchFamily="34" charset="0"/>
+                <a:cs typeface="Segoe UI Light" panose="020B0502040204020203" pitchFamily="34" charset="0"/>
+              </a:rPr>
+              <a:t> X</a:t>
+            </a:r>
+            <a:r>
+              <a:rPr lang="zh-TW" altLang="en-US" sz="1500" dirty="0">
+                <a:latin typeface="Segoe UI Light" panose="020B0502040204020203" pitchFamily="34" charset="0"/>
+                <a:cs typeface="Segoe UI Light" panose="020B0502040204020203" pitchFamily="34" charset="0"/>
+              </a:rPr>
+              <a:t> 向柱寬 </a:t>
+            </a:r>
+            <a:r>
+              <a:rPr lang="de-DE" altLang="zh-TW" sz="1500" dirty="0">
+                <a:latin typeface="Segoe UI Light" panose="020B0502040204020203" pitchFamily="34" charset="0"/>
+                <a:cs typeface="Segoe UI Light" panose="020B0502040204020203" pitchFamily="34" charset="0"/>
+              </a:rPr>
+              <a:t>*</a:t>
+            </a:r>
+            <a:r>
+              <a:rPr lang="zh-TW" altLang="en-US" sz="1500" dirty="0">
+                <a:latin typeface="Segoe UI Light" panose="020B0502040204020203" pitchFamily="34" charset="0"/>
+                <a:cs typeface="Segoe UI Light" panose="020B0502040204020203" pitchFamily="34" charset="0"/>
+              </a:rPr>
+              <a:t> </a:t>
+            </a:r>
+            <a:r>
+              <a:rPr lang="en-US" altLang="zh-TW" sz="1500" dirty="0">
+                <a:latin typeface="Segoe UI Light" panose="020B0502040204020203" pitchFamily="34" charset="0"/>
+                <a:cs typeface="Segoe UI Light" panose="020B0502040204020203" pitchFamily="34" charset="0"/>
+              </a:rPr>
+              <a:t>Y</a:t>
+            </a:r>
+            <a:r>
+              <a:rPr lang="zh-TW" altLang="en-US" sz="1500" dirty="0">
+                <a:latin typeface="Segoe UI Light" panose="020B0502040204020203" pitchFamily="34" charset="0"/>
+                <a:cs typeface="Segoe UI Light" panose="020B0502040204020203" pitchFamily="34" charset="0"/>
+              </a:rPr>
+              <a:t> 向柱寬</a:t>
+            </a:r>
+            <a:endParaRPr lang="en-US" altLang="zh-TW" sz="1500" dirty="0">
+              <a:latin typeface="Segoe UI Light" panose="020B0502040204020203" pitchFamily="34" charset="0"/>
+              <a:cs typeface="Segoe UI Light" panose="020B0502040204020203" pitchFamily="34" charset="0"/>
+            </a:endParaRPr>
+          </a:p>
+          <a:p>
+            <a:r>
+              <a:rPr lang="en-US" altLang="zh-TW" sz="1500" dirty="0">
+                <a:latin typeface="Segoe UI Light" panose="020B0502040204020203" pitchFamily="34" charset="0"/>
+                <a:cs typeface="Segoe UI Light" panose="020B0502040204020203" pitchFamily="34" charset="0"/>
+              </a:rPr>
+              <a:t>ach = (X</a:t>
+            </a:r>
+            <a:r>
+              <a:rPr lang="zh-TW" altLang="en-US" sz="1500" dirty="0">
+                <a:latin typeface="Segoe UI Light" panose="020B0502040204020203" pitchFamily="34" charset="0"/>
+                <a:cs typeface="Segoe UI Light" panose="020B0502040204020203" pitchFamily="34" charset="0"/>
+              </a:rPr>
+              <a:t> 向柱寬 </a:t>
+            </a:r>
+            <a:r>
+              <a:rPr lang="en-US" altLang="zh-TW" sz="1500" dirty="0">
+                <a:latin typeface="Segoe UI Light" panose="020B0502040204020203" pitchFamily="34" charset="0"/>
+                <a:cs typeface="Segoe UI Light" panose="020B0502040204020203" pitchFamily="34" charset="0"/>
+              </a:rPr>
+              <a:t>-</a:t>
+            </a:r>
+            <a:r>
+              <a:rPr lang="zh-TW" altLang="en-US" sz="1500" dirty="0">
+                <a:latin typeface="Segoe UI Light" panose="020B0502040204020203" pitchFamily="34" charset="0"/>
+                <a:cs typeface="Segoe UI Light" panose="020B0502040204020203" pitchFamily="34" charset="0"/>
+              </a:rPr>
+              <a:t> 保護層</a:t>
+            </a:r>
+            <a:r>
+              <a:rPr lang="en-US" altLang="zh-TW" sz="1500" dirty="0">
+                <a:latin typeface="Segoe UI Light" panose="020B0502040204020203" pitchFamily="34" charset="0"/>
+                <a:cs typeface="Segoe UI Light" panose="020B0502040204020203" pitchFamily="34" charset="0"/>
+              </a:rPr>
+              <a:t> * 2) * (Y</a:t>
+            </a:r>
+            <a:r>
+              <a:rPr lang="zh-TW" altLang="en-US" sz="1500" dirty="0">
+                <a:latin typeface="Segoe UI Light" panose="020B0502040204020203" pitchFamily="34" charset="0"/>
+                <a:cs typeface="Segoe UI Light" panose="020B0502040204020203" pitchFamily="34" charset="0"/>
+              </a:rPr>
+              <a:t> 向柱寬 </a:t>
+            </a:r>
+            <a:r>
+              <a:rPr lang="en-US" altLang="zh-TW" sz="1500" dirty="0">
+                <a:latin typeface="Segoe UI Light" panose="020B0502040204020203" pitchFamily="34" charset="0"/>
+                <a:cs typeface="Segoe UI Light" panose="020B0502040204020203" pitchFamily="34" charset="0"/>
+              </a:rPr>
+              <a:t>-</a:t>
+            </a:r>
+            <a:r>
+              <a:rPr lang="zh-TW" altLang="en-US" sz="1500" dirty="0">
+                <a:latin typeface="Segoe UI Light" panose="020B0502040204020203" pitchFamily="34" charset="0"/>
+                <a:cs typeface="Segoe UI Light" panose="020B0502040204020203" pitchFamily="34" charset="0"/>
+              </a:rPr>
+              <a:t> 保護層</a:t>
+            </a:r>
+            <a:r>
+              <a:rPr lang="en-US" altLang="zh-TW" sz="1500" dirty="0">
+                <a:latin typeface="Segoe UI Light" panose="020B0502040204020203" pitchFamily="34" charset="0"/>
+                <a:cs typeface="Segoe UI Light" panose="020B0502040204020203" pitchFamily="34" charset="0"/>
+              </a:rPr>
+              <a:t> * 2)</a:t>
+            </a:r>
+          </a:p>
+          <a:p>
+            <a:r>
+              <a:rPr lang="en-US" altLang="zh-TW" sz="1500" dirty="0" err="1">
+                <a:latin typeface="Segoe UI Light" panose="020B0502040204020203" pitchFamily="34" charset="0"/>
+                <a:cs typeface="Segoe UI Light" panose="020B0502040204020203" pitchFamily="34" charset="0"/>
+              </a:rPr>
+              <a:t>bcX</a:t>
+            </a:r>
+            <a:r>
+              <a:rPr lang="en-US" altLang="zh-TW" sz="1500" dirty="0">
+                <a:latin typeface="Segoe UI Light" panose="020B0502040204020203" pitchFamily="34" charset="0"/>
+                <a:cs typeface="Segoe UI Light" panose="020B0502040204020203" pitchFamily="34" charset="0"/>
+              </a:rPr>
+              <a:t> = X</a:t>
+            </a:r>
+            <a:r>
+              <a:rPr lang="zh-TW" altLang="en-US" sz="1500" dirty="0">
+                <a:latin typeface="Segoe UI Light" panose="020B0502040204020203" pitchFamily="34" charset="0"/>
+                <a:cs typeface="Segoe UI Light" panose="020B0502040204020203" pitchFamily="34" charset="0"/>
+              </a:rPr>
+              <a:t> 向柱寬 </a:t>
+            </a:r>
+            <a:r>
+              <a:rPr lang="en-US" altLang="zh-TW" sz="1500" dirty="0">
+                <a:latin typeface="Segoe UI Light" panose="020B0502040204020203" pitchFamily="34" charset="0"/>
+                <a:cs typeface="Segoe UI Light" panose="020B0502040204020203" pitchFamily="34" charset="0"/>
+              </a:rPr>
+              <a:t>- </a:t>
+            </a:r>
+            <a:r>
+              <a:rPr lang="zh-TW" altLang="en-US" sz="1500" dirty="0">
+                <a:latin typeface="Segoe UI Light" panose="020B0502040204020203" pitchFamily="34" charset="0"/>
+                <a:cs typeface="Segoe UI Light" panose="020B0502040204020203" pitchFamily="34" charset="0"/>
+              </a:rPr>
+              <a:t>保護層 </a:t>
+            </a:r>
+            <a:r>
+              <a:rPr lang="en-US" altLang="zh-TW" sz="1500" dirty="0">
+                <a:latin typeface="Segoe UI Light" panose="020B0502040204020203" pitchFamily="34" charset="0"/>
+                <a:cs typeface="Segoe UI Light" panose="020B0502040204020203" pitchFamily="34" charset="0"/>
+              </a:rPr>
+              <a:t>* 2 -</a:t>
+            </a:r>
+            <a:r>
+              <a:rPr lang="zh-TW" altLang="en-US" sz="1500" dirty="0">
+                <a:latin typeface="Segoe UI Light" panose="020B0502040204020203" pitchFamily="34" charset="0"/>
+                <a:cs typeface="Segoe UI Light" panose="020B0502040204020203" pitchFamily="34" charset="0"/>
+              </a:rPr>
+              <a:t> 箍筋直徑</a:t>
+            </a:r>
+            <a:endParaRPr lang="en-US" altLang="zh-TW" sz="1500" dirty="0">
+              <a:latin typeface="Segoe UI Light" panose="020B0502040204020203" pitchFamily="34" charset="0"/>
+              <a:cs typeface="Segoe UI Light" panose="020B0502040204020203" pitchFamily="34" charset="0"/>
+            </a:endParaRPr>
+          </a:p>
+          <a:p>
+            <a:endParaRPr lang="en-US" altLang="zh-TW" sz="1500" dirty="0">
+              <a:latin typeface="Segoe UI Light" panose="020B0502040204020203" pitchFamily="34" charset="0"/>
+              <a:cs typeface="Segoe UI Light" panose="020B0502040204020203" pitchFamily="34" charset="0"/>
+            </a:endParaRPr>
+          </a:p>
+          <a:p>
+            <a:r>
+              <a:rPr lang="zh-TW" altLang="en-US" sz="1500" dirty="0">
+                <a:latin typeface="Segoe UI Light" panose="020B0502040204020203" pitchFamily="34" charset="0"/>
+                <a:cs typeface="Segoe UI Light" panose="020B0502040204020203" pitchFamily="34" charset="0"/>
+              </a:rPr>
+              <a:t>判斷</a:t>
+            </a:r>
+            <a:r>
+              <a:rPr lang="en-US" altLang="zh-TW" sz="1500" dirty="0">
+                <a:latin typeface="Segoe UI Light" panose="020B0502040204020203" pitchFamily="34" charset="0"/>
+                <a:cs typeface="Segoe UI Light" panose="020B0502040204020203" pitchFamily="34" charset="0"/>
+              </a:rPr>
+              <a:t>:</a:t>
+            </a:r>
+            <a:r>
+              <a:rPr lang="zh-TW" altLang="en-US" sz="1500" dirty="0">
+                <a:latin typeface="Segoe UI Light" panose="020B0502040204020203" pitchFamily="34" charset="0"/>
+                <a:cs typeface="Segoe UI Light" panose="020B0502040204020203" pitchFamily="34" charset="0"/>
+              </a:rPr>
+              <a:t> </a:t>
+            </a:r>
+            <a:endParaRPr lang="en-US" altLang="zh-TW" sz="1500" dirty="0">
+              <a:latin typeface="Segoe UI Light" panose="020B0502040204020203" pitchFamily="34" charset="0"/>
+              <a:cs typeface="Segoe UI Light" panose="020B0502040204020203" pitchFamily="34" charset="0"/>
+            </a:endParaRPr>
+          </a:p>
+          <a:p>
+            <a:pPr marL="285750" indent="-285750">
+              <a:buFontTx/>
+              <a:buChar char="-"/>
+            </a:pPr>
+            <a:r>
+              <a:rPr lang="en-US" altLang="zh-TW" sz="1500" dirty="0">
+                <a:latin typeface="Segoe UI Light" panose="020B0502040204020203" pitchFamily="34" charset="0"/>
+                <a:cs typeface="Segoe UI Light" panose="020B0502040204020203" pitchFamily="34" charset="0"/>
+              </a:rPr>
+              <a:t>Y</a:t>
+            </a:r>
+            <a:r>
+              <a:rPr lang="zh-TW" altLang="en-US" sz="1500" dirty="0">
+                <a:latin typeface="Segoe UI Light" panose="020B0502040204020203" pitchFamily="34" charset="0"/>
+                <a:cs typeface="Segoe UI Light" panose="020B0502040204020203" pitchFamily="34" charset="0"/>
+              </a:rPr>
+              <a:t> 向繫筋面積 </a:t>
+            </a:r>
+            <a:r>
+              <a:rPr lang="en-US" altLang="zh-TW" sz="1500" dirty="0">
+                <a:latin typeface="Segoe UI Light" panose="020B0502040204020203" pitchFamily="34" charset="0"/>
+                <a:cs typeface="Segoe UI Light" panose="020B0502040204020203" pitchFamily="34" charset="0"/>
+              </a:rPr>
+              <a:t>&gt; </a:t>
+            </a:r>
+            <a:r>
+              <a:rPr lang="fr-FR" sz="1500" dirty="0">
+                <a:latin typeface="Segoe UI Light" panose="020B0502040204020203" pitchFamily="34" charset="0"/>
+                <a:cs typeface="Segoe UI Light" panose="020B0502040204020203" pitchFamily="34" charset="0"/>
+              </a:rPr>
+              <a:t>0.3 *</a:t>
+            </a:r>
+            <a:r>
+              <a:rPr lang="zh-TW" altLang="en-US" sz="1500" dirty="0">
+                <a:latin typeface="Segoe UI Light" panose="020B0502040204020203" pitchFamily="34" charset="0"/>
+                <a:cs typeface="Segoe UI Light" panose="020B0502040204020203" pitchFamily="34" charset="0"/>
+              </a:rPr>
+              <a:t> 箍筋間距 </a:t>
+            </a:r>
+            <a:r>
+              <a:rPr lang="fr-FR" sz="1500" dirty="0">
+                <a:latin typeface="Segoe UI Light" panose="020B0502040204020203" pitchFamily="34" charset="0"/>
+                <a:cs typeface="Segoe UI Light" panose="020B0502040204020203" pitchFamily="34" charset="0"/>
+              </a:rPr>
+              <a:t>* bcX *</a:t>
+            </a:r>
+            <a:r>
+              <a:rPr lang="zh-TW" altLang="en-US" sz="1500" dirty="0">
+                <a:latin typeface="Segoe UI Light" panose="020B0502040204020203" pitchFamily="34" charset="0"/>
+                <a:cs typeface="Segoe UI Light" panose="020B0502040204020203" pitchFamily="34" charset="0"/>
+              </a:rPr>
+              <a:t> 柱混凝土強度 </a:t>
+            </a:r>
+            <a:r>
+              <a:rPr lang="fr-FR" sz="1500" dirty="0">
+                <a:latin typeface="Segoe UI Light" panose="020B0502040204020203" pitchFamily="34" charset="0"/>
+                <a:cs typeface="Segoe UI Light" panose="020B0502040204020203" pitchFamily="34" charset="0"/>
+              </a:rPr>
+              <a:t>/</a:t>
+            </a:r>
+            <a:r>
+              <a:rPr lang="zh-TW" altLang="en-US" sz="1500" dirty="0">
+                <a:latin typeface="Segoe UI Light" panose="020B0502040204020203" pitchFamily="34" charset="0"/>
+                <a:cs typeface="Segoe UI Light" panose="020B0502040204020203" pitchFamily="34" charset="0"/>
+              </a:rPr>
+              <a:t> 箍筋強度 </a:t>
+            </a:r>
+            <a:r>
+              <a:rPr lang="fr-FR" sz="1500" dirty="0">
+                <a:latin typeface="Segoe UI Light" panose="020B0502040204020203" pitchFamily="34" charset="0"/>
+                <a:cs typeface="Segoe UI Light" panose="020B0502040204020203" pitchFamily="34" charset="0"/>
+              </a:rPr>
+              <a:t>* (ag / ach - 1)</a:t>
+            </a:r>
+          </a:p>
+          <a:p>
+            <a:pPr marL="285750" indent="-285750">
+              <a:buFontTx/>
+              <a:buChar char="-"/>
+            </a:pPr>
+            <a:r>
+              <a:rPr lang="en-US" altLang="zh-TW" sz="1500" dirty="0">
+                <a:latin typeface="Segoe UI Light" panose="020B0502040204020203" pitchFamily="34" charset="0"/>
+                <a:cs typeface="Segoe UI Light" panose="020B0502040204020203" pitchFamily="34" charset="0"/>
+              </a:rPr>
+              <a:t>Y</a:t>
+            </a:r>
+            <a:r>
+              <a:rPr lang="zh-TW" altLang="en-US" sz="1500" dirty="0">
+                <a:latin typeface="Segoe UI Light" panose="020B0502040204020203" pitchFamily="34" charset="0"/>
+                <a:cs typeface="Segoe UI Light" panose="020B0502040204020203" pitchFamily="34" charset="0"/>
+              </a:rPr>
+              <a:t> 向繫筋面積 </a:t>
+            </a:r>
+            <a:r>
+              <a:rPr lang="en-US" altLang="zh-TW" sz="1500" dirty="0">
+                <a:latin typeface="Segoe UI Light" panose="020B0502040204020203" pitchFamily="34" charset="0"/>
+                <a:cs typeface="Segoe UI Light" panose="020B0502040204020203" pitchFamily="34" charset="0"/>
+              </a:rPr>
+              <a:t>&gt; </a:t>
+            </a:r>
+            <a:r>
+              <a:rPr lang="fr-FR" sz="1500" dirty="0">
+                <a:latin typeface="Segoe UI Light" panose="020B0502040204020203" pitchFamily="34" charset="0"/>
+                <a:cs typeface="Segoe UI Light" panose="020B0502040204020203" pitchFamily="34" charset="0"/>
+              </a:rPr>
+              <a:t>0.09 * </a:t>
+            </a:r>
+            <a:r>
+              <a:rPr lang="zh-TW" altLang="en-US" sz="1500" dirty="0">
+                <a:latin typeface="Segoe UI Light" panose="020B0502040204020203" pitchFamily="34" charset="0"/>
+                <a:cs typeface="Segoe UI Light" panose="020B0502040204020203" pitchFamily="34" charset="0"/>
+              </a:rPr>
+              <a:t>箍筋間距</a:t>
+            </a:r>
+            <a:r>
+              <a:rPr lang="fr-FR" sz="1500" dirty="0">
+                <a:latin typeface="Segoe UI Light" panose="020B0502040204020203" pitchFamily="34" charset="0"/>
+                <a:cs typeface="Segoe UI Light" panose="020B0502040204020203" pitchFamily="34" charset="0"/>
+              </a:rPr>
+              <a:t> * bcX * </a:t>
+            </a:r>
+            <a:r>
+              <a:rPr lang="zh-TW" altLang="en-US" sz="1500" dirty="0">
+                <a:latin typeface="Segoe UI Light" panose="020B0502040204020203" pitchFamily="34" charset="0"/>
+                <a:cs typeface="Segoe UI Light" panose="020B0502040204020203" pitchFamily="34" charset="0"/>
+              </a:rPr>
+              <a:t>柱混凝土強度</a:t>
+            </a:r>
+            <a:r>
+              <a:rPr lang="fr-FR" sz="1500" dirty="0">
+                <a:latin typeface="Segoe UI Light" panose="020B0502040204020203" pitchFamily="34" charset="0"/>
+                <a:cs typeface="Segoe UI Light" panose="020B0502040204020203" pitchFamily="34" charset="0"/>
+              </a:rPr>
+              <a:t> / </a:t>
+            </a:r>
+            <a:r>
+              <a:rPr lang="zh-TW" altLang="en-US" sz="1500" dirty="0">
+                <a:latin typeface="Segoe UI Light" panose="020B0502040204020203" pitchFamily="34" charset="0"/>
+                <a:cs typeface="Segoe UI Light" panose="020B0502040204020203" pitchFamily="34" charset="0"/>
+              </a:rPr>
+              <a:t>箍筋強度 </a:t>
+            </a:r>
+            <a:endParaRPr lang="fr-FR" sz="1500" dirty="0">
+              <a:latin typeface="Segoe UI Light" panose="020B0502040204020203" pitchFamily="34" charset="0"/>
+              <a:cs typeface="Segoe UI Light" panose="020B0502040204020203" pitchFamily="34" charset="0"/>
+            </a:endParaRPr>
+          </a:p>
+          <a:p>
+            <a:pPr marL="285750" indent="-285750">
+              <a:buFontTx/>
+              <a:buChar char="-"/>
+            </a:pPr>
+            <a:endParaRPr lang="fr-FR" sz="1500" dirty="0">
+              <a:latin typeface="Segoe UI Light" panose="020B0502040204020203" pitchFamily="34" charset="0"/>
+              <a:cs typeface="Segoe UI Light" panose="020B0502040204020203" pitchFamily="34" charset="0"/>
+            </a:endParaRPr>
+          </a:p>
+        </p:txBody>
+      </p:sp>
+      <p:sp>
+        <p:nvSpPr>
+          <p:cNvPr id="32" name="TextBox 98"/>
+          <p:cNvSpPr txBox="1"/>
+          <p:nvPr/>
+        </p:nvSpPr>
+        <p:spPr>
+          <a:xfrm>
+            <a:off x="2525566" y="4929497"/>
+            <a:ext cx="5704030" cy="553998"/>
+          </a:xfrm>
+          <a:prstGeom prst="rect">
+            <a:avLst/>
+          </a:prstGeom>
+          <a:noFill/>
+        </p:spPr>
+        <p:txBody>
+          <a:bodyPr wrap="square" lIns="0" rtlCol="0" anchor="t">
+            <a:spAutoFit/>
+          </a:bodyPr>
+          <a:lstStyle/>
+          <a:p>
+            <a:r>
+              <a:rPr lang="zh-TW" altLang="en-US" sz="1500" dirty="0">
+                <a:latin typeface="Segoe UI Light" panose="020B0502040204020203" pitchFamily="34" charset="0"/>
+                <a:cs typeface="Segoe UI Light" panose="020B0502040204020203" pitchFamily="34" charset="0"/>
+              </a:rPr>
+              <a:t>是</a:t>
+            </a:r>
+            <a:r>
+              <a:rPr lang="en-US" altLang="zh-TW" sz="1500" dirty="0">
+                <a:latin typeface="Segoe UI Light" panose="020B0502040204020203" pitchFamily="34" charset="0"/>
+                <a:cs typeface="Segoe UI Light" panose="020B0502040204020203" pitchFamily="34" charset="0"/>
+              </a:rPr>
+              <a:t>:</a:t>
+            </a:r>
+            <a:r>
+              <a:rPr lang="zh-TW" altLang="en-US" sz="1500" dirty="0">
+                <a:latin typeface="Segoe UI Light" panose="020B0502040204020203" pitchFamily="34" charset="0"/>
+                <a:cs typeface="Segoe UI Light" panose="020B0502040204020203" pitchFamily="34" charset="0"/>
+              </a:rPr>
+              <a:t> </a:t>
+            </a:r>
+            <a:r>
+              <a:rPr lang="en-US" altLang="zh-TW" sz="1500" dirty="0">
+                <a:latin typeface="Segoe UI Light" panose="020B0502040204020203" pitchFamily="34" charset="0"/>
+                <a:cs typeface="Segoe UI Light" panose="020B0502040204020203" pitchFamily="34" charset="0"/>
+              </a:rPr>
+              <a:t>OK</a:t>
+            </a:r>
+          </a:p>
+          <a:p>
+            <a:r>
+              <a:rPr lang="zh-TW" altLang="en-US" sz="1500" dirty="0">
+                <a:latin typeface="Segoe UI Light" panose="020B0502040204020203" pitchFamily="34" charset="0"/>
+                <a:cs typeface="Segoe UI Light" panose="020B0502040204020203" pitchFamily="34" charset="0"/>
+              </a:rPr>
+              <a:t>否</a:t>
+            </a:r>
+            <a:r>
+              <a:rPr lang="en-US" altLang="zh-TW" sz="1500" dirty="0">
+                <a:latin typeface="Segoe UI Light" panose="020B0502040204020203" pitchFamily="34" charset="0"/>
+                <a:cs typeface="Segoe UI Light" panose="020B0502040204020203" pitchFamily="34" charset="0"/>
+              </a:rPr>
+              <a:t>:</a:t>
+            </a:r>
+            <a:r>
+              <a:rPr lang="zh-TW" altLang="en-US" sz="1500" dirty="0">
+                <a:latin typeface="Segoe UI Light" panose="020B0502040204020203" pitchFamily="34" charset="0"/>
+                <a:cs typeface="Segoe UI Light" panose="020B0502040204020203" pitchFamily="34" charset="0"/>
+              </a:rPr>
+              <a:t> </a:t>
+            </a:r>
+            <a:r>
+              <a:rPr lang="en-US" altLang="zh-TW" sz="1500" dirty="0">
+                <a:latin typeface="Segoe UI Light" panose="020B0502040204020203" pitchFamily="34" charset="0"/>
+                <a:cs typeface="Segoe UI Light" panose="020B0502040204020203" pitchFamily="34" charset="0"/>
+              </a:rPr>
+              <a:t>【0404】</a:t>
+            </a:r>
+            <a:r>
+              <a:rPr lang="zh-TW" altLang="en-US" sz="1500" dirty="0">
+                <a:latin typeface="Segoe UI Light" panose="020B0502040204020203" pitchFamily="34" charset="0"/>
+                <a:cs typeface="Segoe UI Light" panose="020B0502040204020203" pitchFamily="34" charset="0"/>
+              </a:rPr>
+              <a:t>請確認 </a:t>
+            </a:r>
+            <a:r>
+              <a:rPr lang="en-US" altLang="zh-TW" sz="1500" dirty="0">
+                <a:latin typeface="Segoe UI Light" panose="020B0502040204020203" pitchFamily="34" charset="0"/>
+                <a:cs typeface="Segoe UI Light" panose="020B0502040204020203" pitchFamily="34" charset="0"/>
+              </a:rPr>
+              <a:t>Y </a:t>
+            </a:r>
+            <a:r>
+              <a:rPr lang="zh-TW" altLang="en-US" sz="1500" dirty="0">
+                <a:latin typeface="Segoe UI Light" panose="020B0502040204020203" pitchFamily="34" charset="0"/>
+                <a:cs typeface="Segoe UI Light" panose="020B0502040204020203" pitchFamily="34" charset="0"/>
+              </a:rPr>
+              <a:t>向橫向鋼筋，是否符合 規範 </a:t>
+            </a:r>
+            <a:r>
+              <a:rPr lang="en-US" altLang="zh-TW" sz="1500" dirty="0">
+                <a:latin typeface="Segoe UI Light" panose="020B0502040204020203" pitchFamily="34" charset="0"/>
+                <a:cs typeface="Segoe UI Light" panose="020B0502040204020203" pitchFamily="34" charset="0"/>
+              </a:rPr>
+              <a:t>15.5.4.1 </a:t>
+            </a:r>
+            <a:r>
+              <a:rPr lang="zh-TW" altLang="en-US" sz="1500" dirty="0">
+                <a:latin typeface="Segoe UI Light" panose="020B0502040204020203" pitchFamily="34" charset="0"/>
+                <a:cs typeface="Segoe UI Light" panose="020B0502040204020203" pitchFamily="34" charset="0"/>
+              </a:rPr>
+              <a:t>規定</a:t>
+            </a:r>
+            <a:endParaRPr lang="fr-FR" sz="1500" dirty="0">
+              <a:latin typeface="Segoe UI Light" panose="020B0502040204020203" pitchFamily="34" charset="0"/>
+              <a:cs typeface="Segoe UI Light" panose="020B0502040204020203" pitchFamily="34" charset="0"/>
+            </a:endParaRPr>
+          </a:p>
+        </p:txBody>
+      </p:sp>
+      <p:sp>
+        <p:nvSpPr>
+          <p:cNvPr id="2" name="文字方塊 1">
+            <a:extLst>
+              <a:ext uri="{FF2B5EF4-FFF2-40B4-BE49-F238E27FC236}">
+                <a16:creationId xmlns:a16="http://schemas.microsoft.com/office/drawing/2014/main" id="{3FB28016-F626-48AF-97D3-7238D4526DD9}"/>
+              </a:ext>
+            </a:extLst>
+          </p:cNvPr>
+          <p:cNvSpPr txBox="1"/>
+          <p:nvPr/>
+        </p:nvSpPr>
+        <p:spPr>
+          <a:xfrm>
+            <a:off x="0" y="0"/>
+            <a:ext cx="880369" cy="461665"/>
+          </a:xfrm>
+          <a:prstGeom prst="rect">
+            <a:avLst/>
+          </a:prstGeom>
+          <a:solidFill>
+            <a:schemeClr val="accent2"/>
+          </a:solidFill>
+        </p:spPr>
+        <p:txBody>
+          <a:bodyPr wrap="none" rtlCol="0">
+            <a:spAutoFit/>
+          </a:bodyPr>
+          <a:lstStyle/>
+          <a:p>
+            <a:r>
+              <a:rPr lang="en-US" altLang="zh-TW" sz="2400" dirty="0">
+                <a:solidFill>
+                  <a:schemeClr val="bg1"/>
+                </a:solidFill>
+              </a:rPr>
+              <a:t>0404</a:t>
+            </a:r>
+            <a:endParaRPr lang="zh-TW" altLang="en-US" sz="2400" dirty="0">
+              <a:solidFill>
+                <a:schemeClr val="bg1"/>
+              </a:solidFill>
+            </a:endParaRPr>
+          </a:p>
+        </p:txBody>
+      </p:sp>
+      <p:sp>
+        <p:nvSpPr>
+          <p:cNvPr id="26" name="文字方塊 25">
+            <a:extLst>
+              <a:ext uri="{FF2B5EF4-FFF2-40B4-BE49-F238E27FC236}">
+                <a16:creationId xmlns:a16="http://schemas.microsoft.com/office/drawing/2014/main" id="{C7FDD815-789D-4B42-AF9B-8F0CE4494D12}"/>
+              </a:ext>
+            </a:extLst>
+          </p:cNvPr>
+          <p:cNvSpPr txBox="1"/>
+          <p:nvPr/>
+        </p:nvSpPr>
+        <p:spPr>
+          <a:xfrm>
+            <a:off x="822661" y="0"/>
+            <a:ext cx="800219" cy="461665"/>
+          </a:xfrm>
+          <a:prstGeom prst="rect">
+            <a:avLst/>
+          </a:prstGeom>
+          <a:solidFill>
+            <a:schemeClr val="accent3"/>
+          </a:solidFill>
+        </p:spPr>
+        <p:txBody>
+          <a:bodyPr wrap="none" rtlCol="0">
+            <a:spAutoFit/>
+          </a:bodyPr>
+          <a:lstStyle/>
+          <a:p>
+            <a:r>
+              <a:rPr lang="zh-TW" altLang="en-US" sz="2400" dirty="0">
+                <a:solidFill>
+                  <a:schemeClr val="bg1"/>
+                </a:solidFill>
+              </a:rPr>
+              <a:t>繫筋</a:t>
+            </a:r>
+          </a:p>
+        </p:txBody>
+      </p:sp>
+      <p:sp>
+        <p:nvSpPr>
+          <p:cNvPr id="25" name="TextBox 98">
+            <a:extLst>
+              <a:ext uri="{FF2B5EF4-FFF2-40B4-BE49-F238E27FC236}">
+                <a16:creationId xmlns:a16="http://schemas.microsoft.com/office/drawing/2014/main" id="{338607F8-AC64-4825-8971-72892EC703DC}"/>
+              </a:ext>
+            </a:extLst>
+          </p:cNvPr>
+          <p:cNvSpPr txBox="1"/>
+          <p:nvPr/>
+        </p:nvSpPr>
+        <p:spPr>
+          <a:xfrm>
+            <a:off x="6412086" y="1616528"/>
+            <a:ext cx="2046434" cy="323165"/>
+          </a:xfrm>
+          <a:prstGeom prst="rect">
+            <a:avLst/>
+          </a:prstGeom>
+          <a:noFill/>
+        </p:spPr>
+        <p:txBody>
+          <a:bodyPr wrap="square" lIns="0" rtlCol="0" anchor="t">
+            <a:spAutoFit/>
+          </a:bodyPr>
+          <a:lstStyle/>
+          <a:p>
+            <a:r>
+              <a:rPr lang="zh-TW" altLang="en-US" sz="1500" dirty="0">
+                <a:latin typeface="Segoe UI Light" panose="020B0502040204020203" pitchFamily="34" charset="0"/>
+                <a:cs typeface="Segoe UI Light" panose="020B0502040204020203" pitchFamily="34" charset="0"/>
+              </a:rPr>
+              <a:t>前提條件</a:t>
+            </a:r>
+            <a:r>
+              <a:rPr lang="en-US" altLang="zh-TW" sz="1500" dirty="0">
+                <a:latin typeface="Segoe UI Light" panose="020B0502040204020203" pitchFamily="34" charset="0"/>
+                <a:cs typeface="Segoe UI Light" panose="020B0502040204020203" pitchFamily="34" charset="0"/>
+              </a:rPr>
+              <a:t>:</a:t>
+            </a:r>
+            <a:r>
+              <a:rPr lang="zh-TW" altLang="en-US" sz="1500" dirty="0">
+                <a:latin typeface="Segoe UI Light" panose="020B0502040204020203" pitchFamily="34" charset="0"/>
+                <a:cs typeface="Segoe UI Light" panose="020B0502040204020203" pitchFamily="34" charset="0"/>
+              </a:rPr>
+              <a:t> </a:t>
+            </a:r>
+            <a:r>
+              <a:rPr lang="en-US" altLang="zh-TW" sz="1500" dirty="0">
+                <a:latin typeface="Segoe UI Light" panose="020B0502040204020203" pitchFamily="34" charset="0"/>
+                <a:cs typeface="Segoe UI Light" panose="020B0502040204020203" pitchFamily="34" charset="0"/>
+              </a:rPr>
+              <a:t>&gt;</a:t>
+            </a:r>
+            <a:r>
+              <a:rPr lang="zh-TW" altLang="en-US" sz="1500" dirty="0">
+                <a:latin typeface="Segoe UI Light" panose="020B0502040204020203" pitchFamily="34" charset="0"/>
+                <a:cs typeface="Segoe UI Light" panose="020B0502040204020203" pitchFamily="34" charset="0"/>
+              </a:rPr>
+              <a:t> </a:t>
+            </a:r>
+            <a:r>
+              <a:rPr lang="en-US" altLang="zh-TW" sz="1500" dirty="0">
+                <a:latin typeface="Segoe UI Light" panose="020B0502040204020203" pitchFamily="34" charset="0"/>
+                <a:cs typeface="Segoe UI Light" panose="020B0502040204020203" pitchFamily="34" charset="0"/>
+              </a:rPr>
+              <a:t>1F</a:t>
+            </a:r>
+            <a:endParaRPr lang="fr-FR" sz="1500" dirty="0">
+              <a:latin typeface="Segoe UI Light" panose="020B0502040204020203" pitchFamily="34" charset="0"/>
+              <a:cs typeface="Segoe UI Light" panose="020B0502040204020203" pitchFamily="34" charset="0"/>
+            </a:endParaRPr>
           </a:p>
         </p:txBody>
       </p:sp>
     </p:spTree>
     <p:extLst>
       <p:ext uri="{BB962C8B-B14F-4D97-AF65-F5344CB8AC3E}">
-        <p14:creationId xmlns:p14="http://schemas.microsoft.com/office/powerpoint/2010/main" val="1758665663"/>
+        <p14:creationId xmlns:p14="http://schemas.microsoft.com/office/powerpoint/2010/main" val="2885213635"/>
+      </p:ext>
+    </p:extLst>
+  </p:cSld>
+  <p:clrMapOvr>
+    <a:masterClrMapping/>
+  </p:clrMapOvr>
+</p:sld>
+</file>
+
+<file path=ppt/slides/slide33.xml><?xml version="1.0" encoding="utf-8"?>
+<p:sld xmlns:a="http://schemas.openxmlformats.org/drawingml/2006/main" xmlns:r="http://schemas.openxmlformats.org/officeDocument/2006/relationships" xmlns:p="http://schemas.openxmlformats.org/presentationml/2006/main">
+  <p:cSld>
+    <p:spTree>
+      <p:nvGrpSpPr>
+        <p:cNvPr id="1" name=""/>
+        <p:cNvGrpSpPr/>
+        <p:nvPr/>
+      </p:nvGrpSpPr>
+      <p:grpSpPr>
+        <a:xfrm>
+          <a:off x="0" y="0"/>
+          <a:ext cx="0" cy="0"/>
+          <a:chOff x="0" y="0"/>
+          <a:chExt cx="0" cy="0"/>
+        </a:xfrm>
+      </p:grpSpPr>
+      <p:sp>
+        <p:nvSpPr>
+          <p:cNvPr id="3" name="投影片編號版面配置區 2"/>
+          <p:cNvSpPr>
+            <a:spLocks noGrp="1"/>
+          </p:cNvSpPr>
+          <p:nvPr>
+            <p:ph type="sldNum" sz="quarter" idx="12"/>
+          </p:nvPr>
+        </p:nvSpPr>
+        <p:spPr/>
+        <p:txBody>
+          <a:bodyPr/>
+          <a:lstStyle/>
+          <a:p>
+            <a:fld id="{83F5B54E-D686-4015-93F2-94C458F353E2}" type="slidenum">
+              <a:rPr lang="zh-TW" altLang="en-US" smtClean="0"/>
+              <a:t>33</a:t>
+            </a:fld>
+            <a:endParaRPr lang="zh-TW" altLang="en-US"/>
+          </a:p>
+        </p:txBody>
+      </p:sp>
+      <p:sp>
+        <p:nvSpPr>
+          <p:cNvPr id="11" name="文字方塊 10"/>
+          <p:cNvSpPr txBox="1"/>
+          <p:nvPr/>
+        </p:nvSpPr>
+        <p:spPr>
+          <a:xfrm>
+            <a:off x="922717" y="698267"/>
+            <a:ext cx="2868093" cy="369332"/>
+          </a:xfrm>
+          <a:prstGeom prst="rect">
+            <a:avLst/>
+          </a:prstGeom>
+          <a:noFill/>
+        </p:spPr>
+        <p:txBody>
+          <a:bodyPr wrap="none" rtlCol="0">
+            <a:spAutoFit/>
+          </a:bodyPr>
+          <a:lstStyle/>
+          <a:p>
+            <a:r>
+              <a:rPr lang="zh-TW" altLang="en-US" dirty="0"/>
+              <a:t>頂樓區鋼筋比不大於 </a:t>
+            </a:r>
+            <a:r>
+              <a:rPr lang="en-US" altLang="zh-TW" dirty="0"/>
+              <a:t>1.2 %</a:t>
+            </a:r>
+            <a:endParaRPr lang="zh-TW" altLang="en-US" dirty="0"/>
+          </a:p>
+        </p:txBody>
+      </p:sp>
+      <p:grpSp>
+        <p:nvGrpSpPr>
+          <p:cNvPr id="13" name="Group 24"/>
+          <p:cNvGrpSpPr/>
+          <p:nvPr/>
+        </p:nvGrpSpPr>
+        <p:grpSpPr>
+          <a:xfrm>
+            <a:off x="1220043" y="1448609"/>
+            <a:ext cx="708425" cy="708425"/>
+            <a:chOff x="3173014" y="2956717"/>
+            <a:chExt cx="944566" cy="944566"/>
+          </a:xfrm>
+        </p:grpSpPr>
+        <p:sp>
+          <p:nvSpPr>
+            <p:cNvPr id="14" name="Oval 25"/>
+            <p:cNvSpPr/>
+            <p:nvPr/>
+          </p:nvSpPr>
+          <p:spPr>
+            <a:xfrm>
+              <a:off x="3290491" y="3074194"/>
+              <a:ext cx="709612" cy="709612"/>
+            </a:xfrm>
+            <a:prstGeom prst="ellipse">
+              <a:avLst/>
+            </a:prstGeom>
+            <a:solidFill>
+              <a:schemeClr val="bg1">
+                <a:lumMod val="85000"/>
+              </a:schemeClr>
+            </a:solidFill>
+            <a:ln>
+              <a:noFill/>
+            </a:ln>
+          </p:spPr>
+          <p:style>
+            <a:lnRef idx="2">
+              <a:schemeClr val="accent1">
+                <a:shade val="50000"/>
+              </a:schemeClr>
+            </a:lnRef>
+            <a:fillRef idx="1">
+              <a:schemeClr val="accent1"/>
+            </a:fillRef>
+            <a:effectRef idx="0">
+              <a:schemeClr val="accent1"/>
+            </a:effectRef>
+            <a:fontRef idx="minor">
+              <a:schemeClr val="lt1"/>
+            </a:fontRef>
+          </p:style>
+          <p:txBody>
+            <a:bodyPr rtlCol="0" anchor="ctr"/>
+            <a:lstStyle/>
+            <a:p>
+              <a:pPr algn="ctr"/>
+              <a:endParaRPr lang="fr-FR" sz="1350"/>
+            </a:p>
+          </p:txBody>
+        </p:sp>
+        <p:sp>
+          <p:nvSpPr>
+            <p:cNvPr id="15" name="Oval 26"/>
+            <p:cNvSpPr/>
+            <p:nvPr/>
+          </p:nvSpPr>
+          <p:spPr>
+            <a:xfrm>
+              <a:off x="3173014" y="2956717"/>
+              <a:ext cx="944566" cy="944566"/>
+            </a:xfrm>
+            <a:prstGeom prst="ellipse">
+              <a:avLst/>
+            </a:prstGeom>
+            <a:solidFill>
+              <a:schemeClr val="bg1">
+                <a:lumMod val="85000"/>
+                <a:alpha val="42000"/>
+              </a:schemeClr>
+            </a:solidFill>
+            <a:ln>
+              <a:noFill/>
+            </a:ln>
+          </p:spPr>
+          <p:style>
+            <a:lnRef idx="2">
+              <a:schemeClr val="accent1">
+                <a:shade val="50000"/>
+              </a:schemeClr>
+            </a:lnRef>
+            <a:fillRef idx="1">
+              <a:schemeClr val="accent1"/>
+            </a:fillRef>
+            <a:effectRef idx="0">
+              <a:schemeClr val="accent1"/>
+            </a:effectRef>
+            <a:fontRef idx="minor">
+              <a:schemeClr val="lt1"/>
+            </a:fontRef>
+          </p:style>
+          <p:txBody>
+            <a:bodyPr rtlCol="0" anchor="ctr"/>
+            <a:lstStyle/>
+            <a:p>
+              <a:pPr algn="ctr"/>
+              <a:r>
+                <a:rPr lang="fr-FR" sz="2100" dirty="0">
+                  <a:solidFill>
+                    <a:schemeClr val="tx1"/>
+                  </a:solidFill>
+                  <a:latin typeface="Segoe UI" panose="020B0502040204020203" pitchFamily="34" charset="0"/>
+                  <a:cs typeface="Segoe UI" panose="020B0502040204020203" pitchFamily="34" charset="0"/>
+                </a:rPr>
+                <a:t>1</a:t>
+              </a:r>
+            </a:p>
+          </p:txBody>
+        </p:sp>
+      </p:grpSp>
+      <p:cxnSp>
+        <p:nvCxnSpPr>
+          <p:cNvPr id="16" name="Straight Connector 13"/>
+          <p:cNvCxnSpPr/>
+          <p:nvPr/>
+        </p:nvCxnSpPr>
+        <p:spPr>
+          <a:xfrm>
+            <a:off x="1571021" y="2157034"/>
+            <a:ext cx="0" cy="1087200"/>
+          </a:xfrm>
+          <a:prstGeom prst="line">
+            <a:avLst/>
+          </a:prstGeom>
+          <a:ln w="28575">
+            <a:solidFill>
+              <a:srgbClr val="EDECEC"/>
+            </a:solidFill>
+          </a:ln>
+        </p:spPr>
+        <p:style>
+          <a:lnRef idx="1">
+            <a:schemeClr val="accent1"/>
+          </a:lnRef>
+          <a:fillRef idx="0">
+            <a:schemeClr val="accent1"/>
+          </a:fillRef>
+          <a:effectRef idx="0">
+            <a:schemeClr val="accent1"/>
+          </a:effectRef>
+          <a:fontRef idx="minor">
+            <a:schemeClr val="tx1"/>
+          </a:fontRef>
+        </p:style>
+      </p:cxnSp>
+      <p:grpSp>
+        <p:nvGrpSpPr>
+          <p:cNvPr id="18" name="Group 1"/>
+          <p:cNvGrpSpPr/>
+          <p:nvPr/>
+        </p:nvGrpSpPr>
+        <p:grpSpPr>
+          <a:xfrm>
+            <a:off x="1220043" y="3244234"/>
+            <a:ext cx="708425" cy="708425"/>
+            <a:chOff x="3173014" y="2956717"/>
+            <a:chExt cx="944566" cy="944566"/>
+          </a:xfrm>
+        </p:grpSpPr>
+        <p:sp>
+          <p:nvSpPr>
+            <p:cNvPr id="19" name="Oval 18"/>
+            <p:cNvSpPr/>
+            <p:nvPr/>
+          </p:nvSpPr>
+          <p:spPr>
+            <a:xfrm>
+              <a:off x="3290491" y="3074194"/>
+              <a:ext cx="709612" cy="709612"/>
+            </a:xfrm>
+            <a:prstGeom prst="ellipse">
+              <a:avLst/>
+            </a:prstGeom>
+            <a:solidFill>
+              <a:schemeClr val="bg1">
+                <a:lumMod val="85000"/>
+              </a:schemeClr>
+            </a:solidFill>
+            <a:ln>
+              <a:noFill/>
+            </a:ln>
+          </p:spPr>
+          <p:style>
+            <a:lnRef idx="2">
+              <a:schemeClr val="accent1">
+                <a:shade val="50000"/>
+              </a:schemeClr>
+            </a:lnRef>
+            <a:fillRef idx="1">
+              <a:schemeClr val="accent1"/>
+            </a:fillRef>
+            <a:effectRef idx="0">
+              <a:schemeClr val="accent1"/>
+            </a:effectRef>
+            <a:fontRef idx="minor">
+              <a:schemeClr val="lt1"/>
+            </a:fontRef>
+          </p:style>
+          <p:txBody>
+            <a:bodyPr rtlCol="0" anchor="ctr"/>
+            <a:lstStyle/>
+            <a:p>
+              <a:pPr algn="ctr"/>
+              <a:endParaRPr lang="fr-FR" sz="1350" dirty="0"/>
+            </a:p>
+          </p:txBody>
+        </p:sp>
+        <p:sp>
+          <p:nvSpPr>
+            <p:cNvPr id="20" name="Oval 22"/>
+            <p:cNvSpPr/>
+            <p:nvPr/>
+          </p:nvSpPr>
+          <p:spPr>
+            <a:xfrm>
+              <a:off x="3173014" y="2956717"/>
+              <a:ext cx="944566" cy="944566"/>
+            </a:xfrm>
+            <a:prstGeom prst="ellipse">
+              <a:avLst/>
+            </a:prstGeom>
+            <a:solidFill>
+              <a:schemeClr val="bg1">
+                <a:lumMod val="85000"/>
+                <a:alpha val="42000"/>
+              </a:schemeClr>
+            </a:solidFill>
+            <a:ln>
+              <a:noFill/>
+            </a:ln>
+          </p:spPr>
+          <p:style>
+            <a:lnRef idx="2">
+              <a:schemeClr val="accent1">
+                <a:shade val="50000"/>
+              </a:schemeClr>
+            </a:lnRef>
+            <a:fillRef idx="1">
+              <a:schemeClr val="accent1"/>
+            </a:fillRef>
+            <a:effectRef idx="0">
+              <a:schemeClr val="accent1"/>
+            </a:effectRef>
+            <a:fontRef idx="minor">
+              <a:schemeClr val="lt1"/>
+            </a:fontRef>
+          </p:style>
+          <p:txBody>
+            <a:bodyPr rtlCol="0" anchor="ctr"/>
+            <a:lstStyle/>
+            <a:p>
+              <a:pPr algn="ctr"/>
+              <a:r>
+                <a:rPr lang="fr-FR" sz="2100" dirty="0">
+                  <a:solidFill>
+                    <a:schemeClr val="tx1"/>
+                  </a:solidFill>
+                  <a:latin typeface="Segoe UI" panose="020B0502040204020203" pitchFamily="34" charset="0"/>
+                  <a:cs typeface="Segoe UI" panose="020B0502040204020203" pitchFamily="34" charset="0"/>
+                </a:rPr>
+                <a:t>2</a:t>
+              </a:r>
+            </a:p>
+          </p:txBody>
+        </p:sp>
+      </p:grpSp>
+      <p:grpSp>
+        <p:nvGrpSpPr>
+          <p:cNvPr id="21" name="Group 27"/>
+          <p:cNvGrpSpPr/>
+          <p:nvPr/>
+        </p:nvGrpSpPr>
+        <p:grpSpPr>
+          <a:xfrm>
+            <a:off x="1220043" y="5039859"/>
+            <a:ext cx="708425" cy="708425"/>
+            <a:chOff x="3173014" y="2956717"/>
+            <a:chExt cx="944566" cy="944566"/>
+          </a:xfrm>
+        </p:grpSpPr>
+        <p:sp>
+          <p:nvSpPr>
+            <p:cNvPr id="22" name="Oval 28"/>
+            <p:cNvSpPr/>
+            <p:nvPr/>
+          </p:nvSpPr>
+          <p:spPr>
+            <a:xfrm>
+              <a:off x="3290491" y="3074194"/>
+              <a:ext cx="709612" cy="709612"/>
+            </a:xfrm>
+            <a:prstGeom prst="ellipse">
+              <a:avLst/>
+            </a:prstGeom>
+            <a:solidFill>
+              <a:schemeClr val="bg1">
+                <a:lumMod val="85000"/>
+              </a:schemeClr>
+            </a:solidFill>
+            <a:ln>
+              <a:noFill/>
+            </a:ln>
+          </p:spPr>
+          <p:style>
+            <a:lnRef idx="2">
+              <a:schemeClr val="accent1">
+                <a:shade val="50000"/>
+              </a:schemeClr>
+            </a:lnRef>
+            <a:fillRef idx="1">
+              <a:schemeClr val="accent1"/>
+            </a:fillRef>
+            <a:effectRef idx="0">
+              <a:schemeClr val="accent1"/>
+            </a:effectRef>
+            <a:fontRef idx="minor">
+              <a:schemeClr val="lt1"/>
+            </a:fontRef>
+          </p:style>
+          <p:txBody>
+            <a:bodyPr rtlCol="0" anchor="ctr"/>
+            <a:lstStyle/>
+            <a:p>
+              <a:pPr algn="ctr"/>
+              <a:endParaRPr lang="fr-FR" sz="1350"/>
+            </a:p>
+          </p:txBody>
+        </p:sp>
+        <p:sp>
+          <p:nvSpPr>
+            <p:cNvPr id="23" name="Oval 29"/>
+            <p:cNvSpPr/>
+            <p:nvPr/>
+          </p:nvSpPr>
+          <p:spPr>
+            <a:xfrm>
+              <a:off x="3173014" y="2956717"/>
+              <a:ext cx="944566" cy="944566"/>
+            </a:xfrm>
+            <a:prstGeom prst="ellipse">
+              <a:avLst/>
+            </a:prstGeom>
+            <a:solidFill>
+              <a:schemeClr val="bg1">
+                <a:lumMod val="85000"/>
+                <a:alpha val="42000"/>
+              </a:schemeClr>
+            </a:solidFill>
+            <a:ln>
+              <a:noFill/>
+            </a:ln>
+          </p:spPr>
+          <p:style>
+            <a:lnRef idx="2">
+              <a:schemeClr val="accent1">
+                <a:shade val="50000"/>
+              </a:schemeClr>
+            </a:lnRef>
+            <a:fillRef idx="1">
+              <a:schemeClr val="accent1"/>
+            </a:fillRef>
+            <a:effectRef idx="0">
+              <a:schemeClr val="accent1"/>
+            </a:effectRef>
+            <a:fontRef idx="minor">
+              <a:schemeClr val="lt1"/>
+            </a:fontRef>
+          </p:style>
+          <p:txBody>
+            <a:bodyPr rtlCol="0" anchor="ctr"/>
+            <a:lstStyle/>
+            <a:p>
+              <a:pPr algn="ctr"/>
+              <a:r>
+                <a:rPr lang="fr-FR" sz="2100" dirty="0">
+                  <a:solidFill>
+                    <a:schemeClr val="tx1"/>
+                  </a:solidFill>
+                  <a:latin typeface="Segoe UI" panose="020B0502040204020203" pitchFamily="34" charset="0"/>
+                  <a:cs typeface="Segoe UI" panose="020B0502040204020203" pitchFamily="34" charset="0"/>
+                </a:rPr>
+                <a:t>3</a:t>
+              </a:r>
+            </a:p>
+          </p:txBody>
+        </p:sp>
+      </p:grpSp>
+      <p:cxnSp>
+        <p:nvCxnSpPr>
+          <p:cNvPr id="24" name="Straight Connector 13"/>
+          <p:cNvCxnSpPr/>
+          <p:nvPr/>
+        </p:nvCxnSpPr>
+        <p:spPr>
+          <a:xfrm>
+            <a:off x="1571021" y="3952659"/>
+            <a:ext cx="0" cy="1087200"/>
+          </a:xfrm>
+          <a:prstGeom prst="line">
+            <a:avLst/>
+          </a:prstGeom>
+          <a:ln w="28575">
+            <a:solidFill>
+              <a:srgbClr val="EDECEC"/>
+            </a:solidFill>
+          </a:ln>
+        </p:spPr>
+        <p:style>
+          <a:lnRef idx="1">
+            <a:schemeClr val="accent1"/>
+          </a:lnRef>
+          <a:fillRef idx="0">
+            <a:schemeClr val="accent1"/>
+          </a:fillRef>
+          <a:effectRef idx="0">
+            <a:schemeClr val="accent1"/>
+          </a:effectRef>
+          <a:fontRef idx="minor">
+            <a:schemeClr val="tx1"/>
+          </a:fontRef>
+        </p:style>
+      </p:cxnSp>
+      <p:sp>
+        <p:nvSpPr>
+          <p:cNvPr id="27" name="TextBox 98"/>
+          <p:cNvSpPr txBox="1"/>
+          <p:nvPr/>
+        </p:nvSpPr>
+        <p:spPr>
+          <a:xfrm>
+            <a:off x="2525567" y="1616379"/>
+            <a:ext cx="2407712" cy="323165"/>
+          </a:xfrm>
+          <a:prstGeom prst="rect">
+            <a:avLst/>
+          </a:prstGeom>
+          <a:noFill/>
+        </p:spPr>
+        <p:txBody>
+          <a:bodyPr wrap="square" lIns="0" rtlCol="0" anchor="t">
+            <a:spAutoFit/>
+          </a:bodyPr>
+          <a:lstStyle/>
+          <a:p>
+            <a:r>
+              <a:rPr lang="zh-TW" altLang="en-US" sz="1500" dirty="0">
+                <a:latin typeface="Segoe UI Light" panose="020B0502040204020203" pitchFamily="34" charset="0"/>
+                <a:cs typeface="Segoe UI Light" panose="020B0502040204020203" pitchFamily="34" charset="0"/>
+              </a:rPr>
+              <a:t>取出</a:t>
+            </a:r>
+            <a:r>
+              <a:rPr lang="en-US" altLang="zh-TW" sz="1500" dirty="0">
+                <a:latin typeface="Segoe UI Light" panose="020B0502040204020203" pitchFamily="34" charset="0"/>
+                <a:cs typeface="Segoe UI Light" panose="020B0502040204020203" pitchFamily="34" charset="0"/>
+              </a:rPr>
+              <a:t>:</a:t>
+            </a:r>
+            <a:r>
+              <a:rPr lang="zh-TW" altLang="en-US" sz="1500" dirty="0">
+                <a:latin typeface="Segoe UI Light" panose="020B0502040204020203" pitchFamily="34" charset="0"/>
+                <a:cs typeface="Segoe UI Light" panose="020B0502040204020203" pitchFamily="34" charset="0"/>
+              </a:rPr>
+              <a:t> 頂樓區柱鋼筋量</a:t>
+            </a:r>
+            <a:endParaRPr lang="fr-FR" sz="1500" dirty="0">
+              <a:latin typeface="Segoe UI Light" panose="020B0502040204020203" pitchFamily="34" charset="0"/>
+              <a:cs typeface="Segoe UI Light" panose="020B0502040204020203" pitchFamily="34" charset="0"/>
+            </a:endParaRPr>
+          </a:p>
+        </p:txBody>
+      </p:sp>
+      <p:sp>
+        <p:nvSpPr>
+          <p:cNvPr id="31" name="TextBox 98"/>
+          <p:cNvSpPr txBox="1"/>
+          <p:nvPr/>
+        </p:nvSpPr>
+        <p:spPr>
+          <a:xfrm>
+            <a:off x="2525567" y="3440098"/>
+            <a:ext cx="4116302" cy="323165"/>
+          </a:xfrm>
+          <a:prstGeom prst="rect">
+            <a:avLst/>
+          </a:prstGeom>
+          <a:noFill/>
+        </p:spPr>
+        <p:txBody>
+          <a:bodyPr wrap="square" lIns="0" rtlCol="0" anchor="t">
+            <a:spAutoFit/>
+          </a:bodyPr>
+          <a:lstStyle/>
+          <a:p>
+            <a:r>
+              <a:rPr lang="zh-TW" altLang="en-US" sz="1500" dirty="0">
+                <a:latin typeface="Segoe UI Light" panose="020B0502040204020203" pitchFamily="34" charset="0"/>
+                <a:cs typeface="Segoe UI Light" panose="020B0502040204020203" pitchFamily="34" charset="0"/>
+              </a:rPr>
+              <a:t>判斷</a:t>
+            </a:r>
+            <a:r>
+              <a:rPr lang="en-US" altLang="zh-TW" sz="1500" dirty="0">
+                <a:latin typeface="Segoe UI Light" panose="020B0502040204020203" pitchFamily="34" charset="0"/>
+                <a:cs typeface="Segoe UI Light" panose="020B0502040204020203" pitchFamily="34" charset="0"/>
+              </a:rPr>
+              <a:t>:</a:t>
+            </a:r>
+            <a:r>
+              <a:rPr lang="zh-TW" altLang="en-US" sz="1500" dirty="0">
+                <a:latin typeface="Segoe UI Light" panose="020B0502040204020203" pitchFamily="34" charset="0"/>
+                <a:cs typeface="Segoe UI Light" panose="020B0502040204020203" pitchFamily="34" charset="0"/>
+              </a:rPr>
+              <a:t> 柱主筋量 </a:t>
+            </a:r>
+            <a:r>
+              <a:rPr lang="en-US" altLang="zh-TW" sz="1500" dirty="0">
+                <a:latin typeface="Segoe UI Light" panose="020B0502040204020203" pitchFamily="34" charset="0"/>
+                <a:cs typeface="Segoe UI Light" panose="020B0502040204020203" pitchFamily="34" charset="0"/>
+              </a:rPr>
+              <a:t>&lt;</a:t>
+            </a:r>
+            <a:r>
+              <a:rPr lang="zh-TW" altLang="en-US" sz="1500" dirty="0">
+                <a:latin typeface="Segoe UI Light" panose="020B0502040204020203" pitchFamily="34" charset="0"/>
+                <a:cs typeface="Segoe UI Light" panose="020B0502040204020203" pitchFamily="34" charset="0"/>
+              </a:rPr>
+              <a:t> </a:t>
+            </a:r>
+            <a:r>
+              <a:rPr lang="en-US" altLang="zh-TW" sz="1500" dirty="0">
+                <a:latin typeface="Segoe UI Light" panose="020B0502040204020203" pitchFamily="34" charset="0"/>
+                <a:cs typeface="Segoe UI Light" panose="020B0502040204020203" pitchFamily="34" charset="0"/>
+              </a:rPr>
+              <a:t>1.2%</a:t>
+            </a:r>
+            <a:endParaRPr lang="fr-FR" sz="1500" dirty="0">
+              <a:latin typeface="Segoe UI Light" panose="020B0502040204020203" pitchFamily="34" charset="0"/>
+              <a:cs typeface="Segoe UI Light" panose="020B0502040204020203" pitchFamily="34" charset="0"/>
+            </a:endParaRPr>
+          </a:p>
+        </p:txBody>
+      </p:sp>
+      <p:sp>
+        <p:nvSpPr>
+          <p:cNvPr id="32" name="TextBox 98"/>
+          <p:cNvSpPr txBox="1"/>
+          <p:nvPr/>
+        </p:nvSpPr>
+        <p:spPr>
+          <a:xfrm>
+            <a:off x="2525566" y="4929497"/>
+            <a:ext cx="4829019" cy="553998"/>
+          </a:xfrm>
+          <a:prstGeom prst="rect">
+            <a:avLst/>
+          </a:prstGeom>
+          <a:noFill/>
+        </p:spPr>
+        <p:txBody>
+          <a:bodyPr wrap="square" lIns="0" rtlCol="0" anchor="t">
+            <a:spAutoFit/>
+          </a:bodyPr>
+          <a:lstStyle/>
+          <a:p>
+            <a:r>
+              <a:rPr lang="zh-TW" altLang="en-US" sz="1500" dirty="0">
+                <a:latin typeface="Segoe UI Light" panose="020B0502040204020203" pitchFamily="34" charset="0"/>
+                <a:cs typeface="Segoe UI Light" panose="020B0502040204020203" pitchFamily="34" charset="0"/>
+              </a:rPr>
+              <a:t>是</a:t>
+            </a:r>
+            <a:r>
+              <a:rPr lang="en-US" altLang="zh-TW" sz="1500" dirty="0">
+                <a:latin typeface="Segoe UI Light" panose="020B0502040204020203" pitchFamily="34" charset="0"/>
+                <a:cs typeface="Segoe UI Light" panose="020B0502040204020203" pitchFamily="34" charset="0"/>
+              </a:rPr>
+              <a:t>:</a:t>
+            </a:r>
+            <a:r>
+              <a:rPr lang="zh-TW" altLang="en-US" sz="1500" dirty="0">
+                <a:latin typeface="Segoe UI Light" panose="020B0502040204020203" pitchFamily="34" charset="0"/>
+                <a:cs typeface="Segoe UI Light" panose="020B0502040204020203" pitchFamily="34" charset="0"/>
+              </a:rPr>
+              <a:t> </a:t>
+            </a:r>
+            <a:r>
+              <a:rPr lang="en-US" altLang="zh-TW" sz="1500" dirty="0">
+                <a:latin typeface="Segoe UI Light" panose="020B0502040204020203" pitchFamily="34" charset="0"/>
+                <a:cs typeface="Segoe UI Light" panose="020B0502040204020203" pitchFamily="34" charset="0"/>
+              </a:rPr>
+              <a:t>OK</a:t>
+            </a:r>
+          </a:p>
+          <a:p>
+            <a:r>
+              <a:rPr lang="zh-TW" altLang="en-US" sz="1500" dirty="0">
+                <a:latin typeface="Segoe UI Light" panose="020B0502040204020203" pitchFamily="34" charset="0"/>
+                <a:cs typeface="Segoe UI Light" panose="020B0502040204020203" pitchFamily="34" charset="0"/>
+              </a:rPr>
+              <a:t>否</a:t>
+            </a:r>
+            <a:r>
+              <a:rPr lang="en-US" altLang="zh-TW" sz="1500" dirty="0">
+                <a:latin typeface="Segoe UI Light" panose="020B0502040204020203" pitchFamily="34" charset="0"/>
+                <a:cs typeface="Segoe UI Light" panose="020B0502040204020203" pitchFamily="34" charset="0"/>
+              </a:rPr>
+              <a:t>:</a:t>
+            </a:r>
+            <a:r>
+              <a:rPr lang="zh-TW" altLang="en-US" sz="1500" dirty="0">
+                <a:latin typeface="Segoe UI Light" panose="020B0502040204020203" pitchFamily="34" charset="0"/>
+                <a:cs typeface="Segoe UI Light" panose="020B0502040204020203" pitchFamily="34" charset="0"/>
+              </a:rPr>
+              <a:t> </a:t>
+            </a:r>
+            <a:r>
+              <a:rPr lang="en-US" altLang="zh-TW" sz="1500" dirty="0">
+                <a:latin typeface="Segoe UI Light" panose="020B0502040204020203" pitchFamily="34" charset="0"/>
+                <a:cs typeface="Segoe UI Light" panose="020B0502040204020203" pitchFamily="34" charset="0"/>
+              </a:rPr>
+              <a:t>【0405】</a:t>
+            </a:r>
+            <a:r>
+              <a:rPr lang="zh-TW" altLang="en-US" sz="1500" dirty="0">
+                <a:latin typeface="Segoe UI Light" panose="020B0502040204020203" pitchFamily="34" charset="0"/>
+                <a:cs typeface="Segoe UI Light" panose="020B0502040204020203" pitchFamily="34" charset="0"/>
+              </a:rPr>
+              <a:t>請確認高樓區鋼筋比，是否超過 </a:t>
+            </a:r>
+            <a:r>
+              <a:rPr lang="en-US" altLang="zh-TW" sz="1500" dirty="0">
+                <a:latin typeface="Segoe UI Light" panose="020B0502040204020203" pitchFamily="34" charset="0"/>
+                <a:cs typeface="Segoe UI Light" panose="020B0502040204020203" pitchFamily="34" charset="0"/>
+              </a:rPr>
+              <a:t>1.2 %</a:t>
+            </a:r>
+            <a:endParaRPr lang="fr-FR" sz="1500" dirty="0">
+              <a:latin typeface="Segoe UI Light" panose="020B0502040204020203" pitchFamily="34" charset="0"/>
+              <a:cs typeface="Segoe UI Light" panose="020B0502040204020203" pitchFamily="34" charset="0"/>
+            </a:endParaRPr>
+          </a:p>
+        </p:txBody>
+      </p:sp>
+      <p:sp>
+        <p:nvSpPr>
+          <p:cNvPr id="2" name="文字方塊 1">
+            <a:extLst>
+              <a:ext uri="{FF2B5EF4-FFF2-40B4-BE49-F238E27FC236}">
+                <a16:creationId xmlns:a16="http://schemas.microsoft.com/office/drawing/2014/main" id="{3FB28016-F626-48AF-97D3-7238D4526DD9}"/>
+              </a:ext>
+            </a:extLst>
+          </p:cNvPr>
+          <p:cNvSpPr txBox="1"/>
+          <p:nvPr/>
+        </p:nvSpPr>
+        <p:spPr>
+          <a:xfrm>
+            <a:off x="0" y="0"/>
+            <a:ext cx="875561" cy="461665"/>
+          </a:xfrm>
+          <a:prstGeom prst="rect">
+            <a:avLst/>
+          </a:prstGeom>
+          <a:solidFill>
+            <a:schemeClr val="accent2"/>
+          </a:solidFill>
+        </p:spPr>
+        <p:txBody>
+          <a:bodyPr wrap="none" rtlCol="0">
+            <a:spAutoFit/>
+          </a:bodyPr>
+          <a:lstStyle/>
+          <a:p>
+            <a:r>
+              <a:rPr lang="en-US" altLang="zh-TW" sz="2400" dirty="0">
+                <a:solidFill>
+                  <a:schemeClr val="bg1"/>
+                </a:solidFill>
+              </a:rPr>
+              <a:t>0405</a:t>
+            </a:r>
+            <a:endParaRPr lang="zh-TW" altLang="en-US" sz="2400" dirty="0">
+              <a:solidFill>
+                <a:schemeClr val="bg1"/>
+              </a:solidFill>
+            </a:endParaRPr>
+          </a:p>
+        </p:txBody>
+      </p:sp>
+      <p:sp>
+        <p:nvSpPr>
+          <p:cNvPr id="26" name="文字方塊 25">
+            <a:extLst>
+              <a:ext uri="{FF2B5EF4-FFF2-40B4-BE49-F238E27FC236}">
+                <a16:creationId xmlns:a16="http://schemas.microsoft.com/office/drawing/2014/main" id="{C7FDD815-789D-4B42-AF9B-8F0CE4494D12}"/>
+              </a:ext>
+            </a:extLst>
+          </p:cNvPr>
+          <p:cNvSpPr txBox="1"/>
+          <p:nvPr/>
+        </p:nvSpPr>
+        <p:spPr>
+          <a:xfrm>
+            <a:off x="822661" y="0"/>
+            <a:ext cx="800219" cy="461665"/>
+          </a:xfrm>
+          <a:prstGeom prst="rect">
+            <a:avLst/>
+          </a:prstGeom>
+          <a:solidFill>
+            <a:schemeClr val="accent3"/>
+          </a:solidFill>
+        </p:spPr>
+        <p:txBody>
+          <a:bodyPr wrap="none" rtlCol="0">
+            <a:spAutoFit/>
+          </a:bodyPr>
+          <a:lstStyle/>
+          <a:p>
+            <a:r>
+              <a:rPr lang="zh-TW" altLang="en-US" sz="2400" dirty="0">
+                <a:solidFill>
+                  <a:schemeClr val="bg1"/>
+                </a:solidFill>
+              </a:rPr>
+              <a:t>主筋</a:t>
+            </a:r>
+          </a:p>
+        </p:txBody>
+      </p:sp>
+      <p:sp>
+        <p:nvSpPr>
+          <p:cNvPr id="25" name="TextBox 98">
+            <a:extLst>
+              <a:ext uri="{FF2B5EF4-FFF2-40B4-BE49-F238E27FC236}">
+                <a16:creationId xmlns:a16="http://schemas.microsoft.com/office/drawing/2014/main" id="{008AE5A9-237B-4EC8-BDB8-13666ADC4929}"/>
+              </a:ext>
+            </a:extLst>
+          </p:cNvPr>
+          <p:cNvSpPr txBox="1"/>
+          <p:nvPr/>
+        </p:nvSpPr>
+        <p:spPr>
+          <a:xfrm>
+            <a:off x="5497688" y="1612367"/>
+            <a:ext cx="2046434" cy="784830"/>
+          </a:xfrm>
+          <a:prstGeom prst="rect">
+            <a:avLst/>
+          </a:prstGeom>
+          <a:noFill/>
+        </p:spPr>
+        <p:txBody>
+          <a:bodyPr wrap="square" lIns="0" rtlCol="0" anchor="t">
+            <a:spAutoFit/>
+          </a:bodyPr>
+          <a:lstStyle/>
+          <a:p>
+            <a:r>
+              <a:rPr lang="zh-TW" altLang="en-US" sz="1500" dirty="0">
+                <a:latin typeface="Segoe UI Light" panose="020B0502040204020203" pitchFamily="34" charset="0"/>
+                <a:cs typeface="Segoe UI Light" panose="020B0502040204020203" pitchFamily="34" charset="0"/>
+              </a:rPr>
+              <a:t>前提條件</a:t>
+            </a:r>
+            <a:r>
+              <a:rPr lang="en-US" altLang="zh-TW" sz="1500" dirty="0">
+                <a:latin typeface="Segoe UI Light" panose="020B0502040204020203" pitchFamily="34" charset="0"/>
+                <a:cs typeface="Segoe UI Light" panose="020B0502040204020203" pitchFamily="34" charset="0"/>
+              </a:rPr>
+              <a:t>:</a:t>
+            </a:r>
+            <a:r>
+              <a:rPr lang="zh-TW" altLang="en-US" sz="1500" dirty="0">
+                <a:latin typeface="Segoe UI Light" panose="020B0502040204020203" pitchFamily="34" charset="0"/>
+                <a:cs typeface="Segoe UI Light" panose="020B0502040204020203" pitchFamily="34" charset="0"/>
+              </a:rPr>
+              <a:t> </a:t>
+            </a:r>
+            <a:endParaRPr lang="en-US" altLang="zh-TW" sz="1500" dirty="0">
+              <a:latin typeface="Segoe UI Light" panose="020B0502040204020203" pitchFamily="34" charset="0"/>
+              <a:cs typeface="Segoe UI Light" panose="020B0502040204020203" pitchFamily="34" charset="0"/>
+            </a:endParaRPr>
+          </a:p>
+          <a:p>
+            <a:r>
+              <a:rPr lang="zh-TW" altLang="en-US" sz="1500" dirty="0">
+                <a:latin typeface="Segoe UI Light" panose="020B0502040204020203" pitchFamily="34" charset="0"/>
+                <a:cs typeface="Segoe UI Light" panose="020B0502040204020203" pitchFamily="34" charset="0"/>
+              </a:rPr>
+              <a:t>頂樓區不含屋突</a:t>
+            </a:r>
+            <a:endParaRPr lang="en-US" altLang="zh-TW" sz="1500" dirty="0">
+              <a:latin typeface="Segoe UI Light" panose="020B0502040204020203" pitchFamily="34" charset="0"/>
+              <a:cs typeface="Segoe UI Light" panose="020B0502040204020203" pitchFamily="34" charset="0"/>
+            </a:endParaRPr>
+          </a:p>
+          <a:p>
+            <a:r>
+              <a:rPr lang="zh-TW" altLang="en-US" sz="1500" dirty="0">
+                <a:latin typeface="Segoe UI Light" panose="020B0502040204020203" pitchFamily="34" charset="0"/>
+                <a:cs typeface="Segoe UI Light" panose="020B0502040204020203" pitchFamily="34" charset="0"/>
+              </a:rPr>
+              <a:t>頂樓區 </a:t>
+            </a:r>
+            <a:r>
+              <a:rPr lang="en-US" altLang="zh-TW" sz="1500" dirty="0">
+                <a:latin typeface="Segoe UI Light" panose="020B0502040204020203" pitchFamily="34" charset="0"/>
+                <a:cs typeface="Segoe UI Light" panose="020B0502040204020203" pitchFamily="34" charset="0"/>
+              </a:rPr>
+              <a:t>&gt;</a:t>
+            </a:r>
+            <a:r>
+              <a:rPr lang="zh-TW" altLang="en-US" sz="1500" dirty="0">
+                <a:latin typeface="Segoe UI Light" panose="020B0502040204020203" pitchFamily="34" charset="0"/>
+                <a:cs typeface="Segoe UI Light" panose="020B0502040204020203" pitchFamily="34" charset="0"/>
+              </a:rPr>
+              <a:t> </a:t>
+            </a:r>
+            <a:r>
+              <a:rPr lang="en-US" altLang="zh-TW" sz="1500" dirty="0">
+                <a:latin typeface="Segoe UI Light" panose="020B0502040204020203" pitchFamily="34" charset="0"/>
+                <a:cs typeface="Segoe UI Light" panose="020B0502040204020203" pitchFamily="34" charset="0"/>
+              </a:rPr>
+              <a:t>¾</a:t>
+            </a:r>
+            <a:r>
+              <a:rPr lang="zh-TW" altLang="en-US" sz="1500" dirty="0">
+                <a:latin typeface="Segoe UI Light" panose="020B0502040204020203" pitchFamily="34" charset="0"/>
+                <a:cs typeface="Segoe UI Light" panose="020B0502040204020203" pitchFamily="34" charset="0"/>
+              </a:rPr>
+              <a:t>  樓層數</a:t>
+            </a:r>
+            <a:endParaRPr lang="fr-FR" sz="1500" dirty="0">
+              <a:latin typeface="Segoe UI Light" panose="020B0502040204020203" pitchFamily="34" charset="0"/>
+              <a:cs typeface="Segoe UI Light" panose="020B0502040204020203" pitchFamily="34" charset="0"/>
+            </a:endParaRPr>
+          </a:p>
+        </p:txBody>
+      </p:sp>
+    </p:spTree>
+    <p:extLst>
+      <p:ext uri="{BB962C8B-B14F-4D97-AF65-F5344CB8AC3E}">
+        <p14:creationId xmlns:p14="http://schemas.microsoft.com/office/powerpoint/2010/main" val="1588778179"/>
+      </p:ext>
+    </p:extLst>
+  </p:cSld>
+  <p:clrMapOvr>
+    <a:masterClrMapping/>
+  </p:clrMapOvr>
+</p:sld>
+</file>
+
+<file path=ppt/slides/slide34.xml><?xml version="1.0" encoding="utf-8"?>
+<p:sld xmlns:a="http://schemas.openxmlformats.org/drawingml/2006/main" xmlns:r="http://schemas.openxmlformats.org/officeDocument/2006/relationships" xmlns:p="http://schemas.openxmlformats.org/presentationml/2006/main">
+  <p:cSld>
+    <p:spTree>
+      <p:nvGrpSpPr>
+        <p:cNvPr id="1" name=""/>
+        <p:cNvGrpSpPr/>
+        <p:nvPr/>
+      </p:nvGrpSpPr>
+      <p:grpSpPr>
+        <a:xfrm>
+          <a:off x="0" y="0"/>
+          <a:ext cx="0" cy="0"/>
+          <a:chOff x="0" y="0"/>
+          <a:chExt cx="0" cy="0"/>
+        </a:xfrm>
+      </p:grpSpPr>
+      <p:sp>
+        <p:nvSpPr>
+          <p:cNvPr id="3" name="投影片編號版面配置區 2"/>
+          <p:cNvSpPr>
+            <a:spLocks noGrp="1"/>
+          </p:cNvSpPr>
+          <p:nvPr>
+            <p:ph type="sldNum" sz="quarter" idx="12"/>
+          </p:nvPr>
+        </p:nvSpPr>
+        <p:spPr/>
+        <p:txBody>
+          <a:bodyPr/>
+          <a:lstStyle/>
+          <a:p>
+            <a:fld id="{83F5B54E-D686-4015-93F2-94C458F353E2}" type="slidenum">
+              <a:rPr lang="zh-TW" altLang="en-US" smtClean="0"/>
+              <a:t>34</a:t>
+            </a:fld>
+            <a:endParaRPr lang="zh-TW" altLang="en-US"/>
+          </a:p>
+        </p:txBody>
+      </p:sp>
+      <p:sp>
+        <p:nvSpPr>
+          <p:cNvPr id="11" name="文字方塊 10"/>
+          <p:cNvSpPr txBox="1"/>
+          <p:nvPr/>
+        </p:nvSpPr>
+        <p:spPr>
+          <a:xfrm>
+            <a:off x="922717" y="698267"/>
+            <a:ext cx="1800493" cy="369332"/>
+          </a:xfrm>
+          <a:prstGeom prst="rect">
+            <a:avLst/>
+          </a:prstGeom>
+          <a:noFill/>
+        </p:spPr>
+        <p:txBody>
+          <a:bodyPr wrap="none" rtlCol="0">
+            <a:spAutoFit/>
+          </a:bodyPr>
+          <a:lstStyle/>
+          <a:p>
+            <a:r>
+              <a:rPr lang="zh-TW" altLang="en-US" dirty="0"/>
+              <a:t>中央繫筋隔根勾</a:t>
+            </a:r>
+          </a:p>
+        </p:txBody>
+      </p:sp>
+      <p:grpSp>
+        <p:nvGrpSpPr>
+          <p:cNvPr id="13" name="Group 24"/>
+          <p:cNvGrpSpPr/>
+          <p:nvPr/>
+        </p:nvGrpSpPr>
+        <p:grpSpPr>
+          <a:xfrm>
+            <a:off x="1220043" y="1448609"/>
+            <a:ext cx="708425" cy="708425"/>
+            <a:chOff x="3173014" y="2956717"/>
+            <a:chExt cx="944566" cy="944566"/>
+          </a:xfrm>
+        </p:grpSpPr>
+        <p:sp>
+          <p:nvSpPr>
+            <p:cNvPr id="14" name="Oval 25"/>
+            <p:cNvSpPr/>
+            <p:nvPr/>
+          </p:nvSpPr>
+          <p:spPr>
+            <a:xfrm>
+              <a:off x="3290491" y="3074194"/>
+              <a:ext cx="709612" cy="709612"/>
+            </a:xfrm>
+            <a:prstGeom prst="ellipse">
+              <a:avLst/>
+            </a:prstGeom>
+            <a:solidFill>
+              <a:schemeClr val="bg1">
+                <a:lumMod val="85000"/>
+              </a:schemeClr>
+            </a:solidFill>
+            <a:ln>
+              <a:noFill/>
+            </a:ln>
+          </p:spPr>
+          <p:style>
+            <a:lnRef idx="2">
+              <a:schemeClr val="accent1">
+                <a:shade val="50000"/>
+              </a:schemeClr>
+            </a:lnRef>
+            <a:fillRef idx="1">
+              <a:schemeClr val="accent1"/>
+            </a:fillRef>
+            <a:effectRef idx="0">
+              <a:schemeClr val="accent1"/>
+            </a:effectRef>
+            <a:fontRef idx="minor">
+              <a:schemeClr val="lt1"/>
+            </a:fontRef>
+          </p:style>
+          <p:txBody>
+            <a:bodyPr rtlCol="0" anchor="ctr"/>
+            <a:lstStyle/>
+            <a:p>
+              <a:pPr algn="ctr"/>
+              <a:endParaRPr lang="fr-FR" sz="1350"/>
+            </a:p>
+          </p:txBody>
+        </p:sp>
+        <p:sp>
+          <p:nvSpPr>
+            <p:cNvPr id="15" name="Oval 26"/>
+            <p:cNvSpPr/>
+            <p:nvPr/>
+          </p:nvSpPr>
+          <p:spPr>
+            <a:xfrm>
+              <a:off x="3173014" y="2956717"/>
+              <a:ext cx="944566" cy="944566"/>
+            </a:xfrm>
+            <a:prstGeom prst="ellipse">
+              <a:avLst/>
+            </a:prstGeom>
+            <a:solidFill>
+              <a:schemeClr val="bg1">
+                <a:lumMod val="85000"/>
+                <a:alpha val="42000"/>
+              </a:schemeClr>
+            </a:solidFill>
+            <a:ln>
+              <a:noFill/>
+            </a:ln>
+          </p:spPr>
+          <p:style>
+            <a:lnRef idx="2">
+              <a:schemeClr val="accent1">
+                <a:shade val="50000"/>
+              </a:schemeClr>
+            </a:lnRef>
+            <a:fillRef idx="1">
+              <a:schemeClr val="accent1"/>
+            </a:fillRef>
+            <a:effectRef idx="0">
+              <a:schemeClr val="accent1"/>
+            </a:effectRef>
+            <a:fontRef idx="minor">
+              <a:schemeClr val="lt1"/>
+            </a:fontRef>
+          </p:style>
+          <p:txBody>
+            <a:bodyPr rtlCol="0" anchor="ctr"/>
+            <a:lstStyle/>
+            <a:p>
+              <a:pPr algn="ctr"/>
+              <a:r>
+                <a:rPr lang="fr-FR" sz="2100" dirty="0">
+                  <a:solidFill>
+                    <a:schemeClr val="tx1"/>
+                  </a:solidFill>
+                  <a:latin typeface="Segoe UI" panose="020B0502040204020203" pitchFamily="34" charset="0"/>
+                  <a:cs typeface="Segoe UI" panose="020B0502040204020203" pitchFamily="34" charset="0"/>
+                </a:rPr>
+                <a:t>1</a:t>
+              </a:r>
+            </a:p>
+          </p:txBody>
+        </p:sp>
+      </p:grpSp>
+      <p:cxnSp>
+        <p:nvCxnSpPr>
+          <p:cNvPr id="16" name="Straight Connector 13"/>
+          <p:cNvCxnSpPr/>
+          <p:nvPr/>
+        </p:nvCxnSpPr>
+        <p:spPr>
+          <a:xfrm>
+            <a:off x="1571021" y="2157034"/>
+            <a:ext cx="0" cy="1087200"/>
+          </a:xfrm>
+          <a:prstGeom prst="line">
+            <a:avLst/>
+          </a:prstGeom>
+          <a:ln w="28575">
+            <a:solidFill>
+              <a:srgbClr val="EDECEC"/>
+            </a:solidFill>
+          </a:ln>
+        </p:spPr>
+        <p:style>
+          <a:lnRef idx="1">
+            <a:schemeClr val="accent1"/>
+          </a:lnRef>
+          <a:fillRef idx="0">
+            <a:schemeClr val="accent1"/>
+          </a:fillRef>
+          <a:effectRef idx="0">
+            <a:schemeClr val="accent1"/>
+          </a:effectRef>
+          <a:fontRef idx="minor">
+            <a:schemeClr val="tx1"/>
+          </a:fontRef>
+        </p:style>
+      </p:cxnSp>
+      <p:grpSp>
+        <p:nvGrpSpPr>
+          <p:cNvPr id="18" name="Group 1"/>
+          <p:cNvGrpSpPr/>
+          <p:nvPr/>
+        </p:nvGrpSpPr>
+        <p:grpSpPr>
+          <a:xfrm>
+            <a:off x="1220043" y="3244234"/>
+            <a:ext cx="708425" cy="708425"/>
+            <a:chOff x="3173014" y="2956717"/>
+            <a:chExt cx="944566" cy="944566"/>
+          </a:xfrm>
+        </p:grpSpPr>
+        <p:sp>
+          <p:nvSpPr>
+            <p:cNvPr id="19" name="Oval 18"/>
+            <p:cNvSpPr/>
+            <p:nvPr/>
+          </p:nvSpPr>
+          <p:spPr>
+            <a:xfrm>
+              <a:off x="3290491" y="3074194"/>
+              <a:ext cx="709612" cy="709612"/>
+            </a:xfrm>
+            <a:prstGeom prst="ellipse">
+              <a:avLst/>
+            </a:prstGeom>
+            <a:solidFill>
+              <a:schemeClr val="bg1">
+                <a:lumMod val="85000"/>
+              </a:schemeClr>
+            </a:solidFill>
+            <a:ln>
+              <a:noFill/>
+            </a:ln>
+          </p:spPr>
+          <p:style>
+            <a:lnRef idx="2">
+              <a:schemeClr val="accent1">
+                <a:shade val="50000"/>
+              </a:schemeClr>
+            </a:lnRef>
+            <a:fillRef idx="1">
+              <a:schemeClr val="accent1"/>
+            </a:fillRef>
+            <a:effectRef idx="0">
+              <a:schemeClr val="accent1"/>
+            </a:effectRef>
+            <a:fontRef idx="minor">
+              <a:schemeClr val="lt1"/>
+            </a:fontRef>
+          </p:style>
+          <p:txBody>
+            <a:bodyPr rtlCol="0" anchor="ctr"/>
+            <a:lstStyle/>
+            <a:p>
+              <a:pPr algn="ctr"/>
+              <a:endParaRPr lang="fr-FR" sz="1350" dirty="0"/>
+            </a:p>
+          </p:txBody>
+        </p:sp>
+        <p:sp>
+          <p:nvSpPr>
+            <p:cNvPr id="20" name="Oval 22"/>
+            <p:cNvSpPr/>
+            <p:nvPr/>
+          </p:nvSpPr>
+          <p:spPr>
+            <a:xfrm>
+              <a:off x="3173014" y="2956717"/>
+              <a:ext cx="944566" cy="944566"/>
+            </a:xfrm>
+            <a:prstGeom prst="ellipse">
+              <a:avLst/>
+            </a:prstGeom>
+            <a:solidFill>
+              <a:schemeClr val="bg1">
+                <a:lumMod val="85000"/>
+                <a:alpha val="42000"/>
+              </a:schemeClr>
+            </a:solidFill>
+            <a:ln>
+              <a:noFill/>
+            </a:ln>
+          </p:spPr>
+          <p:style>
+            <a:lnRef idx="2">
+              <a:schemeClr val="accent1">
+                <a:shade val="50000"/>
+              </a:schemeClr>
+            </a:lnRef>
+            <a:fillRef idx="1">
+              <a:schemeClr val="accent1"/>
+            </a:fillRef>
+            <a:effectRef idx="0">
+              <a:schemeClr val="accent1"/>
+            </a:effectRef>
+            <a:fontRef idx="minor">
+              <a:schemeClr val="lt1"/>
+            </a:fontRef>
+          </p:style>
+          <p:txBody>
+            <a:bodyPr rtlCol="0" anchor="ctr"/>
+            <a:lstStyle/>
+            <a:p>
+              <a:pPr algn="ctr"/>
+              <a:r>
+                <a:rPr lang="fr-FR" sz="2100" dirty="0">
+                  <a:solidFill>
+                    <a:schemeClr val="tx1"/>
+                  </a:solidFill>
+                  <a:latin typeface="Segoe UI" panose="020B0502040204020203" pitchFamily="34" charset="0"/>
+                  <a:cs typeface="Segoe UI" panose="020B0502040204020203" pitchFamily="34" charset="0"/>
+                </a:rPr>
+                <a:t>2</a:t>
+              </a:r>
+            </a:p>
+          </p:txBody>
+        </p:sp>
+      </p:grpSp>
+      <p:grpSp>
+        <p:nvGrpSpPr>
+          <p:cNvPr id="21" name="Group 27"/>
+          <p:cNvGrpSpPr/>
+          <p:nvPr/>
+        </p:nvGrpSpPr>
+        <p:grpSpPr>
+          <a:xfrm>
+            <a:off x="1220043" y="5039859"/>
+            <a:ext cx="708425" cy="708425"/>
+            <a:chOff x="3173014" y="2956717"/>
+            <a:chExt cx="944566" cy="944566"/>
+          </a:xfrm>
+        </p:grpSpPr>
+        <p:sp>
+          <p:nvSpPr>
+            <p:cNvPr id="22" name="Oval 28"/>
+            <p:cNvSpPr/>
+            <p:nvPr/>
+          </p:nvSpPr>
+          <p:spPr>
+            <a:xfrm>
+              <a:off x="3290491" y="3074194"/>
+              <a:ext cx="709612" cy="709612"/>
+            </a:xfrm>
+            <a:prstGeom prst="ellipse">
+              <a:avLst/>
+            </a:prstGeom>
+            <a:solidFill>
+              <a:schemeClr val="bg1">
+                <a:lumMod val="85000"/>
+              </a:schemeClr>
+            </a:solidFill>
+            <a:ln>
+              <a:noFill/>
+            </a:ln>
+          </p:spPr>
+          <p:style>
+            <a:lnRef idx="2">
+              <a:schemeClr val="accent1">
+                <a:shade val="50000"/>
+              </a:schemeClr>
+            </a:lnRef>
+            <a:fillRef idx="1">
+              <a:schemeClr val="accent1"/>
+            </a:fillRef>
+            <a:effectRef idx="0">
+              <a:schemeClr val="accent1"/>
+            </a:effectRef>
+            <a:fontRef idx="minor">
+              <a:schemeClr val="lt1"/>
+            </a:fontRef>
+          </p:style>
+          <p:txBody>
+            <a:bodyPr rtlCol="0" anchor="ctr"/>
+            <a:lstStyle/>
+            <a:p>
+              <a:pPr algn="ctr"/>
+              <a:endParaRPr lang="fr-FR" sz="1350"/>
+            </a:p>
+          </p:txBody>
+        </p:sp>
+        <p:sp>
+          <p:nvSpPr>
+            <p:cNvPr id="23" name="Oval 29"/>
+            <p:cNvSpPr/>
+            <p:nvPr/>
+          </p:nvSpPr>
+          <p:spPr>
+            <a:xfrm>
+              <a:off x="3173014" y="2956717"/>
+              <a:ext cx="944566" cy="944566"/>
+            </a:xfrm>
+            <a:prstGeom prst="ellipse">
+              <a:avLst/>
+            </a:prstGeom>
+            <a:solidFill>
+              <a:schemeClr val="bg1">
+                <a:lumMod val="85000"/>
+                <a:alpha val="42000"/>
+              </a:schemeClr>
+            </a:solidFill>
+            <a:ln>
+              <a:noFill/>
+            </a:ln>
+          </p:spPr>
+          <p:style>
+            <a:lnRef idx="2">
+              <a:schemeClr val="accent1">
+                <a:shade val="50000"/>
+              </a:schemeClr>
+            </a:lnRef>
+            <a:fillRef idx="1">
+              <a:schemeClr val="accent1"/>
+            </a:fillRef>
+            <a:effectRef idx="0">
+              <a:schemeClr val="accent1"/>
+            </a:effectRef>
+            <a:fontRef idx="minor">
+              <a:schemeClr val="lt1"/>
+            </a:fontRef>
+          </p:style>
+          <p:txBody>
+            <a:bodyPr rtlCol="0" anchor="ctr"/>
+            <a:lstStyle/>
+            <a:p>
+              <a:pPr algn="ctr"/>
+              <a:r>
+                <a:rPr lang="fr-FR" sz="2100" dirty="0">
+                  <a:solidFill>
+                    <a:schemeClr val="tx1"/>
+                  </a:solidFill>
+                  <a:latin typeface="Segoe UI" panose="020B0502040204020203" pitchFamily="34" charset="0"/>
+                  <a:cs typeface="Segoe UI" panose="020B0502040204020203" pitchFamily="34" charset="0"/>
+                </a:rPr>
+                <a:t>3</a:t>
+              </a:r>
+            </a:p>
+          </p:txBody>
+        </p:sp>
+      </p:grpSp>
+      <p:cxnSp>
+        <p:nvCxnSpPr>
+          <p:cNvPr id="24" name="Straight Connector 13"/>
+          <p:cNvCxnSpPr/>
+          <p:nvPr/>
+        </p:nvCxnSpPr>
+        <p:spPr>
+          <a:xfrm>
+            <a:off x="1571021" y="3952659"/>
+            <a:ext cx="0" cy="1087200"/>
+          </a:xfrm>
+          <a:prstGeom prst="line">
+            <a:avLst/>
+          </a:prstGeom>
+          <a:ln w="28575">
+            <a:solidFill>
+              <a:srgbClr val="EDECEC"/>
+            </a:solidFill>
+          </a:ln>
+        </p:spPr>
+        <p:style>
+          <a:lnRef idx="1">
+            <a:schemeClr val="accent1"/>
+          </a:lnRef>
+          <a:fillRef idx="0">
+            <a:schemeClr val="accent1"/>
+          </a:fillRef>
+          <a:effectRef idx="0">
+            <a:schemeClr val="accent1"/>
+          </a:effectRef>
+          <a:fontRef idx="minor">
+            <a:schemeClr val="tx1"/>
+          </a:fontRef>
+        </p:style>
+      </p:cxnSp>
+      <p:sp>
+        <p:nvSpPr>
+          <p:cNvPr id="27" name="TextBox 98"/>
+          <p:cNvSpPr txBox="1"/>
+          <p:nvPr/>
+        </p:nvSpPr>
+        <p:spPr>
+          <a:xfrm>
+            <a:off x="2525567" y="1616379"/>
+            <a:ext cx="2407712" cy="323165"/>
+          </a:xfrm>
+          <a:prstGeom prst="rect">
+            <a:avLst/>
+          </a:prstGeom>
+          <a:noFill/>
+        </p:spPr>
+        <p:txBody>
+          <a:bodyPr wrap="square" lIns="0" rtlCol="0" anchor="t">
+            <a:spAutoFit/>
+          </a:bodyPr>
+          <a:lstStyle/>
+          <a:p>
+            <a:r>
+              <a:rPr lang="zh-TW" altLang="en-US" sz="1500" dirty="0">
+                <a:latin typeface="Segoe UI Light" panose="020B0502040204020203" pitchFamily="34" charset="0"/>
+                <a:cs typeface="Segoe UI Light" panose="020B0502040204020203" pitchFamily="34" charset="0"/>
+              </a:rPr>
+              <a:t>取出</a:t>
+            </a:r>
+            <a:r>
+              <a:rPr lang="en-US" altLang="zh-TW" sz="1500" dirty="0">
+                <a:latin typeface="Segoe UI Light" panose="020B0502040204020203" pitchFamily="34" charset="0"/>
+                <a:cs typeface="Segoe UI Light" panose="020B0502040204020203" pitchFamily="34" charset="0"/>
+              </a:rPr>
+              <a:t>:</a:t>
+            </a:r>
+            <a:r>
+              <a:rPr lang="zh-TW" altLang="en-US" sz="1500" dirty="0">
+                <a:latin typeface="Segoe UI Light" panose="020B0502040204020203" pitchFamily="34" charset="0"/>
+                <a:cs typeface="Segoe UI Light" panose="020B0502040204020203" pitchFamily="34" charset="0"/>
+              </a:rPr>
+              <a:t> 主筋支數、繫筋支數</a:t>
+            </a:r>
+            <a:endParaRPr lang="fr-FR" sz="1500" dirty="0">
+              <a:latin typeface="Segoe UI Light" panose="020B0502040204020203" pitchFamily="34" charset="0"/>
+              <a:cs typeface="Segoe UI Light" panose="020B0502040204020203" pitchFamily="34" charset="0"/>
+            </a:endParaRPr>
+          </a:p>
+        </p:txBody>
+      </p:sp>
+      <p:sp>
+        <p:nvSpPr>
+          <p:cNvPr id="31" name="TextBox 98"/>
+          <p:cNvSpPr txBox="1"/>
+          <p:nvPr/>
+        </p:nvSpPr>
+        <p:spPr>
+          <a:xfrm>
+            <a:off x="2525567" y="3440098"/>
+            <a:ext cx="4116302" cy="323165"/>
+          </a:xfrm>
+          <a:prstGeom prst="rect">
+            <a:avLst/>
+          </a:prstGeom>
+          <a:noFill/>
+        </p:spPr>
+        <p:txBody>
+          <a:bodyPr wrap="square" lIns="0" rtlCol="0" anchor="t">
+            <a:spAutoFit/>
+          </a:bodyPr>
+          <a:lstStyle/>
+          <a:p>
+            <a:r>
+              <a:rPr lang="zh-TW" altLang="en-US" sz="1500" dirty="0">
+                <a:latin typeface="Segoe UI Light" panose="020B0502040204020203" pitchFamily="34" charset="0"/>
+                <a:cs typeface="Segoe UI Light" panose="020B0502040204020203" pitchFamily="34" charset="0"/>
+              </a:rPr>
+              <a:t>判斷</a:t>
+            </a:r>
+            <a:r>
+              <a:rPr lang="en-US" altLang="zh-TW" sz="1500" dirty="0">
+                <a:latin typeface="Segoe UI Light" panose="020B0502040204020203" pitchFamily="34" charset="0"/>
+                <a:cs typeface="Segoe UI Light" panose="020B0502040204020203" pitchFamily="34" charset="0"/>
+              </a:rPr>
+              <a:t>:</a:t>
+            </a:r>
+            <a:r>
+              <a:rPr lang="zh-TW" altLang="en-US" sz="1500" dirty="0">
+                <a:latin typeface="Segoe UI Light" panose="020B0502040204020203" pitchFamily="34" charset="0"/>
+                <a:cs typeface="Segoe UI Light" panose="020B0502040204020203" pitchFamily="34" charset="0"/>
+              </a:rPr>
+              <a:t> 繫筋支數 </a:t>
+            </a:r>
+            <a:r>
+              <a:rPr lang="en-US" altLang="zh-TW" sz="1500" dirty="0">
+                <a:latin typeface="Segoe UI Light" panose="020B0502040204020203" pitchFamily="34" charset="0"/>
+                <a:cs typeface="Segoe UI Light" panose="020B0502040204020203" pitchFamily="34" charset="0"/>
+              </a:rPr>
+              <a:t>&gt;</a:t>
+            </a:r>
+            <a:r>
+              <a:rPr lang="zh-TW" altLang="en-US" sz="1500" dirty="0">
+                <a:latin typeface="Segoe UI Light" panose="020B0502040204020203" pitchFamily="34" charset="0"/>
+                <a:cs typeface="Segoe UI Light" panose="020B0502040204020203" pitchFamily="34" charset="0"/>
+              </a:rPr>
+              <a:t> </a:t>
+            </a:r>
+            <a:r>
+              <a:rPr lang="en-US" altLang="zh-TW" sz="1500" dirty="0">
+                <a:latin typeface="Segoe UI Light" panose="020B0502040204020203" pitchFamily="34" charset="0"/>
+                <a:cs typeface="Segoe UI Light" panose="020B0502040204020203" pitchFamily="34" charset="0"/>
+              </a:rPr>
+              <a:t>((</a:t>
+            </a:r>
+            <a:r>
+              <a:rPr lang="zh-TW" altLang="en-US" sz="1500" dirty="0">
+                <a:latin typeface="Segoe UI Light" panose="020B0502040204020203" pitchFamily="34" charset="0"/>
+                <a:cs typeface="Segoe UI Light" panose="020B0502040204020203" pitchFamily="34" charset="0"/>
+              </a:rPr>
+              <a:t>主筋支數 </a:t>
+            </a:r>
+            <a:r>
+              <a:rPr lang="en-US" altLang="zh-TW" sz="1500" dirty="0">
+                <a:latin typeface="Segoe UI Light" panose="020B0502040204020203" pitchFamily="34" charset="0"/>
+                <a:cs typeface="Segoe UI Light" panose="020B0502040204020203" pitchFamily="34" charset="0"/>
+              </a:rPr>
+              <a:t>-1)</a:t>
+            </a:r>
+            <a:r>
+              <a:rPr lang="zh-TW" altLang="en-US" sz="1500" dirty="0">
+                <a:latin typeface="Segoe UI Light" panose="020B0502040204020203" pitchFamily="34" charset="0"/>
+                <a:cs typeface="Segoe UI Light" panose="020B0502040204020203" pitchFamily="34" charset="0"/>
+              </a:rPr>
+              <a:t> </a:t>
+            </a:r>
+            <a:r>
+              <a:rPr lang="en-US" altLang="zh-TW" sz="1500" dirty="0">
+                <a:latin typeface="Segoe UI Light" panose="020B0502040204020203" pitchFamily="34" charset="0"/>
+                <a:cs typeface="Segoe UI Light" panose="020B0502040204020203" pitchFamily="34" charset="0"/>
+              </a:rPr>
+              <a:t>/</a:t>
+            </a:r>
+            <a:r>
+              <a:rPr lang="zh-TW" altLang="en-US" sz="1500" dirty="0">
+                <a:latin typeface="Segoe UI Light" panose="020B0502040204020203" pitchFamily="34" charset="0"/>
+                <a:cs typeface="Segoe UI Light" panose="020B0502040204020203" pitchFamily="34" charset="0"/>
+              </a:rPr>
+              <a:t> </a:t>
+            </a:r>
+            <a:r>
+              <a:rPr lang="en-US" altLang="zh-TW" sz="1500" dirty="0">
+                <a:latin typeface="Segoe UI Light" panose="020B0502040204020203" pitchFamily="34" charset="0"/>
+                <a:cs typeface="Segoe UI Light" panose="020B0502040204020203" pitchFamily="34" charset="0"/>
+              </a:rPr>
+              <a:t>2)</a:t>
+            </a:r>
+            <a:r>
+              <a:rPr lang="zh-TW" altLang="en-US" sz="1500" dirty="0">
+                <a:latin typeface="Segoe UI Light" panose="020B0502040204020203" pitchFamily="34" charset="0"/>
+                <a:cs typeface="Segoe UI Light" panose="020B0502040204020203" pitchFamily="34" charset="0"/>
+              </a:rPr>
+              <a:t> </a:t>
+            </a:r>
+            <a:r>
+              <a:rPr lang="en-US" altLang="zh-TW" sz="1500" dirty="0">
+                <a:latin typeface="Segoe UI Light" panose="020B0502040204020203" pitchFamily="34" charset="0"/>
+                <a:cs typeface="Segoe UI Light" panose="020B0502040204020203" pitchFamily="34" charset="0"/>
+              </a:rPr>
+              <a:t>-</a:t>
+            </a:r>
+            <a:r>
+              <a:rPr lang="zh-TW" altLang="en-US" sz="1500" dirty="0">
+                <a:latin typeface="Segoe UI Light" panose="020B0502040204020203" pitchFamily="34" charset="0"/>
+                <a:cs typeface="Segoe UI Light" panose="020B0502040204020203" pitchFamily="34" charset="0"/>
+              </a:rPr>
+              <a:t> </a:t>
+            </a:r>
+            <a:r>
+              <a:rPr lang="en-US" altLang="zh-TW" sz="1500" dirty="0">
+                <a:latin typeface="Segoe UI Light" panose="020B0502040204020203" pitchFamily="34" charset="0"/>
+                <a:cs typeface="Segoe UI Light" panose="020B0502040204020203" pitchFamily="34" charset="0"/>
+              </a:rPr>
+              <a:t>1</a:t>
+            </a:r>
+            <a:endParaRPr lang="fr-FR" sz="1500" dirty="0">
+              <a:latin typeface="Segoe UI Light" panose="020B0502040204020203" pitchFamily="34" charset="0"/>
+              <a:cs typeface="Segoe UI Light" panose="020B0502040204020203" pitchFamily="34" charset="0"/>
+            </a:endParaRPr>
+          </a:p>
+        </p:txBody>
+      </p:sp>
+      <p:sp>
+        <p:nvSpPr>
+          <p:cNvPr id="32" name="TextBox 98"/>
+          <p:cNvSpPr txBox="1"/>
+          <p:nvPr/>
+        </p:nvSpPr>
+        <p:spPr>
+          <a:xfrm>
+            <a:off x="2525566" y="4929497"/>
+            <a:ext cx="4829019" cy="1015663"/>
+          </a:xfrm>
+          <a:prstGeom prst="rect">
+            <a:avLst/>
+          </a:prstGeom>
+          <a:noFill/>
+        </p:spPr>
+        <p:txBody>
+          <a:bodyPr wrap="square" lIns="0" rtlCol="0" anchor="t">
+            <a:spAutoFit/>
+          </a:bodyPr>
+          <a:lstStyle/>
+          <a:p>
+            <a:r>
+              <a:rPr lang="zh-TW" altLang="en-US" sz="1500" dirty="0">
+                <a:latin typeface="Segoe UI Light" panose="020B0502040204020203" pitchFamily="34" charset="0"/>
+                <a:cs typeface="Segoe UI Light" panose="020B0502040204020203" pitchFamily="34" charset="0"/>
+              </a:rPr>
+              <a:t>是</a:t>
+            </a:r>
+            <a:r>
+              <a:rPr lang="en-US" altLang="zh-TW" sz="1500" dirty="0">
+                <a:latin typeface="Segoe UI Light" panose="020B0502040204020203" pitchFamily="34" charset="0"/>
+                <a:cs typeface="Segoe UI Light" panose="020B0502040204020203" pitchFamily="34" charset="0"/>
+              </a:rPr>
+              <a:t>:</a:t>
+            </a:r>
+            <a:r>
+              <a:rPr lang="zh-TW" altLang="en-US" sz="1500" dirty="0">
+                <a:latin typeface="Segoe UI Light" panose="020B0502040204020203" pitchFamily="34" charset="0"/>
+                <a:cs typeface="Segoe UI Light" panose="020B0502040204020203" pitchFamily="34" charset="0"/>
+              </a:rPr>
+              <a:t> </a:t>
+            </a:r>
+            <a:r>
+              <a:rPr lang="en-US" altLang="zh-TW" sz="1500" dirty="0">
+                <a:latin typeface="Segoe UI Light" panose="020B0502040204020203" pitchFamily="34" charset="0"/>
+                <a:cs typeface="Segoe UI Light" panose="020B0502040204020203" pitchFamily="34" charset="0"/>
+              </a:rPr>
+              <a:t>OK</a:t>
+            </a:r>
+          </a:p>
+          <a:p>
+            <a:r>
+              <a:rPr lang="zh-TW" altLang="en-US" sz="1500" dirty="0">
+                <a:latin typeface="Segoe UI Light" panose="020B0502040204020203" pitchFamily="34" charset="0"/>
+                <a:cs typeface="Segoe UI Light" panose="020B0502040204020203" pitchFamily="34" charset="0"/>
+              </a:rPr>
+              <a:t>否</a:t>
+            </a:r>
+            <a:r>
+              <a:rPr lang="en-US" altLang="zh-TW" sz="1500" dirty="0">
+                <a:latin typeface="Segoe UI Light" panose="020B0502040204020203" pitchFamily="34" charset="0"/>
+                <a:cs typeface="Segoe UI Light" panose="020B0502040204020203" pitchFamily="34" charset="0"/>
+              </a:rPr>
+              <a:t>:</a:t>
+            </a:r>
+            <a:r>
+              <a:rPr lang="zh-TW" altLang="en-US" sz="1500" dirty="0">
+                <a:latin typeface="Segoe UI Light" panose="020B0502040204020203" pitchFamily="34" charset="0"/>
+                <a:cs typeface="Segoe UI Light" panose="020B0502040204020203" pitchFamily="34" charset="0"/>
+              </a:rPr>
+              <a:t> </a:t>
+            </a:r>
+            <a:endParaRPr lang="en-US" altLang="zh-TW" sz="1500" dirty="0">
+              <a:latin typeface="Segoe UI Light" panose="020B0502040204020203" pitchFamily="34" charset="0"/>
+              <a:cs typeface="Segoe UI Light" panose="020B0502040204020203" pitchFamily="34" charset="0"/>
+            </a:endParaRPr>
+          </a:p>
+          <a:p>
+            <a:pPr marL="285750" indent="-285750">
+              <a:buFontTx/>
+              <a:buChar char="-"/>
+            </a:pPr>
+            <a:r>
+              <a:rPr lang="en-US" altLang="zh-TW" sz="1500" dirty="0">
+                <a:latin typeface="Segoe UI Light" panose="020B0502040204020203" pitchFamily="34" charset="0"/>
+                <a:cs typeface="Segoe UI Light" panose="020B0502040204020203" pitchFamily="34" charset="0"/>
+              </a:rPr>
+              <a:t>【0406】X </a:t>
+            </a:r>
+            <a:r>
+              <a:rPr lang="zh-TW" altLang="en-US" sz="1500" dirty="0">
+                <a:latin typeface="Segoe UI Light" panose="020B0502040204020203" pitchFamily="34" charset="0"/>
+                <a:cs typeface="Segoe UI Light" panose="020B0502040204020203" pitchFamily="34" charset="0"/>
+              </a:rPr>
+              <a:t>向繫筋未符合隔根勾</a:t>
+            </a:r>
+            <a:endParaRPr lang="en-US" altLang="zh-TW" sz="1500" dirty="0">
+              <a:latin typeface="Segoe UI Light" panose="020B0502040204020203" pitchFamily="34" charset="0"/>
+              <a:cs typeface="Segoe UI Light" panose="020B0502040204020203" pitchFamily="34" charset="0"/>
+            </a:endParaRPr>
+          </a:p>
+          <a:p>
+            <a:pPr marL="285750" indent="-285750">
+              <a:buFontTx/>
+              <a:buChar char="-"/>
+            </a:pPr>
+            <a:r>
+              <a:rPr lang="en-US" altLang="zh-TW" sz="1500" dirty="0">
+                <a:latin typeface="Segoe UI Light" panose="020B0502040204020203" pitchFamily="34" charset="0"/>
+                <a:cs typeface="Segoe UI Light" panose="020B0502040204020203" pitchFamily="34" charset="0"/>
+              </a:rPr>
+              <a:t>【0407】Y </a:t>
+            </a:r>
+            <a:r>
+              <a:rPr lang="zh-TW" altLang="en-US" sz="1500" dirty="0">
+                <a:latin typeface="Segoe UI Light" panose="020B0502040204020203" pitchFamily="34" charset="0"/>
+                <a:cs typeface="Segoe UI Light" panose="020B0502040204020203" pitchFamily="34" charset="0"/>
+              </a:rPr>
+              <a:t>向繫筋未符合隔根勾</a:t>
+            </a:r>
+            <a:endParaRPr lang="fr-FR" sz="1500" dirty="0">
+              <a:latin typeface="Segoe UI Light" panose="020B0502040204020203" pitchFamily="34" charset="0"/>
+              <a:cs typeface="Segoe UI Light" panose="020B0502040204020203" pitchFamily="34" charset="0"/>
+            </a:endParaRPr>
+          </a:p>
+        </p:txBody>
+      </p:sp>
+      <p:sp>
+        <p:nvSpPr>
+          <p:cNvPr id="2" name="文字方塊 1">
+            <a:extLst>
+              <a:ext uri="{FF2B5EF4-FFF2-40B4-BE49-F238E27FC236}">
+                <a16:creationId xmlns:a16="http://schemas.microsoft.com/office/drawing/2014/main" id="{3FB28016-F626-48AF-97D3-7238D4526DD9}"/>
+              </a:ext>
+            </a:extLst>
+          </p:cNvPr>
+          <p:cNvSpPr txBox="1"/>
+          <p:nvPr/>
+        </p:nvSpPr>
+        <p:spPr>
+          <a:xfrm>
+            <a:off x="0" y="0"/>
+            <a:ext cx="1778051" cy="461665"/>
+          </a:xfrm>
+          <a:prstGeom prst="rect">
+            <a:avLst/>
+          </a:prstGeom>
+          <a:solidFill>
+            <a:schemeClr val="accent2"/>
+          </a:solidFill>
+        </p:spPr>
+        <p:txBody>
+          <a:bodyPr wrap="none" rtlCol="0">
+            <a:spAutoFit/>
+          </a:bodyPr>
+          <a:lstStyle/>
+          <a:p>
+            <a:r>
+              <a:rPr lang="en-US" altLang="zh-TW" sz="2400" dirty="0">
+                <a:solidFill>
+                  <a:schemeClr val="bg1"/>
+                </a:solidFill>
+              </a:rPr>
+              <a:t>0406~0407</a:t>
+            </a:r>
+            <a:endParaRPr lang="zh-TW" altLang="en-US" sz="2400" dirty="0">
+              <a:solidFill>
+                <a:schemeClr val="bg1"/>
+              </a:solidFill>
+            </a:endParaRPr>
+          </a:p>
+        </p:txBody>
+      </p:sp>
+      <p:sp>
+        <p:nvSpPr>
+          <p:cNvPr id="26" name="文字方塊 25">
+            <a:extLst>
+              <a:ext uri="{FF2B5EF4-FFF2-40B4-BE49-F238E27FC236}">
+                <a16:creationId xmlns:a16="http://schemas.microsoft.com/office/drawing/2014/main" id="{C7FDD815-789D-4B42-AF9B-8F0CE4494D12}"/>
+              </a:ext>
+            </a:extLst>
+          </p:cNvPr>
+          <p:cNvSpPr txBox="1"/>
+          <p:nvPr/>
+        </p:nvSpPr>
+        <p:spPr>
+          <a:xfrm>
+            <a:off x="1778051" y="0"/>
+            <a:ext cx="800219" cy="461665"/>
+          </a:xfrm>
+          <a:prstGeom prst="rect">
+            <a:avLst/>
+          </a:prstGeom>
+          <a:solidFill>
+            <a:schemeClr val="accent3"/>
+          </a:solidFill>
+        </p:spPr>
+        <p:txBody>
+          <a:bodyPr wrap="none" rtlCol="0">
+            <a:spAutoFit/>
+          </a:bodyPr>
+          <a:lstStyle/>
+          <a:p>
+            <a:r>
+              <a:rPr lang="zh-TW" altLang="en-US" sz="2400" dirty="0">
+                <a:solidFill>
+                  <a:schemeClr val="bg1"/>
+                </a:solidFill>
+              </a:rPr>
+              <a:t>繫筋</a:t>
+            </a:r>
+          </a:p>
+        </p:txBody>
+      </p:sp>
+      <p:sp>
+        <p:nvSpPr>
+          <p:cNvPr id="25" name="TextBox 98">
+            <a:extLst>
+              <a:ext uri="{FF2B5EF4-FFF2-40B4-BE49-F238E27FC236}">
+                <a16:creationId xmlns:a16="http://schemas.microsoft.com/office/drawing/2014/main" id="{885AA831-B509-4961-B8DC-4DB11F6BB276}"/>
+              </a:ext>
+            </a:extLst>
+          </p:cNvPr>
+          <p:cNvSpPr txBox="1"/>
+          <p:nvPr/>
+        </p:nvSpPr>
+        <p:spPr>
+          <a:xfrm>
+            <a:off x="5493054" y="1616379"/>
+            <a:ext cx="2046434" cy="323165"/>
+          </a:xfrm>
+          <a:prstGeom prst="rect">
+            <a:avLst/>
+          </a:prstGeom>
+          <a:noFill/>
+        </p:spPr>
+        <p:txBody>
+          <a:bodyPr wrap="square" lIns="0" rtlCol="0" anchor="t">
+            <a:spAutoFit/>
+          </a:bodyPr>
+          <a:lstStyle/>
+          <a:p>
+            <a:r>
+              <a:rPr lang="zh-TW" altLang="en-US" sz="1500" dirty="0">
+                <a:latin typeface="Segoe UI Light" panose="020B0502040204020203" pitchFamily="34" charset="0"/>
+                <a:cs typeface="Segoe UI Light" panose="020B0502040204020203" pitchFamily="34" charset="0"/>
+              </a:rPr>
+              <a:t>前提條件</a:t>
+            </a:r>
+            <a:r>
+              <a:rPr lang="en-US" altLang="zh-TW" sz="1500" dirty="0">
+                <a:latin typeface="Segoe UI Light" panose="020B0502040204020203" pitchFamily="34" charset="0"/>
+                <a:cs typeface="Segoe UI Light" panose="020B0502040204020203" pitchFamily="34" charset="0"/>
+              </a:rPr>
+              <a:t>:</a:t>
+            </a:r>
+            <a:r>
+              <a:rPr lang="zh-TW" altLang="en-US" sz="1500" dirty="0">
+                <a:latin typeface="Segoe UI Light" panose="020B0502040204020203" pitchFamily="34" charset="0"/>
+                <a:cs typeface="Segoe UI Light" panose="020B0502040204020203" pitchFamily="34" charset="0"/>
+              </a:rPr>
+              <a:t> </a:t>
+            </a:r>
+            <a:r>
+              <a:rPr lang="en-US" altLang="zh-TW" sz="1500" dirty="0">
+                <a:latin typeface="Segoe UI Light" panose="020B0502040204020203" pitchFamily="34" charset="0"/>
+                <a:cs typeface="Segoe UI Light" panose="020B0502040204020203" pitchFamily="34" charset="0"/>
+              </a:rPr>
+              <a:t>&gt;</a:t>
+            </a:r>
+            <a:r>
+              <a:rPr lang="zh-TW" altLang="en-US" sz="1500" dirty="0">
+                <a:latin typeface="Segoe UI Light" panose="020B0502040204020203" pitchFamily="34" charset="0"/>
+                <a:cs typeface="Segoe UI Light" panose="020B0502040204020203" pitchFamily="34" charset="0"/>
+              </a:rPr>
+              <a:t> </a:t>
+            </a:r>
+            <a:r>
+              <a:rPr lang="en-US" altLang="zh-TW" sz="1500" dirty="0">
+                <a:latin typeface="Segoe UI Light" panose="020B0502040204020203" pitchFamily="34" charset="0"/>
+                <a:cs typeface="Segoe UI Light" panose="020B0502040204020203" pitchFamily="34" charset="0"/>
+              </a:rPr>
+              <a:t>1F</a:t>
+            </a:r>
+            <a:endParaRPr lang="fr-FR" sz="1500" dirty="0">
+              <a:latin typeface="Segoe UI Light" panose="020B0502040204020203" pitchFamily="34" charset="0"/>
+              <a:cs typeface="Segoe UI Light" panose="020B0502040204020203" pitchFamily="34" charset="0"/>
+            </a:endParaRPr>
+          </a:p>
+        </p:txBody>
+      </p:sp>
+    </p:spTree>
+    <p:extLst>
+      <p:ext uri="{BB962C8B-B14F-4D97-AF65-F5344CB8AC3E}">
+        <p14:creationId xmlns:p14="http://schemas.microsoft.com/office/powerpoint/2010/main" val="2096755166"/>
       </p:ext>
     </p:extLst>
   </p:cSld>

--- a/20170524_RCScan/2018-1207 RC SCAN 說明文件.pptx
+++ b/20170524_RCScan/2018-1207 RC SCAN 說明文件.pptx
@@ -195,9 +195,6 @@
             <p14:sldId id="315"/>
           </p14:sldIdLst>
         </p14:section>
-        <p14:section name="PURPLE THEME" id="{BAA48192-D5C0-4ACE-A8ED-1FDEAD944A1D}">
-          <p14:sldIdLst/>
-        </p14:section>
       </p14:sectionLst>
     </p:ext>
     <p:ext uri="{EFAFB233-063F-42B5-8137-9DF3F51BA10A}">
@@ -3967,7 +3964,7 @@
           <a:blip r:embed="rId2">
             <a:extLst>
               <a:ext uri="{96DAC541-7B7A-43D3-8B79-37D633B846F1}">
-                <asvg:svgBlip xmlns:asvg="http://schemas.microsoft.com/office/drawing/2016/SVG/main" r:embed="rId3"/>
+                <asvg:svgBlip xmlns:asvg="http://schemas.microsoft.com/office/drawing/2016/SVG/main" xmlns="" r:embed="rId3"/>
               </a:ext>
             </a:extLst>
           </a:blip>
@@ -4831,7 +4828,7 @@
           <a:blip r:embed="rId2">
             <a:extLst>
               <a:ext uri="{96DAC541-7B7A-43D3-8B79-37D633B846F1}">
-                <asvg:svgBlip xmlns:asvg="http://schemas.microsoft.com/office/drawing/2016/SVG/main" r:embed="rId3"/>
+                <asvg:svgBlip xmlns:asvg="http://schemas.microsoft.com/office/drawing/2016/SVG/main" xmlns="" r:embed="rId3"/>
               </a:ext>
             </a:extLst>
           </a:blip>
@@ -6385,7 +6382,7 @@
           <a:blip r:embed="rId2">
             <a:extLst>
               <a:ext uri="{96DAC541-7B7A-43D3-8B79-37D633B846F1}">
-                <asvg:svgBlip xmlns:asvg="http://schemas.microsoft.com/office/drawing/2016/SVG/main" r:embed="rId3"/>
+                <asvg:svgBlip xmlns:asvg="http://schemas.microsoft.com/office/drawing/2016/SVG/main" xmlns="" r:embed="rId3"/>
               </a:ext>
             </a:extLst>
           </a:blip>
@@ -7244,7 +7241,7 @@
           <a:blip r:embed="rId2">
             <a:extLst>
               <a:ext uri="{96DAC541-7B7A-43D3-8B79-37D633B846F1}">
-                <asvg:svgBlip xmlns:asvg="http://schemas.microsoft.com/office/drawing/2016/SVG/main" r:embed="rId3"/>
+                <asvg:svgBlip xmlns:asvg="http://schemas.microsoft.com/office/drawing/2016/SVG/main" xmlns="" r:embed="rId3"/>
               </a:ext>
             </a:extLst>
           </a:blip>
@@ -7988,7 +7985,7 @@
           <a:blip r:embed="rId2">
             <a:extLst>
               <a:ext uri="{96DAC541-7B7A-43D3-8B79-37D633B846F1}">
-                <asvg:svgBlip xmlns:asvg="http://schemas.microsoft.com/office/drawing/2016/SVG/main" r:embed="rId3"/>
+                <asvg:svgBlip xmlns:asvg="http://schemas.microsoft.com/office/drawing/2016/SVG/main" xmlns="" r:embed="rId3"/>
               </a:ext>
             </a:extLst>
           </a:blip>
@@ -8779,7 +8776,7 @@
           <a:blip r:embed="rId2">
             <a:extLst>
               <a:ext uri="{96DAC541-7B7A-43D3-8B79-37D633B846F1}">
-                <asvg:svgBlip xmlns:asvg="http://schemas.microsoft.com/office/drawing/2016/SVG/main" r:embed="rId3"/>
+                <asvg:svgBlip xmlns:asvg="http://schemas.microsoft.com/office/drawing/2016/SVG/main" xmlns="" r:embed="rId3"/>
               </a:ext>
             </a:extLst>
           </a:blip>
@@ -9180,7 +9177,7 @@
             <a:blip r:embed="rId11">
               <a:extLst>
                 <a:ext uri="{96DAC541-7B7A-43D3-8B79-37D633B846F1}">
-                  <asvg:svgBlip xmlns:asvg="http://schemas.microsoft.com/office/drawing/2016/SVG/main" r:embed="rId12"/>
+                  <asvg:svgBlip xmlns:asvg="http://schemas.microsoft.com/office/drawing/2016/SVG/main" xmlns="" r:embed="rId12"/>
                 </a:ext>
               </a:extLst>
             </a:blip>
@@ -9821,7 +9818,7 @@
           <a:blip r:embed="rId11">
             <a:extLst>
               <a:ext uri="{96DAC541-7B7A-43D3-8B79-37D633B846F1}">
-                <asvg:svgBlip xmlns:asvg="http://schemas.microsoft.com/office/drawing/2016/SVG/main" r:embed="rId12"/>
+                <asvg:svgBlip xmlns:asvg="http://schemas.microsoft.com/office/drawing/2016/SVG/main" xmlns="" r:embed="rId12"/>
               </a:ext>
             </a:extLst>
           </a:blip>
@@ -10541,7 +10538,7 @@
           <a:blip r:embed="rId11">
             <a:extLst>
               <a:ext uri="{96DAC541-7B7A-43D3-8B79-37D633B846F1}">
-                <asvg:svgBlip xmlns:asvg="http://schemas.microsoft.com/office/drawing/2016/SVG/main" r:embed="rId12"/>
+                <asvg:svgBlip xmlns:asvg="http://schemas.microsoft.com/office/drawing/2016/SVG/main" xmlns="" r:embed="rId12"/>
               </a:ext>
             </a:extLst>
           </a:blip>
@@ -12285,7 +12282,7 @@
         </p:nvSpPr>
         <p:spPr>
           <a:xfrm>
-            <a:off x="465514" y="698267"/>
+            <a:off x="922710" y="698267"/>
             <a:ext cx="2664512" cy="369332"/>
           </a:xfrm>
           <a:prstGeom prst="rect">
@@ -13114,7 +13111,7 @@
         </p:nvSpPr>
         <p:spPr>
           <a:xfrm>
-            <a:off x="465514" y="698267"/>
+            <a:off x="922712" y="698267"/>
             <a:ext cx="2672526" cy="369332"/>
           </a:xfrm>
           <a:prstGeom prst="rect">
@@ -24384,7 +24381,7 @@
         </p:nvSpPr>
         <p:spPr>
           <a:xfrm>
-            <a:off x="465514" y="698267"/>
+            <a:off x="922712" y="698267"/>
             <a:ext cx="2664512" cy="369332"/>
           </a:xfrm>
           <a:prstGeom prst="rect">
@@ -25307,7 +25304,7 @@
         </p:nvSpPr>
         <p:spPr>
           <a:xfrm>
-            <a:off x="465514" y="698267"/>
+            <a:off x="922712" y="698267"/>
             <a:ext cx="2672526" cy="369332"/>
           </a:xfrm>
           <a:prstGeom prst="rect">
@@ -26230,7 +26227,7 @@
         </p:nvSpPr>
         <p:spPr>
           <a:xfrm>
-            <a:off x="465514" y="698267"/>
+            <a:off x="922715" y="698267"/>
             <a:ext cx="4857420" cy="369332"/>
           </a:xfrm>
           <a:prstGeom prst="rect">
@@ -34541,7 +34538,7 @@
         </p:nvSpPr>
         <p:spPr>
           <a:xfrm>
-            <a:off x="465514" y="698267"/>
+            <a:off x="922712" y="698267"/>
             <a:ext cx="5972725" cy="369332"/>
           </a:xfrm>
           <a:prstGeom prst="rect">
@@ -41256,7 +41253,7 @@
         </p:nvSpPr>
         <p:spPr>
           <a:xfrm>
-            <a:off x="465514" y="698267"/>
+            <a:off x="922713" y="698267"/>
             <a:ext cx="2837636" cy="369332"/>
           </a:xfrm>
           <a:prstGeom prst="rect">
@@ -42174,7 +42171,7 @@
         </p:nvSpPr>
         <p:spPr>
           <a:xfrm>
-            <a:off x="465514" y="698267"/>
+            <a:off x="922715" y="698267"/>
             <a:ext cx="2972289" cy="369332"/>
           </a:xfrm>
           <a:prstGeom prst="rect">
@@ -43170,7 +43167,7 @@
         </p:nvSpPr>
         <p:spPr>
           <a:xfrm>
-            <a:off x="465514" y="698267"/>
+            <a:off x="922712" y="698267"/>
             <a:ext cx="2989921" cy="369332"/>
           </a:xfrm>
           <a:prstGeom prst="rect">
@@ -44009,7 +44006,7 @@
         </p:nvSpPr>
         <p:spPr>
           <a:xfrm>
-            <a:off x="465514" y="698267"/>
+            <a:off x="922716" y="698267"/>
             <a:ext cx="2654894" cy="369332"/>
           </a:xfrm>
           <a:prstGeom prst="rect">
@@ -44927,7 +44924,7 @@
         </p:nvSpPr>
         <p:spPr>
           <a:xfrm>
-            <a:off x="465514" y="698267"/>
+            <a:off x="922710" y="698267"/>
             <a:ext cx="4857420" cy="369332"/>
           </a:xfrm>
           <a:prstGeom prst="rect">
@@ -45891,7 +45888,7 @@
         </p:nvSpPr>
         <p:spPr>
           <a:xfrm>
-            <a:off x="465514" y="698267"/>
+            <a:off x="922712" y="698267"/>
             <a:ext cx="4626588" cy="369332"/>
           </a:xfrm>
           <a:prstGeom prst="rect">
